--- a/figs/makeFig.pptx
+++ b/figs/makeFig.pptx
@@ -5,16 +5,16 @@
     <p:sldMasterId id="2147483648" r:id="rId1"/>
   </p:sldMasterIdLst>
   <p:sldIdLst>
-    <p:sldId id="256" r:id="rId3"/>
-    <p:sldId id="257" r:id="rId4"/>
-    <p:sldId id="258" r:id="rId5"/>
-    <p:sldId id="259" r:id="rId6"/>
-    <p:sldId id="260" r:id="rId7"/>
-    <p:sldId id="261" r:id="rId8"/>
-    <p:sldId id="262" r:id="rId9"/>
+    <p:sldId id="256" r:id="rId2"/>
+    <p:sldId id="257" r:id="rId3"/>
+    <p:sldId id="258" r:id="rId4"/>
+    <p:sldId id="259" r:id="rId5"/>
+    <p:sldId id="260" r:id="rId6"/>
+    <p:sldId id="261" r:id="rId7"/>
+    <p:sldId id="262" r:id="rId8"/>
   </p:sldIdLst>
   <p:sldSz cx="10080625" cy="7559675"/>
-  <p:notesSz cx="7559675" cy="10691495"/>
+  <p:notesSz cx="7559675" cy="10691813"/>
   <p:defaultTextStyle>
     <a:lvl1pPr marL="0" algn="l" defTabSz="914400" rtl="0" eaLnBrk="1" latinLnBrk="0" hangingPunct="1">
       <a:defRPr sz="1800" kern="1200">
@@ -173,6 +173,7 @@
         </p:spPr>
         <p:txBody>
           <a:bodyPr lIns="0" tIns="0" rIns="0" bIns="0" anchor="ctr"/>
+          <a:lstStyle/>
           <a:p>
             <a:endParaRPr lang="ja-JP" sz="1800" b="0" strike="noStrike" spc="-1">
               <a:solidFill>
@@ -206,6 +207,7 @@
           <a:bodyPr lIns="0" tIns="0" rIns="0" bIns="0">
             <a:normAutofit/>
           </a:bodyPr>
+          <a:lstStyle/>
           <a:p>
             <a:endParaRPr lang="ja-JP" sz="2800" b="0" strike="noStrike" spc="-1">
               <a:solidFill>
@@ -239,6 +241,7 @@
           <a:bodyPr lIns="0" tIns="0" rIns="0" bIns="0">
             <a:normAutofit/>
           </a:bodyPr>
+          <a:lstStyle/>
           <a:p>
             <a:endParaRPr lang="ja-JP" sz="2800" b="0" strike="noStrike" spc="-1">
               <a:solidFill>
@@ -295,6 +298,7 @@
         </p:spPr>
         <p:txBody>
           <a:bodyPr lIns="0" tIns="0" rIns="0" bIns="0" anchor="ctr"/>
+          <a:lstStyle/>
           <a:p>
             <a:endParaRPr lang="ja-JP" sz="1800" b="0" strike="noStrike" spc="-1">
               <a:solidFill>
@@ -328,6 +332,7 @@
           <a:bodyPr lIns="0" tIns="0" rIns="0" bIns="0">
             <a:normAutofit/>
           </a:bodyPr>
+          <a:lstStyle/>
           <a:p>
             <a:endParaRPr lang="ja-JP" sz="2800" b="0" strike="noStrike" spc="-1">
               <a:solidFill>
@@ -361,6 +366,7 @@
           <a:bodyPr lIns="0" tIns="0" rIns="0" bIns="0">
             <a:normAutofit/>
           </a:bodyPr>
+          <a:lstStyle/>
           <a:p>
             <a:endParaRPr lang="ja-JP" sz="2800" b="0" strike="noStrike" spc="-1">
               <a:solidFill>
@@ -394,6 +400,7 @@
           <a:bodyPr lIns="0" tIns="0" rIns="0" bIns="0">
             <a:normAutofit/>
           </a:bodyPr>
+          <a:lstStyle/>
           <a:p>
             <a:endParaRPr lang="ja-JP" sz="2800" b="0" strike="noStrike" spc="-1">
               <a:solidFill>
@@ -427,6 +434,7 @@
           <a:bodyPr lIns="0" tIns="0" rIns="0" bIns="0">
             <a:normAutofit/>
           </a:bodyPr>
+          <a:lstStyle/>
           <a:p>
             <a:endParaRPr lang="ja-JP" sz="2800" b="0" strike="noStrike" spc="-1">
               <a:solidFill>
@@ -483,6 +491,7 @@
         </p:spPr>
         <p:txBody>
           <a:bodyPr lIns="0" tIns="0" rIns="0" bIns="0" anchor="ctr"/>
+          <a:lstStyle/>
           <a:p>
             <a:endParaRPr lang="ja-JP" sz="1800" b="0" strike="noStrike" spc="-1">
               <a:solidFill>
@@ -516,6 +525,7 @@
           <a:bodyPr lIns="0" tIns="0" rIns="0" bIns="0">
             <a:normAutofit/>
           </a:bodyPr>
+          <a:lstStyle/>
           <a:p>
             <a:endParaRPr lang="ja-JP" sz="2800" b="0" strike="noStrike" spc="-1">
               <a:solidFill>
@@ -549,6 +559,7 @@
           <a:bodyPr lIns="0" tIns="0" rIns="0" bIns="0">
             <a:normAutofit/>
           </a:bodyPr>
+          <a:lstStyle/>
           <a:p>
             <a:endParaRPr lang="ja-JP" sz="2800" b="0" strike="noStrike" spc="-1">
               <a:solidFill>
@@ -582,6 +593,7 @@
           <a:bodyPr lIns="0" tIns="0" rIns="0" bIns="0">
             <a:normAutofit/>
           </a:bodyPr>
+          <a:lstStyle/>
           <a:p>
             <a:endParaRPr lang="ja-JP" sz="2800" b="0" strike="noStrike" spc="-1">
               <a:solidFill>
@@ -615,6 +627,7 @@
           <a:bodyPr lIns="0" tIns="0" rIns="0" bIns="0">
             <a:normAutofit/>
           </a:bodyPr>
+          <a:lstStyle/>
           <a:p>
             <a:endParaRPr lang="ja-JP" sz="2800" b="0" strike="noStrike" spc="-1">
               <a:solidFill>
@@ -648,6 +661,7 @@
           <a:bodyPr lIns="0" tIns="0" rIns="0" bIns="0">
             <a:normAutofit/>
           </a:bodyPr>
+          <a:lstStyle/>
           <a:p>
             <a:endParaRPr lang="ja-JP" sz="2800" b="0" strike="noStrike" spc="-1">
               <a:solidFill>
@@ -681,6 +695,7 @@
           <a:bodyPr lIns="0" tIns="0" rIns="0" bIns="0">
             <a:normAutofit/>
           </a:bodyPr>
+          <a:lstStyle/>
           <a:p>
             <a:endParaRPr lang="ja-JP" sz="2800" b="0" strike="noStrike" spc="-1">
               <a:solidFill>
@@ -737,6 +752,7 @@
         </p:spPr>
         <p:txBody>
           <a:bodyPr lIns="0" tIns="0" rIns="0" bIns="0" anchor="ctr"/>
+          <a:lstStyle/>
           <a:p>
             <a:endParaRPr lang="ja-JP" sz="1800" b="0" strike="noStrike" spc="-1">
               <a:solidFill>
@@ -768,6 +784,7 @@
         </p:spPr>
         <p:txBody>
           <a:bodyPr lIns="0" tIns="0" rIns="0" bIns="0" anchor="ctr"/>
+          <a:lstStyle/>
           <a:p>
             <a:pPr algn="ctr"/>
             <a:endParaRPr lang="en-US" sz="3200" b="0" strike="noStrike" spc="-1">
@@ -822,6 +839,7 @@
         </p:spPr>
         <p:txBody>
           <a:bodyPr lIns="0" tIns="0" rIns="0" bIns="0" anchor="ctr"/>
+          <a:lstStyle/>
           <a:p>
             <a:endParaRPr lang="ja-JP" sz="1800" b="0" strike="noStrike" spc="-1">
               <a:solidFill>
@@ -855,6 +873,7 @@
           <a:bodyPr lIns="0" tIns="0" rIns="0" bIns="0">
             <a:normAutofit/>
           </a:bodyPr>
+          <a:lstStyle/>
           <a:p>
             <a:endParaRPr lang="ja-JP" sz="2800" b="0" strike="noStrike" spc="-1">
               <a:solidFill>
@@ -911,6 +930,7 @@
         </p:spPr>
         <p:txBody>
           <a:bodyPr lIns="0" tIns="0" rIns="0" bIns="0" anchor="ctr"/>
+          <a:lstStyle/>
           <a:p>
             <a:endParaRPr lang="ja-JP" sz="1800" b="0" strike="noStrike" spc="-1">
               <a:solidFill>
@@ -944,6 +964,7 @@
           <a:bodyPr lIns="0" tIns="0" rIns="0" bIns="0">
             <a:normAutofit/>
           </a:bodyPr>
+          <a:lstStyle/>
           <a:p>
             <a:endParaRPr lang="ja-JP" sz="2800" b="0" strike="noStrike" spc="-1">
               <a:solidFill>
@@ -977,6 +998,7 @@
           <a:bodyPr lIns="0" tIns="0" rIns="0" bIns="0">
             <a:normAutofit/>
           </a:bodyPr>
+          <a:lstStyle/>
           <a:p>
             <a:endParaRPr lang="ja-JP" sz="2800" b="0" strike="noStrike" spc="-1">
               <a:solidFill>
@@ -1033,6 +1055,7 @@
         </p:spPr>
         <p:txBody>
           <a:bodyPr lIns="0" tIns="0" rIns="0" bIns="0" anchor="ctr"/>
+          <a:lstStyle/>
           <a:p>
             <a:endParaRPr lang="ja-JP" sz="1800" b="0" strike="noStrike" spc="-1">
               <a:solidFill>
@@ -1089,6 +1112,7 @@
         </p:spPr>
         <p:txBody>
           <a:bodyPr lIns="0" tIns="0" rIns="0" bIns="0" anchor="ctr"/>
+          <a:lstStyle/>
           <a:p>
             <a:pPr algn="ctr"/>
             <a:endParaRPr lang="en-US" sz="3200" b="0" strike="noStrike" spc="-1">
@@ -1143,6 +1167,7 @@
         </p:spPr>
         <p:txBody>
           <a:bodyPr lIns="0" tIns="0" rIns="0" bIns="0" anchor="ctr"/>
+          <a:lstStyle/>
           <a:p>
             <a:endParaRPr lang="ja-JP" sz="1800" b="0" strike="noStrike" spc="-1">
               <a:solidFill>
@@ -1176,6 +1201,7 @@
           <a:bodyPr lIns="0" tIns="0" rIns="0" bIns="0">
             <a:normAutofit/>
           </a:bodyPr>
+          <a:lstStyle/>
           <a:p>
             <a:endParaRPr lang="ja-JP" sz="2800" b="0" strike="noStrike" spc="-1">
               <a:solidFill>
@@ -1209,6 +1235,7 @@
           <a:bodyPr lIns="0" tIns="0" rIns="0" bIns="0">
             <a:normAutofit/>
           </a:bodyPr>
+          <a:lstStyle/>
           <a:p>
             <a:endParaRPr lang="ja-JP" sz="2800" b="0" strike="noStrike" spc="-1">
               <a:solidFill>
@@ -1242,6 +1269,7 @@
           <a:bodyPr lIns="0" tIns="0" rIns="0" bIns="0">
             <a:normAutofit/>
           </a:bodyPr>
+          <a:lstStyle/>
           <a:p>
             <a:endParaRPr lang="ja-JP" sz="2800" b="0" strike="noStrike" spc="-1">
               <a:solidFill>
@@ -1298,6 +1326,7 @@
         </p:spPr>
         <p:txBody>
           <a:bodyPr lIns="0" tIns="0" rIns="0" bIns="0" anchor="ctr"/>
+          <a:lstStyle/>
           <a:p>
             <a:endParaRPr lang="ja-JP" sz="1800" b="0" strike="noStrike" spc="-1">
               <a:solidFill>
@@ -1331,6 +1360,7 @@
           <a:bodyPr lIns="0" tIns="0" rIns="0" bIns="0">
             <a:normAutofit/>
           </a:bodyPr>
+          <a:lstStyle/>
           <a:p>
             <a:endParaRPr lang="ja-JP" sz="2800" b="0" strike="noStrike" spc="-1">
               <a:solidFill>
@@ -1364,6 +1394,7 @@
           <a:bodyPr lIns="0" tIns="0" rIns="0" bIns="0">
             <a:normAutofit/>
           </a:bodyPr>
+          <a:lstStyle/>
           <a:p>
             <a:endParaRPr lang="ja-JP" sz="2800" b="0" strike="noStrike" spc="-1">
               <a:solidFill>
@@ -1397,6 +1428,7 @@
           <a:bodyPr lIns="0" tIns="0" rIns="0" bIns="0">
             <a:normAutofit/>
           </a:bodyPr>
+          <a:lstStyle/>
           <a:p>
             <a:endParaRPr lang="ja-JP" sz="2800" b="0" strike="noStrike" spc="-1">
               <a:solidFill>
@@ -1453,6 +1485,7 @@
         </p:spPr>
         <p:txBody>
           <a:bodyPr lIns="0" tIns="0" rIns="0" bIns="0" anchor="ctr"/>
+          <a:lstStyle/>
           <a:p>
             <a:endParaRPr lang="ja-JP" sz="1800" b="0" strike="noStrike" spc="-1">
               <a:solidFill>
@@ -1486,6 +1519,7 @@
           <a:bodyPr lIns="0" tIns="0" rIns="0" bIns="0">
             <a:normAutofit/>
           </a:bodyPr>
+          <a:lstStyle/>
           <a:p>
             <a:endParaRPr lang="ja-JP" sz="2800" b="0" strike="noStrike" spc="-1">
               <a:solidFill>
@@ -1519,6 +1553,7 @@
           <a:bodyPr lIns="0" tIns="0" rIns="0" bIns="0">
             <a:normAutofit/>
           </a:bodyPr>
+          <a:lstStyle/>
           <a:p>
             <a:endParaRPr lang="ja-JP" sz="2800" b="0" strike="noStrike" spc="-1">
               <a:solidFill>
@@ -1552,6 +1587,7 @@
           <a:bodyPr lIns="0" tIns="0" rIns="0" bIns="0">
             <a:normAutofit/>
           </a:bodyPr>
+          <a:lstStyle/>
           <a:p>
             <a:endParaRPr lang="ja-JP" sz="2800" b="0" strike="noStrike" spc="-1">
               <a:solidFill>
@@ -1597,7 +1633,7 @@
       </p:grpSpPr>
       <p:sp>
         <p:nvSpPr>
-          <p:cNvPr id="0" name="PlaceHolder 1"/>
+          <p:cNvPr id="3" name="PlaceHolder 1"/>
           <p:cNvSpPr>
             <a:spLocks noGrp="1"/>
           </p:cNvSpPr>
@@ -1616,6 +1652,7 @@
         </p:spPr>
         <p:txBody>
           <a:bodyPr lIns="0" tIns="0" rIns="0" bIns="0" anchor="ctr"/>
+          <a:lstStyle/>
           <a:p>
             <a:r>
               <a:rPr lang="ja-JP" sz="4400" b="0" strike="noStrike" spc="-1">
@@ -1626,12 +1663,6 @@
               </a:rPr>
               <a:t>タイトルテキストの書式を編集するにはクリックします。</a:t>
             </a:r>
-            <a:endParaRPr lang="ja-JP" sz="4400" b="0" strike="noStrike" spc="-1">
-              <a:solidFill>
-                <a:srgbClr val="000000"/>
-              </a:solidFill>
-              <a:latin typeface="Arial" panose="020B0604020202020204"/>
-            </a:endParaRPr>
           </a:p>
         </p:txBody>
       </p:sp>
@@ -1658,6 +1689,7 @@
           <a:bodyPr lIns="0" tIns="0" rIns="0" bIns="0">
             <a:normAutofit/>
           </a:bodyPr>
+          <a:lstStyle/>
           <a:p>
             <a:pPr marL="431800" indent="-323850">
               <a:spcBef>
@@ -1679,12 +1711,6 @@
               </a:rPr>
               <a:t>アウトラインテキストの書式を編集するにはクリックします。</a:t>
             </a:r>
-            <a:endParaRPr lang="ja-JP" sz="2800" b="0" strike="noStrike" spc="-1">
-              <a:solidFill>
-                <a:srgbClr val="000000"/>
-              </a:solidFill>
-              <a:latin typeface="Arial" panose="020B0604020202020204"/>
-            </a:endParaRPr>
           </a:p>
           <a:p>
             <a:pPr marL="864235" lvl="1" indent="-323850">
@@ -1705,23 +1731,8 @@
                 </a:solidFill>
                 <a:latin typeface="Arial" panose="020B0604020202020204"/>
               </a:rPr>
-              <a:t>2</a:t>
+              <a:t>2レベル目のアウトライン</a:t>
             </a:r>
-            <a:r>
-              <a:rPr lang="ja-JP" sz="2000" b="0" strike="noStrike" spc="-1">
-                <a:solidFill>
-                  <a:srgbClr val="000000"/>
-                </a:solidFill>
-                <a:latin typeface="Arial" panose="020B0604020202020204"/>
-              </a:rPr>
-              <a:t>レベル目のアウトライン</a:t>
-            </a:r>
-            <a:endParaRPr lang="ja-JP" sz="2000" b="0" strike="noStrike" spc="-1">
-              <a:solidFill>
-                <a:srgbClr val="000000"/>
-              </a:solidFill>
-              <a:latin typeface="Arial" panose="020B0604020202020204"/>
-            </a:endParaRPr>
           </a:p>
           <a:p>
             <a:pPr marL="1296035" lvl="2" indent="-288290">
@@ -1742,23 +1753,8 @@
                 </a:solidFill>
                 <a:latin typeface="Arial" panose="020B0604020202020204"/>
               </a:rPr>
-              <a:t>3</a:t>
+              <a:t>3レベル目のアウトライン</a:t>
             </a:r>
-            <a:r>
-              <a:rPr lang="ja-JP" sz="1800" b="0" strike="noStrike" spc="-1">
-                <a:solidFill>
-                  <a:srgbClr val="000000"/>
-                </a:solidFill>
-                <a:latin typeface="Arial" panose="020B0604020202020204"/>
-              </a:rPr>
-              <a:t>レベル目のアウトライン</a:t>
-            </a:r>
-            <a:endParaRPr lang="ja-JP" sz="1800" b="0" strike="noStrike" spc="-1">
-              <a:solidFill>
-                <a:srgbClr val="000000"/>
-              </a:solidFill>
-              <a:latin typeface="Arial" panose="020B0604020202020204"/>
-            </a:endParaRPr>
           </a:p>
           <a:p>
             <a:pPr marL="1727835" lvl="3" indent="-215900">
@@ -1779,23 +1775,8 @@
                 </a:solidFill>
                 <a:latin typeface="Arial" panose="020B0604020202020204"/>
               </a:rPr>
-              <a:t>4</a:t>
+              <a:t>4レベル目のアウトライン</a:t>
             </a:r>
-            <a:r>
-              <a:rPr lang="ja-JP" sz="1800" b="0" strike="noStrike" spc="-1">
-                <a:solidFill>
-                  <a:srgbClr val="000000"/>
-                </a:solidFill>
-                <a:latin typeface="Arial" panose="020B0604020202020204"/>
-              </a:rPr>
-              <a:t>レベル目のアウトライン</a:t>
-            </a:r>
-            <a:endParaRPr lang="ja-JP" sz="1800" b="0" strike="noStrike" spc="-1">
-              <a:solidFill>
-                <a:srgbClr val="000000"/>
-              </a:solidFill>
-              <a:latin typeface="Arial" panose="020B0604020202020204"/>
-            </a:endParaRPr>
           </a:p>
           <a:p>
             <a:pPr marL="2160270" lvl="4" indent="-215900">
@@ -1816,23 +1797,8 @@
                 </a:solidFill>
                 <a:latin typeface="Arial" panose="020B0604020202020204"/>
               </a:rPr>
-              <a:t>5</a:t>
+              <a:t>5レベル目のアウトライン</a:t>
             </a:r>
-            <a:r>
-              <a:rPr lang="ja-JP" sz="2000" b="0" strike="noStrike" spc="-1">
-                <a:solidFill>
-                  <a:srgbClr val="000000"/>
-                </a:solidFill>
-                <a:latin typeface="Arial" panose="020B0604020202020204"/>
-              </a:rPr>
-              <a:t>レベル目のアウトライン</a:t>
-            </a:r>
-            <a:endParaRPr lang="ja-JP" sz="2000" b="0" strike="noStrike" spc="-1">
-              <a:solidFill>
-                <a:srgbClr val="000000"/>
-              </a:solidFill>
-              <a:latin typeface="Arial" panose="020B0604020202020204"/>
-            </a:endParaRPr>
           </a:p>
           <a:p>
             <a:pPr marL="2592070" lvl="5" indent="-215900">
@@ -1853,23 +1819,8 @@
                 </a:solidFill>
                 <a:latin typeface="Arial" panose="020B0604020202020204"/>
               </a:rPr>
-              <a:t>6</a:t>
+              <a:t>6レベル目のアウトライン</a:t>
             </a:r>
-            <a:r>
-              <a:rPr lang="ja-JP" sz="2000" b="0" strike="noStrike" spc="-1">
-                <a:solidFill>
-                  <a:srgbClr val="000000"/>
-                </a:solidFill>
-                <a:latin typeface="Arial" panose="020B0604020202020204"/>
-              </a:rPr>
-              <a:t>レベル目のアウトライン</a:t>
-            </a:r>
-            <a:endParaRPr lang="ja-JP" sz="2000" b="0" strike="noStrike" spc="-1">
-              <a:solidFill>
-                <a:srgbClr val="000000"/>
-              </a:solidFill>
-              <a:latin typeface="Arial" panose="020B0604020202020204"/>
-            </a:endParaRPr>
           </a:p>
           <a:p>
             <a:pPr marL="3023870" lvl="6" indent="-215900">
@@ -1890,23 +1841,8 @@
                 </a:solidFill>
                 <a:latin typeface="Arial" panose="020B0604020202020204"/>
               </a:rPr>
-              <a:t>7</a:t>
+              <a:t>7レベル目のアウトライン</a:t>
             </a:r>
-            <a:r>
-              <a:rPr lang="ja-JP" sz="2000" b="0" strike="noStrike" spc="-1">
-                <a:solidFill>
-                  <a:srgbClr val="000000"/>
-                </a:solidFill>
-                <a:latin typeface="Arial" panose="020B0604020202020204"/>
-              </a:rPr>
-              <a:t>レベル目のアウトライン</a:t>
-            </a:r>
-            <a:endParaRPr lang="ja-JP" sz="2000" b="0" strike="noStrike" spc="-1">
-              <a:solidFill>
-                <a:srgbClr val="000000"/>
-              </a:solidFill>
-              <a:latin typeface="Arial" panose="020B0604020202020204"/>
-            </a:endParaRPr>
           </a:p>
         </p:txBody>
       </p:sp>
@@ -1959,14 +1895,14 @@
           <p:nvPr/>
         </p:nvPicPr>
         <p:blipFill>
-          <a:blip r:embed="rId1"/>
+          <a:blip r:embed="rId2"/>
           <a:stretch>
             <a:fillRect/>
           </a:stretch>
         </p:blipFill>
         <p:spPr>
           <a:xfrm>
-            <a:off x="405705" y="255315"/>
+            <a:off x="206166" y="136781"/>
             <a:ext cx="2857320" cy="1919880"/>
           </a:xfrm>
           <a:prstGeom prst="rect">
@@ -1977,18 +1913,499 @@
           </a:ln>
         </p:spPr>
       </p:pic>
+      <p:grpSp>
+        <p:nvGrpSpPr>
+          <p:cNvPr id="31" name="グループ化 30">
+            <a:extLst>
+              <a:ext uri="{FF2B5EF4-FFF2-40B4-BE49-F238E27FC236}">
+                <a16:creationId xmlns:a16="http://schemas.microsoft.com/office/drawing/2014/main" id="{8D3A6F10-BD06-4DE0-8A4D-80FC085E4743}"/>
+              </a:ext>
+            </a:extLst>
+          </p:cNvPr>
+          <p:cNvGrpSpPr/>
+          <p:nvPr/>
+        </p:nvGrpSpPr>
+        <p:grpSpPr>
+          <a:xfrm>
+            <a:off x="2133600" y="2709336"/>
+            <a:ext cx="5517800" cy="4088868"/>
+            <a:chOff x="2133600" y="2709336"/>
+            <a:chExt cx="5517800" cy="4088868"/>
+          </a:xfrm>
+        </p:grpSpPr>
+        <p:pic>
+          <p:nvPicPr>
+            <p:cNvPr id="3" name="Picture 39">
+              <a:extLst>
+                <a:ext uri="{FF2B5EF4-FFF2-40B4-BE49-F238E27FC236}">
+                  <a16:creationId xmlns:a16="http://schemas.microsoft.com/office/drawing/2014/main" id="{45ECAD8B-6B88-4C1E-8C1D-865C13188463}"/>
+                </a:ext>
+              </a:extLst>
+            </p:cNvPr>
+            <p:cNvPicPr>
+              <a:picLocks noChangeAspect="1"/>
+            </p:cNvPicPr>
+            <p:nvPr/>
+          </p:nvPicPr>
+          <p:blipFill>
+            <a:blip r:embed="rId2"/>
+            <a:stretch>
+              <a:fillRect/>
+            </a:stretch>
+          </p:blipFill>
+          <p:spPr>
+            <a:xfrm>
+              <a:off x="3467998" y="3458943"/>
+              <a:ext cx="4183402" cy="2810897"/>
+            </a:xfrm>
+            <a:prstGeom prst="rect">
+              <a:avLst/>
+            </a:prstGeom>
+            <a:ln>
+              <a:noFill/>
+            </a:ln>
+          </p:spPr>
+        </p:pic>
+        <p:sp>
+          <p:nvSpPr>
+            <p:cNvPr id="4" name="テキスト ボックス 3">
+              <a:extLst>
+                <a:ext uri="{FF2B5EF4-FFF2-40B4-BE49-F238E27FC236}">
+                  <a16:creationId xmlns:a16="http://schemas.microsoft.com/office/drawing/2014/main" id="{5B0245E2-319D-4ADF-A2EC-3D74E0420CCD}"/>
+                </a:ext>
+              </a:extLst>
+            </p:cNvPr>
+            <p:cNvSpPr txBox="1"/>
+            <p:nvPr/>
+          </p:nvSpPr>
+          <p:spPr>
+            <a:xfrm>
+              <a:off x="4815131" y="2709336"/>
+              <a:ext cx="1560270" cy="442485"/>
+            </a:xfrm>
+            <a:prstGeom prst="rect">
+              <a:avLst/>
+            </a:prstGeom>
+            <a:solidFill>
+              <a:srgbClr val="92D050">
+                <a:alpha val="40000"/>
+              </a:srgbClr>
+            </a:solidFill>
+            <a:ln>
+              <a:solidFill>
+                <a:schemeClr val="tx1"/>
+              </a:solidFill>
+            </a:ln>
+          </p:spPr>
+          <p:txBody>
+            <a:bodyPr wrap="square" rtlCol="0">
+              <a:noAutofit/>
+            </a:bodyPr>
+            <a:lstStyle/>
+            <a:p>
+              <a:r>
+                <a:rPr kumimoji="1" lang="en-US" altLang="ja-JP" sz="700" dirty="0">
+                  <a:latin typeface="Arial" panose="020B0604020202020204" pitchFamily="34" charset="0"/>
+                  <a:cs typeface="Arial" panose="020B0604020202020204" pitchFamily="34" charset="0"/>
+                </a:rPr>
+                <a:t>Ports (inlet &amp; outlet) of fluid flow of Media 1, </a:t>
+              </a:r>
+              <a:r>
+                <a:rPr kumimoji="1" lang="en-US" altLang="ja-JP" sz="700" dirty="0" err="1">
+                  <a:latin typeface="Arial" panose="020B0604020202020204" pitchFamily="34" charset="0"/>
+                  <a:cs typeface="Arial" panose="020B0604020202020204" pitchFamily="34" charset="0"/>
+                </a:rPr>
+                <a:t>input&amp;output</a:t>
+              </a:r>
+              <a:r>
+                <a:rPr kumimoji="1" lang="en-US" altLang="ja-JP" sz="700" dirty="0">
+                  <a:latin typeface="Arial" panose="020B0604020202020204" pitchFamily="34" charset="0"/>
+                  <a:cs typeface="Arial" panose="020B0604020202020204" pitchFamily="34" charset="0"/>
+                </a:rPr>
+                <a:t> (</a:t>
+              </a:r>
+              <a:r>
+                <a:rPr lang="en-US" altLang="ja-JP" sz="700" dirty="0">
+                  <a:latin typeface="Arial" panose="020B0604020202020204" pitchFamily="34" charset="0"/>
+                  <a:cs typeface="Arial" panose="020B0604020202020204" pitchFamily="34" charset="0"/>
+                </a:rPr>
+                <a:t>use</a:t>
+              </a:r>
+              <a:r>
+                <a:rPr kumimoji="1" lang="en-US" altLang="ja-JP" sz="700" dirty="0">
+                  <a:latin typeface="Arial" panose="020B0604020202020204" pitchFamily="34" charset="0"/>
+                  <a:cs typeface="Arial" panose="020B0604020202020204" pitchFamily="34" charset="0"/>
+                </a:rPr>
+                <a:t> “connect” operator)</a:t>
+              </a:r>
+              <a:endParaRPr kumimoji="1" lang="ja-JP" altLang="en-US" sz="700" dirty="0">
+                <a:latin typeface="Arial" panose="020B0604020202020204" pitchFamily="34" charset="0"/>
+                <a:cs typeface="Arial" panose="020B0604020202020204" pitchFamily="34" charset="0"/>
+              </a:endParaRPr>
+            </a:p>
+          </p:txBody>
+        </p:sp>
+        <p:cxnSp>
+          <p:nvCxnSpPr>
+            <p:cNvPr id="5" name="直線矢印コネクタ 4">
+              <a:extLst>
+                <a:ext uri="{FF2B5EF4-FFF2-40B4-BE49-F238E27FC236}">
+                  <a16:creationId xmlns:a16="http://schemas.microsoft.com/office/drawing/2014/main" id="{6C363F74-2DDF-487C-8E61-24C0E6B044A3}"/>
+                </a:ext>
+              </a:extLst>
+            </p:cNvPr>
+            <p:cNvCxnSpPr>
+              <a:cxnSpLocks/>
+              <a:stCxn id="4" idx="2"/>
+            </p:cNvCxnSpPr>
+            <p:nvPr/>
+          </p:nvCxnSpPr>
+          <p:spPr>
+            <a:xfrm>
+              <a:off x="5595266" y="3151821"/>
+              <a:ext cx="1753801" cy="628753"/>
+            </a:xfrm>
+            <a:prstGeom prst="straightConnector1">
+              <a:avLst/>
+            </a:prstGeom>
+            <a:ln w="12700">
+              <a:solidFill>
+                <a:schemeClr val="tx1"/>
+              </a:solidFill>
+              <a:tailEnd type="oval"/>
+            </a:ln>
+          </p:spPr>
+          <p:style>
+            <a:lnRef idx="1">
+              <a:schemeClr val="accent1"/>
+            </a:lnRef>
+            <a:fillRef idx="0">
+              <a:schemeClr val="accent1"/>
+            </a:fillRef>
+            <a:effectRef idx="0">
+              <a:schemeClr val="accent1"/>
+            </a:effectRef>
+            <a:fontRef idx="minor">
+              <a:schemeClr val="tx1"/>
+            </a:fontRef>
+          </p:style>
+        </p:cxnSp>
+        <p:cxnSp>
+          <p:nvCxnSpPr>
+            <p:cNvPr id="11" name="直線矢印コネクタ 10">
+              <a:extLst>
+                <a:ext uri="{FF2B5EF4-FFF2-40B4-BE49-F238E27FC236}">
+                  <a16:creationId xmlns:a16="http://schemas.microsoft.com/office/drawing/2014/main" id="{FD996499-761B-43C8-B661-A32F0161A2CB}"/>
+                </a:ext>
+              </a:extLst>
+            </p:cNvPr>
+            <p:cNvCxnSpPr>
+              <a:cxnSpLocks/>
+              <a:stCxn id="4" idx="2"/>
+            </p:cNvCxnSpPr>
+            <p:nvPr/>
+          </p:nvCxnSpPr>
+          <p:spPr>
+            <a:xfrm flipH="1">
+              <a:off x="3826936" y="3151821"/>
+              <a:ext cx="1768330" cy="628753"/>
+            </a:xfrm>
+            <a:prstGeom prst="straightConnector1">
+              <a:avLst/>
+            </a:prstGeom>
+            <a:ln w="12700">
+              <a:solidFill>
+                <a:schemeClr val="tx1"/>
+              </a:solidFill>
+              <a:tailEnd type="oval"/>
+            </a:ln>
+          </p:spPr>
+          <p:style>
+            <a:lnRef idx="1">
+              <a:schemeClr val="accent1"/>
+            </a:lnRef>
+            <a:fillRef idx="0">
+              <a:schemeClr val="accent1"/>
+            </a:fillRef>
+            <a:effectRef idx="0">
+              <a:schemeClr val="accent1"/>
+            </a:effectRef>
+            <a:fontRef idx="minor">
+              <a:schemeClr val="tx1"/>
+            </a:fontRef>
+          </p:style>
+        </p:cxnSp>
+        <p:sp>
+          <p:nvSpPr>
+            <p:cNvPr id="20" name="テキスト ボックス 19">
+              <a:extLst>
+                <a:ext uri="{FF2B5EF4-FFF2-40B4-BE49-F238E27FC236}">
+                  <a16:creationId xmlns:a16="http://schemas.microsoft.com/office/drawing/2014/main" id="{ADE4A824-B969-4CF5-99D4-4248CDF99F50}"/>
+                </a:ext>
+              </a:extLst>
+            </p:cNvPr>
+            <p:cNvSpPr txBox="1"/>
+            <p:nvPr/>
+          </p:nvSpPr>
+          <p:spPr>
+            <a:xfrm>
+              <a:off x="4852630" y="6355719"/>
+              <a:ext cx="1560270" cy="442485"/>
+            </a:xfrm>
+            <a:prstGeom prst="rect">
+              <a:avLst/>
+            </a:prstGeom>
+            <a:solidFill>
+              <a:srgbClr val="92D050">
+                <a:alpha val="40000"/>
+              </a:srgbClr>
+            </a:solidFill>
+            <a:ln>
+              <a:solidFill>
+                <a:schemeClr val="tx1"/>
+              </a:solidFill>
+            </a:ln>
+          </p:spPr>
+          <p:txBody>
+            <a:bodyPr wrap="square" rtlCol="0">
+              <a:noAutofit/>
+            </a:bodyPr>
+            <a:lstStyle/>
+            <a:p>
+              <a:r>
+                <a:rPr kumimoji="1" lang="en-US" altLang="ja-JP" sz="700" dirty="0">
+                  <a:latin typeface="Arial" panose="020B0604020202020204" pitchFamily="34" charset="0"/>
+                  <a:cs typeface="Arial" panose="020B0604020202020204" pitchFamily="34" charset="0"/>
+                </a:rPr>
+                <a:t>Ports (inlet &amp; outlet) of fluid flow of Media 2, </a:t>
+              </a:r>
+              <a:r>
+                <a:rPr kumimoji="1" lang="en-US" altLang="ja-JP" sz="700" dirty="0" err="1">
+                  <a:latin typeface="Arial" panose="020B0604020202020204" pitchFamily="34" charset="0"/>
+                  <a:cs typeface="Arial" panose="020B0604020202020204" pitchFamily="34" charset="0"/>
+                </a:rPr>
+                <a:t>input&amp;output</a:t>
+              </a:r>
+              <a:r>
+                <a:rPr kumimoji="1" lang="en-US" altLang="ja-JP" sz="700" dirty="0">
+                  <a:latin typeface="Arial" panose="020B0604020202020204" pitchFamily="34" charset="0"/>
+                  <a:cs typeface="Arial" panose="020B0604020202020204" pitchFamily="34" charset="0"/>
+                </a:rPr>
+                <a:t> (</a:t>
+              </a:r>
+              <a:r>
+                <a:rPr lang="en-US" altLang="ja-JP" sz="700" dirty="0">
+                  <a:latin typeface="Arial" panose="020B0604020202020204" pitchFamily="34" charset="0"/>
+                  <a:cs typeface="Arial" panose="020B0604020202020204" pitchFamily="34" charset="0"/>
+                </a:rPr>
+                <a:t>use</a:t>
+              </a:r>
+              <a:r>
+                <a:rPr kumimoji="1" lang="en-US" altLang="ja-JP" sz="700" dirty="0">
+                  <a:latin typeface="Arial" panose="020B0604020202020204" pitchFamily="34" charset="0"/>
+                  <a:cs typeface="Arial" panose="020B0604020202020204" pitchFamily="34" charset="0"/>
+                </a:rPr>
+                <a:t> “connect” operator)</a:t>
+              </a:r>
+              <a:endParaRPr kumimoji="1" lang="ja-JP" altLang="en-US" sz="700" dirty="0">
+                <a:latin typeface="Arial" panose="020B0604020202020204" pitchFamily="34" charset="0"/>
+                <a:cs typeface="Arial" panose="020B0604020202020204" pitchFamily="34" charset="0"/>
+              </a:endParaRPr>
+            </a:p>
+          </p:txBody>
+        </p:sp>
+        <p:cxnSp>
+          <p:nvCxnSpPr>
+            <p:cNvPr id="21" name="直線矢印コネクタ 20">
+              <a:extLst>
+                <a:ext uri="{FF2B5EF4-FFF2-40B4-BE49-F238E27FC236}">
+                  <a16:creationId xmlns:a16="http://schemas.microsoft.com/office/drawing/2014/main" id="{21222C77-9A00-4B43-B9B5-89596B7F33E2}"/>
+                </a:ext>
+              </a:extLst>
+            </p:cNvPr>
+            <p:cNvCxnSpPr>
+              <a:cxnSpLocks/>
+              <a:stCxn id="20" idx="0"/>
+            </p:cNvCxnSpPr>
+            <p:nvPr/>
+          </p:nvCxnSpPr>
+          <p:spPr>
+            <a:xfrm flipH="1" flipV="1">
+              <a:off x="3826936" y="5892802"/>
+              <a:ext cx="1805829" cy="462917"/>
+            </a:xfrm>
+            <a:prstGeom prst="straightConnector1">
+              <a:avLst/>
+            </a:prstGeom>
+            <a:ln w="12700">
+              <a:solidFill>
+                <a:schemeClr val="tx1"/>
+              </a:solidFill>
+              <a:tailEnd type="oval"/>
+            </a:ln>
+          </p:spPr>
+          <p:style>
+            <a:lnRef idx="1">
+              <a:schemeClr val="accent1"/>
+            </a:lnRef>
+            <a:fillRef idx="0">
+              <a:schemeClr val="accent1"/>
+            </a:fillRef>
+            <a:effectRef idx="0">
+              <a:schemeClr val="accent1"/>
+            </a:effectRef>
+            <a:fontRef idx="minor">
+              <a:schemeClr val="tx1"/>
+            </a:fontRef>
+          </p:style>
+        </p:cxnSp>
+        <p:cxnSp>
+          <p:nvCxnSpPr>
+            <p:cNvPr id="24" name="直線矢印コネクタ 23">
+              <a:extLst>
+                <a:ext uri="{FF2B5EF4-FFF2-40B4-BE49-F238E27FC236}">
+                  <a16:creationId xmlns:a16="http://schemas.microsoft.com/office/drawing/2014/main" id="{A379DB64-CED1-4010-AECD-E4E54E9C886C}"/>
+                </a:ext>
+              </a:extLst>
+            </p:cNvPr>
+            <p:cNvCxnSpPr>
+              <a:cxnSpLocks/>
+              <a:stCxn id="20" idx="0"/>
+            </p:cNvCxnSpPr>
+            <p:nvPr/>
+          </p:nvCxnSpPr>
+          <p:spPr>
+            <a:xfrm flipV="1">
+              <a:off x="5632765" y="5892802"/>
+              <a:ext cx="1716302" cy="462917"/>
+            </a:xfrm>
+            <a:prstGeom prst="straightConnector1">
+              <a:avLst/>
+            </a:prstGeom>
+            <a:ln w="12700">
+              <a:solidFill>
+                <a:schemeClr val="tx1"/>
+              </a:solidFill>
+              <a:tailEnd type="oval"/>
+            </a:ln>
+          </p:spPr>
+          <p:style>
+            <a:lnRef idx="1">
+              <a:schemeClr val="accent1"/>
+            </a:lnRef>
+            <a:fillRef idx="0">
+              <a:schemeClr val="accent1"/>
+            </a:fillRef>
+            <a:effectRef idx="0">
+              <a:schemeClr val="accent1"/>
+            </a:effectRef>
+            <a:fontRef idx="minor">
+              <a:schemeClr val="tx1"/>
+            </a:fontRef>
+          </p:style>
+        </p:cxnSp>
+        <p:cxnSp>
+          <p:nvCxnSpPr>
+            <p:cNvPr id="27" name="直線矢印コネクタ 26">
+              <a:extLst>
+                <a:ext uri="{FF2B5EF4-FFF2-40B4-BE49-F238E27FC236}">
+                  <a16:creationId xmlns:a16="http://schemas.microsoft.com/office/drawing/2014/main" id="{20927C94-8725-497A-B3FB-DD04F2F742A9}"/>
+                </a:ext>
+              </a:extLst>
+            </p:cNvPr>
+            <p:cNvCxnSpPr>
+              <a:cxnSpLocks/>
+              <a:stCxn id="28" idx="3"/>
+            </p:cNvCxnSpPr>
+            <p:nvPr/>
+          </p:nvCxnSpPr>
+          <p:spPr>
+            <a:xfrm>
+              <a:off x="3335145" y="4221930"/>
+              <a:ext cx="287858" cy="595606"/>
+            </a:xfrm>
+            <a:prstGeom prst="straightConnector1">
+              <a:avLst/>
+            </a:prstGeom>
+            <a:ln w="12700">
+              <a:solidFill>
+                <a:schemeClr val="tx1"/>
+              </a:solidFill>
+              <a:tailEnd type="oval"/>
+            </a:ln>
+          </p:spPr>
+          <p:style>
+            <a:lnRef idx="1">
+              <a:schemeClr val="accent1"/>
+            </a:lnRef>
+            <a:fillRef idx="0">
+              <a:schemeClr val="accent1"/>
+            </a:fillRef>
+            <a:effectRef idx="0">
+              <a:schemeClr val="accent1"/>
+            </a:effectRef>
+            <a:fontRef idx="minor">
+              <a:schemeClr val="tx1"/>
+            </a:fontRef>
+          </p:style>
+        </p:cxnSp>
+        <p:sp>
+          <p:nvSpPr>
+            <p:cNvPr id="28" name="テキスト ボックス 27">
+              <a:extLst>
+                <a:ext uri="{FF2B5EF4-FFF2-40B4-BE49-F238E27FC236}">
+                  <a16:creationId xmlns:a16="http://schemas.microsoft.com/office/drawing/2014/main" id="{3ECBF608-98B6-4DF7-BDB4-47526270AFC4}"/>
+                </a:ext>
+              </a:extLst>
+            </p:cNvPr>
+            <p:cNvSpPr txBox="1"/>
+            <p:nvPr/>
+          </p:nvSpPr>
+          <p:spPr>
+            <a:xfrm>
+              <a:off x="2133600" y="4004602"/>
+              <a:ext cx="1201545" cy="434655"/>
+            </a:xfrm>
+            <a:prstGeom prst="rect">
+              <a:avLst/>
+            </a:prstGeom>
+            <a:solidFill>
+              <a:srgbClr val="00B0F0">
+                <a:alpha val="40000"/>
+              </a:srgbClr>
+            </a:solidFill>
+            <a:ln>
+              <a:solidFill>
+                <a:schemeClr val="tx1"/>
+              </a:solidFill>
+            </a:ln>
+          </p:spPr>
+          <p:txBody>
+            <a:bodyPr wrap="square" rtlCol="0">
+              <a:noAutofit/>
+            </a:bodyPr>
+            <a:lstStyle/>
+            <a:p>
+              <a:r>
+                <a:rPr lang="en-US" altLang="ja-JP" sz="700" dirty="0">
+                  <a:latin typeface="Arial" panose="020B0604020202020204" pitchFamily="34" charset="0"/>
+                  <a:cs typeface="Arial" panose="020B0604020202020204" pitchFamily="34" charset="0"/>
+                </a:rPr>
+                <a:t>Heat exchange effectiveness; input (use “connect” operator)</a:t>
+              </a:r>
+              <a:endParaRPr lang="ja-JP" altLang="en-US" sz="700" dirty="0">
+                <a:latin typeface="Arial" panose="020B0604020202020204" pitchFamily="34" charset="0"/>
+                <a:cs typeface="Arial" panose="020B0604020202020204" pitchFamily="34" charset="0"/>
+              </a:endParaRPr>
+            </a:p>
+          </p:txBody>
+        </p:sp>
+      </p:grpSp>
     </p:spTree>
   </p:cSld>
   <p:clrMapOvr>
     <a:masterClrMapping/>
   </p:clrMapOvr>
-  <p:timing>
-    <p:tnLst>
-      <p:par>
-        <p:cTn id="1" dur="indefinite" restart="never" nodeType="tmRoot"/>
-      </p:par>
-    </p:tnLst>
-  </p:timing>
 </p:sld>
 </file>
 
@@ -2009,18 +2426,529 @@
           <a:chExt cx="0" cy="0"/>
         </a:xfrm>
       </p:grpSpPr>
+      <p:grpSp>
+        <p:nvGrpSpPr>
+          <p:cNvPr id="74" name="グループ化 73">
+            <a:extLst>
+              <a:ext uri="{FF2B5EF4-FFF2-40B4-BE49-F238E27FC236}">
+                <a16:creationId xmlns:a16="http://schemas.microsoft.com/office/drawing/2014/main" id="{DA83A892-9ADD-4A26-A703-5D0739C787EB}"/>
+              </a:ext>
+            </a:extLst>
+          </p:cNvPr>
+          <p:cNvGrpSpPr/>
+          <p:nvPr/>
+        </p:nvGrpSpPr>
+        <p:grpSpPr>
+          <a:xfrm>
+            <a:off x="1260553" y="905193"/>
+            <a:ext cx="5733760" cy="3649389"/>
+            <a:chOff x="1260553" y="905193"/>
+            <a:chExt cx="5733760" cy="3649389"/>
+          </a:xfrm>
+        </p:grpSpPr>
+        <p:pic>
+          <p:nvPicPr>
+            <p:cNvPr id="3" name="図 2">
+              <a:extLst>
+                <a:ext uri="{FF2B5EF4-FFF2-40B4-BE49-F238E27FC236}">
+                  <a16:creationId xmlns:a16="http://schemas.microsoft.com/office/drawing/2014/main" id="{066FA10E-6B92-4FE1-94D7-A5D3418BE875}"/>
+                </a:ext>
+              </a:extLst>
+            </p:cNvPr>
+            <p:cNvPicPr>
+              <a:picLocks noChangeAspect="1"/>
+            </p:cNvPicPr>
+            <p:nvPr/>
+          </p:nvPicPr>
+          <p:blipFill>
+            <a:blip r:embed="rId2"/>
+            <a:stretch>
+              <a:fillRect/>
+            </a:stretch>
+          </p:blipFill>
+          <p:spPr>
+            <a:xfrm>
+              <a:off x="1260553" y="905193"/>
+              <a:ext cx="3779759" cy="3107683"/>
+            </a:xfrm>
+            <a:prstGeom prst="rect">
+              <a:avLst/>
+            </a:prstGeom>
+          </p:spPr>
+        </p:pic>
+        <p:sp>
+          <p:nvSpPr>
+            <p:cNvPr id="4" name="テキスト ボックス 10">
+              <a:extLst>
+                <a:ext uri="{FF2B5EF4-FFF2-40B4-BE49-F238E27FC236}">
+                  <a16:creationId xmlns:a16="http://schemas.microsoft.com/office/drawing/2014/main" id="{805FB393-48B5-4E7F-AC98-FD4C1FD7892A}"/>
+                </a:ext>
+              </a:extLst>
+            </p:cNvPr>
+            <p:cNvSpPr txBox="1"/>
+            <p:nvPr/>
+          </p:nvSpPr>
+          <p:spPr>
+            <a:xfrm>
+              <a:off x="3699934" y="2125133"/>
+              <a:ext cx="1244600" cy="440268"/>
+            </a:xfrm>
+            <a:prstGeom prst="rect">
+              <a:avLst/>
+            </a:prstGeom>
+            <a:solidFill>
+              <a:srgbClr val="ED7D31">
+                <a:alpha val="40000"/>
+              </a:srgbClr>
+            </a:solidFill>
+            <a:ln>
+              <a:solidFill>
+                <a:schemeClr val="tx1"/>
+              </a:solidFill>
+            </a:ln>
+          </p:spPr>
+          <p:txBody>
+            <a:bodyPr wrap="square" rtlCol="0">
+              <a:noAutofit/>
+            </a:bodyPr>
+            <a:lstStyle/>
+            <a:p>
+              <a:r>
+                <a:rPr lang="en-US" sz="700" dirty="0">
+                  <a:latin typeface="Arial" panose="020B0604020202020204" pitchFamily="34" charset="0"/>
+                  <a:cs typeface="Arial" panose="020B0604020202020204" pitchFamily="34" charset="0"/>
+                </a:rPr>
+                <a:t>Add/Remove heat to/from fluid flow.</a:t>
+              </a:r>
+            </a:p>
+            <a:p>
+              <a:r>
+                <a:rPr lang="en-US" sz="700" dirty="0">
+                  <a:latin typeface="Arial" panose="020B0604020202020204" pitchFamily="34" charset="0"/>
+                  <a:cs typeface="Arial" panose="020B0604020202020204" pitchFamily="34" charset="0"/>
+                </a:rPr>
+                <a:t>|Q_flow1| = |Q_flow2|</a:t>
+              </a:r>
+            </a:p>
+          </p:txBody>
+        </p:sp>
+        <p:cxnSp>
+          <p:nvCxnSpPr>
+            <p:cNvPr id="5" name="直線矢印コネクタ 4">
+              <a:extLst>
+                <a:ext uri="{FF2B5EF4-FFF2-40B4-BE49-F238E27FC236}">
+                  <a16:creationId xmlns:a16="http://schemas.microsoft.com/office/drawing/2014/main" id="{DF1187B0-0CFC-47A0-AEE1-7C6B8B22EDBB}"/>
+                </a:ext>
+              </a:extLst>
+            </p:cNvPr>
+            <p:cNvCxnSpPr>
+              <a:cxnSpLocks/>
+              <a:stCxn id="4" idx="0"/>
+            </p:cNvCxnSpPr>
+            <p:nvPr/>
+          </p:nvCxnSpPr>
+          <p:spPr>
+            <a:xfrm flipH="1" flipV="1">
+              <a:off x="3369736" y="1066805"/>
+              <a:ext cx="952498" cy="1058328"/>
+            </a:xfrm>
+            <a:prstGeom prst="straightConnector1">
+              <a:avLst/>
+            </a:prstGeom>
+            <a:ln w="12700">
+              <a:solidFill>
+                <a:schemeClr val="tx1"/>
+              </a:solidFill>
+              <a:tailEnd type="oval"/>
+            </a:ln>
+          </p:spPr>
+          <p:style>
+            <a:lnRef idx="1">
+              <a:schemeClr val="accent1"/>
+            </a:lnRef>
+            <a:fillRef idx="0">
+              <a:schemeClr val="accent1"/>
+            </a:fillRef>
+            <a:effectRef idx="0">
+              <a:schemeClr val="accent1"/>
+            </a:effectRef>
+            <a:fontRef idx="minor">
+              <a:schemeClr val="tx1"/>
+            </a:fontRef>
+          </p:style>
+        </p:cxnSp>
+        <p:cxnSp>
+          <p:nvCxnSpPr>
+            <p:cNvPr id="12" name="直線矢印コネクタ 11">
+              <a:extLst>
+                <a:ext uri="{FF2B5EF4-FFF2-40B4-BE49-F238E27FC236}">
+                  <a16:creationId xmlns:a16="http://schemas.microsoft.com/office/drawing/2014/main" id="{FFA8E9CA-62CE-4FAC-8322-C7F334D56DB1}"/>
+                </a:ext>
+              </a:extLst>
+            </p:cNvPr>
+            <p:cNvCxnSpPr>
+              <a:cxnSpLocks/>
+              <a:stCxn id="4" idx="2"/>
+            </p:cNvCxnSpPr>
+            <p:nvPr/>
+          </p:nvCxnSpPr>
+          <p:spPr>
+            <a:xfrm flipH="1">
+              <a:off x="3479800" y="2565401"/>
+              <a:ext cx="842434" cy="1214436"/>
+            </a:xfrm>
+            <a:prstGeom prst="straightConnector1">
+              <a:avLst/>
+            </a:prstGeom>
+            <a:ln w="12700">
+              <a:solidFill>
+                <a:schemeClr val="tx1"/>
+              </a:solidFill>
+              <a:tailEnd type="oval"/>
+            </a:ln>
+          </p:spPr>
+          <p:style>
+            <a:lnRef idx="1">
+              <a:schemeClr val="accent1"/>
+            </a:lnRef>
+            <a:fillRef idx="0">
+              <a:schemeClr val="accent1"/>
+            </a:fillRef>
+            <a:effectRef idx="0">
+              <a:schemeClr val="accent1"/>
+            </a:effectRef>
+            <a:fontRef idx="minor">
+              <a:schemeClr val="tx1"/>
+            </a:fontRef>
+          </p:style>
+        </p:cxnSp>
+        <p:sp>
+          <p:nvSpPr>
+            <p:cNvPr id="28" name="テキスト ボックス 10">
+              <a:extLst>
+                <a:ext uri="{FF2B5EF4-FFF2-40B4-BE49-F238E27FC236}">
+                  <a16:creationId xmlns:a16="http://schemas.microsoft.com/office/drawing/2014/main" id="{136C945D-16F2-49CA-86DF-D34D4F1DD344}"/>
+                </a:ext>
+              </a:extLst>
+            </p:cNvPr>
+            <p:cNvSpPr txBox="1"/>
+            <p:nvPr/>
+          </p:nvSpPr>
+          <p:spPr>
+            <a:xfrm>
+              <a:off x="1800648" y="1947330"/>
+              <a:ext cx="1569085" cy="677337"/>
+            </a:xfrm>
+            <a:prstGeom prst="rect">
+              <a:avLst/>
+            </a:prstGeom>
+            <a:solidFill>
+              <a:srgbClr val="ED7D31">
+                <a:alpha val="40000"/>
+              </a:srgbClr>
+            </a:solidFill>
+            <a:ln>
+              <a:solidFill>
+                <a:schemeClr val="tx1"/>
+              </a:solidFill>
+            </a:ln>
+          </p:spPr>
+          <p:txBody>
+            <a:bodyPr wrap="square" rtlCol="0">
+              <a:noAutofit/>
+            </a:bodyPr>
+            <a:lstStyle/>
+            <a:p>
+              <a:r>
+                <a:rPr lang="en-US" sz="700" dirty="0">
+                  <a:latin typeface="Arial" panose="020B0604020202020204" pitchFamily="34" charset="0"/>
+                  <a:cs typeface="Arial" panose="020B0604020202020204" pitchFamily="34" charset="0"/>
+                </a:rPr>
+                <a:t>Amount of heat exchanged is calculated from fluid heat capacity of inlets and heat exchanger effectiveness which is given as real signal.</a:t>
+              </a:r>
+            </a:p>
+          </p:txBody>
+        </p:sp>
+        <p:sp>
+          <p:nvSpPr>
+            <p:cNvPr id="29" name="テキスト ボックス 10">
+              <a:extLst>
+                <a:ext uri="{FF2B5EF4-FFF2-40B4-BE49-F238E27FC236}">
+                  <a16:creationId xmlns:a16="http://schemas.microsoft.com/office/drawing/2014/main" id="{92FE787E-298A-43A4-90CA-42619850B7F7}"/>
+                </a:ext>
+              </a:extLst>
+            </p:cNvPr>
+            <p:cNvSpPr txBox="1"/>
+            <p:nvPr/>
+          </p:nvSpPr>
+          <p:spPr>
+            <a:xfrm>
+              <a:off x="2365888" y="4131249"/>
+              <a:ext cx="1799711" cy="423333"/>
+            </a:xfrm>
+            <a:prstGeom prst="rect">
+              <a:avLst/>
+            </a:prstGeom>
+            <a:solidFill>
+              <a:srgbClr val="ED7D31">
+                <a:alpha val="40000"/>
+              </a:srgbClr>
+            </a:solidFill>
+            <a:ln>
+              <a:solidFill>
+                <a:schemeClr val="tx1"/>
+              </a:solidFill>
+            </a:ln>
+          </p:spPr>
+          <p:txBody>
+            <a:bodyPr wrap="square" rtlCol="0">
+              <a:noAutofit/>
+            </a:bodyPr>
+            <a:lstStyle/>
+            <a:p>
+              <a:r>
+                <a:rPr lang="en-US" sz="700" dirty="0">
+                  <a:latin typeface="Arial" panose="020B0604020202020204" pitchFamily="34" charset="0"/>
+                  <a:cs typeface="Arial" panose="020B0604020202020204" pitchFamily="34" charset="0"/>
+                </a:rPr>
+                <a:t>Which is inlet or outlet is NOT pre-defined. It is automatically determined depending on states of ports.</a:t>
+              </a:r>
+            </a:p>
+          </p:txBody>
+        </p:sp>
+        <p:cxnSp>
+          <p:nvCxnSpPr>
+            <p:cNvPr id="30" name="直線矢印コネクタ 29">
+              <a:extLst>
+                <a:ext uri="{FF2B5EF4-FFF2-40B4-BE49-F238E27FC236}">
+                  <a16:creationId xmlns:a16="http://schemas.microsoft.com/office/drawing/2014/main" id="{A17FB157-CCB2-4E28-9179-52F5C03F01E7}"/>
+                </a:ext>
+              </a:extLst>
+            </p:cNvPr>
+            <p:cNvCxnSpPr>
+              <a:cxnSpLocks/>
+              <a:stCxn id="29" idx="0"/>
+            </p:cNvCxnSpPr>
+            <p:nvPr/>
+          </p:nvCxnSpPr>
+          <p:spPr>
+            <a:xfrm flipH="1" flipV="1">
+              <a:off x="1917154" y="3844607"/>
+              <a:ext cx="1348590" cy="286642"/>
+            </a:xfrm>
+            <a:prstGeom prst="straightConnector1">
+              <a:avLst/>
+            </a:prstGeom>
+            <a:ln w="12700">
+              <a:solidFill>
+                <a:schemeClr val="tx1"/>
+              </a:solidFill>
+              <a:tailEnd type="oval"/>
+            </a:ln>
+          </p:spPr>
+          <p:style>
+            <a:lnRef idx="1">
+              <a:schemeClr val="accent1"/>
+            </a:lnRef>
+            <a:fillRef idx="0">
+              <a:schemeClr val="accent1"/>
+            </a:fillRef>
+            <a:effectRef idx="0">
+              <a:schemeClr val="accent1"/>
+            </a:effectRef>
+            <a:fontRef idx="minor">
+              <a:schemeClr val="tx1"/>
+            </a:fontRef>
+          </p:style>
+        </p:cxnSp>
+        <p:cxnSp>
+          <p:nvCxnSpPr>
+            <p:cNvPr id="36" name="直線矢印コネクタ 35">
+              <a:extLst>
+                <a:ext uri="{FF2B5EF4-FFF2-40B4-BE49-F238E27FC236}">
+                  <a16:creationId xmlns:a16="http://schemas.microsoft.com/office/drawing/2014/main" id="{D8EB2DB4-A1E8-4CDE-BFA9-41BBD193B89E}"/>
+                </a:ext>
+              </a:extLst>
+            </p:cNvPr>
+            <p:cNvCxnSpPr>
+              <a:cxnSpLocks/>
+              <a:stCxn id="29" idx="0"/>
+            </p:cNvCxnSpPr>
+            <p:nvPr/>
+          </p:nvCxnSpPr>
+          <p:spPr>
+            <a:xfrm flipV="1">
+              <a:off x="3265744" y="3844607"/>
+              <a:ext cx="1348589" cy="286642"/>
+            </a:xfrm>
+            <a:prstGeom prst="straightConnector1">
+              <a:avLst/>
+            </a:prstGeom>
+            <a:ln w="12700">
+              <a:solidFill>
+                <a:schemeClr val="tx1"/>
+              </a:solidFill>
+              <a:tailEnd type="oval"/>
+            </a:ln>
+          </p:spPr>
+          <p:style>
+            <a:lnRef idx="1">
+              <a:schemeClr val="accent1"/>
+            </a:lnRef>
+            <a:fillRef idx="0">
+              <a:schemeClr val="accent1"/>
+            </a:fillRef>
+            <a:effectRef idx="0">
+              <a:schemeClr val="accent1"/>
+            </a:effectRef>
+            <a:fontRef idx="minor">
+              <a:schemeClr val="tx1"/>
+            </a:fontRef>
+          </p:style>
+        </p:cxnSp>
+        <p:sp>
+          <p:nvSpPr>
+            <p:cNvPr id="48" name="テキスト ボックス 10">
+              <a:extLst>
+                <a:ext uri="{FF2B5EF4-FFF2-40B4-BE49-F238E27FC236}">
+                  <a16:creationId xmlns:a16="http://schemas.microsoft.com/office/drawing/2014/main" id="{8343A767-F41D-48A8-B77F-02DA5EFDD99D}"/>
+                </a:ext>
+              </a:extLst>
+            </p:cNvPr>
+            <p:cNvSpPr txBox="1"/>
+            <p:nvPr/>
+          </p:nvSpPr>
+          <p:spPr>
+            <a:xfrm>
+              <a:off x="5425228" y="1947330"/>
+              <a:ext cx="1569085" cy="618070"/>
+            </a:xfrm>
+            <a:prstGeom prst="rect">
+              <a:avLst/>
+            </a:prstGeom>
+            <a:solidFill>
+              <a:srgbClr val="ED7D31">
+                <a:alpha val="40000"/>
+              </a:srgbClr>
+            </a:solidFill>
+            <a:ln>
+              <a:solidFill>
+                <a:schemeClr val="tx1"/>
+              </a:solidFill>
+            </a:ln>
+          </p:spPr>
+          <p:txBody>
+            <a:bodyPr wrap="square" rtlCol="0">
+              <a:noAutofit/>
+            </a:bodyPr>
+            <a:lstStyle/>
+            <a:p>
+              <a:r>
+                <a:rPr lang="en-US" sz="700" dirty="0">
+                  <a:latin typeface="Arial" panose="020B0604020202020204" pitchFamily="34" charset="0"/>
+                  <a:cs typeface="Arial" panose="020B0604020202020204" pitchFamily="34" charset="0"/>
+                </a:rPr>
+                <a:t>Which is hot or cold side is NOT pre-defined. It is automatically determined depending on states of inlet ports.</a:t>
+              </a:r>
+            </a:p>
+          </p:txBody>
+        </p:sp>
+        <p:cxnSp>
+          <p:nvCxnSpPr>
+            <p:cNvPr id="57" name="直線矢印コネクタ 56">
+              <a:extLst>
+                <a:ext uri="{FF2B5EF4-FFF2-40B4-BE49-F238E27FC236}">
+                  <a16:creationId xmlns:a16="http://schemas.microsoft.com/office/drawing/2014/main" id="{6455B2A2-E6F2-4C96-B9E4-14DE7E240A34}"/>
+                </a:ext>
+              </a:extLst>
+            </p:cNvPr>
+            <p:cNvCxnSpPr>
+              <a:cxnSpLocks/>
+              <a:stCxn id="48" idx="1"/>
+            </p:cNvCxnSpPr>
+            <p:nvPr/>
+          </p:nvCxnSpPr>
+          <p:spPr>
+            <a:xfrm flipH="1" flipV="1">
+              <a:off x="4992272" y="1202267"/>
+              <a:ext cx="432956" cy="1054098"/>
+            </a:xfrm>
+            <a:prstGeom prst="straightConnector1">
+              <a:avLst/>
+            </a:prstGeom>
+            <a:ln w="12700">
+              <a:solidFill>
+                <a:schemeClr val="tx1"/>
+              </a:solidFill>
+              <a:tailEnd type="oval"/>
+            </a:ln>
+          </p:spPr>
+          <p:style>
+            <a:lnRef idx="1">
+              <a:schemeClr val="accent1"/>
+            </a:lnRef>
+            <a:fillRef idx="0">
+              <a:schemeClr val="accent1"/>
+            </a:fillRef>
+            <a:effectRef idx="0">
+              <a:schemeClr val="accent1"/>
+            </a:effectRef>
+            <a:fontRef idx="minor">
+              <a:schemeClr val="tx1"/>
+            </a:fontRef>
+          </p:style>
+        </p:cxnSp>
+        <p:cxnSp>
+          <p:nvCxnSpPr>
+            <p:cNvPr id="67" name="直線矢印コネクタ 66">
+              <a:extLst>
+                <a:ext uri="{FF2B5EF4-FFF2-40B4-BE49-F238E27FC236}">
+                  <a16:creationId xmlns:a16="http://schemas.microsoft.com/office/drawing/2014/main" id="{357B62F8-A4CA-47A3-A0F2-BB107EC90F3D}"/>
+                </a:ext>
+              </a:extLst>
+            </p:cNvPr>
+            <p:cNvCxnSpPr>
+              <a:cxnSpLocks/>
+              <a:stCxn id="48" idx="1"/>
+            </p:cNvCxnSpPr>
+            <p:nvPr/>
+          </p:nvCxnSpPr>
+          <p:spPr>
+            <a:xfrm flipH="1">
+              <a:off x="4992272" y="2256365"/>
+              <a:ext cx="432956" cy="1523472"/>
+            </a:xfrm>
+            <a:prstGeom prst="straightConnector1">
+              <a:avLst/>
+            </a:prstGeom>
+            <a:ln w="12700">
+              <a:solidFill>
+                <a:schemeClr val="tx1"/>
+              </a:solidFill>
+              <a:tailEnd type="oval"/>
+            </a:ln>
+          </p:spPr>
+          <p:style>
+            <a:lnRef idx="1">
+              <a:schemeClr val="accent1"/>
+            </a:lnRef>
+            <a:fillRef idx="0">
+              <a:schemeClr val="accent1"/>
+            </a:fillRef>
+            <a:effectRef idx="0">
+              <a:schemeClr val="accent1"/>
+            </a:effectRef>
+            <a:fontRef idx="minor">
+              <a:schemeClr val="tx1"/>
+            </a:fontRef>
+          </p:style>
+        </p:cxnSp>
+      </p:grpSp>
     </p:spTree>
   </p:cSld>
   <p:clrMapOvr>
     <a:masterClrMapping/>
   </p:clrMapOvr>
-  <p:timing>
-    <p:tnLst>
-      <p:par>
-        <p:cTn id="1" dur="indefinite" restart="never" nodeType="tmRoot"/>
-      </p:par>
-    </p:tnLst>
-  </p:timing>
 </p:sld>
 </file>
 
@@ -2046,13 +2974,6 @@
   <p:clrMapOvr>
     <a:masterClrMapping/>
   </p:clrMapOvr>
-  <p:timing>
-    <p:tnLst>
-      <p:par>
-        <p:cTn id="1" dur="indefinite" restart="never" nodeType="tmRoot"/>
-      </p:par>
-    </p:tnLst>
-  </p:timing>
 </p:sld>
 </file>
 
@@ -2078,13 +2999,6 @@
   <p:clrMapOvr>
     <a:masterClrMapping/>
   </p:clrMapOvr>
-  <p:timing>
-    <p:tnLst>
-      <p:par>
-        <p:cTn id="1" dur="indefinite" restart="never" nodeType="tmRoot"/>
-      </p:par>
-    </p:tnLst>
-  </p:timing>
 </p:sld>
 </file>
 
@@ -2110,13 +3024,6 @@
   <p:clrMapOvr>
     <a:masterClrMapping/>
   </p:clrMapOvr>
-  <p:timing>
-    <p:tnLst>
-      <p:par>
-        <p:cTn id="1" dur="indefinite" restart="never" nodeType="tmRoot"/>
-      </p:par>
-    </p:tnLst>
-  </p:timing>
 </p:sld>
 </file>
 
@@ -2142,13 +3049,6 @@
   <p:clrMapOvr>
     <a:masterClrMapping/>
   </p:clrMapOvr>
-  <p:timing>
-    <p:tnLst>
-      <p:par>
-        <p:cTn id="1" dur="indefinite" restart="never" nodeType="tmRoot"/>
-      </p:par>
-    </p:tnLst>
-  </p:timing>
 </p:sld>
 </file>
 
@@ -2174,13 +3074,6 @@
   <p:clrMapOvr>
     <a:masterClrMapping/>
   </p:clrMapOvr>
-  <p:timing>
-    <p:tnLst>
-      <p:par>
-        <p:cTn id="1" dur="indefinite" restart="never" nodeType="tmRoot"/>
-      </p:par>
-    </p:tnLst>
-  </p:timing>
 </p:sld>
 </file>
 
@@ -2404,6 +3297,8 @@
       </a:bgFillStyleLst>
     </a:fmtScheme>
   </a:themeElements>
+  <a:objectDefaults/>
+  <a:extraClrSchemeLst/>
   <a:extLst>
     <a:ext uri="{05A4C25C-085E-4340-85A3-A5531E510DB2}">
       <thm15:themeFamily xmlns:thm15="http://schemas.microsoft.com/office/thememl/2012/main" name="Office Theme" id="{62F939B6-93AF-4DB8-9C6B-D6C7DFDC589F}" vid="{4A3C46E8-61CC-4603-A589-7422A47A8E4A}"/>

--- a/figs/makeFig.pptx
+++ b/figs/makeFig.pptx
@@ -12,6 +12,11 @@
     <p:sldId id="260" r:id="rId6"/>
     <p:sldId id="261" r:id="rId7"/>
     <p:sldId id="262" r:id="rId8"/>
+    <p:sldId id="263" r:id="rId9"/>
+    <p:sldId id="264" r:id="rId10"/>
+    <p:sldId id="265" r:id="rId11"/>
+    <p:sldId id="266" r:id="rId12"/>
+    <p:sldId id="267" r:id="rId13"/>
   </p:sldIdLst>
   <p:sldSz cx="10080625" cy="7559675"/>
   <p:notesSz cx="7559675" cy="10691813"/>
@@ -107,6 +112,11 @@
       </a:defRPr>
     </a:lvl9pPr>
   </p:defaultTextStyle>
+  <p:extLst>
+    <p:ext uri="{EFAFB233-063F-42B5-8137-9DF3F51BA10A}">
+      <p15:sldGuideLst xmlns:p15="http://schemas.microsoft.com/office/powerpoint/2012/main"/>
+    </p:ext>
+  </p:extLst>
 </p:presentation>
 </file>
 
@@ -2409,6 +2419,96 @@
 </p:sld>
 </file>
 
+<file path=ppt/slides/slide10.xml><?xml version="1.0" encoding="utf-8"?>
+<p:sld xmlns:a="http://schemas.openxmlformats.org/drawingml/2006/main" xmlns:r="http://schemas.openxmlformats.org/officeDocument/2006/relationships" xmlns:p="http://schemas.openxmlformats.org/presentationml/2006/main">
+  <p:cSld>
+    <p:spTree>
+      <p:nvGrpSpPr>
+        <p:cNvPr id="1" name=""/>
+        <p:cNvGrpSpPr/>
+        <p:nvPr/>
+      </p:nvGrpSpPr>
+      <p:grpSpPr>
+        <a:xfrm>
+          <a:off x="0" y="0"/>
+          <a:ext cx="0" cy="0"/>
+          <a:chOff x="0" y="0"/>
+          <a:chExt cx="0" cy="0"/>
+        </a:xfrm>
+      </p:grpSpPr>
+    </p:spTree>
+    <p:extLst>
+      <p:ext uri="{BB962C8B-B14F-4D97-AF65-F5344CB8AC3E}">
+        <p14:creationId xmlns:p14="http://schemas.microsoft.com/office/powerpoint/2010/main" val="947584466"/>
+      </p:ext>
+    </p:extLst>
+  </p:cSld>
+  <p:clrMapOvr>
+    <a:masterClrMapping/>
+  </p:clrMapOvr>
+</p:sld>
+</file>
+
+<file path=ppt/slides/slide11.xml><?xml version="1.0" encoding="utf-8"?>
+<p:sld xmlns:a="http://schemas.openxmlformats.org/drawingml/2006/main" xmlns:r="http://schemas.openxmlformats.org/officeDocument/2006/relationships" xmlns:p="http://schemas.openxmlformats.org/presentationml/2006/main">
+  <p:cSld>
+    <p:spTree>
+      <p:nvGrpSpPr>
+        <p:cNvPr id="1" name=""/>
+        <p:cNvGrpSpPr/>
+        <p:nvPr/>
+      </p:nvGrpSpPr>
+      <p:grpSpPr>
+        <a:xfrm>
+          <a:off x="0" y="0"/>
+          <a:ext cx="0" cy="0"/>
+          <a:chOff x="0" y="0"/>
+          <a:chExt cx="0" cy="0"/>
+        </a:xfrm>
+      </p:grpSpPr>
+    </p:spTree>
+    <p:extLst>
+      <p:ext uri="{BB962C8B-B14F-4D97-AF65-F5344CB8AC3E}">
+        <p14:creationId xmlns:p14="http://schemas.microsoft.com/office/powerpoint/2010/main" val="4053309543"/>
+      </p:ext>
+    </p:extLst>
+  </p:cSld>
+  <p:clrMapOvr>
+    <a:masterClrMapping/>
+  </p:clrMapOvr>
+</p:sld>
+</file>
+
+<file path=ppt/slides/slide12.xml><?xml version="1.0" encoding="utf-8"?>
+<p:sld xmlns:a="http://schemas.openxmlformats.org/drawingml/2006/main" xmlns:r="http://schemas.openxmlformats.org/officeDocument/2006/relationships" xmlns:p="http://schemas.openxmlformats.org/presentationml/2006/main">
+  <p:cSld>
+    <p:spTree>
+      <p:nvGrpSpPr>
+        <p:cNvPr id="1" name=""/>
+        <p:cNvGrpSpPr/>
+        <p:nvPr/>
+      </p:nvGrpSpPr>
+      <p:grpSpPr>
+        <a:xfrm>
+          <a:off x="0" y="0"/>
+          <a:ext cx="0" cy="0"/>
+          <a:chOff x="0" y="0"/>
+          <a:chExt cx="0" cy="0"/>
+        </a:xfrm>
+      </p:grpSpPr>
+    </p:spTree>
+    <p:extLst>
+      <p:ext uri="{BB962C8B-B14F-4D97-AF65-F5344CB8AC3E}">
+        <p14:creationId xmlns:p14="http://schemas.microsoft.com/office/powerpoint/2010/main" val="1191692144"/>
+      </p:ext>
+    </p:extLst>
+  </p:cSld>
+  <p:clrMapOvr>
+    <a:masterClrMapping/>
+  </p:clrMapOvr>
+</p:sld>
+</file>
+
 <file path=ppt/slides/slide2.xml><?xml version="1.0" encoding="utf-8"?>
 <p:sld xmlns:a="http://schemas.openxmlformats.org/drawingml/2006/main" xmlns:r="http://schemas.openxmlformats.org/officeDocument/2006/relationships" xmlns:p="http://schemas.openxmlformats.org/presentationml/2006/main">
   <p:cSld>
@@ -2969,6 +3069,36 @@
           <a:chExt cx="0" cy="0"/>
         </a:xfrm>
       </p:grpSpPr>
+      <p:pic>
+        <p:nvPicPr>
+          <p:cNvPr id="3" name="図 2">
+            <a:extLst>
+              <a:ext uri="{FF2B5EF4-FFF2-40B4-BE49-F238E27FC236}">
+                <a16:creationId xmlns:a16="http://schemas.microsoft.com/office/drawing/2014/main" id="{3E9ECBA8-A2D9-4A78-99D7-7803B3981FB2}"/>
+              </a:ext>
+            </a:extLst>
+          </p:cNvPr>
+          <p:cNvPicPr>
+            <a:picLocks noChangeAspect="1"/>
+          </p:cNvPicPr>
+          <p:nvPr/>
+        </p:nvPicPr>
+        <p:blipFill>
+          <a:blip r:embed="rId2"/>
+          <a:stretch>
+            <a:fillRect/>
+          </a:stretch>
+        </p:blipFill>
+        <p:spPr>
+          <a:xfrm>
+            <a:off x="224387" y="298873"/>
+            <a:ext cx="7200000" cy="6124141"/>
+          </a:xfrm>
+          <a:prstGeom prst="rect">
+            <a:avLst/>
+          </a:prstGeom>
+        </p:spPr>
+      </p:pic>
     </p:spTree>
   </p:cSld>
   <p:clrMapOvr>
@@ -2994,6 +3124,36 @@
           <a:chExt cx="0" cy="0"/>
         </a:xfrm>
       </p:grpSpPr>
+      <p:pic>
+        <p:nvPicPr>
+          <p:cNvPr id="2" name="図 1">
+            <a:extLst>
+              <a:ext uri="{FF2B5EF4-FFF2-40B4-BE49-F238E27FC236}">
+                <a16:creationId xmlns:a16="http://schemas.microsoft.com/office/drawing/2014/main" id="{19E06FE6-7958-4E63-9C8B-007DB8668330}"/>
+              </a:ext>
+            </a:extLst>
+          </p:cNvPr>
+          <p:cNvPicPr>
+            <a:picLocks noChangeAspect="1"/>
+          </p:cNvPicPr>
+          <p:nvPr/>
+        </p:nvPicPr>
+        <p:blipFill>
+          <a:blip r:embed="rId2"/>
+          <a:stretch>
+            <a:fillRect/>
+          </a:stretch>
+        </p:blipFill>
+        <p:spPr>
+          <a:xfrm>
+            <a:off x="276310" y="331480"/>
+            <a:ext cx="7200000" cy="6124139"/>
+          </a:xfrm>
+          <a:prstGeom prst="rect">
+            <a:avLst/>
+          </a:prstGeom>
+        </p:spPr>
+      </p:pic>
     </p:spTree>
   </p:cSld>
   <p:clrMapOvr>
@@ -3019,6 +3179,36 @@
           <a:chExt cx="0" cy="0"/>
         </a:xfrm>
       </p:grpSpPr>
+      <p:pic>
+        <p:nvPicPr>
+          <p:cNvPr id="2" name="図 1">
+            <a:extLst>
+              <a:ext uri="{FF2B5EF4-FFF2-40B4-BE49-F238E27FC236}">
+                <a16:creationId xmlns:a16="http://schemas.microsoft.com/office/drawing/2014/main" id="{EA692ED9-4009-40E7-BF6A-1F07DEB42D1B}"/>
+              </a:ext>
+            </a:extLst>
+          </p:cNvPr>
+          <p:cNvPicPr>
+            <a:picLocks noChangeAspect="1"/>
+          </p:cNvPicPr>
+          <p:nvPr/>
+        </p:nvPicPr>
+        <p:blipFill>
+          <a:blip r:embed="rId2"/>
+          <a:stretch>
+            <a:fillRect/>
+          </a:stretch>
+        </p:blipFill>
+        <p:spPr>
+          <a:xfrm>
+            <a:off x="387712" y="198437"/>
+            <a:ext cx="7200000" cy="6124139"/>
+          </a:xfrm>
+          <a:prstGeom prst="rect">
+            <a:avLst/>
+          </a:prstGeom>
+        </p:spPr>
+      </p:pic>
     </p:spTree>
   </p:cSld>
   <p:clrMapOvr>
@@ -3044,6 +3234,36 @@
           <a:chExt cx="0" cy="0"/>
         </a:xfrm>
       </p:grpSpPr>
+      <p:pic>
+        <p:nvPicPr>
+          <p:cNvPr id="2" name="図 1">
+            <a:extLst>
+              <a:ext uri="{FF2B5EF4-FFF2-40B4-BE49-F238E27FC236}">
+                <a16:creationId xmlns:a16="http://schemas.microsoft.com/office/drawing/2014/main" id="{B81CE780-9613-4851-9096-A840942777D8}"/>
+              </a:ext>
+            </a:extLst>
+          </p:cNvPr>
+          <p:cNvPicPr>
+            <a:picLocks noChangeAspect="1"/>
+          </p:cNvPicPr>
+          <p:nvPr/>
+        </p:nvPicPr>
+        <p:blipFill>
+          <a:blip r:embed="rId2"/>
+          <a:stretch>
+            <a:fillRect/>
+          </a:stretch>
+        </p:blipFill>
+        <p:spPr>
+          <a:xfrm>
+            <a:off x="462572" y="359304"/>
+            <a:ext cx="7200000" cy="6124139"/>
+          </a:xfrm>
+          <a:prstGeom prst="rect">
+            <a:avLst/>
+          </a:prstGeom>
+        </p:spPr>
+      </p:pic>
     </p:spTree>
   </p:cSld>
   <p:clrMapOvr>
@@ -3070,6 +3290,66 @@
         </a:xfrm>
       </p:grpSpPr>
     </p:spTree>
+  </p:cSld>
+  <p:clrMapOvr>
+    <a:masterClrMapping/>
+  </p:clrMapOvr>
+</p:sld>
+</file>
+
+<file path=ppt/slides/slide8.xml><?xml version="1.0" encoding="utf-8"?>
+<p:sld xmlns:a="http://schemas.openxmlformats.org/drawingml/2006/main" xmlns:r="http://schemas.openxmlformats.org/officeDocument/2006/relationships" xmlns:p="http://schemas.openxmlformats.org/presentationml/2006/main">
+  <p:cSld>
+    <p:spTree>
+      <p:nvGrpSpPr>
+        <p:cNvPr id="1" name=""/>
+        <p:cNvGrpSpPr/>
+        <p:nvPr/>
+      </p:nvGrpSpPr>
+      <p:grpSpPr>
+        <a:xfrm>
+          <a:off x="0" y="0"/>
+          <a:ext cx="0" cy="0"/>
+          <a:chOff x="0" y="0"/>
+          <a:chExt cx="0" cy="0"/>
+        </a:xfrm>
+      </p:grpSpPr>
+    </p:spTree>
+    <p:extLst>
+      <p:ext uri="{BB962C8B-B14F-4D97-AF65-F5344CB8AC3E}">
+        <p14:creationId xmlns:p14="http://schemas.microsoft.com/office/powerpoint/2010/main" val="1158421010"/>
+      </p:ext>
+    </p:extLst>
+  </p:cSld>
+  <p:clrMapOvr>
+    <a:masterClrMapping/>
+  </p:clrMapOvr>
+</p:sld>
+</file>
+
+<file path=ppt/slides/slide9.xml><?xml version="1.0" encoding="utf-8"?>
+<p:sld xmlns:a="http://schemas.openxmlformats.org/drawingml/2006/main" xmlns:r="http://schemas.openxmlformats.org/officeDocument/2006/relationships" xmlns:p="http://schemas.openxmlformats.org/presentationml/2006/main">
+  <p:cSld>
+    <p:spTree>
+      <p:nvGrpSpPr>
+        <p:cNvPr id="1" name=""/>
+        <p:cNvGrpSpPr/>
+        <p:nvPr/>
+      </p:nvGrpSpPr>
+      <p:grpSpPr>
+        <a:xfrm>
+          <a:off x="0" y="0"/>
+          <a:ext cx="0" cy="0"/>
+          <a:chOff x="0" y="0"/>
+          <a:chExt cx="0" cy="0"/>
+        </a:xfrm>
+      </p:grpSpPr>
+    </p:spTree>
+    <p:extLst>
+      <p:ext uri="{BB962C8B-B14F-4D97-AF65-F5344CB8AC3E}">
+        <p14:creationId xmlns:p14="http://schemas.microsoft.com/office/powerpoint/2010/main" val="3067681443"/>
+      </p:ext>
+    </p:extLst>
   </p:cSld>
   <p:clrMapOvr>
     <a:masterClrMapping/>

--- a/figs/makeFig.pptx
+++ b/figs/makeFig.pptx
@@ -11,12 +11,54 @@
     <p:sldId id="259" r:id="rId5"/>
     <p:sldId id="260" r:id="rId6"/>
     <p:sldId id="261" r:id="rId7"/>
-    <p:sldId id="262" r:id="rId8"/>
-    <p:sldId id="263" r:id="rId9"/>
-    <p:sldId id="264" r:id="rId10"/>
-    <p:sldId id="265" r:id="rId11"/>
-    <p:sldId id="266" r:id="rId12"/>
-    <p:sldId id="267" r:id="rId13"/>
+    <p:sldId id="268" r:id="rId8"/>
+    <p:sldId id="269" r:id="rId9"/>
+    <p:sldId id="270" r:id="rId10"/>
+    <p:sldId id="271" r:id="rId11"/>
+    <p:sldId id="262" r:id="rId12"/>
+    <p:sldId id="264" r:id="rId13"/>
+    <p:sldId id="263" r:id="rId14"/>
+    <p:sldId id="272" r:id="rId15"/>
+    <p:sldId id="273" r:id="rId16"/>
+    <p:sldId id="265" r:id="rId17"/>
+    <p:sldId id="266" r:id="rId18"/>
+    <p:sldId id="267" r:id="rId19"/>
+    <p:sldId id="274" r:id="rId20"/>
+    <p:sldId id="275" r:id="rId21"/>
+    <p:sldId id="276" r:id="rId22"/>
+    <p:sldId id="277" r:id="rId23"/>
+    <p:sldId id="278" r:id="rId24"/>
+    <p:sldId id="279" r:id="rId25"/>
+    <p:sldId id="280" r:id="rId26"/>
+    <p:sldId id="281" r:id="rId27"/>
+    <p:sldId id="282" r:id="rId28"/>
+    <p:sldId id="283" r:id="rId29"/>
+    <p:sldId id="284" r:id="rId30"/>
+    <p:sldId id="285" r:id="rId31"/>
+    <p:sldId id="286" r:id="rId32"/>
+    <p:sldId id="287" r:id="rId33"/>
+    <p:sldId id="288" r:id="rId34"/>
+    <p:sldId id="289" r:id="rId35"/>
+    <p:sldId id="290" r:id="rId36"/>
+    <p:sldId id="291" r:id="rId37"/>
+    <p:sldId id="292" r:id="rId38"/>
+    <p:sldId id="293" r:id="rId39"/>
+    <p:sldId id="294" r:id="rId40"/>
+    <p:sldId id="295" r:id="rId41"/>
+    <p:sldId id="296" r:id="rId42"/>
+    <p:sldId id="297" r:id="rId43"/>
+    <p:sldId id="298" r:id="rId44"/>
+    <p:sldId id="299" r:id="rId45"/>
+    <p:sldId id="300" r:id="rId46"/>
+    <p:sldId id="301" r:id="rId47"/>
+    <p:sldId id="302" r:id="rId48"/>
+    <p:sldId id="303" r:id="rId49"/>
+    <p:sldId id="304" r:id="rId50"/>
+    <p:sldId id="305" r:id="rId51"/>
+    <p:sldId id="306" r:id="rId52"/>
+    <p:sldId id="307" r:id="rId53"/>
+    <p:sldId id="308" r:id="rId54"/>
+    <p:sldId id="309" r:id="rId55"/>
   </p:sldIdLst>
   <p:sldSz cx="10080625" cy="7559675"/>
   <p:notesSz cx="7559675" cy="10691813"/>
@@ -724,6 +766,236 @@
 </p:sldLayout>
 </file>
 
+<file path=ppt/slideLayouts/slideLayout13.xml><?xml version="1.0" encoding="utf-8"?>
+<p:sldLayout xmlns:a="http://schemas.openxmlformats.org/drawingml/2006/main" xmlns:r="http://schemas.openxmlformats.org/officeDocument/2006/relationships" xmlns:p="http://schemas.openxmlformats.org/presentationml/2006/main" type="obj">
+  <p:cSld name="タイトルとコンテンツ">
+    <p:spTree>
+      <p:nvGrpSpPr>
+        <p:cNvPr id="1" name=""/>
+        <p:cNvGrpSpPr/>
+        <p:nvPr/>
+      </p:nvGrpSpPr>
+      <p:grpSpPr>
+        <a:xfrm>
+          <a:off x="0" y="0"/>
+          <a:ext cx="0" cy="0"/>
+          <a:chOff x="0" y="0"/>
+          <a:chExt cx="0" cy="0"/>
+        </a:xfrm>
+      </p:grpSpPr>
+      <p:sp>
+        <p:nvSpPr>
+          <p:cNvPr id="2" name="タイトル 1">
+            <a:extLst>
+              <a:ext uri="{FF2B5EF4-FFF2-40B4-BE49-F238E27FC236}">
+                <a16:creationId xmlns:a16="http://schemas.microsoft.com/office/drawing/2014/main" id="{34523024-4C75-4200-B1A6-9F86978A1D7B}"/>
+              </a:ext>
+            </a:extLst>
+          </p:cNvPr>
+          <p:cNvSpPr>
+            <a:spLocks noGrp="1"/>
+          </p:cNvSpPr>
+          <p:nvPr>
+            <p:ph type="title"/>
+          </p:nvPr>
+        </p:nvSpPr>
+        <p:spPr/>
+        <p:txBody>
+          <a:bodyPr/>
+          <a:lstStyle/>
+          <a:p>
+            <a:r>
+              <a:rPr kumimoji="1" lang="ja-JP" altLang="en-US"/>
+              <a:t>マスター タイトルの書式設定</a:t>
+            </a:r>
+          </a:p>
+        </p:txBody>
+      </p:sp>
+      <p:sp>
+        <p:nvSpPr>
+          <p:cNvPr id="3" name="コンテンツ プレースホルダー 2">
+            <a:extLst>
+              <a:ext uri="{FF2B5EF4-FFF2-40B4-BE49-F238E27FC236}">
+                <a16:creationId xmlns:a16="http://schemas.microsoft.com/office/drawing/2014/main" id="{A449D9B8-22BD-4E6F-844C-DFF694C425F1}"/>
+              </a:ext>
+            </a:extLst>
+          </p:cNvPr>
+          <p:cNvSpPr>
+            <a:spLocks noGrp="1"/>
+          </p:cNvSpPr>
+          <p:nvPr>
+            <p:ph idx="1"/>
+          </p:nvPr>
+        </p:nvSpPr>
+        <p:spPr/>
+        <p:txBody>
+          <a:bodyPr/>
+          <a:lstStyle/>
+          <a:p>
+            <a:pPr lvl="0"/>
+            <a:r>
+              <a:rPr kumimoji="1" lang="ja-JP" altLang="en-US"/>
+              <a:t>マスター テキストの書式設定</a:t>
+            </a:r>
+          </a:p>
+          <a:p>
+            <a:pPr lvl="1"/>
+            <a:r>
+              <a:rPr kumimoji="1" lang="ja-JP" altLang="en-US"/>
+              <a:t>第 </a:t>
+            </a:r>
+            <a:r>
+              <a:rPr kumimoji="1" lang="en-US" altLang="ja-JP"/>
+              <a:t>2 </a:t>
+            </a:r>
+            <a:r>
+              <a:rPr kumimoji="1" lang="ja-JP" altLang="en-US"/>
+              <a:t>レベル</a:t>
+            </a:r>
+          </a:p>
+          <a:p>
+            <a:pPr lvl="2"/>
+            <a:r>
+              <a:rPr kumimoji="1" lang="ja-JP" altLang="en-US"/>
+              <a:t>第 </a:t>
+            </a:r>
+            <a:r>
+              <a:rPr kumimoji="1" lang="en-US" altLang="ja-JP"/>
+              <a:t>3 </a:t>
+            </a:r>
+            <a:r>
+              <a:rPr kumimoji="1" lang="ja-JP" altLang="en-US"/>
+              <a:t>レベル</a:t>
+            </a:r>
+          </a:p>
+          <a:p>
+            <a:pPr lvl="3"/>
+            <a:r>
+              <a:rPr kumimoji="1" lang="ja-JP" altLang="en-US"/>
+              <a:t>第 </a:t>
+            </a:r>
+            <a:r>
+              <a:rPr kumimoji="1" lang="en-US" altLang="ja-JP"/>
+              <a:t>4 </a:t>
+            </a:r>
+            <a:r>
+              <a:rPr kumimoji="1" lang="ja-JP" altLang="en-US"/>
+              <a:t>レベル</a:t>
+            </a:r>
+          </a:p>
+          <a:p>
+            <a:pPr lvl="4"/>
+            <a:r>
+              <a:rPr kumimoji="1" lang="ja-JP" altLang="en-US"/>
+              <a:t>第 </a:t>
+            </a:r>
+            <a:r>
+              <a:rPr kumimoji="1" lang="en-US" altLang="ja-JP"/>
+              <a:t>5 </a:t>
+            </a:r>
+            <a:r>
+              <a:rPr kumimoji="1" lang="ja-JP" altLang="en-US"/>
+              <a:t>レベル</a:t>
+            </a:r>
+          </a:p>
+        </p:txBody>
+      </p:sp>
+      <p:sp>
+        <p:nvSpPr>
+          <p:cNvPr id="4" name="日付プレースホルダー 3">
+            <a:extLst>
+              <a:ext uri="{FF2B5EF4-FFF2-40B4-BE49-F238E27FC236}">
+                <a16:creationId xmlns:a16="http://schemas.microsoft.com/office/drawing/2014/main" id="{D2D1A6BD-F8B9-4E19-88D2-AA21A81E3B7E}"/>
+              </a:ext>
+            </a:extLst>
+          </p:cNvPr>
+          <p:cNvSpPr>
+            <a:spLocks noGrp="1"/>
+          </p:cNvSpPr>
+          <p:nvPr>
+            <p:ph type="dt" sz="half" idx="10"/>
+          </p:nvPr>
+        </p:nvSpPr>
+        <p:spPr/>
+        <p:txBody>
+          <a:bodyPr/>
+          <a:lstStyle/>
+          <a:p>
+            <a:fld id="{8A2DCEAA-378A-4EEA-B65B-08E5B8F615DD}" type="datetimeFigureOut">
+              <a:rPr kumimoji="1" lang="ja-JP" altLang="en-US" smtClean="0"/>
+              <a:t>2020/8/19</a:t>
+            </a:fld>
+            <a:endParaRPr kumimoji="1" lang="ja-JP" altLang="en-US"/>
+          </a:p>
+        </p:txBody>
+      </p:sp>
+      <p:sp>
+        <p:nvSpPr>
+          <p:cNvPr id="5" name="フッター プレースホルダー 4">
+            <a:extLst>
+              <a:ext uri="{FF2B5EF4-FFF2-40B4-BE49-F238E27FC236}">
+                <a16:creationId xmlns:a16="http://schemas.microsoft.com/office/drawing/2014/main" id="{B4D9BF52-D38E-483D-8E93-C3372B332E91}"/>
+              </a:ext>
+            </a:extLst>
+          </p:cNvPr>
+          <p:cNvSpPr>
+            <a:spLocks noGrp="1"/>
+          </p:cNvSpPr>
+          <p:nvPr>
+            <p:ph type="ftr" sz="quarter" idx="11"/>
+          </p:nvPr>
+        </p:nvSpPr>
+        <p:spPr/>
+        <p:txBody>
+          <a:bodyPr/>
+          <a:lstStyle/>
+          <a:p>
+            <a:endParaRPr kumimoji="1" lang="ja-JP" altLang="en-US"/>
+          </a:p>
+        </p:txBody>
+      </p:sp>
+      <p:sp>
+        <p:nvSpPr>
+          <p:cNvPr id="6" name="スライド番号プレースホルダー 5">
+            <a:extLst>
+              <a:ext uri="{FF2B5EF4-FFF2-40B4-BE49-F238E27FC236}">
+                <a16:creationId xmlns:a16="http://schemas.microsoft.com/office/drawing/2014/main" id="{96B65EA2-AB59-432A-A1EC-2B99DCBCF650}"/>
+              </a:ext>
+            </a:extLst>
+          </p:cNvPr>
+          <p:cNvSpPr>
+            <a:spLocks noGrp="1"/>
+          </p:cNvSpPr>
+          <p:nvPr>
+            <p:ph type="sldNum" sz="quarter" idx="12"/>
+          </p:nvPr>
+        </p:nvSpPr>
+        <p:spPr/>
+        <p:txBody>
+          <a:bodyPr/>
+          <a:lstStyle/>
+          <a:p>
+            <a:fld id="{8ED8D3DD-BA2D-458E-8C11-B275DF0EA142}" type="slidenum">
+              <a:rPr kumimoji="1" lang="ja-JP" altLang="en-US" smtClean="0"/>
+              <a:t>‹#›</a:t>
+            </a:fld>
+            <a:endParaRPr kumimoji="1" lang="ja-JP" altLang="en-US"/>
+          </a:p>
+        </p:txBody>
+      </p:sp>
+    </p:spTree>
+    <p:extLst>
+      <p:ext uri="{BB962C8B-B14F-4D97-AF65-F5344CB8AC3E}">
+        <p14:creationId xmlns:p14="http://schemas.microsoft.com/office/powerpoint/2010/main" val="2136548128"/>
+      </p:ext>
+    </p:extLst>
+  </p:cSld>
+  <p:clrMapOvr>
+    <a:masterClrMapping/>
+  </p:clrMapOvr>
+</p:sldLayout>
+</file>
+
 <file path=ppt/slideLayouts/slideLayout2.xml><?xml version="1.0" encoding="utf-8"?>
 <p:sldLayout xmlns:a="http://schemas.openxmlformats.org/drawingml/2006/main" xmlns:r="http://schemas.openxmlformats.org/officeDocument/2006/relationships" xmlns:p="http://schemas.openxmlformats.org/presentationml/2006/main" type="tx" preserve="1">
   <p:cSld name="Title Slide">
@@ -1872,6 +2144,7 @@
     <p:sldLayoutId id="2147483658" r:id="rId10"/>
     <p:sldLayoutId id="2147483659" r:id="rId11"/>
     <p:sldLayoutId id="2147483660" r:id="rId12"/>
+    <p:sldLayoutId id="2147483661" r:id="rId13"/>
   </p:sldLayoutIdLst>
   <p:txStyles>
     <p:titleStyle/>
@@ -2436,6 +2709,1151 @@
           <a:chExt cx="0" cy="0"/>
         </a:xfrm>
       </p:grpSpPr>
+      <p:pic>
+        <p:nvPicPr>
+          <p:cNvPr id="3" name="図 2">
+            <a:extLst>
+              <a:ext uri="{FF2B5EF4-FFF2-40B4-BE49-F238E27FC236}">
+                <a16:creationId xmlns:a16="http://schemas.microsoft.com/office/drawing/2014/main" id="{C339474D-5942-4522-BBE4-BE6FF4E0B788}"/>
+              </a:ext>
+            </a:extLst>
+          </p:cNvPr>
+          <p:cNvPicPr>
+            <a:picLocks noChangeAspect="1"/>
+          </p:cNvPicPr>
+          <p:nvPr/>
+        </p:nvPicPr>
+        <p:blipFill>
+          <a:blip r:embed="rId2"/>
+          <a:stretch>
+            <a:fillRect/>
+          </a:stretch>
+        </p:blipFill>
+        <p:spPr>
+          <a:xfrm>
+            <a:off x="1715244" y="1442060"/>
+            <a:ext cx="5953125" cy="4392651"/>
+          </a:xfrm>
+          <a:prstGeom prst="rect">
+            <a:avLst/>
+          </a:prstGeom>
+        </p:spPr>
+      </p:pic>
+      <p:sp>
+        <p:nvSpPr>
+          <p:cNvPr id="4" name="テキスト ボックス 3">
+            <a:extLst>
+              <a:ext uri="{FF2B5EF4-FFF2-40B4-BE49-F238E27FC236}">
+                <a16:creationId xmlns:a16="http://schemas.microsoft.com/office/drawing/2014/main" id="{91B1D504-D6CD-468F-B153-66B807E6984A}"/>
+              </a:ext>
+            </a:extLst>
+          </p:cNvPr>
+          <p:cNvSpPr txBox="1"/>
+          <p:nvPr/>
+        </p:nvSpPr>
+        <p:spPr>
+          <a:xfrm>
+            <a:off x="4185547" y="3779837"/>
+            <a:ext cx="2985720" cy="1257830"/>
+          </a:xfrm>
+          <a:prstGeom prst="rect">
+            <a:avLst/>
+          </a:prstGeom>
+          <a:solidFill>
+            <a:srgbClr val="FFFF00"/>
+          </a:solidFill>
+          <a:ln>
+            <a:solidFill>
+              <a:schemeClr val="tx1"/>
+            </a:solidFill>
+          </a:ln>
+        </p:spPr>
+        <p:txBody>
+          <a:bodyPr wrap="square" rtlCol="0">
+            <a:noAutofit/>
+          </a:bodyPr>
+          <a:lstStyle/>
+          <a:p>
+            <a:r>
+              <a:rPr lang="en-US" altLang="ja-JP" sz="1000" dirty="0">
+                <a:latin typeface="ＭＳ Ｐゴシック" panose="020B0600070205080204" pitchFamily="50" charset="-128"/>
+                <a:ea typeface="ＭＳ Ｐゴシック" panose="020B0600070205080204" pitchFamily="50" charset="-128"/>
+                <a:cs typeface="Arial" panose="020B0604020202020204" pitchFamily="34" charset="0"/>
+              </a:rPr>
+              <a:t>Output: </a:t>
+            </a:r>
+          </a:p>
+          <a:p>
+            <a:r>
+              <a:rPr lang="en-US" altLang="ja-JP" sz="1000" dirty="0">
+                <a:latin typeface="ＭＳ Ｐゴシック" panose="020B0600070205080204" pitchFamily="50" charset="-128"/>
+                <a:ea typeface="ＭＳ Ｐゴシック" panose="020B0600070205080204" pitchFamily="50" charset="-128"/>
+                <a:cs typeface="Arial" panose="020B0604020202020204" pitchFamily="34" charset="0"/>
+              </a:rPr>
+              <a:t>-. accumulated signal.</a:t>
+            </a:r>
+          </a:p>
+          <a:p>
+            <a:r>
+              <a:rPr lang="en-US" altLang="ja-JP" sz="1000" dirty="0">
+                <a:latin typeface="ＭＳ Ｐゴシック" panose="020B0600070205080204" pitchFamily="50" charset="-128"/>
+                <a:ea typeface="ＭＳ Ｐゴシック" panose="020B0600070205080204" pitchFamily="50" charset="-128"/>
+                <a:cs typeface="Arial" panose="020B0604020202020204" pitchFamily="34" charset="0"/>
+              </a:rPr>
+              <a:t>-. Output signal increases as keyboard is pressed. </a:t>
+            </a:r>
+          </a:p>
+          <a:p>
+            <a:r>
+              <a:rPr lang="en-US" altLang="ja-JP" sz="1000" dirty="0">
+                <a:latin typeface="ＭＳ Ｐゴシック" panose="020B0600070205080204" pitchFamily="50" charset="-128"/>
+                <a:ea typeface="ＭＳ Ｐゴシック" panose="020B0600070205080204" pitchFamily="50" charset="-128"/>
+                <a:cs typeface="Arial" panose="020B0604020202020204" pitchFamily="34" charset="0"/>
+              </a:rPr>
+              <a:t>-. How long the key is pressed does NOT affect on output signal.</a:t>
+            </a:r>
+          </a:p>
+          <a:p>
+            <a:r>
+              <a:rPr lang="en-US" altLang="ja-JP" sz="1000" dirty="0">
+                <a:latin typeface="ＭＳ Ｐゴシック" panose="020B0600070205080204" pitchFamily="50" charset="-128"/>
+                <a:ea typeface="ＭＳ Ｐゴシック" panose="020B0600070205080204" pitchFamily="50" charset="-128"/>
+                <a:cs typeface="Arial" panose="020B0604020202020204" pitchFamily="34" charset="0"/>
+              </a:rPr>
+              <a:t>-. Increments of output signal is 10 because scale factor is set 10.</a:t>
+            </a:r>
+          </a:p>
+        </p:txBody>
+      </p:sp>
+      <p:cxnSp>
+        <p:nvCxnSpPr>
+          <p:cNvPr id="5" name="直線矢印コネクタ 4">
+            <a:extLst>
+              <a:ext uri="{FF2B5EF4-FFF2-40B4-BE49-F238E27FC236}">
+                <a16:creationId xmlns:a16="http://schemas.microsoft.com/office/drawing/2014/main" id="{39A0D6C1-7BD3-4282-9918-9C1B64B0F023}"/>
+              </a:ext>
+            </a:extLst>
+          </p:cNvPr>
+          <p:cNvCxnSpPr>
+            <a:cxnSpLocks/>
+            <a:stCxn id="4" idx="1"/>
+          </p:cNvCxnSpPr>
+          <p:nvPr/>
+        </p:nvCxnSpPr>
+        <p:spPr>
+          <a:xfrm flipH="1" flipV="1">
+            <a:off x="3818099" y="3529944"/>
+            <a:ext cx="367448" cy="878808"/>
+          </a:xfrm>
+          <a:prstGeom prst="straightConnector1">
+            <a:avLst/>
+          </a:prstGeom>
+          <a:ln w="12700">
+            <a:solidFill>
+              <a:schemeClr val="tx1"/>
+            </a:solidFill>
+            <a:tailEnd type="oval"/>
+          </a:ln>
+        </p:spPr>
+        <p:style>
+          <a:lnRef idx="1">
+            <a:schemeClr val="accent1"/>
+          </a:lnRef>
+          <a:fillRef idx="0">
+            <a:schemeClr val="accent1"/>
+          </a:fillRef>
+          <a:effectRef idx="0">
+            <a:schemeClr val="accent1"/>
+          </a:effectRef>
+          <a:fontRef idx="minor">
+            <a:schemeClr val="tx1"/>
+          </a:fontRef>
+        </p:style>
+      </p:cxnSp>
+    </p:spTree>
+    <p:extLst>
+      <p:ext uri="{BB962C8B-B14F-4D97-AF65-F5344CB8AC3E}">
+        <p14:creationId xmlns:p14="http://schemas.microsoft.com/office/powerpoint/2010/main" val="430179027"/>
+      </p:ext>
+    </p:extLst>
+  </p:cSld>
+  <p:clrMapOvr>
+    <a:masterClrMapping/>
+  </p:clrMapOvr>
+</p:sld>
+</file>
+
+<file path=ppt/slides/slide11.xml><?xml version="1.0" encoding="utf-8"?>
+<p:sld xmlns:a="http://schemas.openxmlformats.org/drawingml/2006/main" xmlns:r="http://schemas.openxmlformats.org/officeDocument/2006/relationships" xmlns:p="http://schemas.openxmlformats.org/presentationml/2006/main">
+  <p:cSld>
+    <p:spTree>
+      <p:nvGrpSpPr>
+        <p:cNvPr id="1" name=""/>
+        <p:cNvGrpSpPr/>
+        <p:nvPr/>
+      </p:nvGrpSpPr>
+      <p:grpSpPr>
+        <a:xfrm>
+          <a:off x="0" y="0"/>
+          <a:ext cx="0" cy="0"/>
+          <a:chOff x="0" y="0"/>
+          <a:chExt cx="0" cy="0"/>
+        </a:xfrm>
+      </p:grpSpPr>
+      <p:pic>
+        <p:nvPicPr>
+          <p:cNvPr id="9" name="図 8">
+            <a:extLst>
+              <a:ext uri="{FF2B5EF4-FFF2-40B4-BE49-F238E27FC236}">
+                <a16:creationId xmlns:a16="http://schemas.microsoft.com/office/drawing/2014/main" id="{17032F12-715D-4AC8-BD8E-507710031A78}"/>
+              </a:ext>
+            </a:extLst>
+          </p:cNvPr>
+          <p:cNvPicPr>
+            <a:picLocks noChangeAspect="1"/>
+          </p:cNvPicPr>
+          <p:nvPr/>
+        </p:nvPicPr>
+        <p:blipFill>
+          <a:blip r:embed="rId2"/>
+          <a:stretch>
+            <a:fillRect/>
+          </a:stretch>
+        </p:blipFill>
+        <p:spPr>
+          <a:xfrm>
+            <a:off x="2590679" y="1754149"/>
+            <a:ext cx="4882333" cy="3797370"/>
+          </a:xfrm>
+          <a:prstGeom prst="rect">
+            <a:avLst/>
+          </a:prstGeom>
+        </p:spPr>
+      </p:pic>
+      <p:sp>
+        <p:nvSpPr>
+          <p:cNvPr id="2" name="テキスト ボックス 1">
+            <a:extLst>
+              <a:ext uri="{FF2B5EF4-FFF2-40B4-BE49-F238E27FC236}">
+                <a16:creationId xmlns:a16="http://schemas.microsoft.com/office/drawing/2014/main" id="{70B790A2-AC3A-4718-8297-727C17AEF059}"/>
+              </a:ext>
+            </a:extLst>
+          </p:cNvPr>
+          <p:cNvSpPr txBox="1"/>
+          <p:nvPr/>
+        </p:nvSpPr>
+        <p:spPr>
+          <a:xfrm>
+            <a:off x="2242994" y="4684881"/>
+            <a:ext cx="1727873" cy="539052"/>
+          </a:xfrm>
+          <a:prstGeom prst="rect">
+            <a:avLst/>
+          </a:prstGeom>
+          <a:solidFill>
+            <a:srgbClr val="92D050">
+              <a:alpha val="69804"/>
+            </a:srgbClr>
+          </a:solidFill>
+          <a:ln>
+            <a:solidFill>
+              <a:schemeClr val="tx1"/>
+            </a:solidFill>
+          </a:ln>
+        </p:spPr>
+        <p:txBody>
+          <a:bodyPr wrap="square" rtlCol="0">
+            <a:noAutofit/>
+          </a:bodyPr>
+          <a:lstStyle/>
+          <a:p>
+            <a:r>
+              <a:rPr kumimoji="1" lang="en-US" altLang="ja-JP" sz="1000" dirty="0">
+                <a:latin typeface="ＭＳ Ｐゴシック" panose="020B0600070205080204" pitchFamily="50" charset="-128"/>
+                <a:ea typeface="ＭＳ Ｐゴシック" panose="020B0600070205080204" pitchFamily="50" charset="-128"/>
+                <a:cs typeface="Arial" panose="020B0604020202020204" pitchFamily="34" charset="0"/>
+              </a:rPr>
+              <a:t>Receive Boolean signal of digital input.</a:t>
+            </a:r>
+          </a:p>
+        </p:txBody>
+      </p:sp>
+      <p:cxnSp>
+        <p:nvCxnSpPr>
+          <p:cNvPr id="3" name="直線矢印コネクタ 2">
+            <a:extLst>
+              <a:ext uri="{FF2B5EF4-FFF2-40B4-BE49-F238E27FC236}">
+                <a16:creationId xmlns:a16="http://schemas.microsoft.com/office/drawing/2014/main" id="{CBF67B0D-53A9-49D0-8158-880C3AA8C89A}"/>
+              </a:ext>
+            </a:extLst>
+          </p:cNvPr>
+          <p:cNvCxnSpPr>
+            <a:cxnSpLocks/>
+            <a:stCxn id="2" idx="0"/>
+          </p:cNvCxnSpPr>
+          <p:nvPr/>
+        </p:nvCxnSpPr>
+        <p:spPr>
+          <a:xfrm flipH="1" flipV="1">
+            <a:off x="2895601" y="3779837"/>
+            <a:ext cx="211330" cy="905044"/>
+          </a:xfrm>
+          <a:prstGeom prst="straightConnector1">
+            <a:avLst/>
+          </a:prstGeom>
+          <a:ln w="12700">
+            <a:solidFill>
+              <a:srgbClr val="00B050"/>
+            </a:solidFill>
+            <a:tailEnd type="oval"/>
+          </a:ln>
+        </p:spPr>
+        <p:style>
+          <a:lnRef idx="1">
+            <a:schemeClr val="accent1"/>
+          </a:lnRef>
+          <a:fillRef idx="0">
+            <a:schemeClr val="accent1"/>
+          </a:fillRef>
+          <a:effectRef idx="0">
+            <a:schemeClr val="accent1"/>
+          </a:effectRef>
+          <a:fontRef idx="minor">
+            <a:schemeClr val="tx1"/>
+          </a:fontRef>
+        </p:style>
+      </p:cxnSp>
+      <p:sp>
+        <p:nvSpPr>
+          <p:cNvPr id="4" name="テキスト ボックス 3">
+            <a:extLst>
+              <a:ext uri="{FF2B5EF4-FFF2-40B4-BE49-F238E27FC236}">
+                <a16:creationId xmlns:a16="http://schemas.microsoft.com/office/drawing/2014/main" id="{6FE535CB-53EC-405A-A6C6-07C13A489D9F}"/>
+              </a:ext>
+            </a:extLst>
+          </p:cNvPr>
+          <p:cNvSpPr txBox="1"/>
+          <p:nvPr/>
+        </p:nvSpPr>
+        <p:spPr>
+          <a:xfrm>
+            <a:off x="5816601" y="4505330"/>
+            <a:ext cx="2709332" cy="1184443"/>
+          </a:xfrm>
+          <a:prstGeom prst="rect">
+            <a:avLst/>
+          </a:prstGeom>
+          <a:solidFill>
+            <a:srgbClr val="92D050">
+              <a:alpha val="69804"/>
+            </a:srgbClr>
+          </a:solidFill>
+          <a:ln>
+            <a:solidFill>
+              <a:schemeClr val="tx1"/>
+            </a:solidFill>
+          </a:ln>
+        </p:spPr>
+        <p:txBody>
+          <a:bodyPr wrap="square" rtlCol="0">
+            <a:noAutofit/>
+          </a:bodyPr>
+          <a:lstStyle/>
+          <a:p>
+            <a:r>
+              <a:rPr kumimoji="1" lang="en-US" altLang="ja-JP" sz="1000" dirty="0">
+                <a:latin typeface="ＭＳ Ｐゴシック" panose="020B0600070205080204" pitchFamily="50" charset="-128"/>
+                <a:ea typeface="ＭＳ Ｐゴシック" panose="020B0600070205080204" pitchFamily="50" charset="-128"/>
+                <a:cs typeface="Arial" panose="020B0604020202020204" pitchFamily="34" charset="0"/>
+              </a:rPr>
+              <a:t>-. accumulate digital signal received and output.</a:t>
+            </a:r>
+          </a:p>
+          <a:p>
+            <a:r>
+              <a:rPr kumimoji="1" lang="en-US" altLang="ja-JP" sz="1000" dirty="0">
+                <a:latin typeface="ＭＳ Ｐゴシック" panose="020B0600070205080204" pitchFamily="50" charset="-128"/>
+                <a:ea typeface="ＭＳ Ｐゴシック" panose="020B0600070205080204" pitchFamily="50" charset="-128"/>
+                <a:cs typeface="Arial" panose="020B0604020202020204" pitchFamily="34" charset="0"/>
+              </a:rPr>
+              <a:t>-. Increase of output signal is determined by how many times true signal is received, NOT by how long true signal is maintained.</a:t>
+            </a:r>
+          </a:p>
+          <a:p>
+            <a:r>
+              <a:rPr kumimoji="1" lang="en-US" altLang="ja-JP" sz="1000" dirty="0">
+                <a:latin typeface="ＭＳ Ｐゴシック" panose="020B0600070205080204" pitchFamily="50" charset="-128"/>
+                <a:ea typeface="ＭＳ Ｐゴシック" panose="020B0600070205080204" pitchFamily="50" charset="-128"/>
+                <a:cs typeface="Arial" panose="020B0604020202020204" pitchFamily="34" charset="0"/>
+              </a:rPr>
+              <a:t>-. Output signal can be scaled by parameter setting for control of large values.</a:t>
+            </a:r>
+          </a:p>
+        </p:txBody>
+      </p:sp>
+      <p:cxnSp>
+        <p:nvCxnSpPr>
+          <p:cNvPr id="5" name="直線矢印コネクタ 4">
+            <a:extLst>
+              <a:ext uri="{FF2B5EF4-FFF2-40B4-BE49-F238E27FC236}">
+                <a16:creationId xmlns:a16="http://schemas.microsoft.com/office/drawing/2014/main" id="{48A7B520-A01D-4235-833A-0DF2D68EB20B}"/>
+              </a:ext>
+            </a:extLst>
+          </p:cNvPr>
+          <p:cNvCxnSpPr>
+            <a:cxnSpLocks/>
+            <a:stCxn id="4" idx="0"/>
+          </p:cNvCxnSpPr>
+          <p:nvPr/>
+        </p:nvCxnSpPr>
+        <p:spPr>
+          <a:xfrm flipH="1" flipV="1">
+            <a:off x="7120737" y="3753310"/>
+            <a:ext cx="50530" cy="752020"/>
+          </a:xfrm>
+          <a:prstGeom prst="straightConnector1">
+            <a:avLst/>
+          </a:prstGeom>
+          <a:ln w="12700">
+            <a:solidFill>
+              <a:srgbClr val="00B050"/>
+            </a:solidFill>
+            <a:tailEnd type="oval"/>
+          </a:ln>
+        </p:spPr>
+        <p:style>
+          <a:lnRef idx="1">
+            <a:schemeClr val="accent1"/>
+          </a:lnRef>
+          <a:fillRef idx="0">
+            <a:schemeClr val="accent1"/>
+          </a:fillRef>
+          <a:effectRef idx="0">
+            <a:schemeClr val="accent1"/>
+          </a:effectRef>
+          <a:fontRef idx="minor">
+            <a:schemeClr val="tx1"/>
+          </a:fontRef>
+        </p:style>
+      </p:cxnSp>
+    </p:spTree>
+  </p:cSld>
+  <p:clrMapOvr>
+    <a:masterClrMapping/>
+  </p:clrMapOvr>
+</p:sld>
+</file>
+
+<file path=ppt/slides/slide12.xml><?xml version="1.0" encoding="utf-8"?>
+<p:sld xmlns:a="http://schemas.openxmlformats.org/drawingml/2006/main" xmlns:r="http://schemas.openxmlformats.org/officeDocument/2006/relationships" xmlns:p="http://schemas.openxmlformats.org/presentationml/2006/main">
+  <p:cSld>
+    <p:spTree>
+      <p:nvGrpSpPr>
+        <p:cNvPr id="1" name=""/>
+        <p:cNvGrpSpPr/>
+        <p:nvPr/>
+      </p:nvGrpSpPr>
+      <p:grpSpPr>
+        <a:xfrm>
+          <a:off x="0" y="0"/>
+          <a:ext cx="0" cy="0"/>
+          <a:chOff x="0" y="0"/>
+          <a:chExt cx="0" cy="0"/>
+        </a:xfrm>
+      </p:grpSpPr>
+      <p:pic>
+        <p:nvPicPr>
+          <p:cNvPr id="6" name="図 5">
+            <a:extLst>
+              <a:ext uri="{FF2B5EF4-FFF2-40B4-BE49-F238E27FC236}">
+                <a16:creationId xmlns:a16="http://schemas.microsoft.com/office/drawing/2014/main" id="{98BE5150-5B69-4682-B850-F43805FB9BE7}"/>
+              </a:ext>
+            </a:extLst>
+          </p:cNvPr>
+          <p:cNvPicPr>
+            <a:picLocks noChangeAspect="1"/>
+          </p:cNvPicPr>
+          <p:nvPr/>
+        </p:nvPicPr>
+        <p:blipFill rotWithShape="1">
+          <a:blip r:embed="rId2"/>
+          <a:srcRect r="8021" b="42044"/>
+          <a:stretch/>
+        </p:blipFill>
+        <p:spPr>
+          <a:xfrm>
+            <a:off x="2701141" y="2301619"/>
+            <a:ext cx="4038326" cy="2527991"/>
+          </a:xfrm>
+          <a:prstGeom prst="rect">
+            <a:avLst/>
+          </a:prstGeom>
+        </p:spPr>
+      </p:pic>
+      <p:sp>
+        <p:nvSpPr>
+          <p:cNvPr id="2" name="テキスト ボックス 1">
+            <a:extLst>
+              <a:ext uri="{FF2B5EF4-FFF2-40B4-BE49-F238E27FC236}">
+                <a16:creationId xmlns:a16="http://schemas.microsoft.com/office/drawing/2014/main" id="{10EFA146-2CD5-41D8-B189-2ABB5DECF1CE}"/>
+              </a:ext>
+            </a:extLst>
+          </p:cNvPr>
+          <p:cNvSpPr txBox="1"/>
+          <p:nvPr/>
+        </p:nvSpPr>
+        <p:spPr>
+          <a:xfrm>
+            <a:off x="2336800" y="4182533"/>
+            <a:ext cx="1974743" cy="762000"/>
+          </a:xfrm>
+          <a:prstGeom prst="rect">
+            <a:avLst/>
+          </a:prstGeom>
+          <a:solidFill>
+            <a:srgbClr val="92D050">
+              <a:alpha val="69804"/>
+            </a:srgbClr>
+          </a:solidFill>
+          <a:ln>
+            <a:solidFill>
+              <a:schemeClr val="tx1"/>
+            </a:solidFill>
+          </a:ln>
+        </p:spPr>
+        <p:txBody>
+          <a:bodyPr wrap="square" rtlCol="0">
+            <a:noAutofit/>
+          </a:bodyPr>
+          <a:lstStyle/>
+          <a:p>
+            <a:r>
+              <a:rPr kumimoji="1" lang="en-US" altLang="ja-JP" sz="1000" dirty="0">
+                <a:latin typeface="ＭＳ Ｐゴシック" panose="020B0600070205080204" pitchFamily="50" charset="-128"/>
+                <a:ea typeface="ＭＳ Ｐゴシック" panose="020B0600070205080204" pitchFamily="50" charset="-128"/>
+                <a:cs typeface="Arial" panose="020B0604020202020204" pitchFamily="34" charset="0"/>
+              </a:rPr>
+              <a:t>It is assumed to be deployed together with </a:t>
+            </a:r>
+            <a:r>
+              <a:rPr kumimoji="1" lang="en-US" altLang="ja-JP" sz="1000" dirty="0" err="1">
+                <a:latin typeface="ＭＳ Ｐゴシック" panose="020B0600070205080204" pitchFamily="50" charset="-128"/>
+                <a:ea typeface="ＭＳ Ｐゴシック" panose="020B0600070205080204" pitchFamily="50" charset="-128"/>
+                <a:cs typeface="Arial" panose="020B0604020202020204" pitchFamily="34" charset="0"/>
+              </a:rPr>
+              <a:t>keybordInput</a:t>
+            </a:r>
+            <a:r>
+              <a:rPr kumimoji="1" lang="en-US" altLang="ja-JP" sz="1000" dirty="0">
+                <a:latin typeface="ＭＳ Ｐゴシック" panose="020B0600070205080204" pitchFamily="50" charset="-128"/>
+                <a:ea typeface="ＭＳ Ｐゴシック" panose="020B0600070205080204" pitchFamily="50" charset="-128"/>
+                <a:cs typeface="Arial" panose="020B0604020202020204" pitchFamily="34" charset="0"/>
+              </a:rPr>
+              <a:t> component of </a:t>
+            </a:r>
+            <a:r>
+              <a:rPr kumimoji="1" lang="en-US" altLang="ja-JP" sz="1000" dirty="0" err="1">
+                <a:latin typeface="ＭＳ Ｐゴシック" panose="020B0600070205080204" pitchFamily="50" charset="-128"/>
+                <a:ea typeface="ＭＳ Ｐゴシック" panose="020B0600070205080204" pitchFamily="50" charset="-128"/>
+                <a:cs typeface="Arial" panose="020B0604020202020204" pitchFamily="34" charset="0"/>
+              </a:rPr>
+              <a:t>Modelica_DeviceDrivers</a:t>
+            </a:r>
+            <a:r>
+              <a:rPr kumimoji="1" lang="en-US" altLang="ja-JP" sz="1000" dirty="0">
+                <a:latin typeface="ＭＳ Ｐゴシック" panose="020B0600070205080204" pitchFamily="50" charset="-128"/>
+                <a:ea typeface="ＭＳ Ｐゴシック" panose="020B0600070205080204" pitchFamily="50" charset="-128"/>
+                <a:cs typeface="Arial" panose="020B0604020202020204" pitchFamily="34" charset="0"/>
+              </a:rPr>
+              <a:t> library.</a:t>
+            </a:r>
+          </a:p>
+        </p:txBody>
+      </p:sp>
+      <p:cxnSp>
+        <p:nvCxnSpPr>
+          <p:cNvPr id="3" name="直線矢印コネクタ 2">
+            <a:extLst>
+              <a:ext uri="{FF2B5EF4-FFF2-40B4-BE49-F238E27FC236}">
+                <a16:creationId xmlns:a16="http://schemas.microsoft.com/office/drawing/2014/main" id="{3E9365B0-5029-45CD-8B6D-4F405919CBC4}"/>
+              </a:ext>
+            </a:extLst>
+          </p:cNvPr>
+          <p:cNvCxnSpPr>
+            <a:cxnSpLocks/>
+            <a:stCxn id="2" idx="3"/>
+          </p:cNvCxnSpPr>
+          <p:nvPr/>
+        </p:nvCxnSpPr>
+        <p:spPr>
+          <a:xfrm flipV="1">
+            <a:off x="4311543" y="4182533"/>
+            <a:ext cx="294324" cy="381000"/>
+          </a:xfrm>
+          <a:prstGeom prst="straightConnector1">
+            <a:avLst/>
+          </a:prstGeom>
+          <a:ln w="12700">
+            <a:solidFill>
+              <a:srgbClr val="00B050"/>
+            </a:solidFill>
+            <a:tailEnd type="oval"/>
+          </a:ln>
+        </p:spPr>
+        <p:style>
+          <a:lnRef idx="1">
+            <a:schemeClr val="accent1"/>
+          </a:lnRef>
+          <a:fillRef idx="0">
+            <a:schemeClr val="accent1"/>
+          </a:fillRef>
+          <a:effectRef idx="0">
+            <a:schemeClr val="accent1"/>
+          </a:effectRef>
+          <a:fontRef idx="minor">
+            <a:schemeClr val="tx1"/>
+          </a:fontRef>
+        </p:style>
+      </p:cxnSp>
+      <p:cxnSp>
+        <p:nvCxnSpPr>
+          <p:cNvPr id="4" name="直線矢印コネクタ 3">
+            <a:extLst>
+              <a:ext uri="{FF2B5EF4-FFF2-40B4-BE49-F238E27FC236}">
+                <a16:creationId xmlns:a16="http://schemas.microsoft.com/office/drawing/2014/main" id="{D0A87462-2C12-441C-9615-1D1A6FD668B7}"/>
+              </a:ext>
+            </a:extLst>
+          </p:cNvPr>
+          <p:cNvCxnSpPr>
+            <a:cxnSpLocks/>
+            <a:stCxn id="2" idx="3"/>
+          </p:cNvCxnSpPr>
+          <p:nvPr/>
+        </p:nvCxnSpPr>
+        <p:spPr>
+          <a:xfrm>
+            <a:off x="4311543" y="4563533"/>
+            <a:ext cx="1327257" cy="55657"/>
+          </a:xfrm>
+          <a:prstGeom prst="straightConnector1">
+            <a:avLst/>
+          </a:prstGeom>
+          <a:ln w="12700">
+            <a:solidFill>
+              <a:srgbClr val="00B050"/>
+            </a:solidFill>
+            <a:tailEnd type="oval"/>
+          </a:ln>
+        </p:spPr>
+        <p:style>
+          <a:lnRef idx="1">
+            <a:schemeClr val="accent1"/>
+          </a:lnRef>
+          <a:fillRef idx="0">
+            <a:schemeClr val="accent1"/>
+          </a:fillRef>
+          <a:effectRef idx="0">
+            <a:schemeClr val="accent1"/>
+          </a:effectRef>
+          <a:fontRef idx="minor">
+            <a:schemeClr val="tx1"/>
+          </a:fontRef>
+        </p:style>
+      </p:cxnSp>
+    </p:spTree>
+    <p:extLst>
+      <p:ext uri="{BB962C8B-B14F-4D97-AF65-F5344CB8AC3E}">
+        <p14:creationId xmlns:p14="http://schemas.microsoft.com/office/powerpoint/2010/main" val="3067681443"/>
+      </p:ext>
+    </p:extLst>
+  </p:cSld>
+  <p:clrMapOvr>
+    <a:masterClrMapping/>
+  </p:clrMapOvr>
+</p:sld>
+</file>
+
+<file path=ppt/slides/slide13.xml><?xml version="1.0" encoding="utf-8"?>
+<p:sld xmlns:a="http://schemas.openxmlformats.org/drawingml/2006/main" xmlns:r="http://schemas.openxmlformats.org/officeDocument/2006/relationships" xmlns:p="http://schemas.openxmlformats.org/presentationml/2006/main">
+  <p:cSld>
+    <p:spTree>
+      <p:nvGrpSpPr>
+        <p:cNvPr id="1" name=""/>
+        <p:cNvGrpSpPr/>
+        <p:nvPr/>
+      </p:nvGrpSpPr>
+      <p:grpSpPr>
+        <a:xfrm>
+          <a:off x="0" y="0"/>
+          <a:ext cx="0" cy="0"/>
+          <a:chOff x="0" y="0"/>
+          <a:chExt cx="0" cy="0"/>
+        </a:xfrm>
+      </p:grpSpPr>
+      <p:pic>
+        <p:nvPicPr>
+          <p:cNvPr id="7" name="図 6">
+            <a:extLst>
+              <a:ext uri="{FF2B5EF4-FFF2-40B4-BE49-F238E27FC236}">
+                <a16:creationId xmlns:a16="http://schemas.microsoft.com/office/drawing/2014/main" id="{071B7502-7BF4-4CD5-8F38-C1124F203C69}"/>
+              </a:ext>
+            </a:extLst>
+          </p:cNvPr>
+          <p:cNvPicPr>
+            <a:picLocks noChangeAspect="1"/>
+          </p:cNvPicPr>
+          <p:nvPr/>
+        </p:nvPicPr>
+        <p:blipFill>
+          <a:blip r:embed="rId2"/>
+          <a:stretch>
+            <a:fillRect/>
+          </a:stretch>
+        </p:blipFill>
+        <p:spPr>
+          <a:xfrm>
+            <a:off x="1440312" y="826799"/>
+            <a:ext cx="7200000" cy="5282682"/>
+          </a:xfrm>
+          <a:prstGeom prst="rect">
+            <a:avLst/>
+          </a:prstGeom>
+        </p:spPr>
+      </p:pic>
+      <p:sp>
+        <p:nvSpPr>
+          <p:cNvPr id="2" name="テキスト ボックス 1">
+            <a:extLst>
+              <a:ext uri="{FF2B5EF4-FFF2-40B4-BE49-F238E27FC236}">
+                <a16:creationId xmlns:a16="http://schemas.microsoft.com/office/drawing/2014/main" id="{E5A57308-7D92-4B7F-8F11-165EBADF287E}"/>
+              </a:ext>
+            </a:extLst>
+          </p:cNvPr>
+          <p:cNvSpPr txBox="1"/>
+          <p:nvPr/>
+        </p:nvSpPr>
+        <p:spPr>
+          <a:xfrm>
+            <a:off x="3395134" y="2192866"/>
+            <a:ext cx="3022600" cy="606381"/>
+          </a:xfrm>
+          <a:prstGeom prst="rect">
+            <a:avLst/>
+          </a:prstGeom>
+          <a:solidFill>
+            <a:schemeClr val="accent5">
+              <a:lumMod val="40000"/>
+              <a:lumOff val="60000"/>
+            </a:schemeClr>
+          </a:solidFill>
+          <a:ln>
+            <a:solidFill>
+              <a:schemeClr val="tx1"/>
+            </a:solidFill>
+          </a:ln>
+        </p:spPr>
+        <p:txBody>
+          <a:bodyPr wrap="square" rtlCol="0">
+            <a:noAutofit/>
+          </a:bodyPr>
+          <a:lstStyle/>
+          <a:p>
+            <a:r>
+              <a:rPr lang="en-US" altLang="ja-JP" sz="1000" dirty="0">
+                <a:latin typeface="ＭＳ Ｐゴシック" panose="020B0600070205080204" pitchFamily="50" charset="-128"/>
+                <a:ea typeface="ＭＳ Ｐゴシック" panose="020B0600070205080204" pitchFamily="50" charset="-128"/>
+                <a:cs typeface="Arial" panose="020B0604020202020204" pitchFamily="34" charset="0"/>
+              </a:rPr>
+              <a:t>Input: </a:t>
+            </a:r>
+          </a:p>
+          <a:p>
+            <a:r>
+              <a:rPr lang="en-US" altLang="ja-JP" sz="1000" dirty="0">
+                <a:latin typeface="ＭＳ Ｐゴシック" panose="020B0600070205080204" pitchFamily="50" charset="-128"/>
+                <a:ea typeface="ＭＳ Ｐゴシック" panose="020B0600070205080204" pitchFamily="50" charset="-128"/>
+                <a:cs typeface="Arial" panose="020B0604020202020204" pitchFamily="34" charset="0"/>
+              </a:rPr>
+              <a:t>-. </a:t>
+            </a:r>
+            <a:r>
+              <a:rPr lang="en-US" altLang="ja-JP" sz="1000" dirty="0" err="1">
+                <a:latin typeface="ＭＳ Ｐゴシック" panose="020B0600070205080204" pitchFamily="50" charset="-128"/>
+                <a:ea typeface="ＭＳ Ｐゴシック" panose="020B0600070205080204" pitchFamily="50" charset="-128"/>
+                <a:cs typeface="Arial" panose="020B0604020202020204" pitchFamily="34" charset="0"/>
+              </a:rPr>
+              <a:t>Beelean</a:t>
+            </a:r>
+            <a:r>
+              <a:rPr lang="en-US" altLang="ja-JP" sz="1000" dirty="0">
+                <a:latin typeface="ＭＳ Ｐゴシック" panose="020B0600070205080204" pitchFamily="50" charset="-128"/>
+                <a:ea typeface="ＭＳ Ｐゴシック" panose="020B0600070205080204" pitchFamily="50" charset="-128"/>
+                <a:cs typeface="Arial" panose="020B0604020202020204" pitchFamily="34" charset="0"/>
+              </a:rPr>
+              <a:t> signal which represent </a:t>
+            </a:r>
+            <a:r>
+              <a:rPr lang="en-US" altLang="ja-JP" sz="1000" dirty="0" err="1">
+                <a:latin typeface="ＭＳ Ｐゴシック" panose="020B0600070205080204" pitchFamily="50" charset="-128"/>
+                <a:ea typeface="ＭＳ Ｐゴシック" panose="020B0600070205080204" pitchFamily="50" charset="-128"/>
+                <a:cs typeface="Arial" panose="020B0604020202020204" pitchFamily="34" charset="0"/>
+              </a:rPr>
+              <a:t>keybord</a:t>
+            </a:r>
+            <a:r>
+              <a:rPr lang="en-US" altLang="ja-JP" sz="1000" dirty="0">
+                <a:latin typeface="ＭＳ Ｐゴシック" panose="020B0600070205080204" pitchFamily="50" charset="-128"/>
+                <a:ea typeface="ＭＳ Ｐゴシック" panose="020B0600070205080204" pitchFamily="50" charset="-128"/>
+                <a:cs typeface="Arial" panose="020B0604020202020204" pitchFamily="34" charset="0"/>
+              </a:rPr>
+              <a:t> </a:t>
+            </a:r>
+            <a:r>
+              <a:rPr lang="en-US" altLang="ja-JP" sz="1000" dirty="0" err="1">
+                <a:latin typeface="ＭＳ Ｐゴシック" panose="020B0600070205080204" pitchFamily="50" charset="-128"/>
+                <a:ea typeface="ＭＳ Ｐゴシック" panose="020B0600070205080204" pitchFamily="50" charset="-128"/>
+                <a:cs typeface="Arial" panose="020B0604020202020204" pitchFamily="34" charset="0"/>
+              </a:rPr>
+              <a:t>inout</a:t>
+            </a:r>
+            <a:r>
+              <a:rPr lang="en-US" altLang="ja-JP" sz="1000" dirty="0">
+                <a:latin typeface="ＭＳ Ｐゴシック" panose="020B0600070205080204" pitchFamily="50" charset="-128"/>
+                <a:ea typeface="ＭＳ Ｐゴシック" panose="020B0600070205080204" pitchFamily="50" charset="-128"/>
+                <a:cs typeface="Arial" panose="020B0604020202020204" pitchFamily="34" charset="0"/>
+              </a:rPr>
+              <a:t>.</a:t>
+            </a:r>
+          </a:p>
+          <a:p>
+            <a:r>
+              <a:rPr lang="en-US" altLang="ja-JP" sz="1000" dirty="0">
+                <a:latin typeface="ＭＳ Ｐゴシック" panose="020B0600070205080204" pitchFamily="50" charset="-128"/>
+                <a:ea typeface="ＭＳ Ｐゴシック" panose="020B0600070205080204" pitchFamily="50" charset="-128"/>
+                <a:cs typeface="Arial" panose="020B0604020202020204" pitchFamily="34" charset="0"/>
+              </a:rPr>
+              <a:t>-.”1” </a:t>
+            </a:r>
+            <a:r>
+              <a:rPr lang="en-US" altLang="ja-JP" sz="1000" dirty="0" err="1">
+                <a:latin typeface="ＭＳ Ｐゴシック" panose="020B0600070205080204" pitchFamily="50" charset="-128"/>
+                <a:ea typeface="ＭＳ Ｐゴシック" panose="020B0600070205080204" pitchFamily="50" charset="-128"/>
+                <a:cs typeface="Arial" panose="020B0604020202020204" pitchFamily="34" charset="0"/>
+              </a:rPr>
+              <a:t>represenets</a:t>
+            </a:r>
+            <a:r>
+              <a:rPr lang="en-US" altLang="ja-JP" sz="1000" dirty="0">
+                <a:latin typeface="ＭＳ Ｐゴシック" panose="020B0600070205080204" pitchFamily="50" charset="-128"/>
+                <a:ea typeface="ＭＳ Ｐゴシック" panose="020B0600070205080204" pitchFamily="50" charset="-128"/>
+                <a:cs typeface="Arial" panose="020B0604020202020204" pitchFamily="34" charset="0"/>
+              </a:rPr>
+              <a:t> “pressed”.</a:t>
+            </a:r>
+            <a:endParaRPr lang="ja-JP" altLang="en-US" sz="1000" dirty="0">
+              <a:latin typeface="ＭＳ Ｐゴシック" panose="020B0600070205080204" pitchFamily="50" charset="-128"/>
+              <a:ea typeface="ＭＳ Ｐゴシック" panose="020B0600070205080204" pitchFamily="50" charset="-128"/>
+              <a:cs typeface="Arial" panose="020B0604020202020204" pitchFamily="34" charset="0"/>
+            </a:endParaRPr>
+          </a:p>
+        </p:txBody>
+      </p:sp>
+      <p:cxnSp>
+        <p:nvCxnSpPr>
+          <p:cNvPr id="3" name="直線矢印コネクタ 2">
+            <a:extLst>
+              <a:ext uri="{FF2B5EF4-FFF2-40B4-BE49-F238E27FC236}">
+                <a16:creationId xmlns:a16="http://schemas.microsoft.com/office/drawing/2014/main" id="{6CDD3FD3-EA9A-419D-BE0B-18CA2F449451}"/>
+              </a:ext>
+            </a:extLst>
+          </p:cNvPr>
+          <p:cNvCxnSpPr>
+            <a:cxnSpLocks/>
+            <a:stCxn id="2" idx="2"/>
+          </p:cNvCxnSpPr>
+          <p:nvPr/>
+        </p:nvCxnSpPr>
+        <p:spPr>
+          <a:xfrm flipH="1">
+            <a:off x="4546602" y="2799247"/>
+            <a:ext cx="359832" cy="431802"/>
+          </a:xfrm>
+          <a:prstGeom prst="straightConnector1">
+            <a:avLst/>
+          </a:prstGeom>
+          <a:ln w="12700">
+            <a:solidFill>
+              <a:schemeClr val="tx1"/>
+            </a:solidFill>
+            <a:tailEnd type="oval"/>
+          </a:ln>
+        </p:spPr>
+        <p:style>
+          <a:lnRef idx="1">
+            <a:schemeClr val="accent1"/>
+          </a:lnRef>
+          <a:fillRef idx="0">
+            <a:schemeClr val="accent1"/>
+          </a:fillRef>
+          <a:effectRef idx="0">
+            <a:schemeClr val="accent1"/>
+          </a:effectRef>
+          <a:fontRef idx="minor">
+            <a:schemeClr val="tx1"/>
+          </a:fontRef>
+        </p:style>
+      </p:cxnSp>
+    </p:spTree>
+    <p:extLst>
+      <p:ext uri="{BB962C8B-B14F-4D97-AF65-F5344CB8AC3E}">
+        <p14:creationId xmlns:p14="http://schemas.microsoft.com/office/powerpoint/2010/main" val="1158421010"/>
+      </p:ext>
+    </p:extLst>
+  </p:cSld>
+  <p:clrMapOvr>
+    <a:masterClrMapping/>
+  </p:clrMapOvr>
+</p:sld>
+</file>
+
+<file path=ppt/slides/slide14.xml><?xml version="1.0" encoding="utf-8"?>
+<p:sld xmlns:a="http://schemas.openxmlformats.org/drawingml/2006/main" xmlns:r="http://schemas.openxmlformats.org/officeDocument/2006/relationships" xmlns:p="http://schemas.openxmlformats.org/presentationml/2006/main">
+  <p:cSld>
+    <p:spTree>
+      <p:nvGrpSpPr>
+        <p:cNvPr id="1" name=""/>
+        <p:cNvGrpSpPr/>
+        <p:nvPr/>
+      </p:nvGrpSpPr>
+      <p:grpSpPr>
+        <a:xfrm>
+          <a:off x="0" y="0"/>
+          <a:ext cx="0" cy="0"/>
+          <a:chOff x="0" y="0"/>
+          <a:chExt cx="0" cy="0"/>
+        </a:xfrm>
+      </p:grpSpPr>
+      <p:pic>
+        <p:nvPicPr>
+          <p:cNvPr id="5" name="図 4">
+            <a:extLst>
+              <a:ext uri="{FF2B5EF4-FFF2-40B4-BE49-F238E27FC236}">
+                <a16:creationId xmlns:a16="http://schemas.microsoft.com/office/drawing/2014/main" id="{F70AB716-1F00-408C-93DA-06102F6F8110}"/>
+              </a:ext>
+            </a:extLst>
+          </p:cNvPr>
+          <p:cNvPicPr>
+            <a:picLocks noChangeAspect="1"/>
+          </p:cNvPicPr>
+          <p:nvPr/>
+        </p:nvPicPr>
+        <p:blipFill>
+          <a:blip r:embed="rId2"/>
+          <a:stretch>
+            <a:fillRect/>
+          </a:stretch>
+        </p:blipFill>
+        <p:spPr>
+          <a:xfrm>
+            <a:off x="1049866" y="979954"/>
+            <a:ext cx="7200000" cy="5286245"/>
+          </a:xfrm>
+          <a:prstGeom prst="rect">
+            <a:avLst/>
+          </a:prstGeom>
+        </p:spPr>
+      </p:pic>
+      <p:sp>
+        <p:nvSpPr>
+          <p:cNvPr id="2" name="テキスト ボックス 1">
+            <a:extLst>
+              <a:ext uri="{FF2B5EF4-FFF2-40B4-BE49-F238E27FC236}">
+                <a16:creationId xmlns:a16="http://schemas.microsoft.com/office/drawing/2014/main" id="{96BF0647-9E76-465A-8F46-16956D691E18}"/>
+              </a:ext>
+            </a:extLst>
+          </p:cNvPr>
+          <p:cNvSpPr txBox="1"/>
+          <p:nvPr/>
+        </p:nvSpPr>
+        <p:spPr>
+          <a:xfrm>
+            <a:off x="4710480" y="3872970"/>
+            <a:ext cx="2985720" cy="1257830"/>
+          </a:xfrm>
+          <a:prstGeom prst="rect">
+            <a:avLst/>
+          </a:prstGeom>
+          <a:solidFill>
+            <a:srgbClr val="FFFF00"/>
+          </a:solidFill>
+          <a:ln>
+            <a:solidFill>
+              <a:schemeClr val="tx1"/>
+            </a:solidFill>
+          </a:ln>
+        </p:spPr>
+        <p:txBody>
+          <a:bodyPr wrap="square" rtlCol="0">
+            <a:noAutofit/>
+          </a:bodyPr>
+          <a:lstStyle/>
+          <a:p>
+            <a:r>
+              <a:rPr lang="en-US" altLang="ja-JP" sz="1000" dirty="0">
+                <a:latin typeface="ＭＳ Ｐゴシック" panose="020B0600070205080204" pitchFamily="50" charset="-128"/>
+                <a:ea typeface="ＭＳ Ｐゴシック" panose="020B0600070205080204" pitchFamily="50" charset="-128"/>
+                <a:cs typeface="Arial" panose="020B0604020202020204" pitchFamily="34" charset="0"/>
+              </a:rPr>
+              <a:t>Output: </a:t>
+            </a:r>
+          </a:p>
+          <a:p>
+            <a:r>
+              <a:rPr lang="en-US" altLang="ja-JP" sz="1000" dirty="0">
+                <a:latin typeface="ＭＳ Ｐゴシック" panose="020B0600070205080204" pitchFamily="50" charset="-128"/>
+                <a:ea typeface="ＭＳ Ｐゴシック" panose="020B0600070205080204" pitchFamily="50" charset="-128"/>
+                <a:cs typeface="Arial" panose="020B0604020202020204" pitchFamily="34" charset="0"/>
+              </a:rPr>
+              <a:t>-. accumulated signal.</a:t>
+            </a:r>
+          </a:p>
+          <a:p>
+            <a:r>
+              <a:rPr lang="en-US" altLang="ja-JP" sz="1000" dirty="0">
+                <a:latin typeface="ＭＳ Ｐゴシック" panose="020B0600070205080204" pitchFamily="50" charset="-128"/>
+                <a:ea typeface="ＭＳ Ｐゴシック" panose="020B0600070205080204" pitchFamily="50" charset="-128"/>
+                <a:cs typeface="Arial" panose="020B0604020202020204" pitchFamily="34" charset="0"/>
+              </a:rPr>
+              <a:t>-. Output signal increases as keyboard is pressed. </a:t>
+            </a:r>
+          </a:p>
+          <a:p>
+            <a:r>
+              <a:rPr lang="en-US" altLang="ja-JP" sz="1000" dirty="0">
+                <a:latin typeface="ＭＳ Ｐゴシック" panose="020B0600070205080204" pitchFamily="50" charset="-128"/>
+                <a:ea typeface="ＭＳ Ｐゴシック" panose="020B0600070205080204" pitchFamily="50" charset="-128"/>
+                <a:cs typeface="Arial" panose="020B0604020202020204" pitchFamily="34" charset="0"/>
+              </a:rPr>
+              <a:t>-. How long the key is pressed does NOT affect on output signal.</a:t>
+            </a:r>
+          </a:p>
+          <a:p>
+            <a:r>
+              <a:rPr lang="en-US" altLang="ja-JP" sz="1000" dirty="0">
+                <a:latin typeface="ＭＳ Ｐゴシック" panose="020B0600070205080204" pitchFamily="50" charset="-128"/>
+                <a:ea typeface="ＭＳ Ｐゴシック" panose="020B0600070205080204" pitchFamily="50" charset="-128"/>
+                <a:cs typeface="Arial" panose="020B0604020202020204" pitchFamily="34" charset="0"/>
+              </a:rPr>
+              <a:t>-. Increments of output signal is 10 because scale factor is set 10.</a:t>
+            </a:r>
+          </a:p>
+        </p:txBody>
+      </p:sp>
+      <p:cxnSp>
+        <p:nvCxnSpPr>
+          <p:cNvPr id="3" name="直線矢印コネクタ 2">
+            <a:extLst>
+              <a:ext uri="{FF2B5EF4-FFF2-40B4-BE49-F238E27FC236}">
+                <a16:creationId xmlns:a16="http://schemas.microsoft.com/office/drawing/2014/main" id="{23309BF6-9F33-4F4D-A689-F6940D7001EF}"/>
+              </a:ext>
+            </a:extLst>
+          </p:cNvPr>
+          <p:cNvCxnSpPr>
+            <a:cxnSpLocks/>
+            <a:stCxn id="2" idx="1"/>
+          </p:cNvCxnSpPr>
+          <p:nvPr/>
+        </p:nvCxnSpPr>
+        <p:spPr>
+          <a:xfrm flipH="1" flipV="1">
+            <a:off x="4343032" y="3623077"/>
+            <a:ext cx="367448" cy="878808"/>
+          </a:xfrm>
+          <a:prstGeom prst="straightConnector1">
+            <a:avLst/>
+          </a:prstGeom>
+          <a:ln w="12700">
+            <a:solidFill>
+              <a:schemeClr val="tx1"/>
+            </a:solidFill>
+            <a:tailEnd type="oval"/>
+          </a:ln>
+        </p:spPr>
+        <p:style>
+          <a:lnRef idx="1">
+            <a:schemeClr val="accent1"/>
+          </a:lnRef>
+          <a:fillRef idx="0">
+            <a:schemeClr val="accent1"/>
+          </a:fillRef>
+          <a:effectRef idx="0">
+            <a:schemeClr val="accent1"/>
+          </a:effectRef>
+          <a:fontRef idx="minor">
+            <a:schemeClr val="tx1"/>
+          </a:fontRef>
+        </p:style>
+      </p:cxnSp>
+    </p:spTree>
+    <p:extLst>
+      <p:ext uri="{BB962C8B-B14F-4D97-AF65-F5344CB8AC3E}">
+        <p14:creationId xmlns:p14="http://schemas.microsoft.com/office/powerpoint/2010/main" val="2964842567"/>
+      </p:ext>
+    </p:extLst>
+  </p:cSld>
+  <p:clrMapOvr>
+    <a:masterClrMapping/>
+  </p:clrMapOvr>
+</p:sld>
+</file>
+
+<file path=ppt/slides/slide15.xml><?xml version="1.0" encoding="utf-8"?>
+<p:sld xmlns:a="http://schemas.openxmlformats.org/drawingml/2006/main" xmlns:r="http://schemas.openxmlformats.org/officeDocument/2006/relationships" xmlns:p="http://schemas.openxmlformats.org/presentationml/2006/main">
+  <p:cSld>
+    <p:spTree>
+      <p:nvGrpSpPr>
+        <p:cNvPr id="1" name=""/>
+        <p:cNvGrpSpPr/>
+        <p:nvPr/>
+      </p:nvGrpSpPr>
+      <p:grpSpPr>
+        <a:xfrm>
+          <a:off x="0" y="0"/>
+          <a:ext cx="0" cy="0"/>
+          <a:chOff x="0" y="0"/>
+          <a:chExt cx="0" cy="0"/>
+        </a:xfrm>
+      </p:grpSpPr>
+    </p:spTree>
+    <p:extLst>
+      <p:ext uri="{BB962C8B-B14F-4D97-AF65-F5344CB8AC3E}">
+        <p14:creationId xmlns:p14="http://schemas.microsoft.com/office/powerpoint/2010/main" val="3689192767"/>
+      </p:ext>
+    </p:extLst>
+  </p:cSld>
+  <p:clrMapOvr>
+    <a:masterClrMapping/>
+  </p:clrMapOvr>
+</p:sld>
+</file>
+
+<file path=ppt/slides/slide16.xml><?xml version="1.0" encoding="utf-8"?>
+<p:sld xmlns:a="http://schemas.openxmlformats.org/drawingml/2006/main" xmlns:r="http://schemas.openxmlformats.org/officeDocument/2006/relationships" xmlns:p="http://schemas.openxmlformats.org/presentationml/2006/main">
+  <p:cSld>
+    <p:spTree>
+      <p:nvGrpSpPr>
+        <p:cNvPr id="1" name=""/>
+        <p:cNvGrpSpPr/>
+        <p:nvPr/>
+      </p:nvGrpSpPr>
+      <p:grpSpPr>
+        <a:xfrm>
+          <a:off x="0" y="0"/>
+          <a:ext cx="0" cy="0"/>
+          <a:chOff x="0" y="0"/>
+          <a:chExt cx="0" cy="0"/>
+        </a:xfrm>
+      </p:grpSpPr>
     </p:spTree>
     <p:extLst>
       <p:ext uri="{BB962C8B-B14F-4D97-AF65-F5344CB8AC3E}">
@@ -2449,7 +3867,7 @@
 </p:sld>
 </file>
 
-<file path=ppt/slides/slide11.xml><?xml version="1.0" encoding="utf-8"?>
+<file path=ppt/slides/slide17.xml><?xml version="1.0" encoding="utf-8"?>
 <p:sld xmlns:a="http://schemas.openxmlformats.org/drawingml/2006/main" xmlns:r="http://schemas.openxmlformats.org/officeDocument/2006/relationships" xmlns:p="http://schemas.openxmlformats.org/presentationml/2006/main">
   <p:cSld>
     <p:spTree>
@@ -2479,7 +3897,7 @@
 </p:sld>
 </file>
 
-<file path=ppt/slides/slide12.xml><?xml version="1.0" encoding="utf-8"?>
+<file path=ppt/slides/slide18.xml><?xml version="1.0" encoding="utf-8"?>
 <p:sld xmlns:a="http://schemas.openxmlformats.org/drawingml/2006/main" xmlns:r="http://schemas.openxmlformats.org/officeDocument/2006/relationships" xmlns:p="http://schemas.openxmlformats.org/presentationml/2006/main">
   <p:cSld>
     <p:spTree>
@@ -2500,6 +3918,36 @@
     <p:extLst>
       <p:ext uri="{BB962C8B-B14F-4D97-AF65-F5344CB8AC3E}">
         <p14:creationId xmlns:p14="http://schemas.microsoft.com/office/powerpoint/2010/main" val="1191692144"/>
+      </p:ext>
+    </p:extLst>
+  </p:cSld>
+  <p:clrMapOvr>
+    <a:masterClrMapping/>
+  </p:clrMapOvr>
+</p:sld>
+</file>
+
+<file path=ppt/slides/slide19.xml><?xml version="1.0" encoding="utf-8"?>
+<p:sld xmlns:a="http://schemas.openxmlformats.org/drawingml/2006/main" xmlns:r="http://schemas.openxmlformats.org/officeDocument/2006/relationships" xmlns:p="http://schemas.openxmlformats.org/presentationml/2006/main">
+  <p:cSld>
+    <p:spTree>
+      <p:nvGrpSpPr>
+        <p:cNvPr id="1" name=""/>
+        <p:cNvGrpSpPr/>
+        <p:nvPr/>
+      </p:nvGrpSpPr>
+      <p:grpSpPr>
+        <a:xfrm>
+          <a:off x="0" y="0"/>
+          <a:ext cx="0" cy="0"/>
+          <a:chOff x="0" y="0"/>
+          <a:chExt cx="0" cy="0"/>
+        </a:xfrm>
+      </p:grpSpPr>
+    </p:spTree>
+    <p:extLst>
+      <p:ext uri="{BB962C8B-B14F-4D97-AF65-F5344CB8AC3E}">
+        <p14:creationId xmlns:p14="http://schemas.microsoft.com/office/powerpoint/2010/main" val="578256931"/>
       </p:ext>
     </p:extLst>
   </p:cSld>
@@ -3052,6 +4500,306 @@
 </p:sld>
 </file>
 
+<file path=ppt/slides/slide20.xml><?xml version="1.0" encoding="utf-8"?>
+<p:sld xmlns:a="http://schemas.openxmlformats.org/drawingml/2006/main" xmlns:r="http://schemas.openxmlformats.org/officeDocument/2006/relationships" xmlns:p="http://schemas.openxmlformats.org/presentationml/2006/main">
+  <p:cSld>
+    <p:spTree>
+      <p:nvGrpSpPr>
+        <p:cNvPr id="1" name=""/>
+        <p:cNvGrpSpPr/>
+        <p:nvPr/>
+      </p:nvGrpSpPr>
+      <p:grpSpPr>
+        <a:xfrm>
+          <a:off x="0" y="0"/>
+          <a:ext cx="0" cy="0"/>
+          <a:chOff x="0" y="0"/>
+          <a:chExt cx="0" cy="0"/>
+        </a:xfrm>
+      </p:grpSpPr>
+    </p:spTree>
+    <p:extLst>
+      <p:ext uri="{BB962C8B-B14F-4D97-AF65-F5344CB8AC3E}">
+        <p14:creationId xmlns:p14="http://schemas.microsoft.com/office/powerpoint/2010/main" val="1427263830"/>
+      </p:ext>
+    </p:extLst>
+  </p:cSld>
+  <p:clrMapOvr>
+    <a:masterClrMapping/>
+  </p:clrMapOvr>
+</p:sld>
+</file>
+
+<file path=ppt/slides/slide21.xml><?xml version="1.0" encoding="utf-8"?>
+<p:sld xmlns:a="http://schemas.openxmlformats.org/drawingml/2006/main" xmlns:r="http://schemas.openxmlformats.org/officeDocument/2006/relationships" xmlns:p="http://schemas.openxmlformats.org/presentationml/2006/main">
+  <p:cSld>
+    <p:spTree>
+      <p:nvGrpSpPr>
+        <p:cNvPr id="1" name=""/>
+        <p:cNvGrpSpPr/>
+        <p:nvPr/>
+      </p:nvGrpSpPr>
+      <p:grpSpPr>
+        <a:xfrm>
+          <a:off x="0" y="0"/>
+          <a:ext cx="0" cy="0"/>
+          <a:chOff x="0" y="0"/>
+          <a:chExt cx="0" cy="0"/>
+        </a:xfrm>
+      </p:grpSpPr>
+    </p:spTree>
+    <p:extLst>
+      <p:ext uri="{BB962C8B-B14F-4D97-AF65-F5344CB8AC3E}">
+        <p14:creationId xmlns:p14="http://schemas.microsoft.com/office/powerpoint/2010/main" val="1807045153"/>
+      </p:ext>
+    </p:extLst>
+  </p:cSld>
+  <p:clrMapOvr>
+    <a:masterClrMapping/>
+  </p:clrMapOvr>
+</p:sld>
+</file>
+
+<file path=ppt/slides/slide22.xml><?xml version="1.0" encoding="utf-8"?>
+<p:sld xmlns:a="http://schemas.openxmlformats.org/drawingml/2006/main" xmlns:r="http://schemas.openxmlformats.org/officeDocument/2006/relationships" xmlns:p="http://schemas.openxmlformats.org/presentationml/2006/main">
+  <p:cSld>
+    <p:spTree>
+      <p:nvGrpSpPr>
+        <p:cNvPr id="1" name=""/>
+        <p:cNvGrpSpPr/>
+        <p:nvPr/>
+      </p:nvGrpSpPr>
+      <p:grpSpPr>
+        <a:xfrm>
+          <a:off x="0" y="0"/>
+          <a:ext cx="0" cy="0"/>
+          <a:chOff x="0" y="0"/>
+          <a:chExt cx="0" cy="0"/>
+        </a:xfrm>
+      </p:grpSpPr>
+    </p:spTree>
+    <p:extLst>
+      <p:ext uri="{BB962C8B-B14F-4D97-AF65-F5344CB8AC3E}">
+        <p14:creationId xmlns:p14="http://schemas.microsoft.com/office/powerpoint/2010/main" val="2495181768"/>
+      </p:ext>
+    </p:extLst>
+  </p:cSld>
+  <p:clrMapOvr>
+    <a:masterClrMapping/>
+  </p:clrMapOvr>
+</p:sld>
+</file>
+
+<file path=ppt/slides/slide23.xml><?xml version="1.0" encoding="utf-8"?>
+<p:sld xmlns:a="http://schemas.openxmlformats.org/drawingml/2006/main" xmlns:r="http://schemas.openxmlformats.org/officeDocument/2006/relationships" xmlns:p="http://schemas.openxmlformats.org/presentationml/2006/main">
+  <p:cSld>
+    <p:spTree>
+      <p:nvGrpSpPr>
+        <p:cNvPr id="1" name=""/>
+        <p:cNvGrpSpPr/>
+        <p:nvPr/>
+      </p:nvGrpSpPr>
+      <p:grpSpPr>
+        <a:xfrm>
+          <a:off x="0" y="0"/>
+          <a:ext cx="0" cy="0"/>
+          <a:chOff x="0" y="0"/>
+          <a:chExt cx="0" cy="0"/>
+        </a:xfrm>
+      </p:grpSpPr>
+    </p:spTree>
+    <p:extLst>
+      <p:ext uri="{BB962C8B-B14F-4D97-AF65-F5344CB8AC3E}">
+        <p14:creationId xmlns:p14="http://schemas.microsoft.com/office/powerpoint/2010/main" val="1826685053"/>
+      </p:ext>
+    </p:extLst>
+  </p:cSld>
+  <p:clrMapOvr>
+    <a:masterClrMapping/>
+  </p:clrMapOvr>
+</p:sld>
+</file>
+
+<file path=ppt/slides/slide24.xml><?xml version="1.0" encoding="utf-8"?>
+<p:sld xmlns:a="http://schemas.openxmlformats.org/drawingml/2006/main" xmlns:r="http://schemas.openxmlformats.org/officeDocument/2006/relationships" xmlns:p="http://schemas.openxmlformats.org/presentationml/2006/main">
+  <p:cSld>
+    <p:spTree>
+      <p:nvGrpSpPr>
+        <p:cNvPr id="1" name=""/>
+        <p:cNvGrpSpPr/>
+        <p:nvPr/>
+      </p:nvGrpSpPr>
+      <p:grpSpPr>
+        <a:xfrm>
+          <a:off x="0" y="0"/>
+          <a:ext cx="0" cy="0"/>
+          <a:chOff x="0" y="0"/>
+          <a:chExt cx="0" cy="0"/>
+        </a:xfrm>
+      </p:grpSpPr>
+    </p:spTree>
+    <p:extLst>
+      <p:ext uri="{BB962C8B-B14F-4D97-AF65-F5344CB8AC3E}">
+        <p14:creationId xmlns:p14="http://schemas.microsoft.com/office/powerpoint/2010/main" val="2244811655"/>
+      </p:ext>
+    </p:extLst>
+  </p:cSld>
+  <p:clrMapOvr>
+    <a:masterClrMapping/>
+  </p:clrMapOvr>
+</p:sld>
+</file>
+
+<file path=ppt/slides/slide25.xml><?xml version="1.0" encoding="utf-8"?>
+<p:sld xmlns:a="http://schemas.openxmlformats.org/drawingml/2006/main" xmlns:r="http://schemas.openxmlformats.org/officeDocument/2006/relationships" xmlns:p="http://schemas.openxmlformats.org/presentationml/2006/main">
+  <p:cSld>
+    <p:spTree>
+      <p:nvGrpSpPr>
+        <p:cNvPr id="1" name=""/>
+        <p:cNvGrpSpPr/>
+        <p:nvPr/>
+      </p:nvGrpSpPr>
+      <p:grpSpPr>
+        <a:xfrm>
+          <a:off x="0" y="0"/>
+          <a:ext cx="0" cy="0"/>
+          <a:chOff x="0" y="0"/>
+          <a:chExt cx="0" cy="0"/>
+        </a:xfrm>
+      </p:grpSpPr>
+    </p:spTree>
+    <p:extLst>
+      <p:ext uri="{BB962C8B-B14F-4D97-AF65-F5344CB8AC3E}">
+        <p14:creationId xmlns:p14="http://schemas.microsoft.com/office/powerpoint/2010/main" val="1901648300"/>
+      </p:ext>
+    </p:extLst>
+  </p:cSld>
+  <p:clrMapOvr>
+    <a:masterClrMapping/>
+  </p:clrMapOvr>
+</p:sld>
+</file>
+
+<file path=ppt/slides/slide26.xml><?xml version="1.0" encoding="utf-8"?>
+<p:sld xmlns:a="http://schemas.openxmlformats.org/drawingml/2006/main" xmlns:r="http://schemas.openxmlformats.org/officeDocument/2006/relationships" xmlns:p="http://schemas.openxmlformats.org/presentationml/2006/main">
+  <p:cSld>
+    <p:spTree>
+      <p:nvGrpSpPr>
+        <p:cNvPr id="1" name=""/>
+        <p:cNvGrpSpPr/>
+        <p:nvPr/>
+      </p:nvGrpSpPr>
+      <p:grpSpPr>
+        <a:xfrm>
+          <a:off x="0" y="0"/>
+          <a:ext cx="0" cy="0"/>
+          <a:chOff x="0" y="0"/>
+          <a:chExt cx="0" cy="0"/>
+        </a:xfrm>
+      </p:grpSpPr>
+    </p:spTree>
+    <p:extLst>
+      <p:ext uri="{BB962C8B-B14F-4D97-AF65-F5344CB8AC3E}">
+        <p14:creationId xmlns:p14="http://schemas.microsoft.com/office/powerpoint/2010/main" val="3216390664"/>
+      </p:ext>
+    </p:extLst>
+  </p:cSld>
+  <p:clrMapOvr>
+    <a:masterClrMapping/>
+  </p:clrMapOvr>
+</p:sld>
+</file>
+
+<file path=ppt/slides/slide27.xml><?xml version="1.0" encoding="utf-8"?>
+<p:sld xmlns:a="http://schemas.openxmlformats.org/drawingml/2006/main" xmlns:r="http://schemas.openxmlformats.org/officeDocument/2006/relationships" xmlns:p="http://schemas.openxmlformats.org/presentationml/2006/main">
+  <p:cSld>
+    <p:spTree>
+      <p:nvGrpSpPr>
+        <p:cNvPr id="1" name=""/>
+        <p:cNvGrpSpPr/>
+        <p:nvPr/>
+      </p:nvGrpSpPr>
+      <p:grpSpPr>
+        <a:xfrm>
+          <a:off x="0" y="0"/>
+          <a:ext cx="0" cy="0"/>
+          <a:chOff x="0" y="0"/>
+          <a:chExt cx="0" cy="0"/>
+        </a:xfrm>
+      </p:grpSpPr>
+    </p:spTree>
+    <p:extLst>
+      <p:ext uri="{BB962C8B-B14F-4D97-AF65-F5344CB8AC3E}">
+        <p14:creationId xmlns:p14="http://schemas.microsoft.com/office/powerpoint/2010/main" val="1581607671"/>
+      </p:ext>
+    </p:extLst>
+  </p:cSld>
+  <p:clrMapOvr>
+    <a:masterClrMapping/>
+  </p:clrMapOvr>
+</p:sld>
+</file>
+
+<file path=ppt/slides/slide28.xml><?xml version="1.0" encoding="utf-8"?>
+<p:sld xmlns:a="http://schemas.openxmlformats.org/drawingml/2006/main" xmlns:r="http://schemas.openxmlformats.org/officeDocument/2006/relationships" xmlns:p="http://schemas.openxmlformats.org/presentationml/2006/main">
+  <p:cSld>
+    <p:spTree>
+      <p:nvGrpSpPr>
+        <p:cNvPr id="1" name=""/>
+        <p:cNvGrpSpPr/>
+        <p:nvPr/>
+      </p:nvGrpSpPr>
+      <p:grpSpPr>
+        <a:xfrm>
+          <a:off x="0" y="0"/>
+          <a:ext cx="0" cy="0"/>
+          <a:chOff x="0" y="0"/>
+          <a:chExt cx="0" cy="0"/>
+        </a:xfrm>
+      </p:grpSpPr>
+    </p:spTree>
+    <p:extLst>
+      <p:ext uri="{BB962C8B-B14F-4D97-AF65-F5344CB8AC3E}">
+        <p14:creationId xmlns:p14="http://schemas.microsoft.com/office/powerpoint/2010/main" val="3028480329"/>
+      </p:ext>
+    </p:extLst>
+  </p:cSld>
+  <p:clrMapOvr>
+    <a:masterClrMapping/>
+  </p:clrMapOvr>
+</p:sld>
+</file>
+
+<file path=ppt/slides/slide29.xml><?xml version="1.0" encoding="utf-8"?>
+<p:sld xmlns:a="http://schemas.openxmlformats.org/drawingml/2006/main" xmlns:r="http://schemas.openxmlformats.org/officeDocument/2006/relationships" xmlns:p="http://schemas.openxmlformats.org/presentationml/2006/main">
+  <p:cSld>
+    <p:spTree>
+      <p:nvGrpSpPr>
+        <p:cNvPr id="1" name=""/>
+        <p:cNvGrpSpPr/>
+        <p:nvPr/>
+      </p:nvGrpSpPr>
+      <p:grpSpPr>
+        <a:xfrm>
+          <a:off x="0" y="0"/>
+          <a:ext cx="0" cy="0"/>
+          <a:chOff x="0" y="0"/>
+          <a:chExt cx="0" cy="0"/>
+        </a:xfrm>
+      </p:grpSpPr>
+    </p:spTree>
+    <p:extLst>
+      <p:ext uri="{BB962C8B-B14F-4D97-AF65-F5344CB8AC3E}">
+        <p14:creationId xmlns:p14="http://schemas.microsoft.com/office/powerpoint/2010/main" val="3187900496"/>
+      </p:ext>
+    </p:extLst>
+  </p:cSld>
+  <p:clrMapOvr>
+    <a:masterClrMapping/>
+  </p:clrMapOvr>
+</p:sld>
+</file>
+
 <file path=ppt/slides/slide3.xml><?xml version="1.0" encoding="utf-8"?>
 <p:sld xmlns:a="http://schemas.openxmlformats.org/drawingml/2006/main" xmlns:r="http://schemas.openxmlformats.org/officeDocument/2006/relationships" xmlns:p="http://schemas.openxmlformats.org/presentationml/2006/main">
   <p:cSld>
@@ -3107,6 +4855,306 @@
 </p:sld>
 </file>
 
+<file path=ppt/slides/slide30.xml><?xml version="1.0" encoding="utf-8"?>
+<p:sld xmlns:a="http://schemas.openxmlformats.org/drawingml/2006/main" xmlns:r="http://schemas.openxmlformats.org/officeDocument/2006/relationships" xmlns:p="http://schemas.openxmlformats.org/presentationml/2006/main">
+  <p:cSld>
+    <p:spTree>
+      <p:nvGrpSpPr>
+        <p:cNvPr id="1" name=""/>
+        <p:cNvGrpSpPr/>
+        <p:nvPr/>
+      </p:nvGrpSpPr>
+      <p:grpSpPr>
+        <a:xfrm>
+          <a:off x="0" y="0"/>
+          <a:ext cx="0" cy="0"/>
+          <a:chOff x="0" y="0"/>
+          <a:chExt cx="0" cy="0"/>
+        </a:xfrm>
+      </p:grpSpPr>
+    </p:spTree>
+    <p:extLst>
+      <p:ext uri="{BB962C8B-B14F-4D97-AF65-F5344CB8AC3E}">
+        <p14:creationId xmlns:p14="http://schemas.microsoft.com/office/powerpoint/2010/main" val="3034902575"/>
+      </p:ext>
+    </p:extLst>
+  </p:cSld>
+  <p:clrMapOvr>
+    <a:masterClrMapping/>
+  </p:clrMapOvr>
+</p:sld>
+</file>
+
+<file path=ppt/slides/slide31.xml><?xml version="1.0" encoding="utf-8"?>
+<p:sld xmlns:a="http://schemas.openxmlformats.org/drawingml/2006/main" xmlns:r="http://schemas.openxmlformats.org/officeDocument/2006/relationships" xmlns:p="http://schemas.openxmlformats.org/presentationml/2006/main">
+  <p:cSld>
+    <p:spTree>
+      <p:nvGrpSpPr>
+        <p:cNvPr id="1" name=""/>
+        <p:cNvGrpSpPr/>
+        <p:nvPr/>
+      </p:nvGrpSpPr>
+      <p:grpSpPr>
+        <a:xfrm>
+          <a:off x="0" y="0"/>
+          <a:ext cx="0" cy="0"/>
+          <a:chOff x="0" y="0"/>
+          <a:chExt cx="0" cy="0"/>
+        </a:xfrm>
+      </p:grpSpPr>
+    </p:spTree>
+    <p:extLst>
+      <p:ext uri="{BB962C8B-B14F-4D97-AF65-F5344CB8AC3E}">
+        <p14:creationId xmlns:p14="http://schemas.microsoft.com/office/powerpoint/2010/main" val="1980999747"/>
+      </p:ext>
+    </p:extLst>
+  </p:cSld>
+  <p:clrMapOvr>
+    <a:masterClrMapping/>
+  </p:clrMapOvr>
+</p:sld>
+</file>
+
+<file path=ppt/slides/slide32.xml><?xml version="1.0" encoding="utf-8"?>
+<p:sld xmlns:a="http://schemas.openxmlformats.org/drawingml/2006/main" xmlns:r="http://schemas.openxmlformats.org/officeDocument/2006/relationships" xmlns:p="http://schemas.openxmlformats.org/presentationml/2006/main">
+  <p:cSld>
+    <p:spTree>
+      <p:nvGrpSpPr>
+        <p:cNvPr id="1" name=""/>
+        <p:cNvGrpSpPr/>
+        <p:nvPr/>
+      </p:nvGrpSpPr>
+      <p:grpSpPr>
+        <a:xfrm>
+          <a:off x="0" y="0"/>
+          <a:ext cx="0" cy="0"/>
+          <a:chOff x="0" y="0"/>
+          <a:chExt cx="0" cy="0"/>
+        </a:xfrm>
+      </p:grpSpPr>
+    </p:spTree>
+    <p:extLst>
+      <p:ext uri="{BB962C8B-B14F-4D97-AF65-F5344CB8AC3E}">
+        <p14:creationId xmlns:p14="http://schemas.microsoft.com/office/powerpoint/2010/main" val="2866184712"/>
+      </p:ext>
+    </p:extLst>
+  </p:cSld>
+  <p:clrMapOvr>
+    <a:masterClrMapping/>
+  </p:clrMapOvr>
+</p:sld>
+</file>
+
+<file path=ppt/slides/slide33.xml><?xml version="1.0" encoding="utf-8"?>
+<p:sld xmlns:a="http://schemas.openxmlformats.org/drawingml/2006/main" xmlns:r="http://schemas.openxmlformats.org/officeDocument/2006/relationships" xmlns:p="http://schemas.openxmlformats.org/presentationml/2006/main">
+  <p:cSld>
+    <p:spTree>
+      <p:nvGrpSpPr>
+        <p:cNvPr id="1" name=""/>
+        <p:cNvGrpSpPr/>
+        <p:nvPr/>
+      </p:nvGrpSpPr>
+      <p:grpSpPr>
+        <a:xfrm>
+          <a:off x="0" y="0"/>
+          <a:ext cx="0" cy="0"/>
+          <a:chOff x="0" y="0"/>
+          <a:chExt cx="0" cy="0"/>
+        </a:xfrm>
+      </p:grpSpPr>
+    </p:spTree>
+    <p:extLst>
+      <p:ext uri="{BB962C8B-B14F-4D97-AF65-F5344CB8AC3E}">
+        <p14:creationId xmlns:p14="http://schemas.microsoft.com/office/powerpoint/2010/main" val="2661990506"/>
+      </p:ext>
+    </p:extLst>
+  </p:cSld>
+  <p:clrMapOvr>
+    <a:masterClrMapping/>
+  </p:clrMapOvr>
+</p:sld>
+</file>
+
+<file path=ppt/slides/slide34.xml><?xml version="1.0" encoding="utf-8"?>
+<p:sld xmlns:a="http://schemas.openxmlformats.org/drawingml/2006/main" xmlns:r="http://schemas.openxmlformats.org/officeDocument/2006/relationships" xmlns:p="http://schemas.openxmlformats.org/presentationml/2006/main">
+  <p:cSld>
+    <p:spTree>
+      <p:nvGrpSpPr>
+        <p:cNvPr id="1" name=""/>
+        <p:cNvGrpSpPr/>
+        <p:nvPr/>
+      </p:nvGrpSpPr>
+      <p:grpSpPr>
+        <a:xfrm>
+          <a:off x="0" y="0"/>
+          <a:ext cx="0" cy="0"/>
+          <a:chOff x="0" y="0"/>
+          <a:chExt cx="0" cy="0"/>
+        </a:xfrm>
+      </p:grpSpPr>
+    </p:spTree>
+    <p:extLst>
+      <p:ext uri="{BB962C8B-B14F-4D97-AF65-F5344CB8AC3E}">
+        <p14:creationId xmlns:p14="http://schemas.microsoft.com/office/powerpoint/2010/main" val="3803880265"/>
+      </p:ext>
+    </p:extLst>
+  </p:cSld>
+  <p:clrMapOvr>
+    <a:masterClrMapping/>
+  </p:clrMapOvr>
+</p:sld>
+</file>
+
+<file path=ppt/slides/slide35.xml><?xml version="1.0" encoding="utf-8"?>
+<p:sld xmlns:a="http://schemas.openxmlformats.org/drawingml/2006/main" xmlns:r="http://schemas.openxmlformats.org/officeDocument/2006/relationships" xmlns:p="http://schemas.openxmlformats.org/presentationml/2006/main">
+  <p:cSld>
+    <p:spTree>
+      <p:nvGrpSpPr>
+        <p:cNvPr id="1" name=""/>
+        <p:cNvGrpSpPr/>
+        <p:nvPr/>
+      </p:nvGrpSpPr>
+      <p:grpSpPr>
+        <a:xfrm>
+          <a:off x="0" y="0"/>
+          <a:ext cx="0" cy="0"/>
+          <a:chOff x="0" y="0"/>
+          <a:chExt cx="0" cy="0"/>
+        </a:xfrm>
+      </p:grpSpPr>
+    </p:spTree>
+    <p:extLst>
+      <p:ext uri="{BB962C8B-B14F-4D97-AF65-F5344CB8AC3E}">
+        <p14:creationId xmlns:p14="http://schemas.microsoft.com/office/powerpoint/2010/main" val="1961588220"/>
+      </p:ext>
+    </p:extLst>
+  </p:cSld>
+  <p:clrMapOvr>
+    <a:masterClrMapping/>
+  </p:clrMapOvr>
+</p:sld>
+</file>
+
+<file path=ppt/slides/slide36.xml><?xml version="1.0" encoding="utf-8"?>
+<p:sld xmlns:a="http://schemas.openxmlformats.org/drawingml/2006/main" xmlns:r="http://schemas.openxmlformats.org/officeDocument/2006/relationships" xmlns:p="http://schemas.openxmlformats.org/presentationml/2006/main">
+  <p:cSld>
+    <p:spTree>
+      <p:nvGrpSpPr>
+        <p:cNvPr id="1" name=""/>
+        <p:cNvGrpSpPr/>
+        <p:nvPr/>
+      </p:nvGrpSpPr>
+      <p:grpSpPr>
+        <a:xfrm>
+          <a:off x="0" y="0"/>
+          <a:ext cx="0" cy="0"/>
+          <a:chOff x="0" y="0"/>
+          <a:chExt cx="0" cy="0"/>
+        </a:xfrm>
+      </p:grpSpPr>
+    </p:spTree>
+    <p:extLst>
+      <p:ext uri="{BB962C8B-B14F-4D97-AF65-F5344CB8AC3E}">
+        <p14:creationId xmlns:p14="http://schemas.microsoft.com/office/powerpoint/2010/main" val="3123856644"/>
+      </p:ext>
+    </p:extLst>
+  </p:cSld>
+  <p:clrMapOvr>
+    <a:masterClrMapping/>
+  </p:clrMapOvr>
+</p:sld>
+</file>
+
+<file path=ppt/slides/slide37.xml><?xml version="1.0" encoding="utf-8"?>
+<p:sld xmlns:a="http://schemas.openxmlformats.org/drawingml/2006/main" xmlns:r="http://schemas.openxmlformats.org/officeDocument/2006/relationships" xmlns:p="http://schemas.openxmlformats.org/presentationml/2006/main">
+  <p:cSld>
+    <p:spTree>
+      <p:nvGrpSpPr>
+        <p:cNvPr id="1" name=""/>
+        <p:cNvGrpSpPr/>
+        <p:nvPr/>
+      </p:nvGrpSpPr>
+      <p:grpSpPr>
+        <a:xfrm>
+          <a:off x="0" y="0"/>
+          <a:ext cx="0" cy="0"/>
+          <a:chOff x="0" y="0"/>
+          <a:chExt cx="0" cy="0"/>
+        </a:xfrm>
+      </p:grpSpPr>
+    </p:spTree>
+    <p:extLst>
+      <p:ext uri="{BB962C8B-B14F-4D97-AF65-F5344CB8AC3E}">
+        <p14:creationId xmlns:p14="http://schemas.microsoft.com/office/powerpoint/2010/main" val="2785354339"/>
+      </p:ext>
+    </p:extLst>
+  </p:cSld>
+  <p:clrMapOvr>
+    <a:masterClrMapping/>
+  </p:clrMapOvr>
+</p:sld>
+</file>
+
+<file path=ppt/slides/slide38.xml><?xml version="1.0" encoding="utf-8"?>
+<p:sld xmlns:a="http://schemas.openxmlformats.org/drawingml/2006/main" xmlns:r="http://schemas.openxmlformats.org/officeDocument/2006/relationships" xmlns:p="http://schemas.openxmlformats.org/presentationml/2006/main">
+  <p:cSld>
+    <p:spTree>
+      <p:nvGrpSpPr>
+        <p:cNvPr id="1" name=""/>
+        <p:cNvGrpSpPr/>
+        <p:nvPr/>
+      </p:nvGrpSpPr>
+      <p:grpSpPr>
+        <a:xfrm>
+          <a:off x="0" y="0"/>
+          <a:ext cx="0" cy="0"/>
+          <a:chOff x="0" y="0"/>
+          <a:chExt cx="0" cy="0"/>
+        </a:xfrm>
+      </p:grpSpPr>
+    </p:spTree>
+    <p:extLst>
+      <p:ext uri="{BB962C8B-B14F-4D97-AF65-F5344CB8AC3E}">
+        <p14:creationId xmlns:p14="http://schemas.microsoft.com/office/powerpoint/2010/main" val="3784775769"/>
+      </p:ext>
+    </p:extLst>
+  </p:cSld>
+  <p:clrMapOvr>
+    <a:masterClrMapping/>
+  </p:clrMapOvr>
+</p:sld>
+</file>
+
+<file path=ppt/slides/slide39.xml><?xml version="1.0" encoding="utf-8"?>
+<p:sld xmlns:a="http://schemas.openxmlformats.org/drawingml/2006/main" xmlns:r="http://schemas.openxmlformats.org/officeDocument/2006/relationships" xmlns:p="http://schemas.openxmlformats.org/presentationml/2006/main">
+  <p:cSld>
+    <p:spTree>
+      <p:nvGrpSpPr>
+        <p:cNvPr id="1" name=""/>
+        <p:cNvGrpSpPr/>
+        <p:nvPr/>
+      </p:nvGrpSpPr>
+      <p:grpSpPr>
+        <a:xfrm>
+          <a:off x="0" y="0"/>
+          <a:ext cx="0" cy="0"/>
+          <a:chOff x="0" y="0"/>
+          <a:chExt cx="0" cy="0"/>
+        </a:xfrm>
+      </p:grpSpPr>
+    </p:spTree>
+    <p:extLst>
+      <p:ext uri="{BB962C8B-B14F-4D97-AF65-F5344CB8AC3E}">
+        <p14:creationId xmlns:p14="http://schemas.microsoft.com/office/powerpoint/2010/main" val="3812302981"/>
+      </p:ext>
+    </p:extLst>
+  </p:cSld>
+  <p:clrMapOvr>
+    <a:masterClrMapping/>
+  </p:clrMapOvr>
+</p:sld>
+</file>
+
 <file path=ppt/slides/slide4.xml><?xml version="1.0" encoding="utf-8"?>
 <p:sld xmlns:a="http://schemas.openxmlformats.org/drawingml/2006/main" xmlns:r="http://schemas.openxmlformats.org/officeDocument/2006/relationships" xmlns:p="http://schemas.openxmlformats.org/presentationml/2006/main">
   <p:cSld>
@@ -3162,6 +5210,306 @@
 </p:sld>
 </file>
 
+<file path=ppt/slides/slide40.xml><?xml version="1.0" encoding="utf-8"?>
+<p:sld xmlns:a="http://schemas.openxmlformats.org/drawingml/2006/main" xmlns:r="http://schemas.openxmlformats.org/officeDocument/2006/relationships" xmlns:p="http://schemas.openxmlformats.org/presentationml/2006/main">
+  <p:cSld>
+    <p:spTree>
+      <p:nvGrpSpPr>
+        <p:cNvPr id="1" name=""/>
+        <p:cNvGrpSpPr/>
+        <p:nvPr/>
+      </p:nvGrpSpPr>
+      <p:grpSpPr>
+        <a:xfrm>
+          <a:off x="0" y="0"/>
+          <a:ext cx="0" cy="0"/>
+          <a:chOff x="0" y="0"/>
+          <a:chExt cx="0" cy="0"/>
+        </a:xfrm>
+      </p:grpSpPr>
+    </p:spTree>
+    <p:extLst>
+      <p:ext uri="{BB962C8B-B14F-4D97-AF65-F5344CB8AC3E}">
+        <p14:creationId xmlns:p14="http://schemas.microsoft.com/office/powerpoint/2010/main" val="1614562670"/>
+      </p:ext>
+    </p:extLst>
+  </p:cSld>
+  <p:clrMapOvr>
+    <a:masterClrMapping/>
+  </p:clrMapOvr>
+</p:sld>
+</file>
+
+<file path=ppt/slides/slide41.xml><?xml version="1.0" encoding="utf-8"?>
+<p:sld xmlns:a="http://schemas.openxmlformats.org/drawingml/2006/main" xmlns:r="http://schemas.openxmlformats.org/officeDocument/2006/relationships" xmlns:p="http://schemas.openxmlformats.org/presentationml/2006/main">
+  <p:cSld>
+    <p:spTree>
+      <p:nvGrpSpPr>
+        <p:cNvPr id="1" name=""/>
+        <p:cNvGrpSpPr/>
+        <p:nvPr/>
+      </p:nvGrpSpPr>
+      <p:grpSpPr>
+        <a:xfrm>
+          <a:off x="0" y="0"/>
+          <a:ext cx="0" cy="0"/>
+          <a:chOff x="0" y="0"/>
+          <a:chExt cx="0" cy="0"/>
+        </a:xfrm>
+      </p:grpSpPr>
+    </p:spTree>
+    <p:extLst>
+      <p:ext uri="{BB962C8B-B14F-4D97-AF65-F5344CB8AC3E}">
+        <p14:creationId xmlns:p14="http://schemas.microsoft.com/office/powerpoint/2010/main" val="2656551149"/>
+      </p:ext>
+    </p:extLst>
+  </p:cSld>
+  <p:clrMapOvr>
+    <a:masterClrMapping/>
+  </p:clrMapOvr>
+</p:sld>
+</file>
+
+<file path=ppt/slides/slide42.xml><?xml version="1.0" encoding="utf-8"?>
+<p:sld xmlns:a="http://schemas.openxmlformats.org/drawingml/2006/main" xmlns:r="http://schemas.openxmlformats.org/officeDocument/2006/relationships" xmlns:p="http://schemas.openxmlformats.org/presentationml/2006/main">
+  <p:cSld>
+    <p:spTree>
+      <p:nvGrpSpPr>
+        <p:cNvPr id="1" name=""/>
+        <p:cNvGrpSpPr/>
+        <p:nvPr/>
+      </p:nvGrpSpPr>
+      <p:grpSpPr>
+        <a:xfrm>
+          <a:off x="0" y="0"/>
+          <a:ext cx="0" cy="0"/>
+          <a:chOff x="0" y="0"/>
+          <a:chExt cx="0" cy="0"/>
+        </a:xfrm>
+      </p:grpSpPr>
+    </p:spTree>
+    <p:extLst>
+      <p:ext uri="{BB962C8B-B14F-4D97-AF65-F5344CB8AC3E}">
+        <p14:creationId xmlns:p14="http://schemas.microsoft.com/office/powerpoint/2010/main" val="3694552602"/>
+      </p:ext>
+    </p:extLst>
+  </p:cSld>
+  <p:clrMapOvr>
+    <a:masterClrMapping/>
+  </p:clrMapOvr>
+</p:sld>
+</file>
+
+<file path=ppt/slides/slide43.xml><?xml version="1.0" encoding="utf-8"?>
+<p:sld xmlns:a="http://schemas.openxmlformats.org/drawingml/2006/main" xmlns:r="http://schemas.openxmlformats.org/officeDocument/2006/relationships" xmlns:p="http://schemas.openxmlformats.org/presentationml/2006/main">
+  <p:cSld>
+    <p:spTree>
+      <p:nvGrpSpPr>
+        <p:cNvPr id="1" name=""/>
+        <p:cNvGrpSpPr/>
+        <p:nvPr/>
+      </p:nvGrpSpPr>
+      <p:grpSpPr>
+        <a:xfrm>
+          <a:off x="0" y="0"/>
+          <a:ext cx="0" cy="0"/>
+          <a:chOff x="0" y="0"/>
+          <a:chExt cx="0" cy="0"/>
+        </a:xfrm>
+      </p:grpSpPr>
+    </p:spTree>
+    <p:extLst>
+      <p:ext uri="{BB962C8B-B14F-4D97-AF65-F5344CB8AC3E}">
+        <p14:creationId xmlns:p14="http://schemas.microsoft.com/office/powerpoint/2010/main" val="3149072537"/>
+      </p:ext>
+    </p:extLst>
+  </p:cSld>
+  <p:clrMapOvr>
+    <a:masterClrMapping/>
+  </p:clrMapOvr>
+</p:sld>
+</file>
+
+<file path=ppt/slides/slide44.xml><?xml version="1.0" encoding="utf-8"?>
+<p:sld xmlns:a="http://schemas.openxmlformats.org/drawingml/2006/main" xmlns:r="http://schemas.openxmlformats.org/officeDocument/2006/relationships" xmlns:p="http://schemas.openxmlformats.org/presentationml/2006/main">
+  <p:cSld>
+    <p:spTree>
+      <p:nvGrpSpPr>
+        <p:cNvPr id="1" name=""/>
+        <p:cNvGrpSpPr/>
+        <p:nvPr/>
+      </p:nvGrpSpPr>
+      <p:grpSpPr>
+        <a:xfrm>
+          <a:off x="0" y="0"/>
+          <a:ext cx="0" cy="0"/>
+          <a:chOff x="0" y="0"/>
+          <a:chExt cx="0" cy="0"/>
+        </a:xfrm>
+      </p:grpSpPr>
+    </p:spTree>
+    <p:extLst>
+      <p:ext uri="{BB962C8B-B14F-4D97-AF65-F5344CB8AC3E}">
+        <p14:creationId xmlns:p14="http://schemas.microsoft.com/office/powerpoint/2010/main" val="1584094055"/>
+      </p:ext>
+    </p:extLst>
+  </p:cSld>
+  <p:clrMapOvr>
+    <a:masterClrMapping/>
+  </p:clrMapOvr>
+</p:sld>
+</file>
+
+<file path=ppt/slides/slide45.xml><?xml version="1.0" encoding="utf-8"?>
+<p:sld xmlns:a="http://schemas.openxmlformats.org/drawingml/2006/main" xmlns:r="http://schemas.openxmlformats.org/officeDocument/2006/relationships" xmlns:p="http://schemas.openxmlformats.org/presentationml/2006/main">
+  <p:cSld>
+    <p:spTree>
+      <p:nvGrpSpPr>
+        <p:cNvPr id="1" name=""/>
+        <p:cNvGrpSpPr/>
+        <p:nvPr/>
+      </p:nvGrpSpPr>
+      <p:grpSpPr>
+        <a:xfrm>
+          <a:off x="0" y="0"/>
+          <a:ext cx="0" cy="0"/>
+          <a:chOff x="0" y="0"/>
+          <a:chExt cx="0" cy="0"/>
+        </a:xfrm>
+      </p:grpSpPr>
+    </p:spTree>
+    <p:extLst>
+      <p:ext uri="{BB962C8B-B14F-4D97-AF65-F5344CB8AC3E}">
+        <p14:creationId xmlns:p14="http://schemas.microsoft.com/office/powerpoint/2010/main" val="720561048"/>
+      </p:ext>
+    </p:extLst>
+  </p:cSld>
+  <p:clrMapOvr>
+    <a:masterClrMapping/>
+  </p:clrMapOvr>
+</p:sld>
+</file>
+
+<file path=ppt/slides/slide46.xml><?xml version="1.0" encoding="utf-8"?>
+<p:sld xmlns:a="http://schemas.openxmlformats.org/drawingml/2006/main" xmlns:r="http://schemas.openxmlformats.org/officeDocument/2006/relationships" xmlns:p="http://schemas.openxmlformats.org/presentationml/2006/main">
+  <p:cSld>
+    <p:spTree>
+      <p:nvGrpSpPr>
+        <p:cNvPr id="1" name=""/>
+        <p:cNvGrpSpPr/>
+        <p:nvPr/>
+      </p:nvGrpSpPr>
+      <p:grpSpPr>
+        <a:xfrm>
+          <a:off x="0" y="0"/>
+          <a:ext cx="0" cy="0"/>
+          <a:chOff x="0" y="0"/>
+          <a:chExt cx="0" cy="0"/>
+        </a:xfrm>
+      </p:grpSpPr>
+    </p:spTree>
+    <p:extLst>
+      <p:ext uri="{BB962C8B-B14F-4D97-AF65-F5344CB8AC3E}">
+        <p14:creationId xmlns:p14="http://schemas.microsoft.com/office/powerpoint/2010/main" val="435561323"/>
+      </p:ext>
+    </p:extLst>
+  </p:cSld>
+  <p:clrMapOvr>
+    <a:masterClrMapping/>
+  </p:clrMapOvr>
+</p:sld>
+</file>
+
+<file path=ppt/slides/slide47.xml><?xml version="1.0" encoding="utf-8"?>
+<p:sld xmlns:a="http://schemas.openxmlformats.org/drawingml/2006/main" xmlns:r="http://schemas.openxmlformats.org/officeDocument/2006/relationships" xmlns:p="http://schemas.openxmlformats.org/presentationml/2006/main">
+  <p:cSld>
+    <p:spTree>
+      <p:nvGrpSpPr>
+        <p:cNvPr id="1" name=""/>
+        <p:cNvGrpSpPr/>
+        <p:nvPr/>
+      </p:nvGrpSpPr>
+      <p:grpSpPr>
+        <a:xfrm>
+          <a:off x="0" y="0"/>
+          <a:ext cx="0" cy="0"/>
+          <a:chOff x="0" y="0"/>
+          <a:chExt cx="0" cy="0"/>
+        </a:xfrm>
+      </p:grpSpPr>
+    </p:spTree>
+    <p:extLst>
+      <p:ext uri="{BB962C8B-B14F-4D97-AF65-F5344CB8AC3E}">
+        <p14:creationId xmlns:p14="http://schemas.microsoft.com/office/powerpoint/2010/main" val="881410905"/>
+      </p:ext>
+    </p:extLst>
+  </p:cSld>
+  <p:clrMapOvr>
+    <a:masterClrMapping/>
+  </p:clrMapOvr>
+</p:sld>
+</file>
+
+<file path=ppt/slides/slide48.xml><?xml version="1.0" encoding="utf-8"?>
+<p:sld xmlns:a="http://schemas.openxmlformats.org/drawingml/2006/main" xmlns:r="http://schemas.openxmlformats.org/officeDocument/2006/relationships" xmlns:p="http://schemas.openxmlformats.org/presentationml/2006/main">
+  <p:cSld>
+    <p:spTree>
+      <p:nvGrpSpPr>
+        <p:cNvPr id="1" name=""/>
+        <p:cNvGrpSpPr/>
+        <p:nvPr/>
+      </p:nvGrpSpPr>
+      <p:grpSpPr>
+        <a:xfrm>
+          <a:off x="0" y="0"/>
+          <a:ext cx="0" cy="0"/>
+          <a:chOff x="0" y="0"/>
+          <a:chExt cx="0" cy="0"/>
+        </a:xfrm>
+      </p:grpSpPr>
+    </p:spTree>
+    <p:extLst>
+      <p:ext uri="{BB962C8B-B14F-4D97-AF65-F5344CB8AC3E}">
+        <p14:creationId xmlns:p14="http://schemas.microsoft.com/office/powerpoint/2010/main" val="1917817122"/>
+      </p:ext>
+    </p:extLst>
+  </p:cSld>
+  <p:clrMapOvr>
+    <a:masterClrMapping/>
+  </p:clrMapOvr>
+</p:sld>
+</file>
+
+<file path=ppt/slides/slide49.xml><?xml version="1.0" encoding="utf-8"?>
+<p:sld xmlns:a="http://schemas.openxmlformats.org/drawingml/2006/main" xmlns:r="http://schemas.openxmlformats.org/officeDocument/2006/relationships" xmlns:p="http://schemas.openxmlformats.org/presentationml/2006/main">
+  <p:cSld>
+    <p:spTree>
+      <p:nvGrpSpPr>
+        <p:cNvPr id="1" name=""/>
+        <p:cNvGrpSpPr/>
+        <p:nvPr/>
+      </p:nvGrpSpPr>
+      <p:grpSpPr>
+        <a:xfrm>
+          <a:off x="0" y="0"/>
+          <a:ext cx="0" cy="0"/>
+          <a:chOff x="0" y="0"/>
+          <a:chExt cx="0" cy="0"/>
+        </a:xfrm>
+      </p:grpSpPr>
+    </p:spTree>
+    <p:extLst>
+      <p:ext uri="{BB962C8B-B14F-4D97-AF65-F5344CB8AC3E}">
+        <p14:creationId xmlns:p14="http://schemas.microsoft.com/office/powerpoint/2010/main" val="593747924"/>
+      </p:ext>
+    </p:extLst>
+  </p:cSld>
+  <p:clrMapOvr>
+    <a:masterClrMapping/>
+  </p:clrMapOvr>
+</p:sld>
+</file>
+
 <file path=ppt/slides/slide5.xml><?xml version="1.0" encoding="utf-8"?>
 <p:sld xmlns:a="http://schemas.openxmlformats.org/drawingml/2006/main" xmlns:r="http://schemas.openxmlformats.org/officeDocument/2006/relationships" xmlns:p="http://schemas.openxmlformats.org/presentationml/2006/main">
   <p:cSld>
@@ -3217,6 +5565,156 @@
 </p:sld>
 </file>
 
+<file path=ppt/slides/slide50.xml><?xml version="1.0" encoding="utf-8"?>
+<p:sld xmlns:a="http://schemas.openxmlformats.org/drawingml/2006/main" xmlns:r="http://schemas.openxmlformats.org/officeDocument/2006/relationships" xmlns:p="http://schemas.openxmlformats.org/presentationml/2006/main">
+  <p:cSld>
+    <p:spTree>
+      <p:nvGrpSpPr>
+        <p:cNvPr id="1" name=""/>
+        <p:cNvGrpSpPr/>
+        <p:nvPr/>
+      </p:nvGrpSpPr>
+      <p:grpSpPr>
+        <a:xfrm>
+          <a:off x="0" y="0"/>
+          <a:ext cx="0" cy="0"/>
+          <a:chOff x="0" y="0"/>
+          <a:chExt cx="0" cy="0"/>
+        </a:xfrm>
+      </p:grpSpPr>
+    </p:spTree>
+    <p:extLst>
+      <p:ext uri="{BB962C8B-B14F-4D97-AF65-F5344CB8AC3E}">
+        <p14:creationId xmlns:p14="http://schemas.microsoft.com/office/powerpoint/2010/main" val="3723131914"/>
+      </p:ext>
+    </p:extLst>
+  </p:cSld>
+  <p:clrMapOvr>
+    <a:masterClrMapping/>
+  </p:clrMapOvr>
+</p:sld>
+</file>
+
+<file path=ppt/slides/slide51.xml><?xml version="1.0" encoding="utf-8"?>
+<p:sld xmlns:a="http://schemas.openxmlformats.org/drawingml/2006/main" xmlns:r="http://schemas.openxmlformats.org/officeDocument/2006/relationships" xmlns:p="http://schemas.openxmlformats.org/presentationml/2006/main">
+  <p:cSld>
+    <p:spTree>
+      <p:nvGrpSpPr>
+        <p:cNvPr id="1" name=""/>
+        <p:cNvGrpSpPr/>
+        <p:nvPr/>
+      </p:nvGrpSpPr>
+      <p:grpSpPr>
+        <a:xfrm>
+          <a:off x="0" y="0"/>
+          <a:ext cx="0" cy="0"/>
+          <a:chOff x="0" y="0"/>
+          <a:chExt cx="0" cy="0"/>
+        </a:xfrm>
+      </p:grpSpPr>
+    </p:spTree>
+    <p:extLst>
+      <p:ext uri="{BB962C8B-B14F-4D97-AF65-F5344CB8AC3E}">
+        <p14:creationId xmlns:p14="http://schemas.microsoft.com/office/powerpoint/2010/main" val="3752569891"/>
+      </p:ext>
+    </p:extLst>
+  </p:cSld>
+  <p:clrMapOvr>
+    <a:masterClrMapping/>
+  </p:clrMapOvr>
+</p:sld>
+</file>
+
+<file path=ppt/slides/slide52.xml><?xml version="1.0" encoding="utf-8"?>
+<p:sld xmlns:a="http://schemas.openxmlformats.org/drawingml/2006/main" xmlns:r="http://schemas.openxmlformats.org/officeDocument/2006/relationships" xmlns:p="http://schemas.openxmlformats.org/presentationml/2006/main">
+  <p:cSld>
+    <p:spTree>
+      <p:nvGrpSpPr>
+        <p:cNvPr id="1" name=""/>
+        <p:cNvGrpSpPr/>
+        <p:nvPr/>
+      </p:nvGrpSpPr>
+      <p:grpSpPr>
+        <a:xfrm>
+          <a:off x="0" y="0"/>
+          <a:ext cx="0" cy="0"/>
+          <a:chOff x="0" y="0"/>
+          <a:chExt cx="0" cy="0"/>
+        </a:xfrm>
+      </p:grpSpPr>
+    </p:spTree>
+    <p:extLst>
+      <p:ext uri="{BB962C8B-B14F-4D97-AF65-F5344CB8AC3E}">
+        <p14:creationId xmlns:p14="http://schemas.microsoft.com/office/powerpoint/2010/main" val="705241195"/>
+      </p:ext>
+    </p:extLst>
+  </p:cSld>
+  <p:clrMapOvr>
+    <a:masterClrMapping/>
+  </p:clrMapOvr>
+</p:sld>
+</file>
+
+<file path=ppt/slides/slide53.xml><?xml version="1.0" encoding="utf-8"?>
+<p:sld xmlns:a="http://schemas.openxmlformats.org/drawingml/2006/main" xmlns:r="http://schemas.openxmlformats.org/officeDocument/2006/relationships" xmlns:p="http://schemas.openxmlformats.org/presentationml/2006/main">
+  <p:cSld>
+    <p:spTree>
+      <p:nvGrpSpPr>
+        <p:cNvPr id="1" name=""/>
+        <p:cNvGrpSpPr/>
+        <p:nvPr/>
+      </p:nvGrpSpPr>
+      <p:grpSpPr>
+        <a:xfrm>
+          <a:off x="0" y="0"/>
+          <a:ext cx="0" cy="0"/>
+          <a:chOff x="0" y="0"/>
+          <a:chExt cx="0" cy="0"/>
+        </a:xfrm>
+      </p:grpSpPr>
+    </p:spTree>
+    <p:extLst>
+      <p:ext uri="{BB962C8B-B14F-4D97-AF65-F5344CB8AC3E}">
+        <p14:creationId xmlns:p14="http://schemas.microsoft.com/office/powerpoint/2010/main" val="3435921734"/>
+      </p:ext>
+    </p:extLst>
+  </p:cSld>
+  <p:clrMapOvr>
+    <a:masterClrMapping/>
+  </p:clrMapOvr>
+</p:sld>
+</file>
+
+<file path=ppt/slides/slide54.xml><?xml version="1.0" encoding="utf-8"?>
+<p:sld xmlns:a="http://schemas.openxmlformats.org/drawingml/2006/main" xmlns:r="http://schemas.openxmlformats.org/officeDocument/2006/relationships" xmlns:p="http://schemas.openxmlformats.org/presentationml/2006/main">
+  <p:cSld>
+    <p:spTree>
+      <p:nvGrpSpPr>
+        <p:cNvPr id="1" name=""/>
+        <p:cNvGrpSpPr/>
+        <p:nvPr/>
+      </p:nvGrpSpPr>
+      <p:grpSpPr>
+        <a:xfrm>
+          <a:off x="0" y="0"/>
+          <a:ext cx="0" cy="0"/>
+          <a:chOff x="0" y="0"/>
+          <a:chExt cx="0" cy="0"/>
+        </a:xfrm>
+      </p:grpSpPr>
+    </p:spTree>
+    <p:extLst>
+      <p:ext uri="{BB962C8B-B14F-4D97-AF65-F5344CB8AC3E}">
+        <p14:creationId xmlns:p14="http://schemas.microsoft.com/office/powerpoint/2010/main" val="517005102"/>
+      </p:ext>
+    </p:extLst>
+  </p:cSld>
+  <p:clrMapOvr>
+    <a:masterClrMapping/>
+  </p:clrMapOvr>
+</p:sld>
+</file>
+
 <file path=ppt/slides/slide6.xml><?xml version="1.0" encoding="utf-8"?>
 <p:sld xmlns:a="http://schemas.openxmlformats.org/drawingml/2006/main" xmlns:r="http://schemas.openxmlformats.org/officeDocument/2006/relationships" xmlns:p="http://schemas.openxmlformats.org/presentationml/2006/main">
   <p:cSld>
@@ -3289,7 +5787,248 @@
           <a:chExt cx="0" cy="0"/>
         </a:xfrm>
       </p:grpSpPr>
+      <p:pic>
+        <p:nvPicPr>
+          <p:cNvPr id="36" name="図 35">
+            <a:extLst>
+              <a:ext uri="{FF2B5EF4-FFF2-40B4-BE49-F238E27FC236}">
+                <a16:creationId xmlns:a16="http://schemas.microsoft.com/office/drawing/2014/main" id="{39B8AA83-806F-4BCE-BC7E-903497073218}"/>
+              </a:ext>
+            </a:extLst>
+          </p:cNvPr>
+          <p:cNvPicPr>
+            <a:picLocks noChangeAspect="1"/>
+          </p:cNvPicPr>
+          <p:nvPr/>
+        </p:nvPicPr>
+        <p:blipFill>
+          <a:blip r:embed="rId2"/>
+          <a:stretch>
+            <a:fillRect/>
+          </a:stretch>
+        </p:blipFill>
+        <p:spPr>
+          <a:xfrm>
+            <a:off x="2599145" y="1881152"/>
+            <a:ext cx="4882334" cy="3797371"/>
+          </a:xfrm>
+          <a:prstGeom prst="rect">
+            <a:avLst/>
+          </a:prstGeom>
+        </p:spPr>
+      </p:pic>
+      <p:sp>
+        <p:nvSpPr>
+          <p:cNvPr id="7" name="テキスト ボックス 6">
+            <a:extLst>
+              <a:ext uri="{FF2B5EF4-FFF2-40B4-BE49-F238E27FC236}">
+                <a16:creationId xmlns:a16="http://schemas.microsoft.com/office/drawing/2014/main" id="{8636CB39-C489-4634-96DF-C6ADE06DF603}"/>
+              </a:ext>
+            </a:extLst>
+          </p:cNvPr>
+          <p:cNvSpPr txBox="1"/>
+          <p:nvPr/>
+        </p:nvSpPr>
+        <p:spPr>
+          <a:xfrm>
+            <a:off x="2242994" y="4684881"/>
+            <a:ext cx="1727873" cy="539052"/>
+          </a:xfrm>
+          <a:prstGeom prst="rect">
+            <a:avLst/>
+          </a:prstGeom>
+          <a:solidFill>
+            <a:srgbClr val="92D050">
+              <a:alpha val="69804"/>
+            </a:srgbClr>
+          </a:solidFill>
+          <a:ln>
+            <a:solidFill>
+              <a:schemeClr val="tx1"/>
+            </a:solidFill>
+          </a:ln>
+        </p:spPr>
+        <p:txBody>
+          <a:bodyPr wrap="square" rtlCol="0">
+            <a:noAutofit/>
+          </a:bodyPr>
+          <a:lstStyle/>
+          <a:p>
+            <a:r>
+              <a:rPr kumimoji="1" lang="en-US" altLang="ja-JP" sz="1000" dirty="0">
+                <a:latin typeface="ＭＳ Ｐゴシック" panose="020B0600070205080204" pitchFamily="50" charset="-128"/>
+                <a:ea typeface="ＭＳ Ｐゴシック" panose="020B0600070205080204" pitchFamily="50" charset="-128"/>
+                <a:cs typeface="Arial" panose="020B0604020202020204" pitchFamily="34" charset="0"/>
+              </a:rPr>
+              <a:t>Receive Boolean signal of digital input.</a:t>
+            </a:r>
+          </a:p>
+        </p:txBody>
+      </p:sp>
+      <p:cxnSp>
+        <p:nvCxnSpPr>
+          <p:cNvPr id="8" name="直線矢印コネクタ 7">
+            <a:extLst>
+              <a:ext uri="{FF2B5EF4-FFF2-40B4-BE49-F238E27FC236}">
+                <a16:creationId xmlns:a16="http://schemas.microsoft.com/office/drawing/2014/main" id="{BD001327-666A-4F97-B893-23BCD2C114E0}"/>
+              </a:ext>
+            </a:extLst>
+          </p:cNvPr>
+          <p:cNvCxnSpPr>
+            <a:cxnSpLocks/>
+            <a:stCxn id="7" idx="0"/>
+          </p:cNvCxnSpPr>
+          <p:nvPr/>
+        </p:nvCxnSpPr>
+        <p:spPr>
+          <a:xfrm flipH="1" flipV="1">
+            <a:off x="2895601" y="3779837"/>
+            <a:ext cx="211330" cy="905044"/>
+          </a:xfrm>
+          <a:prstGeom prst="straightConnector1">
+            <a:avLst/>
+          </a:prstGeom>
+          <a:ln w="12700">
+            <a:solidFill>
+              <a:srgbClr val="00B050"/>
+            </a:solidFill>
+            <a:tailEnd type="oval"/>
+          </a:ln>
+        </p:spPr>
+        <p:style>
+          <a:lnRef idx="1">
+            <a:schemeClr val="accent1"/>
+          </a:lnRef>
+          <a:fillRef idx="0">
+            <a:schemeClr val="accent1"/>
+          </a:fillRef>
+          <a:effectRef idx="0">
+            <a:schemeClr val="accent1"/>
+          </a:effectRef>
+          <a:fontRef idx="minor">
+            <a:schemeClr val="tx1"/>
+          </a:fontRef>
+        </p:style>
+      </p:cxnSp>
+      <p:sp>
+        <p:nvSpPr>
+          <p:cNvPr id="20" name="テキスト ボックス 19">
+            <a:extLst>
+              <a:ext uri="{FF2B5EF4-FFF2-40B4-BE49-F238E27FC236}">
+                <a16:creationId xmlns:a16="http://schemas.microsoft.com/office/drawing/2014/main" id="{D88663C5-4A18-4D5D-83C4-B7A56CFE8ABF}"/>
+              </a:ext>
+            </a:extLst>
+          </p:cNvPr>
+          <p:cNvSpPr txBox="1"/>
+          <p:nvPr/>
+        </p:nvSpPr>
+        <p:spPr>
+          <a:xfrm>
+            <a:off x="5816601" y="4505330"/>
+            <a:ext cx="2709332" cy="1184443"/>
+          </a:xfrm>
+          <a:prstGeom prst="rect">
+            <a:avLst/>
+          </a:prstGeom>
+          <a:solidFill>
+            <a:srgbClr val="92D050">
+              <a:alpha val="69804"/>
+            </a:srgbClr>
+          </a:solidFill>
+          <a:ln>
+            <a:solidFill>
+              <a:schemeClr val="tx1"/>
+            </a:solidFill>
+          </a:ln>
+        </p:spPr>
+        <p:txBody>
+          <a:bodyPr wrap="square" rtlCol="0">
+            <a:noAutofit/>
+          </a:bodyPr>
+          <a:lstStyle/>
+          <a:p>
+            <a:r>
+              <a:rPr kumimoji="1" lang="en-US" altLang="ja-JP" sz="1000" dirty="0">
+                <a:latin typeface="ＭＳ Ｐゴシック" panose="020B0600070205080204" pitchFamily="50" charset="-128"/>
+                <a:ea typeface="ＭＳ Ｐゴシック" panose="020B0600070205080204" pitchFamily="50" charset="-128"/>
+                <a:cs typeface="Arial" panose="020B0604020202020204" pitchFamily="34" charset="0"/>
+              </a:rPr>
+              <a:t>-. accumulate digital signal received and output.</a:t>
+            </a:r>
+          </a:p>
+          <a:p>
+            <a:r>
+              <a:rPr kumimoji="1" lang="en-US" altLang="ja-JP" sz="1000" dirty="0">
+                <a:latin typeface="ＭＳ Ｐゴシック" panose="020B0600070205080204" pitchFamily="50" charset="-128"/>
+                <a:ea typeface="ＭＳ Ｐゴシック" panose="020B0600070205080204" pitchFamily="50" charset="-128"/>
+                <a:cs typeface="Arial" panose="020B0604020202020204" pitchFamily="34" charset="0"/>
+              </a:rPr>
+              <a:t>-. Increase of output signal is determined by how many times true signal is received, NOT by how long true signal is maintained.</a:t>
+            </a:r>
+          </a:p>
+          <a:p>
+            <a:r>
+              <a:rPr kumimoji="1" lang="en-US" altLang="ja-JP" sz="1000" dirty="0">
+                <a:latin typeface="ＭＳ Ｐゴシック" panose="020B0600070205080204" pitchFamily="50" charset="-128"/>
+                <a:ea typeface="ＭＳ Ｐゴシック" panose="020B0600070205080204" pitchFamily="50" charset="-128"/>
+                <a:cs typeface="Arial" panose="020B0604020202020204" pitchFamily="34" charset="0"/>
+              </a:rPr>
+              <a:t>-. Output signal can be scaled by parameter setting for control of large values.</a:t>
+            </a:r>
+          </a:p>
+        </p:txBody>
+      </p:sp>
+      <p:cxnSp>
+        <p:nvCxnSpPr>
+          <p:cNvPr id="21" name="直線矢印コネクタ 20">
+            <a:extLst>
+              <a:ext uri="{FF2B5EF4-FFF2-40B4-BE49-F238E27FC236}">
+                <a16:creationId xmlns:a16="http://schemas.microsoft.com/office/drawing/2014/main" id="{3EA461E0-147F-44F5-9433-6AB59E1F1C0A}"/>
+              </a:ext>
+            </a:extLst>
+          </p:cNvPr>
+          <p:cNvCxnSpPr>
+            <a:cxnSpLocks/>
+            <a:stCxn id="20" idx="0"/>
+          </p:cNvCxnSpPr>
+          <p:nvPr/>
+        </p:nvCxnSpPr>
+        <p:spPr>
+          <a:xfrm flipH="1" flipV="1">
+            <a:off x="7120737" y="3753310"/>
+            <a:ext cx="50530" cy="752020"/>
+          </a:xfrm>
+          <a:prstGeom prst="straightConnector1">
+            <a:avLst/>
+          </a:prstGeom>
+          <a:ln w="12700">
+            <a:solidFill>
+              <a:srgbClr val="00B050"/>
+            </a:solidFill>
+            <a:tailEnd type="oval"/>
+          </a:ln>
+        </p:spPr>
+        <p:style>
+          <a:lnRef idx="1">
+            <a:schemeClr val="accent1"/>
+          </a:lnRef>
+          <a:fillRef idx="0">
+            <a:schemeClr val="accent1"/>
+          </a:fillRef>
+          <a:effectRef idx="0">
+            <a:schemeClr val="accent1"/>
+          </a:effectRef>
+          <a:fontRef idx="minor">
+            <a:schemeClr val="tx1"/>
+          </a:fontRef>
+        </p:style>
+      </p:cxnSp>
     </p:spTree>
+    <p:extLst>
+      <p:ext uri="{BB962C8B-B14F-4D97-AF65-F5344CB8AC3E}">
+        <p14:creationId xmlns:p14="http://schemas.microsoft.com/office/powerpoint/2010/main" val="4106514271"/>
+      </p:ext>
+    </p:extLst>
   </p:cSld>
   <p:clrMapOvr>
     <a:masterClrMapping/>
@@ -3314,10 +6053,209 @@
           <a:chExt cx="0" cy="0"/>
         </a:xfrm>
       </p:grpSpPr>
+      <p:pic>
+        <p:nvPicPr>
+          <p:cNvPr id="39" name="図 38">
+            <a:extLst>
+              <a:ext uri="{FF2B5EF4-FFF2-40B4-BE49-F238E27FC236}">
+                <a16:creationId xmlns:a16="http://schemas.microsoft.com/office/drawing/2014/main" id="{239BC509-148D-49C4-BC32-2D207891C808}"/>
+              </a:ext>
+            </a:extLst>
+          </p:cNvPr>
+          <p:cNvPicPr>
+            <a:picLocks noChangeAspect="1"/>
+          </p:cNvPicPr>
+          <p:nvPr/>
+        </p:nvPicPr>
+        <p:blipFill rotWithShape="1">
+          <a:blip r:embed="rId2"/>
+          <a:srcRect r="14385" b="40768"/>
+          <a:stretch/>
+        </p:blipFill>
+        <p:spPr>
+          <a:xfrm>
+            <a:off x="2938207" y="2360885"/>
+            <a:ext cx="3758926" cy="2583648"/>
+          </a:xfrm>
+          <a:prstGeom prst="rect">
+            <a:avLst/>
+          </a:prstGeom>
+        </p:spPr>
+      </p:pic>
+      <p:sp>
+        <p:nvSpPr>
+          <p:cNvPr id="6" name="テキスト ボックス 5">
+            <a:extLst>
+              <a:ext uri="{FF2B5EF4-FFF2-40B4-BE49-F238E27FC236}">
+                <a16:creationId xmlns:a16="http://schemas.microsoft.com/office/drawing/2014/main" id="{4E506106-D5CE-4A76-8BA0-A888EBD86673}"/>
+              </a:ext>
+            </a:extLst>
+          </p:cNvPr>
+          <p:cNvSpPr txBox="1"/>
+          <p:nvPr/>
+        </p:nvSpPr>
+        <p:spPr>
+          <a:xfrm>
+            <a:off x="2336800" y="4182533"/>
+            <a:ext cx="1974743" cy="762000"/>
+          </a:xfrm>
+          <a:prstGeom prst="rect">
+            <a:avLst/>
+          </a:prstGeom>
+          <a:solidFill>
+            <a:srgbClr val="92D050">
+              <a:alpha val="69804"/>
+            </a:srgbClr>
+          </a:solidFill>
+          <a:ln>
+            <a:solidFill>
+              <a:schemeClr val="tx1"/>
+            </a:solidFill>
+          </a:ln>
+        </p:spPr>
+        <p:txBody>
+          <a:bodyPr wrap="square" rtlCol="0">
+            <a:noAutofit/>
+          </a:bodyPr>
+          <a:lstStyle/>
+          <a:p>
+            <a:r>
+              <a:rPr kumimoji="1" lang="en-US" altLang="ja-JP" sz="1000" dirty="0">
+                <a:latin typeface="ＭＳ Ｐゴシック" panose="020B0600070205080204" pitchFamily="50" charset="-128"/>
+                <a:ea typeface="ＭＳ Ｐゴシック" panose="020B0600070205080204" pitchFamily="50" charset="-128"/>
+                <a:cs typeface="Arial" panose="020B0604020202020204" pitchFamily="34" charset="0"/>
+              </a:rPr>
+              <a:t>It is assumed to be deployed together with </a:t>
+            </a:r>
+            <a:r>
+              <a:rPr kumimoji="1" lang="en-US" altLang="ja-JP" sz="1000" dirty="0" err="1">
+                <a:latin typeface="ＭＳ Ｐゴシック" panose="020B0600070205080204" pitchFamily="50" charset="-128"/>
+                <a:ea typeface="ＭＳ Ｐゴシック" panose="020B0600070205080204" pitchFamily="50" charset="-128"/>
+                <a:cs typeface="Arial" panose="020B0604020202020204" pitchFamily="34" charset="0"/>
+              </a:rPr>
+              <a:t>keybordInput</a:t>
+            </a:r>
+            <a:r>
+              <a:rPr kumimoji="1" lang="en-US" altLang="ja-JP" sz="1000" dirty="0">
+                <a:latin typeface="ＭＳ Ｐゴシック" panose="020B0600070205080204" pitchFamily="50" charset="-128"/>
+                <a:ea typeface="ＭＳ Ｐゴシック" panose="020B0600070205080204" pitchFamily="50" charset="-128"/>
+                <a:cs typeface="Arial" panose="020B0604020202020204" pitchFamily="34" charset="0"/>
+              </a:rPr>
+              <a:t> component of </a:t>
+            </a:r>
+            <a:r>
+              <a:rPr kumimoji="1" lang="en-US" altLang="ja-JP" sz="1000" dirty="0" err="1">
+                <a:latin typeface="ＭＳ Ｐゴシック" panose="020B0600070205080204" pitchFamily="50" charset="-128"/>
+                <a:ea typeface="ＭＳ Ｐゴシック" panose="020B0600070205080204" pitchFamily="50" charset="-128"/>
+                <a:cs typeface="Arial" panose="020B0604020202020204" pitchFamily="34" charset="0"/>
+              </a:rPr>
+              <a:t>Modelica_DeviceDrivers</a:t>
+            </a:r>
+            <a:r>
+              <a:rPr kumimoji="1" lang="en-US" altLang="ja-JP" sz="1000" dirty="0">
+                <a:latin typeface="ＭＳ Ｐゴシック" panose="020B0600070205080204" pitchFamily="50" charset="-128"/>
+                <a:ea typeface="ＭＳ Ｐゴシック" panose="020B0600070205080204" pitchFamily="50" charset="-128"/>
+                <a:cs typeface="Arial" panose="020B0604020202020204" pitchFamily="34" charset="0"/>
+              </a:rPr>
+              <a:t> library.</a:t>
+            </a:r>
+          </a:p>
+        </p:txBody>
+      </p:sp>
+      <p:cxnSp>
+        <p:nvCxnSpPr>
+          <p:cNvPr id="7" name="直線矢印コネクタ 6">
+            <a:extLst>
+              <a:ext uri="{FF2B5EF4-FFF2-40B4-BE49-F238E27FC236}">
+                <a16:creationId xmlns:a16="http://schemas.microsoft.com/office/drawing/2014/main" id="{81BA8AD4-F910-404A-8CB3-605D1316CAFA}"/>
+              </a:ext>
+            </a:extLst>
+          </p:cNvPr>
+          <p:cNvCxnSpPr>
+            <a:cxnSpLocks/>
+            <a:stCxn id="6" idx="3"/>
+          </p:cNvCxnSpPr>
+          <p:nvPr/>
+        </p:nvCxnSpPr>
+        <p:spPr>
+          <a:xfrm flipV="1">
+            <a:off x="4311543" y="4182533"/>
+            <a:ext cx="294324" cy="381000"/>
+          </a:xfrm>
+          <a:prstGeom prst="straightConnector1">
+            <a:avLst/>
+          </a:prstGeom>
+          <a:ln w="12700">
+            <a:solidFill>
+              <a:srgbClr val="00B050"/>
+            </a:solidFill>
+            <a:tailEnd type="oval"/>
+          </a:ln>
+        </p:spPr>
+        <p:style>
+          <a:lnRef idx="1">
+            <a:schemeClr val="accent1"/>
+          </a:lnRef>
+          <a:fillRef idx="0">
+            <a:schemeClr val="accent1"/>
+          </a:fillRef>
+          <a:effectRef idx="0">
+            <a:schemeClr val="accent1"/>
+          </a:effectRef>
+          <a:fontRef idx="minor">
+            <a:schemeClr val="tx1"/>
+          </a:fontRef>
+        </p:style>
+      </p:cxnSp>
+      <p:cxnSp>
+        <p:nvCxnSpPr>
+          <p:cNvPr id="8" name="直線矢印コネクタ 7">
+            <a:extLst>
+              <a:ext uri="{FF2B5EF4-FFF2-40B4-BE49-F238E27FC236}">
+                <a16:creationId xmlns:a16="http://schemas.microsoft.com/office/drawing/2014/main" id="{EBACFD37-974A-4ADF-8079-11060A6273FD}"/>
+              </a:ext>
+            </a:extLst>
+          </p:cNvPr>
+          <p:cNvCxnSpPr>
+            <a:cxnSpLocks/>
+            <a:stCxn id="6" idx="3"/>
+          </p:cNvCxnSpPr>
+          <p:nvPr/>
+        </p:nvCxnSpPr>
+        <p:spPr>
+          <a:xfrm>
+            <a:off x="4311543" y="4563533"/>
+            <a:ext cx="1327257" cy="55657"/>
+          </a:xfrm>
+          <a:prstGeom prst="straightConnector1">
+            <a:avLst/>
+          </a:prstGeom>
+          <a:ln w="12700">
+            <a:solidFill>
+              <a:srgbClr val="00B050"/>
+            </a:solidFill>
+            <a:tailEnd type="oval"/>
+          </a:ln>
+        </p:spPr>
+        <p:style>
+          <a:lnRef idx="1">
+            <a:schemeClr val="accent1"/>
+          </a:lnRef>
+          <a:fillRef idx="0">
+            <a:schemeClr val="accent1"/>
+          </a:fillRef>
+          <a:effectRef idx="0">
+            <a:schemeClr val="accent1"/>
+          </a:effectRef>
+          <a:fontRef idx="minor">
+            <a:schemeClr val="tx1"/>
+          </a:fontRef>
+        </p:style>
+      </p:cxnSp>
     </p:spTree>
     <p:extLst>
       <p:ext uri="{BB962C8B-B14F-4D97-AF65-F5344CB8AC3E}">
-        <p14:creationId xmlns:p14="http://schemas.microsoft.com/office/powerpoint/2010/main" val="1158421010"/>
+        <p14:creationId xmlns:p14="http://schemas.microsoft.com/office/powerpoint/2010/main" val="160387173"/>
       </p:ext>
     </p:extLst>
   </p:cSld>
@@ -3344,10 +6282,223 @@
           <a:chExt cx="0" cy="0"/>
         </a:xfrm>
       </p:grpSpPr>
+      <p:pic>
+        <p:nvPicPr>
+          <p:cNvPr id="3" name="図 2">
+            <a:extLst>
+              <a:ext uri="{FF2B5EF4-FFF2-40B4-BE49-F238E27FC236}">
+                <a16:creationId xmlns:a16="http://schemas.microsoft.com/office/drawing/2014/main" id="{C779EBE3-984C-467E-9818-5EB6E7982C8F}"/>
+              </a:ext>
+            </a:extLst>
+          </p:cNvPr>
+          <p:cNvPicPr>
+            <a:picLocks noChangeAspect="1"/>
+          </p:cNvPicPr>
+          <p:nvPr/>
+        </p:nvPicPr>
+        <p:blipFill>
+          <a:blip r:embed="rId2"/>
+          <a:stretch>
+            <a:fillRect/>
+          </a:stretch>
+        </p:blipFill>
+        <p:spPr>
+          <a:xfrm>
+            <a:off x="2063749" y="1202272"/>
+            <a:ext cx="5953125" cy="4392650"/>
+          </a:xfrm>
+          <a:prstGeom prst="rect">
+            <a:avLst/>
+          </a:prstGeom>
+        </p:spPr>
+      </p:pic>
+      <p:sp>
+        <p:nvSpPr>
+          <p:cNvPr id="4" name="テキスト ボックス 3">
+            <a:extLst>
+              <a:ext uri="{FF2B5EF4-FFF2-40B4-BE49-F238E27FC236}">
+                <a16:creationId xmlns:a16="http://schemas.microsoft.com/office/drawing/2014/main" id="{45BC0BC8-7A29-4D5C-814B-B0168232F33F}"/>
+              </a:ext>
+            </a:extLst>
+          </p:cNvPr>
+          <p:cNvSpPr txBox="1"/>
+          <p:nvPr/>
+        </p:nvSpPr>
+        <p:spPr>
+          <a:xfrm>
+            <a:off x="3395134" y="2192866"/>
+            <a:ext cx="3022600" cy="606381"/>
+          </a:xfrm>
+          <a:prstGeom prst="rect">
+            <a:avLst/>
+          </a:prstGeom>
+          <a:solidFill>
+            <a:schemeClr val="accent5">
+              <a:lumMod val="40000"/>
+              <a:lumOff val="60000"/>
+            </a:schemeClr>
+          </a:solidFill>
+          <a:ln>
+            <a:solidFill>
+              <a:schemeClr val="tx1"/>
+            </a:solidFill>
+          </a:ln>
+        </p:spPr>
+        <p:txBody>
+          <a:bodyPr wrap="square" rtlCol="0">
+            <a:noAutofit/>
+          </a:bodyPr>
+          <a:lstStyle/>
+          <a:p>
+            <a:r>
+              <a:rPr lang="en-US" altLang="ja-JP" sz="1000" dirty="0">
+                <a:latin typeface="ＭＳ Ｐゴシック" panose="020B0600070205080204" pitchFamily="50" charset="-128"/>
+                <a:ea typeface="ＭＳ Ｐゴシック" panose="020B0600070205080204" pitchFamily="50" charset="-128"/>
+                <a:cs typeface="Arial" panose="020B0604020202020204" pitchFamily="34" charset="0"/>
+              </a:rPr>
+              <a:t>Input: </a:t>
+            </a:r>
+          </a:p>
+          <a:p>
+            <a:r>
+              <a:rPr lang="en-US" altLang="ja-JP" sz="1000" dirty="0">
+                <a:latin typeface="ＭＳ Ｐゴシック" panose="020B0600070205080204" pitchFamily="50" charset="-128"/>
+                <a:ea typeface="ＭＳ Ｐゴシック" panose="020B0600070205080204" pitchFamily="50" charset="-128"/>
+                <a:cs typeface="Arial" panose="020B0604020202020204" pitchFamily="34" charset="0"/>
+              </a:rPr>
+              <a:t>-. </a:t>
+            </a:r>
+            <a:r>
+              <a:rPr lang="en-US" altLang="ja-JP" sz="1000" dirty="0" err="1">
+                <a:latin typeface="ＭＳ Ｐゴシック" panose="020B0600070205080204" pitchFamily="50" charset="-128"/>
+                <a:ea typeface="ＭＳ Ｐゴシック" panose="020B0600070205080204" pitchFamily="50" charset="-128"/>
+                <a:cs typeface="Arial" panose="020B0604020202020204" pitchFamily="34" charset="0"/>
+              </a:rPr>
+              <a:t>Beelean</a:t>
+            </a:r>
+            <a:r>
+              <a:rPr lang="en-US" altLang="ja-JP" sz="1000" dirty="0">
+                <a:latin typeface="ＭＳ Ｐゴシック" panose="020B0600070205080204" pitchFamily="50" charset="-128"/>
+                <a:ea typeface="ＭＳ Ｐゴシック" panose="020B0600070205080204" pitchFamily="50" charset="-128"/>
+                <a:cs typeface="Arial" panose="020B0604020202020204" pitchFamily="34" charset="0"/>
+              </a:rPr>
+              <a:t> signal which represent </a:t>
+            </a:r>
+            <a:r>
+              <a:rPr lang="en-US" altLang="ja-JP" sz="1000" dirty="0" err="1">
+                <a:latin typeface="ＭＳ Ｐゴシック" panose="020B0600070205080204" pitchFamily="50" charset="-128"/>
+                <a:ea typeface="ＭＳ Ｐゴシック" panose="020B0600070205080204" pitchFamily="50" charset="-128"/>
+                <a:cs typeface="Arial" panose="020B0604020202020204" pitchFamily="34" charset="0"/>
+              </a:rPr>
+              <a:t>keybord</a:t>
+            </a:r>
+            <a:r>
+              <a:rPr lang="en-US" altLang="ja-JP" sz="1000" dirty="0">
+                <a:latin typeface="ＭＳ Ｐゴシック" panose="020B0600070205080204" pitchFamily="50" charset="-128"/>
+                <a:ea typeface="ＭＳ Ｐゴシック" panose="020B0600070205080204" pitchFamily="50" charset="-128"/>
+                <a:cs typeface="Arial" panose="020B0604020202020204" pitchFamily="34" charset="0"/>
+              </a:rPr>
+              <a:t> </a:t>
+            </a:r>
+            <a:r>
+              <a:rPr lang="en-US" altLang="ja-JP" sz="1000" dirty="0" err="1">
+                <a:latin typeface="ＭＳ Ｐゴシック" panose="020B0600070205080204" pitchFamily="50" charset="-128"/>
+                <a:ea typeface="ＭＳ Ｐゴシック" panose="020B0600070205080204" pitchFamily="50" charset="-128"/>
+                <a:cs typeface="Arial" panose="020B0604020202020204" pitchFamily="34" charset="0"/>
+              </a:rPr>
+              <a:t>inout</a:t>
+            </a:r>
+            <a:r>
+              <a:rPr lang="en-US" altLang="ja-JP" sz="1000" dirty="0">
+                <a:latin typeface="ＭＳ Ｐゴシック" panose="020B0600070205080204" pitchFamily="50" charset="-128"/>
+                <a:ea typeface="ＭＳ Ｐゴシック" panose="020B0600070205080204" pitchFamily="50" charset="-128"/>
+                <a:cs typeface="Arial" panose="020B0604020202020204" pitchFamily="34" charset="0"/>
+              </a:rPr>
+              <a:t>.</a:t>
+            </a:r>
+          </a:p>
+          <a:p>
+            <a:r>
+              <a:rPr lang="en-US" altLang="ja-JP" sz="1000" dirty="0">
+                <a:latin typeface="ＭＳ Ｐゴシック" panose="020B0600070205080204" pitchFamily="50" charset="-128"/>
+                <a:ea typeface="ＭＳ Ｐゴシック" panose="020B0600070205080204" pitchFamily="50" charset="-128"/>
+                <a:cs typeface="Arial" panose="020B0604020202020204" pitchFamily="34" charset="0"/>
+              </a:rPr>
+              <a:t>-.”1” </a:t>
+            </a:r>
+            <a:r>
+              <a:rPr lang="en-US" altLang="ja-JP" sz="1000" dirty="0" err="1">
+                <a:latin typeface="ＭＳ Ｐゴシック" panose="020B0600070205080204" pitchFamily="50" charset="-128"/>
+                <a:ea typeface="ＭＳ Ｐゴシック" panose="020B0600070205080204" pitchFamily="50" charset="-128"/>
+                <a:cs typeface="Arial" panose="020B0604020202020204" pitchFamily="34" charset="0"/>
+              </a:rPr>
+              <a:t>represenets</a:t>
+            </a:r>
+            <a:r>
+              <a:rPr lang="en-US" altLang="ja-JP" sz="1000" dirty="0">
+                <a:latin typeface="ＭＳ Ｐゴシック" panose="020B0600070205080204" pitchFamily="50" charset="-128"/>
+                <a:ea typeface="ＭＳ Ｐゴシック" panose="020B0600070205080204" pitchFamily="50" charset="-128"/>
+                <a:cs typeface="Arial" panose="020B0604020202020204" pitchFamily="34" charset="0"/>
+              </a:rPr>
+              <a:t> “pressed”.</a:t>
+            </a:r>
+            <a:endParaRPr lang="ja-JP" altLang="en-US" sz="1000" dirty="0">
+              <a:latin typeface="ＭＳ Ｐゴシック" panose="020B0600070205080204" pitchFamily="50" charset="-128"/>
+              <a:ea typeface="ＭＳ Ｐゴシック" panose="020B0600070205080204" pitchFamily="50" charset="-128"/>
+              <a:cs typeface="Arial" panose="020B0604020202020204" pitchFamily="34" charset="0"/>
+            </a:endParaRPr>
+          </a:p>
+        </p:txBody>
+      </p:sp>
+      <p:cxnSp>
+        <p:nvCxnSpPr>
+          <p:cNvPr id="5" name="直線矢印コネクタ 4">
+            <a:extLst>
+              <a:ext uri="{FF2B5EF4-FFF2-40B4-BE49-F238E27FC236}">
+                <a16:creationId xmlns:a16="http://schemas.microsoft.com/office/drawing/2014/main" id="{F6461B8D-278E-4C3B-8EF6-A76D55792D59}"/>
+              </a:ext>
+            </a:extLst>
+          </p:cNvPr>
+          <p:cNvCxnSpPr>
+            <a:cxnSpLocks/>
+            <a:stCxn id="4" idx="2"/>
+          </p:cNvCxnSpPr>
+          <p:nvPr/>
+        </p:nvCxnSpPr>
+        <p:spPr>
+          <a:xfrm flipH="1">
+            <a:off x="4546602" y="2799247"/>
+            <a:ext cx="359832" cy="431802"/>
+          </a:xfrm>
+          <a:prstGeom prst="straightConnector1">
+            <a:avLst/>
+          </a:prstGeom>
+          <a:ln w="12700">
+            <a:solidFill>
+              <a:schemeClr val="tx1"/>
+            </a:solidFill>
+            <a:tailEnd type="oval"/>
+          </a:ln>
+        </p:spPr>
+        <p:style>
+          <a:lnRef idx="1">
+            <a:schemeClr val="accent1"/>
+          </a:lnRef>
+          <a:fillRef idx="0">
+            <a:schemeClr val="accent1"/>
+          </a:fillRef>
+          <a:effectRef idx="0">
+            <a:schemeClr val="accent1"/>
+          </a:effectRef>
+          <a:fontRef idx="minor">
+            <a:schemeClr val="tx1"/>
+          </a:fontRef>
+        </p:style>
+      </p:cxnSp>
     </p:spTree>
     <p:extLst>
       <p:ext uri="{BB962C8B-B14F-4D97-AF65-F5344CB8AC3E}">
-        <p14:creationId xmlns:p14="http://schemas.microsoft.com/office/powerpoint/2010/main" val="3067681443"/>
+        <p14:creationId xmlns:p14="http://schemas.microsoft.com/office/powerpoint/2010/main" val="187099383"/>
       </p:ext>
     </p:extLst>
   </p:cSld>

--- a/figs/makeFig.pptx
+++ b/figs/makeFig.pptx
@@ -923,7 +923,7 @@
           <a:p>
             <a:fld id="{8A2DCEAA-378A-4EEA-B65B-08E5B8F615DD}" type="datetimeFigureOut">
               <a:rPr kumimoji="1" lang="ja-JP" altLang="en-US" smtClean="0"/>
-              <a:t>2020/8/19</a:t>
+              <a:t>2020/8/22</a:t>
             </a:fld>
             <a:endParaRPr kumimoji="1" lang="ja-JP" altLang="en-US"/>
           </a:p>
@@ -2711,10 +2711,10 @@
       </p:grpSpPr>
       <p:pic>
         <p:nvPicPr>
-          <p:cNvPr id="3" name="図 2">
+          <p:cNvPr id="6" name="図 5">
             <a:extLst>
               <a:ext uri="{FF2B5EF4-FFF2-40B4-BE49-F238E27FC236}">
-                <a16:creationId xmlns:a16="http://schemas.microsoft.com/office/drawing/2014/main" id="{C339474D-5942-4522-BBE4-BE6FF4E0B788}"/>
+                <a16:creationId xmlns:a16="http://schemas.microsoft.com/office/drawing/2014/main" id="{41685994-15FF-4B4C-8987-F6FC219B0F70}"/>
               </a:ext>
             </a:extLst>
           </p:cNvPr>
@@ -2731,8 +2731,8 @@
         </p:blipFill>
         <p:spPr>
           <a:xfrm>
-            <a:off x="1715244" y="1442060"/>
-            <a:ext cx="5953125" cy="4392651"/>
+            <a:off x="1083733" y="943568"/>
+            <a:ext cx="7200000" cy="5172752"/>
           </a:xfrm>
           <a:prstGeom prst="rect">
             <a:avLst/>
@@ -2753,8 +2753,8 @@
         </p:nvSpPr>
         <p:spPr>
           <a:xfrm>
-            <a:off x="4185547" y="3779837"/>
-            <a:ext cx="2985720" cy="1257830"/>
+            <a:off x="4185547" y="3779836"/>
+            <a:ext cx="2985720" cy="1554163"/>
           </a:xfrm>
           <a:prstGeom prst="rect">
             <a:avLst/>
@@ -2811,6 +2811,16 @@
                 <a:cs typeface="Arial" panose="020B0604020202020204" pitchFamily="34" charset="0"/>
               </a:rPr>
               <a:t>-. How long the key is pressed does NOT affect on output signal.</a:t>
+            </a:r>
+          </a:p>
+          <a:p>
+            <a:r>
+              <a:rPr lang="en-US" altLang="ja-JP" sz="1000" dirty="0">
+                <a:latin typeface="ＭＳ Ｐゴシック" panose="020B0600070205080204" pitchFamily="50" charset="-128"/>
+                <a:ea typeface="ＭＳ Ｐゴシック" panose="020B0600070205080204" pitchFamily="50" charset="-128"/>
+                <a:cs typeface="Arial" panose="020B0604020202020204" pitchFamily="34" charset="0"/>
+              </a:rPr>
+              <a:t>-. Output signal value began with 2 as set via parameter.</a:t>
             </a:r>
           </a:p>
           <a:p>
@@ -2843,7 +2853,7 @@
         <p:spPr>
           <a:xfrm flipH="1" flipV="1">
             <a:off x="3818099" y="3529944"/>
-            <a:ext cx="367448" cy="878808"/>
+            <a:ext cx="367448" cy="1026974"/>
           </a:xfrm>
           <a:prstGeom prst="straightConnector1">
             <a:avLst/>
@@ -2952,7 +2962,7 @@
           </a:prstGeom>
           <a:solidFill>
             <a:srgbClr val="92D050">
-              <a:alpha val="69804"/>
+              <a:alpha val="80000"/>
             </a:srgbClr>
           </a:solidFill>
           <a:ln>
@@ -3038,14 +3048,14 @@
         <p:spPr>
           <a:xfrm>
             <a:off x="5816601" y="4505330"/>
-            <a:ext cx="2709332" cy="1184443"/>
+            <a:ext cx="2709332" cy="1404403"/>
           </a:xfrm>
           <a:prstGeom prst="rect">
             <a:avLst/>
           </a:prstGeom>
           <a:solidFill>
             <a:srgbClr val="92D050">
-              <a:alpha val="69804"/>
+              <a:alpha val="80000"/>
             </a:srgbClr>
           </a:solidFill>
           <a:ln>
@@ -3087,6 +3097,16 @@
                 <a:cs typeface="Arial" panose="020B0604020202020204" pitchFamily="34" charset="0"/>
               </a:rPr>
               <a:t>-. Output signal can be scaled by parameter setting for control of large values.</a:t>
+            </a:r>
+          </a:p>
+          <a:p>
+            <a:r>
+              <a:rPr kumimoji="1" lang="en-US" altLang="ja-JP" sz="1000" dirty="0">
+                <a:latin typeface="ＭＳ Ｐゴシック" panose="020B0600070205080204" pitchFamily="50" charset="-128"/>
+                <a:ea typeface="ＭＳ Ｐゴシック" panose="020B0600070205080204" pitchFamily="50" charset="-128"/>
+                <a:cs typeface="Arial" panose="020B0604020202020204" pitchFamily="34" charset="0"/>
+              </a:rPr>
+              <a:t>-. Output signal can be start with desired value set via parameter.</a:t>
             </a:r>
           </a:p>
         </p:txBody>
@@ -3212,7 +3232,7 @@
           </a:prstGeom>
           <a:solidFill>
             <a:srgbClr val="92D050">
-              <a:alpha val="69804"/>
+              <a:alpha val="80000"/>
             </a:srgbClr>
           </a:solidFill>
           <a:ln>
@@ -3392,10 +3412,10 @@
       </p:grpSpPr>
       <p:pic>
         <p:nvPicPr>
-          <p:cNvPr id="7" name="図 6">
+          <p:cNvPr id="5" name="図 4">
             <a:extLst>
               <a:ext uri="{FF2B5EF4-FFF2-40B4-BE49-F238E27FC236}">
-                <a16:creationId xmlns:a16="http://schemas.microsoft.com/office/drawing/2014/main" id="{071B7502-7BF4-4CD5-8F38-C1124F203C69}"/>
+                <a16:creationId xmlns:a16="http://schemas.microsoft.com/office/drawing/2014/main" id="{8546E02F-F51B-4820-9C6D-6D66B6EE203B}"/>
               </a:ext>
             </a:extLst>
           </p:cNvPr>
@@ -3412,8 +3432,8 @@
         </p:blipFill>
         <p:spPr>
           <a:xfrm>
-            <a:off x="1440312" y="826799"/>
-            <a:ext cx="7200000" cy="5282682"/>
+            <a:off x="1634067" y="806627"/>
+            <a:ext cx="7200000" cy="5190545"/>
           </a:xfrm>
           <a:prstGeom prst="rect">
             <a:avLst/>
@@ -3635,10 +3655,10 @@
       </p:grpSpPr>
       <p:pic>
         <p:nvPicPr>
-          <p:cNvPr id="5" name="図 4">
+          <p:cNvPr id="8" name="図 7">
             <a:extLst>
               <a:ext uri="{FF2B5EF4-FFF2-40B4-BE49-F238E27FC236}">
-                <a16:creationId xmlns:a16="http://schemas.microsoft.com/office/drawing/2014/main" id="{F70AB716-1F00-408C-93DA-06102F6F8110}"/>
+                <a16:creationId xmlns:a16="http://schemas.microsoft.com/office/drawing/2014/main" id="{65EB5082-8F2F-4976-B31C-ED8041417528}"/>
               </a:ext>
             </a:extLst>
           </p:cNvPr>
@@ -3655,8 +3675,8 @@
         </p:blipFill>
         <p:spPr>
           <a:xfrm>
-            <a:off x="1049866" y="979954"/>
-            <a:ext cx="7200000" cy="5286245"/>
+            <a:off x="1176867" y="866593"/>
+            <a:ext cx="7200000" cy="5175614"/>
           </a:xfrm>
           <a:prstGeom prst="rect">
             <a:avLst/>
@@ -3677,8 +3697,8 @@
         </p:nvSpPr>
         <p:spPr>
           <a:xfrm>
-            <a:off x="4710480" y="3872970"/>
-            <a:ext cx="2985720" cy="1257830"/>
+            <a:off x="4710480" y="3581400"/>
+            <a:ext cx="2985720" cy="1549400"/>
           </a:xfrm>
           <a:prstGeom prst="rect">
             <a:avLst/>
@@ -3735,6 +3755,16 @@
                 <a:cs typeface="Arial" panose="020B0604020202020204" pitchFamily="34" charset="0"/>
               </a:rPr>
               <a:t>-. How long the key is pressed does NOT affect on output signal.</a:t>
+            </a:r>
+          </a:p>
+          <a:p>
+            <a:r>
+              <a:rPr lang="en-US" altLang="ja-JP" sz="1000" dirty="0">
+                <a:latin typeface="ＭＳ Ｐゴシック" panose="020B0600070205080204" pitchFamily="50" charset="-128"/>
+                <a:ea typeface="ＭＳ Ｐゴシック" panose="020B0600070205080204" pitchFamily="50" charset="-128"/>
+                <a:cs typeface="Arial" panose="020B0604020202020204" pitchFamily="34" charset="0"/>
+              </a:rPr>
+              <a:t>-. Output signal value began with 2 as set via parameter.</a:t>
             </a:r>
           </a:p>
           <a:p>
@@ -3766,8 +3796,8 @@
         </p:nvCxnSpPr>
         <p:spPr>
           <a:xfrm flipH="1" flipV="1">
-            <a:off x="4343032" y="3623077"/>
-            <a:ext cx="367448" cy="878808"/>
+            <a:off x="4284133" y="3454400"/>
+            <a:ext cx="426347" cy="901700"/>
           </a:xfrm>
           <a:prstGeom prst="straightConnector1">
             <a:avLst/>
@@ -5839,7 +5869,7 @@
           </a:prstGeom>
           <a:solidFill>
             <a:srgbClr val="92D050">
-              <a:alpha val="69804"/>
+              <a:alpha val="80000"/>
             </a:srgbClr>
           </a:solidFill>
           <a:ln>
@@ -5925,14 +5955,14 @@
         <p:spPr>
           <a:xfrm>
             <a:off x="5816601" y="4505330"/>
-            <a:ext cx="2709332" cy="1184443"/>
+            <a:ext cx="2709332" cy="1387470"/>
           </a:xfrm>
           <a:prstGeom prst="rect">
             <a:avLst/>
           </a:prstGeom>
           <a:solidFill>
             <a:srgbClr val="92D050">
-              <a:alpha val="69804"/>
+              <a:alpha val="80000"/>
             </a:srgbClr>
           </a:solidFill>
           <a:ln>
@@ -5974,6 +6004,16 @@
                 <a:cs typeface="Arial" panose="020B0604020202020204" pitchFamily="34" charset="0"/>
               </a:rPr>
               <a:t>-. Output signal can be scaled by parameter setting for control of large values.</a:t>
+            </a:r>
+          </a:p>
+          <a:p>
+            <a:r>
+              <a:rPr kumimoji="1" lang="en-US" altLang="ja-JP" sz="1000" dirty="0">
+                <a:latin typeface="ＭＳ Ｐゴシック" panose="020B0600070205080204" pitchFamily="50" charset="-128"/>
+                <a:ea typeface="ＭＳ Ｐゴシック" panose="020B0600070205080204" pitchFamily="50" charset="-128"/>
+                <a:cs typeface="Arial" panose="020B0604020202020204" pitchFamily="34" charset="0"/>
+              </a:rPr>
+              <a:t>-. Output signal can be start with desired value set via parameter.</a:t>
             </a:r>
           </a:p>
         </p:txBody>
@@ -6104,7 +6144,7 @@
           </a:prstGeom>
           <a:solidFill>
             <a:srgbClr val="92D050">
-              <a:alpha val="69804"/>
+              <a:alpha val="80000"/>
             </a:srgbClr>
           </a:solidFill>
           <a:ln>
@@ -6284,10 +6324,10 @@
       </p:grpSpPr>
       <p:pic>
         <p:nvPicPr>
-          <p:cNvPr id="3" name="図 2">
+          <p:cNvPr id="6" name="図 5">
             <a:extLst>
               <a:ext uri="{FF2B5EF4-FFF2-40B4-BE49-F238E27FC236}">
-                <a16:creationId xmlns:a16="http://schemas.microsoft.com/office/drawing/2014/main" id="{C779EBE3-984C-467E-9818-5EB6E7982C8F}"/>
+                <a16:creationId xmlns:a16="http://schemas.microsoft.com/office/drawing/2014/main" id="{88EBC19E-D458-4F03-9F60-C119958D171B}"/>
               </a:ext>
             </a:extLst>
           </p:cNvPr>
@@ -6304,8 +6344,8 @@
         </p:blipFill>
         <p:spPr>
           <a:xfrm>
-            <a:off x="2063749" y="1202272"/>
-            <a:ext cx="5953125" cy="4392650"/>
+            <a:off x="1862667" y="808025"/>
+            <a:ext cx="7200000" cy="5164363"/>
           </a:xfrm>
           <a:prstGeom prst="rect">
             <a:avLst/>
@@ -6326,7 +6366,7 @@
         </p:nvSpPr>
         <p:spPr>
           <a:xfrm>
-            <a:off x="3395134" y="2192866"/>
+            <a:off x="2980267" y="2192866"/>
             <a:ext cx="3022600" cy="606381"/>
           </a:xfrm>
           <a:prstGeom prst="rect">
@@ -6467,7 +6507,7 @@
         </p:nvCxnSpPr>
         <p:spPr>
           <a:xfrm flipH="1">
-            <a:off x="4546602" y="2799247"/>
+            <a:off x="4131735" y="2799247"/>
             <a:ext cx="359832" cy="431802"/>
           </a:xfrm>
           <a:prstGeom prst="straightConnector1">

--- a/figs/makeFig.pptx
+++ b/figs/makeFig.pptx
@@ -11,54 +11,46 @@
     <p:sldId id="259" r:id="rId5"/>
     <p:sldId id="260" r:id="rId6"/>
     <p:sldId id="261" r:id="rId7"/>
-    <p:sldId id="268" r:id="rId8"/>
-    <p:sldId id="269" r:id="rId9"/>
-    <p:sldId id="270" r:id="rId10"/>
-    <p:sldId id="271" r:id="rId11"/>
-    <p:sldId id="262" r:id="rId12"/>
-    <p:sldId id="264" r:id="rId13"/>
-    <p:sldId id="263" r:id="rId14"/>
-    <p:sldId id="272" r:id="rId15"/>
-    <p:sldId id="273" r:id="rId16"/>
-    <p:sldId id="265" r:id="rId17"/>
-    <p:sldId id="266" r:id="rId18"/>
-    <p:sldId id="267" r:id="rId19"/>
-    <p:sldId id="274" r:id="rId20"/>
-    <p:sldId id="275" r:id="rId21"/>
-    <p:sldId id="276" r:id="rId22"/>
-    <p:sldId id="277" r:id="rId23"/>
-    <p:sldId id="278" r:id="rId24"/>
-    <p:sldId id="279" r:id="rId25"/>
-    <p:sldId id="280" r:id="rId26"/>
-    <p:sldId id="281" r:id="rId27"/>
-    <p:sldId id="282" r:id="rId28"/>
-    <p:sldId id="283" r:id="rId29"/>
-    <p:sldId id="284" r:id="rId30"/>
-    <p:sldId id="285" r:id="rId31"/>
-    <p:sldId id="286" r:id="rId32"/>
-    <p:sldId id="287" r:id="rId33"/>
-    <p:sldId id="288" r:id="rId34"/>
-    <p:sldId id="289" r:id="rId35"/>
-    <p:sldId id="290" r:id="rId36"/>
-    <p:sldId id="291" r:id="rId37"/>
-    <p:sldId id="292" r:id="rId38"/>
-    <p:sldId id="293" r:id="rId39"/>
-    <p:sldId id="294" r:id="rId40"/>
-    <p:sldId id="295" r:id="rId41"/>
-    <p:sldId id="296" r:id="rId42"/>
-    <p:sldId id="297" r:id="rId43"/>
-    <p:sldId id="298" r:id="rId44"/>
-    <p:sldId id="299" r:id="rId45"/>
-    <p:sldId id="300" r:id="rId46"/>
-    <p:sldId id="301" r:id="rId47"/>
-    <p:sldId id="302" r:id="rId48"/>
-    <p:sldId id="303" r:id="rId49"/>
-    <p:sldId id="304" r:id="rId50"/>
-    <p:sldId id="305" r:id="rId51"/>
-    <p:sldId id="306" r:id="rId52"/>
-    <p:sldId id="307" r:id="rId53"/>
-    <p:sldId id="308" r:id="rId54"/>
-    <p:sldId id="309" r:id="rId55"/>
+    <p:sldId id="273" r:id="rId8"/>
+    <p:sldId id="265" r:id="rId9"/>
+    <p:sldId id="266" r:id="rId10"/>
+    <p:sldId id="267" r:id="rId11"/>
+    <p:sldId id="274" r:id="rId12"/>
+    <p:sldId id="275" r:id="rId13"/>
+    <p:sldId id="276" r:id="rId14"/>
+    <p:sldId id="277" r:id="rId15"/>
+    <p:sldId id="278" r:id="rId16"/>
+    <p:sldId id="279" r:id="rId17"/>
+    <p:sldId id="280" r:id="rId18"/>
+    <p:sldId id="281" r:id="rId19"/>
+    <p:sldId id="282" r:id="rId20"/>
+    <p:sldId id="283" r:id="rId21"/>
+    <p:sldId id="284" r:id="rId22"/>
+    <p:sldId id="285" r:id="rId23"/>
+    <p:sldId id="286" r:id="rId24"/>
+    <p:sldId id="287" r:id="rId25"/>
+    <p:sldId id="288" r:id="rId26"/>
+    <p:sldId id="289" r:id="rId27"/>
+    <p:sldId id="290" r:id="rId28"/>
+    <p:sldId id="291" r:id="rId29"/>
+    <p:sldId id="292" r:id="rId30"/>
+    <p:sldId id="293" r:id="rId31"/>
+    <p:sldId id="294" r:id="rId32"/>
+    <p:sldId id="295" r:id="rId33"/>
+    <p:sldId id="296" r:id="rId34"/>
+    <p:sldId id="297" r:id="rId35"/>
+    <p:sldId id="298" r:id="rId36"/>
+    <p:sldId id="299" r:id="rId37"/>
+    <p:sldId id="300" r:id="rId38"/>
+    <p:sldId id="301" r:id="rId39"/>
+    <p:sldId id="302" r:id="rId40"/>
+    <p:sldId id="303" r:id="rId41"/>
+    <p:sldId id="304" r:id="rId42"/>
+    <p:sldId id="305" r:id="rId43"/>
+    <p:sldId id="306" r:id="rId44"/>
+    <p:sldId id="307" r:id="rId45"/>
+    <p:sldId id="308" r:id="rId46"/>
+    <p:sldId id="309" r:id="rId47"/>
   </p:sldIdLst>
   <p:sldSz cx="10080625" cy="7559675"/>
   <p:notesSz cx="7559675" cy="10691813"/>
@@ -759,236 +751,6 @@
         </p:txBody>
       </p:sp>
     </p:spTree>
-  </p:cSld>
-  <p:clrMapOvr>
-    <a:masterClrMapping/>
-  </p:clrMapOvr>
-</p:sldLayout>
-</file>
-
-<file path=ppt/slideLayouts/slideLayout13.xml><?xml version="1.0" encoding="utf-8"?>
-<p:sldLayout xmlns:a="http://schemas.openxmlformats.org/drawingml/2006/main" xmlns:r="http://schemas.openxmlformats.org/officeDocument/2006/relationships" xmlns:p="http://schemas.openxmlformats.org/presentationml/2006/main" type="obj">
-  <p:cSld name="タイトルとコンテンツ">
-    <p:spTree>
-      <p:nvGrpSpPr>
-        <p:cNvPr id="1" name=""/>
-        <p:cNvGrpSpPr/>
-        <p:nvPr/>
-      </p:nvGrpSpPr>
-      <p:grpSpPr>
-        <a:xfrm>
-          <a:off x="0" y="0"/>
-          <a:ext cx="0" cy="0"/>
-          <a:chOff x="0" y="0"/>
-          <a:chExt cx="0" cy="0"/>
-        </a:xfrm>
-      </p:grpSpPr>
-      <p:sp>
-        <p:nvSpPr>
-          <p:cNvPr id="2" name="タイトル 1">
-            <a:extLst>
-              <a:ext uri="{FF2B5EF4-FFF2-40B4-BE49-F238E27FC236}">
-                <a16:creationId xmlns:a16="http://schemas.microsoft.com/office/drawing/2014/main" id="{34523024-4C75-4200-B1A6-9F86978A1D7B}"/>
-              </a:ext>
-            </a:extLst>
-          </p:cNvPr>
-          <p:cNvSpPr>
-            <a:spLocks noGrp="1"/>
-          </p:cNvSpPr>
-          <p:nvPr>
-            <p:ph type="title"/>
-          </p:nvPr>
-        </p:nvSpPr>
-        <p:spPr/>
-        <p:txBody>
-          <a:bodyPr/>
-          <a:lstStyle/>
-          <a:p>
-            <a:r>
-              <a:rPr kumimoji="1" lang="ja-JP" altLang="en-US"/>
-              <a:t>マスター タイトルの書式設定</a:t>
-            </a:r>
-          </a:p>
-        </p:txBody>
-      </p:sp>
-      <p:sp>
-        <p:nvSpPr>
-          <p:cNvPr id="3" name="コンテンツ プレースホルダー 2">
-            <a:extLst>
-              <a:ext uri="{FF2B5EF4-FFF2-40B4-BE49-F238E27FC236}">
-                <a16:creationId xmlns:a16="http://schemas.microsoft.com/office/drawing/2014/main" id="{A449D9B8-22BD-4E6F-844C-DFF694C425F1}"/>
-              </a:ext>
-            </a:extLst>
-          </p:cNvPr>
-          <p:cNvSpPr>
-            <a:spLocks noGrp="1"/>
-          </p:cNvSpPr>
-          <p:nvPr>
-            <p:ph idx="1"/>
-          </p:nvPr>
-        </p:nvSpPr>
-        <p:spPr/>
-        <p:txBody>
-          <a:bodyPr/>
-          <a:lstStyle/>
-          <a:p>
-            <a:pPr lvl="0"/>
-            <a:r>
-              <a:rPr kumimoji="1" lang="ja-JP" altLang="en-US"/>
-              <a:t>マスター テキストの書式設定</a:t>
-            </a:r>
-          </a:p>
-          <a:p>
-            <a:pPr lvl="1"/>
-            <a:r>
-              <a:rPr kumimoji="1" lang="ja-JP" altLang="en-US"/>
-              <a:t>第 </a:t>
-            </a:r>
-            <a:r>
-              <a:rPr kumimoji="1" lang="en-US" altLang="ja-JP"/>
-              <a:t>2 </a:t>
-            </a:r>
-            <a:r>
-              <a:rPr kumimoji="1" lang="ja-JP" altLang="en-US"/>
-              <a:t>レベル</a:t>
-            </a:r>
-          </a:p>
-          <a:p>
-            <a:pPr lvl="2"/>
-            <a:r>
-              <a:rPr kumimoji="1" lang="ja-JP" altLang="en-US"/>
-              <a:t>第 </a:t>
-            </a:r>
-            <a:r>
-              <a:rPr kumimoji="1" lang="en-US" altLang="ja-JP"/>
-              <a:t>3 </a:t>
-            </a:r>
-            <a:r>
-              <a:rPr kumimoji="1" lang="ja-JP" altLang="en-US"/>
-              <a:t>レベル</a:t>
-            </a:r>
-          </a:p>
-          <a:p>
-            <a:pPr lvl="3"/>
-            <a:r>
-              <a:rPr kumimoji="1" lang="ja-JP" altLang="en-US"/>
-              <a:t>第 </a:t>
-            </a:r>
-            <a:r>
-              <a:rPr kumimoji="1" lang="en-US" altLang="ja-JP"/>
-              <a:t>4 </a:t>
-            </a:r>
-            <a:r>
-              <a:rPr kumimoji="1" lang="ja-JP" altLang="en-US"/>
-              <a:t>レベル</a:t>
-            </a:r>
-          </a:p>
-          <a:p>
-            <a:pPr lvl="4"/>
-            <a:r>
-              <a:rPr kumimoji="1" lang="ja-JP" altLang="en-US"/>
-              <a:t>第 </a:t>
-            </a:r>
-            <a:r>
-              <a:rPr kumimoji="1" lang="en-US" altLang="ja-JP"/>
-              <a:t>5 </a:t>
-            </a:r>
-            <a:r>
-              <a:rPr kumimoji="1" lang="ja-JP" altLang="en-US"/>
-              <a:t>レベル</a:t>
-            </a:r>
-          </a:p>
-        </p:txBody>
-      </p:sp>
-      <p:sp>
-        <p:nvSpPr>
-          <p:cNvPr id="4" name="日付プレースホルダー 3">
-            <a:extLst>
-              <a:ext uri="{FF2B5EF4-FFF2-40B4-BE49-F238E27FC236}">
-                <a16:creationId xmlns:a16="http://schemas.microsoft.com/office/drawing/2014/main" id="{D2D1A6BD-F8B9-4E19-88D2-AA21A81E3B7E}"/>
-              </a:ext>
-            </a:extLst>
-          </p:cNvPr>
-          <p:cNvSpPr>
-            <a:spLocks noGrp="1"/>
-          </p:cNvSpPr>
-          <p:nvPr>
-            <p:ph type="dt" sz="half" idx="10"/>
-          </p:nvPr>
-        </p:nvSpPr>
-        <p:spPr/>
-        <p:txBody>
-          <a:bodyPr/>
-          <a:lstStyle/>
-          <a:p>
-            <a:fld id="{8A2DCEAA-378A-4EEA-B65B-08E5B8F615DD}" type="datetimeFigureOut">
-              <a:rPr kumimoji="1" lang="ja-JP" altLang="en-US" smtClean="0"/>
-              <a:t>2020/8/22</a:t>
-            </a:fld>
-            <a:endParaRPr kumimoji="1" lang="ja-JP" altLang="en-US"/>
-          </a:p>
-        </p:txBody>
-      </p:sp>
-      <p:sp>
-        <p:nvSpPr>
-          <p:cNvPr id="5" name="フッター プレースホルダー 4">
-            <a:extLst>
-              <a:ext uri="{FF2B5EF4-FFF2-40B4-BE49-F238E27FC236}">
-                <a16:creationId xmlns:a16="http://schemas.microsoft.com/office/drawing/2014/main" id="{B4D9BF52-D38E-483D-8E93-C3372B332E91}"/>
-              </a:ext>
-            </a:extLst>
-          </p:cNvPr>
-          <p:cNvSpPr>
-            <a:spLocks noGrp="1"/>
-          </p:cNvSpPr>
-          <p:nvPr>
-            <p:ph type="ftr" sz="quarter" idx="11"/>
-          </p:nvPr>
-        </p:nvSpPr>
-        <p:spPr/>
-        <p:txBody>
-          <a:bodyPr/>
-          <a:lstStyle/>
-          <a:p>
-            <a:endParaRPr kumimoji="1" lang="ja-JP" altLang="en-US"/>
-          </a:p>
-        </p:txBody>
-      </p:sp>
-      <p:sp>
-        <p:nvSpPr>
-          <p:cNvPr id="6" name="スライド番号プレースホルダー 5">
-            <a:extLst>
-              <a:ext uri="{FF2B5EF4-FFF2-40B4-BE49-F238E27FC236}">
-                <a16:creationId xmlns:a16="http://schemas.microsoft.com/office/drawing/2014/main" id="{96B65EA2-AB59-432A-A1EC-2B99DCBCF650}"/>
-              </a:ext>
-            </a:extLst>
-          </p:cNvPr>
-          <p:cNvSpPr>
-            <a:spLocks noGrp="1"/>
-          </p:cNvSpPr>
-          <p:nvPr>
-            <p:ph type="sldNum" sz="quarter" idx="12"/>
-          </p:nvPr>
-        </p:nvSpPr>
-        <p:spPr/>
-        <p:txBody>
-          <a:bodyPr/>
-          <a:lstStyle/>
-          <a:p>
-            <a:fld id="{8ED8D3DD-BA2D-458E-8C11-B275DF0EA142}" type="slidenum">
-              <a:rPr kumimoji="1" lang="ja-JP" altLang="en-US" smtClean="0"/>
-              <a:t>‹#›</a:t>
-            </a:fld>
-            <a:endParaRPr kumimoji="1" lang="ja-JP" altLang="en-US"/>
-          </a:p>
-        </p:txBody>
-      </p:sp>
-    </p:spTree>
-    <p:extLst>
-      <p:ext uri="{BB962C8B-B14F-4D97-AF65-F5344CB8AC3E}">
-        <p14:creationId xmlns:p14="http://schemas.microsoft.com/office/powerpoint/2010/main" val="2136548128"/>
-      </p:ext>
-    </p:extLst>
   </p:cSld>
   <p:clrMapOvr>
     <a:masterClrMapping/>
@@ -2144,7 +1906,6 @@
     <p:sldLayoutId id="2147483658" r:id="rId10"/>
     <p:sldLayoutId id="2147483659" r:id="rId11"/>
     <p:sldLayoutId id="2147483660" r:id="rId12"/>
-    <p:sldLayoutId id="2147483661" r:id="rId13"/>
   </p:sldLayoutIdLst>
   <p:txStyles>
     <p:titleStyle/>
@@ -2709,1241 +2470,6 @@
           <a:chExt cx="0" cy="0"/>
         </a:xfrm>
       </p:grpSpPr>
-      <p:pic>
-        <p:nvPicPr>
-          <p:cNvPr id="6" name="図 5">
-            <a:extLst>
-              <a:ext uri="{FF2B5EF4-FFF2-40B4-BE49-F238E27FC236}">
-                <a16:creationId xmlns:a16="http://schemas.microsoft.com/office/drawing/2014/main" id="{41685994-15FF-4B4C-8987-F6FC219B0F70}"/>
-              </a:ext>
-            </a:extLst>
-          </p:cNvPr>
-          <p:cNvPicPr>
-            <a:picLocks noChangeAspect="1"/>
-          </p:cNvPicPr>
-          <p:nvPr/>
-        </p:nvPicPr>
-        <p:blipFill>
-          <a:blip r:embed="rId2"/>
-          <a:stretch>
-            <a:fillRect/>
-          </a:stretch>
-        </p:blipFill>
-        <p:spPr>
-          <a:xfrm>
-            <a:off x="1083733" y="943568"/>
-            <a:ext cx="7200000" cy="5172752"/>
-          </a:xfrm>
-          <a:prstGeom prst="rect">
-            <a:avLst/>
-          </a:prstGeom>
-        </p:spPr>
-      </p:pic>
-      <p:sp>
-        <p:nvSpPr>
-          <p:cNvPr id="4" name="テキスト ボックス 3">
-            <a:extLst>
-              <a:ext uri="{FF2B5EF4-FFF2-40B4-BE49-F238E27FC236}">
-                <a16:creationId xmlns:a16="http://schemas.microsoft.com/office/drawing/2014/main" id="{91B1D504-D6CD-468F-B153-66B807E6984A}"/>
-              </a:ext>
-            </a:extLst>
-          </p:cNvPr>
-          <p:cNvSpPr txBox="1"/>
-          <p:nvPr/>
-        </p:nvSpPr>
-        <p:spPr>
-          <a:xfrm>
-            <a:off x="4185547" y="3779836"/>
-            <a:ext cx="2985720" cy="1554163"/>
-          </a:xfrm>
-          <a:prstGeom prst="rect">
-            <a:avLst/>
-          </a:prstGeom>
-          <a:solidFill>
-            <a:srgbClr val="FFFF00"/>
-          </a:solidFill>
-          <a:ln>
-            <a:solidFill>
-              <a:schemeClr val="tx1"/>
-            </a:solidFill>
-          </a:ln>
-        </p:spPr>
-        <p:txBody>
-          <a:bodyPr wrap="square" rtlCol="0">
-            <a:noAutofit/>
-          </a:bodyPr>
-          <a:lstStyle/>
-          <a:p>
-            <a:r>
-              <a:rPr lang="en-US" altLang="ja-JP" sz="1000" dirty="0">
-                <a:latin typeface="ＭＳ Ｐゴシック" panose="020B0600070205080204" pitchFamily="50" charset="-128"/>
-                <a:ea typeface="ＭＳ Ｐゴシック" panose="020B0600070205080204" pitchFamily="50" charset="-128"/>
-                <a:cs typeface="Arial" panose="020B0604020202020204" pitchFamily="34" charset="0"/>
-              </a:rPr>
-              <a:t>Output: </a:t>
-            </a:r>
-          </a:p>
-          <a:p>
-            <a:r>
-              <a:rPr lang="en-US" altLang="ja-JP" sz="1000" dirty="0">
-                <a:latin typeface="ＭＳ Ｐゴシック" panose="020B0600070205080204" pitchFamily="50" charset="-128"/>
-                <a:ea typeface="ＭＳ Ｐゴシック" panose="020B0600070205080204" pitchFamily="50" charset="-128"/>
-                <a:cs typeface="Arial" panose="020B0604020202020204" pitchFamily="34" charset="0"/>
-              </a:rPr>
-              <a:t>-. accumulated signal.</a:t>
-            </a:r>
-          </a:p>
-          <a:p>
-            <a:r>
-              <a:rPr lang="en-US" altLang="ja-JP" sz="1000" dirty="0">
-                <a:latin typeface="ＭＳ Ｐゴシック" panose="020B0600070205080204" pitchFamily="50" charset="-128"/>
-                <a:ea typeface="ＭＳ Ｐゴシック" panose="020B0600070205080204" pitchFamily="50" charset="-128"/>
-                <a:cs typeface="Arial" panose="020B0604020202020204" pitchFamily="34" charset="0"/>
-              </a:rPr>
-              <a:t>-. Output signal increases as keyboard is pressed. </a:t>
-            </a:r>
-          </a:p>
-          <a:p>
-            <a:r>
-              <a:rPr lang="en-US" altLang="ja-JP" sz="1000" dirty="0">
-                <a:latin typeface="ＭＳ Ｐゴシック" panose="020B0600070205080204" pitchFamily="50" charset="-128"/>
-                <a:ea typeface="ＭＳ Ｐゴシック" panose="020B0600070205080204" pitchFamily="50" charset="-128"/>
-                <a:cs typeface="Arial" panose="020B0604020202020204" pitchFamily="34" charset="0"/>
-              </a:rPr>
-              <a:t>-. How long the key is pressed does NOT affect on output signal.</a:t>
-            </a:r>
-          </a:p>
-          <a:p>
-            <a:r>
-              <a:rPr lang="en-US" altLang="ja-JP" sz="1000" dirty="0">
-                <a:latin typeface="ＭＳ Ｐゴシック" panose="020B0600070205080204" pitchFamily="50" charset="-128"/>
-                <a:ea typeface="ＭＳ Ｐゴシック" panose="020B0600070205080204" pitchFamily="50" charset="-128"/>
-                <a:cs typeface="Arial" panose="020B0604020202020204" pitchFamily="34" charset="0"/>
-              </a:rPr>
-              <a:t>-. Output signal value began with 2 as set via parameter.</a:t>
-            </a:r>
-          </a:p>
-          <a:p>
-            <a:r>
-              <a:rPr lang="en-US" altLang="ja-JP" sz="1000" dirty="0">
-                <a:latin typeface="ＭＳ Ｐゴシック" panose="020B0600070205080204" pitchFamily="50" charset="-128"/>
-                <a:ea typeface="ＭＳ Ｐゴシック" panose="020B0600070205080204" pitchFamily="50" charset="-128"/>
-                <a:cs typeface="Arial" panose="020B0604020202020204" pitchFamily="34" charset="0"/>
-              </a:rPr>
-              <a:t>-. Increments of output signal is 10 because scale factor is set 10.</a:t>
-            </a:r>
-          </a:p>
-        </p:txBody>
-      </p:sp>
-      <p:cxnSp>
-        <p:nvCxnSpPr>
-          <p:cNvPr id="5" name="直線矢印コネクタ 4">
-            <a:extLst>
-              <a:ext uri="{FF2B5EF4-FFF2-40B4-BE49-F238E27FC236}">
-                <a16:creationId xmlns:a16="http://schemas.microsoft.com/office/drawing/2014/main" id="{39A0D6C1-7BD3-4282-9918-9C1B64B0F023}"/>
-              </a:ext>
-            </a:extLst>
-          </p:cNvPr>
-          <p:cNvCxnSpPr>
-            <a:cxnSpLocks/>
-            <a:stCxn id="4" idx="1"/>
-          </p:cNvCxnSpPr>
-          <p:nvPr/>
-        </p:nvCxnSpPr>
-        <p:spPr>
-          <a:xfrm flipH="1" flipV="1">
-            <a:off x="3818099" y="3529944"/>
-            <a:ext cx="367448" cy="1026974"/>
-          </a:xfrm>
-          <a:prstGeom prst="straightConnector1">
-            <a:avLst/>
-          </a:prstGeom>
-          <a:ln w="12700">
-            <a:solidFill>
-              <a:schemeClr val="tx1"/>
-            </a:solidFill>
-            <a:tailEnd type="oval"/>
-          </a:ln>
-        </p:spPr>
-        <p:style>
-          <a:lnRef idx="1">
-            <a:schemeClr val="accent1"/>
-          </a:lnRef>
-          <a:fillRef idx="0">
-            <a:schemeClr val="accent1"/>
-          </a:fillRef>
-          <a:effectRef idx="0">
-            <a:schemeClr val="accent1"/>
-          </a:effectRef>
-          <a:fontRef idx="minor">
-            <a:schemeClr val="tx1"/>
-          </a:fontRef>
-        </p:style>
-      </p:cxnSp>
-    </p:spTree>
-    <p:extLst>
-      <p:ext uri="{BB962C8B-B14F-4D97-AF65-F5344CB8AC3E}">
-        <p14:creationId xmlns:p14="http://schemas.microsoft.com/office/powerpoint/2010/main" val="430179027"/>
-      </p:ext>
-    </p:extLst>
-  </p:cSld>
-  <p:clrMapOvr>
-    <a:masterClrMapping/>
-  </p:clrMapOvr>
-</p:sld>
-</file>
-
-<file path=ppt/slides/slide11.xml><?xml version="1.0" encoding="utf-8"?>
-<p:sld xmlns:a="http://schemas.openxmlformats.org/drawingml/2006/main" xmlns:r="http://schemas.openxmlformats.org/officeDocument/2006/relationships" xmlns:p="http://schemas.openxmlformats.org/presentationml/2006/main">
-  <p:cSld>
-    <p:spTree>
-      <p:nvGrpSpPr>
-        <p:cNvPr id="1" name=""/>
-        <p:cNvGrpSpPr/>
-        <p:nvPr/>
-      </p:nvGrpSpPr>
-      <p:grpSpPr>
-        <a:xfrm>
-          <a:off x="0" y="0"/>
-          <a:ext cx="0" cy="0"/>
-          <a:chOff x="0" y="0"/>
-          <a:chExt cx="0" cy="0"/>
-        </a:xfrm>
-      </p:grpSpPr>
-      <p:pic>
-        <p:nvPicPr>
-          <p:cNvPr id="9" name="図 8">
-            <a:extLst>
-              <a:ext uri="{FF2B5EF4-FFF2-40B4-BE49-F238E27FC236}">
-                <a16:creationId xmlns:a16="http://schemas.microsoft.com/office/drawing/2014/main" id="{17032F12-715D-4AC8-BD8E-507710031A78}"/>
-              </a:ext>
-            </a:extLst>
-          </p:cNvPr>
-          <p:cNvPicPr>
-            <a:picLocks noChangeAspect="1"/>
-          </p:cNvPicPr>
-          <p:nvPr/>
-        </p:nvPicPr>
-        <p:blipFill>
-          <a:blip r:embed="rId2"/>
-          <a:stretch>
-            <a:fillRect/>
-          </a:stretch>
-        </p:blipFill>
-        <p:spPr>
-          <a:xfrm>
-            <a:off x="2590679" y="1754149"/>
-            <a:ext cx="4882333" cy="3797370"/>
-          </a:xfrm>
-          <a:prstGeom prst="rect">
-            <a:avLst/>
-          </a:prstGeom>
-        </p:spPr>
-      </p:pic>
-      <p:sp>
-        <p:nvSpPr>
-          <p:cNvPr id="2" name="テキスト ボックス 1">
-            <a:extLst>
-              <a:ext uri="{FF2B5EF4-FFF2-40B4-BE49-F238E27FC236}">
-                <a16:creationId xmlns:a16="http://schemas.microsoft.com/office/drawing/2014/main" id="{70B790A2-AC3A-4718-8297-727C17AEF059}"/>
-              </a:ext>
-            </a:extLst>
-          </p:cNvPr>
-          <p:cNvSpPr txBox="1"/>
-          <p:nvPr/>
-        </p:nvSpPr>
-        <p:spPr>
-          <a:xfrm>
-            <a:off x="2242994" y="4684881"/>
-            <a:ext cx="1727873" cy="539052"/>
-          </a:xfrm>
-          <a:prstGeom prst="rect">
-            <a:avLst/>
-          </a:prstGeom>
-          <a:solidFill>
-            <a:srgbClr val="92D050">
-              <a:alpha val="80000"/>
-            </a:srgbClr>
-          </a:solidFill>
-          <a:ln>
-            <a:solidFill>
-              <a:schemeClr val="tx1"/>
-            </a:solidFill>
-          </a:ln>
-        </p:spPr>
-        <p:txBody>
-          <a:bodyPr wrap="square" rtlCol="0">
-            <a:noAutofit/>
-          </a:bodyPr>
-          <a:lstStyle/>
-          <a:p>
-            <a:r>
-              <a:rPr kumimoji="1" lang="en-US" altLang="ja-JP" sz="1000" dirty="0">
-                <a:latin typeface="ＭＳ Ｐゴシック" panose="020B0600070205080204" pitchFamily="50" charset="-128"/>
-                <a:ea typeface="ＭＳ Ｐゴシック" panose="020B0600070205080204" pitchFamily="50" charset="-128"/>
-                <a:cs typeface="Arial" panose="020B0604020202020204" pitchFamily="34" charset="0"/>
-              </a:rPr>
-              <a:t>Receive Boolean signal of digital input.</a:t>
-            </a:r>
-          </a:p>
-        </p:txBody>
-      </p:sp>
-      <p:cxnSp>
-        <p:nvCxnSpPr>
-          <p:cNvPr id="3" name="直線矢印コネクタ 2">
-            <a:extLst>
-              <a:ext uri="{FF2B5EF4-FFF2-40B4-BE49-F238E27FC236}">
-                <a16:creationId xmlns:a16="http://schemas.microsoft.com/office/drawing/2014/main" id="{CBF67B0D-53A9-49D0-8158-880C3AA8C89A}"/>
-              </a:ext>
-            </a:extLst>
-          </p:cNvPr>
-          <p:cNvCxnSpPr>
-            <a:cxnSpLocks/>
-            <a:stCxn id="2" idx="0"/>
-          </p:cNvCxnSpPr>
-          <p:nvPr/>
-        </p:nvCxnSpPr>
-        <p:spPr>
-          <a:xfrm flipH="1" flipV="1">
-            <a:off x="2895601" y="3779837"/>
-            <a:ext cx="211330" cy="905044"/>
-          </a:xfrm>
-          <a:prstGeom prst="straightConnector1">
-            <a:avLst/>
-          </a:prstGeom>
-          <a:ln w="12700">
-            <a:solidFill>
-              <a:srgbClr val="00B050"/>
-            </a:solidFill>
-            <a:tailEnd type="oval"/>
-          </a:ln>
-        </p:spPr>
-        <p:style>
-          <a:lnRef idx="1">
-            <a:schemeClr val="accent1"/>
-          </a:lnRef>
-          <a:fillRef idx="0">
-            <a:schemeClr val="accent1"/>
-          </a:fillRef>
-          <a:effectRef idx="0">
-            <a:schemeClr val="accent1"/>
-          </a:effectRef>
-          <a:fontRef idx="minor">
-            <a:schemeClr val="tx1"/>
-          </a:fontRef>
-        </p:style>
-      </p:cxnSp>
-      <p:sp>
-        <p:nvSpPr>
-          <p:cNvPr id="4" name="テキスト ボックス 3">
-            <a:extLst>
-              <a:ext uri="{FF2B5EF4-FFF2-40B4-BE49-F238E27FC236}">
-                <a16:creationId xmlns:a16="http://schemas.microsoft.com/office/drawing/2014/main" id="{6FE535CB-53EC-405A-A6C6-07C13A489D9F}"/>
-              </a:ext>
-            </a:extLst>
-          </p:cNvPr>
-          <p:cNvSpPr txBox="1"/>
-          <p:nvPr/>
-        </p:nvSpPr>
-        <p:spPr>
-          <a:xfrm>
-            <a:off x="5816601" y="4505330"/>
-            <a:ext cx="2709332" cy="1404403"/>
-          </a:xfrm>
-          <a:prstGeom prst="rect">
-            <a:avLst/>
-          </a:prstGeom>
-          <a:solidFill>
-            <a:srgbClr val="92D050">
-              <a:alpha val="80000"/>
-            </a:srgbClr>
-          </a:solidFill>
-          <a:ln>
-            <a:solidFill>
-              <a:schemeClr val="tx1"/>
-            </a:solidFill>
-          </a:ln>
-        </p:spPr>
-        <p:txBody>
-          <a:bodyPr wrap="square" rtlCol="0">
-            <a:noAutofit/>
-          </a:bodyPr>
-          <a:lstStyle/>
-          <a:p>
-            <a:r>
-              <a:rPr kumimoji="1" lang="en-US" altLang="ja-JP" sz="1000" dirty="0">
-                <a:latin typeface="ＭＳ Ｐゴシック" panose="020B0600070205080204" pitchFamily="50" charset="-128"/>
-                <a:ea typeface="ＭＳ Ｐゴシック" panose="020B0600070205080204" pitchFamily="50" charset="-128"/>
-                <a:cs typeface="Arial" panose="020B0604020202020204" pitchFamily="34" charset="0"/>
-              </a:rPr>
-              <a:t>-. accumulate digital signal received and output.</a:t>
-            </a:r>
-          </a:p>
-          <a:p>
-            <a:r>
-              <a:rPr kumimoji="1" lang="en-US" altLang="ja-JP" sz="1000" dirty="0">
-                <a:latin typeface="ＭＳ Ｐゴシック" panose="020B0600070205080204" pitchFamily="50" charset="-128"/>
-                <a:ea typeface="ＭＳ Ｐゴシック" panose="020B0600070205080204" pitchFamily="50" charset="-128"/>
-                <a:cs typeface="Arial" panose="020B0604020202020204" pitchFamily="34" charset="0"/>
-              </a:rPr>
-              <a:t>-. Increase of output signal is determined by how many times true signal is received, NOT by how long true signal is maintained.</a:t>
-            </a:r>
-          </a:p>
-          <a:p>
-            <a:r>
-              <a:rPr kumimoji="1" lang="en-US" altLang="ja-JP" sz="1000" dirty="0">
-                <a:latin typeface="ＭＳ Ｐゴシック" panose="020B0600070205080204" pitchFamily="50" charset="-128"/>
-                <a:ea typeface="ＭＳ Ｐゴシック" panose="020B0600070205080204" pitchFamily="50" charset="-128"/>
-                <a:cs typeface="Arial" panose="020B0604020202020204" pitchFamily="34" charset="0"/>
-              </a:rPr>
-              <a:t>-. Output signal can be scaled by parameter setting for control of large values.</a:t>
-            </a:r>
-          </a:p>
-          <a:p>
-            <a:r>
-              <a:rPr kumimoji="1" lang="en-US" altLang="ja-JP" sz="1000" dirty="0">
-                <a:latin typeface="ＭＳ Ｐゴシック" panose="020B0600070205080204" pitchFamily="50" charset="-128"/>
-                <a:ea typeface="ＭＳ Ｐゴシック" panose="020B0600070205080204" pitchFamily="50" charset="-128"/>
-                <a:cs typeface="Arial" panose="020B0604020202020204" pitchFamily="34" charset="0"/>
-              </a:rPr>
-              <a:t>-. Output signal can be start with desired value set via parameter.</a:t>
-            </a:r>
-          </a:p>
-        </p:txBody>
-      </p:sp>
-      <p:cxnSp>
-        <p:nvCxnSpPr>
-          <p:cNvPr id="5" name="直線矢印コネクタ 4">
-            <a:extLst>
-              <a:ext uri="{FF2B5EF4-FFF2-40B4-BE49-F238E27FC236}">
-                <a16:creationId xmlns:a16="http://schemas.microsoft.com/office/drawing/2014/main" id="{48A7B520-A01D-4235-833A-0DF2D68EB20B}"/>
-              </a:ext>
-            </a:extLst>
-          </p:cNvPr>
-          <p:cNvCxnSpPr>
-            <a:cxnSpLocks/>
-            <a:stCxn id="4" idx="0"/>
-          </p:cNvCxnSpPr>
-          <p:nvPr/>
-        </p:nvCxnSpPr>
-        <p:spPr>
-          <a:xfrm flipH="1" flipV="1">
-            <a:off x="7120737" y="3753310"/>
-            <a:ext cx="50530" cy="752020"/>
-          </a:xfrm>
-          <a:prstGeom prst="straightConnector1">
-            <a:avLst/>
-          </a:prstGeom>
-          <a:ln w="12700">
-            <a:solidFill>
-              <a:srgbClr val="00B050"/>
-            </a:solidFill>
-            <a:tailEnd type="oval"/>
-          </a:ln>
-        </p:spPr>
-        <p:style>
-          <a:lnRef idx="1">
-            <a:schemeClr val="accent1"/>
-          </a:lnRef>
-          <a:fillRef idx="0">
-            <a:schemeClr val="accent1"/>
-          </a:fillRef>
-          <a:effectRef idx="0">
-            <a:schemeClr val="accent1"/>
-          </a:effectRef>
-          <a:fontRef idx="minor">
-            <a:schemeClr val="tx1"/>
-          </a:fontRef>
-        </p:style>
-      </p:cxnSp>
-    </p:spTree>
-  </p:cSld>
-  <p:clrMapOvr>
-    <a:masterClrMapping/>
-  </p:clrMapOvr>
-</p:sld>
-</file>
-
-<file path=ppt/slides/slide12.xml><?xml version="1.0" encoding="utf-8"?>
-<p:sld xmlns:a="http://schemas.openxmlformats.org/drawingml/2006/main" xmlns:r="http://schemas.openxmlformats.org/officeDocument/2006/relationships" xmlns:p="http://schemas.openxmlformats.org/presentationml/2006/main">
-  <p:cSld>
-    <p:spTree>
-      <p:nvGrpSpPr>
-        <p:cNvPr id="1" name=""/>
-        <p:cNvGrpSpPr/>
-        <p:nvPr/>
-      </p:nvGrpSpPr>
-      <p:grpSpPr>
-        <a:xfrm>
-          <a:off x="0" y="0"/>
-          <a:ext cx="0" cy="0"/>
-          <a:chOff x="0" y="0"/>
-          <a:chExt cx="0" cy="0"/>
-        </a:xfrm>
-      </p:grpSpPr>
-      <p:pic>
-        <p:nvPicPr>
-          <p:cNvPr id="6" name="図 5">
-            <a:extLst>
-              <a:ext uri="{FF2B5EF4-FFF2-40B4-BE49-F238E27FC236}">
-                <a16:creationId xmlns:a16="http://schemas.microsoft.com/office/drawing/2014/main" id="{98BE5150-5B69-4682-B850-F43805FB9BE7}"/>
-              </a:ext>
-            </a:extLst>
-          </p:cNvPr>
-          <p:cNvPicPr>
-            <a:picLocks noChangeAspect="1"/>
-          </p:cNvPicPr>
-          <p:nvPr/>
-        </p:nvPicPr>
-        <p:blipFill rotWithShape="1">
-          <a:blip r:embed="rId2"/>
-          <a:srcRect r="8021" b="42044"/>
-          <a:stretch/>
-        </p:blipFill>
-        <p:spPr>
-          <a:xfrm>
-            <a:off x="2701141" y="2301619"/>
-            <a:ext cx="4038326" cy="2527991"/>
-          </a:xfrm>
-          <a:prstGeom prst="rect">
-            <a:avLst/>
-          </a:prstGeom>
-        </p:spPr>
-      </p:pic>
-      <p:sp>
-        <p:nvSpPr>
-          <p:cNvPr id="2" name="テキスト ボックス 1">
-            <a:extLst>
-              <a:ext uri="{FF2B5EF4-FFF2-40B4-BE49-F238E27FC236}">
-                <a16:creationId xmlns:a16="http://schemas.microsoft.com/office/drawing/2014/main" id="{10EFA146-2CD5-41D8-B189-2ABB5DECF1CE}"/>
-              </a:ext>
-            </a:extLst>
-          </p:cNvPr>
-          <p:cNvSpPr txBox="1"/>
-          <p:nvPr/>
-        </p:nvSpPr>
-        <p:spPr>
-          <a:xfrm>
-            <a:off x="2336800" y="4182533"/>
-            <a:ext cx="1974743" cy="762000"/>
-          </a:xfrm>
-          <a:prstGeom prst="rect">
-            <a:avLst/>
-          </a:prstGeom>
-          <a:solidFill>
-            <a:srgbClr val="92D050">
-              <a:alpha val="80000"/>
-            </a:srgbClr>
-          </a:solidFill>
-          <a:ln>
-            <a:solidFill>
-              <a:schemeClr val="tx1"/>
-            </a:solidFill>
-          </a:ln>
-        </p:spPr>
-        <p:txBody>
-          <a:bodyPr wrap="square" rtlCol="0">
-            <a:noAutofit/>
-          </a:bodyPr>
-          <a:lstStyle/>
-          <a:p>
-            <a:r>
-              <a:rPr kumimoji="1" lang="en-US" altLang="ja-JP" sz="1000" dirty="0">
-                <a:latin typeface="ＭＳ Ｐゴシック" panose="020B0600070205080204" pitchFamily="50" charset="-128"/>
-                <a:ea typeface="ＭＳ Ｐゴシック" panose="020B0600070205080204" pitchFamily="50" charset="-128"/>
-                <a:cs typeface="Arial" panose="020B0604020202020204" pitchFamily="34" charset="0"/>
-              </a:rPr>
-              <a:t>It is assumed to be deployed together with </a:t>
-            </a:r>
-            <a:r>
-              <a:rPr kumimoji="1" lang="en-US" altLang="ja-JP" sz="1000" dirty="0" err="1">
-                <a:latin typeface="ＭＳ Ｐゴシック" panose="020B0600070205080204" pitchFamily="50" charset="-128"/>
-                <a:ea typeface="ＭＳ Ｐゴシック" panose="020B0600070205080204" pitchFamily="50" charset="-128"/>
-                <a:cs typeface="Arial" panose="020B0604020202020204" pitchFamily="34" charset="0"/>
-              </a:rPr>
-              <a:t>keybordInput</a:t>
-            </a:r>
-            <a:r>
-              <a:rPr kumimoji="1" lang="en-US" altLang="ja-JP" sz="1000" dirty="0">
-                <a:latin typeface="ＭＳ Ｐゴシック" panose="020B0600070205080204" pitchFamily="50" charset="-128"/>
-                <a:ea typeface="ＭＳ Ｐゴシック" panose="020B0600070205080204" pitchFamily="50" charset="-128"/>
-                <a:cs typeface="Arial" panose="020B0604020202020204" pitchFamily="34" charset="0"/>
-              </a:rPr>
-              <a:t> component of </a:t>
-            </a:r>
-            <a:r>
-              <a:rPr kumimoji="1" lang="en-US" altLang="ja-JP" sz="1000" dirty="0" err="1">
-                <a:latin typeface="ＭＳ Ｐゴシック" panose="020B0600070205080204" pitchFamily="50" charset="-128"/>
-                <a:ea typeface="ＭＳ Ｐゴシック" panose="020B0600070205080204" pitchFamily="50" charset="-128"/>
-                <a:cs typeface="Arial" panose="020B0604020202020204" pitchFamily="34" charset="0"/>
-              </a:rPr>
-              <a:t>Modelica_DeviceDrivers</a:t>
-            </a:r>
-            <a:r>
-              <a:rPr kumimoji="1" lang="en-US" altLang="ja-JP" sz="1000" dirty="0">
-                <a:latin typeface="ＭＳ Ｐゴシック" panose="020B0600070205080204" pitchFamily="50" charset="-128"/>
-                <a:ea typeface="ＭＳ Ｐゴシック" panose="020B0600070205080204" pitchFamily="50" charset="-128"/>
-                <a:cs typeface="Arial" panose="020B0604020202020204" pitchFamily="34" charset="0"/>
-              </a:rPr>
-              <a:t> library.</a:t>
-            </a:r>
-          </a:p>
-        </p:txBody>
-      </p:sp>
-      <p:cxnSp>
-        <p:nvCxnSpPr>
-          <p:cNvPr id="3" name="直線矢印コネクタ 2">
-            <a:extLst>
-              <a:ext uri="{FF2B5EF4-FFF2-40B4-BE49-F238E27FC236}">
-                <a16:creationId xmlns:a16="http://schemas.microsoft.com/office/drawing/2014/main" id="{3E9365B0-5029-45CD-8B6D-4F405919CBC4}"/>
-              </a:ext>
-            </a:extLst>
-          </p:cNvPr>
-          <p:cNvCxnSpPr>
-            <a:cxnSpLocks/>
-            <a:stCxn id="2" idx="3"/>
-          </p:cNvCxnSpPr>
-          <p:nvPr/>
-        </p:nvCxnSpPr>
-        <p:spPr>
-          <a:xfrm flipV="1">
-            <a:off x="4311543" y="4182533"/>
-            <a:ext cx="294324" cy="381000"/>
-          </a:xfrm>
-          <a:prstGeom prst="straightConnector1">
-            <a:avLst/>
-          </a:prstGeom>
-          <a:ln w="12700">
-            <a:solidFill>
-              <a:srgbClr val="00B050"/>
-            </a:solidFill>
-            <a:tailEnd type="oval"/>
-          </a:ln>
-        </p:spPr>
-        <p:style>
-          <a:lnRef idx="1">
-            <a:schemeClr val="accent1"/>
-          </a:lnRef>
-          <a:fillRef idx="0">
-            <a:schemeClr val="accent1"/>
-          </a:fillRef>
-          <a:effectRef idx="0">
-            <a:schemeClr val="accent1"/>
-          </a:effectRef>
-          <a:fontRef idx="minor">
-            <a:schemeClr val="tx1"/>
-          </a:fontRef>
-        </p:style>
-      </p:cxnSp>
-      <p:cxnSp>
-        <p:nvCxnSpPr>
-          <p:cNvPr id="4" name="直線矢印コネクタ 3">
-            <a:extLst>
-              <a:ext uri="{FF2B5EF4-FFF2-40B4-BE49-F238E27FC236}">
-                <a16:creationId xmlns:a16="http://schemas.microsoft.com/office/drawing/2014/main" id="{D0A87462-2C12-441C-9615-1D1A6FD668B7}"/>
-              </a:ext>
-            </a:extLst>
-          </p:cNvPr>
-          <p:cNvCxnSpPr>
-            <a:cxnSpLocks/>
-            <a:stCxn id="2" idx="3"/>
-          </p:cNvCxnSpPr>
-          <p:nvPr/>
-        </p:nvCxnSpPr>
-        <p:spPr>
-          <a:xfrm>
-            <a:off x="4311543" y="4563533"/>
-            <a:ext cx="1327257" cy="55657"/>
-          </a:xfrm>
-          <a:prstGeom prst="straightConnector1">
-            <a:avLst/>
-          </a:prstGeom>
-          <a:ln w="12700">
-            <a:solidFill>
-              <a:srgbClr val="00B050"/>
-            </a:solidFill>
-            <a:tailEnd type="oval"/>
-          </a:ln>
-        </p:spPr>
-        <p:style>
-          <a:lnRef idx="1">
-            <a:schemeClr val="accent1"/>
-          </a:lnRef>
-          <a:fillRef idx="0">
-            <a:schemeClr val="accent1"/>
-          </a:fillRef>
-          <a:effectRef idx="0">
-            <a:schemeClr val="accent1"/>
-          </a:effectRef>
-          <a:fontRef idx="minor">
-            <a:schemeClr val="tx1"/>
-          </a:fontRef>
-        </p:style>
-      </p:cxnSp>
-    </p:spTree>
-    <p:extLst>
-      <p:ext uri="{BB962C8B-B14F-4D97-AF65-F5344CB8AC3E}">
-        <p14:creationId xmlns:p14="http://schemas.microsoft.com/office/powerpoint/2010/main" val="3067681443"/>
-      </p:ext>
-    </p:extLst>
-  </p:cSld>
-  <p:clrMapOvr>
-    <a:masterClrMapping/>
-  </p:clrMapOvr>
-</p:sld>
-</file>
-
-<file path=ppt/slides/slide13.xml><?xml version="1.0" encoding="utf-8"?>
-<p:sld xmlns:a="http://schemas.openxmlformats.org/drawingml/2006/main" xmlns:r="http://schemas.openxmlformats.org/officeDocument/2006/relationships" xmlns:p="http://schemas.openxmlformats.org/presentationml/2006/main">
-  <p:cSld>
-    <p:spTree>
-      <p:nvGrpSpPr>
-        <p:cNvPr id="1" name=""/>
-        <p:cNvGrpSpPr/>
-        <p:nvPr/>
-      </p:nvGrpSpPr>
-      <p:grpSpPr>
-        <a:xfrm>
-          <a:off x="0" y="0"/>
-          <a:ext cx="0" cy="0"/>
-          <a:chOff x="0" y="0"/>
-          <a:chExt cx="0" cy="0"/>
-        </a:xfrm>
-      </p:grpSpPr>
-      <p:pic>
-        <p:nvPicPr>
-          <p:cNvPr id="5" name="図 4">
-            <a:extLst>
-              <a:ext uri="{FF2B5EF4-FFF2-40B4-BE49-F238E27FC236}">
-                <a16:creationId xmlns:a16="http://schemas.microsoft.com/office/drawing/2014/main" id="{8546E02F-F51B-4820-9C6D-6D66B6EE203B}"/>
-              </a:ext>
-            </a:extLst>
-          </p:cNvPr>
-          <p:cNvPicPr>
-            <a:picLocks noChangeAspect="1"/>
-          </p:cNvPicPr>
-          <p:nvPr/>
-        </p:nvPicPr>
-        <p:blipFill>
-          <a:blip r:embed="rId2"/>
-          <a:stretch>
-            <a:fillRect/>
-          </a:stretch>
-        </p:blipFill>
-        <p:spPr>
-          <a:xfrm>
-            <a:off x="1634067" y="806627"/>
-            <a:ext cx="7200000" cy="5190545"/>
-          </a:xfrm>
-          <a:prstGeom prst="rect">
-            <a:avLst/>
-          </a:prstGeom>
-        </p:spPr>
-      </p:pic>
-      <p:sp>
-        <p:nvSpPr>
-          <p:cNvPr id="2" name="テキスト ボックス 1">
-            <a:extLst>
-              <a:ext uri="{FF2B5EF4-FFF2-40B4-BE49-F238E27FC236}">
-                <a16:creationId xmlns:a16="http://schemas.microsoft.com/office/drawing/2014/main" id="{E5A57308-7D92-4B7F-8F11-165EBADF287E}"/>
-              </a:ext>
-            </a:extLst>
-          </p:cNvPr>
-          <p:cNvSpPr txBox="1"/>
-          <p:nvPr/>
-        </p:nvSpPr>
-        <p:spPr>
-          <a:xfrm>
-            <a:off x="3395134" y="2192866"/>
-            <a:ext cx="3022600" cy="606381"/>
-          </a:xfrm>
-          <a:prstGeom prst="rect">
-            <a:avLst/>
-          </a:prstGeom>
-          <a:solidFill>
-            <a:schemeClr val="accent5">
-              <a:lumMod val="40000"/>
-              <a:lumOff val="60000"/>
-            </a:schemeClr>
-          </a:solidFill>
-          <a:ln>
-            <a:solidFill>
-              <a:schemeClr val="tx1"/>
-            </a:solidFill>
-          </a:ln>
-        </p:spPr>
-        <p:txBody>
-          <a:bodyPr wrap="square" rtlCol="0">
-            <a:noAutofit/>
-          </a:bodyPr>
-          <a:lstStyle/>
-          <a:p>
-            <a:r>
-              <a:rPr lang="en-US" altLang="ja-JP" sz="1000" dirty="0">
-                <a:latin typeface="ＭＳ Ｐゴシック" panose="020B0600070205080204" pitchFamily="50" charset="-128"/>
-                <a:ea typeface="ＭＳ Ｐゴシック" panose="020B0600070205080204" pitchFamily="50" charset="-128"/>
-                <a:cs typeface="Arial" panose="020B0604020202020204" pitchFamily="34" charset="0"/>
-              </a:rPr>
-              <a:t>Input: </a:t>
-            </a:r>
-          </a:p>
-          <a:p>
-            <a:r>
-              <a:rPr lang="en-US" altLang="ja-JP" sz="1000" dirty="0">
-                <a:latin typeface="ＭＳ Ｐゴシック" panose="020B0600070205080204" pitchFamily="50" charset="-128"/>
-                <a:ea typeface="ＭＳ Ｐゴシック" panose="020B0600070205080204" pitchFamily="50" charset="-128"/>
-                <a:cs typeface="Arial" panose="020B0604020202020204" pitchFamily="34" charset="0"/>
-              </a:rPr>
-              <a:t>-. </a:t>
-            </a:r>
-            <a:r>
-              <a:rPr lang="en-US" altLang="ja-JP" sz="1000" dirty="0" err="1">
-                <a:latin typeface="ＭＳ Ｐゴシック" panose="020B0600070205080204" pitchFamily="50" charset="-128"/>
-                <a:ea typeface="ＭＳ Ｐゴシック" panose="020B0600070205080204" pitchFamily="50" charset="-128"/>
-                <a:cs typeface="Arial" panose="020B0604020202020204" pitchFamily="34" charset="0"/>
-              </a:rPr>
-              <a:t>Beelean</a:t>
-            </a:r>
-            <a:r>
-              <a:rPr lang="en-US" altLang="ja-JP" sz="1000" dirty="0">
-                <a:latin typeface="ＭＳ Ｐゴシック" panose="020B0600070205080204" pitchFamily="50" charset="-128"/>
-                <a:ea typeface="ＭＳ Ｐゴシック" panose="020B0600070205080204" pitchFamily="50" charset="-128"/>
-                <a:cs typeface="Arial" panose="020B0604020202020204" pitchFamily="34" charset="0"/>
-              </a:rPr>
-              <a:t> signal which represent </a:t>
-            </a:r>
-            <a:r>
-              <a:rPr lang="en-US" altLang="ja-JP" sz="1000" dirty="0" err="1">
-                <a:latin typeface="ＭＳ Ｐゴシック" panose="020B0600070205080204" pitchFamily="50" charset="-128"/>
-                <a:ea typeface="ＭＳ Ｐゴシック" panose="020B0600070205080204" pitchFamily="50" charset="-128"/>
-                <a:cs typeface="Arial" panose="020B0604020202020204" pitchFamily="34" charset="0"/>
-              </a:rPr>
-              <a:t>keybord</a:t>
-            </a:r>
-            <a:r>
-              <a:rPr lang="en-US" altLang="ja-JP" sz="1000" dirty="0">
-                <a:latin typeface="ＭＳ Ｐゴシック" panose="020B0600070205080204" pitchFamily="50" charset="-128"/>
-                <a:ea typeface="ＭＳ Ｐゴシック" panose="020B0600070205080204" pitchFamily="50" charset="-128"/>
-                <a:cs typeface="Arial" panose="020B0604020202020204" pitchFamily="34" charset="0"/>
-              </a:rPr>
-              <a:t> </a:t>
-            </a:r>
-            <a:r>
-              <a:rPr lang="en-US" altLang="ja-JP" sz="1000" dirty="0" err="1">
-                <a:latin typeface="ＭＳ Ｐゴシック" panose="020B0600070205080204" pitchFamily="50" charset="-128"/>
-                <a:ea typeface="ＭＳ Ｐゴシック" panose="020B0600070205080204" pitchFamily="50" charset="-128"/>
-                <a:cs typeface="Arial" panose="020B0604020202020204" pitchFamily="34" charset="0"/>
-              </a:rPr>
-              <a:t>inout</a:t>
-            </a:r>
-            <a:r>
-              <a:rPr lang="en-US" altLang="ja-JP" sz="1000" dirty="0">
-                <a:latin typeface="ＭＳ Ｐゴシック" panose="020B0600070205080204" pitchFamily="50" charset="-128"/>
-                <a:ea typeface="ＭＳ Ｐゴシック" panose="020B0600070205080204" pitchFamily="50" charset="-128"/>
-                <a:cs typeface="Arial" panose="020B0604020202020204" pitchFamily="34" charset="0"/>
-              </a:rPr>
-              <a:t>.</a:t>
-            </a:r>
-          </a:p>
-          <a:p>
-            <a:r>
-              <a:rPr lang="en-US" altLang="ja-JP" sz="1000" dirty="0">
-                <a:latin typeface="ＭＳ Ｐゴシック" panose="020B0600070205080204" pitchFamily="50" charset="-128"/>
-                <a:ea typeface="ＭＳ Ｐゴシック" panose="020B0600070205080204" pitchFamily="50" charset="-128"/>
-                <a:cs typeface="Arial" panose="020B0604020202020204" pitchFamily="34" charset="0"/>
-              </a:rPr>
-              <a:t>-.”1” </a:t>
-            </a:r>
-            <a:r>
-              <a:rPr lang="en-US" altLang="ja-JP" sz="1000" dirty="0" err="1">
-                <a:latin typeface="ＭＳ Ｐゴシック" panose="020B0600070205080204" pitchFamily="50" charset="-128"/>
-                <a:ea typeface="ＭＳ Ｐゴシック" panose="020B0600070205080204" pitchFamily="50" charset="-128"/>
-                <a:cs typeface="Arial" panose="020B0604020202020204" pitchFamily="34" charset="0"/>
-              </a:rPr>
-              <a:t>represenets</a:t>
-            </a:r>
-            <a:r>
-              <a:rPr lang="en-US" altLang="ja-JP" sz="1000" dirty="0">
-                <a:latin typeface="ＭＳ Ｐゴシック" panose="020B0600070205080204" pitchFamily="50" charset="-128"/>
-                <a:ea typeface="ＭＳ Ｐゴシック" panose="020B0600070205080204" pitchFamily="50" charset="-128"/>
-                <a:cs typeface="Arial" panose="020B0604020202020204" pitchFamily="34" charset="0"/>
-              </a:rPr>
-              <a:t> “pressed”.</a:t>
-            </a:r>
-            <a:endParaRPr lang="ja-JP" altLang="en-US" sz="1000" dirty="0">
-              <a:latin typeface="ＭＳ Ｐゴシック" panose="020B0600070205080204" pitchFamily="50" charset="-128"/>
-              <a:ea typeface="ＭＳ Ｐゴシック" panose="020B0600070205080204" pitchFamily="50" charset="-128"/>
-              <a:cs typeface="Arial" panose="020B0604020202020204" pitchFamily="34" charset="0"/>
-            </a:endParaRPr>
-          </a:p>
-        </p:txBody>
-      </p:sp>
-      <p:cxnSp>
-        <p:nvCxnSpPr>
-          <p:cNvPr id="3" name="直線矢印コネクタ 2">
-            <a:extLst>
-              <a:ext uri="{FF2B5EF4-FFF2-40B4-BE49-F238E27FC236}">
-                <a16:creationId xmlns:a16="http://schemas.microsoft.com/office/drawing/2014/main" id="{6CDD3FD3-EA9A-419D-BE0B-18CA2F449451}"/>
-              </a:ext>
-            </a:extLst>
-          </p:cNvPr>
-          <p:cNvCxnSpPr>
-            <a:cxnSpLocks/>
-            <a:stCxn id="2" idx="2"/>
-          </p:cNvCxnSpPr>
-          <p:nvPr/>
-        </p:nvCxnSpPr>
-        <p:spPr>
-          <a:xfrm flipH="1">
-            <a:off x="4546602" y="2799247"/>
-            <a:ext cx="359832" cy="431802"/>
-          </a:xfrm>
-          <a:prstGeom prst="straightConnector1">
-            <a:avLst/>
-          </a:prstGeom>
-          <a:ln w="12700">
-            <a:solidFill>
-              <a:schemeClr val="tx1"/>
-            </a:solidFill>
-            <a:tailEnd type="oval"/>
-          </a:ln>
-        </p:spPr>
-        <p:style>
-          <a:lnRef idx="1">
-            <a:schemeClr val="accent1"/>
-          </a:lnRef>
-          <a:fillRef idx="0">
-            <a:schemeClr val="accent1"/>
-          </a:fillRef>
-          <a:effectRef idx="0">
-            <a:schemeClr val="accent1"/>
-          </a:effectRef>
-          <a:fontRef idx="minor">
-            <a:schemeClr val="tx1"/>
-          </a:fontRef>
-        </p:style>
-      </p:cxnSp>
-    </p:spTree>
-    <p:extLst>
-      <p:ext uri="{BB962C8B-B14F-4D97-AF65-F5344CB8AC3E}">
-        <p14:creationId xmlns:p14="http://schemas.microsoft.com/office/powerpoint/2010/main" val="1158421010"/>
-      </p:ext>
-    </p:extLst>
-  </p:cSld>
-  <p:clrMapOvr>
-    <a:masterClrMapping/>
-  </p:clrMapOvr>
-</p:sld>
-</file>
-
-<file path=ppt/slides/slide14.xml><?xml version="1.0" encoding="utf-8"?>
-<p:sld xmlns:a="http://schemas.openxmlformats.org/drawingml/2006/main" xmlns:r="http://schemas.openxmlformats.org/officeDocument/2006/relationships" xmlns:p="http://schemas.openxmlformats.org/presentationml/2006/main">
-  <p:cSld>
-    <p:spTree>
-      <p:nvGrpSpPr>
-        <p:cNvPr id="1" name=""/>
-        <p:cNvGrpSpPr/>
-        <p:nvPr/>
-      </p:nvGrpSpPr>
-      <p:grpSpPr>
-        <a:xfrm>
-          <a:off x="0" y="0"/>
-          <a:ext cx="0" cy="0"/>
-          <a:chOff x="0" y="0"/>
-          <a:chExt cx="0" cy="0"/>
-        </a:xfrm>
-      </p:grpSpPr>
-      <p:pic>
-        <p:nvPicPr>
-          <p:cNvPr id="8" name="図 7">
-            <a:extLst>
-              <a:ext uri="{FF2B5EF4-FFF2-40B4-BE49-F238E27FC236}">
-                <a16:creationId xmlns:a16="http://schemas.microsoft.com/office/drawing/2014/main" id="{65EB5082-8F2F-4976-B31C-ED8041417528}"/>
-              </a:ext>
-            </a:extLst>
-          </p:cNvPr>
-          <p:cNvPicPr>
-            <a:picLocks noChangeAspect="1"/>
-          </p:cNvPicPr>
-          <p:nvPr/>
-        </p:nvPicPr>
-        <p:blipFill>
-          <a:blip r:embed="rId2"/>
-          <a:stretch>
-            <a:fillRect/>
-          </a:stretch>
-        </p:blipFill>
-        <p:spPr>
-          <a:xfrm>
-            <a:off x="1176867" y="866593"/>
-            <a:ext cx="7200000" cy="5175614"/>
-          </a:xfrm>
-          <a:prstGeom prst="rect">
-            <a:avLst/>
-          </a:prstGeom>
-        </p:spPr>
-      </p:pic>
-      <p:sp>
-        <p:nvSpPr>
-          <p:cNvPr id="2" name="テキスト ボックス 1">
-            <a:extLst>
-              <a:ext uri="{FF2B5EF4-FFF2-40B4-BE49-F238E27FC236}">
-                <a16:creationId xmlns:a16="http://schemas.microsoft.com/office/drawing/2014/main" id="{96BF0647-9E76-465A-8F46-16956D691E18}"/>
-              </a:ext>
-            </a:extLst>
-          </p:cNvPr>
-          <p:cNvSpPr txBox="1"/>
-          <p:nvPr/>
-        </p:nvSpPr>
-        <p:spPr>
-          <a:xfrm>
-            <a:off x="4710480" y="3581400"/>
-            <a:ext cx="2985720" cy="1549400"/>
-          </a:xfrm>
-          <a:prstGeom prst="rect">
-            <a:avLst/>
-          </a:prstGeom>
-          <a:solidFill>
-            <a:srgbClr val="FFFF00"/>
-          </a:solidFill>
-          <a:ln>
-            <a:solidFill>
-              <a:schemeClr val="tx1"/>
-            </a:solidFill>
-          </a:ln>
-        </p:spPr>
-        <p:txBody>
-          <a:bodyPr wrap="square" rtlCol="0">
-            <a:noAutofit/>
-          </a:bodyPr>
-          <a:lstStyle/>
-          <a:p>
-            <a:r>
-              <a:rPr lang="en-US" altLang="ja-JP" sz="1000" dirty="0">
-                <a:latin typeface="ＭＳ Ｐゴシック" panose="020B0600070205080204" pitchFamily="50" charset="-128"/>
-                <a:ea typeface="ＭＳ Ｐゴシック" panose="020B0600070205080204" pitchFamily="50" charset="-128"/>
-                <a:cs typeface="Arial" panose="020B0604020202020204" pitchFamily="34" charset="0"/>
-              </a:rPr>
-              <a:t>Output: </a:t>
-            </a:r>
-          </a:p>
-          <a:p>
-            <a:r>
-              <a:rPr lang="en-US" altLang="ja-JP" sz="1000" dirty="0">
-                <a:latin typeface="ＭＳ Ｐゴシック" panose="020B0600070205080204" pitchFamily="50" charset="-128"/>
-                <a:ea typeface="ＭＳ Ｐゴシック" panose="020B0600070205080204" pitchFamily="50" charset="-128"/>
-                <a:cs typeface="Arial" panose="020B0604020202020204" pitchFamily="34" charset="0"/>
-              </a:rPr>
-              <a:t>-. accumulated signal.</a:t>
-            </a:r>
-          </a:p>
-          <a:p>
-            <a:r>
-              <a:rPr lang="en-US" altLang="ja-JP" sz="1000" dirty="0">
-                <a:latin typeface="ＭＳ Ｐゴシック" panose="020B0600070205080204" pitchFamily="50" charset="-128"/>
-                <a:ea typeface="ＭＳ Ｐゴシック" panose="020B0600070205080204" pitchFamily="50" charset="-128"/>
-                <a:cs typeface="Arial" panose="020B0604020202020204" pitchFamily="34" charset="0"/>
-              </a:rPr>
-              <a:t>-. Output signal increases as keyboard is pressed. </a:t>
-            </a:r>
-          </a:p>
-          <a:p>
-            <a:r>
-              <a:rPr lang="en-US" altLang="ja-JP" sz="1000" dirty="0">
-                <a:latin typeface="ＭＳ Ｐゴシック" panose="020B0600070205080204" pitchFamily="50" charset="-128"/>
-                <a:ea typeface="ＭＳ Ｐゴシック" panose="020B0600070205080204" pitchFamily="50" charset="-128"/>
-                <a:cs typeface="Arial" panose="020B0604020202020204" pitchFamily="34" charset="0"/>
-              </a:rPr>
-              <a:t>-. How long the key is pressed does NOT affect on output signal.</a:t>
-            </a:r>
-          </a:p>
-          <a:p>
-            <a:r>
-              <a:rPr lang="en-US" altLang="ja-JP" sz="1000" dirty="0">
-                <a:latin typeface="ＭＳ Ｐゴシック" panose="020B0600070205080204" pitchFamily="50" charset="-128"/>
-                <a:ea typeface="ＭＳ Ｐゴシック" panose="020B0600070205080204" pitchFamily="50" charset="-128"/>
-                <a:cs typeface="Arial" panose="020B0604020202020204" pitchFamily="34" charset="0"/>
-              </a:rPr>
-              <a:t>-. Output signal value began with 2 as set via parameter.</a:t>
-            </a:r>
-          </a:p>
-          <a:p>
-            <a:r>
-              <a:rPr lang="en-US" altLang="ja-JP" sz="1000" dirty="0">
-                <a:latin typeface="ＭＳ Ｐゴシック" panose="020B0600070205080204" pitchFamily="50" charset="-128"/>
-                <a:ea typeface="ＭＳ Ｐゴシック" panose="020B0600070205080204" pitchFamily="50" charset="-128"/>
-                <a:cs typeface="Arial" panose="020B0604020202020204" pitchFamily="34" charset="0"/>
-              </a:rPr>
-              <a:t>-. Increments of output signal is 10 because scale factor is set 10.</a:t>
-            </a:r>
-          </a:p>
-        </p:txBody>
-      </p:sp>
-      <p:cxnSp>
-        <p:nvCxnSpPr>
-          <p:cNvPr id="3" name="直線矢印コネクタ 2">
-            <a:extLst>
-              <a:ext uri="{FF2B5EF4-FFF2-40B4-BE49-F238E27FC236}">
-                <a16:creationId xmlns:a16="http://schemas.microsoft.com/office/drawing/2014/main" id="{23309BF6-9F33-4F4D-A689-F6940D7001EF}"/>
-              </a:ext>
-            </a:extLst>
-          </p:cNvPr>
-          <p:cNvCxnSpPr>
-            <a:cxnSpLocks/>
-            <a:stCxn id="2" idx="1"/>
-          </p:cNvCxnSpPr>
-          <p:nvPr/>
-        </p:nvCxnSpPr>
-        <p:spPr>
-          <a:xfrm flipH="1" flipV="1">
-            <a:off x="4284133" y="3454400"/>
-            <a:ext cx="426347" cy="901700"/>
-          </a:xfrm>
-          <a:prstGeom prst="straightConnector1">
-            <a:avLst/>
-          </a:prstGeom>
-          <a:ln w="12700">
-            <a:solidFill>
-              <a:schemeClr val="tx1"/>
-            </a:solidFill>
-            <a:tailEnd type="oval"/>
-          </a:ln>
-        </p:spPr>
-        <p:style>
-          <a:lnRef idx="1">
-            <a:schemeClr val="accent1"/>
-          </a:lnRef>
-          <a:fillRef idx="0">
-            <a:schemeClr val="accent1"/>
-          </a:fillRef>
-          <a:effectRef idx="0">
-            <a:schemeClr val="accent1"/>
-          </a:effectRef>
-          <a:fontRef idx="minor">
-            <a:schemeClr val="tx1"/>
-          </a:fontRef>
-        </p:style>
-      </p:cxnSp>
-    </p:spTree>
-    <p:extLst>
-      <p:ext uri="{BB962C8B-B14F-4D97-AF65-F5344CB8AC3E}">
-        <p14:creationId xmlns:p14="http://schemas.microsoft.com/office/powerpoint/2010/main" val="2964842567"/>
-      </p:ext>
-    </p:extLst>
-  </p:cSld>
-  <p:clrMapOvr>
-    <a:masterClrMapping/>
-  </p:clrMapOvr>
-</p:sld>
-</file>
-
-<file path=ppt/slides/slide15.xml><?xml version="1.0" encoding="utf-8"?>
-<p:sld xmlns:a="http://schemas.openxmlformats.org/drawingml/2006/main" xmlns:r="http://schemas.openxmlformats.org/officeDocument/2006/relationships" xmlns:p="http://schemas.openxmlformats.org/presentationml/2006/main">
-  <p:cSld>
-    <p:spTree>
-      <p:nvGrpSpPr>
-        <p:cNvPr id="1" name=""/>
-        <p:cNvGrpSpPr/>
-        <p:nvPr/>
-      </p:nvGrpSpPr>
-      <p:grpSpPr>
-        <a:xfrm>
-          <a:off x="0" y="0"/>
-          <a:ext cx="0" cy="0"/>
-          <a:chOff x="0" y="0"/>
-          <a:chExt cx="0" cy="0"/>
-        </a:xfrm>
-      </p:grpSpPr>
-    </p:spTree>
-    <p:extLst>
-      <p:ext uri="{BB962C8B-B14F-4D97-AF65-F5344CB8AC3E}">
-        <p14:creationId xmlns:p14="http://schemas.microsoft.com/office/powerpoint/2010/main" val="3689192767"/>
-      </p:ext>
-    </p:extLst>
-  </p:cSld>
-  <p:clrMapOvr>
-    <a:masterClrMapping/>
-  </p:clrMapOvr>
-</p:sld>
-</file>
-
-<file path=ppt/slides/slide16.xml><?xml version="1.0" encoding="utf-8"?>
-<p:sld xmlns:a="http://schemas.openxmlformats.org/drawingml/2006/main" xmlns:r="http://schemas.openxmlformats.org/officeDocument/2006/relationships" xmlns:p="http://schemas.openxmlformats.org/presentationml/2006/main">
-  <p:cSld>
-    <p:spTree>
-      <p:nvGrpSpPr>
-        <p:cNvPr id="1" name=""/>
-        <p:cNvGrpSpPr/>
-        <p:nvPr/>
-      </p:nvGrpSpPr>
-      <p:grpSpPr>
-        <a:xfrm>
-          <a:off x="0" y="0"/>
-          <a:ext cx="0" cy="0"/>
-          <a:chOff x="0" y="0"/>
-          <a:chExt cx="0" cy="0"/>
-        </a:xfrm>
-      </p:grpSpPr>
-    </p:spTree>
-    <p:extLst>
-      <p:ext uri="{BB962C8B-B14F-4D97-AF65-F5344CB8AC3E}">
-        <p14:creationId xmlns:p14="http://schemas.microsoft.com/office/powerpoint/2010/main" val="947584466"/>
-      </p:ext>
-    </p:extLst>
-  </p:cSld>
-  <p:clrMapOvr>
-    <a:masterClrMapping/>
-  </p:clrMapOvr>
-</p:sld>
-</file>
-
-<file path=ppt/slides/slide17.xml><?xml version="1.0" encoding="utf-8"?>
-<p:sld xmlns:a="http://schemas.openxmlformats.org/drawingml/2006/main" xmlns:r="http://schemas.openxmlformats.org/officeDocument/2006/relationships" xmlns:p="http://schemas.openxmlformats.org/presentationml/2006/main">
-  <p:cSld>
-    <p:spTree>
-      <p:nvGrpSpPr>
-        <p:cNvPr id="1" name=""/>
-        <p:cNvGrpSpPr/>
-        <p:nvPr/>
-      </p:nvGrpSpPr>
-      <p:grpSpPr>
-        <a:xfrm>
-          <a:off x="0" y="0"/>
-          <a:ext cx="0" cy="0"/>
-          <a:chOff x="0" y="0"/>
-          <a:chExt cx="0" cy="0"/>
-        </a:xfrm>
-      </p:grpSpPr>
-    </p:spTree>
-    <p:extLst>
-      <p:ext uri="{BB962C8B-B14F-4D97-AF65-F5344CB8AC3E}">
-        <p14:creationId xmlns:p14="http://schemas.microsoft.com/office/powerpoint/2010/main" val="4053309543"/>
-      </p:ext>
-    </p:extLst>
-  </p:cSld>
-  <p:clrMapOvr>
-    <a:masterClrMapping/>
-  </p:clrMapOvr>
-</p:sld>
-</file>
-
-<file path=ppt/slides/slide18.xml><?xml version="1.0" encoding="utf-8"?>
-<p:sld xmlns:a="http://schemas.openxmlformats.org/drawingml/2006/main" xmlns:r="http://schemas.openxmlformats.org/officeDocument/2006/relationships" xmlns:p="http://schemas.openxmlformats.org/presentationml/2006/main">
-  <p:cSld>
-    <p:spTree>
-      <p:nvGrpSpPr>
-        <p:cNvPr id="1" name=""/>
-        <p:cNvGrpSpPr/>
-        <p:nvPr/>
-      </p:nvGrpSpPr>
-      <p:grpSpPr>
-        <a:xfrm>
-          <a:off x="0" y="0"/>
-          <a:ext cx="0" cy="0"/>
-          <a:chOff x="0" y="0"/>
-          <a:chExt cx="0" cy="0"/>
-        </a:xfrm>
-      </p:grpSpPr>
     </p:spTree>
     <p:extLst>
       <p:ext uri="{BB962C8B-B14F-4D97-AF65-F5344CB8AC3E}">
@@ -3957,6 +2483,246 @@
 </p:sld>
 </file>
 
+<file path=ppt/slides/slide11.xml><?xml version="1.0" encoding="utf-8"?>
+<p:sld xmlns:a="http://schemas.openxmlformats.org/drawingml/2006/main" xmlns:r="http://schemas.openxmlformats.org/officeDocument/2006/relationships" xmlns:p="http://schemas.openxmlformats.org/presentationml/2006/main">
+  <p:cSld>
+    <p:spTree>
+      <p:nvGrpSpPr>
+        <p:cNvPr id="1" name=""/>
+        <p:cNvGrpSpPr/>
+        <p:nvPr/>
+      </p:nvGrpSpPr>
+      <p:grpSpPr>
+        <a:xfrm>
+          <a:off x="0" y="0"/>
+          <a:ext cx="0" cy="0"/>
+          <a:chOff x="0" y="0"/>
+          <a:chExt cx="0" cy="0"/>
+        </a:xfrm>
+      </p:grpSpPr>
+    </p:spTree>
+    <p:extLst>
+      <p:ext uri="{BB962C8B-B14F-4D97-AF65-F5344CB8AC3E}">
+        <p14:creationId xmlns:p14="http://schemas.microsoft.com/office/powerpoint/2010/main" val="578256931"/>
+      </p:ext>
+    </p:extLst>
+  </p:cSld>
+  <p:clrMapOvr>
+    <a:masterClrMapping/>
+  </p:clrMapOvr>
+</p:sld>
+</file>
+
+<file path=ppt/slides/slide12.xml><?xml version="1.0" encoding="utf-8"?>
+<p:sld xmlns:a="http://schemas.openxmlformats.org/drawingml/2006/main" xmlns:r="http://schemas.openxmlformats.org/officeDocument/2006/relationships" xmlns:p="http://schemas.openxmlformats.org/presentationml/2006/main">
+  <p:cSld>
+    <p:spTree>
+      <p:nvGrpSpPr>
+        <p:cNvPr id="1" name=""/>
+        <p:cNvGrpSpPr/>
+        <p:nvPr/>
+      </p:nvGrpSpPr>
+      <p:grpSpPr>
+        <a:xfrm>
+          <a:off x="0" y="0"/>
+          <a:ext cx="0" cy="0"/>
+          <a:chOff x="0" y="0"/>
+          <a:chExt cx="0" cy="0"/>
+        </a:xfrm>
+      </p:grpSpPr>
+    </p:spTree>
+    <p:extLst>
+      <p:ext uri="{BB962C8B-B14F-4D97-AF65-F5344CB8AC3E}">
+        <p14:creationId xmlns:p14="http://schemas.microsoft.com/office/powerpoint/2010/main" val="1427263830"/>
+      </p:ext>
+    </p:extLst>
+  </p:cSld>
+  <p:clrMapOvr>
+    <a:masterClrMapping/>
+  </p:clrMapOvr>
+</p:sld>
+</file>
+
+<file path=ppt/slides/slide13.xml><?xml version="1.0" encoding="utf-8"?>
+<p:sld xmlns:a="http://schemas.openxmlformats.org/drawingml/2006/main" xmlns:r="http://schemas.openxmlformats.org/officeDocument/2006/relationships" xmlns:p="http://schemas.openxmlformats.org/presentationml/2006/main">
+  <p:cSld>
+    <p:spTree>
+      <p:nvGrpSpPr>
+        <p:cNvPr id="1" name=""/>
+        <p:cNvGrpSpPr/>
+        <p:nvPr/>
+      </p:nvGrpSpPr>
+      <p:grpSpPr>
+        <a:xfrm>
+          <a:off x="0" y="0"/>
+          <a:ext cx="0" cy="0"/>
+          <a:chOff x="0" y="0"/>
+          <a:chExt cx="0" cy="0"/>
+        </a:xfrm>
+      </p:grpSpPr>
+    </p:spTree>
+    <p:extLst>
+      <p:ext uri="{BB962C8B-B14F-4D97-AF65-F5344CB8AC3E}">
+        <p14:creationId xmlns:p14="http://schemas.microsoft.com/office/powerpoint/2010/main" val="1807045153"/>
+      </p:ext>
+    </p:extLst>
+  </p:cSld>
+  <p:clrMapOvr>
+    <a:masterClrMapping/>
+  </p:clrMapOvr>
+</p:sld>
+</file>
+
+<file path=ppt/slides/slide14.xml><?xml version="1.0" encoding="utf-8"?>
+<p:sld xmlns:a="http://schemas.openxmlformats.org/drawingml/2006/main" xmlns:r="http://schemas.openxmlformats.org/officeDocument/2006/relationships" xmlns:p="http://schemas.openxmlformats.org/presentationml/2006/main">
+  <p:cSld>
+    <p:spTree>
+      <p:nvGrpSpPr>
+        <p:cNvPr id="1" name=""/>
+        <p:cNvGrpSpPr/>
+        <p:nvPr/>
+      </p:nvGrpSpPr>
+      <p:grpSpPr>
+        <a:xfrm>
+          <a:off x="0" y="0"/>
+          <a:ext cx="0" cy="0"/>
+          <a:chOff x="0" y="0"/>
+          <a:chExt cx="0" cy="0"/>
+        </a:xfrm>
+      </p:grpSpPr>
+    </p:spTree>
+    <p:extLst>
+      <p:ext uri="{BB962C8B-B14F-4D97-AF65-F5344CB8AC3E}">
+        <p14:creationId xmlns:p14="http://schemas.microsoft.com/office/powerpoint/2010/main" val="2495181768"/>
+      </p:ext>
+    </p:extLst>
+  </p:cSld>
+  <p:clrMapOvr>
+    <a:masterClrMapping/>
+  </p:clrMapOvr>
+</p:sld>
+</file>
+
+<file path=ppt/slides/slide15.xml><?xml version="1.0" encoding="utf-8"?>
+<p:sld xmlns:a="http://schemas.openxmlformats.org/drawingml/2006/main" xmlns:r="http://schemas.openxmlformats.org/officeDocument/2006/relationships" xmlns:p="http://schemas.openxmlformats.org/presentationml/2006/main">
+  <p:cSld>
+    <p:spTree>
+      <p:nvGrpSpPr>
+        <p:cNvPr id="1" name=""/>
+        <p:cNvGrpSpPr/>
+        <p:nvPr/>
+      </p:nvGrpSpPr>
+      <p:grpSpPr>
+        <a:xfrm>
+          <a:off x="0" y="0"/>
+          <a:ext cx="0" cy="0"/>
+          <a:chOff x="0" y="0"/>
+          <a:chExt cx="0" cy="0"/>
+        </a:xfrm>
+      </p:grpSpPr>
+    </p:spTree>
+    <p:extLst>
+      <p:ext uri="{BB962C8B-B14F-4D97-AF65-F5344CB8AC3E}">
+        <p14:creationId xmlns:p14="http://schemas.microsoft.com/office/powerpoint/2010/main" val="1826685053"/>
+      </p:ext>
+    </p:extLst>
+  </p:cSld>
+  <p:clrMapOvr>
+    <a:masterClrMapping/>
+  </p:clrMapOvr>
+</p:sld>
+</file>
+
+<file path=ppt/slides/slide16.xml><?xml version="1.0" encoding="utf-8"?>
+<p:sld xmlns:a="http://schemas.openxmlformats.org/drawingml/2006/main" xmlns:r="http://schemas.openxmlformats.org/officeDocument/2006/relationships" xmlns:p="http://schemas.openxmlformats.org/presentationml/2006/main">
+  <p:cSld>
+    <p:spTree>
+      <p:nvGrpSpPr>
+        <p:cNvPr id="1" name=""/>
+        <p:cNvGrpSpPr/>
+        <p:nvPr/>
+      </p:nvGrpSpPr>
+      <p:grpSpPr>
+        <a:xfrm>
+          <a:off x="0" y="0"/>
+          <a:ext cx="0" cy="0"/>
+          <a:chOff x="0" y="0"/>
+          <a:chExt cx="0" cy="0"/>
+        </a:xfrm>
+      </p:grpSpPr>
+    </p:spTree>
+    <p:extLst>
+      <p:ext uri="{BB962C8B-B14F-4D97-AF65-F5344CB8AC3E}">
+        <p14:creationId xmlns:p14="http://schemas.microsoft.com/office/powerpoint/2010/main" val="2244811655"/>
+      </p:ext>
+    </p:extLst>
+  </p:cSld>
+  <p:clrMapOvr>
+    <a:masterClrMapping/>
+  </p:clrMapOvr>
+</p:sld>
+</file>
+
+<file path=ppt/slides/slide17.xml><?xml version="1.0" encoding="utf-8"?>
+<p:sld xmlns:a="http://schemas.openxmlformats.org/drawingml/2006/main" xmlns:r="http://schemas.openxmlformats.org/officeDocument/2006/relationships" xmlns:p="http://schemas.openxmlformats.org/presentationml/2006/main">
+  <p:cSld>
+    <p:spTree>
+      <p:nvGrpSpPr>
+        <p:cNvPr id="1" name=""/>
+        <p:cNvGrpSpPr/>
+        <p:nvPr/>
+      </p:nvGrpSpPr>
+      <p:grpSpPr>
+        <a:xfrm>
+          <a:off x="0" y="0"/>
+          <a:ext cx="0" cy="0"/>
+          <a:chOff x="0" y="0"/>
+          <a:chExt cx="0" cy="0"/>
+        </a:xfrm>
+      </p:grpSpPr>
+    </p:spTree>
+    <p:extLst>
+      <p:ext uri="{BB962C8B-B14F-4D97-AF65-F5344CB8AC3E}">
+        <p14:creationId xmlns:p14="http://schemas.microsoft.com/office/powerpoint/2010/main" val="1901648300"/>
+      </p:ext>
+    </p:extLst>
+  </p:cSld>
+  <p:clrMapOvr>
+    <a:masterClrMapping/>
+  </p:clrMapOvr>
+</p:sld>
+</file>
+
+<file path=ppt/slides/slide18.xml><?xml version="1.0" encoding="utf-8"?>
+<p:sld xmlns:a="http://schemas.openxmlformats.org/drawingml/2006/main" xmlns:r="http://schemas.openxmlformats.org/officeDocument/2006/relationships" xmlns:p="http://schemas.openxmlformats.org/presentationml/2006/main">
+  <p:cSld>
+    <p:spTree>
+      <p:nvGrpSpPr>
+        <p:cNvPr id="1" name=""/>
+        <p:cNvGrpSpPr/>
+        <p:nvPr/>
+      </p:nvGrpSpPr>
+      <p:grpSpPr>
+        <a:xfrm>
+          <a:off x="0" y="0"/>
+          <a:ext cx="0" cy="0"/>
+          <a:chOff x="0" y="0"/>
+          <a:chExt cx="0" cy="0"/>
+        </a:xfrm>
+      </p:grpSpPr>
+    </p:spTree>
+    <p:extLst>
+      <p:ext uri="{BB962C8B-B14F-4D97-AF65-F5344CB8AC3E}">
+        <p14:creationId xmlns:p14="http://schemas.microsoft.com/office/powerpoint/2010/main" val="3216390664"/>
+      </p:ext>
+    </p:extLst>
+  </p:cSld>
+  <p:clrMapOvr>
+    <a:masterClrMapping/>
+  </p:clrMapOvr>
+</p:sld>
+</file>
+
 <file path=ppt/slides/slide19.xml><?xml version="1.0" encoding="utf-8"?>
 <p:sld xmlns:a="http://schemas.openxmlformats.org/drawingml/2006/main" xmlns:r="http://schemas.openxmlformats.org/officeDocument/2006/relationships" xmlns:p="http://schemas.openxmlformats.org/presentationml/2006/main">
   <p:cSld>
@@ -3977,7 +2743,7 @@
     </p:spTree>
     <p:extLst>
       <p:ext uri="{BB962C8B-B14F-4D97-AF65-F5344CB8AC3E}">
-        <p14:creationId xmlns:p14="http://schemas.microsoft.com/office/powerpoint/2010/main" val="578256931"/>
+        <p14:creationId xmlns:p14="http://schemas.microsoft.com/office/powerpoint/2010/main" val="1581607671"/>
       </p:ext>
     </p:extLst>
   </p:cSld>
@@ -4550,7 +3316,7 @@
     </p:spTree>
     <p:extLst>
       <p:ext uri="{BB962C8B-B14F-4D97-AF65-F5344CB8AC3E}">
-        <p14:creationId xmlns:p14="http://schemas.microsoft.com/office/powerpoint/2010/main" val="1427263830"/>
+        <p14:creationId xmlns:p14="http://schemas.microsoft.com/office/powerpoint/2010/main" val="3028480329"/>
       </p:ext>
     </p:extLst>
   </p:cSld>
@@ -4580,7 +3346,7 @@
     </p:spTree>
     <p:extLst>
       <p:ext uri="{BB962C8B-B14F-4D97-AF65-F5344CB8AC3E}">
-        <p14:creationId xmlns:p14="http://schemas.microsoft.com/office/powerpoint/2010/main" val="1807045153"/>
+        <p14:creationId xmlns:p14="http://schemas.microsoft.com/office/powerpoint/2010/main" val="3187900496"/>
       </p:ext>
     </p:extLst>
   </p:cSld>
@@ -4610,7 +3376,7 @@
     </p:spTree>
     <p:extLst>
       <p:ext uri="{BB962C8B-B14F-4D97-AF65-F5344CB8AC3E}">
-        <p14:creationId xmlns:p14="http://schemas.microsoft.com/office/powerpoint/2010/main" val="2495181768"/>
+        <p14:creationId xmlns:p14="http://schemas.microsoft.com/office/powerpoint/2010/main" val="3034902575"/>
       </p:ext>
     </p:extLst>
   </p:cSld>
@@ -4640,7 +3406,7 @@
     </p:spTree>
     <p:extLst>
       <p:ext uri="{BB962C8B-B14F-4D97-AF65-F5344CB8AC3E}">
-        <p14:creationId xmlns:p14="http://schemas.microsoft.com/office/powerpoint/2010/main" val="1826685053"/>
+        <p14:creationId xmlns:p14="http://schemas.microsoft.com/office/powerpoint/2010/main" val="1980999747"/>
       </p:ext>
     </p:extLst>
   </p:cSld>
@@ -4670,7 +3436,7 @@
     </p:spTree>
     <p:extLst>
       <p:ext uri="{BB962C8B-B14F-4D97-AF65-F5344CB8AC3E}">
-        <p14:creationId xmlns:p14="http://schemas.microsoft.com/office/powerpoint/2010/main" val="2244811655"/>
+        <p14:creationId xmlns:p14="http://schemas.microsoft.com/office/powerpoint/2010/main" val="2866184712"/>
       </p:ext>
     </p:extLst>
   </p:cSld>
@@ -4700,7 +3466,7 @@
     </p:spTree>
     <p:extLst>
       <p:ext uri="{BB962C8B-B14F-4D97-AF65-F5344CB8AC3E}">
-        <p14:creationId xmlns:p14="http://schemas.microsoft.com/office/powerpoint/2010/main" val="1901648300"/>
+        <p14:creationId xmlns:p14="http://schemas.microsoft.com/office/powerpoint/2010/main" val="2661990506"/>
       </p:ext>
     </p:extLst>
   </p:cSld>
@@ -4730,7 +3496,7 @@
     </p:spTree>
     <p:extLst>
       <p:ext uri="{BB962C8B-B14F-4D97-AF65-F5344CB8AC3E}">
-        <p14:creationId xmlns:p14="http://schemas.microsoft.com/office/powerpoint/2010/main" val="3216390664"/>
+        <p14:creationId xmlns:p14="http://schemas.microsoft.com/office/powerpoint/2010/main" val="3803880265"/>
       </p:ext>
     </p:extLst>
   </p:cSld>
@@ -4760,7 +3526,7 @@
     </p:spTree>
     <p:extLst>
       <p:ext uri="{BB962C8B-B14F-4D97-AF65-F5344CB8AC3E}">
-        <p14:creationId xmlns:p14="http://schemas.microsoft.com/office/powerpoint/2010/main" val="1581607671"/>
+        <p14:creationId xmlns:p14="http://schemas.microsoft.com/office/powerpoint/2010/main" val="1961588220"/>
       </p:ext>
     </p:extLst>
   </p:cSld>
@@ -4790,7 +3556,7 @@
     </p:spTree>
     <p:extLst>
       <p:ext uri="{BB962C8B-B14F-4D97-AF65-F5344CB8AC3E}">
-        <p14:creationId xmlns:p14="http://schemas.microsoft.com/office/powerpoint/2010/main" val="3028480329"/>
+        <p14:creationId xmlns:p14="http://schemas.microsoft.com/office/powerpoint/2010/main" val="3123856644"/>
       </p:ext>
     </p:extLst>
   </p:cSld>
@@ -4820,7 +3586,7 @@
     </p:spTree>
     <p:extLst>
       <p:ext uri="{BB962C8B-B14F-4D97-AF65-F5344CB8AC3E}">
-        <p14:creationId xmlns:p14="http://schemas.microsoft.com/office/powerpoint/2010/main" val="3187900496"/>
+        <p14:creationId xmlns:p14="http://schemas.microsoft.com/office/powerpoint/2010/main" val="2785354339"/>
       </p:ext>
     </p:extLst>
   </p:cSld>
@@ -4905,7 +3671,7 @@
     </p:spTree>
     <p:extLst>
       <p:ext uri="{BB962C8B-B14F-4D97-AF65-F5344CB8AC3E}">
-        <p14:creationId xmlns:p14="http://schemas.microsoft.com/office/powerpoint/2010/main" val="3034902575"/>
+        <p14:creationId xmlns:p14="http://schemas.microsoft.com/office/powerpoint/2010/main" val="3784775769"/>
       </p:ext>
     </p:extLst>
   </p:cSld>
@@ -4935,7 +3701,7 @@
     </p:spTree>
     <p:extLst>
       <p:ext uri="{BB962C8B-B14F-4D97-AF65-F5344CB8AC3E}">
-        <p14:creationId xmlns:p14="http://schemas.microsoft.com/office/powerpoint/2010/main" val="1980999747"/>
+        <p14:creationId xmlns:p14="http://schemas.microsoft.com/office/powerpoint/2010/main" val="3812302981"/>
       </p:ext>
     </p:extLst>
   </p:cSld>
@@ -4965,7 +3731,7 @@
     </p:spTree>
     <p:extLst>
       <p:ext uri="{BB962C8B-B14F-4D97-AF65-F5344CB8AC3E}">
-        <p14:creationId xmlns:p14="http://schemas.microsoft.com/office/powerpoint/2010/main" val="2866184712"/>
+        <p14:creationId xmlns:p14="http://schemas.microsoft.com/office/powerpoint/2010/main" val="1614562670"/>
       </p:ext>
     </p:extLst>
   </p:cSld>
@@ -4995,7 +3761,7 @@
     </p:spTree>
     <p:extLst>
       <p:ext uri="{BB962C8B-B14F-4D97-AF65-F5344CB8AC3E}">
-        <p14:creationId xmlns:p14="http://schemas.microsoft.com/office/powerpoint/2010/main" val="2661990506"/>
+        <p14:creationId xmlns:p14="http://schemas.microsoft.com/office/powerpoint/2010/main" val="2656551149"/>
       </p:ext>
     </p:extLst>
   </p:cSld>
@@ -5025,7 +3791,7 @@
     </p:spTree>
     <p:extLst>
       <p:ext uri="{BB962C8B-B14F-4D97-AF65-F5344CB8AC3E}">
-        <p14:creationId xmlns:p14="http://schemas.microsoft.com/office/powerpoint/2010/main" val="3803880265"/>
+        <p14:creationId xmlns:p14="http://schemas.microsoft.com/office/powerpoint/2010/main" val="3694552602"/>
       </p:ext>
     </p:extLst>
   </p:cSld>
@@ -5055,7 +3821,7 @@
     </p:spTree>
     <p:extLst>
       <p:ext uri="{BB962C8B-B14F-4D97-AF65-F5344CB8AC3E}">
-        <p14:creationId xmlns:p14="http://schemas.microsoft.com/office/powerpoint/2010/main" val="1961588220"/>
+        <p14:creationId xmlns:p14="http://schemas.microsoft.com/office/powerpoint/2010/main" val="3149072537"/>
       </p:ext>
     </p:extLst>
   </p:cSld>
@@ -5085,7 +3851,7 @@
     </p:spTree>
     <p:extLst>
       <p:ext uri="{BB962C8B-B14F-4D97-AF65-F5344CB8AC3E}">
-        <p14:creationId xmlns:p14="http://schemas.microsoft.com/office/powerpoint/2010/main" val="3123856644"/>
+        <p14:creationId xmlns:p14="http://schemas.microsoft.com/office/powerpoint/2010/main" val="1584094055"/>
       </p:ext>
     </p:extLst>
   </p:cSld>
@@ -5115,7 +3881,7 @@
     </p:spTree>
     <p:extLst>
       <p:ext uri="{BB962C8B-B14F-4D97-AF65-F5344CB8AC3E}">
-        <p14:creationId xmlns:p14="http://schemas.microsoft.com/office/powerpoint/2010/main" val="2785354339"/>
+        <p14:creationId xmlns:p14="http://schemas.microsoft.com/office/powerpoint/2010/main" val="720561048"/>
       </p:ext>
     </p:extLst>
   </p:cSld>
@@ -5145,7 +3911,7 @@
     </p:spTree>
     <p:extLst>
       <p:ext uri="{BB962C8B-B14F-4D97-AF65-F5344CB8AC3E}">
-        <p14:creationId xmlns:p14="http://schemas.microsoft.com/office/powerpoint/2010/main" val="3784775769"/>
+        <p14:creationId xmlns:p14="http://schemas.microsoft.com/office/powerpoint/2010/main" val="435561323"/>
       </p:ext>
     </p:extLst>
   </p:cSld>
@@ -5175,7 +3941,7 @@
     </p:spTree>
     <p:extLst>
       <p:ext uri="{BB962C8B-B14F-4D97-AF65-F5344CB8AC3E}">
-        <p14:creationId xmlns:p14="http://schemas.microsoft.com/office/powerpoint/2010/main" val="3812302981"/>
+        <p14:creationId xmlns:p14="http://schemas.microsoft.com/office/powerpoint/2010/main" val="881410905"/>
       </p:ext>
     </p:extLst>
   </p:cSld>
@@ -5260,7 +4026,7 @@
     </p:spTree>
     <p:extLst>
       <p:ext uri="{BB962C8B-B14F-4D97-AF65-F5344CB8AC3E}">
-        <p14:creationId xmlns:p14="http://schemas.microsoft.com/office/powerpoint/2010/main" val="1614562670"/>
+        <p14:creationId xmlns:p14="http://schemas.microsoft.com/office/powerpoint/2010/main" val="1917817122"/>
       </p:ext>
     </p:extLst>
   </p:cSld>
@@ -5290,7 +4056,7 @@
     </p:spTree>
     <p:extLst>
       <p:ext uri="{BB962C8B-B14F-4D97-AF65-F5344CB8AC3E}">
-        <p14:creationId xmlns:p14="http://schemas.microsoft.com/office/powerpoint/2010/main" val="2656551149"/>
+        <p14:creationId xmlns:p14="http://schemas.microsoft.com/office/powerpoint/2010/main" val="593747924"/>
       </p:ext>
     </p:extLst>
   </p:cSld>
@@ -5320,7 +4086,7 @@
     </p:spTree>
     <p:extLst>
       <p:ext uri="{BB962C8B-B14F-4D97-AF65-F5344CB8AC3E}">
-        <p14:creationId xmlns:p14="http://schemas.microsoft.com/office/powerpoint/2010/main" val="3694552602"/>
+        <p14:creationId xmlns:p14="http://schemas.microsoft.com/office/powerpoint/2010/main" val="3723131914"/>
       </p:ext>
     </p:extLst>
   </p:cSld>
@@ -5350,7 +4116,7 @@
     </p:spTree>
     <p:extLst>
       <p:ext uri="{BB962C8B-B14F-4D97-AF65-F5344CB8AC3E}">
-        <p14:creationId xmlns:p14="http://schemas.microsoft.com/office/powerpoint/2010/main" val="3149072537"/>
+        <p14:creationId xmlns:p14="http://schemas.microsoft.com/office/powerpoint/2010/main" val="3752569891"/>
       </p:ext>
     </p:extLst>
   </p:cSld>
@@ -5380,7 +4146,7 @@
     </p:spTree>
     <p:extLst>
       <p:ext uri="{BB962C8B-B14F-4D97-AF65-F5344CB8AC3E}">
-        <p14:creationId xmlns:p14="http://schemas.microsoft.com/office/powerpoint/2010/main" val="1584094055"/>
+        <p14:creationId xmlns:p14="http://schemas.microsoft.com/office/powerpoint/2010/main" val="705241195"/>
       </p:ext>
     </p:extLst>
   </p:cSld>
@@ -5410,7 +4176,7 @@
     </p:spTree>
     <p:extLst>
       <p:ext uri="{BB962C8B-B14F-4D97-AF65-F5344CB8AC3E}">
-        <p14:creationId xmlns:p14="http://schemas.microsoft.com/office/powerpoint/2010/main" val="720561048"/>
+        <p14:creationId xmlns:p14="http://schemas.microsoft.com/office/powerpoint/2010/main" val="3435921734"/>
       </p:ext>
     </p:extLst>
   </p:cSld>
@@ -5440,97 +4206,7 @@
     </p:spTree>
     <p:extLst>
       <p:ext uri="{BB962C8B-B14F-4D97-AF65-F5344CB8AC3E}">
-        <p14:creationId xmlns:p14="http://schemas.microsoft.com/office/powerpoint/2010/main" val="435561323"/>
-      </p:ext>
-    </p:extLst>
-  </p:cSld>
-  <p:clrMapOvr>
-    <a:masterClrMapping/>
-  </p:clrMapOvr>
-</p:sld>
-</file>
-
-<file path=ppt/slides/slide47.xml><?xml version="1.0" encoding="utf-8"?>
-<p:sld xmlns:a="http://schemas.openxmlformats.org/drawingml/2006/main" xmlns:r="http://schemas.openxmlformats.org/officeDocument/2006/relationships" xmlns:p="http://schemas.openxmlformats.org/presentationml/2006/main">
-  <p:cSld>
-    <p:spTree>
-      <p:nvGrpSpPr>
-        <p:cNvPr id="1" name=""/>
-        <p:cNvGrpSpPr/>
-        <p:nvPr/>
-      </p:nvGrpSpPr>
-      <p:grpSpPr>
-        <a:xfrm>
-          <a:off x="0" y="0"/>
-          <a:ext cx="0" cy="0"/>
-          <a:chOff x="0" y="0"/>
-          <a:chExt cx="0" cy="0"/>
-        </a:xfrm>
-      </p:grpSpPr>
-    </p:spTree>
-    <p:extLst>
-      <p:ext uri="{BB962C8B-B14F-4D97-AF65-F5344CB8AC3E}">
-        <p14:creationId xmlns:p14="http://schemas.microsoft.com/office/powerpoint/2010/main" val="881410905"/>
-      </p:ext>
-    </p:extLst>
-  </p:cSld>
-  <p:clrMapOvr>
-    <a:masterClrMapping/>
-  </p:clrMapOvr>
-</p:sld>
-</file>
-
-<file path=ppt/slides/slide48.xml><?xml version="1.0" encoding="utf-8"?>
-<p:sld xmlns:a="http://schemas.openxmlformats.org/drawingml/2006/main" xmlns:r="http://schemas.openxmlformats.org/officeDocument/2006/relationships" xmlns:p="http://schemas.openxmlformats.org/presentationml/2006/main">
-  <p:cSld>
-    <p:spTree>
-      <p:nvGrpSpPr>
-        <p:cNvPr id="1" name=""/>
-        <p:cNvGrpSpPr/>
-        <p:nvPr/>
-      </p:nvGrpSpPr>
-      <p:grpSpPr>
-        <a:xfrm>
-          <a:off x="0" y="0"/>
-          <a:ext cx="0" cy="0"/>
-          <a:chOff x="0" y="0"/>
-          <a:chExt cx="0" cy="0"/>
-        </a:xfrm>
-      </p:grpSpPr>
-    </p:spTree>
-    <p:extLst>
-      <p:ext uri="{BB962C8B-B14F-4D97-AF65-F5344CB8AC3E}">
-        <p14:creationId xmlns:p14="http://schemas.microsoft.com/office/powerpoint/2010/main" val="1917817122"/>
-      </p:ext>
-    </p:extLst>
-  </p:cSld>
-  <p:clrMapOvr>
-    <a:masterClrMapping/>
-  </p:clrMapOvr>
-</p:sld>
-</file>
-
-<file path=ppt/slides/slide49.xml><?xml version="1.0" encoding="utf-8"?>
-<p:sld xmlns:a="http://schemas.openxmlformats.org/drawingml/2006/main" xmlns:r="http://schemas.openxmlformats.org/officeDocument/2006/relationships" xmlns:p="http://schemas.openxmlformats.org/presentationml/2006/main">
-  <p:cSld>
-    <p:spTree>
-      <p:nvGrpSpPr>
-        <p:cNvPr id="1" name=""/>
-        <p:cNvGrpSpPr/>
-        <p:nvPr/>
-      </p:nvGrpSpPr>
-      <p:grpSpPr>
-        <a:xfrm>
-          <a:off x="0" y="0"/>
-          <a:ext cx="0" cy="0"/>
-          <a:chOff x="0" y="0"/>
-          <a:chExt cx="0" cy="0"/>
-        </a:xfrm>
-      </p:grpSpPr>
-    </p:spTree>
-    <p:extLst>
-      <p:ext uri="{BB962C8B-B14F-4D97-AF65-F5344CB8AC3E}">
-        <p14:creationId xmlns:p14="http://schemas.microsoft.com/office/powerpoint/2010/main" val="593747924"/>
+        <p14:creationId xmlns:p14="http://schemas.microsoft.com/office/powerpoint/2010/main" val="517005102"/>
       </p:ext>
     </p:extLst>
   </p:cSld>
@@ -5595,156 +4271,6 @@
 </p:sld>
 </file>
 
-<file path=ppt/slides/slide50.xml><?xml version="1.0" encoding="utf-8"?>
-<p:sld xmlns:a="http://schemas.openxmlformats.org/drawingml/2006/main" xmlns:r="http://schemas.openxmlformats.org/officeDocument/2006/relationships" xmlns:p="http://schemas.openxmlformats.org/presentationml/2006/main">
-  <p:cSld>
-    <p:spTree>
-      <p:nvGrpSpPr>
-        <p:cNvPr id="1" name=""/>
-        <p:cNvGrpSpPr/>
-        <p:nvPr/>
-      </p:nvGrpSpPr>
-      <p:grpSpPr>
-        <a:xfrm>
-          <a:off x="0" y="0"/>
-          <a:ext cx="0" cy="0"/>
-          <a:chOff x="0" y="0"/>
-          <a:chExt cx="0" cy="0"/>
-        </a:xfrm>
-      </p:grpSpPr>
-    </p:spTree>
-    <p:extLst>
-      <p:ext uri="{BB962C8B-B14F-4D97-AF65-F5344CB8AC3E}">
-        <p14:creationId xmlns:p14="http://schemas.microsoft.com/office/powerpoint/2010/main" val="3723131914"/>
-      </p:ext>
-    </p:extLst>
-  </p:cSld>
-  <p:clrMapOvr>
-    <a:masterClrMapping/>
-  </p:clrMapOvr>
-</p:sld>
-</file>
-
-<file path=ppt/slides/slide51.xml><?xml version="1.0" encoding="utf-8"?>
-<p:sld xmlns:a="http://schemas.openxmlformats.org/drawingml/2006/main" xmlns:r="http://schemas.openxmlformats.org/officeDocument/2006/relationships" xmlns:p="http://schemas.openxmlformats.org/presentationml/2006/main">
-  <p:cSld>
-    <p:spTree>
-      <p:nvGrpSpPr>
-        <p:cNvPr id="1" name=""/>
-        <p:cNvGrpSpPr/>
-        <p:nvPr/>
-      </p:nvGrpSpPr>
-      <p:grpSpPr>
-        <a:xfrm>
-          <a:off x="0" y="0"/>
-          <a:ext cx="0" cy="0"/>
-          <a:chOff x="0" y="0"/>
-          <a:chExt cx="0" cy="0"/>
-        </a:xfrm>
-      </p:grpSpPr>
-    </p:spTree>
-    <p:extLst>
-      <p:ext uri="{BB962C8B-B14F-4D97-AF65-F5344CB8AC3E}">
-        <p14:creationId xmlns:p14="http://schemas.microsoft.com/office/powerpoint/2010/main" val="3752569891"/>
-      </p:ext>
-    </p:extLst>
-  </p:cSld>
-  <p:clrMapOvr>
-    <a:masterClrMapping/>
-  </p:clrMapOvr>
-</p:sld>
-</file>
-
-<file path=ppt/slides/slide52.xml><?xml version="1.0" encoding="utf-8"?>
-<p:sld xmlns:a="http://schemas.openxmlformats.org/drawingml/2006/main" xmlns:r="http://schemas.openxmlformats.org/officeDocument/2006/relationships" xmlns:p="http://schemas.openxmlformats.org/presentationml/2006/main">
-  <p:cSld>
-    <p:spTree>
-      <p:nvGrpSpPr>
-        <p:cNvPr id="1" name=""/>
-        <p:cNvGrpSpPr/>
-        <p:nvPr/>
-      </p:nvGrpSpPr>
-      <p:grpSpPr>
-        <a:xfrm>
-          <a:off x="0" y="0"/>
-          <a:ext cx="0" cy="0"/>
-          <a:chOff x="0" y="0"/>
-          <a:chExt cx="0" cy="0"/>
-        </a:xfrm>
-      </p:grpSpPr>
-    </p:spTree>
-    <p:extLst>
-      <p:ext uri="{BB962C8B-B14F-4D97-AF65-F5344CB8AC3E}">
-        <p14:creationId xmlns:p14="http://schemas.microsoft.com/office/powerpoint/2010/main" val="705241195"/>
-      </p:ext>
-    </p:extLst>
-  </p:cSld>
-  <p:clrMapOvr>
-    <a:masterClrMapping/>
-  </p:clrMapOvr>
-</p:sld>
-</file>
-
-<file path=ppt/slides/slide53.xml><?xml version="1.0" encoding="utf-8"?>
-<p:sld xmlns:a="http://schemas.openxmlformats.org/drawingml/2006/main" xmlns:r="http://schemas.openxmlformats.org/officeDocument/2006/relationships" xmlns:p="http://schemas.openxmlformats.org/presentationml/2006/main">
-  <p:cSld>
-    <p:spTree>
-      <p:nvGrpSpPr>
-        <p:cNvPr id="1" name=""/>
-        <p:cNvGrpSpPr/>
-        <p:nvPr/>
-      </p:nvGrpSpPr>
-      <p:grpSpPr>
-        <a:xfrm>
-          <a:off x="0" y="0"/>
-          <a:ext cx="0" cy="0"/>
-          <a:chOff x="0" y="0"/>
-          <a:chExt cx="0" cy="0"/>
-        </a:xfrm>
-      </p:grpSpPr>
-    </p:spTree>
-    <p:extLst>
-      <p:ext uri="{BB962C8B-B14F-4D97-AF65-F5344CB8AC3E}">
-        <p14:creationId xmlns:p14="http://schemas.microsoft.com/office/powerpoint/2010/main" val="3435921734"/>
-      </p:ext>
-    </p:extLst>
-  </p:cSld>
-  <p:clrMapOvr>
-    <a:masterClrMapping/>
-  </p:clrMapOvr>
-</p:sld>
-</file>
-
-<file path=ppt/slides/slide54.xml><?xml version="1.0" encoding="utf-8"?>
-<p:sld xmlns:a="http://schemas.openxmlformats.org/drawingml/2006/main" xmlns:r="http://schemas.openxmlformats.org/officeDocument/2006/relationships" xmlns:p="http://schemas.openxmlformats.org/presentationml/2006/main">
-  <p:cSld>
-    <p:spTree>
-      <p:nvGrpSpPr>
-        <p:cNvPr id="1" name=""/>
-        <p:cNvGrpSpPr/>
-        <p:nvPr/>
-      </p:nvGrpSpPr>
-      <p:grpSpPr>
-        <a:xfrm>
-          <a:off x="0" y="0"/>
-          <a:ext cx="0" cy="0"/>
-          <a:chOff x="0" y="0"/>
-          <a:chExt cx="0" cy="0"/>
-        </a:xfrm>
-      </p:grpSpPr>
-    </p:spTree>
-    <p:extLst>
-      <p:ext uri="{BB962C8B-B14F-4D97-AF65-F5344CB8AC3E}">
-        <p14:creationId xmlns:p14="http://schemas.microsoft.com/office/powerpoint/2010/main" val="517005102"/>
-      </p:ext>
-    </p:extLst>
-  </p:cSld>
-  <p:clrMapOvr>
-    <a:masterClrMapping/>
-  </p:clrMapOvr>
-</p:sld>
-</file>
-
 <file path=ppt/slides/slide6.xml><?xml version="1.0" encoding="utf-8"?>
 <p:sld xmlns:a="http://schemas.openxmlformats.org/drawingml/2006/main" xmlns:r="http://schemas.openxmlformats.org/officeDocument/2006/relationships" xmlns:p="http://schemas.openxmlformats.org/presentationml/2006/main">
   <p:cSld>
@@ -5817,256 +4343,10 @@
           <a:chExt cx="0" cy="0"/>
         </a:xfrm>
       </p:grpSpPr>
-      <p:pic>
-        <p:nvPicPr>
-          <p:cNvPr id="36" name="図 35">
-            <a:extLst>
-              <a:ext uri="{FF2B5EF4-FFF2-40B4-BE49-F238E27FC236}">
-                <a16:creationId xmlns:a16="http://schemas.microsoft.com/office/drawing/2014/main" id="{39B8AA83-806F-4BCE-BC7E-903497073218}"/>
-              </a:ext>
-            </a:extLst>
-          </p:cNvPr>
-          <p:cNvPicPr>
-            <a:picLocks noChangeAspect="1"/>
-          </p:cNvPicPr>
-          <p:nvPr/>
-        </p:nvPicPr>
-        <p:blipFill>
-          <a:blip r:embed="rId2"/>
-          <a:stretch>
-            <a:fillRect/>
-          </a:stretch>
-        </p:blipFill>
-        <p:spPr>
-          <a:xfrm>
-            <a:off x="2599145" y="1881152"/>
-            <a:ext cx="4882334" cy="3797371"/>
-          </a:xfrm>
-          <a:prstGeom prst="rect">
-            <a:avLst/>
-          </a:prstGeom>
-        </p:spPr>
-      </p:pic>
-      <p:sp>
-        <p:nvSpPr>
-          <p:cNvPr id="7" name="テキスト ボックス 6">
-            <a:extLst>
-              <a:ext uri="{FF2B5EF4-FFF2-40B4-BE49-F238E27FC236}">
-                <a16:creationId xmlns:a16="http://schemas.microsoft.com/office/drawing/2014/main" id="{8636CB39-C489-4634-96DF-C6ADE06DF603}"/>
-              </a:ext>
-            </a:extLst>
-          </p:cNvPr>
-          <p:cNvSpPr txBox="1"/>
-          <p:nvPr/>
-        </p:nvSpPr>
-        <p:spPr>
-          <a:xfrm>
-            <a:off x="2242994" y="4684881"/>
-            <a:ext cx="1727873" cy="539052"/>
-          </a:xfrm>
-          <a:prstGeom prst="rect">
-            <a:avLst/>
-          </a:prstGeom>
-          <a:solidFill>
-            <a:srgbClr val="92D050">
-              <a:alpha val="80000"/>
-            </a:srgbClr>
-          </a:solidFill>
-          <a:ln>
-            <a:solidFill>
-              <a:schemeClr val="tx1"/>
-            </a:solidFill>
-          </a:ln>
-        </p:spPr>
-        <p:txBody>
-          <a:bodyPr wrap="square" rtlCol="0">
-            <a:noAutofit/>
-          </a:bodyPr>
-          <a:lstStyle/>
-          <a:p>
-            <a:r>
-              <a:rPr kumimoji="1" lang="en-US" altLang="ja-JP" sz="1000" dirty="0">
-                <a:latin typeface="ＭＳ Ｐゴシック" panose="020B0600070205080204" pitchFamily="50" charset="-128"/>
-                <a:ea typeface="ＭＳ Ｐゴシック" panose="020B0600070205080204" pitchFamily="50" charset="-128"/>
-                <a:cs typeface="Arial" panose="020B0604020202020204" pitchFamily="34" charset="0"/>
-              </a:rPr>
-              <a:t>Receive Boolean signal of digital input.</a:t>
-            </a:r>
-          </a:p>
-        </p:txBody>
-      </p:sp>
-      <p:cxnSp>
-        <p:nvCxnSpPr>
-          <p:cNvPr id="8" name="直線矢印コネクタ 7">
-            <a:extLst>
-              <a:ext uri="{FF2B5EF4-FFF2-40B4-BE49-F238E27FC236}">
-                <a16:creationId xmlns:a16="http://schemas.microsoft.com/office/drawing/2014/main" id="{BD001327-666A-4F97-B893-23BCD2C114E0}"/>
-              </a:ext>
-            </a:extLst>
-          </p:cNvPr>
-          <p:cNvCxnSpPr>
-            <a:cxnSpLocks/>
-            <a:stCxn id="7" idx="0"/>
-          </p:cNvCxnSpPr>
-          <p:nvPr/>
-        </p:nvCxnSpPr>
-        <p:spPr>
-          <a:xfrm flipH="1" flipV="1">
-            <a:off x="2895601" y="3779837"/>
-            <a:ext cx="211330" cy="905044"/>
-          </a:xfrm>
-          <a:prstGeom prst="straightConnector1">
-            <a:avLst/>
-          </a:prstGeom>
-          <a:ln w="12700">
-            <a:solidFill>
-              <a:srgbClr val="00B050"/>
-            </a:solidFill>
-            <a:tailEnd type="oval"/>
-          </a:ln>
-        </p:spPr>
-        <p:style>
-          <a:lnRef idx="1">
-            <a:schemeClr val="accent1"/>
-          </a:lnRef>
-          <a:fillRef idx="0">
-            <a:schemeClr val="accent1"/>
-          </a:fillRef>
-          <a:effectRef idx="0">
-            <a:schemeClr val="accent1"/>
-          </a:effectRef>
-          <a:fontRef idx="minor">
-            <a:schemeClr val="tx1"/>
-          </a:fontRef>
-        </p:style>
-      </p:cxnSp>
-      <p:sp>
-        <p:nvSpPr>
-          <p:cNvPr id="20" name="テキスト ボックス 19">
-            <a:extLst>
-              <a:ext uri="{FF2B5EF4-FFF2-40B4-BE49-F238E27FC236}">
-                <a16:creationId xmlns:a16="http://schemas.microsoft.com/office/drawing/2014/main" id="{D88663C5-4A18-4D5D-83C4-B7A56CFE8ABF}"/>
-              </a:ext>
-            </a:extLst>
-          </p:cNvPr>
-          <p:cNvSpPr txBox="1"/>
-          <p:nvPr/>
-        </p:nvSpPr>
-        <p:spPr>
-          <a:xfrm>
-            <a:off x="5816601" y="4505330"/>
-            <a:ext cx="2709332" cy="1387470"/>
-          </a:xfrm>
-          <a:prstGeom prst="rect">
-            <a:avLst/>
-          </a:prstGeom>
-          <a:solidFill>
-            <a:srgbClr val="92D050">
-              <a:alpha val="80000"/>
-            </a:srgbClr>
-          </a:solidFill>
-          <a:ln>
-            <a:solidFill>
-              <a:schemeClr val="tx1"/>
-            </a:solidFill>
-          </a:ln>
-        </p:spPr>
-        <p:txBody>
-          <a:bodyPr wrap="square" rtlCol="0">
-            <a:noAutofit/>
-          </a:bodyPr>
-          <a:lstStyle/>
-          <a:p>
-            <a:r>
-              <a:rPr kumimoji="1" lang="en-US" altLang="ja-JP" sz="1000" dirty="0">
-                <a:latin typeface="ＭＳ Ｐゴシック" panose="020B0600070205080204" pitchFamily="50" charset="-128"/>
-                <a:ea typeface="ＭＳ Ｐゴシック" panose="020B0600070205080204" pitchFamily="50" charset="-128"/>
-                <a:cs typeface="Arial" panose="020B0604020202020204" pitchFamily="34" charset="0"/>
-              </a:rPr>
-              <a:t>-. accumulate digital signal received and output.</a:t>
-            </a:r>
-          </a:p>
-          <a:p>
-            <a:r>
-              <a:rPr kumimoji="1" lang="en-US" altLang="ja-JP" sz="1000" dirty="0">
-                <a:latin typeface="ＭＳ Ｐゴシック" panose="020B0600070205080204" pitchFamily="50" charset="-128"/>
-                <a:ea typeface="ＭＳ Ｐゴシック" panose="020B0600070205080204" pitchFamily="50" charset="-128"/>
-                <a:cs typeface="Arial" panose="020B0604020202020204" pitchFamily="34" charset="0"/>
-              </a:rPr>
-              <a:t>-. Increase of output signal is determined by how many times true signal is received, NOT by how long true signal is maintained.</a:t>
-            </a:r>
-          </a:p>
-          <a:p>
-            <a:r>
-              <a:rPr kumimoji="1" lang="en-US" altLang="ja-JP" sz="1000" dirty="0">
-                <a:latin typeface="ＭＳ Ｐゴシック" panose="020B0600070205080204" pitchFamily="50" charset="-128"/>
-                <a:ea typeface="ＭＳ Ｐゴシック" panose="020B0600070205080204" pitchFamily="50" charset="-128"/>
-                <a:cs typeface="Arial" panose="020B0604020202020204" pitchFamily="34" charset="0"/>
-              </a:rPr>
-              <a:t>-. Output signal can be scaled by parameter setting for control of large values.</a:t>
-            </a:r>
-          </a:p>
-          <a:p>
-            <a:r>
-              <a:rPr kumimoji="1" lang="en-US" altLang="ja-JP" sz="1000" dirty="0">
-                <a:latin typeface="ＭＳ Ｐゴシック" panose="020B0600070205080204" pitchFamily="50" charset="-128"/>
-                <a:ea typeface="ＭＳ Ｐゴシック" panose="020B0600070205080204" pitchFamily="50" charset="-128"/>
-                <a:cs typeface="Arial" panose="020B0604020202020204" pitchFamily="34" charset="0"/>
-              </a:rPr>
-              <a:t>-. Output signal can be start with desired value set via parameter.</a:t>
-            </a:r>
-          </a:p>
-        </p:txBody>
-      </p:sp>
-      <p:cxnSp>
-        <p:nvCxnSpPr>
-          <p:cNvPr id="21" name="直線矢印コネクタ 20">
-            <a:extLst>
-              <a:ext uri="{FF2B5EF4-FFF2-40B4-BE49-F238E27FC236}">
-                <a16:creationId xmlns:a16="http://schemas.microsoft.com/office/drawing/2014/main" id="{3EA461E0-147F-44F5-9433-6AB59E1F1C0A}"/>
-              </a:ext>
-            </a:extLst>
-          </p:cNvPr>
-          <p:cNvCxnSpPr>
-            <a:cxnSpLocks/>
-            <a:stCxn id="20" idx="0"/>
-          </p:cNvCxnSpPr>
-          <p:nvPr/>
-        </p:nvCxnSpPr>
-        <p:spPr>
-          <a:xfrm flipH="1" flipV="1">
-            <a:off x="7120737" y="3753310"/>
-            <a:ext cx="50530" cy="752020"/>
-          </a:xfrm>
-          <a:prstGeom prst="straightConnector1">
-            <a:avLst/>
-          </a:prstGeom>
-          <a:ln w="12700">
-            <a:solidFill>
-              <a:srgbClr val="00B050"/>
-            </a:solidFill>
-            <a:tailEnd type="oval"/>
-          </a:ln>
-        </p:spPr>
-        <p:style>
-          <a:lnRef idx="1">
-            <a:schemeClr val="accent1"/>
-          </a:lnRef>
-          <a:fillRef idx="0">
-            <a:schemeClr val="accent1"/>
-          </a:fillRef>
-          <a:effectRef idx="0">
-            <a:schemeClr val="accent1"/>
-          </a:effectRef>
-          <a:fontRef idx="minor">
-            <a:schemeClr val="tx1"/>
-          </a:fontRef>
-        </p:style>
-      </p:cxnSp>
     </p:spTree>
     <p:extLst>
       <p:ext uri="{BB962C8B-B14F-4D97-AF65-F5344CB8AC3E}">
-        <p14:creationId xmlns:p14="http://schemas.microsoft.com/office/powerpoint/2010/main" val="4106514271"/>
+        <p14:creationId xmlns:p14="http://schemas.microsoft.com/office/powerpoint/2010/main" val="3689192767"/>
       </p:ext>
     </p:extLst>
   </p:cSld>
@@ -6093,209 +4373,10 @@
           <a:chExt cx="0" cy="0"/>
         </a:xfrm>
       </p:grpSpPr>
-      <p:pic>
-        <p:nvPicPr>
-          <p:cNvPr id="39" name="図 38">
-            <a:extLst>
-              <a:ext uri="{FF2B5EF4-FFF2-40B4-BE49-F238E27FC236}">
-                <a16:creationId xmlns:a16="http://schemas.microsoft.com/office/drawing/2014/main" id="{239BC509-148D-49C4-BC32-2D207891C808}"/>
-              </a:ext>
-            </a:extLst>
-          </p:cNvPr>
-          <p:cNvPicPr>
-            <a:picLocks noChangeAspect="1"/>
-          </p:cNvPicPr>
-          <p:nvPr/>
-        </p:nvPicPr>
-        <p:blipFill rotWithShape="1">
-          <a:blip r:embed="rId2"/>
-          <a:srcRect r="14385" b="40768"/>
-          <a:stretch/>
-        </p:blipFill>
-        <p:spPr>
-          <a:xfrm>
-            <a:off x="2938207" y="2360885"/>
-            <a:ext cx="3758926" cy="2583648"/>
-          </a:xfrm>
-          <a:prstGeom prst="rect">
-            <a:avLst/>
-          </a:prstGeom>
-        </p:spPr>
-      </p:pic>
-      <p:sp>
-        <p:nvSpPr>
-          <p:cNvPr id="6" name="テキスト ボックス 5">
-            <a:extLst>
-              <a:ext uri="{FF2B5EF4-FFF2-40B4-BE49-F238E27FC236}">
-                <a16:creationId xmlns:a16="http://schemas.microsoft.com/office/drawing/2014/main" id="{4E506106-D5CE-4A76-8BA0-A888EBD86673}"/>
-              </a:ext>
-            </a:extLst>
-          </p:cNvPr>
-          <p:cNvSpPr txBox="1"/>
-          <p:nvPr/>
-        </p:nvSpPr>
-        <p:spPr>
-          <a:xfrm>
-            <a:off x="2336800" y="4182533"/>
-            <a:ext cx="1974743" cy="762000"/>
-          </a:xfrm>
-          <a:prstGeom prst="rect">
-            <a:avLst/>
-          </a:prstGeom>
-          <a:solidFill>
-            <a:srgbClr val="92D050">
-              <a:alpha val="80000"/>
-            </a:srgbClr>
-          </a:solidFill>
-          <a:ln>
-            <a:solidFill>
-              <a:schemeClr val="tx1"/>
-            </a:solidFill>
-          </a:ln>
-        </p:spPr>
-        <p:txBody>
-          <a:bodyPr wrap="square" rtlCol="0">
-            <a:noAutofit/>
-          </a:bodyPr>
-          <a:lstStyle/>
-          <a:p>
-            <a:r>
-              <a:rPr kumimoji="1" lang="en-US" altLang="ja-JP" sz="1000" dirty="0">
-                <a:latin typeface="ＭＳ Ｐゴシック" panose="020B0600070205080204" pitchFamily="50" charset="-128"/>
-                <a:ea typeface="ＭＳ Ｐゴシック" panose="020B0600070205080204" pitchFamily="50" charset="-128"/>
-                <a:cs typeface="Arial" panose="020B0604020202020204" pitchFamily="34" charset="0"/>
-              </a:rPr>
-              <a:t>It is assumed to be deployed together with </a:t>
-            </a:r>
-            <a:r>
-              <a:rPr kumimoji="1" lang="en-US" altLang="ja-JP" sz="1000" dirty="0" err="1">
-                <a:latin typeface="ＭＳ Ｐゴシック" panose="020B0600070205080204" pitchFamily="50" charset="-128"/>
-                <a:ea typeface="ＭＳ Ｐゴシック" panose="020B0600070205080204" pitchFamily="50" charset="-128"/>
-                <a:cs typeface="Arial" panose="020B0604020202020204" pitchFamily="34" charset="0"/>
-              </a:rPr>
-              <a:t>keybordInput</a:t>
-            </a:r>
-            <a:r>
-              <a:rPr kumimoji="1" lang="en-US" altLang="ja-JP" sz="1000" dirty="0">
-                <a:latin typeface="ＭＳ Ｐゴシック" panose="020B0600070205080204" pitchFamily="50" charset="-128"/>
-                <a:ea typeface="ＭＳ Ｐゴシック" panose="020B0600070205080204" pitchFamily="50" charset="-128"/>
-                <a:cs typeface="Arial" panose="020B0604020202020204" pitchFamily="34" charset="0"/>
-              </a:rPr>
-              <a:t> component of </a:t>
-            </a:r>
-            <a:r>
-              <a:rPr kumimoji="1" lang="en-US" altLang="ja-JP" sz="1000" dirty="0" err="1">
-                <a:latin typeface="ＭＳ Ｐゴシック" panose="020B0600070205080204" pitchFamily="50" charset="-128"/>
-                <a:ea typeface="ＭＳ Ｐゴシック" panose="020B0600070205080204" pitchFamily="50" charset="-128"/>
-                <a:cs typeface="Arial" panose="020B0604020202020204" pitchFamily="34" charset="0"/>
-              </a:rPr>
-              <a:t>Modelica_DeviceDrivers</a:t>
-            </a:r>
-            <a:r>
-              <a:rPr kumimoji="1" lang="en-US" altLang="ja-JP" sz="1000" dirty="0">
-                <a:latin typeface="ＭＳ Ｐゴシック" panose="020B0600070205080204" pitchFamily="50" charset="-128"/>
-                <a:ea typeface="ＭＳ Ｐゴシック" panose="020B0600070205080204" pitchFamily="50" charset="-128"/>
-                <a:cs typeface="Arial" panose="020B0604020202020204" pitchFamily="34" charset="0"/>
-              </a:rPr>
-              <a:t> library.</a:t>
-            </a:r>
-          </a:p>
-        </p:txBody>
-      </p:sp>
-      <p:cxnSp>
-        <p:nvCxnSpPr>
-          <p:cNvPr id="7" name="直線矢印コネクタ 6">
-            <a:extLst>
-              <a:ext uri="{FF2B5EF4-FFF2-40B4-BE49-F238E27FC236}">
-                <a16:creationId xmlns:a16="http://schemas.microsoft.com/office/drawing/2014/main" id="{81BA8AD4-F910-404A-8CB3-605D1316CAFA}"/>
-              </a:ext>
-            </a:extLst>
-          </p:cNvPr>
-          <p:cNvCxnSpPr>
-            <a:cxnSpLocks/>
-            <a:stCxn id="6" idx="3"/>
-          </p:cNvCxnSpPr>
-          <p:nvPr/>
-        </p:nvCxnSpPr>
-        <p:spPr>
-          <a:xfrm flipV="1">
-            <a:off x="4311543" y="4182533"/>
-            <a:ext cx="294324" cy="381000"/>
-          </a:xfrm>
-          <a:prstGeom prst="straightConnector1">
-            <a:avLst/>
-          </a:prstGeom>
-          <a:ln w="12700">
-            <a:solidFill>
-              <a:srgbClr val="00B050"/>
-            </a:solidFill>
-            <a:tailEnd type="oval"/>
-          </a:ln>
-        </p:spPr>
-        <p:style>
-          <a:lnRef idx="1">
-            <a:schemeClr val="accent1"/>
-          </a:lnRef>
-          <a:fillRef idx="0">
-            <a:schemeClr val="accent1"/>
-          </a:fillRef>
-          <a:effectRef idx="0">
-            <a:schemeClr val="accent1"/>
-          </a:effectRef>
-          <a:fontRef idx="minor">
-            <a:schemeClr val="tx1"/>
-          </a:fontRef>
-        </p:style>
-      </p:cxnSp>
-      <p:cxnSp>
-        <p:nvCxnSpPr>
-          <p:cNvPr id="8" name="直線矢印コネクタ 7">
-            <a:extLst>
-              <a:ext uri="{FF2B5EF4-FFF2-40B4-BE49-F238E27FC236}">
-                <a16:creationId xmlns:a16="http://schemas.microsoft.com/office/drawing/2014/main" id="{EBACFD37-974A-4ADF-8079-11060A6273FD}"/>
-              </a:ext>
-            </a:extLst>
-          </p:cNvPr>
-          <p:cNvCxnSpPr>
-            <a:cxnSpLocks/>
-            <a:stCxn id="6" idx="3"/>
-          </p:cNvCxnSpPr>
-          <p:nvPr/>
-        </p:nvCxnSpPr>
-        <p:spPr>
-          <a:xfrm>
-            <a:off x="4311543" y="4563533"/>
-            <a:ext cx="1327257" cy="55657"/>
-          </a:xfrm>
-          <a:prstGeom prst="straightConnector1">
-            <a:avLst/>
-          </a:prstGeom>
-          <a:ln w="12700">
-            <a:solidFill>
-              <a:srgbClr val="00B050"/>
-            </a:solidFill>
-            <a:tailEnd type="oval"/>
-          </a:ln>
-        </p:spPr>
-        <p:style>
-          <a:lnRef idx="1">
-            <a:schemeClr val="accent1"/>
-          </a:lnRef>
-          <a:fillRef idx="0">
-            <a:schemeClr val="accent1"/>
-          </a:fillRef>
-          <a:effectRef idx="0">
-            <a:schemeClr val="accent1"/>
-          </a:effectRef>
-          <a:fontRef idx="minor">
-            <a:schemeClr val="tx1"/>
-          </a:fontRef>
-        </p:style>
-      </p:cxnSp>
     </p:spTree>
     <p:extLst>
       <p:ext uri="{BB962C8B-B14F-4D97-AF65-F5344CB8AC3E}">
-        <p14:creationId xmlns:p14="http://schemas.microsoft.com/office/powerpoint/2010/main" val="160387173"/>
+        <p14:creationId xmlns:p14="http://schemas.microsoft.com/office/powerpoint/2010/main" val="947584466"/>
       </p:ext>
     </p:extLst>
   </p:cSld>
@@ -6322,223 +4403,10 @@
           <a:chExt cx="0" cy="0"/>
         </a:xfrm>
       </p:grpSpPr>
-      <p:pic>
-        <p:nvPicPr>
-          <p:cNvPr id="6" name="図 5">
-            <a:extLst>
-              <a:ext uri="{FF2B5EF4-FFF2-40B4-BE49-F238E27FC236}">
-                <a16:creationId xmlns:a16="http://schemas.microsoft.com/office/drawing/2014/main" id="{88EBC19E-D458-4F03-9F60-C119958D171B}"/>
-              </a:ext>
-            </a:extLst>
-          </p:cNvPr>
-          <p:cNvPicPr>
-            <a:picLocks noChangeAspect="1"/>
-          </p:cNvPicPr>
-          <p:nvPr/>
-        </p:nvPicPr>
-        <p:blipFill>
-          <a:blip r:embed="rId2"/>
-          <a:stretch>
-            <a:fillRect/>
-          </a:stretch>
-        </p:blipFill>
-        <p:spPr>
-          <a:xfrm>
-            <a:off x="1862667" y="808025"/>
-            <a:ext cx="7200000" cy="5164363"/>
-          </a:xfrm>
-          <a:prstGeom prst="rect">
-            <a:avLst/>
-          </a:prstGeom>
-        </p:spPr>
-      </p:pic>
-      <p:sp>
-        <p:nvSpPr>
-          <p:cNvPr id="4" name="テキスト ボックス 3">
-            <a:extLst>
-              <a:ext uri="{FF2B5EF4-FFF2-40B4-BE49-F238E27FC236}">
-                <a16:creationId xmlns:a16="http://schemas.microsoft.com/office/drawing/2014/main" id="{45BC0BC8-7A29-4D5C-814B-B0168232F33F}"/>
-              </a:ext>
-            </a:extLst>
-          </p:cNvPr>
-          <p:cNvSpPr txBox="1"/>
-          <p:nvPr/>
-        </p:nvSpPr>
-        <p:spPr>
-          <a:xfrm>
-            <a:off x="2980267" y="2192866"/>
-            <a:ext cx="3022600" cy="606381"/>
-          </a:xfrm>
-          <a:prstGeom prst="rect">
-            <a:avLst/>
-          </a:prstGeom>
-          <a:solidFill>
-            <a:schemeClr val="accent5">
-              <a:lumMod val="40000"/>
-              <a:lumOff val="60000"/>
-            </a:schemeClr>
-          </a:solidFill>
-          <a:ln>
-            <a:solidFill>
-              <a:schemeClr val="tx1"/>
-            </a:solidFill>
-          </a:ln>
-        </p:spPr>
-        <p:txBody>
-          <a:bodyPr wrap="square" rtlCol="0">
-            <a:noAutofit/>
-          </a:bodyPr>
-          <a:lstStyle/>
-          <a:p>
-            <a:r>
-              <a:rPr lang="en-US" altLang="ja-JP" sz="1000" dirty="0">
-                <a:latin typeface="ＭＳ Ｐゴシック" panose="020B0600070205080204" pitchFamily="50" charset="-128"/>
-                <a:ea typeface="ＭＳ Ｐゴシック" panose="020B0600070205080204" pitchFamily="50" charset="-128"/>
-                <a:cs typeface="Arial" panose="020B0604020202020204" pitchFamily="34" charset="0"/>
-              </a:rPr>
-              <a:t>Input: </a:t>
-            </a:r>
-          </a:p>
-          <a:p>
-            <a:r>
-              <a:rPr lang="en-US" altLang="ja-JP" sz="1000" dirty="0">
-                <a:latin typeface="ＭＳ Ｐゴシック" panose="020B0600070205080204" pitchFamily="50" charset="-128"/>
-                <a:ea typeface="ＭＳ Ｐゴシック" panose="020B0600070205080204" pitchFamily="50" charset="-128"/>
-                <a:cs typeface="Arial" panose="020B0604020202020204" pitchFamily="34" charset="0"/>
-              </a:rPr>
-              <a:t>-. </a:t>
-            </a:r>
-            <a:r>
-              <a:rPr lang="en-US" altLang="ja-JP" sz="1000" dirty="0" err="1">
-                <a:latin typeface="ＭＳ Ｐゴシック" panose="020B0600070205080204" pitchFamily="50" charset="-128"/>
-                <a:ea typeface="ＭＳ Ｐゴシック" panose="020B0600070205080204" pitchFamily="50" charset="-128"/>
-                <a:cs typeface="Arial" panose="020B0604020202020204" pitchFamily="34" charset="0"/>
-              </a:rPr>
-              <a:t>Beelean</a:t>
-            </a:r>
-            <a:r>
-              <a:rPr lang="en-US" altLang="ja-JP" sz="1000" dirty="0">
-                <a:latin typeface="ＭＳ Ｐゴシック" panose="020B0600070205080204" pitchFamily="50" charset="-128"/>
-                <a:ea typeface="ＭＳ Ｐゴシック" panose="020B0600070205080204" pitchFamily="50" charset="-128"/>
-                <a:cs typeface="Arial" panose="020B0604020202020204" pitchFamily="34" charset="0"/>
-              </a:rPr>
-              <a:t> signal which represent </a:t>
-            </a:r>
-            <a:r>
-              <a:rPr lang="en-US" altLang="ja-JP" sz="1000" dirty="0" err="1">
-                <a:latin typeface="ＭＳ Ｐゴシック" panose="020B0600070205080204" pitchFamily="50" charset="-128"/>
-                <a:ea typeface="ＭＳ Ｐゴシック" panose="020B0600070205080204" pitchFamily="50" charset="-128"/>
-                <a:cs typeface="Arial" panose="020B0604020202020204" pitchFamily="34" charset="0"/>
-              </a:rPr>
-              <a:t>keybord</a:t>
-            </a:r>
-            <a:r>
-              <a:rPr lang="en-US" altLang="ja-JP" sz="1000" dirty="0">
-                <a:latin typeface="ＭＳ Ｐゴシック" panose="020B0600070205080204" pitchFamily="50" charset="-128"/>
-                <a:ea typeface="ＭＳ Ｐゴシック" panose="020B0600070205080204" pitchFamily="50" charset="-128"/>
-                <a:cs typeface="Arial" panose="020B0604020202020204" pitchFamily="34" charset="0"/>
-              </a:rPr>
-              <a:t> </a:t>
-            </a:r>
-            <a:r>
-              <a:rPr lang="en-US" altLang="ja-JP" sz="1000" dirty="0" err="1">
-                <a:latin typeface="ＭＳ Ｐゴシック" panose="020B0600070205080204" pitchFamily="50" charset="-128"/>
-                <a:ea typeface="ＭＳ Ｐゴシック" panose="020B0600070205080204" pitchFamily="50" charset="-128"/>
-                <a:cs typeface="Arial" panose="020B0604020202020204" pitchFamily="34" charset="0"/>
-              </a:rPr>
-              <a:t>inout</a:t>
-            </a:r>
-            <a:r>
-              <a:rPr lang="en-US" altLang="ja-JP" sz="1000" dirty="0">
-                <a:latin typeface="ＭＳ Ｐゴシック" panose="020B0600070205080204" pitchFamily="50" charset="-128"/>
-                <a:ea typeface="ＭＳ Ｐゴシック" panose="020B0600070205080204" pitchFamily="50" charset="-128"/>
-                <a:cs typeface="Arial" panose="020B0604020202020204" pitchFamily="34" charset="0"/>
-              </a:rPr>
-              <a:t>.</a:t>
-            </a:r>
-          </a:p>
-          <a:p>
-            <a:r>
-              <a:rPr lang="en-US" altLang="ja-JP" sz="1000" dirty="0">
-                <a:latin typeface="ＭＳ Ｐゴシック" panose="020B0600070205080204" pitchFamily="50" charset="-128"/>
-                <a:ea typeface="ＭＳ Ｐゴシック" panose="020B0600070205080204" pitchFamily="50" charset="-128"/>
-                <a:cs typeface="Arial" panose="020B0604020202020204" pitchFamily="34" charset="0"/>
-              </a:rPr>
-              <a:t>-.”1” </a:t>
-            </a:r>
-            <a:r>
-              <a:rPr lang="en-US" altLang="ja-JP" sz="1000" dirty="0" err="1">
-                <a:latin typeface="ＭＳ Ｐゴシック" panose="020B0600070205080204" pitchFamily="50" charset="-128"/>
-                <a:ea typeface="ＭＳ Ｐゴシック" panose="020B0600070205080204" pitchFamily="50" charset="-128"/>
-                <a:cs typeface="Arial" panose="020B0604020202020204" pitchFamily="34" charset="0"/>
-              </a:rPr>
-              <a:t>represenets</a:t>
-            </a:r>
-            <a:r>
-              <a:rPr lang="en-US" altLang="ja-JP" sz="1000" dirty="0">
-                <a:latin typeface="ＭＳ Ｐゴシック" panose="020B0600070205080204" pitchFamily="50" charset="-128"/>
-                <a:ea typeface="ＭＳ Ｐゴシック" panose="020B0600070205080204" pitchFamily="50" charset="-128"/>
-                <a:cs typeface="Arial" panose="020B0604020202020204" pitchFamily="34" charset="0"/>
-              </a:rPr>
-              <a:t> “pressed”.</a:t>
-            </a:r>
-            <a:endParaRPr lang="ja-JP" altLang="en-US" sz="1000" dirty="0">
-              <a:latin typeface="ＭＳ Ｐゴシック" panose="020B0600070205080204" pitchFamily="50" charset="-128"/>
-              <a:ea typeface="ＭＳ Ｐゴシック" panose="020B0600070205080204" pitchFamily="50" charset="-128"/>
-              <a:cs typeface="Arial" panose="020B0604020202020204" pitchFamily="34" charset="0"/>
-            </a:endParaRPr>
-          </a:p>
-        </p:txBody>
-      </p:sp>
-      <p:cxnSp>
-        <p:nvCxnSpPr>
-          <p:cNvPr id="5" name="直線矢印コネクタ 4">
-            <a:extLst>
-              <a:ext uri="{FF2B5EF4-FFF2-40B4-BE49-F238E27FC236}">
-                <a16:creationId xmlns:a16="http://schemas.microsoft.com/office/drawing/2014/main" id="{F6461B8D-278E-4C3B-8EF6-A76D55792D59}"/>
-              </a:ext>
-            </a:extLst>
-          </p:cNvPr>
-          <p:cNvCxnSpPr>
-            <a:cxnSpLocks/>
-            <a:stCxn id="4" idx="2"/>
-          </p:cNvCxnSpPr>
-          <p:nvPr/>
-        </p:nvCxnSpPr>
-        <p:spPr>
-          <a:xfrm flipH="1">
-            <a:off x="4131735" y="2799247"/>
-            <a:ext cx="359832" cy="431802"/>
-          </a:xfrm>
-          <a:prstGeom prst="straightConnector1">
-            <a:avLst/>
-          </a:prstGeom>
-          <a:ln w="12700">
-            <a:solidFill>
-              <a:schemeClr val="tx1"/>
-            </a:solidFill>
-            <a:tailEnd type="oval"/>
-          </a:ln>
-        </p:spPr>
-        <p:style>
-          <a:lnRef idx="1">
-            <a:schemeClr val="accent1"/>
-          </a:lnRef>
-          <a:fillRef idx="0">
-            <a:schemeClr val="accent1"/>
-          </a:fillRef>
-          <a:effectRef idx="0">
-            <a:schemeClr val="accent1"/>
-          </a:effectRef>
-          <a:fontRef idx="minor">
-            <a:schemeClr val="tx1"/>
-          </a:fontRef>
-        </p:style>
-      </p:cxnSp>
     </p:spTree>
     <p:extLst>
       <p:ext uri="{BB962C8B-B14F-4D97-AF65-F5344CB8AC3E}">
-        <p14:creationId xmlns:p14="http://schemas.microsoft.com/office/powerpoint/2010/main" val="187099383"/>
+        <p14:creationId xmlns:p14="http://schemas.microsoft.com/office/powerpoint/2010/main" val="4053309543"/>
       </p:ext>
     </p:extLst>
   </p:cSld>

--- a/figs/makeFig.pptx
+++ b/figs/makeFig.pptx
@@ -5,52 +5,16 @@
     <p:sldMasterId id="2147483648" r:id="rId1"/>
   </p:sldMasterIdLst>
   <p:sldIdLst>
-    <p:sldId id="256" r:id="rId2"/>
-    <p:sldId id="257" r:id="rId3"/>
-    <p:sldId id="258" r:id="rId4"/>
-    <p:sldId id="259" r:id="rId5"/>
-    <p:sldId id="260" r:id="rId6"/>
-    <p:sldId id="261" r:id="rId7"/>
-    <p:sldId id="273" r:id="rId8"/>
-    <p:sldId id="265" r:id="rId9"/>
-    <p:sldId id="266" r:id="rId10"/>
-    <p:sldId id="267" r:id="rId11"/>
-    <p:sldId id="274" r:id="rId12"/>
-    <p:sldId id="275" r:id="rId13"/>
-    <p:sldId id="276" r:id="rId14"/>
-    <p:sldId id="277" r:id="rId15"/>
-    <p:sldId id="278" r:id="rId16"/>
-    <p:sldId id="279" r:id="rId17"/>
-    <p:sldId id="280" r:id="rId18"/>
-    <p:sldId id="281" r:id="rId19"/>
-    <p:sldId id="282" r:id="rId20"/>
-    <p:sldId id="283" r:id="rId21"/>
-    <p:sldId id="284" r:id="rId22"/>
-    <p:sldId id="285" r:id="rId23"/>
-    <p:sldId id="286" r:id="rId24"/>
-    <p:sldId id="287" r:id="rId25"/>
-    <p:sldId id="288" r:id="rId26"/>
-    <p:sldId id="289" r:id="rId27"/>
-    <p:sldId id="290" r:id="rId28"/>
-    <p:sldId id="291" r:id="rId29"/>
-    <p:sldId id="292" r:id="rId30"/>
-    <p:sldId id="293" r:id="rId31"/>
-    <p:sldId id="294" r:id="rId32"/>
-    <p:sldId id="295" r:id="rId33"/>
-    <p:sldId id="296" r:id="rId34"/>
-    <p:sldId id="297" r:id="rId35"/>
-    <p:sldId id="298" r:id="rId36"/>
-    <p:sldId id="299" r:id="rId37"/>
-    <p:sldId id="300" r:id="rId38"/>
-    <p:sldId id="301" r:id="rId39"/>
-    <p:sldId id="302" r:id="rId40"/>
-    <p:sldId id="303" r:id="rId41"/>
-    <p:sldId id="304" r:id="rId42"/>
-    <p:sldId id="305" r:id="rId43"/>
-    <p:sldId id="306" r:id="rId44"/>
-    <p:sldId id="307" r:id="rId45"/>
-    <p:sldId id="308" r:id="rId46"/>
-    <p:sldId id="309" r:id="rId47"/>
+    <p:sldId id="341" r:id="rId2"/>
+    <p:sldId id="342" r:id="rId3"/>
+    <p:sldId id="256" r:id="rId4"/>
+    <p:sldId id="257" r:id="rId5"/>
+    <p:sldId id="258" r:id="rId6"/>
+    <p:sldId id="259" r:id="rId7"/>
+    <p:sldId id="260" r:id="rId8"/>
+    <p:sldId id="261" r:id="rId9"/>
+    <p:sldId id="273" r:id="rId10"/>
+    <p:sldId id="265" r:id="rId11"/>
   </p:sldIdLst>
   <p:sldSz cx="10080625" cy="7559675"/>
   <p:notesSz cx="7559675" cy="10691813"/>
@@ -1916,6 +1880,2846 @@
 </file>
 
 <file path=ppt/slides/slide1.xml><?xml version="1.0" encoding="utf-8"?>
+<p:sld xmlns:a="http://schemas.openxmlformats.org/drawingml/2006/main" xmlns:r="http://schemas.openxmlformats.org/officeDocument/2006/relationships" xmlns:p="http://schemas.openxmlformats.org/presentationml/2006/main">
+  <p:cSld>
+    <p:spTree>
+      <p:nvGrpSpPr>
+        <p:cNvPr id="1" name=""/>
+        <p:cNvGrpSpPr/>
+        <p:nvPr/>
+      </p:nvGrpSpPr>
+      <p:grpSpPr>
+        <a:xfrm>
+          <a:off x="0" y="0"/>
+          <a:ext cx="0" cy="0"/>
+          <a:chOff x="0" y="0"/>
+          <a:chExt cx="0" cy="0"/>
+        </a:xfrm>
+      </p:grpSpPr>
+      <p:cxnSp>
+        <p:nvCxnSpPr>
+          <p:cNvPr id="5" name="直線コネクタ 4"/>
+          <p:cNvCxnSpPr>
+            <a:cxnSpLocks/>
+          </p:cNvCxnSpPr>
+          <p:nvPr/>
+        </p:nvCxnSpPr>
+        <p:spPr>
+          <a:xfrm flipV="1">
+            <a:off x="3283123" y="4230256"/>
+            <a:ext cx="0" cy="1400821"/>
+          </a:xfrm>
+          <a:prstGeom prst="line">
+            <a:avLst/>
+          </a:prstGeom>
+          <a:ln w="19050">
+            <a:headEnd type="none" w="med" len="med"/>
+            <a:tailEnd type="arrow" w="lg" len="lg"/>
+          </a:ln>
+        </p:spPr>
+        <p:style>
+          <a:lnRef idx="1">
+            <a:schemeClr val="dk1"/>
+          </a:lnRef>
+          <a:fillRef idx="0">
+            <a:schemeClr val="dk1"/>
+          </a:fillRef>
+          <a:effectRef idx="0">
+            <a:schemeClr val="dk1"/>
+          </a:effectRef>
+          <a:fontRef idx="minor">
+            <a:schemeClr val="tx1"/>
+          </a:fontRef>
+        </p:style>
+      </p:cxnSp>
+      <p:sp>
+        <p:nvSpPr>
+          <p:cNvPr id="12" name="テキスト ボックス 11"/>
+          <p:cNvSpPr txBox="1"/>
+          <p:nvPr/>
+        </p:nvSpPr>
+        <p:spPr>
+          <a:xfrm>
+            <a:off x="839415" y="5286306"/>
+            <a:ext cx="1576249" cy="646331"/>
+          </a:xfrm>
+          <a:prstGeom prst="rect">
+            <a:avLst/>
+          </a:prstGeom>
+          <a:noFill/>
+        </p:spPr>
+        <p:txBody>
+          <a:bodyPr wrap="square" rtlCol="0">
+            <a:spAutoFit/>
+          </a:bodyPr>
+          <a:lstStyle/>
+          <a:p>
+            <a:r>
+              <a:rPr kumimoji="1" lang="en-US" altLang="ja-JP" dirty="0"/>
+              <a:t>Isentropic Compression</a:t>
+            </a:r>
+            <a:endParaRPr kumimoji="1" lang="ja-JP" altLang="en-US" dirty="0"/>
+          </a:p>
+        </p:txBody>
+      </p:sp>
+      <p:sp>
+        <p:nvSpPr>
+          <p:cNvPr id="17" name="矢印: 右 16"/>
+          <p:cNvSpPr/>
+          <p:nvPr/>
+        </p:nvSpPr>
+        <p:spPr>
+          <a:xfrm rot="20943971">
+            <a:off x="1821073" y="4928521"/>
+            <a:ext cx="1217751" cy="376161"/>
+          </a:xfrm>
+          <a:prstGeom prst="rightArrow">
+            <a:avLst>
+              <a:gd name="adj1" fmla="val 41818"/>
+              <a:gd name="adj2" fmla="val 91666"/>
+            </a:avLst>
+          </a:prstGeom>
+        </p:spPr>
+        <p:style>
+          <a:lnRef idx="1">
+            <a:schemeClr val="accent1"/>
+          </a:lnRef>
+          <a:fillRef idx="3">
+            <a:schemeClr val="accent1"/>
+          </a:fillRef>
+          <a:effectRef idx="2">
+            <a:schemeClr val="accent1"/>
+          </a:effectRef>
+          <a:fontRef idx="minor">
+            <a:schemeClr val="lt1"/>
+          </a:fontRef>
+        </p:style>
+        <p:txBody>
+          <a:bodyPr rtlCol="0" anchor="ctr"/>
+          <a:lstStyle/>
+          <a:p>
+            <a:pPr algn="ctr"/>
+            <a:endParaRPr kumimoji="1" lang="ja-JP" altLang="en-US"/>
+          </a:p>
+        </p:txBody>
+      </p:sp>
+      <p:sp>
+        <p:nvSpPr>
+          <p:cNvPr id="19" name="テキスト ボックス 18"/>
+          <p:cNvSpPr txBox="1"/>
+          <p:nvPr/>
+        </p:nvSpPr>
+        <p:spPr>
+          <a:xfrm>
+            <a:off x="1772331" y="4646754"/>
+            <a:ext cx="552579" cy="369332"/>
+          </a:xfrm>
+          <a:prstGeom prst="rect">
+            <a:avLst/>
+          </a:prstGeom>
+          <a:noFill/>
+        </p:spPr>
+        <p:txBody>
+          <a:bodyPr wrap="square" rtlCol="0">
+            <a:spAutoFit/>
+          </a:bodyPr>
+          <a:lstStyle/>
+          <a:p>
+            <a:r>
+              <a:rPr kumimoji="1" lang="en-US" altLang="ja-JP" dirty="0"/>
+              <a:t>W</a:t>
+            </a:r>
+            <a:endParaRPr kumimoji="1" lang="ja-JP" altLang="en-US" dirty="0"/>
+          </a:p>
+        </p:txBody>
+      </p:sp>
+      <p:cxnSp>
+        <p:nvCxnSpPr>
+          <p:cNvPr id="26" name="直線コネクタ 25"/>
+          <p:cNvCxnSpPr/>
+          <p:nvPr/>
+        </p:nvCxnSpPr>
+        <p:spPr>
+          <a:xfrm flipV="1">
+            <a:off x="619737" y="1236617"/>
+            <a:ext cx="0" cy="5492156"/>
+          </a:xfrm>
+          <a:prstGeom prst="line">
+            <a:avLst/>
+          </a:prstGeom>
+          <a:ln w="19050">
+            <a:headEnd type="none" w="med" len="med"/>
+            <a:tailEnd type="arrow" w="med" len="med"/>
+          </a:ln>
+        </p:spPr>
+        <p:style>
+          <a:lnRef idx="1">
+            <a:schemeClr val="dk1"/>
+          </a:lnRef>
+          <a:fillRef idx="0">
+            <a:schemeClr val="dk1"/>
+          </a:fillRef>
+          <a:effectRef idx="0">
+            <a:schemeClr val="dk1"/>
+          </a:effectRef>
+          <a:fontRef idx="minor">
+            <a:schemeClr val="tx1"/>
+          </a:fontRef>
+        </p:style>
+      </p:cxnSp>
+      <p:sp>
+        <p:nvSpPr>
+          <p:cNvPr id="29" name="テキスト ボックス 28"/>
+          <p:cNvSpPr txBox="1"/>
+          <p:nvPr/>
+        </p:nvSpPr>
+        <p:spPr>
+          <a:xfrm>
+            <a:off x="249028" y="1544707"/>
+            <a:ext cx="552579" cy="369332"/>
+          </a:xfrm>
+          <a:prstGeom prst="rect">
+            <a:avLst/>
+          </a:prstGeom>
+          <a:noFill/>
+        </p:spPr>
+        <p:txBody>
+          <a:bodyPr wrap="square" rtlCol="0">
+            <a:spAutoFit/>
+          </a:bodyPr>
+          <a:lstStyle/>
+          <a:p>
+            <a:r>
+              <a:rPr lang="en-US" altLang="ja-JP" dirty="0"/>
+              <a:t>h</a:t>
+            </a:r>
+            <a:endParaRPr kumimoji="1" lang="ja-JP" altLang="en-US" dirty="0"/>
+          </a:p>
+        </p:txBody>
+      </p:sp>
+      <p:cxnSp>
+        <p:nvCxnSpPr>
+          <p:cNvPr id="30" name="直線コネクタ 29"/>
+          <p:cNvCxnSpPr/>
+          <p:nvPr/>
+        </p:nvCxnSpPr>
+        <p:spPr>
+          <a:xfrm>
+            <a:off x="619737" y="6728772"/>
+            <a:ext cx="6791257" cy="0"/>
+          </a:xfrm>
+          <a:prstGeom prst="line">
+            <a:avLst/>
+          </a:prstGeom>
+          <a:ln w="19050">
+            <a:headEnd type="none" w="med" len="med"/>
+            <a:tailEnd type="arrow" w="med" len="med"/>
+          </a:ln>
+        </p:spPr>
+        <p:style>
+          <a:lnRef idx="1">
+            <a:schemeClr val="dk1"/>
+          </a:lnRef>
+          <a:fillRef idx="0">
+            <a:schemeClr val="dk1"/>
+          </a:fillRef>
+          <a:effectRef idx="0">
+            <a:schemeClr val="dk1"/>
+          </a:effectRef>
+          <a:fontRef idx="minor">
+            <a:schemeClr val="tx1"/>
+          </a:fontRef>
+        </p:style>
+      </p:cxnSp>
+      <p:sp>
+        <p:nvSpPr>
+          <p:cNvPr id="34" name="テキスト ボックス 33"/>
+          <p:cNvSpPr txBox="1"/>
+          <p:nvPr/>
+        </p:nvSpPr>
+        <p:spPr>
+          <a:xfrm>
+            <a:off x="6684103" y="6275264"/>
+            <a:ext cx="552579" cy="369332"/>
+          </a:xfrm>
+          <a:prstGeom prst="rect">
+            <a:avLst/>
+          </a:prstGeom>
+          <a:noFill/>
+        </p:spPr>
+        <p:txBody>
+          <a:bodyPr wrap="square" rtlCol="0">
+            <a:spAutoFit/>
+          </a:bodyPr>
+          <a:lstStyle/>
+          <a:p>
+            <a:r>
+              <a:rPr kumimoji="1" lang="en-US" altLang="ja-JP" dirty="0"/>
+              <a:t>s</a:t>
+            </a:r>
+            <a:endParaRPr kumimoji="1" lang="ja-JP" altLang="en-US" dirty="0"/>
+          </a:p>
+        </p:txBody>
+      </p:sp>
+      <p:sp>
+        <p:nvSpPr>
+          <p:cNvPr id="27" name="フリーフォーム: 図形 26">
+            <a:extLst>
+              <a:ext uri="{FF2B5EF4-FFF2-40B4-BE49-F238E27FC236}">
+                <a16:creationId xmlns:a16="http://schemas.microsoft.com/office/drawing/2014/main" id="{4016A52E-7875-450B-AB38-2C9853293CDC}"/>
+              </a:ext>
+            </a:extLst>
+          </p:cNvPr>
+          <p:cNvSpPr/>
+          <p:nvPr/>
+        </p:nvSpPr>
+        <p:spPr>
+          <a:xfrm>
+            <a:off x="2656108" y="1445623"/>
+            <a:ext cx="2865120" cy="3163702"/>
+          </a:xfrm>
+          <a:custGeom>
+            <a:avLst/>
+            <a:gdLst>
+              <a:gd name="connsiteX0" fmla="*/ 0 w 1915886"/>
+              <a:gd name="connsiteY0" fmla="*/ 1576251 h 1576251"/>
+              <a:gd name="connsiteX1" fmla="*/ 539932 w 1915886"/>
+              <a:gd name="connsiteY1" fmla="*/ 1471748 h 1576251"/>
+              <a:gd name="connsiteX2" fmla="*/ 1210492 w 1915886"/>
+              <a:gd name="connsiteY2" fmla="*/ 1140823 h 1576251"/>
+              <a:gd name="connsiteX3" fmla="*/ 1672046 w 1915886"/>
+              <a:gd name="connsiteY3" fmla="*/ 670560 h 1576251"/>
+              <a:gd name="connsiteX4" fmla="*/ 1863634 w 1915886"/>
+              <a:gd name="connsiteY4" fmla="*/ 217714 h 1576251"/>
+              <a:gd name="connsiteX5" fmla="*/ 1915886 w 1915886"/>
+              <a:gd name="connsiteY5" fmla="*/ 0 h 1576251"/>
+              <a:gd name="connsiteX0-1" fmla="*/ 0 w 1915886"/>
+              <a:gd name="connsiteY0-2" fmla="*/ 1576251 h 1576251"/>
+              <a:gd name="connsiteX1-3" fmla="*/ 559285 w 1915886"/>
+              <a:gd name="connsiteY1-4" fmla="*/ 1402080 h 1576251"/>
+              <a:gd name="connsiteX2-5" fmla="*/ 1210492 w 1915886"/>
+              <a:gd name="connsiteY2-6" fmla="*/ 1140823 h 1576251"/>
+              <a:gd name="connsiteX3-7" fmla="*/ 1672046 w 1915886"/>
+              <a:gd name="connsiteY3-8" fmla="*/ 670560 h 1576251"/>
+              <a:gd name="connsiteX4-9" fmla="*/ 1863634 w 1915886"/>
+              <a:gd name="connsiteY4-10" fmla="*/ 217714 h 1576251"/>
+              <a:gd name="connsiteX5-11" fmla="*/ 1915886 w 1915886"/>
+              <a:gd name="connsiteY5-12" fmla="*/ 0 h 1576251"/>
+              <a:gd name="connsiteX0-13" fmla="*/ 0 w 1915886"/>
+              <a:gd name="connsiteY0-14" fmla="*/ 1576251 h 1576251"/>
+              <a:gd name="connsiteX1-15" fmla="*/ 559285 w 1915886"/>
+              <a:gd name="connsiteY1-16" fmla="*/ 1402080 h 1576251"/>
+              <a:gd name="connsiteX2-17" fmla="*/ 1152436 w 1915886"/>
+              <a:gd name="connsiteY2-18" fmla="*/ 1079863 h 1576251"/>
+              <a:gd name="connsiteX3-19" fmla="*/ 1672046 w 1915886"/>
+              <a:gd name="connsiteY3-20" fmla="*/ 670560 h 1576251"/>
+              <a:gd name="connsiteX4-21" fmla="*/ 1863634 w 1915886"/>
+              <a:gd name="connsiteY4-22" fmla="*/ 217714 h 1576251"/>
+              <a:gd name="connsiteX5-23" fmla="*/ 1915886 w 1915886"/>
+              <a:gd name="connsiteY5-24" fmla="*/ 0 h 1576251"/>
+              <a:gd name="connsiteX0-25" fmla="*/ 0 w 1915886"/>
+              <a:gd name="connsiteY0-26" fmla="*/ 1576251 h 1576251"/>
+              <a:gd name="connsiteX1-27" fmla="*/ 559285 w 1915886"/>
+              <a:gd name="connsiteY1-28" fmla="*/ 1402080 h 1576251"/>
+              <a:gd name="connsiteX2-29" fmla="*/ 1152436 w 1915886"/>
+              <a:gd name="connsiteY2-30" fmla="*/ 1079863 h 1576251"/>
+              <a:gd name="connsiteX3-31" fmla="*/ 1555931 w 1915886"/>
+              <a:gd name="connsiteY3-32" fmla="*/ 687977 h 1576251"/>
+              <a:gd name="connsiteX4-33" fmla="*/ 1863634 w 1915886"/>
+              <a:gd name="connsiteY4-34" fmla="*/ 217714 h 1576251"/>
+              <a:gd name="connsiteX5-35" fmla="*/ 1915886 w 1915886"/>
+              <a:gd name="connsiteY5-36" fmla="*/ 0 h 1576251"/>
+              <a:gd name="connsiteX0-37" fmla="*/ 0 w 1915886"/>
+              <a:gd name="connsiteY0-38" fmla="*/ 1576251 h 1576251"/>
+              <a:gd name="connsiteX1-39" fmla="*/ 559285 w 1915886"/>
+              <a:gd name="connsiteY1-40" fmla="*/ 1402080 h 1576251"/>
+              <a:gd name="connsiteX2-41" fmla="*/ 1152436 w 1915886"/>
+              <a:gd name="connsiteY2-42" fmla="*/ 1079863 h 1576251"/>
+              <a:gd name="connsiteX3-43" fmla="*/ 1555931 w 1915886"/>
+              <a:gd name="connsiteY3-44" fmla="*/ 687977 h 1576251"/>
+              <a:gd name="connsiteX4-45" fmla="*/ 1786225 w 1915886"/>
+              <a:gd name="connsiteY4-46" fmla="*/ 322217 h 1576251"/>
+              <a:gd name="connsiteX5-47" fmla="*/ 1915886 w 1915886"/>
+              <a:gd name="connsiteY5-48" fmla="*/ 0 h 1576251"/>
+              <a:gd name="connsiteX0-49" fmla="*/ 0 w 1915886"/>
+              <a:gd name="connsiteY0-50" fmla="*/ 1576251 h 1576251"/>
+              <a:gd name="connsiteX1-51" fmla="*/ 559285 w 1915886"/>
+              <a:gd name="connsiteY1-52" fmla="*/ 1402080 h 1576251"/>
+              <a:gd name="connsiteX2-53" fmla="*/ 1152436 w 1915886"/>
+              <a:gd name="connsiteY2-54" fmla="*/ 1079863 h 1576251"/>
+              <a:gd name="connsiteX3-55" fmla="*/ 1555931 w 1915886"/>
+              <a:gd name="connsiteY3-56" fmla="*/ 687977 h 1576251"/>
+              <a:gd name="connsiteX4-57" fmla="*/ 1786225 w 1915886"/>
+              <a:gd name="connsiteY4-58" fmla="*/ 365760 h 1576251"/>
+              <a:gd name="connsiteX5-59" fmla="*/ 1915886 w 1915886"/>
+              <a:gd name="connsiteY5-60" fmla="*/ 0 h 1576251"/>
+              <a:gd name="connsiteX0-61" fmla="*/ 0 w 1915886"/>
+              <a:gd name="connsiteY0-62" fmla="*/ 1576251 h 1576251"/>
+              <a:gd name="connsiteX1-63" fmla="*/ 559285 w 1915886"/>
+              <a:gd name="connsiteY1-64" fmla="*/ 1402080 h 1576251"/>
+              <a:gd name="connsiteX2-65" fmla="*/ 1152436 w 1915886"/>
+              <a:gd name="connsiteY2-66" fmla="*/ 1079863 h 1576251"/>
+              <a:gd name="connsiteX3-67" fmla="*/ 1555931 w 1915886"/>
+              <a:gd name="connsiteY3-68" fmla="*/ 687977 h 1576251"/>
+              <a:gd name="connsiteX4-69" fmla="*/ 1786225 w 1915886"/>
+              <a:gd name="connsiteY4-70" fmla="*/ 365760 h 1576251"/>
+              <a:gd name="connsiteX5-71" fmla="*/ 1915886 w 1915886"/>
+              <a:gd name="connsiteY5-72" fmla="*/ 0 h 1576251"/>
+              <a:gd name="connsiteX0-73" fmla="*/ 0 w 1915886"/>
+              <a:gd name="connsiteY0-74" fmla="*/ 1576251 h 1576251"/>
+              <a:gd name="connsiteX1-75" fmla="*/ 559285 w 1915886"/>
+              <a:gd name="connsiteY1-76" fmla="*/ 1402080 h 1576251"/>
+              <a:gd name="connsiteX2-77" fmla="*/ 1152436 w 1915886"/>
+              <a:gd name="connsiteY2-78" fmla="*/ 1079863 h 1576251"/>
+              <a:gd name="connsiteX3-79" fmla="*/ 1555931 w 1915886"/>
+              <a:gd name="connsiteY3-80" fmla="*/ 687977 h 1576251"/>
+              <a:gd name="connsiteX4-81" fmla="*/ 1786225 w 1915886"/>
+              <a:gd name="connsiteY4-82" fmla="*/ 365760 h 1576251"/>
+              <a:gd name="connsiteX5-83" fmla="*/ 1915886 w 1915886"/>
+              <a:gd name="connsiteY5-84" fmla="*/ 0 h 1576251"/>
+              <a:gd name="connsiteX0-85" fmla="*/ 0 w 1915886"/>
+              <a:gd name="connsiteY0-86" fmla="*/ 1576251 h 1576251"/>
+              <a:gd name="connsiteX1-87" fmla="*/ 559285 w 1915886"/>
+              <a:gd name="connsiteY1-88" fmla="*/ 1402080 h 1576251"/>
+              <a:gd name="connsiteX2-89" fmla="*/ 1152436 w 1915886"/>
+              <a:gd name="connsiteY2-90" fmla="*/ 1079863 h 1576251"/>
+              <a:gd name="connsiteX3-91" fmla="*/ 1517227 w 1915886"/>
+              <a:gd name="connsiteY3-92" fmla="*/ 722812 h 1576251"/>
+              <a:gd name="connsiteX4-93" fmla="*/ 1786225 w 1915886"/>
+              <a:gd name="connsiteY4-94" fmla="*/ 365760 h 1576251"/>
+              <a:gd name="connsiteX5-95" fmla="*/ 1915886 w 1915886"/>
+              <a:gd name="connsiteY5-96" fmla="*/ 0 h 1576251"/>
+              <a:gd name="connsiteX0-97" fmla="*/ 0 w 1915886"/>
+              <a:gd name="connsiteY0-98" fmla="*/ 1576251 h 1576251"/>
+              <a:gd name="connsiteX1-99" fmla="*/ 559285 w 1915886"/>
+              <a:gd name="connsiteY1-100" fmla="*/ 1402080 h 1576251"/>
+              <a:gd name="connsiteX2-101" fmla="*/ 1152436 w 1915886"/>
+              <a:gd name="connsiteY2-102" fmla="*/ 1079863 h 1576251"/>
+              <a:gd name="connsiteX3-103" fmla="*/ 1517227 w 1915886"/>
+              <a:gd name="connsiteY3-104" fmla="*/ 722812 h 1576251"/>
+              <a:gd name="connsiteX4-105" fmla="*/ 1786225 w 1915886"/>
+              <a:gd name="connsiteY4-106" fmla="*/ 365760 h 1576251"/>
+              <a:gd name="connsiteX5-107" fmla="*/ 1915886 w 1915886"/>
+              <a:gd name="connsiteY5-108" fmla="*/ 0 h 1576251"/>
+              <a:gd name="connsiteX0-109" fmla="*/ 0 w 1915886"/>
+              <a:gd name="connsiteY0-110" fmla="*/ 1576251 h 1576251"/>
+              <a:gd name="connsiteX1-111" fmla="*/ 539189 w 1915886"/>
+              <a:gd name="connsiteY1-112" fmla="*/ 1381542 h 1576251"/>
+              <a:gd name="connsiteX2-113" fmla="*/ 1152436 w 1915886"/>
+              <a:gd name="connsiteY2-114" fmla="*/ 1079863 h 1576251"/>
+              <a:gd name="connsiteX3-115" fmla="*/ 1517227 w 1915886"/>
+              <a:gd name="connsiteY3-116" fmla="*/ 722812 h 1576251"/>
+              <a:gd name="connsiteX4-117" fmla="*/ 1786225 w 1915886"/>
+              <a:gd name="connsiteY4-118" fmla="*/ 365760 h 1576251"/>
+              <a:gd name="connsiteX5-119" fmla="*/ 1915886 w 1915886"/>
+              <a:gd name="connsiteY5-120" fmla="*/ 0 h 1576251"/>
+              <a:gd name="connsiteX0-121" fmla="*/ 0 w 1915886"/>
+              <a:gd name="connsiteY0-122" fmla="*/ 1576251 h 1576251"/>
+              <a:gd name="connsiteX1-123" fmla="*/ 539189 w 1915886"/>
+              <a:gd name="connsiteY1-124" fmla="*/ 1381542 h 1576251"/>
+              <a:gd name="connsiteX2-125" fmla="*/ 1125641 w 1915886"/>
+              <a:gd name="connsiteY2-126" fmla="*/ 1074728 h 1576251"/>
+              <a:gd name="connsiteX3-127" fmla="*/ 1517227 w 1915886"/>
+              <a:gd name="connsiteY3-128" fmla="*/ 722812 h 1576251"/>
+              <a:gd name="connsiteX4-129" fmla="*/ 1786225 w 1915886"/>
+              <a:gd name="connsiteY4-130" fmla="*/ 365760 h 1576251"/>
+              <a:gd name="connsiteX5-131" fmla="*/ 1915886 w 1915886"/>
+              <a:gd name="connsiteY5-132" fmla="*/ 0 h 1576251"/>
+              <a:gd name="connsiteX0-133" fmla="*/ 0 w 1915886"/>
+              <a:gd name="connsiteY0-134" fmla="*/ 1576251 h 1576251"/>
+              <a:gd name="connsiteX1-135" fmla="*/ 539189 w 1915886"/>
+              <a:gd name="connsiteY1-136" fmla="*/ 1381542 h 1576251"/>
+              <a:gd name="connsiteX2-137" fmla="*/ 1125641 w 1915886"/>
+              <a:gd name="connsiteY2-138" fmla="*/ 1074728 h 1576251"/>
+              <a:gd name="connsiteX3-139" fmla="*/ 1456937 w 1915886"/>
+              <a:gd name="connsiteY3-140" fmla="*/ 758753 h 1576251"/>
+              <a:gd name="connsiteX4-141" fmla="*/ 1786225 w 1915886"/>
+              <a:gd name="connsiteY4-142" fmla="*/ 365760 h 1576251"/>
+              <a:gd name="connsiteX5-143" fmla="*/ 1915886 w 1915886"/>
+              <a:gd name="connsiteY5-144" fmla="*/ 0 h 1576251"/>
+              <a:gd name="connsiteX0-145" fmla="*/ 0 w 1915886"/>
+              <a:gd name="connsiteY0-146" fmla="*/ 1576251 h 1576251"/>
+              <a:gd name="connsiteX1-147" fmla="*/ 539189 w 1915886"/>
+              <a:gd name="connsiteY1-148" fmla="*/ 1381542 h 1576251"/>
+              <a:gd name="connsiteX2-149" fmla="*/ 1125641 w 1915886"/>
+              <a:gd name="connsiteY2-150" fmla="*/ 1074728 h 1576251"/>
+              <a:gd name="connsiteX3-151" fmla="*/ 1456937 w 1915886"/>
+              <a:gd name="connsiteY3-152" fmla="*/ 758753 h 1576251"/>
+              <a:gd name="connsiteX4-153" fmla="*/ 1739333 w 1915886"/>
+              <a:gd name="connsiteY4-154" fmla="*/ 381164 h 1576251"/>
+              <a:gd name="connsiteX5-155" fmla="*/ 1915886 w 1915886"/>
+              <a:gd name="connsiteY5-156" fmla="*/ 0 h 1576251"/>
+              <a:gd name="connsiteX0-157" fmla="*/ 0 w 1915886"/>
+              <a:gd name="connsiteY0-158" fmla="*/ 1576251 h 1576251"/>
+              <a:gd name="connsiteX1-159" fmla="*/ 539189 w 1915886"/>
+              <a:gd name="connsiteY1-160" fmla="*/ 1381542 h 1576251"/>
+              <a:gd name="connsiteX2-161" fmla="*/ 1125641 w 1915886"/>
+              <a:gd name="connsiteY2-162" fmla="*/ 1074728 h 1576251"/>
+              <a:gd name="connsiteX3-163" fmla="*/ 1423442 w 1915886"/>
+              <a:gd name="connsiteY3-164" fmla="*/ 784425 h 1576251"/>
+              <a:gd name="connsiteX4-165" fmla="*/ 1739333 w 1915886"/>
+              <a:gd name="connsiteY4-166" fmla="*/ 381164 h 1576251"/>
+              <a:gd name="connsiteX5-167" fmla="*/ 1915886 w 1915886"/>
+              <a:gd name="connsiteY5-168" fmla="*/ 0 h 1576251"/>
+              <a:gd name="connsiteX0-169" fmla="*/ 0 w 1915886"/>
+              <a:gd name="connsiteY0-170" fmla="*/ 1576251 h 1576251"/>
+              <a:gd name="connsiteX1-171" fmla="*/ 539189 w 1915886"/>
+              <a:gd name="connsiteY1-172" fmla="*/ 1381542 h 1576251"/>
+              <a:gd name="connsiteX2-173" fmla="*/ 1045255 w 1915886"/>
+              <a:gd name="connsiteY2-174" fmla="*/ 1084996 h 1576251"/>
+              <a:gd name="connsiteX3-175" fmla="*/ 1423442 w 1915886"/>
+              <a:gd name="connsiteY3-176" fmla="*/ 784425 h 1576251"/>
+              <a:gd name="connsiteX4-177" fmla="*/ 1739333 w 1915886"/>
+              <a:gd name="connsiteY4-178" fmla="*/ 381164 h 1576251"/>
+              <a:gd name="connsiteX5-179" fmla="*/ 1915886 w 1915886"/>
+              <a:gd name="connsiteY5-180" fmla="*/ 0 h 1576251"/>
+              <a:gd name="connsiteX0-181" fmla="*/ 0 w 1915886"/>
+              <a:gd name="connsiteY0-182" fmla="*/ 1576251 h 1576251"/>
+              <a:gd name="connsiteX1-183" fmla="*/ 565985 w 1915886"/>
+              <a:gd name="connsiteY1-184" fmla="*/ 1345602 h 1576251"/>
+              <a:gd name="connsiteX2-185" fmla="*/ 1045255 w 1915886"/>
+              <a:gd name="connsiteY2-186" fmla="*/ 1084996 h 1576251"/>
+              <a:gd name="connsiteX3-187" fmla="*/ 1423442 w 1915886"/>
+              <a:gd name="connsiteY3-188" fmla="*/ 784425 h 1576251"/>
+              <a:gd name="connsiteX4-189" fmla="*/ 1739333 w 1915886"/>
+              <a:gd name="connsiteY4-190" fmla="*/ 381164 h 1576251"/>
+              <a:gd name="connsiteX5-191" fmla="*/ 1915886 w 1915886"/>
+              <a:gd name="connsiteY5-192" fmla="*/ 0 h 1576251"/>
+            </a:gdLst>
+            <a:ahLst/>
+            <a:cxnLst>
+              <a:cxn ang="0">
+                <a:pos x="connsiteX0-1" y="connsiteY0-2"/>
+              </a:cxn>
+              <a:cxn ang="0">
+                <a:pos x="connsiteX1-3" y="connsiteY1-4"/>
+              </a:cxn>
+              <a:cxn ang="0">
+                <a:pos x="connsiteX2-5" y="connsiteY2-6"/>
+              </a:cxn>
+              <a:cxn ang="0">
+                <a:pos x="connsiteX3-7" y="connsiteY3-8"/>
+              </a:cxn>
+              <a:cxn ang="0">
+                <a:pos x="connsiteX4-9" y="connsiteY4-10"/>
+              </a:cxn>
+              <a:cxn ang="0">
+                <a:pos x="connsiteX5-11" y="connsiteY5-12"/>
+              </a:cxn>
+            </a:cxnLst>
+            <a:rect l="l" t="t" r="r" b="b"/>
+            <a:pathLst>
+              <a:path w="1915886" h="1576251">
+                <a:moveTo>
+                  <a:pt x="0" y="1576251"/>
+                </a:moveTo>
+                <a:cubicBezTo>
+                  <a:pt x="202585" y="1498673"/>
+                  <a:pt x="391776" y="1427478"/>
+                  <a:pt x="565985" y="1345602"/>
+                </a:cubicBezTo>
+                <a:cubicBezTo>
+                  <a:pt x="740194" y="1263726"/>
+                  <a:pt x="902345" y="1178526"/>
+                  <a:pt x="1045255" y="1084996"/>
+                </a:cubicBezTo>
+                <a:cubicBezTo>
+                  <a:pt x="1188165" y="991466"/>
+                  <a:pt x="1307762" y="901730"/>
+                  <a:pt x="1423442" y="784425"/>
+                </a:cubicBezTo>
+                <a:cubicBezTo>
+                  <a:pt x="1539122" y="667120"/>
+                  <a:pt x="1640635" y="545176"/>
+                  <a:pt x="1739333" y="381164"/>
+                </a:cubicBezTo>
+                <a:cubicBezTo>
+                  <a:pt x="1828354" y="225861"/>
+                  <a:pt x="1910080" y="52977"/>
+                  <a:pt x="1915886" y="0"/>
+                </a:cubicBezTo>
+              </a:path>
+            </a:pathLst>
+          </a:custGeom>
+          <a:ln w="19050">
+            <a:prstDash val="dash"/>
+            <a:headEnd type="none" w="med" len="med"/>
+            <a:tailEnd type="none" w="med" len="med"/>
+          </a:ln>
+        </p:spPr>
+        <p:style>
+          <a:lnRef idx="1">
+            <a:schemeClr val="dk1"/>
+          </a:lnRef>
+          <a:fillRef idx="0">
+            <a:schemeClr val="dk1"/>
+          </a:fillRef>
+          <a:effectRef idx="0">
+            <a:schemeClr val="dk1"/>
+          </a:effectRef>
+          <a:fontRef idx="minor">
+            <a:schemeClr val="tx1"/>
+          </a:fontRef>
+        </p:style>
+        <p:txBody>
+          <a:bodyPr rtlCol="0" anchor="ctr"/>
+          <a:lstStyle/>
+          <a:p>
+            <a:pPr algn="ctr"/>
+            <a:endParaRPr kumimoji="1" lang="ja-JP" altLang="en-US"/>
+          </a:p>
+        </p:txBody>
+      </p:sp>
+      <p:sp>
+        <p:nvSpPr>
+          <p:cNvPr id="28" name="フリーフォーム: 図形 27">
+            <a:extLst>
+              <a:ext uri="{FF2B5EF4-FFF2-40B4-BE49-F238E27FC236}">
+                <a16:creationId xmlns:a16="http://schemas.microsoft.com/office/drawing/2014/main" id="{DB602620-6BB7-4727-BD10-2D64035F2BD6}"/>
+              </a:ext>
+            </a:extLst>
+          </p:cNvPr>
+          <p:cNvSpPr/>
+          <p:nvPr/>
+        </p:nvSpPr>
+        <p:spPr>
+          <a:xfrm>
+            <a:off x="2656106" y="4602125"/>
+            <a:ext cx="2869901" cy="1144078"/>
+          </a:xfrm>
+          <a:custGeom>
+            <a:avLst/>
+            <a:gdLst>
+              <a:gd name="connsiteX0" fmla="*/ 0 w 1915886"/>
+              <a:gd name="connsiteY0" fmla="*/ 1576251 h 1576251"/>
+              <a:gd name="connsiteX1" fmla="*/ 539932 w 1915886"/>
+              <a:gd name="connsiteY1" fmla="*/ 1471748 h 1576251"/>
+              <a:gd name="connsiteX2" fmla="*/ 1210492 w 1915886"/>
+              <a:gd name="connsiteY2" fmla="*/ 1140823 h 1576251"/>
+              <a:gd name="connsiteX3" fmla="*/ 1672046 w 1915886"/>
+              <a:gd name="connsiteY3" fmla="*/ 670560 h 1576251"/>
+              <a:gd name="connsiteX4" fmla="*/ 1863634 w 1915886"/>
+              <a:gd name="connsiteY4" fmla="*/ 217714 h 1576251"/>
+              <a:gd name="connsiteX5" fmla="*/ 1915886 w 1915886"/>
+              <a:gd name="connsiteY5" fmla="*/ 0 h 1576251"/>
+              <a:gd name="connsiteX0-1" fmla="*/ 0 w 1915886"/>
+              <a:gd name="connsiteY0-2" fmla="*/ 1576251 h 1576251"/>
+              <a:gd name="connsiteX1-3" fmla="*/ 559285 w 1915886"/>
+              <a:gd name="connsiteY1-4" fmla="*/ 1402080 h 1576251"/>
+              <a:gd name="connsiteX2-5" fmla="*/ 1210492 w 1915886"/>
+              <a:gd name="connsiteY2-6" fmla="*/ 1140823 h 1576251"/>
+              <a:gd name="connsiteX3-7" fmla="*/ 1672046 w 1915886"/>
+              <a:gd name="connsiteY3-8" fmla="*/ 670560 h 1576251"/>
+              <a:gd name="connsiteX4-9" fmla="*/ 1863634 w 1915886"/>
+              <a:gd name="connsiteY4-10" fmla="*/ 217714 h 1576251"/>
+              <a:gd name="connsiteX5-11" fmla="*/ 1915886 w 1915886"/>
+              <a:gd name="connsiteY5-12" fmla="*/ 0 h 1576251"/>
+              <a:gd name="connsiteX0-13" fmla="*/ 0 w 1915886"/>
+              <a:gd name="connsiteY0-14" fmla="*/ 1576251 h 1576251"/>
+              <a:gd name="connsiteX1-15" fmla="*/ 559285 w 1915886"/>
+              <a:gd name="connsiteY1-16" fmla="*/ 1402080 h 1576251"/>
+              <a:gd name="connsiteX2-17" fmla="*/ 1152436 w 1915886"/>
+              <a:gd name="connsiteY2-18" fmla="*/ 1079863 h 1576251"/>
+              <a:gd name="connsiteX3-19" fmla="*/ 1672046 w 1915886"/>
+              <a:gd name="connsiteY3-20" fmla="*/ 670560 h 1576251"/>
+              <a:gd name="connsiteX4-21" fmla="*/ 1863634 w 1915886"/>
+              <a:gd name="connsiteY4-22" fmla="*/ 217714 h 1576251"/>
+              <a:gd name="connsiteX5-23" fmla="*/ 1915886 w 1915886"/>
+              <a:gd name="connsiteY5-24" fmla="*/ 0 h 1576251"/>
+              <a:gd name="connsiteX0-25" fmla="*/ 0 w 1915886"/>
+              <a:gd name="connsiteY0-26" fmla="*/ 1576251 h 1576251"/>
+              <a:gd name="connsiteX1-27" fmla="*/ 559285 w 1915886"/>
+              <a:gd name="connsiteY1-28" fmla="*/ 1402080 h 1576251"/>
+              <a:gd name="connsiteX2-29" fmla="*/ 1152436 w 1915886"/>
+              <a:gd name="connsiteY2-30" fmla="*/ 1079863 h 1576251"/>
+              <a:gd name="connsiteX3-31" fmla="*/ 1555931 w 1915886"/>
+              <a:gd name="connsiteY3-32" fmla="*/ 687977 h 1576251"/>
+              <a:gd name="connsiteX4-33" fmla="*/ 1863634 w 1915886"/>
+              <a:gd name="connsiteY4-34" fmla="*/ 217714 h 1576251"/>
+              <a:gd name="connsiteX5-35" fmla="*/ 1915886 w 1915886"/>
+              <a:gd name="connsiteY5-36" fmla="*/ 0 h 1576251"/>
+              <a:gd name="connsiteX0-37" fmla="*/ 0 w 1915886"/>
+              <a:gd name="connsiteY0-38" fmla="*/ 1576251 h 1576251"/>
+              <a:gd name="connsiteX1-39" fmla="*/ 559285 w 1915886"/>
+              <a:gd name="connsiteY1-40" fmla="*/ 1402080 h 1576251"/>
+              <a:gd name="connsiteX2-41" fmla="*/ 1152436 w 1915886"/>
+              <a:gd name="connsiteY2-42" fmla="*/ 1079863 h 1576251"/>
+              <a:gd name="connsiteX3-43" fmla="*/ 1555931 w 1915886"/>
+              <a:gd name="connsiteY3-44" fmla="*/ 687977 h 1576251"/>
+              <a:gd name="connsiteX4-45" fmla="*/ 1786225 w 1915886"/>
+              <a:gd name="connsiteY4-46" fmla="*/ 322217 h 1576251"/>
+              <a:gd name="connsiteX5-47" fmla="*/ 1915886 w 1915886"/>
+              <a:gd name="connsiteY5-48" fmla="*/ 0 h 1576251"/>
+              <a:gd name="connsiteX0-49" fmla="*/ 0 w 1915886"/>
+              <a:gd name="connsiteY0-50" fmla="*/ 1576251 h 1576251"/>
+              <a:gd name="connsiteX1-51" fmla="*/ 559285 w 1915886"/>
+              <a:gd name="connsiteY1-52" fmla="*/ 1402080 h 1576251"/>
+              <a:gd name="connsiteX2-53" fmla="*/ 1152436 w 1915886"/>
+              <a:gd name="connsiteY2-54" fmla="*/ 1079863 h 1576251"/>
+              <a:gd name="connsiteX3-55" fmla="*/ 1555931 w 1915886"/>
+              <a:gd name="connsiteY3-56" fmla="*/ 687977 h 1576251"/>
+              <a:gd name="connsiteX4-57" fmla="*/ 1786225 w 1915886"/>
+              <a:gd name="connsiteY4-58" fmla="*/ 365760 h 1576251"/>
+              <a:gd name="connsiteX5-59" fmla="*/ 1915886 w 1915886"/>
+              <a:gd name="connsiteY5-60" fmla="*/ 0 h 1576251"/>
+              <a:gd name="connsiteX0-61" fmla="*/ 0 w 1915886"/>
+              <a:gd name="connsiteY0-62" fmla="*/ 1576251 h 1576251"/>
+              <a:gd name="connsiteX1-63" fmla="*/ 559285 w 1915886"/>
+              <a:gd name="connsiteY1-64" fmla="*/ 1402080 h 1576251"/>
+              <a:gd name="connsiteX2-65" fmla="*/ 1152436 w 1915886"/>
+              <a:gd name="connsiteY2-66" fmla="*/ 1079863 h 1576251"/>
+              <a:gd name="connsiteX3-67" fmla="*/ 1555931 w 1915886"/>
+              <a:gd name="connsiteY3-68" fmla="*/ 687977 h 1576251"/>
+              <a:gd name="connsiteX4-69" fmla="*/ 1786225 w 1915886"/>
+              <a:gd name="connsiteY4-70" fmla="*/ 365760 h 1576251"/>
+              <a:gd name="connsiteX5-71" fmla="*/ 1915886 w 1915886"/>
+              <a:gd name="connsiteY5-72" fmla="*/ 0 h 1576251"/>
+              <a:gd name="connsiteX0-73" fmla="*/ 0 w 1915886"/>
+              <a:gd name="connsiteY0-74" fmla="*/ 1576251 h 1576251"/>
+              <a:gd name="connsiteX1-75" fmla="*/ 559285 w 1915886"/>
+              <a:gd name="connsiteY1-76" fmla="*/ 1402080 h 1576251"/>
+              <a:gd name="connsiteX2-77" fmla="*/ 1152436 w 1915886"/>
+              <a:gd name="connsiteY2-78" fmla="*/ 1079863 h 1576251"/>
+              <a:gd name="connsiteX3-79" fmla="*/ 1555931 w 1915886"/>
+              <a:gd name="connsiteY3-80" fmla="*/ 687977 h 1576251"/>
+              <a:gd name="connsiteX4-81" fmla="*/ 1786225 w 1915886"/>
+              <a:gd name="connsiteY4-82" fmla="*/ 365760 h 1576251"/>
+              <a:gd name="connsiteX5-83" fmla="*/ 1915886 w 1915886"/>
+              <a:gd name="connsiteY5-84" fmla="*/ 0 h 1576251"/>
+              <a:gd name="connsiteX0-85" fmla="*/ 0 w 1915886"/>
+              <a:gd name="connsiteY0-86" fmla="*/ 1576251 h 1576251"/>
+              <a:gd name="connsiteX1-87" fmla="*/ 559285 w 1915886"/>
+              <a:gd name="connsiteY1-88" fmla="*/ 1402080 h 1576251"/>
+              <a:gd name="connsiteX2-89" fmla="*/ 1152436 w 1915886"/>
+              <a:gd name="connsiteY2-90" fmla="*/ 1079863 h 1576251"/>
+              <a:gd name="connsiteX3-91" fmla="*/ 1517227 w 1915886"/>
+              <a:gd name="connsiteY3-92" fmla="*/ 722812 h 1576251"/>
+              <a:gd name="connsiteX4-93" fmla="*/ 1786225 w 1915886"/>
+              <a:gd name="connsiteY4-94" fmla="*/ 365760 h 1576251"/>
+              <a:gd name="connsiteX5-95" fmla="*/ 1915886 w 1915886"/>
+              <a:gd name="connsiteY5-96" fmla="*/ 0 h 1576251"/>
+              <a:gd name="connsiteX0-97" fmla="*/ 0 w 1915886"/>
+              <a:gd name="connsiteY0-98" fmla="*/ 1576251 h 1576251"/>
+              <a:gd name="connsiteX1-99" fmla="*/ 572683 w 1915886"/>
+              <a:gd name="connsiteY1-100" fmla="*/ 1453424 h 1576251"/>
+              <a:gd name="connsiteX2-101" fmla="*/ 1152436 w 1915886"/>
+              <a:gd name="connsiteY2-102" fmla="*/ 1079863 h 1576251"/>
+              <a:gd name="connsiteX3-103" fmla="*/ 1517227 w 1915886"/>
+              <a:gd name="connsiteY3-104" fmla="*/ 722812 h 1576251"/>
+              <a:gd name="connsiteX4-105" fmla="*/ 1786225 w 1915886"/>
+              <a:gd name="connsiteY4-106" fmla="*/ 365760 h 1576251"/>
+              <a:gd name="connsiteX5-107" fmla="*/ 1915886 w 1915886"/>
+              <a:gd name="connsiteY5-108" fmla="*/ 0 h 1576251"/>
+              <a:gd name="connsiteX0-109" fmla="*/ 0 w 1915886"/>
+              <a:gd name="connsiteY0-110" fmla="*/ 1576251 h 1576251"/>
+              <a:gd name="connsiteX1-111" fmla="*/ 572683 w 1915886"/>
+              <a:gd name="connsiteY1-112" fmla="*/ 1453424 h 1576251"/>
+              <a:gd name="connsiteX2-113" fmla="*/ 1112242 w 1915886"/>
+              <a:gd name="connsiteY2-114" fmla="*/ 1316044 h 1576251"/>
+              <a:gd name="connsiteX3-115" fmla="*/ 1517227 w 1915886"/>
+              <a:gd name="connsiteY3-116" fmla="*/ 722812 h 1576251"/>
+              <a:gd name="connsiteX4-117" fmla="*/ 1786225 w 1915886"/>
+              <a:gd name="connsiteY4-118" fmla="*/ 365760 h 1576251"/>
+              <a:gd name="connsiteX5-119" fmla="*/ 1915886 w 1915886"/>
+              <a:gd name="connsiteY5-120" fmla="*/ 0 h 1576251"/>
+              <a:gd name="connsiteX0-121" fmla="*/ 0 w 1915886"/>
+              <a:gd name="connsiteY0-122" fmla="*/ 1576251 h 1576251"/>
+              <a:gd name="connsiteX1-123" fmla="*/ 525791 w 1915886"/>
+              <a:gd name="connsiteY1-124" fmla="*/ 1499634 h 1576251"/>
+              <a:gd name="connsiteX2-125" fmla="*/ 1112242 w 1915886"/>
+              <a:gd name="connsiteY2-126" fmla="*/ 1316044 h 1576251"/>
+              <a:gd name="connsiteX3-127" fmla="*/ 1517227 w 1915886"/>
+              <a:gd name="connsiteY3-128" fmla="*/ 722812 h 1576251"/>
+              <a:gd name="connsiteX4-129" fmla="*/ 1786225 w 1915886"/>
+              <a:gd name="connsiteY4-130" fmla="*/ 365760 h 1576251"/>
+              <a:gd name="connsiteX5-131" fmla="*/ 1915886 w 1915886"/>
+              <a:gd name="connsiteY5-132" fmla="*/ 0 h 1576251"/>
+              <a:gd name="connsiteX0-133" fmla="*/ 0 w 1915886"/>
+              <a:gd name="connsiteY0-134" fmla="*/ 1576251 h 1576251"/>
+              <a:gd name="connsiteX1-135" fmla="*/ 525791 w 1915886"/>
+              <a:gd name="connsiteY1-136" fmla="*/ 1499634 h 1576251"/>
+              <a:gd name="connsiteX2-137" fmla="*/ 1112242 w 1915886"/>
+              <a:gd name="connsiteY2-138" fmla="*/ 1316044 h 1576251"/>
+              <a:gd name="connsiteX3-139" fmla="*/ 1490431 w 1915886"/>
+              <a:gd name="connsiteY3-140" fmla="*/ 1133562 h 1576251"/>
+              <a:gd name="connsiteX4-141" fmla="*/ 1786225 w 1915886"/>
+              <a:gd name="connsiteY4-142" fmla="*/ 365760 h 1576251"/>
+              <a:gd name="connsiteX5-143" fmla="*/ 1915886 w 1915886"/>
+              <a:gd name="connsiteY5-144" fmla="*/ 0 h 1576251"/>
+              <a:gd name="connsiteX0-145" fmla="*/ 0 w 1915886"/>
+              <a:gd name="connsiteY0-146" fmla="*/ 1576251 h 1576251"/>
+              <a:gd name="connsiteX1-147" fmla="*/ 525791 w 1915886"/>
+              <a:gd name="connsiteY1-148" fmla="*/ 1499634 h 1576251"/>
+              <a:gd name="connsiteX2-149" fmla="*/ 1112242 w 1915886"/>
+              <a:gd name="connsiteY2-150" fmla="*/ 1316044 h 1576251"/>
+              <a:gd name="connsiteX3-151" fmla="*/ 1490431 w 1915886"/>
+              <a:gd name="connsiteY3-152" fmla="*/ 1133562 h 1576251"/>
+              <a:gd name="connsiteX4-153" fmla="*/ 1786225 w 1915886"/>
+              <a:gd name="connsiteY4-154" fmla="*/ 920272 h 1576251"/>
+              <a:gd name="connsiteX5-155" fmla="*/ 1915886 w 1915886"/>
+              <a:gd name="connsiteY5-156" fmla="*/ 0 h 1576251"/>
+              <a:gd name="connsiteX0-157" fmla="*/ 0 w 1915886"/>
+              <a:gd name="connsiteY0-158" fmla="*/ 1576251 h 1576251"/>
+              <a:gd name="connsiteX1-159" fmla="*/ 525791 w 1915886"/>
+              <a:gd name="connsiteY1-160" fmla="*/ 1499634 h 1576251"/>
+              <a:gd name="connsiteX2-161" fmla="*/ 1112242 w 1915886"/>
+              <a:gd name="connsiteY2-162" fmla="*/ 1316044 h 1576251"/>
+              <a:gd name="connsiteX3-163" fmla="*/ 1383248 w 1915886"/>
+              <a:gd name="connsiteY3-164" fmla="*/ 1200309 h 1576251"/>
+              <a:gd name="connsiteX4-165" fmla="*/ 1786225 w 1915886"/>
+              <a:gd name="connsiteY4-166" fmla="*/ 920272 h 1576251"/>
+              <a:gd name="connsiteX5-167" fmla="*/ 1915886 w 1915886"/>
+              <a:gd name="connsiteY5-168" fmla="*/ 0 h 1576251"/>
+              <a:gd name="connsiteX0-169" fmla="*/ 0 w 1915886"/>
+              <a:gd name="connsiteY0-170" fmla="*/ 1576251 h 1576251"/>
+              <a:gd name="connsiteX1-171" fmla="*/ 525791 w 1915886"/>
+              <a:gd name="connsiteY1-172" fmla="*/ 1499634 h 1576251"/>
+              <a:gd name="connsiteX2-173" fmla="*/ 897877 w 1915886"/>
+              <a:gd name="connsiteY2-174" fmla="*/ 1382791 h 1576251"/>
+              <a:gd name="connsiteX3-175" fmla="*/ 1383248 w 1915886"/>
+              <a:gd name="connsiteY3-176" fmla="*/ 1200309 h 1576251"/>
+              <a:gd name="connsiteX4-177" fmla="*/ 1786225 w 1915886"/>
+              <a:gd name="connsiteY4-178" fmla="*/ 920272 h 1576251"/>
+              <a:gd name="connsiteX5-179" fmla="*/ 1915886 w 1915886"/>
+              <a:gd name="connsiteY5-180" fmla="*/ 0 h 1576251"/>
+              <a:gd name="connsiteX0-181" fmla="*/ 0 w 1915886"/>
+              <a:gd name="connsiteY0-182" fmla="*/ 1576251 h 1576251"/>
+              <a:gd name="connsiteX1-183" fmla="*/ 525791 w 1915886"/>
+              <a:gd name="connsiteY1-184" fmla="*/ 1499634 h 1576251"/>
+              <a:gd name="connsiteX2-185" fmla="*/ 897877 w 1915886"/>
+              <a:gd name="connsiteY2-186" fmla="*/ 1382791 h 1576251"/>
+              <a:gd name="connsiteX3-187" fmla="*/ 1269367 w 1915886"/>
+              <a:gd name="connsiteY3-188" fmla="*/ 1231115 h 1576251"/>
+              <a:gd name="connsiteX4-189" fmla="*/ 1786225 w 1915886"/>
+              <a:gd name="connsiteY4-190" fmla="*/ 920272 h 1576251"/>
+              <a:gd name="connsiteX5-191" fmla="*/ 1915886 w 1915886"/>
+              <a:gd name="connsiteY5-192" fmla="*/ 0 h 1576251"/>
+              <a:gd name="connsiteX0-193" fmla="*/ 0 w 1915886"/>
+              <a:gd name="connsiteY0-194" fmla="*/ 1576251 h 1576251"/>
+              <a:gd name="connsiteX1-195" fmla="*/ 525791 w 1915886"/>
+              <a:gd name="connsiteY1-196" fmla="*/ 1499634 h 1576251"/>
+              <a:gd name="connsiteX2-197" fmla="*/ 897877 w 1915886"/>
+              <a:gd name="connsiteY2-198" fmla="*/ 1382791 h 1576251"/>
+              <a:gd name="connsiteX3-199" fmla="*/ 1269367 w 1915886"/>
+              <a:gd name="connsiteY3-200" fmla="*/ 1231115 h 1576251"/>
+              <a:gd name="connsiteX4-201" fmla="*/ 1612054 w 1915886"/>
+              <a:gd name="connsiteY4-202" fmla="*/ 1002422 h 1576251"/>
+              <a:gd name="connsiteX5-203" fmla="*/ 1915886 w 1915886"/>
+              <a:gd name="connsiteY5-204" fmla="*/ 0 h 1576251"/>
+              <a:gd name="connsiteX0-205" fmla="*/ 0 w 1882391"/>
+              <a:gd name="connsiteY0-206" fmla="*/ 1037142 h 1037142"/>
+              <a:gd name="connsiteX1-207" fmla="*/ 525791 w 1882391"/>
+              <a:gd name="connsiteY1-208" fmla="*/ 960525 h 1037142"/>
+              <a:gd name="connsiteX2-209" fmla="*/ 897877 w 1882391"/>
+              <a:gd name="connsiteY2-210" fmla="*/ 843682 h 1037142"/>
+              <a:gd name="connsiteX3-211" fmla="*/ 1269367 w 1882391"/>
+              <a:gd name="connsiteY3-212" fmla="*/ 692006 h 1037142"/>
+              <a:gd name="connsiteX4-213" fmla="*/ 1612054 w 1882391"/>
+              <a:gd name="connsiteY4-214" fmla="*/ 463313 h 1037142"/>
+              <a:gd name="connsiteX5-215" fmla="*/ 1882391 w 1882391"/>
+              <a:gd name="connsiteY5-216" fmla="*/ 0 h 1037142"/>
+              <a:gd name="connsiteX0-217" fmla="*/ 0 w 1902488"/>
+              <a:gd name="connsiteY0-218" fmla="*/ 749617 h 749617"/>
+              <a:gd name="connsiteX1-219" fmla="*/ 525791 w 1902488"/>
+              <a:gd name="connsiteY1-220" fmla="*/ 673000 h 749617"/>
+              <a:gd name="connsiteX2-221" fmla="*/ 897877 w 1902488"/>
+              <a:gd name="connsiteY2-222" fmla="*/ 556157 h 749617"/>
+              <a:gd name="connsiteX3-223" fmla="*/ 1269367 w 1902488"/>
+              <a:gd name="connsiteY3-224" fmla="*/ 404481 h 749617"/>
+              <a:gd name="connsiteX4-225" fmla="*/ 1612054 w 1902488"/>
+              <a:gd name="connsiteY4-226" fmla="*/ 175788 h 749617"/>
+              <a:gd name="connsiteX5-227" fmla="*/ 1902488 w 1902488"/>
+              <a:gd name="connsiteY5-228" fmla="*/ 0 h 749617"/>
+              <a:gd name="connsiteX0-229" fmla="*/ 0 w 1902488"/>
+              <a:gd name="connsiteY0-230" fmla="*/ 749617 h 749617"/>
+              <a:gd name="connsiteX1-231" fmla="*/ 525791 w 1902488"/>
+              <a:gd name="connsiteY1-232" fmla="*/ 673000 h 749617"/>
+              <a:gd name="connsiteX2-233" fmla="*/ 897877 w 1902488"/>
+              <a:gd name="connsiteY2-234" fmla="*/ 556157 h 749617"/>
+              <a:gd name="connsiteX3-235" fmla="*/ 1269367 w 1902488"/>
+              <a:gd name="connsiteY3-236" fmla="*/ 404481 h 749617"/>
+              <a:gd name="connsiteX4-237" fmla="*/ 1612054 w 1902488"/>
+              <a:gd name="connsiteY4-238" fmla="*/ 175788 h 749617"/>
+              <a:gd name="connsiteX5-239" fmla="*/ 1902488 w 1902488"/>
+              <a:gd name="connsiteY5-240" fmla="*/ 0 h 749617"/>
+              <a:gd name="connsiteX0-241" fmla="*/ 0 w 1902488"/>
+              <a:gd name="connsiteY0-242" fmla="*/ 749617 h 749617"/>
+              <a:gd name="connsiteX1-243" fmla="*/ 525791 w 1902488"/>
+              <a:gd name="connsiteY1-244" fmla="*/ 673000 h 749617"/>
+              <a:gd name="connsiteX2-245" fmla="*/ 897877 w 1902488"/>
+              <a:gd name="connsiteY2-246" fmla="*/ 556157 h 749617"/>
+              <a:gd name="connsiteX3-247" fmla="*/ 1269367 w 1902488"/>
+              <a:gd name="connsiteY3-248" fmla="*/ 404481 h 749617"/>
+              <a:gd name="connsiteX4-249" fmla="*/ 1545066 w 1902488"/>
+              <a:gd name="connsiteY4-250" fmla="*/ 237401 h 749617"/>
+              <a:gd name="connsiteX5-251" fmla="*/ 1902488 w 1902488"/>
+              <a:gd name="connsiteY5-252" fmla="*/ 0 h 749617"/>
+              <a:gd name="connsiteX0-253" fmla="*/ 0 w 1902488"/>
+              <a:gd name="connsiteY0-254" fmla="*/ 749617 h 749617"/>
+              <a:gd name="connsiteX1-255" fmla="*/ 525791 w 1902488"/>
+              <a:gd name="connsiteY1-256" fmla="*/ 673000 h 749617"/>
+              <a:gd name="connsiteX2-257" fmla="*/ 897877 w 1902488"/>
+              <a:gd name="connsiteY2-258" fmla="*/ 556157 h 749617"/>
+              <a:gd name="connsiteX3-259" fmla="*/ 1269367 w 1902488"/>
+              <a:gd name="connsiteY3-260" fmla="*/ 404481 h 749617"/>
+              <a:gd name="connsiteX4-261" fmla="*/ 1545066 w 1902488"/>
+              <a:gd name="connsiteY4-262" fmla="*/ 237401 h 749617"/>
+              <a:gd name="connsiteX5-263" fmla="*/ 1902488 w 1902488"/>
+              <a:gd name="connsiteY5-264" fmla="*/ 0 h 749617"/>
+              <a:gd name="connsiteX0-265" fmla="*/ 0 w 1902488"/>
+              <a:gd name="connsiteY0-266" fmla="*/ 749617 h 749617"/>
+              <a:gd name="connsiteX1-267" fmla="*/ 525791 w 1902488"/>
+              <a:gd name="connsiteY1-268" fmla="*/ 673000 h 749617"/>
+              <a:gd name="connsiteX2-269" fmla="*/ 897877 w 1902488"/>
+              <a:gd name="connsiteY2-270" fmla="*/ 556157 h 749617"/>
+              <a:gd name="connsiteX3-271" fmla="*/ 1269367 w 1902488"/>
+              <a:gd name="connsiteY3-272" fmla="*/ 404481 h 749617"/>
+              <a:gd name="connsiteX4-273" fmla="*/ 1545066 w 1902488"/>
+              <a:gd name="connsiteY4-274" fmla="*/ 237401 h 749617"/>
+              <a:gd name="connsiteX5-275" fmla="*/ 1902488 w 1902488"/>
+              <a:gd name="connsiteY5-276" fmla="*/ 0 h 749617"/>
+              <a:gd name="connsiteX0-277" fmla="*/ 0 w 1902488"/>
+              <a:gd name="connsiteY0-278" fmla="*/ 749617 h 749617"/>
+              <a:gd name="connsiteX1-279" fmla="*/ 525791 w 1902488"/>
+              <a:gd name="connsiteY1-280" fmla="*/ 673000 h 749617"/>
+              <a:gd name="connsiteX2-281" fmla="*/ 897877 w 1902488"/>
+              <a:gd name="connsiteY2-282" fmla="*/ 556157 h 749617"/>
+              <a:gd name="connsiteX3-283" fmla="*/ 1229174 w 1902488"/>
+              <a:gd name="connsiteY3-284" fmla="*/ 425019 h 749617"/>
+              <a:gd name="connsiteX4-285" fmla="*/ 1545066 w 1902488"/>
+              <a:gd name="connsiteY4-286" fmla="*/ 237401 h 749617"/>
+              <a:gd name="connsiteX5-287" fmla="*/ 1902488 w 1902488"/>
+              <a:gd name="connsiteY5-288" fmla="*/ 0 h 749617"/>
+              <a:gd name="connsiteX0-289" fmla="*/ 0 w 1902488"/>
+              <a:gd name="connsiteY0-290" fmla="*/ 749617 h 749617"/>
+              <a:gd name="connsiteX1-291" fmla="*/ 525791 w 1902488"/>
+              <a:gd name="connsiteY1-292" fmla="*/ 673000 h 749617"/>
+              <a:gd name="connsiteX2-293" fmla="*/ 897877 w 1902488"/>
+              <a:gd name="connsiteY2-294" fmla="*/ 556157 h 749617"/>
+              <a:gd name="connsiteX3-295" fmla="*/ 1229174 w 1902488"/>
+              <a:gd name="connsiteY3-296" fmla="*/ 425019 h 749617"/>
+              <a:gd name="connsiteX4-297" fmla="*/ 1545066 w 1902488"/>
+              <a:gd name="connsiteY4-298" fmla="*/ 237401 h 749617"/>
+              <a:gd name="connsiteX5-299" fmla="*/ 1902488 w 1902488"/>
+              <a:gd name="connsiteY5-300" fmla="*/ 0 h 749617"/>
+              <a:gd name="connsiteX0-301" fmla="*/ 0 w 1902488"/>
+              <a:gd name="connsiteY0-302" fmla="*/ 749617 h 749617"/>
+              <a:gd name="connsiteX1-303" fmla="*/ 525791 w 1902488"/>
+              <a:gd name="connsiteY1-304" fmla="*/ 673000 h 749617"/>
+              <a:gd name="connsiteX2-305" fmla="*/ 897877 w 1902488"/>
+              <a:gd name="connsiteY2-306" fmla="*/ 556157 h 749617"/>
+              <a:gd name="connsiteX3-307" fmla="*/ 1229174 w 1902488"/>
+              <a:gd name="connsiteY3-308" fmla="*/ 425019 h 749617"/>
+              <a:gd name="connsiteX4-309" fmla="*/ 1545066 w 1902488"/>
+              <a:gd name="connsiteY4-310" fmla="*/ 237401 h 749617"/>
+              <a:gd name="connsiteX5-311" fmla="*/ 1902488 w 1902488"/>
+              <a:gd name="connsiteY5-312" fmla="*/ 0 h 749617"/>
+              <a:gd name="connsiteX0-313" fmla="*/ 0 w 1902488"/>
+              <a:gd name="connsiteY0-314" fmla="*/ 749617 h 749617"/>
+              <a:gd name="connsiteX1-315" fmla="*/ 525791 w 1902488"/>
+              <a:gd name="connsiteY1-316" fmla="*/ 673000 h 749617"/>
+              <a:gd name="connsiteX2-317" fmla="*/ 897877 w 1902488"/>
+              <a:gd name="connsiteY2-318" fmla="*/ 556157 h 749617"/>
+              <a:gd name="connsiteX3-319" fmla="*/ 1229174 w 1902488"/>
+              <a:gd name="connsiteY3-320" fmla="*/ 425019 h 749617"/>
+              <a:gd name="connsiteX4-321" fmla="*/ 1545066 w 1902488"/>
+              <a:gd name="connsiteY4-322" fmla="*/ 237401 h 749617"/>
+              <a:gd name="connsiteX5-323" fmla="*/ 1902488 w 1902488"/>
+              <a:gd name="connsiteY5-324" fmla="*/ 0 h 749617"/>
+              <a:gd name="connsiteX0-325" fmla="*/ 0 w 1902488"/>
+              <a:gd name="connsiteY0-326" fmla="*/ 749617 h 749617"/>
+              <a:gd name="connsiteX1-327" fmla="*/ 525791 w 1902488"/>
+              <a:gd name="connsiteY1-328" fmla="*/ 673000 h 749617"/>
+              <a:gd name="connsiteX2-329" fmla="*/ 897877 w 1902488"/>
+              <a:gd name="connsiteY2-330" fmla="*/ 556157 h 749617"/>
+              <a:gd name="connsiteX3-331" fmla="*/ 1229174 w 1902488"/>
+              <a:gd name="connsiteY3-332" fmla="*/ 425019 h 749617"/>
+              <a:gd name="connsiteX4-333" fmla="*/ 1598657 w 1902488"/>
+              <a:gd name="connsiteY4-334" fmla="*/ 263073 h 749617"/>
+              <a:gd name="connsiteX5-335" fmla="*/ 1902488 w 1902488"/>
+              <a:gd name="connsiteY5-336" fmla="*/ 0 h 749617"/>
+              <a:gd name="connsiteX0-337" fmla="*/ 0 w 1902488"/>
+              <a:gd name="connsiteY0-338" fmla="*/ 662333 h 662333"/>
+              <a:gd name="connsiteX1-339" fmla="*/ 525791 w 1902488"/>
+              <a:gd name="connsiteY1-340" fmla="*/ 585716 h 662333"/>
+              <a:gd name="connsiteX2-341" fmla="*/ 897877 w 1902488"/>
+              <a:gd name="connsiteY2-342" fmla="*/ 468873 h 662333"/>
+              <a:gd name="connsiteX3-343" fmla="*/ 1229174 w 1902488"/>
+              <a:gd name="connsiteY3-344" fmla="*/ 337735 h 662333"/>
+              <a:gd name="connsiteX4-345" fmla="*/ 1598657 w 1902488"/>
+              <a:gd name="connsiteY4-346" fmla="*/ 175789 h 662333"/>
+              <a:gd name="connsiteX5-347" fmla="*/ 1902488 w 1902488"/>
+              <a:gd name="connsiteY5-348" fmla="*/ 0 h 662333"/>
+              <a:gd name="connsiteX0-349" fmla="*/ 0 w 1902488"/>
+              <a:gd name="connsiteY0-350" fmla="*/ 662333 h 662333"/>
+              <a:gd name="connsiteX1-351" fmla="*/ 525791 w 1902488"/>
+              <a:gd name="connsiteY1-352" fmla="*/ 585716 h 662333"/>
+              <a:gd name="connsiteX2-353" fmla="*/ 897877 w 1902488"/>
+              <a:gd name="connsiteY2-354" fmla="*/ 468873 h 662333"/>
+              <a:gd name="connsiteX3-355" fmla="*/ 1229174 w 1902488"/>
+              <a:gd name="connsiteY3-356" fmla="*/ 337735 h 662333"/>
+              <a:gd name="connsiteX4-357" fmla="*/ 1598657 w 1902488"/>
+              <a:gd name="connsiteY4-358" fmla="*/ 175789 h 662333"/>
+              <a:gd name="connsiteX5-359" fmla="*/ 1902488 w 1902488"/>
+              <a:gd name="connsiteY5-360" fmla="*/ 0 h 662333"/>
+              <a:gd name="connsiteX0-361" fmla="*/ 0 w 1902488"/>
+              <a:gd name="connsiteY0-362" fmla="*/ 564781 h 588763"/>
+              <a:gd name="connsiteX1-363" fmla="*/ 525791 w 1902488"/>
+              <a:gd name="connsiteY1-364" fmla="*/ 585716 h 588763"/>
+              <a:gd name="connsiteX2-365" fmla="*/ 897877 w 1902488"/>
+              <a:gd name="connsiteY2-366" fmla="*/ 468873 h 588763"/>
+              <a:gd name="connsiteX3-367" fmla="*/ 1229174 w 1902488"/>
+              <a:gd name="connsiteY3-368" fmla="*/ 337735 h 588763"/>
+              <a:gd name="connsiteX4-369" fmla="*/ 1598657 w 1902488"/>
+              <a:gd name="connsiteY4-370" fmla="*/ 175789 h 588763"/>
+              <a:gd name="connsiteX5-371" fmla="*/ 1902488 w 1902488"/>
+              <a:gd name="connsiteY5-372" fmla="*/ 0 h 588763"/>
+              <a:gd name="connsiteX0-373" fmla="*/ 0 w 1902488"/>
+              <a:gd name="connsiteY0-374" fmla="*/ 564781 h 564781"/>
+              <a:gd name="connsiteX1-375" fmla="*/ 525791 w 1902488"/>
+              <a:gd name="connsiteY1-376" fmla="*/ 477894 h 564781"/>
+              <a:gd name="connsiteX2-377" fmla="*/ 897877 w 1902488"/>
+              <a:gd name="connsiteY2-378" fmla="*/ 468873 h 564781"/>
+              <a:gd name="connsiteX3-379" fmla="*/ 1229174 w 1902488"/>
+              <a:gd name="connsiteY3-380" fmla="*/ 337735 h 564781"/>
+              <a:gd name="connsiteX4-381" fmla="*/ 1598657 w 1902488"/>
+              <a:gd name="connsiteY4-382" fmla="*/ 175789 h 564781"/>
+              <a:gd name="connsiteX5-383" fmla="*/ 1902488 w 1902488"/>
+              <a:gd name="connsiteY5-384" fmla="*/ 0 h 564781"/>
+              <a:gd name="connsiteX0-385" fmla="*/ 0 w 1902488"/>
+              <a:gd name="connsiteY0-386" fmla="*/ 564781 h 564781"/>
+              <a:gd name="connsiteX1-387" fmla="*/ 525791 w 1902488"/>
+              <a:gd name="connsiteY1-388" fmla="*/ 477894 h 564781"/>
+              <a:gd name="connsiteX2-389" fmla="*/ 931372 w 1902488"/>
+              <a:gd name="connsiteY2-390" fmla="*/ 402126 h 564781"/>
+              <a:gd name="connsiteX3-391" fmla="*/ 1229174 w 1902488"/>
+              <a:gd name="connsiteY3-392" fmla="*/ 337735 h 564781"/>
+              <a:gd name="connsiteX4-393" fmla="*/ 1598657 w 1902488"/>
+              <a:gd name="connsiteY4-394" fmla="*/ 175789 h 564781"/>
+              <a:gd name="connsiteX5-395" fmla="*/ 1902488 w 1902488"/>
+              <a:gd name="connsiteY5-396" fmla="*/ 0 h 564781"/>
+              <a:gd name="connsiteX0-397" fmla="*/ 0 w 1902488"/>
+              <a:gd name="connsiteY0-398" fmla="*/ 564781 h 564781"/>
+              <a:gd name="connsiteX1-399" fmla="*/ 525791 w 1902488"/>
+              <a:gd name="connsiteY1-400" fmla="*/ 477894 h 564781"/>
+              <a:gd name="connsiteX2-401" fmla="*/ 931372 w 1902488"/>
+              <a:gd name="connsiteY2-402" fmla="*/ 402126 h 564781"/>
+              <a:gd name="connsiteX3-403" fmla="*/ 1276066 w 1902488"/>
+              <a:gd name="connsiteY3-404" fmla="*/ 291525 h 564781"/>
+              <a:gd name="connsiteX4-405" fmla="*/ 1598657 w 1902488"/>
+              <a:gd name="connsiteY4-406" fmla="*/ 175789 h 564781"/>
+              <a:gd name="connsiteX5-407" fmla="*/ 1902488 w 1902488"/>
+              <a:gd name="connsiteY5-408" fmla="*/ 0 h 564781"/>
+              <a:gd name="connsiteX0-409" fmla="*/ 0 w 1902488"/>
+              <a:gd name="connsiteY0-410" fmla="*/ 564781 h 564781"/>
+              <a:gd name="connsiteX1-411" fmla="*/ 525791 w 1902488"/>
+              <a:gd name="connsiteY1-412" fmla="*/ 477894 h 564781"/>
+              <a:gd name="connsiteX2-413" fmla="*/ 931372 w 1902488"/>
+              <a:gd name="connsiteY2-414" fmla="*/ 402126 h 564781"/>
+              <a:gd name="connsiteX3-415" fmla="*/ 1276066 w 1902488"/>
+              <a:gd name="connsiteY3-416" fmla="*/ 291525 h 564781"/>
+              <a:gd name="connsiteX4-417" fmla="*/ 1598657 w 1902488"/>
+              <a:gd name="connsiteY4-418" fmla="*/ 139848 h 564781"/>
+              <a:gd name="connsiteX5-419" fmla="*/ 1902488 w 1902488"/>
+              <a:gd name="connsiteY5-420" fmla="*/ 0 h 564781"/>
+              <a:gd name="connsiteX0-421" fmla="*/ 0 w 1902488"/>
+              <a:gd name="connsiteY0-422" fmla="*/ 564781 h 564781"/>
+              <a:gd name="connsiteX1-423" fmla="*/ 525791 w 1902488"/>
+              <a:gd name="connsiteY1-424" fmla="*/ 477894 h 564781"/>
+              <a:gd name="connsiteX2-425" fmla="*/ 931372 w 1902488"/>
+              <a:gd name="connsiteY2-426" fmla="*/ 402126 h 564781"/>
+              <a:gd name="connsiteX3-427" fmla="*/ 1289464 w 1902488"/>
+              <a:gd name="connsiteY3-428" fmla="*/ 270988 h 564781"/>
+              <a:gd name="connsiteX4-429" fmla="*/ 1598657 w 1902488"/>
+              <a:gd name="connsiteY4-430" fmla="*/ 139848 h 564781"/>
+              <a:gd name="connsiteX5-431" fmla="*/ 1902488 w 1902488"/>
+              <a:gd name="connsiteY5-432" fmla="*/ 0 h 564781"/>
+              <a:gd name="connsiteX0-433" fmla="*/ 0 w 1902488"/>
+              <a:gd name="connsiteY0-434" fmla="*/ 564781 h 564781"/>
+              <a:gd name="connsiteX1-435" fmla="*/ 525791 w 1902488"/>
+              <a:gd name="connsiteY1-436" fmla="*/ 477894 h 564781"/>
+              <a:gd name="connsiteX2-437" fmla="*/ 904576 w 1902488"/>
+              <a:gd name="connsiteY2-438" fmla="*/ 381589 h 564781"/>
+              <a:gd name="connsiteX3-439" fmla="*/ 1289464 w 1902488"/>
+              <a:gd name="connsiteY3-440" fmla="*/ 270988 h 564781"/>
+              <a:gd name="connsiteX4-441" fmla="*/ 1598657 w 1902488"/>
+              <a:gd name="connsiteY4-442" fmla="*/ 139848 h 564781"/>
+              <a:gd name="connsiteX5-443" fmla="*/ 1902488 w 1902488"/>
+              <a:gd name="connsiteY5-444" fmla="*/ 0 h 564781"/>
+              <a:gd name="connsiteX0-445" fmla="*/ 0 w 1895789"/>
+              <a:gd name="connsiteY0-446" fmla="*/ 621259 h 621259"/>
+              <a:gd name="connsiteX1-447" fmla="*/ 525791 w 1895789"/>
+              <a:gd name="connsiteY1-448" fmla="*/ 534372 h 621259"/>
+              <a:gd name="connsiteX2-449" fmla="*/ 904576 w 1895789"/>
+              <a:gd name="connsiteY2-450" fmla="*/ 438067 h 621259"/>
+              <a:gd name="connsiteX3-451" fmla="*/ 1289464 w 1895789"/>
+              <a:gd name="connsiteY3-452" fmla="*/ 327466 h 621259"/>
+              <a:gd name="connsiteX4-453" fmla="*/ 1598657 w 1895789"/>
+              <a:gd name="connsiteY4-454" fmla="*/ 196326 h 621259"/>
+              <a:gd name="connsiteX5-455" fmla="*/ 1895789 w 1895789"/>
+              <a:gd name="connsiteY5-456" fmla="*/ 0 h 621259"/>
+              <a:gd name="connsiteX0-457" fmla="*/ 0 w 1895789"/>
+              <a:gd name="connsiteY0-458" fmla="*/ 621259 h 621259"/>
+              <a:gd name="connsiteX1-459" fmla="*/ 525791 w 1895789"/>
+              <a:gd name="connsiteY1-460" fmla="*/ 534372 h 621259"/>
+              <a:gd name="connsiteX2-461" fmla="*/ 904576 w 1895789"/>
+              <a:gd name="connsiteY2-462" fmla="*/ 438067 h 621259"/>
+              <a:gd name="connsiteX3-463" fmla="*/ 1289464 w 1895789"/>
+              <a:gd name="connsiteY3-464" fmla="*/ 327466 h 621259"/>
+              <a:gd name="connsiteX4-465" fmla="*/ 1591958 w 1895789"/>
+              <a:gd name="connsiteY4-466" fmla="*/ 175789 h 621259"/>
+              <a:gd name="connsiteX5-467" fmla="*/ 1895789 w 1895789"/>
+              <a:gd name="connsiteY5-468" fmla="*/ 0 h 621259"/>
+              <a:gd name="connsiteX0" fmla="*/ 0 w 1895789"/>
+              <a:gd name="connsiteY0" fmla="*/ 621259 h 621259"/>
+              <a:gd name="connsiteX1" fmla="*/ 525791 w 1895789"/>
+              <a:gd name="connsiteY1" fmla="*/ 534372 h 621259"/>
+              <a:gd name="connsiteX2" fmla="*/ 904576 w 1895789"/>
+              <a:gd name="connsiteY2" fmla="*/ 438067 h 621259"/>
+              <a:gd name="connsiteX3" fmla="*/ 1289464 w 1895789"/>
+              <a:gd name="connsiteY3" fmla="*/ 327466 h 621259"/>
+              <a:gd name="connsiteX4" fmla="*/ 1586135 w 1895789"/>
+              <a:gd name="connsiteY4" fmla="*/ 215266 h 621259"/>
+              <a:gd name="connsiteX5" fmla="*/ 1895789 w 1895789"/>
+              <a:gd name="connsiteY5" fmla="*/ 0 h 621259"/>
+              <a:gd name="connsiteX0" fmla="*/ 0 w 1895789"/>
+              <a:gd name="connsiteY0" fmla="*/ 621259 h 621259"/>
+              <a:gd name="connsiteX1" fmla="*/ 525791 w 1895789"/>
+              <a:gd name="connsiteY1" fmla="*/ 534372 h 621259"/>
+              <a:gd name="connsiteX2" fmla="*/ 904576 w 1895789"/>
+              <a:gd name="connsiteY2" fmla="*/ 438067 h 621259"/>
+              <a:gd name="connsiteX3" fmla="*/ 1260347 w 1895789"/>
+              <a:gd name="connsiteY3" fmla="*/ 355099 h 621259"/>
+              <a:gd name="connsiteX4" fmla="*/ 1586135 w 1895789"/>
+              <a:gd name="connsiteY4" fmla="*/ 215266 h 621259"/>
+              <a:gd name="connsiteX5" fmla="*/ 1895789 w 1895789"/>
+              <a:gd name="connsiteY5" fmla="*/ 0 h 621259"/>
+              <a:gd name="connsiteX0" fmla="*/ 0 w 1895789"/>
+              <a:gd name="connsiteY0" fmla="*/ 621259 h 621259"/>
+              <a:gd name="connsiteX1" fmla="*/ 525791 w 1895789"/>
+              <a:gd name="connsiteY1" fmla="*/ 534372 h 621259"/>
+              <a:gd name="connsiteX2" fmla="*/ 904576 w 1895789"/>
+              <a:gd name="connsiteY2" fmla="*/ 465701 h 621259"/>
+              <a:gd name="connsiteX3" fmla="*/ 1260347 w 1895789"/>
+              <a:gd name="connsiteY3" fmla="*/ 355099 h 621259"/>
+              <a:gd name="connsiteX4" fmla="*/ 1586135 w 1895789"/>
+              <a:gd name="connsiteY4" fmla="*/ 215266 h 621259"/>
+              <a:gd name="connsiteX5" fmla="*/ 1895789 w 1895789"/>
+              <a:gd name="connsiteY5" fmla="*/ 0 h 621259"/>
+              <a:gd name="connsiteX0" fmla="*/ 0 w 1895789"/>
+              <a:gd name="connsiteY0" fmla="*/ 621259 h 621259"/>
+              <a:gd name="connsiteX1" fmla="*/ 479204 w 1895789"/>
+              <a:gd name="connsiteY1" fmla="*/ 562006 h 621259"/>
+              <a:gd name="connsiteX2" fmla="*/ 904576 w 1895789"/>
+              <a:gd name="connsiteY2" fmla="*/ 465701 h 621259"/>
+              <a:gd name="connsiteX3" fmla="*/ 1260347 w 1895789"/>
+              <a:gd name="connsiteY3" fmla="*/ 355099 h 621259"/>
+              <a:gd name="connsiteX4" fmla="*/ 1586135 w 1895789"/>
+              <a:gd name="connsiteY4" fmla="*/ 215266 h 621259"/>
+              <a:gd name="connsiteX5" fmla="*/ 1895789 w 1895789"/>
+              <a:gd name="connsiteY5" fmla="*/ 0 h 621259"/>
+              <a:gd name="connsiteX0" fmla="*/ 0 w 1907436"/>
+              <a:gd name="connsiteY0" fmla="*/ 558096 h 558096"/>
+              <a:gd name="connsiteX1" fmla="*/ 479204 w 1907436"/>
+              <a:gd name="connsiteY1" fmla="*/ 498843 h 558096"/>
+              <a:gd name="connsiteX2" fmla="*/ 904576 w 1907436"/>
+              <a:gd name="connsiteY2" fmla="*/ 402538 h 558096"/>
+              <a:gd name="connsiteX3" fmla="*/ 1260347 w 1907436"/>
+              <a:gd name="connsiteY3" fmla="*/ 291936 h 558096"/>
+              <a:gd name="connsiteX4" fmla="*/ 1586135 w 1907436"/>
+              <a:gd name="connsiteY4" fmla="*/ 152103 h 558096"/>
+              <a:gd name="connsiteX5" fmla="*/ 1907436 w 1907436"/>
+              <a:gd name="connsiteY5" fmla="*/ 0 h 558096"/>
+              <a:gd name="connsiteX0" fmla="*/ 0 w 1907436"/>
+              <a:gd name="connsiteY0" fmla="*/ 558096 h 558096"/>
+              <a:gd name="connsiteX1" fmla="*/ 479204 w 1907436"/>
+              <a:gd name="connsiteY1" fmla="*/ 498843 h 558096"/>
+              <a:gd name="connsiteX2" fmla="*/ 904576 w 1907436"/>
+              <a:gd name="connsiteY2" fmla="*/ 402538 h 558096"/>
+              <a:gd name="connsiteX3" fmla="*/ 1260347 w 1907436"/>
+              <a:gd name="connsiteY3" fmla="*/ 291936 h 558096"/>
+              <a:gd name="connsiteX4" fmla="*/ 1568665 w 1907436"/>
+              <a:gd name="connsiteY4" fmla="*/ 171841 h 558096"/>
+              <a:gd name="connsiteX5" fmla="*/ 1907436 w 1907436"/>
+              <a:gd name="connsiteY5" fmla="*/ 0 h 558096"/>
+              <a:gd name="connsiteX0" fmla="*/ 0 w 1919083"/>
+              <a:gd name="connsiteY0" fmla="*/ 518620 h 518620"/>
+              <a:gd name="connsiteX1" fmla="*/ 479204 w 1919083"/>
+              <a:gd name="connsiteY1" fmla="*/ 459367 h 518620"/>
+              <a:gd name="connsiteX2" fmla="*/ 904576 w 1919083"/>
+              <a:gd name="connsiteY2" fmla="*/ 363062 h 518620"/>
+              <a:gd name="connsiteX3" fmla="*/ 1260347 w 1919083"/>
+              <a:gd name="connsiteY3" fmla="*/ 252460 h 518620"/>
+              <a:gd name="connsiteX4" fmla="*/ 1568665 w 1919083"/>
+              <a:gd name="connsiteY4" fmla="*/ 132365 h 518620"/>
+              <a:gd name="connsiteX5" fmla="*/ 1919083 w 1919083"/>
+              <a:gd name="connsiteY5" fmla="*/ 0 h 518620"/>
+              <a:gd name="connsiteX0" fmla="*/ 0 w 1919083"/>
+              <a:gd name="connsiteY0" fmla="*/ 518620 h 518620"/>
+              <a:gd name="connsiteX1" fmla="*/ 479204 w 1919083"/>
+              <a:gd name="connsiteY1" fmla="*/ 459367 h 518620"/>
+              <a:gd name="connsiteX2" fmla="*/ 904576 w 1919083"/>
+              <a:gd name="connsiteY2" fmla="*/ 363062 h 518620"/>
+              <a:gd name="connsiteX3" fmla="*/ 1260347 w 1919083"/>
+              <a:gd name="connsiteY3" fmla="*/ 252460 h 518620"/>
+              <a:gd name="connsiteX4" fmla="*/ 1568665 w 1919083"/>
+              <a:gd name="connsiteY4" fmla="*/ 132365 h 518620"/>
+              <a:gd name="connsiteX5" fmla="*/ 1919083 w 1919083"/>
+              <a:gd name="connsiteY5" fmla="*/ 0 h 518620"/>
+              <a:gd name="connsiteX0" fmla="*/ 0 w 1919083"/>
+              <a:gd name="connsiteY0" fmla="*/ 518620 h 518620"/>
+              <a:gd name="connsiteX1" fmla="*/ 479204 w 1919083"/>
+              <a:gd name="connsiteY1" fmla="*/ 459367 h 518620"/>
+              <a:gd name="connsiteX2" fmla="*/ 904576 w 1919083"/>
+              <a:gd name="connsiteY2" fmla="*/ 363062 h 518620"/>
+              <a:gd name="connsiteX3" fmla="*/ 1260347 w 1919083"/>
+              <a:gd name="connsiteY3" fmla="*/ 252460 h 518620"/>
+              <a:gd name="connsiteX4" fmla="*/ 1568665 w 1919083"/>
+              <a:gd name="connsiteY4" fmla="*/ 132365 h 518620"/>
+              <a:gd name="connsiteX5" fmla="*/ 1919083 w 1919083"/>
+              <a:gd name="connsiteY5" fmla="*/ 0 h 518620"/>
+              <a:gd name="connsiteX0" fmla="*/ 0 w 1919083"/>
+              <a:gd name="connsiteY0" fmla="*/ 518620 h 518620"/>
+              <a:gd name="connsiteX1" fmla="*/ 479204 w 1919083"/>
+              <a:gd name="connsiteY1" fmla="*/ 459367 h 518620"/>
+              <a:gd name="connsiteX2" fmla="*/ 904576 w 1919083"/>
+              <a:gd name="connsiteY2" fmla="*/ 363062 h 518620"/>
+              <a:gd name="connsiteX3" fmla="*/ 1260347 w 1919083"/>
+              <a:gd name="connsiteY3" fmla="*/ 252460 h 518620"/>
+              <a:gd name="connsiteX4" fmla="*/ 1580312 w 1919083"/>
+              <a:gd name="connsiteY4" fmla="*/ 148156 h 518620"/>
+              <a:gd name="connsiteX5" fmla="*/ 1919083 w 1919083"/>
+              <a:gd name="connsiteY5" fmla="*/ 0 h 518620"/>
+              <a:gd name="connsiteX0" fmla="*/ 0 w 1919083"/>
+              <a:gd name="connsiteY0" fmla="*/ 518620 h 518620"/>
+              <a:gd name="connsiteX1" fmla="*/ 479204 w 1919083"/>
+              <a:gd name="connsiteY1" fmla="*/ 459367 h 518620"/>
+              <a:gd name="connsiteX2" fmla="*/ 904576 w 1919083"/>
+              <a:gd name="connsiteY2" fmla="*/ 363062 h 518620"/>
+              <a:gd name="connsiteX3" fmla="*/ 1260347 w 1919083"/>
+              <a:gd name="connsiteY3" fmla="*/ 252460 h 518620"/>
+              <a:gd name="connsiteX4" fmla="*/ 1580312 w 1919083"/>
+              <a:gd name="connsiteY4" fmla="*/ 148156 h 518620"/>
+              <a:gd name="connsiteX5" fmla="*/ 1919083 w 1919083"/>
+              <a:gd name="connsiteY5" fmla="*/ 0 h 518620"/>
+              <a:gd name="connsiteX0" fmla="*/ 0 w 1919083"/>
+              <a:gd name="connsiteY0" fmla="*/ 518620 h 518620"/>
+              <a:gd name="connsiteX1" fmla="*/ 479204 w 1919083"/>
+              <a:gd name="connsiteY1" fmla="*/ 459367 h 518620"/>
+              <a:gd name="connsiteX2" fmla="*/ 904576 w 1919083"/>
+              <a:gd name="connsiteY2" fmla="*/ 363062 h 518620"/>
+              <a:gd name="connsiteX3" fmla="*/ 1260347 w 1919083"/>
+              <a:gd name="connsiteY3" fmla="*/ 252460 h 518620"/>
+              <a:gd name="connsiteX4" fmla="*/ 1545372 w 1919083"/>
+              <a:gd name="connsiteY4" fmla="*/ 156051 h 518620"/>
+              <a:gd name="connsiteX5" fmla="*/ 1919083 w 1919083"/>
+              <a:gd name="connsiteY5" fmla="*/ 0 h 518620"/>
+            </a:gdLst>
+            <a:ahLst/>
+            <a:cxnLst>
+              <a:cxn ang="0">
+                <a:pos x="connsiteX0" y="connsiteY0"/>
+              </a:cxn>
+              <a:cxn ang="0">
+                <a:pos x="connsiteX1" y="connsiteY1"/>
+              </a:cxn>
+              <a:cxn ang="0">
+                <a:pos x="connsiteX2" y="connsiteY2"/>
+              </a:cxn>
+              <a:cxn ang="0">
+                <a:pos x="connsiteX3" y="connsiteY3"/>
+              </a:cxn>
+              <a:cxn ang="0">
+                <a:pos x="connsiteX4" y="connsiteY4"/>
+              </a:cxn>
+              <a:cxn ang="0">
+                <a:pos x="connsiteX5" y="connsiteY5"/>
+              </a:cxn>
+            </a:cxnLst>
+            <a:rect l="l" t="t" r="r" b="b"/>
+            <a:pathLst>
+              <a:path w="1919083" h="518620">
+                <a:moveTo>
+                  <a:pt x="0" y="518620"/>
+                </a:moveTo>
+                <a:cubicBezTo>
+                  <a:pt x="169091" y="502654"/>
+                  <a:pt x="328441" y="485293"/>
+                  <a:pt x="479204" y="459367"/>
+                </a:cubicBezTo>
+                <a:cubicBezTo>
+                  <a:pt x="629967" y="433441"/>
+                  <a:pt x="774385" y="397547"/>
+                  <a:pt x="904576" y="363062"/>
+                </a:cubicBezTo>
+                <a:cubicBezTo>
+                  <a:pt x="1034767" y="328577"/>
+                  <a:pt x="1153548" y="286962"/>
+                  <a:pt x="1260347" y="252460"/>
+                </a:cubicBezTo>
+                <a:cubicBezTo>
+                  <a:pt x="1367146" y="217958"/>
+                  <a:pt x="1438494" y="198787"/>
+                  <a:pt x="1545372" y="156051"/>
+                </a:cubicBezTo>
+                <a:cubicBezTo>
+                  <a:pt x="1652250" y="113315"/>
+                  <a:pt x="1709421" y="83782"/>
+                  <a:pt x="1919083" y="0"/>
+                </a:cubicBezTo>
+              </a:path>
+            </a:pathLst>
+          </a:custGeom>
+          <a:ln w="19050">
+            <a:prstDash val="dash"/>
+            <a:headEnd type="none" w="med" len="med"/>
+            <a:tailEnd type="none" w="med" len="med"/>
+          </a:ln>
+        </p:spPr>
+        <p:style>
+          <a:lnRef idx="1">
+            <a:schemeClr val="dk1"/>
+          </a:lnRef>
+          <a:fillRef idx="0">
+            <a:schemeClr val="dk1"/>
+          </a:fillRef>
+          <a:effectRef idx="0">
+            <a:schemeClr val="dk1"/>
+          </a:effectRef>
+          <a:fontRef idx="minor">
+            <a:schemeClr val="tx1"/>
+          </a:fontRef>
+        </p:style>
+        <p:txBody>
+          <a:bodyPr rtlCol="0" anchor="ctr"/>
+          <a:lstStyle/>
+          <a:p>
+            <a:pPr algn="ctr"/>
+            <a:endParaRPr kumimoji="1" lang="ja-JP" altLang="en-US"/>
+          </a:p>
+        </p:txBody>
+      </p:sp>
+      <p:sp>
+        <p:nvSpPr>
+          <p:cNvPr id="31" name="テキスト ボックス 30">
+            <a:extLst>
+              <a:ext uri="{FF2B5EF4-FFF2-40B4-BE49-F238E27FC236}">
+                <a16:creationId xmlns:a16="http://schemas.microsoft.com/office/drawing/2014/main" id="{AEEC8023-C5D9-459A-8530-45E630B32B2E}"/>
+              </a:ext>
+            </a:extLst>
+          </p:cNvPr>
+          <p:cNvSpPr txBox="1"/>
+          <p:nvPr/>
+        </p:nvSpPr>
+        <p:spPr>
+          <a:xfrm>
+            <a:off x="3344797" y="2082593"/>
+            <a:ext cx="1989915" cy="646331"/>
+          </a:xfrm>
+          <a:prstGeom prst="rect">
+            <a:avLst/>
+          </a:prstGeom>
+          <a:noFill/>
+        </p:spPr>
+        <p:txBody>
+          <a:bodyPr wrap="square" rtlCol="0">
+            <a:spAutoFit/>
+          </a:bodyPr>
+          <a:lstStyle/>
+          <a:p>
+            <a:r>
+              <a:rPr kumimoji="1" lang="en-US" altLang="ja-JP" dirty="0"/>
+              <a:t>Const. Pressure Curve</a:t>
+            </a:r>
+            <a:endParaRPr kumimoji="1" lang="ja-JP" altLang="en-US" dirty="0"/>
+          </a:p>
+        </p:txBody>
+      </p:sp>
+      <p:sp>
+        <p:nvSpPr>
+          <p:cNvPr id="32" name="テキスト ボックス 31">
+            <a:extLst>
+              <a:ext uri="{FF2B5EF4-FFF2-40B4-BE49-F238E27FC236}">
+                <a16:creationId xmlns:a16="http://schemas.microsoft.com/office/drawing/2014/main" id="{A3B27C04-0839-4D6E-9534-2DDBFBFBE710}"/>
+              </a:ext>
+            </a:extLst>
+          </p:cNvPr>
+          <p:cNvSpPr txBox="1"/>
+          <p:nvPr/>
+        </p:nvSpPr>
+        <p:spPr>
+          <a:xfrm>
+            <a:off x="4240159" y="5244298"/>
+            <a:ext cx="1989915" cy="646331"/>
+          </a:xfrm>
+          <a:prstGeom prst="rect">
+            <a:avLst/>
+          </a:prstGeom>
+          <a:noFill/>
+        </p:spPr>
+        <p:txBody>
+          <a:bodyPr wrap="square" rtlCol="0">
+            <a:spAutoFit/>
+          </a:bodyPr>
+          <a:lstStyle/>
+          <a:p>
+            <a:r>
+              <a:rPr kumimoji="1" lang="en-US" altLang="ja-JP" dirty="0"/>
+              <a:t>Const. Pressure Curve</a:t>
+            </a:r>
+            <a:endParaRPr kumimoji="1" lang="ja-JP" altLang="en-US" dirty="0"/>
+          </a:p>
+        </p:txBody>
+      </p:sp>
+    </p:spTree>
+    <p:extLst>
+      <p:ext uri="{BB962C8B-B14F-4D97-AF65-F5344CB8AC3E}">
+        <p14:creationId xmlns:p14="http://schemas.microsoft.com/office/powerpoint/2010/main" val="2340933287"/>
+      </p:ext>
+    </p:extLst>
+  </p:cSld>
+  <p:clrMapOvr>
+    <a:masterClrMapping/>
+  </p:clrMapOvr>
+</p:sld>
+</file>
+
+<file path=ppt/slides/slide10.xml><?xml version="1.0" encoding="utf-8"?>
+<p:sld xmlns:a="http://schemas.openxmlformats.org/drawingml/2006/main" xmlns:r="http://schemas.openxmlformats.org/officeDocument/2006/relationships" xmlns:p="http://schemas.openxmlformats.org/presentationml/2006/main">
+  <p:cSld>
+    <p:spTree>
+      <p:nvGrpSpPr>
+        <p:cNvPr id="1" name=""/>
+        <p:cNvGrpSpPr/>
+        <p:nvPr/>
+      </p:nvGrpSpPr>
+      <p:grpSpPr>
+        <a:xfrm>
+          <a:off x="0" y="0"/>
+          <a:ext cx="0" cy="0"/>
+          <a:chOff x="0" y="0"/>
+          <a:chExt cx="0" cy="0"/>
+        </a:xfrm>
+      </p:grpSpPr>
+    </p:spTree>
+    <p:extLst>
+      <p:ext uri="{BB962C8B-B14F-4D97-AF65-F5344CB8AC3E}">
+        <p14:creationId xmlns:p14="http://schemas.microsoft.com/office/powerpoint/2010/main" val="947584466"/>
+      </p:ext>
+    </p:extLst>
+  </p:cSld>
+  <p:clrMapOvr>
+    <a:masterClrMapping/>
+  </p:clrMapOvr>
+</p:sld>
+</file>
+
+<file path=ppt/slides/slide2.xml><?xml version="1.0" encoding="utf-8"?>
+<p:sld xmlns:a="http://schemas.openxmlformats.org/drawingml/2006/main" xmlns:r="http://schemas.openxmlformats.org/officeDocument/2006/relationships" xmlns:p="http://schemas.openxmlformats.org/presentationml/2006/main">
+  <p:cSld>
+    <p:spTree>
+      <p:nvGrpSpPr>
+        <p:cNvPr id="1" name=""/>
+        <p:cNvGrpSpPr/>
+        <p:nvPr/>
+      </p:nvGrpSpPr>
+      <p:grpSpPr>
+        <a:xfrm>
+          <a:off x="0" y="0"/>
+          <a:ext cx="0" cy="0"/>
+          <a:chOff x="0" y="0"/>
+          <a:chExt cx="0" cy="0"/>
+        </a:xfrm>
+      </p:grpSpPr>
+      <p:cxnSp>
+        <p:nvCxnSpPr>
+          <p:cNvPr id="5" name="直線コネクタ 4"/>
+          <p:cNvCxnSpPr>
+            <a:cxnSpLocks/>
+          </p:cNvCxnSpPr>
+          <p:nvPr/>
+        </p:nvCxnSpPr>
+        <p:spPr>
+          <a:xfrm>
+            <a:off x="4319818" y="2817954"/>
+            <a:ext cx="0" cy="2105608"/>
+          </a:xfrm>
+          <a:prstGeom prst="line">
+            <a:avLst/>
+          </a:prstGeom>
+          <a:ln w="19050">
+            <a:headEnd type="none" w="med" len="med"/>
+            <a:tailEnd type="arrow" w="lg" len="lg"/>
+          </a:ln>
+        </p:spPr>
+        <p:style>
+          <a:lnRef idx="1">
+            <a:schemeClr val="dk1"/>
+          </a:lnRef>
+          <a:fillRef idx="0">
+            <a:schemeClr val="dk1"/>
+          </a:fillRef>
+          <a:effectRef idx="0">
+            <a:schemeClr val="dk1"/>
+          </a:effectRef>
+          <a:fontRef idx="minor">
+            <a:schemeClr val="tx1"/>
+          </a:fontRef>
+        </p:style>
+      </p:cxnSp>
+      <p:sp>
+        <p:nvSpPr>
+          <p:cNvPr id="12" name="テキスト ボックス 11"/>
+          <p:cNvSpPr txBox="1"/>
+          <p:nvPr/>
+        </p:nvSpPr>
+        <p:spPr>
+          <a:xfrm>
+            <a:off x="5336913" y="3850478"/>
+            <a:ext cx="1429647" cy="646331"/>
+          </a:xfrm>
+          <a:prstGeom prst="rect">
+            <a:avLst/>
+          </a:prstGeom>
+          <a:noFill/>
+        </p:spPr>
+        <p:txBody>
+          <a:bodyPr wrap="square" rtlCol="0">
+            <a:spAutoFit/>
+          </a:bodyPr>
+          <a:lstStyle/>
+          <a:p>
+            <a:r>
+              <a:rPr kumimoji="1" lang="en-US" altLang="ja-JP" dirty="0"/>
+              <a:t>Isentropic Expansion</a:t>
+            </a:r>
+            <a:endParaRPr kumimoji="1" lang="ja-JP" altLang="en-US" dirty="0"/>
+          </a:p>
+        </p:txBody>
+      </p:sp>
+      <p:sp>
+        <p:nvSpPr>
+          <p:cNvPr id="17" name="矢印: 右 16"/>
+          <p:cNvSpPr/>
+          <p:nvPr/>
+        </p:nvSpPr>
+        <p:spPr>
+          <a:xfrm rot="20943971">
+            <a:off x="4676833" y="3394903"/>
+            <a:ext cx="1217751" cy="376161"/>
+          </a:xfrm>
+          <a:prstGeom prst="rightArrow">
+            <a:avLst>
+              <a:gd name="adj1" fmla="val 41818"/>
+              <a:gd name="adj2" fmla="val 91666"/>
+            </a:avLst>
+          </a:prstGeom>
+        </p:spPr>
+        <p:style>
+          <a:lnRef idx="1">
+            <a:schemeClr val="accent1"/>
+          </a:lnRef>
+          <a:fillRef idx="3">
+            <a:schemeClr val="accent1"/>
+          </a:fillRef>
+          <a:effectRef idx="2">
+            <a:schemeClr val="accent1"/>
+          </a:effectRef>
+          <a:fontRef idx="minor">
+            <a:schemeClr val="lt1"/>
+          </a:fontRef>
+        </p:style>
+        <p:txBody>
+          <a:bodyPr rtlCol="0" anchor="ctr"/>
+          <a:lstStyle/>
+          <a:p>
+            <a:pPr algn="ctr"/>
+            <a:endParaRPr kumimoji="1" lang="ja-JP" altLang="en-US"/>
+          </a:p>
+        </p:txBody>
+      </p:sp>
+      <p:sp>
+        <p:nvSpPr>
+          <p:cNvPr id="19" name="テキスト ボックス 18"/>
+          <p:cNvSpPr txBox="1"/>
+          <p:nvPr/>
+        </p:nvSpPr>
+        <p:spPr>
+          <a:xfrm>
+            <a:off x="5487088" y="2838973"/>
+            <a:ext cx="552579" cy="369332"/>
+          </a:xfrm>
+          <a:prstGeom prst="rect">
+            <a:avLst/>
+          </a:prstGeom>
+          <a:noFill/>
+        </p:spPr>
+        <p:txBody>
+          <a:bodyPr wrap="square" rtlCol="0">
+            <a:spAutoFit/>
+          </a:bodyPr>
+          <a:lstStyle/>
+          <a:p>
+            <a:r>
+              <a:rPr kumimoji="1" lang="en-US" altLang="ja-JP" dirty="0"/>
+              <a:t>W</a:t>
+            </a:r>
+            <a:endParaRPr kumimoji="1" lang="ja-JP" altLang="en-US" dirty="0"/>
+          </a:p>
+        </p:txBody>
+      </p:sp>
+      <p:cxnSp>
+        <p:nvCxnSpPr>
+          <p:cNvPr id="26" name="直線コネクタ 25"/>
+          <p:cNvCxnSpPr/>
+          <p:nvPr/>
+        </p:nvCxnSpPr>
+        <p:spPr>
+          <a:xfrm flipV="1">
+            <a:off x="619737" y="1236617"/>
+            <a:ext cx="0" cy="5492156"/>
+          </a:xfrm>
+          <a:prstGeom prst="line">
+            <a:avLst/>
+          </a:prstGeom>
+          <a:ln w="19050">
+            <a:headEnd type="none" w="med" len="med"/>
+            <a:tailEnd type="arrow" w="med" len="med"/>
+          </a:ln>
+        </p:spPr>
+        <p:style>
+          <a:lnRef idx="1">
+            <a:schemeClr val="dk1"/>
+          </a:lnRef>
+          <a:fillRef idx="0">
+            <a:schemeClr val="dk1"/>
+          </a:fillRef>
+          <a:effectRef idx="0">
+            <a:schemeClr val="dk1"/>
+          </a:effectRef>
+          <a:fontRef idx="minor">
+            <a:schemeClr val="tx1"/>
+          </a:fontRef>
+        </p:style>
+      </p:cxnSp>
+      <p:sp>
+        <p:nvSpPr>
+          <p:cNvPr id="29" name="テキスト ボックス 28"/>
+          <p:cNvSpPr txBox="1"/>
+          <p:nvPr/>
+        </p:nvSpPr>
+        <p:spPr>
+          <a:xfrm>
+            <a:off x="249028" y="1544707"/>
+            <a:ext cx="552579" cy="369332"/>
+          </a:xfrm>
+          <a:prstGeom prst="rect">
+            <a:avLst/>
+          </a:prstGeom>
+          <a:noFill/>
+        </p:spPr>
+        <p:txBody>
+          <a:bodyPr wrap="square" rtlCol="0">
+            <a:spAutoFit/>
+          </a:bodyPr>
+          <a:lstStyle/>
+          <a:p>
+            <a:r>
+              <a:rPr lang="en-US" altLang="ja-JP" dirty="0"/>
+              <a:t>h</a:t>
+            </a:r>
+            <a:endParaRPr kumimoji="1" lang="ja-JP" altLang="en-US" dirty="0"/>
+          </a:p>
+        </p:txBody>
+      </p:sp>
+      <p:cxnSp>
+        <p:nvCxnSpPr>
+          <p:cNvPr id="30" name="直線コネクタ 29"/>
+          <p:cNvCxnSpPr/>
+          <p:nvPr/>
+        </p:nvCxnSpPr>
+        <p:spPr>
+          <a:xfrm>
+            <a:off x="619737" y="6728772"/>
+            <a:ext cx="6791257" cy="0"/>
+          </a:xfrm>
+          <a:prstGeom prst="line">
+            <a:avLst/>
+          </a:prstGeom>
+          <a:ln w="19050">
+            <a:headEnd type="none" w="med" len="med"/>
+            <a:tailEnd type="arrow" w="med" len="med"/>
+          </a:ln>
+        </p:spPr>
+        <p:style>
+          <a:lnRef idx="1">
+            <a:schemeClr val="dk1"/>
+          </a:lnRef>
+          <a:fillRef idx="0">
+            <a:schemeClr val="dk1"/>
+          </a:fillRef>
+          <a:effectRef idx="0">
+            <a:schemeClr val="dk1"/>
+          </a:effectRef>
+          <a:fontRef idx="minor">
+            <a:schemeClr val="tx1"/>
+          </a:fontRef>
+        </p:style>
+      </p:cxnSp>
+      <p:sp>
+        <p:nvSpPr>
+          <p:cNvPr id="34" name="テキスト ボックス 33"/>
+          <p:cNvSpPr txBox="1"/>
+          <p:nvPr/>
+        </p:nvSpPr>
+        <p:spPr>
+          <a:xfrm>
+            <a:off x="6684103" y="6275264"/>
+            <a:ext cx="552579" cy="369332"/>
+          </a:xfrm>
+          <a:prstGeom prst="rect">
+            <a:avLst/>
+          </a:prstGeom>
+          <a:noFill/>
+        </p:spPr>
+        <p:txBody>
+          <a:bodyPr wrap="square" rtlCol="0">
+            <a:spAutoFit/>
+          </a:bodyPr>
+          <a:lstStyle/>
+          <a:p>
+            <a:r>
+              <a:rPr kumimoji="1" lang="en-US" altLang="ja-JP" dirty="0"/>
+              <a:t>s</a:t>
+            </a:r>
+            <a:endParaRPr kumimoji="1" lang="ja-JP" altLang="en-US" dirty="0"/>
+          </a:p>
+        </p:txBody>
+      </p:sp>
+      <p:sp>
+        <p:nvSpPr>
+          <p:cNvPr id="27" name="フリーフォーム: 図形 26">
+            <a:extLst>
+              <a:ext uri="{FF2B5EF4-FFF2-40B4-BE49-F238E27FC236}">
+                <a16:creationId xmlns:a16="http://schemas.microsoft.com/office/drawing/2014/main" id="{4016A52E-7875-450B-AB38-2C9853293CDC}"/>
+              </a:ext>
+            </a:extLst>
+          </p:cNvPr>
+          <p:cNvSpPr/>
+          <p:nvPr/>
+        </p:nvSpPr>
+        <p:spPr>
+          <a:xfrm>
+            <a:off x="2011672" y="1445623"/>
+            <a:ext cx="2865120" cy="3163702"/>
+          </a:xfrm>
+          <a:custGeom>
+            <a:avLst/>
+            <a:gdLst>
+              <a:gd name="connsiteX0" fmla="*/ 0 w 1915886"/>
+              <a:gd name="connsiteY0" fmla="*/ 1576251 h 1576251"/>
+              <a:gd name="connsiteX1" fmla="*/ 539932 w 1915886"/>
+              <a:gd name="connsiteY1" fmla="*/ 1471748 h 1576251"/>
+              <a:gd name="connsiteX2" fmla="*/ 1210492 w 1915886"/>
+              <a:gd name="connsiteY2" fmla="*/ 1140823 h 1576251"/>
+              <a:gd name="connsiteX3" fmla="*/ 1672046 w 1915886"/>
+              <a:gd name="connsiteY3" fmla="*/ 670560 h 1576251"/>
+              <a:gd name="connsiteX4" fmla="*/ 1863634 w 1915886"/>
+              <a:gd name="connsiteY4" fmla="*/ 217714 h 1576251"/>
+              <a:gd name="connsiteX5" fmla="*/ 1915886 w 1915886"/>
+              <a:gd name="connsiteY5" fmla="*/ 0 h 1576251"/>
+              <a:gd name="connsiteX0-1" fmla="*/ 0 w 1915886"/>
+              <a:gd name="connsiteY0-2" fmla="*/ 1576251 h 1576251"/>
+              <a:gd name="connsiteX1-3" fmla="*/ 559285 w 1915886"/>
+              <a:gd name="connsiteY1-4" fmla="*/ 1402080 h 1576251"/>
+              <a:gd name="connsiteX2-5" fmla="*/ 1210492 w 1915886"/>
+              <a:gd name="connsiteY2-6" fmla="*/ 1140823 h 1576251"/>
+              <a:gd name="connsiteX3-7" fmla="*/ 1672046 w 1915886"/>
+              <a:gd name="connsiteY3-8" fmla="*/ 670560 h 1576251"/>
+              <a:gd name="connsiteX4-9" fmla="*/ 1863634 w 1915886"/>
+              <a:gd name="connsiteY4-10" fmla="*/ 217714 h 1576251"/>
+              <a:gd name="connsiteX5-11" fmla="*/ 1915886 w 1915886"/>
+              <a:gd name="connsiteY5-12" fmla="*/ 0 h 1576251"/>
+              <a:gd name="connsiteX0-13" fmla="*/ 0 w 1915886"/>
+              <a:gd name="connsiteY0-14" fmla="*/ 1576251 h 1576251"/>
+              <a:gd name="connsiteX1-15" fmla="*/ 559285 w 1915886"/>
+              <a:gd name="connsiteY1-16" fmla="*/ 1402080 h 1576251"/>
+              <a:gd name="connsiteX2-17" fmla="*/ 1152436 w 1915886"/>
+              <a:gd name="connsiteY2-18" fmla="*/ 1079863 h 1576251"/>
+              <a:gd name="connsiteX3-19" fmla="*/ 1672046 w 1915886"/>
+              <a:gd name="connsiteY3-20" fmla="*/ 670560 h 1576251"/>
+              <a:gd name="connsiteX4-21" fmla="*/ 1863634 w 1915886"/>
+              <a:gd name="connsiteY4-22" fmla="*/ 217714 h 1576251"/>
+              <a:gd name="connsiteX5-23" fmla="*/ 1915886 w 1915886"/>
+              <a:gd name="connsiteY5-24" fmla="*/ 0 h 1576251"/>
+              <a:gd name="connsiteX0-25" fmla="*/ 0 w 1915886"/>
+              <a:gd name="connsiteY0-26" fmla="*/ 1576251 h 1576251"/>
+              <a:gd name="connsiteX1-27" fmla="*/ 559285 w 1915886"/>
+              <a:gd name="connsiteY1-28" fmla="*/ 1402080 h 1576251"/>
+              <a:gd name="connsiteX2-29" fmla="*/ 1152436 w 1915886"/>
+              <a:gd name="connsiteY2-30" fmla="*/ 1079863 h 1576251"/>
+              <a:gd name="connsiteX3-31" fmla="*/ 1555931 w 1915886"/>
+              <a:gd name="connsiteY3-32" fmla="*/ 687977 h 1576251"/>
+              <a:gd name="connsiteX4-33" fmla="*/ 1863634 w 1915886"/>
+              <a:gd name="connsiteY4-34" fmla="*/ 217714 h 1576251"/>
+              <a:gd name="connsiteX5-35" fmla="*/ 1915886 w 1915886"/>
+              <a:gd name="connsiteY5-36" fmla="*/ 0 h 1576251"/>
+              <a:gd name="connsiteX0-37" fmla="*/ 0 w 1915886"/>
+              <a:gd name="connsiteY0-38" fmla="*/ 1576251 h 1576251"/>
+              <a:gd name="connsiteX1-39" fmla="*/ 559285 w 1915886"/>
+              <a:gd name="connsiteY1-40" fmla="*/ 1402080 h 1576251"/>
+              <a:gd name="connsiteX2-41" fmla="*/ 1152436 w 1915886"/>
+              <a:gd name="connsiteY2-42" fmla="*/ 1079863 h 1576251"/>
+              <a:gd name="connsiteX3-43" fmla="*/ 1555931 w 1915886"/>
+              <a:gd name="connsiteY3-44" fmla="*/ 687977 h 1576251"/>
+              <a:gd name="connsiteX4-45" fmla="*/ 1786225 w 1915886"/>
+              <a:gd name="connsiteY4-46" fmla="*/ 322217 h 1576251"/>
+              <a:gd name="connsiteX5-47" fmla="*/ 1915886 w 1915886"/>
+              <a:gd name="connsiteY5-48" fmla="*/ 0 h 1576251"/>
+              <a:gd name="connsiteX0-49" fmla="*/ 0 w 1915886"/>
+              <a:gd name="connsiteY0-50" fmla="*/ 1576251 h 1576251"/>
+              <a:gd name="connsiteX1-51" fmla="*/ 559285 w 1915886"/>
+              <a:gd name="connsiteY1-52" fmla="*/ 1402080 h 1576251"/>
+              <a:gd name="connsiteX2-53" fmla="*/ 1152436 w 1915886"/>
+              <a:gd name="connsiteY2-54" fmla="*/ 1079863 h 1576251"/>
+              <a:gd name="connsiteX3-55" fmla="*/ 1555931 w 1915886"/>
+              <a:gd name="connsiteY3-56" fmla="*/ 687977 h 1576251"/>
+              <a:gd name="connsiteX4-57" fmla="*/ 1786225 w 1915886"/>
+              <a:gd name="connsiteY4-58" fmla="*/ 365760 h 1576251"/>
+              <a:gd name="connsiteX5-59" fmla="*/ 1915886 w 1915886"/>
+              <a:gd name="connsiteY5-60" fmla="*/ 0 h 1576251"/>
+              <a:gd name="connsiteX0-61" fmla="*/ 0 w 1915886"/>
+              <a:gd name="connsiteY0-62" fmla="*/ 1576251 h 1576251"/>
+              <a:gd name="connsiteX1-63" fmla="*/ 559285 w 1915886"/>
+              <a:gd name="connsiteY1-64" fmla="*/ 1402080 h 1576251"/>
+              <a:gd name="connsiteX2-65" fmla="*/ 1152436 w 1915886"/>
+              <a:gd name="connsiteY2-66" fmla="*/ 1079863 h 1576251"/>
+              <a:gd name="connsiteX3-67" fmla="*/ 1555931 w 1915886"/>
+              <a:gd name="connsiteY3-68" fmla="*/ 687977 h 1576251"/>
+              <a:gd name="connsiteX4-69" fmla="*/ 1786225 w 1915886"/>
+              <a:gd name="connsiteY4-70" fmla="*/ 365760 h 1576251"/>
+              <a:gd name="connsiteX5-71" fmla="*/ 1915886 w 1915886"/>
+              <a:gd name="connsiteY5-72" fmla="*/ 0 h 1576251"/>
+              <a:gd name="connsiteX0-73" fmla="*/ 0 w 1915886"/>
+              <a:gd name="connsiteY0-74" fmla="*/ 1576251 h 1576251"/>
+              <a:gd name="connsiteX1-75" fmla="*/ 559285 w 1915886"/>
+              <a:gd name="connsiteY1-76" fmla="*/ 1402080 h 1576251"/>
+              <a:gd name="connsiteX2-77" fmla="*/ 1152436 w 1915886"/>
+              <a:gd name="connsiteY2-78" fmla="*/ 1079863 h 1576251"/>
+              <a:gd name="connsiteX3-79" fmla="*/ 1555931 w 1915886"/>
+              <a:gd name="connsiteY3-80" fmla="*/ 687977 h 1576251"/>
+              <a:gd name="connsiteX4-81" fmla="*/ 1786225 w 1915886"/>
+              <a:gd name="connsiteY4-82" fmla="*/ 365760 h 1576251"/>
+              <a:gd name="connsiteX5-83" fmla="*/ 1915886 w 1915886"/>
+              <a:gd name="connsiteY5-84" fmla="*/ 0 h 1576251"/>
+              <a:gd name="connsiteX0-85" fmla="*/ 0 w 1915886"/>
+              <a:gd name="connsiteY0-86" fmla="*/ 1576251 h 1576251"/>
+              <a:gd name="connsiteX1-87" fmla="*/ 559285 w 1915886"/>
+              <a:gd name="connsiteY1-88" fmla="*/ 1402080 h 1576251"/>
+              <a:gd name="connsiteX2-89" fmla="*/ 1152436 w 1915886"/>
+              <a:gd name="connsiteY2-90" fmla="*/ 1079863 h 1576251"/>
+              <a:gd name="connsiteX3-91" fmla="*/ 1517227 w 1915886"/>
+              <a:gd name="connsiteY3-92" fmla="*/ 722812 h 1576251"/>
+              <a:gd name="connsiteX4-93" fmla="*/ 1786225 w 1915886"/>
+              <a:gd name="connsiteY4-94" fmla="*/ 365760 h 1576251"/>
+              <a:gd name="connsiteX5-95" fmla="*/ 1915886 w 1915886"/>
+              <a:gd name="connsiteY5-96" fmla="*/ 0 h 1576251"/>
+              <a:gd name="connsiteX0-97" fmla="*/ 0 w 1915886"/>
+              <a:gd name="connsiteY0-98" fmla="*/ 1576251 h 1576251"/>
+              <a:gd name="connsiteX1-99" fmla="*/ 559285 w 1915886"/>
+              <a:gd name="connsiteY1-100" fmla="*/ 1402080 h 1576251"/>
+              <a:gd name="connsiteX2-101" fmla="*/ 1152436 w 1915886"/>
+              <a:gd name="connsiteY2-102" fmla="*/ 1079863 h 1576251"/>
+              <a:gd name="connsiteX3-103" fmla="*/ 1517227 w 1915886"/>
+              <a:gd name="connsiteY3-104" fmla="*/ 722812 h 1576251"/>
+              <a:gd name="connsiteX4-105" fmla="*/ 1786225 w 1915886"/>
+              <a:gd name="connsiteY4-106" fmla="*/ 365760 h 1576251"/>
+              <a:gd name="connsiteX5-107" fmla="*/ 1915886 w 1915886"/>
+              <a:gd name="connsiteY5-108" fmla="*/ 0 h 1576251"/>
+              <a:gd name="connsiteX0-109" fmla="*/ 0 w 1915886"/>
+              <a:gd name="connsiteY0-110" fmla="*/ 1576251 h 1576251"/>
+              <a:gd name="connsiteX1-111" fmla="*/ 539189 w 1915886"/>
+              <a:gd name="connsiteY1-112" fmla="*/ 1381542 h 1576251"/>
+              <a:gd name="connsiteX2-113" fmla="*/ 1152436 w 1915886"/>
+              <a:gd name="connsiteY2-114" fmla="*/ 1079863 h 1576251"/>
+              <a:gd name="connsiteX3-115" fmla="*/ 1517227 w 1915886"/>
+              <a:gd name="connsiteY3-116" fmla="*/ 722812 h 1576251"/>
+              <a:gd name="connsiteX4-117" fmla="*/ 1786225 w 1915886"/>
+              <a:gd name="connsiteY4-118" fmla="*/ 365760 h 1576251"/>
+              <a:gd name="connsiteX5-119" fmla="*/ 1915886 w 1915886"/>
+              <a:gd name="connsiteY5-120" fmla="*/ 0 h 1576251"/>
+              <a:gd name="connsiteX0-121" fmla="*/ 0 w 1915886"/>
+              <a:gd name="connsiteY0-122" fmla="*/ 1576251 h 1576251"/>
+              <a:gd name="connsiteX1-123" fmla="*/ 539189 w 1915886"/>
+              <a:gd name="connsiteY1-124" fmla="*/ 1381542 h 1576251"/>
+              <a:gd name="connsiteX2-125" fmla="*/ 1125641 w 1915886"/>
+              <a:gd name="connsiteY2-126" fmla="*/ 1074728 h 1576251"/>
+              <a:gd name="connsiteX3-127" fmla="*/ 1517227 w 1915886"/>
+              <a:gd name="connsiteY3-128" fmla="*/ 722812 h 1576251"/>
+              <a:gd name="connsiteX4-129" fmla="*/ 1786225 w 1915886"/>
+              <a:gd name="connsiteY4-130" fmla="*/ 365760 h 1576251"/>
+              <a:gd name="connsiteX5-131" fmla="*/ 1915886 w 1915886"/>
+              <a:gd name="connsiteY5-132" fmla="*/ 0 h 1576251"/>
+              <a:gd name="connsiteX0-133" fmla="*/ 0 w 1915886"/>
+              <a:gd name="connsiteY0-134" fmla="*/ 1576251 h 1576251"/>
+              <a:gd name="connsiteX1-135" fmla="*/ 539189 w 1915886"/>
+              <a:gd name="connsiteY1-136" fmla="*/ 1381542 h 1576251"/>
+              <a:gd name="connsiteX2-137" fmla="*/ 1125641 w 1915886"/>
+              <a:gd name="connsiteY2-138" fmla="*/ 1074728 h 1576251"/>
+              <a:gd name="connsiteX3-139" fmla="*/ 1456937 w 1915886"/>
+              <a:gd name="connsiteY3-140" fmla="*/ 758753 h 1576251"/>
+              <a:gd name="connsiteX4-141" fmla="*/ 1786225 w 1915886"/>
+              <a:gd name="connsiteY4-142" fmla="*/ 365760 h 1576251"/>
+              <a:gd name="connsiteX5-143" fmla="*/ 1915886 w 1915886"/>
+              <a:gd name="connsiteY5-144" fmla="*/ 0 h 1576251"/>
+              <a:gd name="connsiteX0-145" fmla="*/ 0 w 1915886"/>
+              <a:gd name="connsiteY0-146" fmla="*/ 1576251 h 1576251"/>
+              <a:gd name="connsiteX1-147" fmla="*/ 539189 w 1915886"/>
+              <a:gd name="connsiteY1-148" fmla="*/ 1381542 h 1576251"/>
+              <a:gd name="connsiteX2-149" fmla="*/ 1125641 w 1915886"/>
+              <a:gd name="connsiteY2-150" fmla="*/ 1074728 h 1576251"/>
+              <a:gd name="connsiteX3-151" fmla="*/ 1456937 w 1915886"/>
+              <a:gd name="connsiteY3-152" fmla="*/ 758753 h 1576251"/>
+              <a:gd name="connsiteX4-153" fmla="*/ 1739333 w 1915886"/>
+              <a:gd name="connsiteY4-154" fmla="*/ 381164 h 1576251"/>
+              <a:gd name="connsiteX5-155" fmla="*/ 1915886 w 1915886"/>
+              <a:gd name="connsiteY5-156" fmla="*/ 0 h 1576251"/>
+              <a:gd name="connsiteX0-157" fmla="*/ 0 w 1915886"/>
+              <a:gd name="connsiteY0-158" fmla="*/ 1576251 h 1576251"/>
+              <a:gd name="connsiteX1-159" fmla="*/ 539189 w 1915886"/>
+              <a:gd name="connsiteY1-160" fmla="*/ 1381542 h 1576251"/>
+              <a:gd name="connsiteX2-161" fmla="*/ 1125641 w 1915886"/>
+              <a:gd name="connsiteY2-162" fmla="*/ 1074728 h 1576251"/>
+              <a:gd name="connsiteX3-163" fmla="*/ 1423442 w 1915886"/>
+              <a:gd name="connsiteY3-164" fmla="*/ 784425 h 1576251"/>
+              <a:gd name="connsiteX4-165" fmla="*/ 1739333 w 1915886"/>
+              <a:gd name="connsiteY4-166" fmla="*/ 381164 h 1576251"/>
+              <a:gd name="connsiteX5-167" fmla="*/ 1915886 w 1915886"/>
+              <a:gd name="connsiteY5-168" fmla="*/ 0 h 1576251"/>
+              <a:gd name="connsiteX0-169" fmla="*/ 0 w 1915886"/>
+              <a:gd name="connsiteY0-170" fmla="*/ 1576251 h 1576251"/>
+              <a:gd name="connsiteX1-171" fmla="*/ 539189 w 1915886"/>
+              <a:gd name="connsiteY1-172" fmla="*/ 1381542 h 1576251"/>
+              <a:gd name="connsiteX2-173" fmla="*/ 1045255 w 1915886"/>
+              <a:gd name="connsiteY2-174" fmla="*/ 1084996 h 1576251"/>
+              <a:gd name="connsiteX3-175" fmla="*/ 1423442 w 1915886"/>
+              <a:gd name="connsiteY3-176" fmla="*/ 784425 h 1576251"/>
+              <a:gd name="connsiteX4-177" fmla="*/ 1739333 w 1915886"/>
+              <a:gd name="connsiteY4-178" fmla="*/ 381164 h 1576251"/>
+              <a:gd name="connsiteX5-179" fmla="*/ 1915886 w 1915886"/>
+              <a:gd name="connsiteY5-180" fmla="*/ 0 h 1576251"/>
+              <a:gd name="connsiteX0-181" fmla="*/ 0 w 1915886"/>
+              <a:gd name="connsiteY0-182" fmla="*/ 1576251 h 1576251"/>
+              <a:gd name="connsiteX1-183" fmla="*/ 565985 w 1915886"/>
+              <a:gd name="connsiteY1-184" fmla="*/ 1345602 h 1576251"/>
+              <a:gd name="connsiteX2-185" fmla="*/ 1045255 w 1915886"/>
+              <a:gd name="connsiteY2-186" fmla="*/ 1084996 h 1576251"/>
+              <a:gd name="connsiteX3-187" fmla="*/ 1423442 w 1915886"/>
+              <a:gd name="connsiteY3-188" fmla="*/ 784425 h 1576251"/>
+              <a:gd name="connsiteX4-189" fmla="*/ 1739333 w 1915886"/>
+              <a:gd name="connsiteY4-190" fmla="*/ 381164 h 1576251"/>
+              <a:gd name="connsiteX5-191" fmla="*/ 1915886 w 1915886"/>
+              <a:gd name="connsiteY5-192" fmla="*/ 0 h 1576251"/>
+            </a:gdLst>
+            <a:ahLst/>
+            <a:cxnLst>
+              <a:cxn ang="0">
+                <a:pos x="connsiteX0-1" y="connsiteY0-2"/>
+              </a:cxn>
+              <a:cxn ang="0">
+                <a:pos x="connsiteX1-3" y="connsiteY1-4"/>
+              </a:cxn>
+              <a:cxn ang="0">
+                <a:pos x="connsiteX2-5" y="connsiteY2-6"/>
+              </a:cxn>
+              <a:cxn ang="0">
+                <a:pos x="connsiteX3-7" y="connsiteY3-8"/>
+              </a:cxn>
+              <a:cxn ang="0">
+                <a:pos x="connsiteX4-9" y="connsiteY4-10"/>
+              </a:cxn>
+              <a:cxn ang="0">
+                <a:pos x="connsiteX5-11" y="connsiteY5-12"/>
+              </a:cxn>
+            </a:cxnLst>
+            <a:rect l="l" t="t" r="r" b="b"/>
+            <a:pathLst>
+              <a:path w="1915886" h="1576251">
+                <a:moveTo>
+                  <a:pt x="0" y="1576251"/>
+                </a:moveTo>
+                <a:cubicBezTo>
+                  <a:pt x="202585" y="1498673"/>
+                  <a:pt x="391776" y="1427478"/>
+                  <a:pt x="565985" y="1345602"/>
+                </a:cubicBezTo>
+                <a:cubicBezTo>
+                  <a:pt x="740194" y="1263726"/>
+                  <a:pt x="902345" y="1178526"/>
+                  <a:pt x="1045255" y="1084996"/>
+                </a:cubicBezTo>
+                <a:cubicBezTo>
+                  <a:pt x="1188165" y="991466"/>
+                  <a:pt x="1307762" y="901730"/>
+                  <a:pt x="1423442" y="784425"/>
+                </a:cubicBezTo>
+                <a:cubicBezTo>
+                  <a:pt x="1539122" y="667120"/>
+                  <a:pt x="1640635" y="545176"/>
+                  <a:pt x="1739333" y="381164"/>
+                </a:cubicBezTo>
+                <a:cubicBezTo>
+                  <a:pt x="1828354" y="225861"/>
+                  <a:pt x="1910080" y="52977"/>
+                  <a:pt x="1915886" y="0"/>
+                </a:cubicBezTo>
+              </a:path>
+            </a:pathLst>
+          </a:custGeom>
+          <a:ln w="19050">
+            <a:prstDash val="dash"/>
+            <a:headEnd type="none" w="med" len="med"/>
+            <a:tailEnd type="none" w="med" len="med"/>
+          </a:ln>
+        </p:spPr>
+        <p:style>
+          <a:lnRef idx="1">
+            <a:schemeClr val="dk1"/>
+          </a:lnRef>
+          <a:fillRef idx="0">
+            <a:schemeClr val="dk1"/>
+          </a:fillRef>
+          <a:effectRef idx="0">
+            <a:schemeClr val="dk1"/>
+          </a:effectRef>
+          <a:fontRef idx="minor">
+            <a:schemeClr val="tx1"/>
+          </a:fontRef>
+        </p:style>
+        <p:txBody>
+          <a:bodyPr rtlCol="0" anchor="ctr"/>
+          <a:lstStyle/>
+          <a:p>
+            <a:pPr algn="ctr"/>
+            <a:endParaRPr kumimoji="1" lang="ja-JP" altLang="en-US"/>
+          </a:p>
+        </p:txBody>
+      </p:sp>
+      <p:sp>
+        <p:nvSpPr>
+          <p:cNvPr id="28" name="フリーフォーム: 図形 27">
+            <a:extLst>
+              <a:ext uri="{FF2B5EF4-FFF2-40B4-BE49-F238E27FC236}">
+                <a16:creationId xmlns:a16="http://schemas.microsoft.com/office/drawing/2014/main" id="{DB602620-6BB7-4727-BD10-2D64035F2BD6}"/>
+              </a:ext>
+            </a:extLst>
+          </p:cNvPr>
+          <p:cNvSpPr/>
+          <p:nvPr/>
+        </p:nvSpPr>
+        <p:spPr>
+          <a:xfrm>
+            <a:off x="2011670" y="4602125"/>
+            <a:ext cx="2869901" cy="1144078"/>
+          </a:xfrm>
+          <a:custGeom>
+            <a:avLst/>
+            <a:gdLst>
+              <a:gd name="connsiteX0" fmla="*/ 0 w 1915886"/>
+              <a:gd name="connsiteY0" fmla="*/ 1576251 h 1576251"/>
+              <a:gd name="connsiteX1" fmla="*/ 539932 w 1915886"/>
+              <a:gd name="connsiteY1" fmla="*/ 1471748 h 1576251"/>
+              <a:gd name="connsiteX2" fmla="*/ 1210492 w 1915886"/>
+              <a:gd name="connsiteY2" fmla="*/ 1140823 h 1576251"/>
+              <a:gd name="connsiteX3" fmla="*/ 1672046 w 1915886"/>
+              <a:gd name="connsiteY3" fmla="*/ 670560 h 1576251"/>
+              <a:gd name="connsiteX4" fmla="*/ 1863634 w 1915886"/>
+              <a:gd name="connsiteY4" fmla="*/ 217714 h 1576251"/>
+              <a:gd name="connsiteX5" fmla="*/ 1915886 w 1915886"/>
+              <a:gd name="connsiteY5" fmla="*/ 0 h 1576251"/>
+              <a:gd name="connsiteX0-1" fmla="*/ 0 w 1915886"/>
+              <a:gd name="connsiteY0-2" fmla="*/ 1576251 h 1576251"/>
+              <a:gd name="connsiteX1-3" fmla="*/ 559285 w 1915886"/>
+              <a:gd name="connsiteY1-4" fmla="*/ 1402080 h 1576251"/>
+              <a:gd name="connsiteX2-5" fmla="*/ 1210492 w 1915886"/>
+              <a:gd name="connsiteY2-6" fmla="*/ 1140823 h 1576251"/>
+              <a:gd name="connsiteX3-7" fmla="*/ 1672046 w 1915886"/>
+              <a:gd name="connsiteY3-8" fmla="*/ 670560 h 1576251"/>
+              <a:gd name="connsiteX4-9" fmla="*/ 1863634 w 1915886"/>
+              <a:gd name="connsiteY4-10" fmla="*/ 217714 h 1576251"/>
+              <a:gd name="connsiteX5-11" fmla="*/ 1915886 w 1915886"/>
+              <a:gd name="connsiteY5-12" fmla="*/ 0 h 1576251"/>
+              <a:gd name="connsiteX0-13" fmla="*/ 0 w 1915886"/>
+              <a:gd name="connsiteY0-14" fmla="*/ 1576251 h 1576251"/>
+              <a:gd name="connsiteX1-15" fmla="*/ 559285 w 1915886"/>
+              <a:gd name="connsiteY1-16" fmla="*/ 1402080 h 1576251"/>
+              <a:gd name="connsiteX2-17" fmla="*/ 1152436 w 1915886"/>
+              <a:gd name="connsiteY2-18" fmla="*/ 1079863 h 1576251"/>
+              <a:gd name="connsiteX3-19" fmla="*/ 1672046 w 1915886"/>
+              <a:gd name="connsiteY3-20" fmla="*/ 670560 h 1576251"/>
+              <a:gd name="connsiteX4-21" fmla="*/ 1863634 w 1915886"/>
+              <a:gd name="connsiteY4-22" fmla="*/ 217714 h 1576251"/>
+              <a:gd name="connsiteX5-23" fmla="*/ 1915886 w 1915886"/>
+              <a:gd name="connsiteY5-24" fmla="*/ 0 h 1576251"/>
+              <a:gd name="connsiteX0-25" fmla="*/ 0 w 1915886"/>
+              <a:gd name="connsiteY0-26" fmla="*/ 1576251 h 1576251"/>
+              <a:gd name="connsiteX1-27" fmla="*/ 559285 w 1915886"/>
+              <a:gd name="connsiteY1-28" fmla="*/ 1402080 h 1576251"/>
+              <a:gd name="connsiteX2-29" fmla="*/ 1152436 w 1915886"/>
+              <a:gd name="connsiteY2-30" fmla="*/ 1079863 h 1576251"/>
+              <a:gd name="connsiteX3-31" fmla="*/ 1555931 w 1915886"/>
+              <a:gd name="connsiteY3-32" fmla="*/ 687977 h 1576251"/>
+              <a:gd name="connsiteX4-33" fmla="*/ 1863634 w 1915886"/>
+              <a:gd name="connsiteY4-34" fmla="*/ 217714 h 1576251"/>
+              <a:gd name="connsiteX5-35" fmla="*/ 1915886 w 1915886"/>
+              <a:gd name="connsiteY5-36" fmla="*/ 0 h 1576251"/>
+              <a:gd name="connsiteX0-37" fmla="*/ 0 w 1915886"/>
+              <a:gd name="connsiteY0-38" fmla="*/ 1576251 h 1576251"/>
+              <a:gd name="connsiteX1-39" fmla="*/ 559285 w 1915886"/>
+              <a:gd name="connsiteY1-40" fmla="*/ 1402080 h 1576251"/>
+              <a:gd name="connsiteX2-41" fmla="*/ 1152436 w 1915886"/>
+              <a:gd name="connsiteY2-42" fmla="*/ 1079863 h 1576251"/>
+              <a:gd name="connsiteX3-43" fmla="*/ 1555931 w 1915886"/>
+              <a:gd name="connsiteY3-44" fmla="*/ 687977 h 1576251"/>
+              <a:gd name="connsiteX4-45" fmla="*/ 1786225 w 1915886"/>
+              <a:gd name="connsiteY4-46" fmla="*/ 322217 h 1576251"/>
+              <a:gd name="connsiteX5-47" fmla="*/ 1915886 w 1915886"/>
+              <a:gd name="connsiteY5-48" fmla="*/ 0 h 1576251"/>
+              <a:gd name="connsiteX0-49" fmla="*/ 0 w 1915886"/>
+              <a:gd name="connsiteY0-50" fmla="*/ 1576251 h 1576251"/>
+              <a:gd name="connsiteX1-51" fmla="*/ 559285 w 1915886"/>
+              <a:gd name="connsiteY1-52" fmla="*/ 1402080 h 1576251"/>
+              <a:gd name="connsiteX2-53" fmla="*/ 1152436 w 1915886"/>
+              <a:gd name="connsiteY2-54" fmla="*/ 1079863 h 1576251"/>
+              <a:gd name="connsiteX3-55" fmla="*/ 1555931 w 1915886"/>
+              <a:gd name="connsiteY3-56" fmla="*/ 687977 h 1576251"/>
+              <a:gd name="connsiteX4-57" fmla="*/ 1786225 w 1915886"/>
+              <a:gd name="connsiteY4-58" fmla="*/ 365760 h 1576251"/>
+              <a:gd name="connsiteX5-59" fmla="*/ 1915886 w 1915886"/>
+              <a:gd name="connsiteY5-60" fmla="*/ 0 h 1576251"/>
+              <a:gd name="connsiteX0-61" fmla="*/ 0 w 1915886"/>
+              <a:gd name="connsiteY0-62" fmla="*/ 1576251 h 1576251"/>
+              <a:gd name="connsiteX1-63" fmla="*/ 559285 w 1915886"/>
+              <a:gd name="connsiteY1-64" fmla="*/ 1402080 h 1576251"/>
+              <a:gd name="connsiteX2-65" fmla="*/ 1152436 w 1915886"/>
+              <a:gd name="connsiteY2-66" fmla="*/ 1079863 h 1576251"/>
+              <a:gd name="connsiteX3-67" fmla="*/ 1555931 w 1915886"/>
+              <a:gd name="connsiteY3-68" fmla="*/ 687977 h 1576251"/>
+              <a:gd name="connsiteX4-69" fmla="*/ 1786225 w 1915886"/>
+              <a:gd name="connsiteY4-70" fmla="*/ 365760 h 1576251"/>
+              <a:gd name="connsiteX5-71" fmla="*/ 1915886 w 1915886"/>
+              <a:gd name="connsiteY5-72" fmla="*/ 0 h 1576251"/>
+              <a:gd name="connsiteX0-73" fmla="*/ 0 w 1915886"/>
+              <a:gd name="connsiteY0-74" fmla="*/ 1576251 h 1576251"/>
+              <a:gd name="connsiteX1-75" fmla="*/ 559285 w 1915886"/>
+              <a:gd name="connsiteY1-76" fmla="*/ 1402080 h 1576251"/>
+              <a:gd name="connsiteX2-77" fmla="*/ 1152436 w 1915886"/>
+              <a:gd name="connsiteY2-78" fmla="*/ 1079863 h 1576251"/>
+              <a:gd name="connsiteX3-79" fmla="*/ 1555931 w 1915886"/>
+              <a:gd name="connsiteY3-80" fmla="*/ 687977 h 1576251"/>
+              <a:gd name="connsiteX4-81" fmla="*/ 1786225 w 1915886"/>
+              <a:gd name="connsiteY4-82" fmla="*/ 365760 h 1576251"/>
+              <a:gd name="connsiteX5-83" fmla="*/ 1915886 w 1915886"/>
+              <a:gd name="connsiteY5-84" fmla="*/ 0 h 1576251"/>
+              <a:gd name="connsiteX0-85" fmla="*/ 0 w 1915886"/>
+              <a:gd name="connsiteY0-86" fmla="*/ 1576251 h 1576251"/>
+              <a:gd name="connsiteX1-87" fmla="*/ 559285 w 1915886"/>
+              <a:gd name="connsiteY1-88" fmla="*/ 1402080 h 1576251"/>
+              <a:gd name="connsiteX2-89" fmla="*/ 1152436 w 1915886"/>
+              <a:gd name="connsiteY2-90" fmla="*/ 1079863 h 1576251"/>
+              <a:gd name="connsiteX3-91" fmla="*/ 1517227 w 1915886"/>
+              <a:gd name="connsiteY3-92" fmla="*/ 722812 h 1576251"/>
+              <a:gd name="connsiteX4-93" fmla="*/ 1786225 w 1915886"/>
+              <a:gd name="connsiteY4-94" fmla="*/ 365760 h 1576251"/>
+              <a:gd name="connsiteX5-95" fmla="*/ 1915886 w 1915886"/>
+              <a:gd name="connsiteY5-96" fmla="*/ 0 h 1576251"/>
+              <a:gd name="connsiteX0-97" fmla="*/ 0 w 1915886"/>
+              <a:gd name="connsiteY0-98" fmla="*/ 1576251 h 1576251"/>
+              <a:gd name="connsiteX1-99" fmla="*/ 572683 w 1915886"/>
+              <a:gd name="connsiteY1-100" fmla="*/ 1453424 h 1576251"/>
+              <a:gd name="connsiteX2-101" fmla="*/ 1152436 w 1915886"/>
+              <a:gd name="connsiteY2-102" fmla="*/ 1079863 h 1576251"/>
+              <a:gd name="connsiteX3-103" fmla="*/ 1517227 w 1915886"/>
+              <a:gd name="connsiteY3-104" fmla="*/ 722812 h 1576251"/>
+              <a:gd name="connsiteX4-105" fmla="*/ 1786225 w 1915886"/>
+              <a:gd name="connsiteY4-106" fmla="*/ 365760 h 1576251"/>
+              <a:gd name="connsiteX5-107" fmla="*/ 1915886 w 1915886"/>
+              <a:gd name="connsiteY5-108" fmla="*/ 0 h 1576251"/>
+              <a:gd name="connsiteX0-109" fmla="*/ 0 w 1915886"/>
+              <a:gd name="connsiteY0-110" fmla="*/ 1576251 h 1576251"/>
+              <a:gd name="connsiteX1-111" fmla="*/ 572683 w 1915886"/>
+              <a:gd name="connsiteY1-112" fmla="*/ 1453424 h 1576251"/>
+              <a:gd name="connsiteX2-113" fmla="*/ 1112242 w 1915886"/>
+              <a:gd name="connsiteY2-114" fmla="*/ 1316044 h 1576251"/>
+              <a:gd name="connsiteX3-115" fmla="*/ 1517227 w 1915886"/>
+              <a:gd name="connsiteY3-116" fmla="*/ 722812 h 1576251"/>
+              <a:gd name="connsiteX4-117" fmla="*/ 1786225 w 1915886"/>
+              <a:gd name="connsiteY4-118" fmla="*/ 365760 h 1576251"/>
+              <a:gd name="connsiteX5-119" fmla="*/ 1915886 w 1915886"/>
+              <a:gd name="connsiteY5-120" fmla="*/ 0 h 1576251"/>
+              <a:gd name="connsiteX0-121" fmla="*/ 0 w 1915886"/>
+              <a:gd name="connsiteY0-122" fmla="*/ 1576251 h 1576251"/>
+              <a:gd name="connsiteX1-123" fmla="*/ 525791 w 1915886"/>
+              <a:gd name="connsiteY1-124" fmla="*/ 1499634 h 1576251"/>
+              <a:gd name="connsiteX2-125" fmla="*/ 1112242 w 1915886"/>
+              <a:gd name="connsiteY2-126" fmla="*/ 1316044 h 1576251"/>
+              <a:gd name="connsiteX3-127" fmla="*/ 1517227 w 1915886"/>
+              <a:gd name="connsiteY3-128" fmla="*/ 722812 h 1576251"/>
+              <a:gd name="connsiteX4-129" fmla="*/ 1786225 w 1915886"/>
+              <a:gd name="connsiteY4-130" fmla="*/ 365760 h 1576251"/>
+              <a:gd name="connsiteX5-131" fmla="*/ 1915886 w 1915886"/>
+              <a:gd name="connsiteY5-132" fmla="*/ 0 h 1576251"/>
+              <a:gd name="connsiteX0-133" fmla="*/ 0 w 1915886"/>
+              <a:gd name="connsiteY0-134" fmla="*/ 1576251 h 1576251"/>
+              <a:gd name="connsiteX1-135" fmla="*/ 525791 w 1915886"/>
+              <a:gd name="connsiteY1-136" fmla="*/ 1499634 h 1576251"/>
+              <a:gd name="connsiteX2-137" fmla="*/ 1112242 w 1915886"/>
+              <a:gd name="connsiteY2-138" fmla="*/ 1316044 h 1576251"/>
+              <a:gd name="connsiteX3-139" fmla="*/ 1490431 w 1915886"/>
+              <a:gd name="connsiteY3-140" fmla="*/ 1133562 h 1576251"/>
+              <a:gd name="connsiteX4-141" fmla="*/ 1786225 w 1915886"/>
+              <a:gd name="connsiteY4-142" fmla="*/ 365760 h 1576251"/>
+              <a:gd name="connsiteX5-143" fmla="*/ 1915886 w 1915886"/>
+              <a:gd name="connsiteY5-144" fmla="*/ 0 h 1576251"/>
+              <a:gd name="connsiteX0-145" fmla="*/ 0 w 1915886"/>
+              <a:gd name="connsiteY0-146" fmla="*/ 1576251 h 1576251"/>
+              <a:gd name="connsiteX1-147" fmla="*/ 525791 w 1915886"/>
+              <a:gd name="connsiteY1-148" fmla="*/ 1499634 h 1576251"/>
+              <a:gd name="connsiteX2-149" fmla="*/ 1112242 w 1915886"/>
+              <a:gd name="connsiteY2-150" fmla="*/ 1316044 h 1576251"/>
+              <a:gd name="connsiteX3-151" fmla="*/ 1490431 w 1915886"/>
+              <a:gd name="connsiteY3-152" fmla="*/ 1133562 h 1576251"/>
+              <a:gd name="connsiteX4-153" fmla="*/ 1786225 w 1915886"/>
+              <a:gd name="connsiteY4-154" fmla="*/ 920272 h 1576251"/>
+              <a:gd name="connsiteX5-155" fmla="*/ 1915886 w 1915886"/>
+              <a:gd name="connsiteY5-156" fmla="*/ 0 h 1576251"/>
+              <a:gd name="connsiteX0-157" fmla="*/ 0 w 1915886"/>
+              <a:gd name="connsiteY0-158" fmla="*/ 1576251 h 1576251"/>
+              <a:gd name="connsiteX1-159" fmla="*/ 525791 w 1915886"/>
+              <a:gd name="connsiteY1-160" fmla="*/ 1499634 h 1576251"/>
+              <a:gd name="connsiteX2-161" fmla="*/ 1112242 w 1915886"/>
+              <a:gd name="connsiteY2-162" fmla="*/ 1316044 h 1576251"/>
+              <a:gd name="connsiteX3-163" fmla="*/ 1383248 w 1915886"/>
+              <a:gd name="connsiteY3-164" fmla="*/ 1200309 h 1576251"/>
+              <a:gd name="connsiteX4-165" fmla="*/ 1786225 w 1915886"/>
+              <a:gd name="connsiteY4-166" fmla="*/ 920272 h 1576251"/>
+              <a:gd name="connsiteX5-167" fmla="*/ 1915886 w 1915886"/>
+              <a:gd name="connsiteY5-168" fmla="*/ 0 h 1576251"/>
+              <a:gd name="connsiteX0-169" fmla="*/ 0 w 1915886"/>
+              <a:gd name="connsiteY0-170" fmla="*/ 1576251 h 1576251"/>
+              <a:gd name="connsiteX1-171" fmla="*/ 525791 w 1915886"/>
+              <a:gd name="connsiteY1-172" fmla="*/ 1499634 h 1576251"/>
+              <a:gd name="connsiteX2-173" fmla="*/ 897877 w 1915886"/>
+              <a:gd name="connsiteY2-174" fmla="*/ 1382791 h 1576251"/>
+              <a:gd name="connsiteX3-175" fmla="*/ 1383248 w 1915886"/>
+              <a:gd name="connsiteY3-176" fmla="*/ 1200309 h 1576251"/>
+              <a:gd name="connsiteX4-177" fmla="*/ 1786225 w 1915886"/>
+              <a:gd name="connsiteY4-178" fmla="*/ 920272 h 1576251"/>
+              <a:gd name="connsiteX5-179" fmla="*/ 1915886 w 1915886"/>
+              <a:gd name="connsiteY5-180" fmla="*/ 0 h 1576251"/>
+              <a:gd name="connsiteX0-181" fmla="*/ 0 w 1915886"/>
+              <a:gd name="connsiteY0-182" fmla="*/ 1576251 h 1576251"/>
+              <a:gd name="connsiteX1-183" fmla="*/ 525791 w 1915886"/>
+              <a:gd name="connsiteY1-184" fmla="*/ 1499634 h 1576251"/>
+              <a:gd name="connsiteX2-185" fmla="*/ 897877 w 1915886"/>
+              <a:gd name="connsiteY2-186" fmla="*/ 1382791 h 1576251"/>
+              <a:gd name="connsiteX3-187" fmla="*/ 1269367 w 1915886"/>
+              <a:gd name="connsiteY3-188" fmla="*/ 1231115 h 1576251"/>
+              <a:gd name="connsiteX4-189" fmla="*/ 1786225 w 1915886"/>
+              <a:gd name="connsiteY4-190" fmla="*/ 920272 h 1576251"/>
+              <a:gd name="connsiteX5-191" fmla="*/ 1915886 w 1915886"/>
+              <a:gd name="connsiteY5-192" fmla="*/ 0 h 1576251"/>
+              <a:gd name="connsiteX0-193" fmla="*/ 0 w 1915886"/>
+              <a:gd name="connsiteY0-194" fmla="*/ 1576251 h 1576251"/>
+              <a:gd name="connsiteX1-195" fmla="*/ 525791 w 1915886"/>
+              <a:gd name="connsiteY1-196" fmla="*/ 1499634 h 1576251"/>
+              <a:gd name="connsiteX2-197" fmla="*/ 897877 w 1915886"/>
+              <a:gd name="connsiteY2-198" fmla="*/ 1382791 h 1576251"/>
+              <a:gd name="connsiteX3-199" fmla="*/ 1269367 w 1915886"/>
+              <a:gd name="connsiteY3-200" fmla="*/ 1231115 h 1576251"/>
+              <a:gd name="connsiteX4-201" fmla="*/ 1612054 w 1915886"/>
+              <a:gd name="connsiteY4-202" fmla="*/ 1002422 h 1576251"/>
+              <a:gd name="connsiteX5-203" fmla="*/ 1915886 w 1915886"/>
+              <a:gd name="connsiteY5-204" fmla="*/ 0 h 1576251"/>
+              <a:gd name="connsiteX0-205" fmla="*/ 0 w 1882391"/>
+              <a:gd name="connsiteY0-206" fmla="*/ 1037142 h 1037142"/>
+              <a:gd name="connsiteX1-207" fmla="*/ 525791 w 1882391"/>
+              <a:gd name="connsiteY1-208" fmla="*/ 960525 h 1037142"/>
+              <a:gd name="connsiteX2-209" fmla="*/ 897877 w 1882391"/>
+              <a:gd name="connsiteY2-210" fmla="*/ 843682 h 1037142"/>
+              <a:gd name="connsiteX3-211" fmla="*/ 1269367 w 1882391"/>
+              <a:gd name="connsiteY3-212" fmla="*/ 692006 h 1037142"/>
+              <a:gd name="connsiteX4-213" fmla="*/ 1612054 w 1882391"/>
+              <a:gd name="connsiteY4-214" fmla="*/ 463313 h 1037142"/>
+              <a:gd name="connsiteX5-215" fmla="*/ 1882391 w 1882391"/>
+              <a:gd name="connsiteY5-216" fmla="*/ 0 h 1037142"/>
+              <a:gd name="connsiteX0-217" fmla="*/ 0 w 1902488"/>
+              <a:gd name="connsiteY0-218" fmla="*/ 749617 h 749617"/>
+              <a:gd name="connsiteX1-219" fmla="*/ 525791 w 1902488"/>
+              <a:gd name="connsiteY1-220" fmla="*/ 673000 h 749617"/>
+              <a:gd name="connsiteX2-221" fmla="*/ 897877 w 1902488"/>
+              <a:gd name="connsiteY2-222" fmla="*/ 556157 h 749617"/>
+              <a:gd name="connsiteX3-223" fmla="*/ 1269367 w 1902488"/>
+              <a:gd name="connsiteY3-224" fmla="*/ 404481 h 749617"/>
+              <a:gd name="connsiteX4-225" fmla="*/ 1612054 w 1902488"/>
+              <a:gd name="connsiteY4-226" fmla="*/ 175788 h 749617"/>
+              <a:gd name="connsiteX5-227" fmla="*/ 1902488 w 1902488"/>
+              <a:gd name="connsiteY5-228" fmla="*/ 0 h 749617"/>
+              <a:gd name="connsiteX0-229" fmla="*/ 0 w 1902488"/>
+              <a:gd name="connsiteY0-230" fmla="*/ 749617 h 749617"/>
+              <a:gd name="connsiteX1-231" fmla="*/ 525791 w 1902488"/>
+              <a:gd name="connsiteY1-232" fmla="*/ 673000 h 749617"/>
+              <a:gd name="connsiteX2-233" fmla="*/ 897877 w 1902488"/>
+              <a:gd name="connsiteY2-234" fmla="*/ 556157 h 749617"/>
+              <a:gd name="connsiteX3-235" fmla="*/ 1269367 w 1902488"/>
+              <a:gd name="connsiteY3-236" fmla="*/ 404481 h 749617"/>
+              <a:gd name="connsiteX4-237" fmla="*/ 1612054 w 1902488"/>
+              <a:gd name="connsiteY4-238" fmla="*/ 175788 h 749617"/>
+              <a:gd name="connsiteX5-239" fmla="*/ 1902488 w 1902488"/>
+              <a:gd name="connsiteY5-240" fmla="*/ 0 h 749617"/>
+              <a:gd name="connsiteX0-241" fmla="*/ 0 w 1902488"/>
+              <a:gd name="connsiteY0-242" fmla="*/ 749617 h 749617"/>
+              <a:gd name="connsiteX1-243" fmla="*/ 525791 w 1902488"/>
+              <a:gd name="connsiteY1-244" fmla="*/ 673000 h 749617"/>
+              <a:gd name="connsiteX2-245" fmla="*/ 897877 w 1902488"/>
+              <a:gd name="connsiteY2-246" fmla="*/ 556157 h 749617"/>
+              <a:gd name="connsiteX3-247" fmla="*/ 1269367 w 1902488"/>
+              <a:gd name="connsiteY3-248" fmla="*/ 404481 h 749617"/>
+              <a:gd name="connsiteX4-249" fmla="*/ 1545066 w 1902488"/>
+              <a:gd name="connsiteY4-250" fmla="*/ 237401 h 749617"/>
+              <a:gd name="connsiteX5-251" fmla="*/ 1902488 w 1902488"/>
+              <a:gd name="connsiteY5-252" fmla="*/ 0 h 749617"/>
+              <a:gd name="connsiteX0-253" fmla="*/ 0 w 1902488"/>
+              <a:gd name="connsiteY0-254" fmla="*/ 749617 h 749617"/>
+              <a:gd name="connsiteX1-255" fmla="*/ 525791 w 1902488"/>
+              <a:gd name="connsiteY1-256" fmla="*/ 673000 h 749617"/>
+              <a:gd name="connsiteX2-257" fmla="*/ 897877 w 1902488"/>
+              <a:gd name="connsiteY2-258" fmla="*/ 556157 h 749617"/>
+              <a:gd name="connsiteX3-259" fmla="*/ 1269367 w 1902488"/>
+              <a:gd name="connsiteY3-260" fmla="*/ 404481 h 749617"/>
+              <a:gd name="connsiteX4-261" fmla="*/ 1545066 w 1902488"/>
+              <a:gd name="connsiteY4-262" fmla="*/ 237401 h 749617"/>
+              <a:gd name="connsiteX5-263" fmla="*/ 1902488 w 1902488"/>
+              <a:gd name="connsiteY5-264" fmla="*/ 0 h 749617"/>
+              <a:gd name="connsiteX0-265" fmla="*/ 0 w 1902488"/>
+              <a:gd name="connsiteY0-266" fmla="*/ 749617 h 749617"/>
+              <a:gd name="connsiteX1-267" fmla="*/ 525791 w 1902488"/>
+              <a:gd name="connsiteY1-268" fmla="*/ 673000 h 749617"/>
+              <a:gd name="connsiteX2-269" fmla="*/ 897877 w 1902488"/>
+              <a:gd name="connsiteY2-270" fmla="*/ 556157 h 749617"/>
+              <a:gd name="connsiteX3-271" fmla="*/ 1269367 w 1902488"/>
+              <a:gd name="connsiteY3-272" fmla="*/ 404481 h 749617"/>
+              <a:gd name="connsiteX4-273" fmla="*/ 1545066 w 1902488"/>
+              <a:gd name="connsiteY4-274" fmla="*/ 237401 h 749617"/>
+              <a:gd name="connsiteX5-275" fmla="*/ 1902488 w 1902488"/>
+              <a:gd name="connsiteY5-276" fmla="*/ 0 h 749617"/>
+              <a:gd name="connsiteX0-277" fmla="*/ 0 w 1902488"/>
+              <a:gd name="connsiteY0-278" fmla="*/ 749617 h 749617"/>
+              <a:gd name="connsiteX1-279" fmla="*/ 525791 w 1902488"/>
+              <a:gd name="connsiteY1-280" fmla="*/ 673000 h 749617"/>
+              <a:gd name="connsiteX2-281" fmla="*/ 897877 w 1902488"/>
+              <a:gd name="connsiteY2-282" fmla="*/ 556157 h 749617"/>
+              <a:gd name="connsiteX3-283" fmla="*/ 1229174 w 1902488"/>
+              <a:gd name="connsiteY3-284" fmla="*/ 425019 h 749617"/>
+              <a:gd name="connsiteX4-285" fmla="*/ 1545066 w 1902488"/>
+              <a:gd name="connsiteY4-286" fmla="*/ 237401 h 749617"/>
+              <a:gd name="connsiteX5-287" fmla="*/ 1902488 w 1902488"/>
+              <a:gd name="connsiteY5-288" fmla="*/ 0 h 749617"/>
+              <a:gd name="connsiteX0-289" fmla="*/ 0 w 1902488"/>
+              <a:gd name="connsiteY0-290" fmla="*/ 749617 h 749617"/>
+              <a:gd name="connsiteX1-291" fmla="*/ 525791 w 1902488"/>
+              <a:gd name="connsiteY1-292" fmla="*/ 673000 h 749617"/>
+              <a:gd name="connsiteX2-293" fmla="*/ 897877 w 1902488"/>
+              <a:gd name="connsiteY2-294" fmla="*/ 556157 h 749617"/>
+              <a:gd name="connsiteX3-295" fmla="*/ 1229174 w 1902488"/>
+              <a:gd name="connsiteY3-296" fmla="*/ 425019 h 749617"/>
+              <a:gd name="connsiteX4-297" fmla="*/ 1545066 w 1902488"/>
+              <a:gd name="connsiteY4-298" fmla="*/ 237401 h 749617"/>
+              <a:gd name="connsiteX5-299" fmla="*/ 1902488 w 1902488"/>
+              <a:gd name="connsiteY5-300" fmla="*/ 0 h 749617"/>
+              <a:gd name="connsiteX0-301" fmla="*/ 0 w 1902488"/>
+              <a:gd name="connsiteY0-302" fmla="*/ 749617 h 749617"/>
+              <a:gd name="connsiteX1-303" fmla="*/ 525791 w 1902488"/>
+              <a:gd name="connsiteY1-304" fmla="*/ 673000 h 749617"/>
+              <a:gd name="connsiteX2-305" fmla="*/ 897877 w 1902488"/>
+              <a:gd name="connsiteY2-306" fmla="*/ 556157 h 749617"/>
+              <a:gd name="connsiteX3-307" fmla="*/ 1229174 w 1902488"/>
+              <a:gd name="connsiteY3-308" fmla="*/ 425019 h 749617"/>
+              <a:gd name="connsiteX4-309" fmla="*/ 1545066 w 1902488"/>
+              <a:gd name="connsiteY4-310" fmla="*/ 237401 h 749617"/>
+              <a:gd name="connsiteX5-311" fmla="*/ 1902488 w 1902488"/>
+              <a:gd name="connsiteY5-312" fmla="*/ 0 h 749617"/>
+              <a:gd name="connsiteX0-313" fmla="*/ 0 w 1902488"/>
+              <a:gd name="connsiteY0-314" fmla="*/ 749617 h 749617"/>
+              <a:gd name="connsiteX1-315" fmla="*/ 525791 w 1902488"/>
+              <a:gd name="connsiteY1-316" fmla="*/ 673000 h 749617"/>
+              <a:gd name="connsiteX2-317" fmla="*/ 897877 w 1902488"/>
+              <a:gd name="connsiteY2-318" fmla="*/ 556157 h 749617"/>
+              <a:gd name="connsiteX3-319" fmla="*/ 1229174 w 1902488"/>
+              <a:gd name="connsiteY3-320" fmla="*/ 425019 h 749617"/>
+              <a:gd name="connsiteX4-321" fmla="*/ 1545066 w 1902488"/>
+              <a:gd name="connsiteY4-322" fmla="*/ 237401 h 749617"/>
+              <a:gd name="connsiteX5-323" fmla="*/ 1902488 w 1902488"/>
+              <a:gd name="connsiteY5-324" fmla="*/ 0 h 749617"/>
+              <a:gd name="connsiteX0-325" fmla="*/ 0 w 1902488"/>
+              <a:gd name="connsiteY0-326" fmla="*/ 749617 h 749617"/>
+              <a:gd name="connsiteX1-327" fmla="*/ 525791 w 1902488"/>
+              <a:gd name="connsiteY1-328" fmla="*/ 673000 h 749617"/>
+              <a:gd name="connsiteX2-329" fmla="*/ 897877 w 1902488"/>
+              <a:gd name="connsiteY2-330" fmla="*/ 556157 h 749617"/>
+              <a:gd name="connsiteX3-331" fmla="*/ 1229174 w 1902488"/>
+              <a:gd name="connsiteY3-332" fmla="*/ 425019 h 749617"/>
+              <a:gd name="connsiteX4-333" fmla="*/ 1598657 w 1902488"/>
+              <a:gd name="connsiteY4-334" fmla="*/ 263073 h 749617"/>
+              <a:gd name="connsiteX5-335" fmla="*/ 1902488 w 1902488"/>
+              <a:gd name="connsiteY5-336" fmla="*/ 0 h 749617"/>
+              <a:gd name="connsiteX0-337" fmla="*/ 0 w 1902488"/>
+              <a:gd name="connsiteY0-338" fmla="*/ 662333 h 662333"/>
+              <a:gd name="connsiteX1-339" fmla="*/ 525791 w 1902488"/>
+              <a:gd name="connsiteY1-340" fmla="*/ 585716 h 662333"/>
+              <a:gd name="connsiteX2-341" fmla="*/ 897877 w 1902488"/>
+              <a:gd name="connsiteY2-342" fmla="*/ 468873 h 662333"/>
+              <a:gd name="connsiteX3-343" fmla="*/ 1229174 w 1902488"/>
+              <a:gd name="connsiteY3-344" fmla="*/ 337735 h 662333"/>
+              <a:gd name="connsiteX4-345" fmla="*/ 1598657 w 1902488"/>
+              <a:gd name="connsiteY4-346" fmla="*/ 175789 h 662333"/>
+              <a:gd name="connsiteX5-347" fmla="*/ 1902488 w 1902488"/>
+              <a:gd name="connsiteY5-348" fmla="*/ 0 h 662333"/>
+              <a:gd name="connsiteX0-349" fmla="*/ 0 w 1902488"/>
+              <a:gd name="connsiteY0-350" fmla="*/ 662333 h 662333"/>
+              <a:gd name="connsiteX1-351" fmla="*/ 525791 w 1902488"/>
+              <a:gd name="connsiteY1-352" fmla="*/ 585716 h 662333"/>
+              <a:gd name="connsiteX2-353" fmla="*/ 897877 w 1902488"/>
+              <a:gd name="connsiteY2-354" fmla="*/ 468873 h 662333"/>
+              <a:gd name="connsiteX3-355" fmla="*/ 1229174 w 1902488"/>
+              <a:gd name="connsiteY3-356" fmla="*/ 337735 h 662333"/>
+              <a:gd name="connsiteX4-357" fmla="*/ 1598657 w 1902488"/>
+              <a:gd name="connsiteY4-358" fmla="*/ 175789 h 662333"/>
+              <a:gd name="connsiteX5-359" fmla="*/ 1902488 w 1902488"/>
+              <a:gd name="connsiteY5-360" fmla="*/ 0 h 662333"/>
+              <a:gd name="connsiteX0-361" fmla="*/ 0 w 1902488"/>
+              <a:gd name="connsiteY0-362" fmla="*/ 564781 h 588763"/>
+              <a:gd name="connsiteX1-363" fmla="*/ 525791 w 1902488"/>
+              <a:gd name="connsiteY1-364" fmla="*/ 585716 h 588763"/>
+              <a:gd name="connsiteX2-365" fmla="*/ 897877 w 1902488"/>
+              <a:gd name="connsiteY2-366" fmla="*/ 468873 h 588763"/>
+              <a:gd name="connsiteX3-367" fmla="*/ 1229174 w 1902488"/>
+              <a:gd name="connsiteY3-368" fmla="*/ 337735 h 588763"/>
+              <a:gd name="connsiteX4-369" fmla="*/ 1598657 w 1902488"/>
+              <a:gd name="connsiteY4-370" fmla="*/ 175789 h 588763"/>
+              <a:gd name="connsiteX5-371" fmla="*/ 1902488 w 1902488"/>
+              <a:gd name="connsiteY5-372" fmla="*/ 0 h 588763"/>
+              <a:gd name="connsiteX0-373" fmla="*/ 0 w 1902488"/>
+              <a:gd name="connsiteY0-374" fmla="*/ 564781 h 564781"/>
+              <a:gd name="connsiteX1-375" fmla="*/ 525791 w 1902488"/>
+              <a:gd name="connsiteY1-376" fmla="*/ 477894 h 564781"/>
+              <a:gd name="connsiteX2-377" fmla="*/ 897877 w 1902488"/>
+              <a:gd name="connsiteY2-378" fmla="*/ 468873 h 564781"/>
+              <a:gd name="connsiteX3-379" fmla="*/ 1229174 w 1902488"/>
+              <a:gd name="connsiteY3-380" fmla="*/ 337735 h 564781"/>
+              <a:gd name="connsiteX4-381" fmla="*/ 1598657 w 1902488"/>
+              <a:gd name="connsiteY4-382" fmla="*/ 175789 h 564781"/>
+              <a:gd name="connsiteX5-383" fmla="*/ 1902488 w 1902488"/>
+              <a:gd name="connsiteY5-384" fmla="*/ 0 h 564781"/>
+              <a:gd name="connsiteX0-385" fmla="*/ 0 w 1902488"/>
+              <a:gd name="connsiteY0-386" fmla="*/ 564781 h 564781"/>
+              <a:gd name="connsiteX1-387" fmla="*/ 525791 w 1902488"/>
+              <a:gd name="connsiteY1-388" fmla="*/ 477894 h 564781"/>
+              <a:gd name="connsiteX2-389" fmla="*/ 931372 w 1902488"/>
+              <a:gd name="connsiteY2-390" fmla="*/ 402126 h 564781"/>
+              <a:gd name="connsiteX3-391" fmla="*/ 1229174 w 1902488"/>
+              <a:gd name="connsiteY3-392" fmla="*/ 337735 h 564781"/>
+              <a:gd name="connsiteX4-393" fmla="*/ 1598657 w 1902488"/>
+              <a:gd name="connsiteY4-394" fmla="*/ 175789 h 564781"/>
+              <a:gd name="connsiteX5-395" fmla="*/ 1902488 w 1902488"/>
+              <a:gd name="connsiteY5-396" fmla="*/ 0 h 564781"/>
+              <a:gd name="connsiteX0-397" fmla="*/ 0 w 1902488"/>
+              <a:gd name="connsiteY0-398" fmla="*/ 564781 h 564781"/>
+              <a:gd name="connsiteX1-399" fmla="*/ 525791 w 1902488"/>
+              <a:gd name="connsiteY1-400" fmla="*/ 477894 h 564781"/>
+              <a:gd name="connsiteX2-401" fmla="*/ 931372 w 1902488"/>
+              <a:gd name="connsiteY2-402" fmla="*/ 402126 h 564781"/>
+              <a:gd name="connsiteX3-403" fmla="*/ 1276066 w 1902488"/>
+              <a:gd name="connsiteY3-404" fmla="*/ 291525 h 564781"/>
+              <a:gd name="connsiteX4-405" fmla="*/ 1598657 w 1902488"/>
+              <a:gd name="connsiteY4-406" fmla="*/ 175789 h 564781"/>
+              <a:gd name="connsiteX5-407" fmla="*/ 1902488 w 1902488"/>
+              <a:gd name="connsiteY5-408" fmla="*/ 0 h 564781"/>
+              <a:gd name="connsiteX0-409" fmla="*/ 0 w 1902488"/>
+              <a:gd name="connsiteY0-410" fmla="*/ 564781 h 564781"/>
+              <a:gd name="connsiteX1-411" fmla="*/ 525791 w 1902488"/>
+              <a:gd name="connsiteY1-412" fmla="*/ 477894 h 564781"/>
+              <a:gd name="connsiteX2-413" fmla="*/ 931372 w 1902488"/>
+              <a:gd name="connsiteY2-414" fmla="*/ 402126 h 564781"/>
+              <a:gd name="connsiteX3-415" fmla="*/ 1276066 w 1902488"/>
+              <a:gd name="connsiteY3-416" fmla="*/ 291525 h 564781"/>
+              <a:gd name="connsiteX4-417" fmla="*/ 1598657 w 1902488"/>
+              <a:gd name="connsiteY4-418" fmla="*/ 139848 h 564781"/>
+              <a:gd name="connsiteX5-419" fmla="*/ 1902488 w 1902488"/>
+              <a:gd name="connsiteY5-420" fmla="*/ 0 h 564781"/>
+              <a:gd name="connsiteX0-421" fmla="*/ 0 w 1902488"/>
+              <a:gd name="connsiteY0-422" fmla="*/ 564781 h 564781"/>
+              <a:gd name="connsiteX1-423" fmla="*/ 525791 w 1902488"/>
+              <a:gd name="connsiteY1-424" fmla="*/ 477894 h 564781"/>
+              <a:gd name="connsiteX2-425" fmla="*/ 931372 w 1902488"/>
+              <a:gd name="connsiteY2-426" fmla="*/ 402126 h 564781"/>
+              <a:gd name="connsiteX3-427" fmla="*/ 1289464 w 1902488"/>
+              <a:gd name="connsiteY3-428" fmla="*/ 270988 h 564781"/>
+              <a:gd name="connsiteX4-429" fmla="*/ 1598657 w 1902488"/>
+              <a:gd name="connsiteY4-430" fmla="*/ 139848 h 564781"/>
+              <a:gd name="connsiteX5-431" fmla="*/ 1902488 w 1902488"/>
+              <a:gd name="connsiteY5-432" fmla="*/ 0 h 564781"/>
+              <a:gd name="connsiteX0-433" fmla="*/ 0 w 1902488"/>
+              <a:gd name="connsiteY0-434" fmla="*/ 564781 h 564781"/>
+              <a:gd name="connsiteX1-435" fmla="*/ 525791 w 1902488"/>
+              <a:gd name="connsiteY1-436" fmla="*/ 477894 h 564781"/>
+              <a:gd name="connsiteX2-437" fmla="*/ 904576 w 1902488"/>
+              <a:gd name="connsiteY2-438" fmla="*/ 381589 h 564781"/>
+              <a:gd name="connsiteX3-439" fmla="*/ 1289464 w 1902488"/>
+              <a:gd name="connsiteY3-440" fmla="*/ 270988 h 564781"/>
+              <a:gd name="connsiteX4-441" fmla="*/ 1598657 w 1902488"/>
+              <a:gd name="connsiteY4-442" fmla="*/ 139848 h 564781"/>
+              <a:gd name="connsiteX5-443" fmla="*/ 1902488 w 1902488"/>
+              <a:gd name="connsiteY5-444" fmla="*/ 0 h 564781"/>
+              <a:gd name="connsiteX0-445" fmla="*/ 0 w 1895789"/>
+              <a:gd name="connsiteY0-446" fmla="*/ 621259 h 621259"/>
+              <a:gd name="connsiteX1-447" fmla="*/ 525791 w 1895789"/>
+              <a:gd name="connsiteY1-448" fmla="*/ 534372 h 621259"/>
+              <a:gd name="connsiteX2-449" fmla="*/ 904576 w 1895789"/>
+              <a:gd name="connsiteY2-450" fmla="*/ 438067 h 621259"/>
+              <a:gd name="connsiteX3-451" fmla="*/ 1289464 w 1895789"/>
+              <a:gd name="connsiteY3-452" fmla="*/ 327466 h 621259"/>
+              <a:gd name="connsiteX4-453" fmla="*/ 1598657 w 1895789"/>
+              <a:gd name="connsiteY4-454" fmla="*/ 196326 h 621259"/>
+              <a:gd name="connsiteX5-455" fmla="*/ 1895789 w 1895789"/>
+              <a:gd name="connsiteY5-456" fmla="*/ 0 h 621259"/>
+              <a:gd name="connsiteX0-457" fmla="*/ 0 w 1895789"/>
+              <a:gd name="connsiteY0-458" fmla="*/ 621259 h 621259"/>
+              <a:gd name="connsiteX1-459" fmla="*/ 525791 w 1895789"/>
+              <a:gd name="connsiteY1-460" fmla="*/ 534372 h 621259"/>
+              <a:gd name="connsiteX2-461" fmla="*/ 904576 w 1895789"/>
+              <a:gd name="connsiteY2-462" fmla="*/ 438067 h 621259"/>
+              <a:gd name="connsiteX3-463" fmla="*/ 1289464 w 1895789"/>
+              <a:gd name="connsiteY3-464" fmla="*/ 327466 h 621259"/>
+              <a:gd name="connsiteX4-465" fmla="*/ 1591958 w 1895789"/>
+              <a:gd name="connsiteY4-466" fmla="*/ 175789 h 621259"/>
+              <a:gd name="connsiteX5-467" fmla="*/ 1895789 w 1895789"/>
+              <a:gd name="connsiteY5-468" fmla="*/ 0 h 621259"/>
+              <a:gd name="connsiteX0" fmla="*/ 0 w 1895789"/>
+              <a:gd name="connsiteY0" fmla="*/ 621259 h 621259"/>
+              <a:gd name="connsiteX1" fmla="*/ 525791 w 1895789"/>
+              <a:gd name="connsiteY1" fmla="*/ 534372 h 621259"/>
+              <a:gd name="connsiteX2" fmla="*/ 904576 w 1895789"/>
+              <a:gd name="connsiteY2" fmla="*/ 438067 h 621259"/>
+              <a:gd name="connsiteX3" fmla="*/ 1289464 w 1895789"/>
+              <a:gd name="connsiteY3" fmla="*/ 327466 h 621259"/>
+              <a:gd name="connsiteX4" fmla="*/ 1586135 w 1895789"/>
+              <a:gd name="connsiteY4" fmla="*/ 215266 h 621259"/>
+              <a:gd name="connsiteX5" fmla="*/ 1895789 w 1895789"/>
+              <a:gd name="connsiteY5" fmla="*/ 0 h 621259"/>
+              <a:gd name="connsiteX0" fmla="*/ 0 w 1895789"/>
+              <a:gd name="connsiteY0" fmla="*/ 621259 h 621259"/>
+              <a:gd name="connsiteX1" fmla="*/ 525791 w 1895789"/>
+              <a:gd name="connsiteY1" fmla="*/ 534372 h 621259"/>
+              <a:gd name="connsiteX2" fmla="*/ 904576 w 1895789"/>
+              <a:gd name="connsiteY2" fmla="*/ 438067 h 621259"/>
+              <a:gd name="connsiteX3" fmla="*/ 1260347 w 1895789"/>
+              <a:gd name="connsiteY3" fmla="*/ 355099 h 621259"/>
+              <a:gd name="connsiteX4" fmla="*/ 1586135 w 1895789"/>
+              <a:gd name="connsiteY4" fmla="*/ 215266 h 621259"/>
+              <a:gd name="connsiteX5" fmla="*/ 1895789 w 1895789"/>
+              <a:gd name="connsiteY5" fmla="*/ 0 h 621259"/>
+              <a:gd name="connsiteX0" fmla="*/ 0 w 1895789"/>
+              <a:gd name="connsiteY0" fmla="*/ 621259 h 621259"/>
+              <a:gd name="connsiteX1" fmla="*/ 525791 w 1895789"/>
+              <a:gd name="connsiteY1" fmla="*/ 534372 h 621259"/>
+              <a:gd name="connsiteX2" fmla="*/ 904576 w 1895789"/>
+              <a:gd name="connsiteY2" fmla="*/ 465701 h 621259"/>
+              <a:gd name="connsiteX3" fmla="*/ 1260347 w 1895789"/>
+              <a:gd name="connsiteY3" fmla="*/ 355099 h 621259"/>
+              <a:gd name="connsiteX4" fmla="*/ 1586135 w 1895789"/>
+              <a:gd name="connsiteY4" fmla="*/ 215266 h 621259"/>
+              <a:gd name="connsiteX5" fmla="*/ 1895789 w 1895789"/>
+              <a:gd name="connsiteY5" fmla="*/ 0 h 621259"/>
+              <a:gd name="connsiteX0" fmla="*/ 0 w 1895789"/>
+              <a:gd name="connsiteY0" fmla="*/ 621259 h 621259"/>
+              <a:gd name="connsiteX1" fmla="*/ 479204 w 1895789"/>
+              <a:gd name="connsiteY1" fmla="*/ 562006 h 621259"/>
+              <a:gd name="connsiteX2" fmla="*/ 904576 w 1895789"/>
+              <a:gd name="connsiteY2" fmla="*/ 465701 h 621259"/>
+              <a:gd name="connsiteX3" fmla="*/ 1260347 w 1895789"/>
+              <a:gd name="connsiteY3" fmla="*/ 355099 h 621259"/>
+              <a:gd name="connsiteX4" fmla="*/ 1586135 w 1895789"/>
+              <a:gd name="connsiteY4" fmla="*/ 215266 h 621259"/>
+              <a:gd name="connsiteX5" fmla="*/ 1895789 w 1895789"/>
+              <a:gd name="connsiteY5" fmla="*/ 0 h 621259"/>
+              <a:gd name="connsiteX0" fmla="*/ 0 w 1907436"/>
+              <a:gd name="connsiteY0" fmla="*/ 558096 h 558096"/>
+              <a:gd name="connsiteX1" fmla="*/ 479204 w 1907436"/>
+              <a:gd name="connsiteY1" fmla="*/ 498843 h 558096"/>
+              <a:gd name="connsiteX2" fmla="*/ 904576 w 1907436"/>
+              <a:gd name="connsiteY2" fmla="*/ 402538 h 558096"/>
+              <a:gd name="connsiteX3" fmla="*/ 1260347 w 1907436"/>
+              <a:gd name="connsiteY3" fmla="*/ 291936 h 558096"/>
+              <a:gd name="connsiteX4" fmla="*/ 1586135 w 1907436"/>
+              <a:gd name="connsiteY4" fmla="*/ 152103 h 558096"/>
+              <a:gd name="connsiteX5" fmla="*/ 1907436 w 1907436"/>
+              <a:gd name="connsiteY5" fmla="*/ 0 h 558096"/>
+              <a:gd name="connsiteX0" fmla="*/ 0 w 1907436"/>
+              <a:gd name="connsiteY0" fmla="*/ 558096 h 558096"/>
+              <a:gd name="connsiteX1" fmla="*/ 479204 w 1907436"/>
+              <a:gd name="connsiteY1" fmla="*/ 498843 h 558096"/>
+              <a:gd name="connsiteX2" fmla="*/ 904576 w 1907436"/>
+              <a:gd name="connsiteY2" fmla="*/ 402538 h 558096"/>
+              <a:gd name="connsiteX3" fmla="*/ 1260347 w 1907436"/>
+              <a:gd name="connsiteY3" fmla="*/ 291936 h 558096"/>
+              <a:gd name="connsiteX4" fmla="*/ 1568665 w 1907436"/>
+              <a:gd name="connsiteY4" fmla="*/ 171841 h 558096"/>
+              <a:gd name="connsiteX5" fmla="*/ 1907436 w 1907436"/>
+              <a:gd name="connsiteY5" fmla="*/ 0 h 558096"/>
+              <a:gd name="connsiteX0" fmla="*/ 0 w 1919083"/>
+              <a:gd name="connsiteY0" fmla="*/ 518620 h 518620"/>
+              <a:gd name="connsiteX1" fmla="*/ 479204 w 1919083"/>
+              <a:gd name="connsiteY1" fmla="*/ 459367 h 518620"/>
+              <a:gd name="connsiteX2" fmla="*/ 904576 w 1919083"/>
+              <a:gd name="connsiteY2" fmla="*/ 363062 h 518620"/>
+              <a:gd name="connsiteX3" fmla="*/ 1260347 w 1919083"/>
+              <a:gd name="connsiteY3" fmla="*/ 252460 h 518620"/>
+              <a:gd name="connsiteX4" fmla="*/ 1568665 w 1919083"/>
+              <a:gd name="connsiteY4" fmla="*/ 132365 h 518620"/>
+              <a:gd name="connsiteX5" fmla="*/ 1919083 w 1919083"/>
+              <a:gd name="connsiteY5" fmla="*/ 0 h 518620"/>
+              <a:gd name="connsiteX0" fmla="*/ 0 w 1919083"/>
+              <a:gd name="connsiteY0" fmla="*/ 518620 h 518620"/>
+              <a:gd name="connsiteX1" fmla="*/ 479204 w 1919083"/>
+              <a:gd name="connsiteY1" fmla="*/ 459367 h 518620"/>
+              <a:gd name="connsiteX2" fmla="*/ 904576 w 1919083"/>
+              <a:gd name="connsiteY2" fmla="*/ 363062 h 518620"/>
+              <a:gd name="connsiteX3" fmla="*/ 1260347 w 1919083"/>
+              <a:gd name="connsiteY3" fmla="*/ 252460 h 518620"/>
+              <a:gd name="connsiteX4" fmla="*/ 1568665 w 1919083"/>
+              <a:gd name="connsiteY4" fmla="*/ 132365 h 518620"/>
+              <a:gd name="connsiteX5" fmla="*/ 1919083 w 1919083"/>
+              <a:gd name="connsiteY5" fmla="*/ 0 h 518620"/>
+              <a:gd name="connsiteX0" fmla="*/ 0 w 1919083"/>
+              <a:gd name="connsiteY0" fmla="*/ 518620 h 518620"/>
+              <a:gd name="connsiteX1" fmla="*/ 479204 w 1919083"/>
+              <a:gd name="connsiteY1" fmla="*/ 459367 h 518620"/>
+              <a:gd name="connsiteX2" fmla="*/ 904576 w 1919083"/>
+              <a:gd name="connsiteY2" fmla="*/ 363062 h 518620"/>
+              <a:gd name="connsiteX3" fmla="*/ 1260347 w 1919083"/>
+              <a:gd name="connsiteY3" fmla="*/ 252460 h 518620"/>
+              <a:gd name="connsiteX4" fmla="*/ 1568665 w 1919083"/>
+              <a:gd name="connsiteY4" fmla="*/ 132365 h 518620"/>
+              <a:gd name="connsiteX5" fmla="*/ 1919083 w 1919083"/>
+              <a:gd name="connsiteY5" fmla="*/ 0 h 518620"/>
+              <a:gd name="connsiteX0" fmla="*/ 0 w 1919083"/>
+              <a:gd name="connsiteY0" fmla="*/ 518620 h 518620"/>
+              <a:gd name="connsiteX1" fmla="*/ 479204 w 1919083"/>
+              <a:gd name="connsiteY1" fmla="*/ 459367 h 518620"/>
+              <a:gd name="connsiteX2" fmla="*/ 904576 w 1919083"/>
+              <a:gd name="connsiteY2" fmla="*/ 363062 h 518620"/>
+              <a:gd name="connsiteX3" fmla="*/ 1260347 w 1919083"/>
+              <a:gd name="connsiteY3" fmla="*/ 252460 h 518620"/>
+              <a:gd name="connsiteX4" fmla="*/ 1580312 w 1919083"/>
+              <a:gd name="connsiteY4" fmla="*/ 148156 h 518620"/>
+              <a:gd name="connsiteX5" fmla="*/ 1919083 w 1919083"/>
+              <a:gd name="connsiteY5" fmla="*/ 0 h 518620"/>
+              <a:gd name="connsiteX0" fmla="*/ 0 w 1919083"/>
+              <a:gd name="connsiteY0" fmla="*/ 518620 h 518620"/>
+              <a:gd name="connsiteX1" fmla="*/ 479204 w 1919083"/>
+              <a:gd name="connsiteY1" fmla="*/ 459367 h 518620"/>
+              <a:gd name="connsiteX2" fmla="*/ 904576 w 1919083"/>
+              <a:gd name="connsiteY2" fmla="*/ 363062 h 518620"/>
+              <a:gd name="connsiteX3" fmla="*/ 1260347 w 1919083"/>
+              <a:gd name="connsiteY3" fmla="*/ 252460 h 518620"/>
+              <a:gd name="connsiteX4" fmla="*/ 1580312 w 1919083"/>
+              <a:gd name="connsiteY4" fmla="*/ 148156 h 518620"/>
+              <a:gd name="connsiteX5" fmla="*/ 1919083 w 1919083"/>
+              <a:gd name="connsiteY5" fmla="*/ 0 h 518620"/>
+              <a:gd name="connsiteX0" fmla="*/ 0 w 1919083"/>
+              <a:gd name="connsiteY0" fmla="*/ 518620 h 518620"/>
+              <a:gd name="connsiteX1" fmla="*/ 479204 w 1919083"/>
+              <a:gd name="connsiteY1" fmla="*/ 459367 h 518620"/>
+              <a:gd name="connsiteX2" fmla="*/ 904576 w 1919083"/>
+              <a:gd name="connsiteY2" fmla="*/ 363062 h 518620"/>
+              <a:gd name="connsiteX3" fmla="*/ 1260347 w 1919083"/>
+              <a:gd name="connsiteY3" fmla="*/ 252460 h 518620"/>
+              <a:gd name="connsiteX4" fmla="*/ 1545372 w 1919083"/>
+              <a:gd name="connsiteY4" fmla="*/ 156051 h 518620"/>
+              <a:gd name="connsiteX5" fmla="*/ 1919083 w 1919083"/>
+              <a:gd name="connsiteY5" fmla="*/ 0 h 518620"/>
+            </a:gdLst>
+            <a:ahLst/>
+            <a:cxnLst>
+              <a:cxn ang="0">
+                <a:pos x="connsiteX0" y="connsiteY0"/>
+              </a:cxn>
+              <a:cxn ang="0">
+                <a:pos x="connsiteX1" y="connsiteY1"/>
+              </a:cxn>
+              <a:cxn ang="0">
+                <a:pos x="connsiteX2" y="connsiteY2"/>
+              </a:cxn>
+              <a:cxn ang="0">
+                <a:pos x="connsiteX3" y="connsiteY3"/>
+              </a:cxn>
+              <a:cxn ang="0">
+                <a:pos x="connsiteX4" y="connsiteY4"/>
+              </a:cxn>
+              <a:cxn ang="0">
+                <a:pos x="connsiteX5" y="connsiteY5"/>
+              </a:cxn>
+            </a:cxnLst>
+            <a:rect l="l" t="t" r="r" b="b"/>
+            <a:pathLst>
+              <a:path w="1919083" h="518620">
+                <a:moveTo>
+                  <a:pt x="0" y="518620"/>
+                </a:moveTo>
+                <a:cubicBezTo>
+                  <a:pt x="169091" y="502654"/>
+                  <a:pt x="328441" y="485293"/>
+                  <a:pt x="479204" y="459367"/>
+                </a:cubicBezTo>
+                <a:cubicBezTo>
+                  <a:pt x="629967" y="433441"/>
+                  <a:pt x="774385" y="397547"/>
+                  <a:pt x="904576" y="363062"/>
+                </a:cubicBezTo>
+                <a:cubicBezTo>
+                  <a:pt x="1034767" y="328577"/>
+                  <a:pt x="1153548" y="286962"/>
+                  <a:pt x="1260347" y="252460"/>
+                </a:cubicBezTo>
+                <a:cubicBezTo>
+                  <a:pt x="1367146" y="217958"/>
+                  <a:pt x="1438494" y="198787"/>
+                  <a:pt x="1545372" y="156051"/>
+                </a:cubicBezTo>
+                <a:cubicBezTo>
+                  <a:pt x="1652250" y="113315"/>
+                  <a:pt x="1709421" y="83782"/>
+                  <a:pt x="1919083" y="0"/>
+                </a:cubicBezTo>
+              </a:path>
+            </a:pathLst>
+          </a:custGeom>
+          <a:ln w="19050">
+            <a:prstDash val="dash"/>
+            <a:headEnd type="none" w="med" len="med"/>
+            <a:tailEnd type="none" w="med" len="med"/>
+          </a:ln>
+        </p:spPr>
+        <p:style>
+          <a:lnRef idx="1">
+            <a:schemeClr val="dk1"/>
+          </a:lnRef>
+          <a:fillRef idx="0">
+            <a:schemeClr val="dk1"/>
+          </a:fillRef>
+          <a:effectRef idx="0">
+            <a:schemeClr val="dk1"/>
+          </a:effectRef>
+          <a:fontRef idx="minor">
+            <a:schemeClr val="tx1"/>
+          </a:fontRef>
+        </p:style>
+        <p:txBody>
+          <a:bodyPr rtlCol="0" anchor="ctr"/>
+          <a:lstStyle/>
+          <a:p>
+            <a:pPr algn="ctr"/>
+            <a:endParaRPr kumimoji="1" lang="ja-JP" altLang="en-US"/>
+          </a:p>
+        </p:txBody>
+      </p:sp>
+      <p:sp>
+        <p:nvSpPr>
+          <p:cNvPr id="31" name="テキスト ボックス 30">
+            <a:extLst>
+              <a:ext uri="{FF2B5EF4-FFF2-40B4-BE49-F238E27FC236}">
+                <a16:creationId xmlns:a16="http://schemas.microsoft.com/office/drawing/2014/main" id="{AEEC8023-C5D9-459A-8530-45E630B32B2E}"/>
+              </a:ext>
+            </a:extLst>
+          </p:cNvPr>
+          <p:cNvSpPr txBox="1"/>
+          <p:nvPr/>
+        </p:nvSpPr>
+        <p:spPr>
+          <a:xfrm>
+            <a:off x="2700361" y="2082593"/>
+            <a:ext cx="1989915" cy="646331"/>
+          </a:xfrm>
+          <a:prstGeom prst="rect">
+            <a:avLst/>
+          </a:prstGeom>
+          <a:noFill/>
+        </p:spPr>
+        <p:txBody>
+          <a:bodyPr wrap="square" rtlCol="0">
+            <a:spAutoFit/>
+          </a:bodyPr>
+          <a:lstStyle/>
+          <a:p>
+            <a:r>
+              <a:rPr kumimoji="1" lang="en-US" altLang="ja-JP" dirty="0"/>
+              <a:t>Const. Pressure Curve</a:t>
+            </a:r>
+            <a:endParaRPr kumimoji="1" lang="ja-JP" altLang="en-US" dirty="0"/>
+          </a:p>
+        </p:txBody>
+      </p:sp>
+      <p:sp>
+        <p:nvSpPr>
+          <p:cNvPr id="32" name="テキスト ボックス 31">
+            <a:extLst>
+              <a:ext uri="{FF2B5EF4-FFF2-40B4-BE49-F238E27FC236}">
+                <a16:creationId xmlns:a16="http://schemas.microsoft.com/office/drawing/2014/main" id="{A3B27C04-0839-4D6E-9534-2DDBFBFBE710}"/>
+              </a:ext>
+            </a:extLst>
+          </p:cNvPr>
+          <p:cNvSpPr txBox="1"/>
+          <p:nvPr/>
+        </p:nvSpPr>
+        <p:spPr>
+          <a:xfrm>
+            <a:off x="3595723" y="5244298"/>
+            <a:ext cx="1989915" cy="646331"/>
+          </a:xfrm>
+          <a:prstGeom prst="rect">
+            <a:avLst/>
+          </a:prstGeom>
+          <a:noFill/>
+        </p:spPr>
+        <p:txBody>
+          <a:bodyPr wrap="square" rtlCol="0">
+            <a:spAutoFit/>
+          </a:bodyPr>
+          <a:lstStyle/>
+          <a:p>
+            <a:r>
+              <a:rPr kumimoji="1" lang="en-US" altLang="ja-JP" dirty="0"/>
+              <a:t>Const. Pressure Curve</a:t>
+            </a:r>
+            <a:endParaRPr kumimoji="1" lang="ja-JP" altLang="en-US" dirty="0"/>
+          </a:p>
+        </p:txBody>
+      </p:sp>
+    </p:spTree>
+    <p:extLst>
+      <p:ext uri="{BB962C8B-B14F-4D97-AF65-F5344CB8AC3E}">
+        <p14:creationId xmlns:p14="http://schemas.microsoft.com/office/powerpoint/2010/main" val="3084843291"/>
+      </p:ext>
+    </p:extLst>
+  </p:cSld>
+  <p:clrMapOvr>
+    <a:masterClrMapping/>
+  </p:clrMapOvr>
+</p:sld>
+</file>
+
+<file path=ppt/slides/slide3.xml><?xml version="1.0" encoding="utf-8"?>
 <p:sld xmlns:a="http://schemas.openxmlformats.org/drawingml/2006/main" xmlns:r="http://schemas.openxmlformats.org/officeDocument/2006/relationships" xmlns:p="http://schemas.openxmlformats.org/presentationml/2006/main">
   <p:cSld>
     <p:spTree>
@@ -2453,307 +5257,7 @@
 </p:sld>
 </file>
 
-<file path=ppt/slides/slide10.xml><?xml version="1.0" encoding="utf-8"?>
-<p:sld xmlns:a="http://schemas.openxmlformats.org/drawingml/2006/main" xmlns:r="http://schemas.openxmlformats.org/officeDocument/2006/relationships" xmlns:p="http://schemas.openxmlformats.org/presentationml/2006/main">
-  <p:cSld>
-    <p:spTree>
-      <p:nvGrpSpPr>
-        <p:cNvPr id="1" name=""/>
-        <p:cNvGrpSpPr/>
-        <p:nvPr/>
-      </p:nvGrpSpPr>
-      <p:grpSpPr>
-        <a:xfrm>
-          <a:off x="0" y="0"/>
-          <a:ext cx="0" cy="0"/>
-          <a:chOff x="0" y="0"/>
-          <a:chExt cx="0" cy="0"/>
-        </a:xfrm>
-      </p:grpSpPr>
-    </p:spTree>
-    <p:extLst>
-      <p:ext uri="{BB962C8B-B14F-4D97-AF65-F5344CB8AC3E}">
-        <p14:creationId xmlns:p14="http://schemas.microsoft.com/office/powerpoint/2010/main" val="1191692144"/>
-      </p:ext>
-    </p:extLst>
-  </p:cSld>
-  <p:clrMapOvr>
-    <a:masterClrMapping/>
-  </p:clrMapOvr>
-</p:sld>
-</file>
-
-<file path=ppt/slides/slide11.xml><?xml version="1.0" encoding="utf-8"?>
-<p:sld xmlns:a="http://schemas.openxmlformats.org/drawingml/2006/main" xmlns:r="http://schemas.openxmlformats.org/officeDocument/2006/relationships" xmlns:p="http://schemas.openxmlformats.org/presentationml/2006/main">
-  <p:cSld>
-    <p:spTree>
-      <p:nvGrpSpPr>
-        <p:cNvPr id="1" name=""/>
-        <p:cNvGrpSpPr/>
-        <p:nvPr/>
-      </p:nvGrpSpPr>
-      <p:grpSpPr>
-        <a:xfrm>
-          <a:off x="0" y="0"/>
-          <a:ext cx="0" cy="0"/>
-          <a:chOff x="0" y="0"/>
-          <a:chExt cx="0" cy="0"/>
-        </a:xfrm>
-      </p:grpSpPr>
-    </p:spTree>
-    <p:extLst>
-      <p:ext uri="{BB962C8B-B14F-4D97-AF65-F5344CB8AC3E}">
-        <p14:creationId xmlns:p14="http://schemas.microsoft.com/office/powerpoint/2010/main" val="578256931"/>
-      </p:ext>
-    </p:extLst>
-  </p:cSld>
-  <p:clrMapOvr>
-    <a:masterClrMapping/>
-  </p:clrMapOvr>
-</p:sld>
-</file>
-
-<file path=ppt/slides/slide12.xml><?xml version="1.0" encoding="utf-8"?>
-<p:sld xmlns:a="http://schemas.openxmlformats.org/drawingml/2006/main" xmlns:r="http://schemas.openxmlformats.org/officeDocument/2006/relationships" xmlns:p="http://schemas.openxmlformats.org/presentationml/2006/main">
-  <p:cSld>
-    <p:spTree>
-      <p:nvGrpSpPr>
-        <p:cNvPr id="1" name=""/>
-        <p:cNvGrpSpPr/>
-        <p:nvPr/>
-      </p:nvGrpSpPr>
-      <p:grpSpPr>
-        <a:xfrm>
-          <a:off x="0" y="0"/>
-          <a:ext cx="0" cy="0"/>
-          <a:chOff x="0" y="0"/>
-          <a:chExt cx="0" cy="0"/>
-        </a:xfrm>
-      </p:grpSpPr>
-    </p:spTree>
-    <p:extLst>
-      <p:ext uri="{BB962C8B-B14F-4D97-AF65-F5344CB8AC3E}">
-        <p14:creationId xmlns:p14="http://schemas.microsoft.com/office/powerpoint/2010/main" val="1427263830"/>
-      </p:ext>
-    </p:extLst>
-  </p:cSld>
-  <p:clrMapOvr>
-    <a:masterClrMapping/>
-  </p:clrMapOvr>
-</p:sld>
-</file>
-
-<file path=ppt/slides/slide13.xml><?xml version="1.0" encoding="utf-8"?>
-<p:sld xmlns:a="http://schemas.openxmlformats.org/drawingml/2006/main" xmlns:r="http://schemas.openxmlformats.org/officeDocument/2006/relationships" xmlns:p="http://schemas.openxmlformats.org/presentationml/2006/main">
-  <p:cSld>
-    <p:spTree>
-      <p:nvGrpSpPr>
-        <p:cNvPr id="1" name=""/>
-        <p:cNvGrpSpPr/>
-        <p:nvPr/>
-      </p:nvGrpSpPr>
-      <p:grpSpPr>
-        <a:xfrm>
-          <a:off x="0" y="0"/>
-          <a:ext cx="0" cy="0"/>
-          <a:chOff x="0" y="0"/>
-          <a:chExt cx="0" cy="0"/>
-        </a:xfrm>
-      </p:grpSpPr>
-    </p:spTree>
-    <p:extLst>
-      <p:ext uri="{BB962C8B-B14F-4D97-AF65-F5344CB8AC3E}">
-        <p14:creationId xmlns:p14="http://schemas.microsoft.com/office/powerpoint/2010/main" val="1807045153"/>
-      </p:ext>
-    </p:extLst>
-  </p:cSld>
-  <p:clrMapOvr>
-    <a:masterClrMapping/>
-  </p:clrMapOvr>
-</p:sld>
-</file>
-
-<file path=ppt/slides/slide14.xml><?xml version="1.0" encoding="utf-8"?>
-<p:sld xmlns:a="http://schemas.openxmlformats.org/drawingml/2006/main" xmlns:r="http://schemas.openxmlformats.org/officeDocument/2006/relationships" xmlns:p="http://schemas.openxmlformats.org/presentationml/2006/main">
-  <p:cSld>
-    <p:spTree>
-      <p:nvGrpSpPr>
-        <p:cNvPr id="1" name=""/>
-        <p:cNvGrpSpPr/>
-        <p:nvPr/>
-      </p:nvGrpSpPr>
-      <p:grpSpPr>
-        <a:xfrm>
-          <a:off x="0" y="0"/>
-          <a:ext cx="0" cy="0"/>
-          <a:chOff x="0" y="0"/>
-          <a:chExt cx="0" cy="0"/>
-        </a:xfrm>
-      </p:grpSpPr>
-    </p:spTree>
-    <p:extLst>
-      <p:ext uri="{BB962C8B-B14F-4D97-AF65-F5344CB8AC3E}">
-        <p14:creationId xmlns:p14="http://schemas.microsoft.com/office/powerpoint/2010/main" val="2495181768"/>
-      </p:ext>
-    </p:extLst>
-  </p:cSld>
-  <p:clrMapOvr>
-    <a:masterClrMapping/>
-  </p:clrMapOvr>
-</p:sld>
-</file>
-
-<file path=ppt/slides/slide15.xml><?xml version="1.0" encoding="utf-8"?>
-<p:sld xmlns:a="http://schemas.openxmlformats.org/drawingml/2006/main" xmlns:r="http://schemas.openxmlformats.org/officeDocument/2006/relationships" xmlns:p="http://schemas.openxmlformats.org/presentationml/2006/main">
-  <p:cSld>
-    <p:spTree>
-      <p:nvGrpSpPr>
-        <p:cNvPr id="1" name=""/>
-        <p:cNvGrpSpPr/>
-        <p:nvPr/>
-      </p:nvGrpSpPr>
-      <p:grpSpPr>
-        <a:xfrm>
-          <a:off x="0" y="0"/>
-          <a:ext cx="0" cy="0"/>
-          <a:chOff x="0" y="0"/>
-          <a:chExt cx="0" cy="0"/>
-        </a:xfrm>
-      </p:grpSpPr>
-    </p:spTree>
-    <p:extLst>
-      <p:ext uri="{BB962C8B-B14F-4D97-AF65-F5344CB8AC3E}">
-        <p14:creationId xmlns:p14="http://schemas.microsoft.com/office/powerpoint/2010/main" val="1826685053"/>
-      </p:ext>
-    </p:extLst>
-  </p:cSld>
-  <p:clrMapOvr>
-    <a:masterClrMapping/>
-  </p:clrMapOvr>
-</p:sld>
-</file>
-
-<file path=ppt/slides/slide16.xml><?xml version="1.0" encoding="utf-8"?>
-<p:sld xmlns:a="http://schemas.openxmlformats.org/drawingml/2006/main" xmlns:r="http://schemas.openxmlformats.org/officeDocument/2006/relationships" xmlns:p="http://schemas.openxmlformats.org/presentationml/2006/main">
-  <p:cSld>
-    <p:spTree>
-      <p:nvGrpSpPr>
-        <p:cNvPr id="1" name=""/>
-        <p:cNvGrpSpPr/>
-        <p:nvPr/>
-      </p:nvGrpSpPr>
-      <p:grpSpPr>
-        <a:xfrm>
-          <a:off x="0" y="0"/>
-          <a:ext cx="0" cy="0"/>
-          <a:chOff x="0" y="0"/>
-          <a:chExt cx="0" cy="0"/>
-        </a:xfrm>
-      </p:grpSpPr>
-    </p:spTree>
-    <p:extLst>
-      <p:ext uri="{BB962C8B-B14F-4D97-AF65-F5344CB8AC3E}">
-        <p14:creationId xmlns:p14="http://schemas.microsoft.com/office/powerpoint/2010/main" val="2244811655"/>
-      </p:ext>
-    </p:extLst>
-  </p:cSld>
-  <p:clrMapOvr>
-    <a:masterClrMapping/>
-  </p:clrMapOvr>
-</p:sld>
-</file>
-
-<file path=ppt/slides/slide17.xml><?xml version="1.0" encoding="utf-8"?>
-<p:sld xmlns:a="http://schemas.openxmlformats.org/drawingml/2006/main" xmlns:r="http://schemas.openxmlformats.org/officeDocument/2006/relationships" xmlns:p="http://schemas.openxmlformats.org/presentationml/2006/main">
-  <p:cSld>
-    <p:spTree>
-      <p:nvGrpSpPr>
-        <p:cNvPr id="1" name=""/>
-        <p:cNvGrpSpPr/>
-        <p:nvPr/>
-      </p:nvGrpSpPr>
-      <p:grpSpPr>
-        <a:xfrm>
-          <a:off x="0" y="0"/>
-          <a:ext cx="0" cy="0"/>
-          <a:chOff x="0" y="0"/>
-          <a:chExt cx="0" cy="0"/>
-        </a:xfrm>
-      </p:grpSpPr>
-    </p:spTree>
-    <p:extLst>
-      <p:ext uri="{BB962C8B-B14F-4D97-AF65-F5344CB8AC3E}">
-        <p14:creationId xmlns:p14="http://schemas.microsoft.com/office/powerpoint/2010/main" val="1901648300"/>
-      </p:ext>
-    </p:extLst>
-  </p:cSld>
-  <p:clrMapOvr>
-    <a:masterClrMapping/>
-  </p:clrMapOvr>
-</p:sld>
-</file>
-
-<file path=ppt/slides/slide18.xml><?xml version="1.0" encoding="utf-8"?>
-<p:sld xmlns:a="http://schemas.openxmlformats.org/drawingml/2006/main" xmlns:r="http://schemas.openxmlformats.org/officeDocument/2006/relationships" xmlns:p="http://schemas.openxmlformats.org/presentationml/2006/main">
-  <p:cSld>
-    <p:spTree>
-      <p:nvGrpSpPr>
-        <p:cNvPr id="1" name=""/>
-        <p:cNvGrpSpPr/>
-        <p:nvPr/>
-      </p:nvGrpSpPr>
-      <p:grpSpPr>
-        <a:xfrm>
-          <a:off x="0" y="0"/>
-          <a:ext cx="0" cy="0"/>
-          <a:chOff x="0" y="0"/>
-          <a:chExt cx="0" cy="0"/>
-        </a:xfrm>
-      </p:grpSpPr>
-    </p:spTree>
-    <p:extLst>
-      <p:ext uri="{BB962C8B-B14F-4D97-AF65-F5344CB8AC3E}">
-        <p14:creationId xmlns:p14="http://schemas.microsoft.com/office/powerpoint/2010/main" val="3216390664"/>
-      </p:ext>
-    </p:extLst>
-  </p:cSld>
-  <p:clrMapOvr>
-    <a:masterClrMapping/>
-  </p:clrMapOvr>
-</p:sld>
-</file>
-
-<file path=ppt/slides/slide19.xml><?xml version="1.0" encoding="utf-8"?>
-<p:sld xmlns:a="http://schemas.openxmlformats.org/drawingml/2006/main" xmlns:r="http://schemas.openxmlformats.org/officeDocument/2006/relationships" xmlns:p="http://schemas.openxmlformats.org/presentationml/2006/main">
-  <p:cSld>
-    <p:spTree>
-      <p:nvGrpSpPr>
-        <p:cNvPr id="1" name=""/>
-        <p:cNvGrpSpPr/>
-        <p:nvPr/>
-      </p:nvGrpSpPr>
-      <p:grpSpPr>
-        <a:xfrm>
-          <a:off x="0" y="0"/>
-          <a:ext cx="0" cy="0"/>
-          <a:chOff x="0" y="0"/>
-          <a:chExt cx="0" cy="0"/>
-        </a:xfrm>
-      </p:grpSpPr>
-    </p:spTree>
-    <p:extLst>
-      <p:ext uri="{BB962C8B-B14F-4D97-AF65-F5344CB8AC3E}">
-        <p14:creationId xmlns:p14="http://schemas.microsoft.com/office/powerpoint/2010/main" val="1581607671"/>
-      </p:ext>
-    </p:extLst>
-  </p:cSld>
-  <p:clrMapOvr>
-    <a:masterClrMapping/>
-  </p:clrMapOvr>
-</p:sld>
-</file>
-
-<file path=ppt/slides/slide2.xml><?xml version="1.0" encoding="utf-8"?>
+<file path=ppt/slides/slide4.xml><?xml version="1.0" encoding="utf-8"?>
 <p:sld xmlns:a="http://schemas.openxmlformats.org/drawingml/2006/main" xmlns:r="http://schemas.openxmlformats.org/officeDocument/2006/relationships" xmlns:p="http://schemas.openxmlformats.org/presentationml/2006/main">
   <p:cSld>
     <p:spTree>
@@ -3296,307 +5800,7 @@
 </p:sld>
 </file>
 
-<file path=ppt/slides/slide20.xml><?xml version="1.0" encoding="utf-8"?>
-<p:sld xmlns:a="http://schemas.openxmlformats.org/drawingml/2006/main" xmlns:r="http://schemas.openxmlformats.org/officeDocument/2006/relationships" xmlns:p="http://schemas.openxmlformats.org/presentationml/2006/main">
-  <p:cSld>
-    <p:spTree>
-      <p:nvGrpSpPr>
-        <p:cNvPr id="1" name=""/>
-        <p:cNvGrpSpPr/>
-        <p:nvPr/>
-      </p:nvGrpSpPr>
-      <p:grpSpPr>
-        <a:xfrm>
-          <a:off x="0" y="0"/>
-          <a:ext cx="0" cy="0"/>
-          <a:chOff x="0" y="0"/>
-          <a:chExt cx="0" cy="0"/>
-        </a:xfrm>
-      </p:grpSpPr>
-    </p:spTree>
-    <p:extLst>
-      <p:ext uri="{BB962C8B-B14F-4D97-AF65-F5344CB8AC3E}">
-        <p14:creationId xmlns:p14="http://schemas.microsoft.com/office/powerpoint/2010/main" val="3028480329"/>
-      </p:ext>
-    </p:extLst>
-  </p:cSld>
-  <p:clrMapOvr>
-    <a:masterClrMapping/>
-  </p:clrMapOvr>
-</p:sld>
-</file>
-
-<file path=ppt/slides/slide21.xml><?xml version="1.0" encoding="utf-8"?>
-<p:sld xmlns:a="http://schemas.openxmlformats.org/drawingml/2006/main" xmlns:r="http://schemas.openxmlformats.org/officeDocument/2006/relationships" xmlns:p="http://schemas.openxmlformats.org/presentationml/2006/main">
-  <p:cSld>
-    <p:spTree>
-      <p:nvGrpSpPr>
-        <p:cNvPr id="1" name=""/>
-        <p:cNvGrpSpPr/>
-        <p:nvPr/>
-      </p:nvGrpSpPr>
-      <p:grpSpPr>
-        <a:xfrm>
-          <a:off x="0" y="0"/>
-          <a:ext cx="0" cy="0"/>
-          <a:chOff x="0" y="0"/>
-          <a:chExt cx="0" cy="0"/>
-        </a:xfrm>
-      </p:grpSpPr>
-    </p:spTree>
-    <p:extLst>
-      <p:ext uri="{BB962C8B-B14F-4D97-AF65-F5344CB8AC3E}">
-        <p14:creationId xmlns:p14="http://schemas.microsoft.com/office/powerpoint/2010/main" val="3187900496"/>
-      </p:ext>
-    </p:extLst>
-  </p:cSld>
-  <p:clrMapOvr>
-    <a:masterClrMapping/>
-  </p:clrMapOvr>
-</p:sld>
-</file>
-
-<file path=ppt/slides/slide22.xml><?xml version="1.0" encoding="utf-8"?>
-<p:sld xmlns:a="http://schemas.openxmlformats.org/drawingml/2006/main" xmlns:r="http://schemas.openxmlformats.org/officeDocument/2006/relationships" xmlns:p="http://schemas.openxmlformats.org/presentationml/2006/main">
-  <p:cSld>
-    <p:spTree>
-      <p:nvGrpSpPr>
-        <p:cNvPr id="1" name=""/>
-        <p:cNvGrpSpPr/>
-        <p:nvPr/>
-      </p:nvGrpSpPr>
-      <p:grpSpPr>
-        <a:xfrm>
-          <a:off x="0" y="0"/>
-          <a:ext cx="0" cy="0"/>
-          <a:chOff x="0" y="0"/>
-          <a:chExt cx="0" cy="0"/>
-        </a:xfrm>
-      </p:grpSpPr>
-    </p:spTree>
-    <p:extLst>
-      <p:ext uri="{BB962C8B-B14F-4D97-AF65-F5344CB8AC3E}">
-        <p14:creationId xmlns:p14="http://schemas.microsoft.com/office/powerpoint/2010/main" val="3034902575"/>
-      </p:ext>
-    </p:extLst>
-  </p:cSld>
-  <p:clrMapOvr>
-    <a:masterClrMapping/>
-  </p:clrMapOvr>
-</p:sld>
-</file>
-
-<file path=ppt/slides/slide23.xml><?xml version="1.0" encoding="utf-8"?>
-<p:sld xmlns:a="http://schemas.openxmlformats.org/drawingml/2006/main" xmlns:r="http://schemas.openxmlformats.org/officeDocument/2006/relationships" xmlns:p="http://schemas.openxmlformats.org/presentationml/2006/main">
-  <p:cSld>
-    <p:spTree>
-      <p:nvGrpSpPr>
-        <p:cNvPr id="1" name=""/>
-        <p:cNvGrpSpPr/>
-        <p:nvPr/>
-      </p:nvGrpSpPr>
-      <p:grpSpPr>
-        <a:xfrm>
-          <a:off x="0" y="0"/>
-          <a:ext cx="0" cy="0"/>
-          <a:chOff x="0" y="0"/>
-          <a:chExt cx="0" cy="0"/>
-        </a:xfrm>
-      </p:grpSpPr>
-    </p:spTree>
-    <p:extLst>
-      <p:ext uri="{BB962C8B-B14F-4D97-AF65-F5344CB8AC3E}">
-        <p14:creationId xmlns:p14="http://schemas.microsoft.com/office/powerpoint/2010/main" val="1980999747"/>
-      </p:ext>
-    </p:extLst>
-  </p:cSld>
-  <p:clrMapOvr>
-    <a:masterClrMapping/>
-  </p:clrMapOvr>
-</p:sld>
-</file>
-
-<file path=ppt/slides/slide24.xml><?xml version="1.0" encoding="utf-8"?>
-<p:sld xmlns:a="http://schemas.openxmlformats.org/drawingml/2006/main" xmlns:r="http://schemas.openxmlformats.org/officeDocument/2006/relationships" xmlns:p="http://schemas.openxmlformats.org/presentationml/2006/main">
-  <p:cSld>
-    <p:spTree>
-      <p:nvGrpSpPr>
-        <p:cNvPr id="1" name=""/>
-        <p:cNvGrpSpPr/>
-        <p:nvPr/>
-      </p:nvGrpSpPr>
-      <p:grpSpPr>
-        <a:xfrm>
-          <a:off x="0" y="0"/>
-          <a:ext cx="0" cy="0"/>
-          <a:chOff x="0" y="0"/>
-          <a:chExt cx="0" cy="0"/>
-        </a:xfrm>
-      </p:grpSpPr>
-    </p:spTree>
-    <p:extLst>
-      <p:ext uri="{BB962C8B-B14F-4D97-AF65-F5344CB8AC3E}">
-        <p14:creationId xmlns:p14="http://schemas.microsoft.com/office/powerpoint/2010/main" val="2866184712"/>
-      </p:ext>
-    </p:extLst>
-  </p:cSld>
-  <p:clrMapOvr>
-    <a:masterClrMapping/>
-  </p:clrMapOvr>
-</p:sld>
-</file>
-
-<file path=ppt/slides/slide25.xml><?xml version="1.0" encoding="utf-8"?>
-<p:sld xmlns:a="http://schemas.openxmlformats.org/drawingml/2006/main" xmlns:r="http://schemas.openxmlformats.org/officeDocument/2006/relationships" xmlns:p="http://schemas.openxmlformats.org/presentationml/2006/main">
-  <p:cSld>
-    <p:spTree>
-      <p:nvGrpSpPr>
-        <p:cNvPr id="1" name=""/>
-        <p:cNvGrpSpPr/>
-        <p:nvPr/>
-      </p:nvGrpSpPr>
-      <p:grpSpPr>
-        <a:xfrm>
-          <a:off x="0" y="0"/>
-          <a:ext cx="0" cy="0"/>
-          <a:chOff x="0" y="0"/>
-          <a:chExt cx="0" cy="0"/>
-        </a:xfrm>
-      </p:grpSpPr>
-    </p:spTree>
-    <p:extLst>
-      <p:ext uri="{BB962C8B-B14F-4D97-AF65-F5344CB8AC3E}">
-        <p14:creationId xmlns:p14="http://schemas.microsoft.com/office/powerpoint/2010/main" val="2661990506"/>
-      </p:ext>
-    </p:extLst>
-  </p:cSld>
-  <p:clrMapOvr>
-    <a:masterClrMapping/>
-  </p:clrMapOvr>
-</p:sld>
-</file>
-
-<file path=ppt/slides/slide26.xml><?xml version="1.0" encoding="utf-8"?>
-<p:sld xmlns:a="http://schemas.openxmlformats.org/drawingml/2006/main" xmlns:r="http://schemas.openxmlformats.org/officeDocument/2006/relationships" xmlns:p="http://schemas.openxmlformats.org/presentationml/2006/main">
-  <p:cSld>
-    <p:spTree>
-      <p:nvGrpSpPr>
-        <p:cNvPr id="1" name=""/>
-        <p:cNvGrpSpPr/>
-        <p:nvPr/>
-      </p:nvGrpSpPr>
-      <p:grpSpPr>
-        <a:xfrm>
-          <a:off x="0" y="0"/>
-          <a:ext cx="0" cy="0"/>
-          <a:chOff x="0" y="0"/>
-          <a:chExt cx="0" cy="0"/>
-        </a:xfrm>
-      </p:grpSpPr>
-    </p:spTree>
-    <p:extLst>
-      <p:ext uri="{BB962C8B-B14F-4D97-AF65-F5344CB8AC3E}">
-        <p14:creationId xmlns:p14="http://schemas.microsoft.com/office/powerpoint/2010/main" val="3803880265"/>
-      </p:ext>
-    </p:extLst>
-  </p:cSld>
-  <p:clrMapOvr>
-    <a:masterClrMapping/>
-  </p:clrMapOvr>
-</p:sld>
-</file>
-
-<file path=ppt/slides/slide27.xml><?xml version="1.0" encoding="utf-8"?>
-<p:sld xmlns:a="http://schemas.openxmlformats.org/drawingml/2006/main" xmlns:r="http://schemas.openxmlformats.org/officeDocument/2006/relationships" xmlns:p="http://schemas.openxmlformats.org/presentationml/2006/main">
-  <p:cSld>
-    <p:spTree>
-      <p:nvGrpSpPr>
-        <p:cNvPr id="1" name=""/>
-        <p:cNvGrpSpPr/>
-        <p:nvPr/>
-      </p:nvGrpSpPr>
-      <p:grpSpPr>
-        <a:xfrm>
-          <a:off x="0" y="0"/>
-          <a:ext cx="0" cy="0"/>
-          <a:chOff x="0" y="0"/>
-          <a:chExt cx="0" cy="0"/>
-        </a:xfrm>
-      </p:grpSpPr>
-    </p:spTree>
-    <p:extLst>
-      <p:ext uri="{BB962C8B-B14F-4D97-AF65-F5344CB8AC3E}">
-        <p14:creationId xmlns:p14="http://schemas.microsoft.com/office/powerpoint/2010/main" val="1961588220"/>
-      </p:ext>
-    </p:extLst>
-  </p:cSld>
-  <p:clrMapOvr>
-    <a:masterClrMapping/>
-  </p:clrMapOvr>
-</p:sld>
-</file>
-
-<file path=ppt/slides/slide28.xml><?xml version="1.0" encoding="utf-8"?>
-<p:sld xmlns:a="http://schemas.openxmlformats.org/drawingml/2006/main" xmlns:r="http://schemas.openxmlformats.org/officeDocument/2006/relationships" xmlns:p="http://schemas.openxmlformats.org/presentationml/2006/main">
-  <p:cSld>
-    <p:spTree>
-      <p:nvGrpSpPr>
-        <p:cNvPr id="1" name=""/>
-        <p:cNvGrpSpPr/>
-        <p:nvPr/>
-      </p:nvGrpSpPr>
-      <p:grpSpPr>
-        <a:xfrm>
-          <a:off x="0" y="0"/>
-          <a:ext cx="0" cy="0"/>
-          <a:chOff x="0" y="0"/>
-          <a:chExt cx="0" cy="0"/>
-        </a:xfrm>
-      </p:grpSpPr>
-    </p:spTree>
-    <p:extLst>
-      <p:ext uri="{BB962C8B-B14F-4D97-AF65-F5344CB8AC3E}">
-        <p14:creationId xmlns:p14="http://schemas.microsoft.com/office/powerpoint/2010/main" val="3123856644"/>
-      </p:ext>
-    </p:extLst>
-  </p:cSld>
-  <p:clrMapOvr>
-    <a:masterClrMapping/>
-  </p:clrMapOvr>
-</p:sld>
-</file>
-
-<file path=ppt/slides/slide29.xml><?xml version="1.0" encoding="utf-8"?>
-<p:sld xmlns:a="http://schemas.openxmlformats.org/drawingml/2006/main" xmlns:r="http://schemas.openxmlformats.org/officeDocument/2006/relationships" xmlns:p="http://schemas.openxmlformats.org/presentationml/2006/main">
-  <p:cSld>
-    <p:spTree>
-      <p:nvGrpSpPr>
-        <p:cNvPr id="1" name=""/>
-        <p:cNvGrpSpPr/>
-        <p:nvPr/>
-      </p:nvGrpSpPr>
-      <p:grpSpPr>
-        <a:xfrm>
-          <a:off x="0" y="0"/>
-          <a:ext cx="0" cy="0"/>
-          <a:chOff x="0" y="0"/>
-          <a:chExt cx="0" cy="0"/>
-        </a:xfrm>
-      </p:grpSpPr>
-    </p:spTree>
-    <p:extLst>
-      <p:ext uri="{BB962C8B-B14F-4D97-AF65-F5344CB8AC3E}">
-        <p14:creationId xmlns:p14="http://schemas.microsoft.com/office/powerpoint/2010/main" val="2785354339"/>
-      </p:ext>
-    </p:extLst>
-  </p:cSld>
-  <p:clrMapOvr>
-    <a:masterClrMapping/>
-  </p:clrMapOvr>
-</p:sld>
-</file>
-
-<file path=ppt/slides/slide3.xml><?xml version="1.0" encoding="utf-8"?>
+<file path=ppt/slides/slide5.xml><?xml version="1.0" encoding="utf-8"?>
 <p:sld xmlns:a="http://schemas.openxmlformats.org/drawingml/2006/main" xmlns:r="http://schemas.openxmlformats.org/officeDocument/2006/relationships" xmlns:p="http://schemas.openxmlformats.org/presentationml/2006/main">
   <p:cSld>
     <p:spTree>
@@ -3651,307 +5855,7 @@
 </p:sld>
 </file>
 
-<file path=ppt/slides/slide30.xml><?xml version="1.0" encoding="utf-8"?>
-<p:sld xmlns:a="http://schemas.openxmlformats.org/drawingml/2006/main" xmlns:r="http://schemas.openxmlformats.org/officeDocument/2006/relationships" xmlns:p="http://schemas.openxmlformats.org/presentationml/2006/main">
-  <p:cSld>
-    <p:spTree>
-      <p:nvGrpSpPr>
-        <p:cNvPr id="1" name=""/>
-        <p:cNvGrpSpPr/>
-        <p:nvPr/>
-      </p:nvGrpSpPr>
-      <p:grpSpPr>
-        <a:xfrm>
-          <a:off x="0" y="0"/>
-          <a:ext cx="0" cy="0"/>
-          <a:chOff x="0" y="0"/>
-          <a:chExt cx="0" cy="0"/>
-        </a:xfrm>
-      </p:grpSpPr>
-    </p:spTree>
-    <p:extLst>
-      <p:ext uri="{BB962C8B-B14F-4D97-AF65-F5344CB8AC3E}">
-        <p14:creationId xmlns:p14="http://schemas.microsoft.com/office/powerpoint/2010/main" val="3784775769"/>
-      </p:ext>
-    </p:extLst>
-  </p:cSld>
-  <p:clrMapOvr>
-    <a:masterClrMapping/>
-  </p:clrMapOvr>
-</p:sld>
-</file>
-
-<file path=ppt/slides/slide31.xml><?xml version="1.0" encoding="utf-8"?>
-<p:sld xmlns:a="http://schemas.openxmlformats.org/drawingml/2006/main" xmlns:r="http://schemas.openxmlformats.org/officeDocument/2006/relationships" xmlns:p="http://schemas.openxmlformats.org/presentationml/2006/main">
-  <p:cSld>
-    <p:spTree>
-      <p:nvGrpSpPr>
-        <p:cNvPr id="1" name=""/>
-        <p:cNvGrpSpPr/>
-        <p:nvPr/>
-      </p:nvGrpSpPr>
-      <p:grpSpPr>
-        <a:xfrm>
-          <a:off x="0" y="0"/>
-          <a:ext cx="0" cy="0"/>
-          <a:chOff x="0" y="0"/>
-          <a:chExt cx="0" cy="0"/>
-        </a:xfrm>
-      </p:grpSpPr>
-    </p:spTree>
-    <p:extLst>
-      <p:ext uri="{BB962C8B-B14F-4D97-AF65-F5344CB8AC3E}">
-        <p14:creationId xmlns:p14="http://schemas.microsoft.com/office/powerpoint/2010/main" val="3812302981"/>
-      </p:ext>
-    </p:extLst>
-  </p:cSld>
-  <p:clrMapOvr>
-    <a:masterClrMapping/>
-  </p:clrMapOvr>
-</p:sld>
-</file>
-
-<file path=ppt/slides/slide32.xml><?xml version="1.0" encoding="utf-8"?>
-<p:sld xmlns:a="http://schemas.openxmlformats.org/drawingml/2006/main" xmlns:r="http://schemas.openxmlformats.org/officeDocument/2006/relationships" xmlns:p="http://schemas.openxmlformats.org/presentationml/2006/main">
-  <p:cSld>
-    <p:spTree>
-      <p:nvGrpSpPr>
-        <p:cNvPr id="1" name=""/>
-        <p:cNvGrpSpPr/>
-        <p:nvPr/>
-      </p:nvGrpSpPr>
-      <p:grpSpPr>
-        <a:xfrm>
-          <a:off x="0" y="0"/>
-          <a:ext cx="0" cy="0"/>
-          <a:chOff x="0" y="0"/>
-          <a:chExt cx="0" cy="0"/>
-        </a:xfrm>
-      </p:grpSpPr>
-    </p:spTree>
-    <p:extLst>
-      <p:ext uri="{BB962C8B-B14F-4D97-AF65-F5344CB8AC3E}">
-        <p14:creationId xmlns:p14="http://schemas.microsoft.com/office/powerpoint/2010/main" val="1614562670"/>
-      </p:ext>
-    </p:extLst>
-  </p:cSld>
-  <p:clrMapOvr>
-    <a:masterClrMapping/>
-  </p:clrMapOvr>
-</p:sld>
-</file>
-
-<file path=ppt/slides/slide33.xml><?xml version="1.0" encoding="utf-8"?>
-<p:sld xmlns:a="http://schemas.openxmlformats.org/drawingml/2006/main" xmlns:r="http://schemas.openxmlformats.org/officeDocument/2006/relationships" xmlns:p="http://schemas.openxmlformats.org/presentationml/2006/main">
-  <p:cSld>
-    <p:spTree>
-      <p:nvGrpSpPr>
-        <p:cNvPr id="1" name=""/>
-        <p:cNvGrpSpPr/>
-        <p:nvPr/>
-      </p:nvGrpSpPr>
-      <p:grpSpPr>
-        <a:xfrm>
-          <a:off x="0" y="0"/>
-          <a:ext cx="0" cy="0"/>
-          <a:chOff x="0" y="0"/>
-          <a:chExt cx="0" cy="0"/>
-        </a:xfrm>
-      </p:grpSpPr>
-    </p:spTree>
-    <p:extLst>
-      <p:ext uri="{BB962C8B-B14F-4D97-AF65-F5344CB8AC3E}">
-        <p14:creationId xmlns:p14="http://schemas.microsoft.com/office/powerpoint/2010/main" val="2656551149"/>
-      </p:ext>
-    </p:extLst>
-  </p:cSld>
-  <p:clrMapOvr>
-    <a:masterClrMapping/>
-  </p:clrMapOvr>
-</p:sld>
-</file>
-
-<file path=ppt/slides/slide34.xml><?xml version="1.0" encoding="utf-8"?>
-<p:sld xmlns:a="http://schemas.openxmlformats.org/drawingml/2006/main" xmlns:r="http://schemas.openxmlformats.org/officeDocument/2006/relationships" xmlns:p="http://schemas.openxmlformats.org/presentationml/2006/main">
-  <p:cSld>
-    <p:spTree>
-      <p:nvGrpSpPr>
-        <p:cNvPr id="1" name=""/>
-        <p:cNvGrpSpPr/>
-        <p:nvPr/>
-      </p:nvGrpSpPr>
-      <p:grpSpPr>
-        <a:xfrm>
-          <a:off x="0" y="0"/>
-          <a:ext cx="0" cy="0"/>
-          <a:chOff x="0" y="0"/>
-          <a:chExt cx="0" cy="0"/>
-        </a:xfrm>
-      </p:grpSpPr>
-    </p:spTree>
-    <p:extLst>
-      <p:ext uri="{BB962C8B-B14F-4D97-AF65-F5344CB8AC3E}">
-        <p14:creationId xmlns:p14="http://schemas.microsoft.com/office/powerpoint/2010/main" val="3694552602"/>
-      </p:ext>
-    </p:extLst>
-  </p:cSld>
-  <p:clrMapOvr>
-    <a:masterClrMapping/>
-  </p:clrMapOvr>
-</p:sld>
-</file>
-
-<file path=ppt/slides/slide35.xml><?xml version="1.0" encoding="utf-8"?>
-<p:sld xmlns:a="http://schemas.openxmlformats.org/drawingml/2006/main" xmlns:r="http://schemas.openxmlformats.org/officeDocument/2006/relationships" xmlns:p="http://schemas.openxmlformats.org/presentationml/2006/main">
-  <p:cSld>
-    <p:spTree>
-      <p:nvGrpSpPr>
-        <p:cNvPr id="1" name=""/>
-        <p:cNvGrpSpPr/>
-        <p:nvPr/>
-      </p:nvGrpSpPr>
-      <p:grpSpPr>
-        <a:xfrm>
-          <a:off x="0" y="0"/>
-          <a:ext cx="0" cy="0"/>
-          <a:chOff x="0" y="0"/>
-          <a:chExt cx="0" cy="0"/>
-        </a:xfrm>
-      </p:grpSpPr>
-    </p:spTree>
-    <p:extLst>
-      <p:ext uri="{BB962C8B-B14F-4D97-AF65-F5344CB8AC3E}">
-        <p14:creationId xmlns:p14="http://schemas.microsoft.com/office/powerpoint/2010/main" val="3149072537"/>
-      </p:ext>
-    </p:extLst>
-  </p:cSld>
-  <p:clrMapOvr>
-    <a:masterClrMapping/>
-  </p:clrMapOvr>
-</p:sld>
-</file>
-
-<file path=ppt/slides/slide36.xml><?xml version="1.0" encoding="utf-8"?>
-<p:sld xmlns:a="http://schemas.openxmlformats.org/drawingml/2006/main" xmlns:r="http://schemas.openxmlformats.org/officeDocument/2006/relationships" xmlns:p="http://schemas.openxmlformats.org/presentationml/2006/main">
-  <p:cSld>
-    <p:spTree>
-      <p:nvGrpSpPr>
-        <p:cNvPr id="1" name=""/>
-        <p:cNvGrpSpPr/>
-        <p:nvPr/>
-      </p:nvGrpSpPr>
-      <p:grpSpPr>
-        <a:xfrm>
-          <a:off x="0" y="0"/>
-          <a:ext cx="0" cy="0"/>
-          <a:chOff x="0" y="0"/>
-          <a:chExt cx="0" cy="0"/>
-        </a:xfrm>
-      </p:grpSpPr>
-    </p:spTree>
-    <p:extLst>
-      <p:ext uri="{BB962C8B-B14F-4D97-AF65-F5344CB8AC3E}">
-        <p14:creationId xmlns:p14="http://schemas.microsoft.com/office/powerpoint/2010/main" val="1584094055"/>
-      </p:ext>
-    </p:extLst>
-  </p:cSld>
-  <p:clrMapOvr>
-    <a:masterClrMapping/>
-  </p:clrMapOvr>
-</p:sld>
-</file>
-
-<file path=ppt/slides/slide37.xml><?xml version="1.0" encoding="utf-8"?>
-<p:sld xmlns:a="http://schemas.openxmlformats.org/drawingml/2006/main" xmlns:r="http://schemas.openxmlformats.org/officeDocument/2006/relationships" xmlns:p="http://schemas.openxmlformats.org/presentationml/2006/main">
-  <p:cSld>
-    <p:spTree>
-      <p:nvGrpSpPr>
-        <p:cNvPr id="1" name=""/>
-        <p:cNvGrpSpPr/>
-        <p:nvPr/>
-      </p:nvGrpSpPr>
-      <p:grpSpPr>
-        <a:xfrm>
-          <a:off x="0" y="0"/>
-          <a:ext cx="0" cy="0"/>
-          <a:chOff x="0" y="0"/>
-          <a:chExt cx="0" cy="0"/>
-        </a:xfrm>
-      </p:grpSpPr>
-    </p:spTree>
-    <p:extLst>
-      <p:ext uri="{BB962C8B-B14F-4D97-AF65-F5344CB8AC3E}">
-        <p14:creationId xmlns:p14="http://schemas.microsoft.com/office/powerpoint/2010/main" val="720561048"/>
-      </p:ext>
-    </p:extLst>
-  </p:cSld>
-  <p:clrMapOvr>
-    <a:masterClrMapping/>
-  </p:clrMapOvr>
-</p:sld>
-</file>
-
-<file path=ppt/slides/slide38.xml><?xml version="1.0" encoding="utf-8"?>
-<p:sld xmlns:a="http://schemas.openxmlformats.org/drawingml/2006/main" xmlns:r="http://schemas.openxmlformats.org/officeDocument/2006/relationships" xmlns:p="http://schemas.openxmlformats.org/presentationml/2006/main">
-  <p:cSld>
-    <p:spTree>
-      <p:nvGrpSpPr>
-        <p:cNvPr id="1" name=""/>
-        <p:cNvGrpSpPr/>
-        <p:nvPr/>
-      </p:nvGrpSpPr>
-      <p:grpSpPr>
-        <a:xfrm>
-          <a:off x="0" y="0"/>
-          <a:ext cx="0" cy="0"/>
-          <a:chOff x="0" y="0"/>
-          <a:chExt cx="0" cy="0"/>
-        </a:xfrm>
-      </p:grpSpPr>
-    </p:spTree>
-    <p:extLst>
-      <p:ext uri="{BB962C8B-B14F-4D97-AF65-F5344CB8AC3E}">
-        <p14:creationId xmlns:p14="http://schemas.microsoft.com/office/powerpoint/2010/main" val="435561323"/>
-      </p:ext>
-    </p:extLst>
-  </p:cSld>
-  <p:clrMapOvr>
-    <a:masterClrMapping/>
-  </p:clrMapOvr>
-</p:sld>
-</file>
-
-<file path=ppt/slides/slide39.xml><?xml version="1.0" encoding="utf-8"?>
-<p:sld xmlns:a="http://schemas.openxmlformats.org/drawingml/2006/main" xmlns:r="http://schemas.openxmlformats.org/officeDocument/2006/relationships" xmlns:p="http://schemas.openxmlformats.org/presentationml/2006/main">
-  <p:cSld>
-    <p:spTree>
-      <p:nvGrpSpPr>
-        <p:cNvPr id="1" name=""/>
-        <p:cNvGrpSpPr/>
-        <p:nvPr/>
-      </p:nvGrpSpPr>
-      <p:grpSpPr>
-        <a:xfrm>
-          <a:off x="0" y="0"/>
-          <a:ext cx="0" cy="0"/>
-          <a:chOff x="0" y="0"/>
-          <a:chExt cx="0" cy="0"/>
-        </a:xfrm>
-      </p:grpSpPr>
-    </p:spTree>
-    <p:extLst>
-      <p:ext uri="{BB962C8B-B14F-4D97-AF65-F5344CB8AC3E}">
-        <p14:creationId xmlns:p14="http://schemas.microsoft.com/office/powerpoint/2010/main" val="881410905"/>
-      </p:ext>
-    </p:extLst>
-  </p:cSld>
-  <p:clrMapOvr>
-    <a:masterClrMapping/>
-  </p:clrMapOvr>
-</p:sld>
-</file>
-
-<file path=ppt/slides/slide4.xml><?xml version="1.0" encoding="utf-8"?>
+<file path=ppt/slides/slide6.xml><?xml version="1.0" encoding="utf-8"?>
 <p:sld xmlns:a="http://schemas.openxmlformats.org/drawingml/2006/main" xmlns:r="http://schemas.openxmlformats.org/officeDocument/2006/relationships" xmlns:p="http://schemas.openxmlformats.org/presentationml/2006/main">
   <p:cSld>
     <p:spTree>
@@ -4006,217 +5910,7 @@
 </p:sld>
 </file>
 
-<file path=ppt/slides/slide40.xml><?xml version="1.0" encoding="utf-8"?>
-<p:sld xmlns:a="http://schemas.openxmlformats.org/drawingml/2006/main" xmlns:r="http://schemas.openxmlformats.org/officeDocument/2006/relationships" xmlns:p="http://schemas.openxmlformats.org/presentationml/2006/main">
-  <p:cSld>
-    <p:spTree>
-      <p:nvGrpSpPr>
-        <p:cNvPr id="1" name=""/>
-        <p:cNvGrpSpPr/>
-        <p:nvPr/>
-      </p:nvGrpSpPr>
-      <p:grpSpPr>
-        <a:xfrm>
-          <a:off x="0" y="0"/>
-          <a:ext cx="0" cy="0"/>
-          <a:chOff x="0" y="0"/>
-          <a:chExt cx="0" cy="0"/>
-        </a:xfrm>
-      </p:grpSpPr>
-    </p:spTree>
-    <p:extLst>
-      <p:ext uri="{BB962C8B-B14F-4D97-AF65-F5344CB8AC3E}">
-        <p14:creationId xmlns:p14="http://schemas.microsoft.com/office/powerpoint/2010/main" val="1917817122"/>
-      </p:ext>
-    </p:extLst>
-  </p:cSld>
-  <p:clrMapOvr>
-    <a:masterClrMapping/>
-  </p:clrMapOvr>
-</p:sld>
-</file>
-
-<file path=ppt/slides/slide41.xml><?xml version="1.0" encoding="utf-8"?>
-<p:sld xmlns:a="http://schemas.openxmlformats.org/drawingml/2006/main" xmlns:r="http://schemas.openxmlformats.org/officeDocument/2006/relationships" xmlns:p="http://schemas.openxmlformats.org/presentationml/2006/main">
-  <p:cSld>
-    <p:spTree>
-      <p:nvGrpSpPr>
-        <p:cNvPr id="1" name=""/>
-        <p:cNvGrpSpPr/>
-        <p:nvPr/>
-      </p:nvGrpSpPr>
-      <p:grpSpPr>
-        <a:xfrm>
-          <a:off x="0" y="0"/>
-          <a:ext cx="0" cy="0"/>
-          <a:chOff x="0" y="0"/>
-          <a:chExt cx="0" cy="0"/>
-        </a:xfrm>
-      </p:grpSpPr>
-    </p:spTree>
-    <p:extLst>
-      <p:ext uri="{BB962C8B-B14F-4D97-AF65-F5344CB8AC3E}">
-        <p14:creationId xmlns:p14="http://schemas.microsoft.com/office/powerpoint/2010/main" val="593747924"/>
-      </p:ext>
-    </p:extLst>
-  </p:cSld>
-  <p:clrMapOvr>
-    <a:masterClrMapping/>
-  </p:clrMapOvr>
-</p:sld>
-</file>
-
-<file path=ppt/slides/slide42.xml><?xml version="1.0" encoding="utf-8"?>
-<p:sld xmlns:a="http://schemas.openxmlformats.org/drawingml/2006/main" xmlns:r="http://schemas.openxmlformats.org/officeDocument/2006/relationships" xmlns:p="http://schemas.openxmlformats.org/presentationml/2006/main">
-  <p:cSld>
-    <p:spTree>
-      <p:nvGrpSpPr>
-        <p:cNvPr id="1" name=""/>
-        <p:cNvGrpSpPr/>
-        <p:nvPr/>
-      </p:nvGrpSpPr>
-      <p:grpSpPr>
-        <a:xfrm>
-          <a:off x="0" y="0"/>
-          <a:ext cx="0" cy="0"/>
-          <a:chOff x="0" y="0"/>
-          <a:chExt cx="0" cy="0"/>
-        </a:xfrm>
-      </p:grpSpPr>
-    </p:spTree>
-    <p:extLst>
-      <p:ext uri="{BB962C8B-B14F-4D97-AF65-F5344CB8AC3E}">
-        <p14:creationId xmlns:p14="http://schemas.microsoft.com/office/powerpoint/2010/main" val="3723131914"/>
-      </p:ext>
-    </p:extLst>
-  </p:cSld>
-  <p:clrMapOvr>
-    <a:masterClrMapping/>
-  </p:clrMapOvr>
-</p:sld>
-</file>
-
-<file path=ppt/slides/slide43.xml><?xml version="1.0" encoding="utf-8"?>
-<p:sld xmlns:a="http://schemas.openxmlformats.org/drawingml/2006/main" xmlns:r="http://schemas.openxmlformats.org/officeDocument/2006/relationships" xmlns:p="http://schemas.openxmlformats.org/presentationml/2006/main">
-  <p:cSld>
-    <p:spTree>
-      <p:nvGrpSpPr>
-        <p:cNvPr id="1" name=""/>
-        <p:cNvGrpSpPr/>
-        <p:nvPr/>
-      </p:nvGrpSpPr>
-      <p:grpSpPr>
-        <a:xfrm>
-          <a:off x="0" y="0"/>
-          <a:ext cx="0" cy="0"/>
-          <a:chOff x="0" y="0"/>
-          <a:chExt cx="0" cy="0"/>
-        </a:xfrm>
-      </p:grpSpPr>
-    </p:spTree>
-    <p:extLst>
-      <p:ext uri="{BB962C8B-B14F-4D97-AF65-F5344CB8AC3E}">
-        <p14:creationId xmlns:p14="http://schemas.microsoft.com/office/powerpoint/2010/main" val="3752569891"/>
-      </p:ext>
-    </p:extLst>
-  </p:cSld>
-  <p:clrMapOvr>
-    <a:masterClrMapping/>
-  </p:clrMapOvr>
-</p:sld>
-</file>
-
-<file path=ppt/slides/slide44.xml><?xml version="1.0" encoding="utf-8"?>
-<p:sld xmlns:a="http://schemas.openxmlformats.org/drawingml/2006/main" xmlns:r="http://schemas.openxmlformats.org/officeDocument/2006/relationships" xmlns:p="http://schemas.openxmlformats.org/presentationml/2006/main">
-  <p:cSld>
-    <p:spTree>
-      <p:nvGrpSpPr>
-        <p:cNvPr id="1" name=""/>
-        <p:cNvGrpSpPr/>
-        <p:nvPr/>
-      </p:nvGrpSpPr>
-      <p:grpSpPr>
-        <a:xfrm>
-          <a:off x="0" y="0"/>
-          <a:ext cx="0" cy="0"/>
-          <a:chOff x="0" y="0"/>
-          <a:chExt cx="0" cy="0"/>
-        </a:xfrm>
-      </p:grpSpPr>
-    </p:spTree>
-    <p:extLst>
-      <p:ext uri="{BB962C8B-B14F-4D97-AF65-F5344CB8AC3E}">
-        <p14:creationId xmlns:p14="http://schemas.microsoft.com/office/powerpoint/2010/main" val="705241195"/>
-      </p:ext>
-    </p:extLst>
-  </p:cSld>
-  <p:clrMapOvr>
-    <a:masterClrMapping/>
-  </p:clrMapOvr>
-</p:sld>
-</file>
-
-<file path=ppt/slides/slide45.xml><?xml version="1.0" encoding="utf-8"?>
-<p:sld xmlns:a="http://schemas.openxmlformats.org/drawingml/2006/main" xmlns:r="http://schemas.openxmlformats.org/officeDocument/2006/relationships" xmlns:p="http://schemas.openxmlformats.org/presentationml/2006/main">
-  <p:cSld>
-    <p:spTree>
-      <p:nvGrpSpPr>
-        <p:cNvPr id="1" name=""/>
-        <p:cNvGrpSpPr/>
-        <p:nvPr/>
-      </p:nvGrpSpPr>
-      <p:grpSpPr>
-        <a:xfrm>
-          <a:off x="0" y="0"/>
-          <a:ext cx="0" cy="0"/>
-          <a:chOff x="0" y="0"/>
-          <a:chExt cx="0" cy="0"/>
-        </a:xfrm>
-      </p:grpSpPr>
-    </p:spTree>
-    <p:extLst>
-      <p:ext uri="{BB962C8B-B14F-4D97-AF65-F5344CB8AC3E}">
-        <p14:creationId xmlns:p14="http://schemas.microsoft.com/office/powerpoint/2010/main" val="3435921734"/>
-      </p:ext>
-    </p:extLst>
-  </p:cSld>
-  <p:clrMapOvr>
-    <a:masterClrMapping/>
-  </p:clrMapOvr>
-</p:sld>
-</file>
-
-<file path=ppt/slides/slide46.xml><?xml version="1.0" encoding="utf-8"?>
-<p:sld xmlns:a="http://schemas.openxmlformats.org/drawingml/2006/main" xmlns:r="http://schemas.openxmlformats.org/officeDocument/2006/relationships" xmlns:p="http://schemas.openxmlformats.org/presentationml/2006/main">
-  <p:cSld>
-    <p:spTree>
-      <p:nvGrpSpPr>
-        <p:cNvPr id="1" name=""/>
-        <p:cNvGrpSpPr/>
-        <p:nvPr/>
-      </p:nvGrpSpPr>
-      <p:grpSpPr>
-        <a:xfrm>
-          <a:off x="0" y="0"/>
-          <a:ext cx="0" cy="0"/>
-          <a:chOff x="0" y="0"/>
-          <a:chExt cx="0" cy="0"/>
-        </a:xfrm>
-      </p:grpSpPr>
-    </p:spTree>
-    <p:extLst>
-      <p:ext uri="{BB962C8B-B14F-4D97-AF65-F5344CB8AC3E}">
-        <p14:creationId xmlns:p14="http://schemas.microsoft.com/office/powerpoint/2010/main" val="517005102"/>
-      </p:ext>
-    </p:extLst>
-  </p:cSld>
-  <p:clrMapOvr>
-    <a:masterClrMapping/>
-  </p:clrMapOvr>
-</p:sld>
-</file>
-
-<file path=ppt/slides/slide5.xml><?xml version="1.0" encoding="utf-8"?>
+<file path=ppt/slides/slide7.xml><?xml version="1.0" encoding="utf-8"?>
 <p:sld xmlns:a="http://schemas.openxmlformats.org/drawingml/2006/main" xmlns:r="http://schemas.openxmlformats.org/officeDocument/2006/relationships" xmlns:p="http://schemas.openxmlformats.org/presentationml/2006/main">
   <p:cSld>
     <p:spTree>
@@ -4271,7 +5965,7 @@
 </p:sld>
 </file>
 
-<file path=ppt/slides/slide6.xml><?xml version="1.0" encoding="utf-8"?>
+<file path=ppt/slides/slide8.xml><?xml version="1.0" encoding="utf-8"?>
 <p:sld xmlns:a="http://schemas.openxmlformats.org/drawingml/2006/main" xmlns:r="http://schemas.openxmlformats.org/officeDocument/2006/relationships" xmlns:p="http://schemas.openxmlformats.org/presentationml/2006/main">
   <p:cSld>
     <p:spTree>
@@ -4326,7 +6020,7 @@
 </p:sld>
 </file>
 
-<file path=ppt/slides/slide7.xml><?xml version="1.0" encoding="utf-8"?>
+<file path=ppt/slides/slide9.xml><?xml version="1.0" encoding="utf-8"?>
 <p:sld xmlns:a="http://schemas.openxmlformats.org/drawingml/2006/main" xmlns:r="http://schemas.openxmlformats.org/officeDocument/2006/relationships" xmlns:p="http://schemas.openxmlformats.org/presentationml/2006/main">
   <p:cSld>
     <p:spTree>
@@ -4347,66 +6041,6 @@
     <p:extLst>
       <p:ext uri="{BB962C8B-B14F-4D97-AF65-F5344CB8AC3E}">
         <p14:creationId xmlns:p14="http://schemas.microsoft.com/office/powerpoint/2010/main" val="3689192767"/>
-      </p:ext>
-    </p:extLst>
-  </p:cSld>
-  <p:clrMapOvr>
-    <a:masterClrMapping/>
-  </p:clrMapOvr>
-</p:sld>
-</file>
-
-<file path=ppt/slides/slide8.xml><?xml version="1.0" encoding="utf-8"?>
-<p:sld xmlns:a="http://schemas.openxmlformats.org/drawingml/2006/main" xmlns:r="http://schemas.openxmlformats.org/officeDocument/2006/relationships" xmlns:p="http://schemas.openxmlformats.org/presentationml/2006/main">
-  <p:cSld>
-    <p:spTree>
-      <p:nvGrpSpPr>
-        <p:cNvPr id="1" name=""/>
-        <p:cNvGrpSpPr/>
-        <p:nvPr/>
-      </p:nvGrpSpPr>
-      <p:grpSpPr>
-        <a:xfrm>
-          <a:off x="0" y="0"/>
-          <a:ext cx="0" cy="0"/>
-          <a:chOff x="0" y="0"/>
-          <a:chExt cx="0" cy="0"/>
-        </a:xfrm>
-      </p:grpSpPr>
-    </p:spTree>
-    <p:extLst>
-      <p:ext uri="{BB962C8B-B14F-4D97-AF65-F5344CB8AC3E}">
-        <p14:creationId xmlns:p14="http://schemas.microsoft.com/office/powerpoint/2010/main" val="947584466"/>
-      </p:ext>
-    </p:extLst>
-  </p:cSld>
-  <p:clrMapOvr>
-    <a:masterClrMapping/>
-  </p:clrMapOvr>
-</p:sld>
-</file>
-
-<file path=ppt/slides/slide9.xml><?xml version="1.0" encoding="utf-8"?>
-<p:sld xmlns:a="http://schemas.openxmlformats.org/drawingml/2006/main" xmlns:r="http://schemas.openxmlformats.org/officeDocument/2006/relationships" xmlns:p="http://schemas.openxmlformats.org/presentationml/2006/main">
-  <p:cSld>
-    <p:spTree>
-      <p:nvGrpSpPr>
-        <p:cNvPr id="1" name=""/>
-        <p:cNvGrpSpPr/>
-        <p:nvPr/>
-      </p:nvGrpSpPr>
-      <p:grpSpPr>
-        <a:xfrm>
-          <a:off x="0" y="0"/>
-          <a:ext cx="0" cy="0"/>
-          <a:chOff x="0" y="0"/>
-          <a:chExt cx="0" cy="0"/>
-        </a:xfrm>
-      </p:grpSpPr>
-    </p:spTree>
-    <p:extLst>
-      <p:ext uri="{BB962C8B-B14F-4D97-AF65-F5344CB8AC3E}">
-        <p14:creationId xmlns:p14="http://schemas.microsoft.com/office/powerpoint/2010/main" val="4053309543"/>
       </p:ext>
     </p:extLst>
   </p:cSld>

--- a/figs/makeFig.pptx
+++ b/figs/makeFig.pptx
@@ -7,14 +7,18 @@
   <p:sldIdLst>
     <p:sldId id="341" r:id="rId2"/>
     <p:sldId id="342" r:id="rId3"/>
-    <p:sldId id="256" r:id="rId4"/>
-    <p:sldId id="257" r:id="rId5"/>
-    <p:sldId id="258" r:id="rId6"/>
-    <p:sldId id="259" r:id="rId7"/>
-    <p:sldId id="260" r:id="rId8"/>
-    <p:sldId id="261" r:id="rId9"/>
-    <p:sldId id="273" r:id="rId10"/>
-    <p:sldId id="265" r:id="rId11"/>
+    <p:sldId id="343" r:id="rId4"/>
+    <p:sldId id="345" r:id="rId5"/>
+    <p:sldId id="344" r:id="rId6"/>
+    <p:sldId id="346" r:id="rId7"/>
+    <p:sldId id="256" r:id="rId8"/>
+    <p:sldId id="257" r:id="rId9"/>
+    <p:sldId id="258" r:id="rId10"/>
+    <p:sldId id="259" r:id="rId11"/>
+    <p:sldId id="260" r:id="rId12"/>
+    <p:sldId id="261" r:id="rId13"/>
+    <p:sldId id="273" r:id="rId14"/>
+    <p:sldId id="265" r:id="rId15"/>
   </p:sldIdLst>
   <p:sldSz cx="10080625" cy="7559675"/>
   <p:notesSz cx="7559675" cy="10691813"/>
@@ -3301,6 +3305,201 @@
           <a:chExt cx="0" cy="0"/>
         </a:xfrm>
       </p:grpSpPr>
+      <p:pic>
+        <p:nvPicPr>
+          <p:cNvPr id="2" name="図 1">
+            <a:extLst>
+              <a:ext uri="{FF2B5EF4-FFF2-40B4-BE49-F238E27FC236}">
+                <a16:creationId xmlns:a16="http://schemas.microsoft.com/office/drawing/2014/main" id="{19E06FE6-7958-4E63-9C8B-007DB8668330}"/>
+              </a:ext>
+            </a:extLst>
+          </p:cNvPr>
+          <p:cNvPicPr>
+            <a:picLocks noChangeAspect="1"/>
+          </p:cNvPicPr>
+          <p:nvPr/>
+        </p:nvPicPr>
+        <p:blipFill>
+          <a:blip r:embed="rId2"/>
+          <a:stretch>
+            <a:fillRect/>
+          </a:stretch>
+        </p:blipFill>
+        <p:spPr>
+          <a:xfrm>
+            <a:off x="276310" y="331480"/>
+            <a:ext cx="7200000" cy="6124139"/>
+          </a:xfrm>
+          <a:prstGeom prst="rect">
+            <a:avLst/>
+          </a:prstGeom>
+        </p:spPr>
+      </p:pic>
+    </p:spTree>
+  </p:cSld>
+  <p:clrMapOvr>
+    <a:masterClrMapping/>
+  </p:clrMapOvr>
+</p:sld>
+</file>
+
+<file path=ppt/slides/slide11.xml><?xml version="1.0" encoding="utf-8"?>
+<p:sld xmlns:a="http://schemas.openxmlformats.org/drawingml/2006/main" xmlns:r="http://schemas.openxmlformats.org/officeDocument/2006/relationships" xmlns:p="http://schemas.openxmlformats.org/presentationml/2006/main">
+  <p:cSld>
+    <p:spTree>
+      <p:nvGrpSpPr>
+        <p:cNvPr id="1" name=""/>
+        <p:cNvGrpSpPr/>
+        <p:nvPr/>
+      </p:nvGrpSpPr>
+      <p:grpSpPr>
+        <a:xfrm>
+          <a:off x="0" y="0"/>
+          <a:ext cx="0" cy="0"/>
+          <a:chOff x="0" y="0"/>
+          <a:chExt cx="0" cy="0"/>
+        </a:xfrm>
+      </p:grpSpPr>
+      <p:pic>
+        <p:nvPicPr>
+          <p:cNvPr id="2" name="図 1">
+            <a:extLst>
+              <a:ext uri="{FF2B5EF4-FFF2-40B4-BE49-F238E27FC236}">
+                <a16:creationId xmlns:a16="http://schemas.microsoft.com/office/drawing/2014/main" id="{EA692ED9-4009-40E7-BF6A-1F07DEB42D1B}"/>
+              </a:ext>
+            </a:extLst>
+          </p:cNvPr>
+          <p:cNvPicPr>
+            <a:picLocks noChangeAspect="1"/>
+          </p:cNvPicPr>
+          <p:nvPr/>
+        </p:nvPicPr>
+        <p:blipFill>
+          <a:blip r:embed="rId2"/>
+          <a:stretch>
+            <a:fillRect/>
+          </a:stretch>
+        </p:blipFill>
+        <p:spPr>
+          <a:xfrm>
+            <a:off x="387712" y="198437"/>
+            <a:ext cx="7200000" cy="6124139"/>
+          </a:xfrm>
+          <a:prstGeom prst="rect">
+            <a:avLst/>
+          </a:prstGeom>
+        </p:spPr>
+      </p:pic>
+    </p:spTree>
+  </p:cSld>
+  <p:clrMapOvr>
+    <a:masterClrMapping/>
+  </p:clrMapOvr>
+</p:sld>
+</file>
+
+<file path=ppt/slides/slide12.xml><?xml version="1.0" encoding="utf-8"?>
+<p:sld xmlns:a="http://schemas.openxmlformats.org/drawingml/2006/main" xmlns:r="http://schemas.openxmlformats.org/officeDocument/2006/relationships" xmlns:p="http://schemas.openxmlformats.org/presentationml/2006/main">
+  <p:cSld>
+    <p:spTree>
+      <p:nvGrpSpPr>
+        <p:cNvPr id="1" name=""/>
+        <p:cNvGrpSpPr/>
+        <p:nvPr/>
+      </p:nvGrpSpPr>
+      <p:grpSpPr>
+        <a:xfrm>
+          <a:off x="0" y="0"/>
+          <a:ext cx="0" cy="0"/>
+          <a:chOff x="0" y="0"/>
+          <a:chExt cx="0" cy="0"/>
+        </a:xfrm>
+      </p:grpSpPr>
+      <p:pic>
+        <p:nvPicPr>
+          <p:cNvPr id="2" name="図 1">
+            <a:extLst>
+              <a:ext uri="{FF2B5EF4-FFF2-40B4-BE49-F238E27FC236}">
+                <a16:creationId xmlns:a16="http://schemas.microsoft.com/office/drawing/2014/main" id="{B81CE780-9613-4851-9096-A840942777D8}"/>
+              </a:ext>
+            </a:extLst>
+          </p:cNvPr>
+          <p:cNvPicPr>
+            <a:picLocks noChangeAspect="1"/>
+          </p:cNvPicPr>
+          <p:nvPr/>
+        </p:nvPicPr>
+        <p:blipFill>
+          <a:blip r:embed="rId2"/>
+          <a:stretch>
+            <a:fillRect/>
+          </a:stretch>
+        </p:blipFill>
+        <p:spPr>
+          <a:xfrm>
+            <a:off x="462572" y="359304"/>
+            <a:ext cx="7200000" cy="6124139"/>
+          </a:xfrm>
+          <a:prstGeom prst="rect">
+            <a:avLst/>
+          </a:prstGeom>
+        </p:spPr>
+      </p:pic>
+    </p:spTree>
+  </p:cSld>
+  <p:clrMapOvr>
+    <a:masterClrMapping/>
+  </p:clrMapOvr>
+</p:sld>
+</file>
+
+<file path=ppt/slides/slide13.xml><?xml version="1.0" encoding="utf-8"?>
+<p:sld xmlns:a="http://schemas.openxmlformats.org/drawingml/2006/main" xmlns:r="http://schemas.openxmlformats.org/officeDocument/2006/relationships" xmlns:p="http://schemas.openxmlformats.org/presentationml/2006/main">
+  <p:cSld>
+    <p:spTree>
+      <p:nvGrpSpPr>
+        <p:cNvPr id="1" name=""/>
+        <p:cNvGrpSpPr/>
+        <p:nvPr/>
+      </p:nvGrpSpPr>
+      <p:grpSpPr>
+        <a:xfrm>
+          <a:off x="0" y="0"/>
+          <a:ext cx="0" cy="0"/>
+          <a:chOff x="0" y="0"/>
+          <a:chExt cx="0" cy="0"/>
+        </a:xfrm>
+      </p:grpSpPr>
+    </p:spTree>
+    <p:extLst>
+      <p:ext uri="{BB962C8B-B14F-4D97-AF65-F5344CB8AC3E}">
+        <p14:creationId xmlns:p14="http://schemas.microsoft.com/office/powerpoint/2010/main" val="3689192767"/>
+      </p:ext>
+    </p:extLst>
+  </p:cSld>
+  <p:clrMapOvr>
+    <a:masterClrMapping/>
+  </p:clrMapOvr>
+</p:sld>
+</file>
+
+<file path=ppt/slides/slide14.xml><?xml version="1.0" encoding="utf-8"?>
+<p:sld xmlns:a="http://schemas.openxmlformats.org/drawingml/2006/main" xmlns:r="http://schemas.openxmlformats.org/officeDocument/2006/relationships" xmlns:p="http://schemas.openxmlformats.org/presentationml/2006/main">
+  <p:cSld>
+    <p:spTree>
+      <p:nvGrpSpPr>
+        <p:cNvPr id="1" name=""/>
+        <p:cNvGrpSpPr/>
+        <p:nvPr/>
+      </p:nvGrpSpPr>
+      <p:grpSpPr>
+        <a:xfrm>
+          <a:off x="0" y="0"/>
+          <a:ext cx="0" cy="0"/>
+          <a:chOff x="0" y="0"/>
+          <a:chExt cx="0" cy="0"/>
+        </a:xfrm>
+      </p:grpSpPr>
     </p:spTree>
     <p:extLst>
       <p:ext uri="{BB962C8B-B14F-4D97-AF65-F5344CB8AC3E}">
@@ -4736,6 +4935,6307 @@
           <a:chExt cx="0" cy="0"/>
         </a:xfrm>
       </p:grpSpPr>
+      <p:sp>
+        <p:nvSpPr>
+          <p:cNvPr id="12" name="テキスト ボックス 11"/>
+          <p:cNvSpPr txBox="1"/>
+          <p:nvPr/>
+        </p:nvSpPr>
+        <p:spPr>
+          <a:xfrm>
+            <a:off x="1127031" y="3972361"/>
+            <a:ext cx="2091508" cy="646331"/>
+          </a:xfrm>
+          <a:prstGeom prst="rect">
+            <a:avLst/>
+          </a:prstGeom>
+          <a:noFill/>
+        </p:spPr>
+        <p:txBody>
+          <a:bodyPr wrap="square" rtlCol="0">
+            <a:spAutoFit/>
+          </a:bodyPr>
+          <a:lstStyle/>
+          <a:p>
+            <a:r>
+              <a:rPr kumimoji="1" lang="en-US" altLang="ja-JP" dirty="0"/>
+              <a:t>Constant Volume Heat Addition</a:t>
+            </a:r>
+            <a:endParaRPr kumimoji="1" lang="ja-JP" altLang="en-US" dirty="0"/>
+          </a:p>
+        </p:txBody>
+      </p:sp>
+      <p:sp>
+        <p:nvSpPr>
+          <p:cNvPr id="17" name="矢印: 右 16"/>
+          <p:cNvSpPr/>
+          <p:nvPr/>
+        </p:nvSpPr>
+        <p:spPr>
+          <a:xfrm rot="3011261">
+            <a:off x="2656116" y="3428321"/>
+            <a:ext cx="1217751" cy="376161"/>
+          </a:xfrm>
+          <a:prstGeom prst="rightArrow">
+            <a:avLst>
+              <a:gd name="adj1" fmla="val 41818"/>
+              <a:gd name="adj2" fmla="val 91666"/>
+            </a:avLst>
+          </a:prstGeom>
+          <a:solidFill>
+            <a:schemeClr val="accent2"/>
+          </a:solidFill>
+          <a:ln>
+            <a:solidFill>
+              <a:schemeClr val="accent2"/>
+            </a:solidFill>
+          </a:ln>
+        </p:spPr>
+        <p:style>
+          <a:lnRef idx="1">
+            <a:schemeClr val="accent1"/>
+          </a:lnRef>
+          <a:fillRef idx="3">
+            <a:schemeClr val="accent1"/>
+          </a:fillRef>
+          <a:effectRef idx="2">
+            <a:schemeClr val="accent1"/>
+          </a:effectRef>
+          <a:fontRef idx="minor">
+            <a:schemeClr val="lt1"/>
+          </a:fontRef>
+        </p:style>
+        <p:txBody>
+          <a:bodyPr rtlCol="0" anchor="ctr"/>
+          <a:lstStyle/>
+          <a:p>
+            <a:pPr algn="ctr"/>
+            <a:endParaRPr kumimoji="1" lang="ja-JP" altLang="en-US"/>
+          </a:p>
+        </p:txBody>
+      </p:sp>
+      <p:sp>
+        <p:nvSpPr>
+          <p:cNvPr id="19" name="テキスト ボックス 18"/>
+          <p:cNvSpPr txBox="1"/>
+          <p:nvPr/>
+        </p:nvSpPr>
+        <p:spPr>
+          <a:xfrm>
+            <a:off x="2630334" y="3349418"/>
+            <a:ext cx="552579" cy="369332"/>
+          </a:xfrm>
+          <a:prstGeom prst="rect">
+            <a:avLst/>
+          </a:prstGeom>
+          <a:noFill/>
+        </p:spPr>
+        <p:txBody>
+          <a:bodyPr wrap="square" rtlCol="0">
+            <a:spAutoFit/>
+          </a:bodyPr>
+          <a:lstStyle/>
+          <a:p>
+            <a:r>
+              <a:rPr kumimoji="1" lang="en-US" altLang="ja-JP" dirty="0"/>
+              <a:t>Q</a:t>
+            </a:r>
+            <a:endParaRPr kumimoji="1" lang="ja-JP" altLang="en-US" dirty="0"/>
+          </a:p>
+        </p:txBody>
+      </p:sp>
+      <p:cxnSp>
+        <p:nvCxnSpPr>
+          <p:cNvPr id="26" name="直線コネクタ 25"/>
+          <p:cNvCxnSpPr/>
+          <p:nvPr/>
+        </p:nvCxnSpPr>
+        <p:spPr>
+          <a:xfrm flipV="1">
+            <a:off x="619737" y="1236617"/>
+            <a:ext cx="0" cy="5492156"/>
+          </a:xfrm>
+          <a:prstGeom prst="line">
+            <a:avLst/>
+          </a:prstGeom>
+          <a:ln w="19050">
+            <a:headEnd type="none" w="med" len="med"/>
+            <a:tailEnd type="arrow" w="med" len="med"/>
+          </a:ln>
+        </p:spPr>
+        <p:style>
+          <a:lnRef idx="1">
+            <a:schemeClr val="dk1"/>
+          </a:lnRef>
+          <a:fillRef idx="0">
+            <a:schemeClr val="dk1"/>
+          </a:fillRef>
+          <a:effectRef idx="0">
+            <a:schemeClr val="dk1"/>
+          </a:effectRef>
+          <a:fontRef idx="minor">
+            <a:schemeClr val="tx1"/>
+          </a:fontRef>
+        </p:style>
+      </p:cxnSp>
+      <p:sp>
+        <p:nvSpPr>
+          <p:cNvPr id="29" name="テキスト ボックス 28"/>
+          <p:cNvSpPr txBox="1"/>
+          <p:nvPr/>
+        </p:nvSpPr>
+        <p:spPr>
+          <a:xfrm>
+            <a:off x="249028" y="1544707"/>
+            <a:ext cx="552579" cy="369332"/>
+          </a:xfrm>
+          <a:prstGeom prst="rect">
+            <a:avLst/>
+          </a:prstGeom>
+          <a:noFill/>
+        </p:spPr>
+        <p:txBody>
+          <a:bodyPr wrap="square" rtlCol="0">
+            <a:spAutoFit/>
+          </a:bodyPr>
+          <a:lstStyle/>
+          <a:p>
+            <a:r>
+              <a:rPr lang="en-US" altLang="ja-JP" dirty="0"/>
+              <a:t>h</a:t>
+            </a:r>
+            <a:endParaRPr kumimoji="1" lang="ja-JP" altLang="en-US" dirty="0"/>
+          </a:p>
+        </p:txBody>
+      </p:sp>
+      <p:cxnSp>
+        <p:nvCxnSpPr>
+          <p:cNvPr id="30" name="直線コネクタ 29"/>
+          <p:cNvCxnSpPr/>
+          <p:nvPr/>
+        </p:nvCxnSpPr>
+        <p:spPr>
+          <a:xfrm>
+            <a:off x="619737" y="6728772"/>
+            <a:ext cx="6791257" cy="0"/>
+          </a:xfrm>
+          <a:prstGeom prst="line">
+            <a:avLst/>
+          </a:prstGeom>
+          <a:ln w="19050">
+            <a:headEnd type="none" w="med" len="med"/>
+            <a:tailEnd type="arrow" w="med" len="med"/>
+          </a:ln>
+        </p:spPr>
+        <p:style>
+          <a:lnRef idx="1">
+            <a:schemeClr val="dk1"/>
+          </a:lnRef>
+          <a:fillRef idx="0">
+            <a:schemeClr val="dk1"/>
+          </a:fillRef>
+          <a:effectRef idx="0">
+            <a:schemeClr val="dk1"/>
+          </a:effectRef>
+          <a:fontRef idx="minor">
+            <a:schemeClr val="tx1"/>
+          </a:fontRef>
+        </p:style>
+      </p:cxnSp>
+      <p:sp>
+        <p:nvSpPr>
+          <p:cNvPr id="34" name="テキスト ボックス 33"/>
+          <p:cNvSpPr txBox="1"/>
+          <p:nvPr/>
+        </p:nvSpPr>
+        <p:spPr>
+          <a:xfrm>
+            <a:off x="6684103" y="6275264"/>
+            <a:ext cx="552579" cy="369332"/>
+          </a:xfrm>
+          <a:prstGeom prst="rect">
+            <a:avLst/>
+          </a:prstGeom>
+          <a:noFill/>
+        </p:spPr>
+        <p:txBody>
+          <a:bodyPr wrap="square" rtlCol="0">
+            <a:spAutoFit/>
+          </a:bodyPr>
+          <a:lstStyle/>
+          <a:p>
+            <a:r>
+              <a:rPr kumimoji="1" lang="en-US" altLang="ja-JP" dirty="0"/>
+              <a:t>s</a:t>
+            </a:r>
+            <a:endParaRPr kumimoji="1" lang="ja-JP" altLang="en-US" dirty="0"/>
+          </a:p>
+        </p:txBody>
+      </p:sp>
+      <p:sp>
+        <p:nvSpPr>
+          <p:cNvPr id="27" name="フリーフォーム: 図形 26">
+            <a:extLst>
+              <a:ext uri="{FF2B5EF4-FFF2-40B4-BE49-F238E27FC236}">
+                <a16:creationId xmlns:a16="http://schemas.microsoft.com/office/drawing/2014/main" id="{4016A52E-7875-450B-AB38-2C9853293CDC}"/>
+              </a:ext>
+            </a:extLst>
+          </p:cNvPr>
+          <p:cNvSpPr/>
+          <p:nvPr/>
+        </p:nvSpPr>
+        <p:spPr>
+          <a:xfrm>
+            <a:off x="2246803" y="2002977"/>
+            <a:ext cx="2865120" cy="3163702"/>
+          </a:xfrm>
+          <a:custGeom>
+            <a:avLst/>
+            <a:gdLst>
+              <a:gd name="connsiteX0" fmla="*/ 0 w 1915886"/>
+              <a:gd name="connsiteY0" fmla="*/ 1576251 h 1576251"/>
+              <a:gd name="connsiteX1" fmla="*/ 539932 w 1915886"/>
+              <a:gd name="connsiteY1" fmla="*/ 1471748 h 1576251"/>
+              <a:gd name="connsiteX2" fmla="*/ 1210492 w 1915886"/>
+              <a:gd name="connsiteY2" fmla="*/ 1140823 h 1576251"/>
+              <a:gd name="connsiteX3" fmla="*/ 1672046 w 1915886"/>
+              <a:gd name="connsiteY3" fmla="*/ 670560 h 1576251"/>
+              <a:gd name="connsiteX4" fmla="*/ 1863634 w 1915886"/>
+              <a:gd name="connsiteY4" fmla="*/ 217714 h 1576251"/>
+              <a:gd name="connsiteX5" fmla="*/ 1915886 w 1915886"/>
+              <a:gd name="connsiteY5" fmla="*/ 0 h 1576251"/>
+              <a:gd name="connsiteX0-1" fmla="*/ 0 w 1915886"/>
+              <a:gd name="connsiteY0-2" fmla="*/ 1576251 h 1576251"/>
+              <a:gd name="connsiteX1-3" fmla="*/ 559285 w 1915886"/>
+              <a:gd name="connsiteY1-4" fmla="*/ 1402080 h 1576251"/>
+              <a:gd name="connsiteX2-5" fmla="*/ 1210492 w 1915886"/>
+              <a:gd name="connsiteY2-6" fmla="*/ 1140823 h 1576251"/>
+              <a:gd name="connsiteX3-7" fmla="*/ 1672046 w 1915886"/>
+              <a:gd name="connsiteY3-8" fmla="*/ 670560 h 1576251"/>
+              <a:gd name="connsiteX4-9" fmla="*/ 1863634 w 1915886"/>
+              <a:gd name="connsiteY4-10" fmla="*/ 217714 h 1576251"/>
+              <a:gd name="connsiteX5-11" fmla="*/ 1915886 w 1915886"/>
+              <a:gd name="connsiteY5-12" fmla="*/ 0 h 1576251"/>
+              <a:gd name="connsiteX0-13" fmla="*/ 0 w 1915886"/>
+              <a:gd name="connsiteY0-14" fmla="*/ 1576251 h 1576251"/>
+              <a:gd name="connsiteX1-15" fmla="*/ 559285 w 1915886"/>
+              <a:gd name="connsiteY1-16" fmla="*/ 1402080 h 1576251"/>
+              <a:gd name="connsiteX2-17" fmla="*/ 1152436 w 1915886"/>
+              <a:gd name="connsiteY2-18" fmla="*/ 1079863 h 1576251"/>
+              <a:gd name="connsiteX3-19" fmla="*/ 1672046 w 1915886"/>
+              <a:gd name="connsiteY3-20" fmla="*/ 670560 h 1576251"/>
+              <a:gd name="connsiteX4-21" fmla="*/ 1863634 w 1915886"/>
+              <a:gd name="connsiteY4-22" fmla="*/ 217714 h 1576251"/>
+              <a:gd name="connsiteX5-23" fmla="*/ 1915886 w 1915886"/>
+              <a:gd name="connsiteY5-24" fmla="*/ 0 h 1576251"/>
+              <a:gd name="connsiteX0-25" fmla="*/ 0 w 1915886"/>
+              <a:gd name="connsiteY0-26" fmla="*/ 1576251 h 1576251"/>
+              <a:gd name="connsiteX1-27" fmla="*/ 559285 w 1915886"/>
+              <a:gd name="connsiteY1-28" fmla="*/ 1402080 h 1576251"/>
+              <a:gd name="connsiteX2-29" fmla="*/ 1152436 w 1915886"/>
+              <a:gd name="connsiteY2-30" fmla="*/ 1079863 h 1576251"/>
+              <a:gd name="connsiteX3-31" fmla="*/ 1555931 w 1915886"/>
+              <a:gd name="connsiteY3-32" fmla="*/ 687977 h 1576251"/>
+              <a:gd name="connsiteX4-33" fmla="*/ 1863634 w 1915886"/>
+              <a:gd name="connsiteY4-34" fmla="*/ 217714 h 1576251"/>
+              <a:gd name="connsiteX5-35" fmla="*/ 1915886 w 1915886"/>
+              <a:gd name="connsiteY5-36" fmla="*/ 0 h 1576251"/>
+              <a:gd name="connsiteX0-37" fmla="*/ 0 w 1915886"/>
+              <a:gd name="connsiteY0-38" fmla="*/ 1576251 h 1576251"/>
+              <a:gd name="connsiteX1-39" fmla="*/ 559285 w 1915886"/>
+              <a:gd name="connsiteY1-40" fmla="*/ 1402080 h 1576251"/>
+              <a:gd name="connsiteX2-41" fmla="*/ 1152436 w 1915886"/>
+              <a:gd name="connsiteY2-42" fmla="*/ 1079863 h 1576251"/>
+              <a:gd name="connsiteX3-43" fmla="*/ 1555931 w 1915886"/>
+              <a:gd name="connsiteY3-44" fmla="*/ 687977 h 1576251"/>
+              <a:gd name="connsiteX4-45" fmla="*/ 1786225 w 1915886"/>
+              <a:gd name="connsiteY4-46" fmla="*/ 322217 h 1576251"/>
+              <a:gd name="connsiteX5-47" fmla="*/ 1915886 w 1915886"/>
+              <a:gd name="connsiteY5-48" fmla="*/ 0 h 1576251"/>
+              <a:gd name="connsiteX0-49" fmla="*/ 0 w 1915886"/>
+              <a:gd name="connsiteY0-50" fmla="*/ 1576251 h 1576251"/>
+              <a:gd name="connsiteX1-51" fmla="*/ 559285 w 1915886"/>
+              <a:gd name="connsiteY1-52" fmla="*/ 1402080 h 1576251"/>
+              <a:gd name="connsiteX2-53" fmla="*/ 1152436 w 1915886"/>
+              <a:gd name="connsiteY2-54" fmla="*/ 1079863 h 1576251"/>
+              <a:gd name="connsiteX3-55" fmla="*/ 1555931 w 1915886"/>
+              <a:gd name="connsiteY3-56" fmla="*/ 687977 h 1576251"/>
+              <a:gd name="connsiteX4-57" fmla="*/ 1786225 w 1915886"/>
+              <a:gd name="connsiteY4-58" fmla="*/ 365760 h 1576251"/>
+              <a:gd name="connsiteX5-59" fmla="*/ 1915886 w 1915886"/>
+              <a:gd name="connsiteY5-60" fmla="*/ 0 h 1576251"/>
+              <a:gd name="connsiteX0-61" fmla="*/ 0 w 1915886"/>
+              <a:gd name="connsiteY0-62" fmla="*/ 1576251 h 1576251"/>
+              <a:gd name="connsiteX1-63" fmla="*/ 559285 w 1915886"/>
+              <a:gd name="connsiteY1-64" fmla="*/ 1402080 h 1576251"/>
+              <a:gd name="connsiteX2-65" fmla="*/ 1152436 w 1915886"/>
+              <a:gd name="connsiteY2-66" fmla="*/ 1079863 h 1576251"/>
+              <a:gd name="connsiteX3-67" fmla="*/ 1555931 w 1915886"/>
+              <a:gd name="connsiteY3-68" fmla="*/ 687977 h 1576251"/>
+              <a:gd name="connsiteX4-69" fmla="*/ 1786225 w 1915886"/>
+              <a:gd name="connsiteY4-70" fmla="*/ 365760 h 1576251"/>
+              <a:gd name="connsiteX5-71" fmla="*/ 1915886 w 1915886"/>
+              <a:gd name="connsiteY5-72" fmla="*/ 0 h 1576251"/>
+              <a:gd name="connsiteX0-73" fmla="*/ 0 w 1915886"/>
+              <a:gd name="connsiteY0-74" fmla="*/ 1576251 h 1576251"/>
+              <a:gd name="connsiteX1-75" fmla="*/ 559285 w 1915886"/>
+              <a:gd name="connsiteY1-76" fmla="*/ 1402080 h 1576251"/>
+              <a:gd name="connsiteX2-77" fmla="*/ 1152436 w 1915886"/>
+              <a:gd name="connsiteY2-78" fmla="*/ 1079863 h 1576251"/>
+              <a:gd name="connsiteX3-79" fmla="*/ 1555931 w 1915886"/>
+              <a:gd name="connsiteY3-80" fmla="*/ 687977 h 1576251"/>
+              <a:gd name="connsiteX4-81" fmla="*/ 1786225 w 1915886"/>
+              <a:gd name="connsiteY4-82" fmla="*/ 365760 h 1576251"/>
+              <a:gd name="connsiteX5-83" fmla="*/ 1915886 w 1915886"/>
+              <a:gd name="connsiteY5-84" fmla="*/ 0 h 1576251"/>
+              <a:gd name="connsiteX0-85" fmla="*/ 0 w 1915886"/>
+              <a:gd name="connsiteY0-86" fmla="*/ 1576251 h 1576251"/>
+              <a:gd name="connsiteX1-87" fmla="*/ 559285 w 1915886"/>
+              <a:gd name="connsiteY1-88" fmla="*/ 1402080 h 1576251"/>
+              <a:gd name="connsiteX2-89" fmla="*/ 1152436 w 1915886"/>
+              <a:gd name="connsiteY2-90" fmla="*/ 1079863 h 1576251"/>
+              <a:gd name="connsiteX3-91" fmla="*/ 1517227 w 1915886"/>
+              <a:gd name="connsiteY3-92" fmla="*/ 722812 h 1576251"/>
+              <a:gd name="connsiteX4-93" fmla="*/ 1786225 w 1915886"/>
+              <a:gd name="connsiteY4-94" fmla="*/ 365760 h 1576251"/>
+              <a:gd name="connsiteX5-95" fmla="*/ 1915886 w 1915886"/>
+              <a:gd name="connsiteY5-96" fmla="*/ 0 h 1576251"/>
+              <a:gd name="connsiteX0-97" fmla="*/ 0 w 1915886"/>
+              <a:gd name="connsiteY0-98" fmla="*/ 1576251 h 1576251"/>
+              <a:gd name="connsiteX1-99" fmla="*/ 559285 w 1915886"/>
+              <a:gd name="connsiteY1-100" fmla="*/ 1402080 h 1576251"/>
+              <a:gd name="connsiteX2-101" fmla="*/ 1152436 w 1915886"/>
+              <a:gd name="connsiteY2-102" fmla="*/ 1079863 h 1576251"/>
+              <a:gd name="connsiteX3-103" fmla="*/ 1517227 w 1915886"/>
+              <a:gd name="connsiteY3-104" fmla="*/ 722812 h 1576251"/>
+              <a:gd name="connsiteX4-105" fmla="*/ 1786225 w 1915886"/>
+              <a:gd name="connsiteY4-106" fmla="*/ 365760 h 1576251"/>
+              <a:gd name="connsiteX5-107" fmla="*/ 1915886 w 1915886"/>
+              <a:gd name="connsiteY5-108" fmla="*/ 0 h 1576251"/>
+              <a:gd name="connsiteX0-109" fmla="*/ 0 w 1915886"/>
+              <a:gd name="connsiteY0-110" fmla="*/ 1576251 h 1576251"/>
+              <a:gd name="connsiteX1-111" fmla="*/ 539189 w 1915886"/>
+              <a:gd name="connsiteY1-112" fmla="*/ 1381542 h 1576251"/>
+              <a:gd name="connsiteX2-113" fmla="*/ 1152436 w 1915886"/>
+              <a:gd name="connsiteY2-114" fmla="*/ 1079863 h 1576251"/>
+              <a:gd name="connsiteX3-115" fmla="*/ 1517227 w 1915886"/>
+              <a:gd name="connsiteY3-116" fmla="*/ 722812 h 1576251"/>
+              <a:gd name="connsiteX4-117" fmla="*/ 1786225 w 1915886"/>
+              <a:gd name="connsiteY4-118" fmla="*/ 365760 h 1576251"/>
+              <a:gd name="connsiteX5-119" fmla="*/ 1915886 w 1915886"/>
+              <a:gd name="connsiteY5-120" fmla="*/ 0 h 1576251"/>
+              <a:gd name="connsiteX0-121" fmla="*/ 0 w 1915886"/>
+              <a:gd name="connsiteY0-122" fmla="*/ 1576251 h 1576251"/>
+              <a:gd name="connsiteX1-123" fmla="*/ 539189 w 1915886"/>
+              <a:gd name="connsiteY1-124" fmla="*/ 1381542 h 1576251"/>
+              <a:gd name="connsiteX2-125" fmla="*/ 1125641 w 1915886"/>
+              <a:gd name="connsiteY2-126" fmla="*/ 1074728 h 1576251"/>
+              <a:gd name="connsiteX3-127" fmla="*/ 1517227 w 1915886"/>
+              <a:gd name="connsiteY3-128" fmla="*/ 722812 h 1576251"/>
+              <a:gd name="connsiteX4-129" fmla="*/ 1786225 w 1915886"/>
+              <a:gd name="connsiteY4-130" fmla="*/ 365760 h 1576251"/>
+              <a:gd name="connsiteX5-131" fmla="*/ 1915886 w 1915886"/>
+              <a:gd name="connsiteY5-132" fmla="*/ 0 h 1576251"/>
+              <a:gd name="connsiteX0-133" fmla="*/ 0 w 1915886"/>
+              <a:gd name="connsiteY0-134" fmla="*/ 1576251 h 1576251"/>
+              <a:gd name="connsiteX1-135" fmla="*/ 539189 w 1915886"/>
+              <a:gd name="connsiteY1-136" fmla="*/ 1381542 h 1576251"/>
+              <a:gd name="connsiteX2-137" fmla="*/ 1125641 w 1915886"/>
+              <a:gd name="connsiteY2-138" fmla="*/ 1074728 h 1576251"/>
+              <a:gd name="connsiteX3-139" fmla="*/ 1456937 w 1915886"/>
+              <a:gd name="connsiteY3-140" fmla="*/ 758753 h 1576251"/>
+              <a:gd name="connsiteX4-141" fmla="*/ 1786225 w 1915886"/>
+              <a:gd name="connsiteY4-142" fmla="*/ 365760 h 1576251"/>
+              <a:gd name="connsiteX5-143" fmla="*/ 1915886 w 1915886"/>
+              <a:gd name="connsiteY5-144" fmla="*/ 0 h 1576251"/>
+              <a:gd name="connsiteX0-145" fmla="*/ 0 w 1915886"/>
+              <a:gd name="connsiteY0-146" fmla="*/ 1576251 h 1576251"/>
+              <a:gd name="connsiteX1-147" fmla="*/ 539189 w 1915886"/>
+              <a:gd name="connsiteY1-148" fmla="*/ 1381542 h 1576251"/>
+              <a:gd name="connsiteX2-149" fmla="*/ 1125641 w 1915886"/>
+              <a:gd name="connsiteY2-150" fmla="*/ 1074728 h 1576251"/>
+              <a:gd name="connsiteX3-151" fmla="*/ 1456937 w 1915886"/>
+              <a:gd name="connsiteY3-152" fmla="*/ 758753 h 1576251"/>
+              <a:gd name="connsiteX4-153" fmla="*/ 1739333 w 1915886"/>
+              <a:gd name="connsiteY4-154" fmla="*/ 381164 h 1576251"/>
+              <a:gd name="connsiteX5-155" fmla="*/ 1915886 w 1915886"/>
+              <a:gd name="connsiteY5-156" fmla="*/ 0 h 1576251"/>
+              <a:gd name="connsiteX0-157" fmla="*/ 0 w 1915886"/>
+              <a:gd name="connsiteY0-158" fmla="*/ 1576251 h 1576251"/>
+              <a:gd name="connsiteX1-159" fmla="*/ 539189 w 1915886"/>
+              <a:gd name="connsiteY1-160" fmla="*/ 1381542 h 1576251"/>
+              <a:gd name="connsiteX2-161" fmla="*/ 1125641 w 1915886"/>
+              <a:gd name="connsiteY2-162" fmla="*/ 1074728 h 1576251"/>
+              <a:gd name="connsiteX3-163" fmla="*/ 1423442 w 1915886"/>
+              <a:gd name="connsiteY3-164" fmla="*/ 784425 h 1576251"/>
+              <a:gd name="connsiteX4-165" fmla="*/ 1739333 w 1915886"/>
+              <a:gd name="connsiteY4-166" fmla="*/ 381164 h 1576251"/>
+              <a:gd name="connsiteX5-167" fmla="*/ 1915886 w 1915886"/>
+              <a:gd name="connsiteY5-168" fmla="*/ 0 h 1576251"/>
+              <a:gd name="connsiteX0-169" fmla="*/ 0 w 1915886"/>
+              <a:gd name="connsiteY0-170" fmla="*/ 1576251 h 1576251"/>
+              <a:gd name="connsiteX1-171" fmla="*/ 539189 w 1915886"/>
+              <a:gd name="connsiteY1-172" fmla="*/ 1381542 h 1576251"/>
+              <a:gd name="connsiteX2-173" fmla="*/ 1045255 w 1915886"/>
+              <a:gd name="connsiteY2-174" fmla="*/ 1084996 h 1576251"/>
+              <a:gd name="connsiteX3-175" fmla="*/ 1423442 w 1915886"/>
+              <a:gd name="connsiteY3-176" fmla="*/ 784425 h 1576251"/>
+              <a:gd name="connsiteX4-177" fmla="*/ 1739333 w 1915886"/>
+              <a:gd name="connsiteY4-178" fmla="*/ 381164 h 1576251"/>
+              <a:gd name="connsiteX5-179" fmla="*/ 1915886 w 1915886"/>
+              <a:gd name="connsiteY5-180" fmla="*/ 0 h 1576251"/>
+              <a:gd name="connsiteX0-181" fmla="*/ 0 w 1915886"/>
+              <a:gd name="connsiteY0-182" fmla="*/ 1576251 h 1576251"/>
+              <a:gd name="connsiteX1-183" fmla="*/ 565985 w 1915886"/>
+              <a:gd name="connsiteY1-184" fmla="*/ 1345602 h 1576251"/>
+              <a:gd name="connsiteX2-185" fmla="*/ 1045255 w 1915886"/>
+              <a:gd name="connsiteY2-186" fmla="*/ 1084996 h 1576251"/>
+              <a:gd name="connsiteX3-187" fmla="*/ 1423442 w 1915886"/>
+              <a:gd name="connsiteY3-188" fmla="*/ 784425 h 1576251"/>
+              <a:gd name="connsiteX4-189" fmla="*/ 1739333 w 1915886"/>
+              <a:gd name="connsiteY4-190" fmla="*/ 381164 h 1576251"/>
+              <a:gd name="connsiteX5-191" fmla="*/ 1915886 w 1915886"/>
+              <a:gd name="connsiteY5-192" fmla="*/ 0 h 1576251"/>
+            </a:gdLst>
+            <a:ahLst/>
+            <a:cxnLst>
+              <a:cxn ang="0">
+                <a:pos x="connsiteX0-1" y="connsiteY0-2"/>
+              </a:cxn>
+              <a:cxn ang="0">
+                <a:pos x="connsiteX1-3" y="connsiteY1-4"/>
+              </a:cxn>
+              <a:cxn ang="0">
+                <a:pos x="connsiteX2-5" y="connsiteY2-6"/>
+              </a:cxn>
+              <a:cxn ang="0">
+                <a:pos x="connsiteX3-7" y="connsiteY3-8"/>
+              </a:cxn>
+              <a:cxn ang="0">
+                <a:pos x="connsiteX4-9" y="connsiteY4-10"/>
+              </a:cxn>
+              <a:cxn ang="0">
+                <a:pos x="connsiteX5-11" y="connsiteY5-12"/>
+              </a:cxn>
+            </a:cxnLst>
+            <a:rect l="l" t="t" r="r" b="b"/>
+            <a:pathLst>
+              <a:path w="1915886" h="1576251">
+                <a:moveTo>
+                  <a:pt x="0" y="1576251"/>
+                </a:moveTo>
+                <a:cubicBezTo>
+                  <a:pt x="202585" y="1498673"/>
+                  <a:pt x="391776" y="1427478"/>
+                  <a:pt x="565985" y="1345602"/>
+                </a:cubicBezTo>
+                <a:cubicBezTo>
+                  <a:pt x="740194" y="1263726"/>
+                  <a:pt x="902345" y="1178526"/>
+                  <a:pt x="1045255" y="1084996"/>
+                </a:cubicBezTo>
+                <a:cubicBezTo>
+                  <a:pt x="1188165" y="991466"/>
+                  <a:pt x="1307762" y="901730"/>
+                  <a:pt x="1423442" y="784425"/>
+                </a:cubicBezTo>
+                <a:cubicBezTo>
+                  <a:pt x="1539122" y="667120"/>
+                  <a:pt x="1640635" y="545176"/>
+                  <a:pt x="1739333" y="381164"/>
+                </a:cubicBezTo>
+                <a:cubicBezTo>
+                  <a:pt x="1828354" y="225861"/>
+                  <a:pt x="1910080" y="52977"/>
+                  <a:pt x="1915886" y="0"/>
+                </a:cubicBezTo>
+              </a:path>
+            </a:pathLst>
+          </a:custGeom>
+          <a:ln w="19050">
+            <a:prstDash val="dash"/>
+            <a:headEnd type="none" w="med" len="med"/>
+            <a:tailEnd type="none" w="med" len="med"/>
+          </a:ln>
+        </p:spPr>
+        <p:style>
+          <a:lnRef idx="1">
+            <a:schemeClr val="dk1"/>
+          </a:lnRef>
+          <a:fillRef idx="0">
+            <a:schemeClr val="dk1"/>
+          </a:fillRef>
+          <a:effectRef idx="0">
+            <a:schemeClr val="dk1"/>
+          </a:effectRef>
+          <a:fontRef idx="minor">
+            <a:schemeClr val="tx1"/>
+          </a:fontRef>
+        </p:style>
+        <p:txBody>
+          <a:bodyPr rtlCol="0" anchor="ctr"/>
+          <a:lstStyle/>
+          <a:p>
+            <a:pPr algn="ctr"/>
+            <a:endParaRPr kumimoji="1" lang="ja-JP" altLang="en-US"/>
+          </a:p>
+        </p:txBody>
+      </p:sp>
+      <p:sp>
+        <p:nvSpPr>
+          <p:cNvPr id="31" name="テキスト ボックス 30">
+            <a:extLst>
+              <a:ext uri="{FF2B5EF4-FFF2-40B4-BE49-F238E27FC236}">
+                <a16:creationId xmlns:a16="http://schemas.microsoft.com/office/drawing/2014/main" id="{AEEC8023-C5D9-459A-8530-45E630B32B2E}"/>
+              </a:ext>
+            </a:extLst>
+          </p:cNvPr>
+          <p:cNvSpPr txBox="1"/>
+          <p:nvPr/>
+        </p:nvSpPr>
+        <p:spPr>
+          <a:xfrm>
+            <a:off x="3209085" y="2111297"/>
+            <a:ext cx="1989915" cy="646331"/>
+          </a:xfrm>
+          <a:prstGeom prst="rect">
+            <a:avLst/>
+          </a:prstGeom>
+          <a:noFill/>
+        </p:spPr>
+        <p:txBody>
+          <a:bodyPr wrap="square" rtlCol="0">
+            <a:spAutoFit/>
+          </a:bodyPr>
+          <a:lstStyle/>
+          <a:p>
+            <a:r>
+              <a:rPr kumimoji="1" lang="en-US" altLang="ja-JP" dirty="0"/>
+              <a:t>Const. Pressure Curve</a:t>
+            </a:r>
+            <a:endParaRPr kumimoji="1" lang="ja-JP" altLang="en-US" dirty="0"/>
+          </a:p>
+        </p:txBody>
+      </p:sp>
+      <p:sp>
+        <p:nvSpPr>
+          <p:cNvPr id="32" name="テキスト ボックス 31">
+            <a:extLst>
+              <a:ext uri="{FF2B5EF4-FFF2-40B4-BE49-F238E27FC236}">
+                <a16:creationId xmlns:a16="http://schemas.microsoft.com/office/drawing/2014/main" id="{A3B27C04-0839-4D6E-9534-2DDBFBFBE710}"/>
+              </a:ext>
+            </a:extLst>
+          </p:cNvPr>
+          <p:cNvSpPr txBox="1"/>
+          <p:nvPr/>
+        </p:nvSpPr>
+        <p:spPr>
+          <a:xfrm>
+            <a:off x="4015365" y="4413059"/>
+            <a:ext cx="1989915" cy="646331"/>
+          </a:xfrm>
+          <a:prstGeom prst="rect">
+            <a:avLst/>
+          </a:prstGeom>
+          <a:noFill/>
+        </p:spPr>
+        <p:txBody>
+          <a:bodyPr wrap="square" rtlCol="0">
+            <a:spAutoFit/>
+          </a:bodyPr>
+          <a:lstStyle/>
+          <a:p>
+            <a:r>
+              <a:rPr kumimoji="1" lang="en-US" altLang="ja-JP" dirty="0"/>
+              <a:t>Const. Pressure Curve</a:t>
+            </a:r>
+            <a:endParaRPr kumimoji="1" lang="ja-JP" altLang="en-US" dirty="0"/>
+          </a:p>
+        </p:txBody>
+      </p:sp>
+      <p:sp>
+        <p:nvSpPr>
+          <p:cNvPr id="15" name="フリーフォーム: 図形 14">
+            <a:extLst>
+              <a:ext uri="{FF2B5EF4-FFF2-40B4-BE49-F238E27FC236}">
+                <a16:creationId xmlns:a16="http://schemas.microsoft.com/office/drawing/2014/main" id="{E5A29614-06ED-4AE7-88DE-514A43D0B15A}"/>
+              </a:ext>
+            </a:extLst>
+          </p:cNvPr>
+          <p:cNvSpPr/>
+          <p:nvPr/>
+        </p:nvSpPr>
+        <p:spPr>
+          <a:xfrm>
+            <a:off x="2259862" y="2669184"/>
+            <a:ext cx="2926079" cy="2606355"/>
+          </a:xfrm>
+          <a:custGeom>
+            <a:avLst/>
+            <a:gdLst>
+              <a:gd name="connsiteX0" fmla="*/ 0 w 1915886"/>
+              <a:gd name="connsiteY0" fmla="*/ 1576251 h 1576251"/>
+              <a:gd name="connsiteX1" fmla="*/ 539932 w 1915886"/>
+              <a:gd name="connsiteY1" fmla="*/ 1471748 h 1576251"/>
+              <a:gd name="connsiteX2" fmla="*/ 1210492 w 1915886"/>
+              <a:gd name="connsiteY2" fmla="*/ 1140823 h 1576251"/>
+              <a:gd name="connsiteX3" fmla="*/ 1672046 w 1915886"/>
+              <a:gd name="connsiteY3" fmla="*/ 670560 h 1576251"/>
+              <a:gd name="connsiteX4" fmla="*/ 1863634 w 1915886"/>
+              <a:gd name="connsiteY4" fmla="*/ 217714 h 1576251"/>
+              <a:gd name="connsiteX5" fmla="*/ 1915886 w 1915886"/>
+              <a:gd name="connsiteY5" fmla="*/ 0 h 1576251"/>
+              <a:gd name="connsiteX0-1" fmla="*/ 0 w 1915886"/>
+              <a:gd name="connsiteY0-2" fmla="*/ 1576251 h 1576251"/>
+              <a:gd name="connsiteX1-3" fmla="*/ 559285 w 1915886"/>
+              <a:gd name="connsiteY1-4" fmla="*/ 1402080 h 1576251"/>
+              <a:gd name="connsiteX2-5" fmla="*/ 1210492 w 1915886"/>
+              <a:gd name="connsiteY2-6" fmla="*/ 1140823 h 1576251"/>
+              <a:gd name="connsiteX3-7" fmla="*/ 1672046 w 1915886"/>
+              <a:gd name="connsiteY3-8" fmla="*/ 670560 h 1576251"/>
+              <a:gd name="connsiteX4-9" fmla="*/ 1863634 w 1915886"/>
+              <a:gd name="connsiteY4-10" fmla="*/ 217714 h 1576251"/>
+              <a:gd name="connsiteX5-11" fmla="*/ 1915886 w 1915886"/>
+              <a:gd name="connsiteY5-12" fmla="*/ 0 h 1576251"/>
+              <a:gd name="connsiteX0-13" fmla="*/ 0 w 1915886"/>
+              <a:gd name="connsiteY0-14" fmla="*/ 1576251 h 1576251"/>
+              <a:gd name="connsiteX1-15" fmla="*/ 559285 w 1915886"/>
+              <a:gd name="connsiteY1-16" fmla="*/ 1402080 h 1576251"/>
+              <a:gd name="connsiteX2-17" fmla="*/ 1152436 w 1915886"/>
+              <a:gd name="connsiteY2-18" fmla="*/ 1079863 h 1576251"/>
+              <a:gd name="connsiteX3-19" fmla="*/ 1672046 w 1915886"/>
+              <a:gd name="connsiteY3-20" fmla="*/ 670560 h 1576251"/>
+              <a:gd name="connsiteX4-21" fmla="*/ 1863634 w 1915886"/>
+              <a:gd name="connsiteY4-22" fmla="*/ 217714 h 1576251"/>
+              <a:gd name="connsiteX5-23" fmla="*/ 1915886 w 1915886"/>
+              <a:gd name="connsiteY5-24" fmla="*/ 0 h 1576251"/>
+              <a:gd name="connsiteX0-25" fmla="*/ 0 w 1915886"/>
+              <a:gd name="connsiteY0-26" fmla="*/ 1576251 h 1576251"/>
+              <a:gd name="connsiteX1-27" fmla="*/ 559285 w 1915886"/>
+              <a:gd name="connsiteY1-28" fmla="*/ 1402080 h 1576251"/>
+              <a:gd name="connsiteX2-29" fmla="*/ 1152436 w 1915886"/>
+              <a:gd name="connsiteY2-30" fmla="*/ 1079863 h 1576251"/>
+              <a:gd name="connsiteX3-31" fmla="*/ 1555931 w 1915886"/>
+              <a:gd name="connsiteY3-32" fmla="*/ 687977 h 1576251"/>
+              <a:gd name="connsiteX4-33" fmla="*/ 1863634 w 1915886"/>
+              <a:gd name="connsiteY4-34" fmla="*/ 217714 h 1576251"/>
+              <a:gd name="connsiteX5-35" fmla="*/ 1915886 w 1915886"/>
+              <a:gd name="connsiteY5-36" fmla="*/ 0 h 1576251"/>
+              <a:gd name="connsiteX0-37" fmla="*/ 0 w 1915886"/>
+              <a:gd name="connsiteY0-38" fmla="*/ 1576251 h 1576251"/>
+              <a:gd name="connsiteX1-39" fmla="*/ 559285 w 1915886"/>
+              <a:gd name="connsiteY1-40" fmla="*/ 1402080 h 1576251"/>
+              <a:gd name="connsiteX2-41" fmla="*/ 1152436 w 1915886"/>
+              <a:gd name="connsiteY2-42" fmla="*/ 1079863 h 1576251"/>
+              <a:gd name="connsiteX3-43" fmla="*/ 1555931 w 1915886"/>
+              <a:gd name="connsiteY3-44" fmla="*/ 687977 h 1576251"/>
+              <a:gd name="connsiteX4-45" fmla="*/ 1786225 w 1915886"/>
+              <a:gd name="connsiteY4-46" fmla="*/ 322217 h 1576251"/>
+              <a:gd name="connsiteX5-47" fmla="*/ 1915886 w 1915886"/>
+              <a:gd name="connsiteY5-48" fmla="*/ 0 h 1576251"/>
+              <a:gd name="connsiteX0-49" fmla="*/ 0 w 1915886"/>
+              <a:gd name="connsiteY0-50" fmla="*/ 1576251 h 1576251"/>
+              <a:gd name="connsiteX1-51" fmla="*/ 559285 w 1915886"/>
+              <a:gd name="connsiteY1-52" fmla="*/ 1402080 h 1576251"/>
+              <a:gd name="connsiteX2-53" fmla="*/ 1152436 w 1915886"/>
+              <a:gd name="connsiteY2-54" fmla="*/ 1079863 h 1576251"/>
+              <a:gd name="connsiteX3-55" fmla="*/ 1555931 w 1915886"/>
+              <a:gd name="connsiteY3-56" fmla="*/ 687977 h 1576251"/>
+              <a:gd name="connsiteX4-57" fmla="*/ 1786225 w 1915886"/>
+              <a:gd name="connsiteY4-58" fmla="*/ 365760 h 1576251"/>
+              <a:gd name="connsiteX5-59" fmla="*/ 1915886 w 1915886"/>
+              <a:gd name="connsiteY5-60" fmla="*/ 0 h 1576251"/>
+              <a:gd name="connsiteX0-61" fmla="*/ 0 w 1915886"/>
+              <a:gd name="connsiteY0-62" fmla="*/ 1576251 h 1576251"/>
+              <a:gd name="connsiteX1-63" fmla="*/ 559285 w 1915886"/>
+              <a:gd name="connsiteY1-64" fmla="*/ 1402080 h 1576251"/>
+              <a:gd name="connsiteX2-65" fmla="*/ 1152436 w 1915886"/>
+              <a:gd name="connsiteY2-66" fmla="*/ 1079863 h 1576251"/>
+              <a:gd name="connsiteX3-67" fmla="*/ 1555931 w 1915886"/>
+              <a:gd name="connsiteY3-68" fmla="*/ 687977 h 1576251"/>
+              <a:gd name="connsiteX4-69" fmla="*/ 1786225 w 1915886"/>
+              <a:gd name="connsiteY4-70" fmla="*/ 365760 h 1576251"/>
+              <a:gd name="connsiteX5-71" fmla="*/ 1915886 w 1915886"/>
+              <a:gd name="connsiteY5-72" fmla="*/ 0 h 1576251"/>
+              <a:gd name="connsiteX0-73" fmla="*/ 0 w 1915886"/>
+              <a:gd name="connsiteY0-74" fmla="*/ 1576251 h 1576251"/>
+              <a:gd name="connsiteX1-75" fmla="*/ 559285 w 1915886"/>
+              <a:gd name="connsiteY1-76" fmla="*/ 1402080 h 1576251"/>
+              <a:gd name="connsiteX2-77" fmla="*/ 1152436 w 1915886"/>
+              <a:gd name="connsiteY2-78" fmla="*/ 1079863 h 1576251"/>
+              <a:gd name="connsiteX3-79" fmla="*/ 1555931 w 1915886"/>
+              <a:gd name="connsiteY3-80" fmla="*/ 687977 h 1576251"/>
+              <a:gd name="connsiteX4-81" fmla="*/ 1786225 w 1915886"/>
+              <a:gd name="connsiteY4-82" fmla="*/ 365760 h 1576251"/>
+              <a:gd name="connsiteX5-83" fmla="*/ 1915886 w 1915886"/>
+              <a:gd name="connsiteY5-84" fmla="*/ 0 h 1576251"/>
+              <a:gd name="connsiteX0-85" fmla="*/ 0 w 1915886"/>
+              <a:gd name="connsiteY0-86" fmla="*/ 1576251 h 1576251"/>
+              <a:gd name="connsiteX1-87" fmla="*/ 559285 w 1915886"/>
+              <a:gd name="connsiteY1-88" fmla="*/ 1402080 h 1576251"/>
+              <a:gd name="connsiteX2-89" fmla="*/ 1152436 w 1915886"/>
+              <a:gd name="connsiteY2-90" fmla="*/ 1079863 h 1576251"/>
+              <a:gd name="connsiteX3-91" fmla="*/ 1517227 w 1915886"/>
+              <a:gd name="connsiteY3-92" fmla="*/ 722812 h 1576251"/>
+              <a:gd name="connsiteX4-93" fmla="*/ 1786225 w 1915886"/>
+              <a:gd name="connsiteY4-94" fmla="*/ 365760 h 1576251"/>
+              <a:gd name="connsiteX5-95" fmla="*/ 1915886 w 1915886"/>
+              <a:gd name="connsiteY5-96" fmla="*/ 0 h 1576251"/>
+              <a:gd name="connsiteX0-97" fmla="*/ 0 w 1915886"/>
+              <a:gd name="connsiteY0-98" fmla="*/ 1576251 h 1576251"/>
+              <a:gd name="connsiteX1-99" fmla="*/ 559285 w 1915886"/>
+              <a:gd name="connsiteY1-100" fmla="*/ 1402080 h 1576251"/>
+              <a:gd name="connsiteX2-101" fmla="*/ 1152436 w 1915886"/>
+              <a:gd name="connsiteY2-102" fmla="*/ 1079863 h 1576251"/>
+              <a:gd name="connsiteX3-103" fmla="*/ 1517227 w 1915886"/>
+              <a:gd name="connsiteY3-104" fmla="*/ 722812 h 1576251"/>
+              <a:gd name="connsiteX4-105" fmla="*/ 1786225 w 1915886"/>
+              <a:gd name="connsiteY4-106" fmla="*/ 365760 h 1576251"/>
+              <a:gd name="connsiteX5-107" fmla="*/ 1915886 w 1915886"/>
+              <a:gd name="connsiteY5-108" fmla="*/ 0 h 1576251"/>
+              <a:gd name="connsiteX0-109" fmla="*/ 0 w 1915886"/>
+              <a:gd name="connsiteY0-110" fmla="*/ 1576251 h 1576251"/>
+              <a:gd name="connsiteX1-111" fmla="*/ 539189 w 1915886"/>
+              <a:gd name="connsiteY1-112" fmla="*/ 1381542 h 1576251"/>
+              <a:gd name="connsiteX2-113" fmla="*/ 1152436 w 1915886"/>
+              <a:gd name="connsiteY2-114" fmla="*/ 1079863 h 1576251"/>
+              <a:gd name="connsiteX3-115" fmla="*/ 1517227 w 1915886"/>
+              <a:gd name="connsiteY3-116" fmla="*/ 722812 h 1576251"/>
+              <a:gd name="connsiteX4-117" fmla="*/ 1786225 w 1915886"/>
+              <a:gd name="connsiteY4-118" fmla="*/ 365760 h 1576251"/>
+              <a:gd name="connsiteX5-119" fmla="*/ 1915886 w 1915886"/>
+              <a:gd name="connsiteY5-120" fmla="*/ 0 h 1576251"/>
+              <a:gd name="connsiteX0-121" fmla="*/ 0 w 1915886"/>
+              <a:gd name="connsiteY0-122" fmla="*/ 1576251 h 1576251"/>
+              <a:gd name="connsiteX1-123" fmla="*/ 539189 w 1915886"/>
+              <a:gd name="connsiteY1-124" fmla="*/ 1381542 h 1576251"/>
+              <a:gd name="connsiteX2-125" fmla="*/ 1125641 w 1915886"/>
+              <a:gd name="connsiteY2-126" fmla="*/ 1074728 h 1576251"/>
+              <a:gd name="connsiteX3-127" fmla="*/ 1517227 w 1915886"/>
+              <a:gd name="connsiteY3-128" fmla="*/ 722812 h 1576251"/>
+              <a:gd name="connsiteX4-129" fmla="*/ 1786225 w 1915886"/>
+              <a:gd name="connsiteY4-130" fmla="*/ 365760 h 1576251"/>
+              <a:gd name="connsiteX5-131" fmla="*/ 1915886 w 1915886"/>
+              <a:gd name="connsiteY5-132" fmla="*/ 0 h 1576251"/>
+              <a:gd name="connsiteX0-133" fmla="*/ 0 w 1915886"/>
+              <a:gd name="connsiteY0-134" fmla="*/ 1576251 h 1576251"/>
+              <a:gd name="connsiteX1-135" fmla="*/ 539189 w 1915886"/>
+              <a:gd name="connsiteY1-136" fmla="*/ 1381542 h 1576251"/>
+              <a:gd name="connsiteX2-137" fmla="*/ 1125641 w 1915886"/>
+              <a:gd name="connsiteY2-138" fmla="*/ 1074728 h 1576251"/>
+              <a:gd name="connsiteX3-139" fmla="*/ 1456937 w 1915886"/>
+              <a:gd name="connsiteY3-140" fmla="*/ 758753 h 1576251"/>
+              <a:gd name="connsiteX4-141" fmla="*/ 1786225 w 1915886"/>
+              <a:gd name="connsiteY4-142" fmla="*/ 365760 h 1576251"/>
+              <a:gd name="connsiteX5-143" fmla="*/ 1915886 w 1915886"/>
+              <a:gd name="connsiteY5-144" fmla="*/ 0 h 1576251"/>
+              <a:gd name="connsiteX0-145" fmla="*/ 0 w 1915886"/>
+              <a:gd name="connsiteY0-146" fmla="*/ 1576251 h 1576251"/>
+              <a:gd name="connsiteX1-147" fmla="*/ 539189 w 1915886"/>
+              <a:gd name="connsiteY1-148" fmla="*/ 1381542 h 1576251"/>
+              <a:gd name="connsiteX2-149" fmla="*/ 1125641 w 1915886"/>
+              <a:gd name="connsiteY2-150" fmla="*/ 1074728 h 1576251"/>
+              <a:gd name="connsiteX3-151" fmla="*/ 1456937 w 1915886"/>
+              <a:gd name="connsiteY3-152" fmla="*/ 758753 h 1576251"/>
+              <a:gd name="connsiteX4-153" fmla="*/ 1739333 w 1915886"/>
+              <a:gd name="connsiteY4-154" fmla="*/ 381164 h 1576251"/>
+              <a:gd name="connsiteX5-155" fmla="*/ 1915886 w 1915886"/>
+              <a:gd name="connsiteY5-156" fmla="*/ 0 h 1576251"/>
+              <a:gd name="connsiteX0-157" fmla="*/ 0 w 1915886"/>
+              <a:gd name="connsiteY0-158" fmla="*/ 1576251 h 1576251"/>
+              <a:gd name="connsiteX1-159" fmla="*/ 539189 w 1915886"/>
+              <a:gd name="connsiteY1-160" fmla="*/ 1381542 h 1576251"/>
+              <a:gd name="connsiteX2-161" fmla="*/ 1125641 w 1915886"/>
+              <a:gd name="connsiteY2-162" fmla="*/ 1074728 h 1576251"/>
+              <a:gd name="connsiteX3-163" fmla="*/ 1423442 w 1915886"/>
+              <a:gd name="connsiteY3-164" fmla="*/ 784425 h 1576251"/>
+              <a:gd name="connsiteX4-165" fmla="*/ 1739333 w 1915886"/>
+              <a:gd name="connsiteY4-166" fmla="*/ 381164 h 1576251"/>
+              <a:gd name="connsiteX5-167" fmla="*/ 1915886 w 1915886"/>
+              <a:gd name="connsiteY5-168" fmla="*/ 0 h 1576251"/>
+              <a:gd name="connsiteX0-169" fmla="*/ 0 w 1915886"/>
+              <a:gd name="connsiteY0-170" fmla="*/ 1576251 h 1576251"/>
+              <a:gd name="connsiteX1-171" fmla="*/ 539189 w 1915886"/>
+              <a:gd name="connsiteY1-172" fmla="*/ 1381542 h 1576251"/>
+              <a:gd name="connsiteX2-173" fmla="*/ 1045255 w 1915886"/>
+              <a:gd name="connsiteY2-174" fmla="*/ 1084996 h 1576251"/>
+              <a:gd name="connsiteX3-175" fmla="*/ 1423442 w 1915886"/>
+              <a:gd name="connsiteY3-176" fmla="*/ 784425 h 1576251"/>
+              <a:gd name="connsiteX4-177" fmla="*/ 1739333 w 1915886"/>
+              <a:gd name="connsiteY4-178" fmla="*/ 381164 h 1576251"/>
+              <a:gd name="connsiteX5-179" fmla="*/ 1915886 w 1915886"/>
+              <a:gd name="connsiteY5-180" fmla="*/ 0 h 1576251"/>
+              <a:gd name="connsiteX0-181" fmla="*/ 0 w 1915886"/>
+              <a:gd name="connsiteY0-182" fmla="*/ 1576251 h 1576251"/>
+              <a:gd name="connsiteX1-183" fmla="*/ 565985 w 1915886"/>
+              <a:gd name="connsiteY1-184" fmla="*/ 1345602 h 1576251"/>
+              <a:gd name="connsiteX2-185" fmla="*/ 1045255 w 1915886"/>
+              <a:gd name="connsiteY2-186" fmla="*/ 1084996 h 1576251"/>
+              <a:gd name="connsiteX3-187" fmla="*/ 1423442 w 1915886"/>
+              <a:gd name="connsiteY3-188" fmla="*/ 784425 h 1576251"/>
+              <a:gd name="connsiteX4-189" fmla="*/ 1739333 w 1915886"/>
+              <a:gd name="connsiteY4-190" fmla="*/ 381164 h 1576251"/>
+              <a:gd name="connsiteX5-191" fmla="*/ 1915886 w 1915886"/>
+              <a:gd name="connsiteY5-192" fmla="*/ 0 h 1576251"/>
+              <a:gd name="connsiteX0" fmla="*/ 0 w 1950826"/>
+              <a:gd name="connsiteY0" fmla="*/ 1476457 h 1476457"/>
+              <a:gd name="connsiteX1" fmla="*/ 565985 w 1950826"/>
+              <a:gd name="connsiteY1" fmla="*/ 1245808 h 1476457"/>
+              <a:gd name="connsiteX2" fmla="*/ 1045255 w 1950826"/>
+              <a:gd name="connsiteY2" fmla="*/ 985202 h 1476457"/>
+              <a:gd name="connsiteX3" fmla="*/ 1423442 w 1950826"/>
+              <a:gd name="connsiteY3" fmla="*/ 684631 h 1476457"/>
+              <a:gd name="connsiteX4" fmla="*/ 1739333 w 1950826"/>
+              <a:gd name="connsiteY4" fmla="*/ 281370 h 1476457"/>
+              <a:gd name="connsiteX5" fmla="*/ 1950826 w 1950826"/>
+              <a:gd name="connsiteY5" fmla="*/ 0 h 1476457"/>
+              <a:gd name="connsiteX0" fmla="*/ 0 w 1950826"/>
+              <a:gd name="connsiteY0" fmla="*/ 1476457 h 1476457"/>
+              <a:gd name="connsiteX1" fmla="*/ 565985 w 1950826"/>
+              <a:gd name="connsiteY1" fmla="*/ 1245808 h 1476457"/>
+              <a:gd name="connsiteX2" fmla="*/ 1045255 w 1950826"/>
+              <a:gd name="connsiteY2" fmla="*/ 985202 h 1476457"/>
+              <a:gd name="connsiteX3" fmla="*/ 1423442 w 1950826"/>
+              <a:gd name="connsiteY3" fmla="*/ 684631 h 1476457"/>
+              <a:gd name="connsiteX4" fmla="*/ 1739333 w 1950826"/>
+              <a:gd name="connsiteY4" fmla="*/ 346453 h 1476457"/>
+              <a:gd name="connsiteX5" fmla="*/ 1950826 w 1950826"/>
+              <a:gd name="connsiteY5" fmla="*/ 0 h 1476457"/>
+              <a:gd name="connsiteX0" fmla="*/ 0 w 1950826"/>
+              <a:gd name="connsiteY0" fmla="*/ 1428730 h 1428730"/>
+              <a:gd name="connsiteX1" fmla="*/ 565985 w 1950826"/>
+              <a:gd name="connsiteY1" fmla="*/ 1198081 h 1428730"/>
+              <a:gd name="connsiteX2" fmla="*/ 1045255 w 1950826"/>
+              <a:gd name="connsiteY2" fmla="*/ 937475 h 1428730"/>
+              <a:gd name="connsiteX3" fmla="*/ 1423442 w 1950826"/>
+              <a:gd name="connsiteY3" fmla="*/ 636904 h 1428730"/>
+              <a:gd name="connsiteX4" fmla="*/ 1739333 w 1950826"/>
+              <a:gd name="connsiteY4" fmla="*/ 298726 h 1428730"/>
+              <a:gd name="connsiteX5" fmla="*/ 1950826 w 1950826"/>
+              <a:gd name="connsiteY5" fmla="*/ 0 h 1428730"/>
+              <a:gd name="connsiteX0" fmla="*/ 0 w 1950826"/>
+              <a:gd name="connsiteY0" fmla="*/ 1428730 h 1428730"/>
+              <a:gd name="connsiteX1" fmla="*/ 565985 w 1950826"/>
+              <a:gd name="connsiteY1" fmla="*/ 1198081 h 1428730"/>
+              <a:gd name="connsiteX2" fmla="*/ 1045255 w 1950826"/>
+              <a:gd name="connsiteY2" fmla="*/ 937475 h 1428730"/>
+              <a:gd name="connsiteX3" fmla="*/ 1423442 w 1950826"/>
+              <a:gd name="connsiteY3" fmla="*/ 636904 h 1428730"/>
+              <a:gd name="connsiteX4" fmla="*/ 1704393 w 1950826"/>
+              <a:gd name="connsiteY4" fmla="*/ 376826 h 1428730"/>
+              <a:gd name="connsiteX5" fmla="*/ 1950826 w 1950826"/>
+              <a:gd name="connsiteY5" fmla="*/ 0 h 1428730"/>
+              <a:gd name="connsiteX0" fmla="*/ 0 w 1950826"/>
+              <a:gd name="connsiteY0" fmla="*/ 1428730 h 1428730"/>
+              <a:gd name="connsiteX1" fmla="*/ 565985 w 1950826"/>
+              <a:gd name="connsiteY1" fmla="*/ 1198081 h 1428730"/>
+              <a:gd name="connsiteX2" fmla="*/ 1045255 w 1950826"/>
+              <a:gd name="connsiteY2" fmla="*/ 937475 h 1428730"/>
+              <a:gd name="connsiteX3" fmla="*/ 1423442 w 1950826"/>
+              <a:gd name="connsiteY3" fmla="*/ 636904 h 1428730"/>
+              <a:gd name="connsiteX4" fmla="*/ 1704393 w 1950826"/>
+              <a:gd name="connsiteY4" fmla="*/ 376826 h 1428730"/>
+              <a:gd name="connsiteX5" fmla="*/ 1950826 w 1950826"/>
+              <a:gd name="connsiteY5" fmla="*/ 0 h 1428730"/>
+              <a:gd name="connsiteX0" fmla="*/ 0 w 1950826"/>
+              <a:gd name="connsiteY0" fmla="*/ 1428730 h 1428730"/>
+              <a:gd name="connsiteX1" fmla="*/ 565985 w 1950826"/>
+              <a:gd name="connsiteY1" fmla="*/ 1198081 h 1428730"/>
+              <a:gd name="connsiteX2" fmla="*/ 1045255 w 1950826"/>
+              <a:gd name="connsiteY2" fmla="*/ 937475 h 1428730"/>
+              <a:gd name="connsiteX3" fmla="*/ 1423442 w 1950826"/>
+              <a:gd name="connsiteY3" fmla="*/ 636904 h 1428730"/>
+              <a:gd name="connsiteX4" fmla="*/ 1704393 w 1950826"/>
+              <a:gd name="connsiteY4" fmla="*/ 376826 h 1428730"/>
+              <a:gd name="connsiteX5" fmla="*/ 1950826 w 1950826"/>
+              <a:gd name="connsiteY5" fmla="*/ 0 h 1428730"/>
+              <a:gd name="connsiteX0" fmla="*/ 0 w 1950826"/>
+              <a:gd name="connsiteY0" fmla="*/ 1428730 h 1428730"/>
+              <a:gd name="connsiteX1" fmla="*/ 565985 w 1950826"/>
+              <a:gd name="connsiteY1" fmla="*/ 1198081 h 1428730"/>
+              <a:gd name="connsiteX2" fmla="*/ 1045255 w 1950826"/>
+              <a:gd name="connsiteY2" fmla="*/ 937475 h 1428730"/>
+              <a:gd name="connsiteX3" fmla="*/ 1423442 w 1950826"/>
+              <a:gd name="connsiteY3" fmla="*/ 636904 h 1428730"/>
+              <a:gd name="connsiteX4" fmla="*/ 1704393 w 1950826"/>
+              <a:gd name="connsiteY4" fmla="*/ 376826 h 1428730"/>
+              <a:gd name="connsiteX5" fmla="*/ 1950826 w 1950826"/>
+              <a:gd name="connsiteY5" fmla="*/ 0 h 1428730"/>
+              <a:gd name="connsiteX0" fmla="*/ 0 w 1950826"/>
+              <a:gd name="connsiteY0" fmla="*/ 1428730 h 1428730"/>
+              <a:gd name="connsiteX1" fmla="*/ 565985 w 1950826"/>
+              <a:gd name="connsiteY1" fmla="*/ 1198081 h 1428730"/>
+              <a:gd name="connsiteX2" fmla="*/ 1045255 w 1950826"/>
+              <a:gd name="connsiteY2" fmla="*/ 937475 h 1428730"/>
+              <a:gd name="connsiteX3" fmla="*/ 1423442 w 1950826"/>
+              <a:gd name="connsiteY3" fmla="*/ 636904 h 1428730"/>
+              <a:gd name="connsiteX4" fmla="*/ 1686923 w 1950826"/>
+              <a:gd name="connsiteY4" fmla="*/ 411537 h 1428730"/>
+              <a:gd name="connsiteX5" fmla="*/ 1950826 w 1950826"/>
+              <a:gd name="connsiteY5" fmla="*/ 0 h 1428730"/>
+              <a:gd name="connsiteX0" fmla="*/ 0 w 1950826"/>
+              <a:gd name="connsiteY0" fmla="*/ 1428730 h 1428730"/>
+              <a:gd name="connsiteX1" fmla="*/ 565985 w 1950826"/>
+              <a:gd name="connsiteY1" fmla="*/ 1198081 h 1428730"/>
+              <a:gd name="connsiteX2" fmla="*/ 1045255 w 1950826"/>
+              <a:gd name="connsiteY2" fmla="*/ 937475 h 1428730"/>
+              <a:gd name="connsiteX3" fmla="*/ 1382678 w 1950826"/>
+              <a:gd name="connsiteY3" fmla="*/ 758393 h 1428730"/>
+              <a:gd name="connsiteX4" fmla="*/ 1686923 w 1950826"/>
+              <a:gd name="connsiteY4" fmla="*/ 411537 h 1428730"/>
+              <a:gd name="connsiteX5" fmla="*/ 1950826 w 1950826"/>
+              <a:gd name="connsiteY5" fmla="*/ 0 h 1428730"/>
+              <a:gd name="connsiteX0" fmla="*/ 0 w 1950826"/>
+              <a:gd name="connsiteY0" fmla="*/ 1428730 h 1428730"/>
+              <a:gd name="connsiteX1" fmla="*/ 565985 w 1950826"/>
+              <a:gd name="connsiteY1" fmla="*/ 1198081 h 1428730"/>
+              <a:gd name="connsiteX2" fmla="*/ 1004491 w 1950826"/>
+              <a:gd name="connsiteY2" fmla="*/ 998219 h 1428730"/>
+              <a:gd name="connsiteX3" fmla="*/ 1382678 w 1950826"/>
+              <a:gd name="connsiteY3" fmla="*/ 758393 h 1428730"/>
+              <a:gd name="connsiteX4" fmla="*/ 1686923 w 1950826"/>
+              <a:gd name="connsiteY4" fmla="*/ 411537 h 1428730"/>
+              <a:gd name="connsiteX5" fmla="*/ 1950826 w 1950826"/>
+              <a:gd name="connsiteY5" fmla="*/ 0 h 1428730"/>
+              <a:gd name="connsiteX0" fmla="*/ 0 w 1950826"/>
+              <a:gd name="connsiteY0" fmla="*/ 1428730 h 1428730"/>
+              <a:gd name="connsiteX1" fmla="*/ 647512 w 1950826"/>
+              <a:gd name="connsiteY1" fmla="*/ 1193742 h 1428730"/>
+              <a:gd name="connsiteX2" fmla="*/ 1004491 w 1950826"/>
+              <a:gd name="connsiteY2" fmla="*/ 998219 h 1428730"/>
+              <a:gd name="connsiteX3" fmla="*/ 1382678 w 1950826"/>
+              <a:gd name="connsiteY3" fmla="*/ 758393 h 1428730"/>
+              <a:gd name="connsiteX4" fmla="*/ 1686923 w 1950826"/>
+              <a:gd name="connsiteY4" fmla="*/ 411537 h 1428730"/>
+              <a:gd name="connsiteX5" fmla="*/ 1950826 w 1950826"/>
+              <a:gd name="connsiteY5" fmla="*/ 0 h 1428730"/>
+              <a:gd name="connsiteX0" fmla="*/ 0 w 1950826"/>
+              <a:gd name="connsiteY0" fmla="*/ 1428730 h 1428730"/>
+              <a:gd name="connsiteX1" fmla="*/ 647512 w 1950826"/>
+              <a:gd name="connsiteY1" fmla="*/ 1193742 h 1428730"/>
+              <a:gd name="connsiteX2" fmla="*/ 1004491 w 1950826"/>
+              <a:gd name="connsiteY2" fmla="*/ 998219 h 1428730"/>
+              <a:gd name="connsiteX3" fmla="*/ 1382678 w 1950826"/>
+              <a:gd name="connsiteY3" fmla="*/ 758393 h 1428730"/>
+              <a:gd name="connsiteX4" fmla="*/ 1698570 w 1950826"/>
+              <a:gd name="connsiteY4" fmla="*/ 441909 h 1428730"/>
+              <a:gd name="connsiteX5" fmla="*/ 1950826 w 1950826"/>
+              <a:gd name="connsiteY5" fmla="*/ 0 h 1428730"/>
+              <a:gd name="connsiteX0" fmla="*/ 0 w 1950826"/>
+              <a:gd name="connsiteY0" fmla="*/ 1428730 h 1428730"/>
+              <a:gd name="connsiteX1" fmla="*/ 647512 w 1950826"/>
+              <a:gd name="connsiteY1" fmla="*/ 1193742 h 1428730"/>
+              <a:gd name="connsiteX2" fmla="*/ 1004491 w 1950826"/>
+              <a:gd name="connsiteY2" fmla="*/ 1024253 h 1428730"/>
+              <a:gd name="connsiteX3" fmla="*/ 1382678 w 1950826"/>
+              <a:gd name="connsiteY3" fmla="*/ 758393 h 1428730"/>
+              <a:gd name="connsiteX4" fmla="*/ 1698570 w 1950826"/>
+              <a:gd name="connsiteY4" fmla="*/ 441909 h 1428730"/>
+              <a:gd name="connsiteX5" fmla="*/ 1950826 w 1950826"/>
+              <a:gd name="connsiteY5" fmla="*/ 0 h 1428730"/>
+              <a:gd name="connsiteX0" fmla="*/ 0 w 1962473"/>
+              <a:gd name="connsiteY0" fmla="*/ 1341953 h 1341953"/>
+              <a:gd name="connsiteX1" fmla="*/ 647512 w 1962473"/>
+              <a:gd name="connsiteY1" fmla="*/ 1106965 h 1341953"/>
+              <a:gd name="connsiteX2" fmla="*/ 1004491 w 1962473"/>
+              <a:gd name="connsiteY2" fmla="*/ 937476 h 1341953"/>
+              <a:gd name="connsiteX3" fmla="*/ 1382678 w 1962473"/>
+              <a:gd name="connsiteY3" fmla="*/ 671616 h 1341953"/>
+              <a:gd name="connsiteX4" fmla="*/ 1698570 w 1962473"/>
+              <a:gd name="connsiteY4" fmla="*/ 355132 h 1341953"/>
+              <a:gd name="connsiteX5" fmla="*/ 1962473 w 1962473"/>
+              <a:gd name="connsiteY5" fmla="*/ 0 h 1341953"/>
+              <a:gd name="connsiteX0" fmla="*/ 0 w 1962473"/>
+              <a:gd name="connsiteY0" fmla="*/ 1341953 h 1341953"/>
+              <a:gd name="connsiteX1" fmla="*/ 647512 w 1962473"/>
+              <a:gd name="connsiteY1" fmla="*/ 1106965 h 1341953"/>
+              <a:gd name="connsiteX2" fmla="*/ 1004491 w 1962473"/>
+              <a:gd name="connsiteY2" fmla="*/ 937476 h 1341953"/>
+              <a:gd name="connsiteX3" fmla="*/ 1382678 w 1962473"/>
+              <a:gd name="connsiteY3" fmla="*/ 671616 h 1341953"/>
+              <a:gd name="connsiteX4" fmla="*/ 1698570 w 1962473"/>
+              <a:gd name="connsiteY4" fmla="*/ 355132 h 1341953"/>
+              <a:gd name="connsiteX5" fmla="*/ 1962473 w 1962473"/>
+              <a:gd name="connsiteY5" fmla="*/ 0 h 1341953"/>
+              <a:gd name="connsiteX0" fmla="*/ 0 w 1962473"/>
+              <a:gd name="connsiteY0" fmla="*/ 1341953 h 1341953"/>
+              <a:gd name="connsiteX1" fmla="*/ 647512 w 1962473"/>
+              <a:gd name="connsiteY1" fmla="*/ 1106965 h 1341953"/>
+              <a:gd name="connsiteX2" fmla="*/ 1004491 w 1962473"/>
+              <a:gd name="connsiteY2" fmla="*/ 937476 h 1341953"/>
+              <a:gd name="connsiteX3" fmla="*/ 1382678 w 1962473"/>
+              <a:gd name="connsiteY3" fmla="*/ 671616 h 1341953"/>
+              <a:gd name="connsiteX4" fmla="*/ 1698570 w 1962473"/>
+              <a:gd name="connsiteY4" fmla="*/ 355132 h 1341953"/>
+              <a:gd name="connsiteX5" fmla="*/ 1962473 w 1962473"/>
+              <a:gd name="connsiteY5" fmla="*/ 0 h 1341953"/>
+              <a:gd name="connsiteX0" fmla="*/ 0 w 1962473"/>
+              <a:gd name="connsiteY0" fmla="*/ 1341953 h 1341953"/>
+              <a:gd name="connsiteX1" fmla="*/ 647512 w 1962473"/>
+              <a:gd name="connsiteY1" fmla="*/ 1106965 h 1341953"/>
+              <a:gd name="connsiteX2" fmla="*/ 1004491 w 1962473"/>
+              <a:gd name="connsiteY2" fmla="*/ 937476 h 1341953"/>
+              <a:gd name="connsiteX3" fmla="*/ 1359385 w 1962473"/>
+              <a:gd name="connsiteY3" fmla="*/ 654261 h 1341953"/>
+              <a:gd name="connsiteX4" fmla="*/ 1698570 w 1962473"/>
+              <a:gd name="connsiteY4" fmla="*/ 355132 h 1341953"/>
+              <a:gd name="connsiteX5" fmla="*/ 1962473 w 1962473"/>
+              <a:gd name="connsiteY5" fmla="*/ 0 h 1341953"/>
+              <a:gd name="connsiteX0" fmla="*/ 0 w 1962473"/>
+              <a:gd name="connsiteY0" fmla="*/ 1341953 h 1341953"/>
+              <a:gd name="connsiteX1" fmla="*/ 647512 w 1962473"/>
+              <a:gd name="connsiteY1" fmla="*/ 1106965 h 1341953"/>
+              <a:gd name="connsiteX2" fmla="*/ 975374 w 1962473"/>
+              <a:gd name="connsiteY2" fmla="*/ 911442 h 1341953"/>
+              <a:gd name="connsiteX3" fmla="*/ 1359385 w 1962473"/>
+              <a:gd name="connsiteY3" fmla="*/ 654261 h 1341953"/>
+              <a:gd name="connsiteX4" fmla="*/ 1698570 w 1962473"/>
+              <a:gd name="connsiteY4" fmla="*/ 355132 h 1341953"/>
+              <a:gd name="connsiteX5" fmla="*/ 1962473 w 1962473"/>
+              <a:gd name="connsiteY5" fmla="*/ 0 h 1341953"/>
+              <a:gd name="connsiteX0" fmla="*/ 0 w 1962473"/>
+              <a:gd name="connsiteY0" fmla="*/ 1341953 h 1341953"/>
+              <a:gd name="connsiteX1" fmla="*/ 618395 w 1962473"/>
+              <a:gd name="connsiteY1" fmla="*/ 1080932 h 1341953"/>
+              <a:gd name="connsiteX2" fmla="*/ 975374 w 1962473"/>
+              <a:gd name="connsiteY2" fmla="*/ 911442 h 1341953"/>
+              <a:gd name="connsiteX3" fmla="*/ 1359385 w 1962473"/>
+              <a:gd name="connsiteY3" fmla="*/ 654261 h 1341953"/>
+              <a:gd name="connsiteX4" fmla="*/ 1698570 w 1962473"/>
+              <a:gd name="connsiteY4" fmla="*/ 355132 h 1341953"/>
+              <a:gd name="connsiteX5" fmla="*/ 1962473 w 1962473"/>
+              <a:gd name="connsiteY5" fmla="*/ 0 h 1341953"/>
+              <a:gd name="connsiteX0" fmla="*/ 0 w 1956649"/>
+              <a:gd name="connsiteY0" fmla="*/ 1298564 h 1298564"/>
+              <a:gd name="connsiteX1" fmla="*/ 612571 w 1956649"/>
+              <a:gd name="connsiteY1" fmla="*/ 1080932 h 1298564"/>
+              <a:gd name="connsiteX2" fmla="*/ 969550 w 1956649"/>
+              <a:gd name="connsiteY2" fmla="*/ 911442 h 1298564"/>
+              <a:gd name="connsiteX3" fmla="*/ 1353561 w 1956649"/>
+              <a:gd name="connsiteY3" fmla="*/ 654261 h 1298564"/>
+              <a:gd name="connsiteX4" fmla="*/ 1692746 w 1956649"/>
+              <a:gd name="connsiteY4" fmla="*/ 355132 h 1298564"/>
+              <a:gd name="connsiteX5" fmla="*/ 1956649 w 1956649"/>
+              <a:gd name="connsiteY5" fmla="*/ 0 h 1298564"/>
+              <a:gd name="connsiteX0" fmla="*/ 0 w 1956649"/>
+              <a:gd name="connsiteY0" fmla="*/ 1298564 h 1298564"/>
+              <a:gd name="connsiteX1" fmla="*/ 612571 w 1956649"/>
+              <a:gd name="connsiteY1" fmla="*/ 1080932 h 1298564"/>
+              <a:gd name="connsiteX2" fmla="*/ 969550 w 1956649"/>
+              <a:gd name="connsiteY2" fmla="*/ 911442 h 1298564"/>
+              <a:gd name="connsiteX3" fmla="*/ 1353561 w 1956649"/>
+              <a:gd name="connsiteY3" fmla="*/ 654261 h 1298564"/>
+              <a:gd name="connsiteX4" fmla="*/ 1692746 w 1956649"/>
+              <a:gd name="connsiteY4" fmla="*/ 355132 h 1298564"/>
+              <a:gd name="connsiteX5" fmla="*/ 1956649 w 1956649"/>
+              <a:gd name="connsiteY5" fmla="*/ 0 h 1298564"/>
+            </a:gdLst>
+            <a:ahLst/>
+            <a:cxnLst>
+              <a:cxn ang="0">
+                <a:pos x="connsiteX0" y="connsiteY0"/>
+              </a:cxn>
+              <a:cxn ang="0">
+                <a:pos x="connsiteX1" y="connsiteY1"/>
+              </a:cxn>
+              <a:cxn ang="0">
+                <a:pos x="connsiteX2" y="connsiteY2"/>
+              </a:cxn>
+              <a:cxn ang="0">
+                <a:pos x="connsiteX3" y="connsiteY3"/>
+              </a:cxn>
+              <a:cxn ang="0">
+                <a:pos x="connsiteX4" y="connsiteY4"/>
+              </a:cxn>
+              <a:cxn ang="0">
+                <a:pos x="connsiteX5" y="connsiteY5"/>
+              </a:cxn>
+            </a:cxnLst>
+            <a:rect l="l" t="t" r="r" b="b"/>
+            <a:pathLst>
+              <a:path w="1956649" h="1298564">
+                <a:moveTo>
+                  <a:pt x="0" y="1298564"/>
+                </a:moveTo>
+                <a:cubicBezTo>
+                  <a:pt x="167645" y="1251358"/>
+                  <a:pt x="450979" y="1145452"/>
+                  <a:pt x="612571" y="1080932"/>
+                </a:cubicBezTo>
+                <a:cubicBezTo>
+                  <a:pt x="774163" y="1016412"/>
+                  <a:pt x="846052" y="982554"/>
+                  <a:pt x="969550" y="911442"/>
+                </a:cubicBezTo>
+                <a:cubicBezTo>
+                  <a:pt x="1093048" y="840330"/>
+                  <a:pt x="1233028" y="746979"/>
+                  <a:pt x="1353561" y="654261"/>
+                </a:cubicBezTo>
+                <a:cubicBezTo>
+                  <a:pt x="1474094" y="561543"/>
+                  <a:pt x="1592231" y="464176"/>
+                  <a:pt x="1692746" y="355132"/>
+                </a:cubicBezTo>
+                <a:cubicBezTo>
+                  <a:pt x="1793261" y="246089"/>
+                  <a:pt x="1851845" y="165788"/>
+                  <a:pt x="1956649" y="0"/>
+                </a:cubicBezTo>
+              </a:path>
+            </a:pathLst>
+          </a:custGeom>
+          <a:ln w="19050">
+            <a:prstDash val="dash"/>
+            <a:headEnd type="none" w="med" len="med"/>
+            <a:tailEnd type="none" w="med" len="med"/>
+          </a:ln>
+        </p:spPr>
+        <p:style>
+          <a:lnRef idx="1">
+            <a:schemeClr val="dk1"/>
+          </a:lnRef>
+          <a:fillRef idx="0">
+            <a:schemeClr val="dk1"/>
+          </a:fillRef>
+          <a:effectRef idx="0">
+            <a:schemeClr val="dk1"/>
+          </a:effectRef>
+          <a:fontRef idx="minor">
+            <a:schemeClr val="tx1"/>
+          </a:fontRef>
+        </p:style>
+        <p:txBody>
+          <a:bodyPr rtlCol="0" anchor="ctr"/>
+          <a:lstStyle/>
+          <a:p>
+            <a:pPr algn="ctr"/>
+            <a:endParaRPr kumimoji="1" lang="ja-JP" altLang="en-US"/>
+          </a:p>
+        </p:txBody>
+      </p:sp>
+      <p:sp>
+        <p:nvSpPr>
+          <p:cNvPr id="16" name="フリーフォーム: 図形 15">
+            <a:extLst>
+              <a:ext uri="{FF2B5EF4-FFF2-40B4-BE49-F238E27FC236}">
+                <a16:creationId xmlns:a16="http://schemas.microsoft.com/office/drawing/2014/main" id="{0258B678-7C74-4074-B43E-A007FCD7A89C}"/>
+              </a:ext>
+            </a:extLst>
+          </p:cNvPr>
+          <p:cNvSpPr/>
+          <p:nvPr/>
+        </p:nvSpPr>
+        <p:spPr>
+          <a:xfrm>
+            <a:off x="2735584" y="3446222"/>
+            <a:ext cx="1748535" cy="1623653"/>
+          </a:xfrm>
+          <a:custGeom>
+            <a:avLst/>
+            <a:gdLst>
+              <a:gd name="connsiteX0" fmla="*/ 0 w 1915886"/>
+              <a:gd name="connsiteY0" fmla="*/ 1576251 h 1576251"/>
+              <a:gd name="connsiteX1" fmla="*/ 539932 w 1915886"/>
+              <a:gd name="connsiteY1" fmla="*/ 1471748 h 1576251"/>
+              <a:gd name="connsiteX2" fmla="*/ 1210492 w 1915886"/>
+              <a:gd name="connsiteY2" fmla="*/ 1140823 h 1576251"/>
+              <a:gd name="connsiteX3" fmla="*/ 1672046 w 1915886"/>
+              <a:gd name="connsiteY3" fmla="*/ 670560 h 1576251"/>
+              <a:gd name="connsiteX4" fmla="*/ 1863634 w 1915886"/>
+              <a:gd name="connsiteY4" fmla="*/ 217714 h 1576251"/>
+              <a:gd name="connsiteX5" fmla="*/ 1915886 w 1915886"/>
+              <a:gd name="connsiteY5" fmla="*/ 0 h 1576251"/>
+              <a:gd name="connsiteX0-1" fmla="*/ 0 w 1915886"/>
+              <a:gd name="connsiteY0-2" fmla="*/ 1576251 h 1576251"/>
+              <a:gd name="connsiteX1-3" fmla="*/ 559285 w 1915886"/>
+              <a:gd name="connsiteY1-4" fmla="*/ 1402080 h 1576251"/>
+              <a:gd name="connsiteX2-5" fmla="*/ 1210492 w 1915886"/>
+              <a:gd name="connsiteY2-6" fmla="*/ 1140823 h 1576251"/>
+              <a:gd name="connsiteX3-7" fmla="*/ 1672046 w 1915886"/>
+              <a:gd name="connsiteY3-8" fmla="*/ 670560 h 1576251"/>
+              <a:gd name="connsiteX4-9" fmla="*/ 1863634 w 1915886"/>
+              <a:gd name="connsiteY4-10" fmla="*/ 217714 h 1576251"/>
+              <a:gd name="connsiteX5-11" fmla="*/ 1915886 w 1915886"/>
+              <a:gd name="connsiteY5-12" fmla="*/ 0 h 1576251"/>
+              <a:gd name="connsiteX0-13" fmla="*/ 0 w 1915886"/>
+              <a:gd name="connsiteY0-14" fmla="*/ 1576251 h 1576251"/>
+              <a:gd name="connsiteX1-15" fmla="*/ 559285 w 1915886"/>
+              <a:gd name="connsiteY1-16" fmla="*/ 1402080 h 1576251"/>
+              <a:gd name="connsiteX2-17" fmla="*/ 1152436 w 1915886"/>
+              <a:gd name="connsiteY2-18" fmla="*/ 1079863 h 1576251"/>
+              <a:gd name="connsiteX3-19" fmla="*/ 1672046 w 1915886"/>
+              <a:gd name="connsiteY3-20" fmla="*/ 670560 h 1576251"/>
+              <a:gd name="connsiteX4-21" fmla="*/ 1863634 w 1915886"/>
+              <a:gd name="connsiteY4-22" fmla="*/ 217714 h 1576251"/>
+              <a:gd name="connsiteX5-23" fmla="*/ 1915886 w 1915886"/>
+              <a:gd name="connsiteY5-24" fmla="*/ 0 h 1576251"/>
+              <a:gd name="connsiteX0-25" fmla="*/ 0 w 1915886"/>
+              <a:gd name="connsiteY0-26" fmla="*/ 1576251 h 1576251"/>
+              <a:gd name="connsiteX1-27" fmla="*/ 559285 w 1915886"/>
+              <a:gd name="connsiteY1-28" fmla="*/ 1402080 h 1576251"/>
+              <a:gd name="connsiteX2-29" fmla="*/ 1152436 w 1915886"/>
+              <a:gd name="connsiteY2-30" fmla="*/ 1079863 h 1576251"/>
+              <a:gd name="connsiteX3-31" fmla="*/ 1555931 w 1915886"/>
+              <a:gd name="connsiteY3-32" fmla="*/ 687977 h 1576251"/>
+              <a:gd name="connsiteX4-33" fmla="*/ 1863634 w 1915886"/>
+              <a:gd name="connsiteY4-34" fmla="*/ 217714 h 1576251"/>
+              <a:gd name="connsiteX5-35" fmla="*/ 1915886 w 1915886"/>
+              <a:gd name="connsiteY5-36" fmla="*/ 0 h 1576251"/>
+              <a:gd name="connsiteX0-37" fmla="*/ 0 w 1915886"/>
+              <a:gd name="connsiteY0-38" fmla="*/ 1576251 h 1576251"/>
+              <a:gd name="connsiteX1-39" fmla="*/ 559285 w 1915886"/>
+              <a:gd name="connsiteY1-40" fmla="*/ 1402080 h 1576251"/>
+              <a:gd name="connsiteX2-41" fmla="*/ 1152436 w 1915886"/>
+              <a:gd name="connsiteY2-42" fmla="*/ 1079863 h 1576251"/>
+              <a:gd name="connsiteX3-43" fmla="*/ 1555931 w 1915886"/>
+              <a:gd name="connsiteY3-44" fmla="*/ 687977 h 1576251"/>
+              <a:gd name="connsiteX4-45" fmla="*/ 1786225 w 1915886"/>
+              <a:gd name="connsiteY4-46" fmla="*/ 322217 h 1576251"/>
+              <a:gd name="connsiteX5-47" fmla="*/ 1915886 w 1915886"/>
+              <a:gd name="connsiteY5-48" fmla="*/ 0 h 1576251"/>
+              <a:gd name="connsiteX0-49" fmla="*/ 0 w 1915886"/>
+              <a:gd name="connsiteY0-50" fmla="*/ 1576251 h 1576251"/>
+              <a:gd name="connsiteX1-51" fmla="*/ 559285 w 1915886"/>
+              <a:gd name="connsiteY1-52" fmla="*/ 1402080 h 1576251"/>
+              <a:gd name="connsiteX2-53" fmla="*/ 1152436 w 1915886"/>
+              <a:gd name="connsiteY2-54" fmla="*/ 1079863 h 1576251"/>
+              <a:gd name="connsiteX3-55" fmla="*/ 1555931 w 1915886"/>
+              <a:gd name="connsiteY3-56" fmla="*/ 687977 h 1576251"/>
+              <a:gd name="connsiteX4-57" fmla="*/ 1786225 w 1915886"/>
+              <a:gd name="connsiteY4-58" fmla="*/ 365760 h 1576251"/>
+              <a:gd name="connsiteX5-59" fmla="*/ 1915886 w 1915886"/>
+              <a:gd name="connsiteY5-60" fmla="*/ 0 h 1576251"/>
+              <a:gd name="connsiteX0-61" fmla="*/ 0 w 1915886"/>
+              <a:gd name="connsiteY0-62" fmla="*/ 1576251 h 1576251"/>
+              <a:gd name="connsiteX1-63" fmla="*/ 559285 w 1915886"/>
+              <a:gd name="connsiteY1-64" fmla="*/ 1402080 h 1576251"/>
+              <a:gd name="connsiteX2-65" fmla="*/ 1152436 w 1915886"/>
+              <a:gd name="connsiteY2-66" fmla="*/ 1079863 h 1576251"/>
+              <a:gd name="connsiteX3-67" fmla="*/ 1555931 w 1915886"/>
+              <a:gd name="connsiteY3-68" fmla="*/ 687977 h 1576251"/>
+              <a:gd name="connsiteX4-69" fmla="*/ 1786225 w 1915886"/>
+              <a:gd name="connsiteY4-70" fmla="*/ 365760 h 1576251"/>
+              <a:gd name="connsiteX5-71" fmla="*/ 1915886 w 1915886"/>
+              <a:gd name="connsiteY5-72" fmla="*/ 0 h 1576251"/>
+              <a:gd name="connsiteX0-73" fmla="*/ 0 w 1915886"/>
+              <a:gd name="connsiteY0-74" fmla="*/ 1576251 h 1576251"/>
+              <a:gd name="connsiteX1-75" fmla="*/ 559285 w 1915886"/>
+              <a:gd name="connsiteY1-76" fmla="*/ 1402080 h 1576251"/>
+              <a:gd name="connsiteX2-77" fmla="*/ 1152436 w 1915886"/>
+              <a:gd name="connsiteY2-78" fmla="*/ 1079863 h 1576251"/>
+              <a:gd name="connsiteX3-79" fmla="*/ 1555931 w 1915886"/>
+              <a:gd name="connsiteY3-80" fmla="*/ 687977 h 1576251"/>
+              <a:gd name="connsiteX4-81" fmla="*/ 1786225 w 1915886"/>
+              <a:gd name="connsiteY4-82" fmla="*/ 365760 h 1576251"/>
+              <a:gd name="connsiteX5-83" fmla="*/ 1915886 w 1915886"/>
+              <a:gd name="connsiteY5-84" fmla="*/ 0 h 1576251"/>
+              <a:gd name="connsiteX0-85" fmla="*/ 0 w 1915886"/>
+              <a:gd name="connsiteY0-86" fmla="*/ 1576251 h 1576251"/>
+              <a:gd name="connsiteX1-87" fmla="*/ 559285 w 1915886"/>
+              <a:gd name="connsiteY1-88" fmla="*/ 1402080 h 1576251"/>
+              <a:gd name="connsiteX2-89" fmla="*/ 1152436 w 1915886"/>
+              <a:gd name="connsiteY2-90" fmla="*/ 1079863 h 1576251"/>
+              <a:gd name="connsiteX3-91" fmla="*/ 1517227 w 1915886"/>
+              <a:gd name="connsiteY3-92" fmla="*/ 722812 h 1576251"/>
+              <a:gd name="connsiteX4-93" fmla="*/ 1786225 w 1915886"/>
+              <a:gd name="connsiteY4-94" fmla="*/ 365760 h 1576251"/>
+              <a:gd name="connsiteX5-95" fmla="*/ 1915886 w 1915886"/>
+              <a:gd name="connsiteY5-96" fmla="*/ 0 h 1576251"/>
+              <a:gd name="connsiteX0-97" fmla="*/ 0 w 1915886"/>
+              <a:gd name="connsiteY0-98" fmla="*/ 1576251 h 1576251"/>
+              <a:gd name="connsiteX1-99" fmla="*/ 559285 w 1915886"/>
+              <a:gd name="connsiteY1-100" fmla="*/ 1402080 h 1576251"/>
+              <a:gd name="connsiteX2-101" fmla="*/ 1152436 w 1915886"/>
+              <a:gd name="connsiteY2-102" fmla="*/ 1079863 h 1576251"/>
+              <a:gd name="connsiteX3-103" fmla="*/ 1517227 w 1915886"/>
+              <a:gd name="connsiteY3-104" fmla="*/ 722812 h 1576251"/>
+              <a:gd name="connsiteX4-105" fmla="*/ 1786225 w 1915886"/>
+              <a:gd name="connsiteY4-106" fmla="*/ 365760 h 1576251"/>
+              <a:gd name="connsiteX5-107" fmla="*/ 1915886 w 1915886"/>
+              <a:gd name="connsiteY5-108" fmla="*/ 0 h 1576251"/>
+              <a:gd name="connsiteX0-109" fmla="*/ 0 w 1915886"/>
+              <a:gd name="connsiteY0-110" fmla="*/ 1576251 h 1576251"/>
+              <a:gd name="connsiteX1-111" fmla="*/ 539189 w 1915886"/>
+              <a:gd name="connsiteY1-112" fmla="*/ 1381542 h 1576251"/>
+              <a:gd name="connsiteX2-113" fmla="*/ 1152436 w 1915886"/>
+              <a:gd name="connsiteY2-114" fmla="*/ 1079863 h 1576251"/>
+              <a:gd name="connsiteX3-115" fmla="*/ 1517227 w 1915886"/>
+              <a:gd name="connsiteY3-116" fmla="*/ 722812 h 1576251"/>
+              <a:gd name="connsiteX4-117" fmla="*/ 1786225 w 1915886"/>
+              <a:gd name="connsiteY4-118" fmla="*/ 365760 h 1576251"/>
+              <a:gd name="connsiteX5-119" fmla="*/ 1915886 w 1915886"/>
+              <a:gd name="connsiteY5-120" fmla="*/ 0 h 1576251"/>
+              <a:gd name="connsiteX0-121" fmla="*/ 0 w 1915886"/>
+              <a:gd name="connsiteY0-122" fmla="*/ 1576251 h 1576251"/>
+              <a:gd name="connsiteX1-123" fmla="*/ 539189 w 1915886"/>
+              <a:gd name="connsiteY1-124" fmla="*/ 1381542 h 1576251"/>
+              <a:gd name="connsiteX2-125" fmla="*/ 1125641 w 1915886"/>
+              <a:gd name="connsiteY2-126" fmla="*/ 1074728 h 1576251"/>
+              <a:gd name="connsiteX3-127" fmla="*/ 1517227 w 1915886"/>
+              <a:gd name="connsiteY3-128" fmla="*/ 722812 h 1576251"/>
+              <a:gd name="connsiteX4-129" fmla="*/ 1786225 w 1915886"/>
+              <a:gd name="connsiteY4-130" fmla="*/ 365760 h 1576251"/>
+              <a:gd name="connsiteX5-131" fmla="*/ 1915886 w 1915886"/>
+              <a:gd name="connsiteY5-132" fmla="*/ 0 h 1576251"/>
+              <a:gd name="connsiteX0-133" fmla="*/ 0 w 1915886"/>
+              <a:gd name="connsiteY0-134" fmla="*/ 1576251 h 1576251"/>
+              <a:gd name="connsiteX1-135" fmla="*/ 539189 w 1915886"/>
+              <a:gd name="connsiteY1-136" fmla="*/ 1381542 h 1576251"/>
+              <a:gd name="connsiteX2-137" fmla="*/ 1125641 w 1915886"/>
+              <a:gd name="connsiteY2-138" fmla="*/ 1074728 h 1576251"/>
+              <a:gd name="connsiteX3-139" fmla="*/ 1456937 w 1915886"/>
+              <a:gd name="connsiteY3-140" fmla="*/ 758753 h 1576251"/>
+              <a:gd name="connsiteX4-141" fmla="*/ 1786225 w 1915886"/>
+              <a:gd name="connsiteY4-142" fmla="*/ 365760 h 1576251"/>
+              <a:gd name="connsiteX5-143" fmla="*/ 1915886 w 1915886"/>
+              <a:gd name="connsiteY5-144" fmla="*/ 0 h 1576251"/>
+              <a:gd name="connsiteX0-145" fmla="*/ 0 w 1915886"/>
+              <a:gd name="connsiteY0-146" fmla="*/ 1576251 h 1576251"/>
+              <a:gd name="connsiteX1-147" fmla="*/ 539189 w 1915886"/>
+              <a:gd name="connsiteY1-148" fmla="*/ 1381542 h 1576251"/>
+              <a:gd name="connsiteX2-149" fmla="*/ 1125641 w 1915886"/>
+              <a:gd name="connsiteY2-150" fmla="*/ 1074728 h 1576251"/>
+              <a:gd name="connsiteX3-151" fmla="*/ 1456937 w 1915886"/>
+              <a:gd name="connsiteY3-152" fmla="*/ 758753 h 1576251"/>
+              <a:gd name="connsiteX4-153" fmla="*/ 1739333 w 1915886"/>
+              <a:gd name="connsiteY4-154" fmla="*/ 381164 h 1576251"/>
+              <a:gd name="connsiteX5-155" fmla="*/ 1915886 w 1915886"/>
+              <a:gd name="connsiteY5-156" fmla="*/ 0 h 1576251"/>
+              <a:gd name="connsiteX0-157" fmla="*/ 0 w 1915886"/>
+              <a:gd name="connsiteY0-158" fmla="*/ 1576251 h 1576251"/>
+              <a:gd name="connsiteX1-159" fmla="*/ 539189 w 1915886"/>
+              <a:gd name="connsiteY1-160" fmla="*/ 1381542 h 1576251"/>
+              <a:gd name="connsiteX2-161" fmla="*/ 1125641 w 1915886"/>
+              <a:gd name="connsiteY2-162" fmla="*/ 1074728 h 1576251"/>
+              <a:gd name="connsiteX3-163" fmla="*/ 1423442 w 1915886"/>
+              <a:gd name="connsiteY3-164" fmla="*/ 784425 h 1576251"/>
+              <a:gd name="connsiteX4-165" fmla="*/ 1739333 w 1915886"/>
+              <a:gd name="connsiteY4-166" fmla="*/ 381164 h 1576251"/>
+              <a:gd name="connsiteX5-167" fmla="*/ 1915886 w 1915886"/>
+              <a:gd name="connsiteY5-168" fmla="*/ 0 h 1576251"/>
+              <a:gd name="connsiteX0-169" fmla="*/ 0 w 1915886"/>
+              <a:gd name="connsiteY0-170" fmla="*/ 1576251 h 1576251"/>
+              <a:gd name="connsiteX1-171" fmla="*/ 539189 w 1915886"/>
+              <a:gd name="connsiteY1-172" fmla="*/ 1381542 h 1576251"/>
+              <a:gd name="connsiteX2-173" fmla="*/ 1045255 w 1915886"/>
+              <a:gd name="connsiteY2-174" fmla="*/ 1084996 h 1576251"/>
+              <a:gd name="connsiteX3-175" fmla="*/ 1423442 w 1915886"/>
+              <a:gd name="connsiteY3-176" fmla="*/ 784425 h 1576251"/>
+              <a:gd name="connsiteX4-177" fmla="*/ 1739333 w 1915886"/>
+              <a:gd name="connsiteY4-178" fmla="*/ 381164 h 1576251"/>
+              <a:gd name="connsiteX5-179" fmla="*/ 1915886 w 1915886"/>
+              <a:gd name="connsiteY5-180" fmla="*/ 0 h 1576251"/>
+              <a:gd name="connsiteX0-181" fmla="*/ 0 w 1915886"/>
+              <a:gd name="connsiteY0-182" fmla="*/ 1576251 h 1576251"/>
+              <a:gd name="connsiteX1-183" fmla="*/ 565985 w 1915886"/>
+              <a:gd name="connsiteY1-184" fmla="*/ 1345602 h 1576251"/>
+              <a:gd name="connsiteX2-185" fmla="*/ 1045255 w 1915886"/>
+              <a:gd name="connsiteY2-186" fmla="*/ 1084996 h 1576251"/>
+              <a:gd name="connsiteX3-187" fmla="*/ 1423442 w 1915886"/>
+              <a:gd name="connsiteY3-188" fmla="*/ 784425 h 1576251"/>
+              <a:gd name="connsiteX4-189" fmla="*/ 1739333 w 1915886"/>
+              <a:gd name="connsiteY4-190" fmla="*/ 381164 h 1576251"/>
+              <a:gd name="connsiteX5-191" fmla="*/ 1915886 w 1915886"/>
+              <a:gd name="connsiteY5-192" fmla="*/ 0 h 1576251"/>
+              <a:gd name="connsiteX0" fmla="*/ 0 w 1950826"/>
+              <a:gd name="connsiteY0" fmla="*/ 1476457 h 1476457"/>
+              <a:gd name="connsiteX1" fmla="*/ 565985 w 1950826"/>
+              <a:gd name="connsiteY1" fmla="*/ 1245808 h 1476457"/>
+              <a:gd name="connsiteX2" fmla="*/ 1045255 w 1950826"/>
+              <a:gd name="connsiteY2" fmla="*/ 985202 h 1476457"/>
+              <a:gd name="connsiteX3" fmla="*/ 1423442 w 1950826"/>
+              <a:gd name="connsiteY3" fmla="*/ 684631 h 1476457"/>
+              <a:gd name="connsiteX4" fmla="*/ 1739333 w 1950826"/>
+              <a:gd name="connsiteY4" fmla="*/ 281370 h 1476457"/>
+              <a:gd name="connsiteX5" fmla="*/ 1950826 w 1950826"/>
+              <a:gd name="connsiteY5" fmla="*/ 0 h 1476457"/>
+              <a:gd name="connsiteX0" fmla="*/ 0 w 1950826"/>
+              <a:gd name="connsiteY0" fmla="*/ 1476457 h 1476457"/>
+              <a:gd name="connsiteX1" fmla="*/ 565985 w 1950826"/>
+              <a:gd name="connsiteY1" fmla="*/ 1245808 h 1476457"/>
+              <a:gd name="connsiteX2" fmla="*/ 1045255 w 1950826"/>
+              <a:gd name="connsiteY2" fmla="*/ 985202 h 1476457"/>
+              <a:gd name="connsiteX3" fmla="*/ 1423442 w 1950826"/>
+              <a:gd name="connsiteY3" fmla="*/ 684631 h 1476457"/>
+              <a:gd name="connsiteX4" fmla="*/ 1739333 w 1950826"/>
+              <a:gd name="connsiteY4" fmla="*/ 346453 h 1476457"/>
+              <a:gd name="connsiteX5" fmla="*/ 1950826 w 1950826"/>
+              <a:gd name="connsiteY5" fmla="*/ 0 h 1476457"/>
+              <a:gd name="connsiteX0" fmla="*/ 0 w 1950826"/>
+              <a:gd name="connsiteY0" fmla="*/ 1428730 h 1428730"/>
+              <a:gd name="connsiteX1" fmla="*/ 565985 w 1950826"/>
+              <a:gd name="connsiteY1" fmla="*/ 1198081 h 1428730"/>
+              <a:gd name="connsiteX2" fmla="*/ 1045255 w 1950826"/>
+              <a:gd name="connsiteY2" fmla="*/ 937475 h 1428730"/>
+              <a:gd name="connsiteX3" fmla="*/ 1423442 w 1950826"/>
+              <a:gd name="connsiteY3" fmla="*/ 636904 h 1428730"/>
+              <a:gd name="connsiteX4" fmla="*/ 1739333 w 1950826"/>
+              <a:gd name="connsiteY4" fmla="*/ 298726 h 1428730"/>
+              <a:gd name="connsiteX5" fmla="*/ 1950826 w 1950826"/>
+              <a:gd name="connsiteY5" fmla="*/ 0 h 1428730"/>
+              <a:gd name="connsiteX0" fmla="*/ 0 w 1950826"/>
+              <a:gd name="connsiteY0" fmla="*/ 1428730 h 1428730"/>
+              <a:gd name="connsiteX1" fmla="*/ 565985 w 1950826"/>
+              <a:gd name="connsiteY1" fmla="*/ 1198081 h 1428730"/>
+              <a:gd name="connsiteX2" fmla="*/ 1045255 w 1950826"/>
+              <a:gd name="connsiteY2" fmla="*/ 937475 h 1428730"/>
+              <a:gd name="connsiteX3" fmla="*/ 1423442 w 1950826"/>
+              <a:gd name="connsiteY3" fmla="*/ 636904 h 1428730"/>
+              <a:gd name="connsiteX4" fmla="*/ 1704393 w 1950826"/>
+              <a:gd name="connsiteY4" fmla="*/ 376826 h 1428730"/>
+              <a:gd name="connsiteX5" fmla="*/ 1950826 w 1950826"/>
+              <a:gd name="connsiteY5" fmla="*/ 0 h 1428730"/>
+              <a:gd name="connsiteX0" fmla="*/ 0 w 1950826"/>
+              <a:gd name="connsiteY0" fmla="*/ 1428730 h 1428730"/>
+              <a:gd name="connsiteX1" fmla="*/ 565985 w 1950826"/>
+              <a:gd name="connsiteY1" fmla="*/ 1198081 h 1428730"/>
+              <a:gd name="connsiteX2" fmla="*/ 1045255 w 1950826"/>
+              <a:gd name="connsiteY2" fmla="*/ 937475 h 1428730"/>
+              <a:gd name="connsiteX3" fmla="*/ 1423442 w 1950826"/>
+              <a:gd name="connsiteY3" fmla="*/ 636904 h 1428730"/>
+              <a:gd name="connsiteX4" fmla="*/ 1704393 w 1950826"/>
+              <a:gd name="connsiteY4" fmla="*/ 376826 h 1428730"/>
+              <a:gd name="connsiteX5" fmla="*/ 1950826 w 1950826"/>
+              <a:gd name="connsiteY5" fmla="*/ 0 h 1428730"/>
+              <a:gd name="connsiteX0" fmla="*/ 0 w 1950826"/>
+              <a:gd name="connsiteY0" fmla="*/ 1428730 h 1428730"/>
+              <a:gd name="connsiteX1" fmla="*/ 565985 w 1950826"/>
+              <a:gd name="connsiteY1" fmla="*/ 1198081 h 1428730"/>
+              <a:gd name="connsiteX2" fmla="*/ 1045255 w 1950826"/>
+              <a:gd name="connsiteY2" fmla="*/ 937475 h 1428730"/>
+              <a:gd name="connsiteX3" fmla="*/ 1423442 w 1950826"/>
+              <a:gd name="connsiteY3" fmla="*/ 636904 h 1428730"/>
+              <a:gd name="connsiteX4" fmla="*/ 1704393 w 1950826"/>
+              <a:gd name="connsiteY4" fmla="*/ 376826 h 1428730"/>
+              <a:gd name="connsiteX5" fmla="*/ 1950826 w 1950826"/>
+              <a:gd name="connsiteY5" fmla="*/ 0 h 1428730"/>
+              <a:gd name="connsiteX0" fmla="*/ 0 w 1950826"/>
+              <a:gd name="connsiteY0" fmla="*/ 1428730 h 1428730"/>
+              <a:gd name="connsiteX1" fmla="*/ 565985 w 1950826"/>
+              <a:gd name="connsiteY1" fmla="*/ 1198081 h 1428730"/>
+              <a:gd name="connsiteX2" fmla="*/ 1045255 w 1950826"/>
+              <a:gd name="connsiteY2" fmla="*/ 937475 h 1428730"/>
+              <a:gd name="connsiteX3" fmla="*/ 1423442 w 1950826"/>
+              <a:gd name="connsiteY3" fmla="*/ 636904 h 1428730"/>
+              <a:gd name="connsiteX4" fmla="*/ 1704393 w 1950826"/>
+              <a:gd name="connsiteY4" fmla="*/ 376826 h 1428730"/>
+              <a:gd name="connsiteX5" fmla="*/ 1950826 w 1950826"/>
+              <a:gd name="connsiteY5" fmla="*/ 0 h 1428730"/>
+              <a:gd name="connsiteX0" fmla="*/ 0 w 1950826"/>
+              <a:gd name="connsiteY0" fmla="*/ 1428730 h 1428730"/>
+              <a:gd name="connsiteX1" fmla="*/ 565985 w 1950826"/>
+              <a:gd name="connsiteY1" fmla="*/ 1198081 h 1428730"/>
+              <a:gd name="connsiteX2" fmla="*/ 1045255 w 1950826"/>
+              <a:gd name="connsiteY2" fmla="*/ 937475 h 1428730"/>
+              <a:gd name="connsiteX3" fmla="*/ 1423442 w 1950826"/>
+              <a:gd name="connsiteY3" fmla="*/ 636904 h 1428730"/>
+              <a:gd name="connsiteX4" fmla="*/ 1686923 w 1950826"/>
+              <a:gd name="connsiteY4" fmla="*/ 411537 h 1428730"/>
+              <a:gd name="connsiteX5" fmla="*/ 1950826 w 1950826"/>
+              <a:gd name="connsiteY5" fmla="*/ 0 h 1428730"/>
+              <a:gd name="connsiteX0" fmla="*/ 0 w 1950826"/>
+              <a:gd name="connsiteY0" fmla="*/ 1428730 h 1428730"/>
+              <a:gd name="connsiteX1" fmla="*/ 565985 w 1950826"/>
+              <a:gd name="connsiteY1" fmla="*/ 1198081 h 1428730"/>
+              <a:gd name="connsiteX2" fmla="*/ 1045255 w 1950826"/>
+              <a:gd name="connsiteY2" fmla="*/ 937475 h 1428730"/>
+              <a:gd name="connsiteX3" fmla="*/ 1382678 w 1950826"/>
+              <a:gd name="connsiteY3" fmla="*/ 758393 h 1428730"/>
+              <a:gd name="connsiteX4" fmla="*/ 1686923 w 1950826"/>
+              <a:gd name="connsiteY4" fmla="*/ 411537 h 1428730"/>
+              <a:gd name="connsiteX5" fmla="*/ 1950826 w 1950826"/>
+              <a:gd name="connsiteY5" fmla="*/ 0 h 1428730"/>
+              <a:gd name="connsiteX0" fmla="*/ 0 w 1950826"/>
+              <a:gd name="connsiteY0" fmla="*/ 1428730 h 1428730"/>
+              <a:gd name="connsiteX1" fmla="*/ 565985 w 1950826"/>
+              <a:gd name="connsiteY1" fmla="*/ 1198081 h 1428730"/>
+              <a:gd name="connsiteX2" fmla="*/ 1004491 w 1950826"/>
+              <a:gd name="connsiteY2" fmla="*/ 998219 h 1428730"/>
+              <a:gd name="connsiteX3" fmla="*/ 1382678 w 1950826"/>
+              <a:gd name="connsiteY3" fmla="*/ 758393 h 1428730"/>
+              <a:gd name="connsiteX4" fmla="*/ 1686923 w 1950826"/>
+              <a:gd name="connsiteY4" fmla="*/ 411537 h 1428730"/>
+              <a:gd name="connsiteX5" fmla="*/ 1950826 w 1950826"/>
+              <a:gd name="connsiteY5" fmla="*/ 0 h 1428730"/>
+              <a:gd name="connsiteX0" fmla="*/ 0 w 1950826"/>
+              <a:gd name="connsiteY0" fmla="*/ 1428730 h 1428730"/>
+              <a:gd name="connsiteX1" fmla="*/ 647512 w 1950826"/>
+              <a:gd name="connsiteY1" fmla="*/ 1193742 h 1428730"/>
+              <a:gd name="connsiteX2" fmla="*/ 1004491 w 1950826"/>
+              <a:gd name="connsiteY2" fmla="*/ 998219 h 1428730"/>
+              <a:gd name="connsiteX3" fmla="*/ 1382678 w 1950826"/>
+              <a:gd name="connsiteY3" fmla="*/ 758393 h 1428730"/>
+              <a:gd name="connsiteX4" fmla="*/ 1686923 w 1950826"/>
+              <a:gd name="connsiteY4" fmla="*/ 411537 h 1428730"/>
+              <a:gd name="connsiteX5" fmla="*/ 1950826 w 1950826"/>
+              <a:gd name="connsiteY5" fmla="*/ 0 h 1428730"/>
+              <a:gd name="connsiteX0" fmla="*/ 0 w 1950826"/>
+              <a:gd name="connsiteY0" fmla="*/ 1428730 h 1428730"/>
+              <a:gd name="connsiteX1" fmla="*/ 647512 w 1950826"/>
+              <a:gd name="connsiteY1" fmla="*/ 1193742 h 1428730"/>
+              <a:gd name="connsiteX2" fmla="*/ 1004491 w 1950826"/>
+              <a:gd name="connsiteY2" fmla="*/ 998219 h 1428730"/>
+              <a:gd name="connsiteX3" fmla="*/ 1382678 w 1950826"/>
+              <a:gd name="connsiteY3" fmla="*/ 758393 h 1428730"/>
+              <a:gd name="connsiteX4" fmla="*/ 1698570 w 1950826"/>
+              <a:gd name="connsiteY4" fmla="*/ 441909 h 1428730"/>
+              <a:gd name="connsiteX5" fmla="*/ 1950826 w 1950826"/>
+              <a:gd name="connsiteY5" fmla="*/ 0 h 1428730"/>
+              <a:gd name="connsiteX0" fmla="*/ 0 w 1950826"/>
+              <a:gd name="connsiteY0" fmla="*/ 1428730 h 1428730"/>
+              <a:gd name="connsiteX1" fmla="*/ 647512 w 1950826"/>
+              <a:gd name="connsiteY1" fmla="*/ 1193742 h 1428730"/>
+              <a:gd name="connsiteX2" fmla="*/ 1004491 w 1950826"/>
+              <a:gd name="connsiteY2" fmla="*/ 1024253 h 1428730"/>
+              <a:gd name="connsiteX3" fmla="*/ 1382678 w 1950826"/>
+              <a:gd name="connsiteY3" fmla="*/ 758393 h 1428730"/>
+              <a:gd name="connsiteX4" fmla="*/ 1698570 w 1950826"/>
+              <a:gd name="connsiteY4" fmla="*/ 441909 h 1428730"/>
+              <a:gd name="connsiteX5" fmla="*/ 1950826 w 1950826"/>
+              <a:gd name="connsiteY5" fmla="*/ 0 h 1428730"/>
+              <a:gd name="connsiteX0" fmla="*/ 0 w 1962473"/>
+              <a:gd name="connsiteY0" fmla="*/ 1341953 h 1341953"/>
+              <a:gd name="connsiteX1" fmla="*/ 647512 w 1962473"/>
+              <a:gd name="connsiteY1" fmla="*/ 1106965 h 1341953"/>
+              <a:gd name="connsiteX2" fmla="*/ 1004491 w 1962473"/>
+              <a:gd name="connsiteY2" fmla="*/ 937476 h 1341953"/>
+              <a:gd name="connsiteX3" fmla="*/ 1382678 w 1962473"/>
+              <a:gd name="connsiteY3" fmla="*/ 671616 h 1341953"/>
+              <a:gd name="connsiteX4" fmla="*/ 1698570 w 1962473"/>
+              <a:gd name="connsiteY4" fmla="*/ 355132 h 1341953"/>
+              <a:gd name="connsiteX5" fmla="*/ 1962473 w 1962473"/>
+              <a:gd name="connsiteY5" fmla="*/ 0 h 1341953"/>
+              <a:gd name="connsiteX0" fmla="*/ 0 w 1962473"/>
+              <a:gd name="connsiteY0" fmla="*/ 1341953 h 1341953"/>
+              <a:gd name="connsiteX1" fmla="*/ 647512 w 1962473"/>
+              <a:gd name="connsiteY1" fmla="*/ 1106965 h 1341953"/>
+              <a:gd name="connsiteX2" fmla="*/ 1004491 w 1962473"/>
+              <a:gd name="connsiteY2" fmla="*/ 937476 h 1341953"/>
+              <a:gd name="connsiteX3" fmla="*/ 1382678 w 1962473"/>
+              <a:gd name="connsiteY3" fmla="*/ 671616 h 1341953"/>
+              <a:gd name="connsiteX4" fmla="*/ 1698570 w 1962473"/>
+              <a:gd name="connsiteY4" fmla="*/ 355132 h 1341953"/>
+              <a:gd name="connsiteX5" fmla="*/ 1962473 w 1962473"/>
+              <a:gd name="connsiteY5" fmla="*/ 0 h 1341953"/>
+              <a:gd name="connsiteX0" fmla="*/ 0 w 1962473"/>
+              <a:gd name="connsiteY0" fmla="*/ 1341953 h 1341953"/>
+              <a:gd name="connsiteX1" fmla="*/ 647512 w 1962473"/>
+              <a:gd name="connsiteY1" fmla="*/ 1106965 h 1341953"/>
+              <a:gd name="connsiteX2" fmla="*/ 1004491 w 1962473"/>
+              <a:gd name="connsiteY2" fmla="*/ 937476 h 1341953"/>
+              <a:gd name="connsiteX3" fmla="*/ 1382678 w 1962473"/>
+              <a:gd name="connsiteY3" fmla="*/ 671616 h 1341953"/>
+              <a:gd name="connsiteX4" fmla="*/ 1698570 w 1962473"/>
+              <a:gd name="connsiteY4" fmla="*/ 355132 h 1341953"/>
+              <a:gd name="connsiteX5" fmla="*/ 1962473 w 1962473"/>
+              <a:gd name="connsiteY5" fmla="*/ 0 h 1341953"/>
+              <a:gd name="connsiteX0" fmla="*/ 0 w 1962473"/>
+              <a:gd name="connsiteY0" fmla="*/ 1341953 h 1341953"/>
+              <a:gd name="connsiteX1" fmla="*/ 647512 w 1962473"/>
+              <a:gd name="connsiteY1" fmla="*/ 1106965 h 1341953"/>
+              <a:gd name="connsiteX2" fmla="*/ 1004491 w 1962473"/>
+              <a:gd name="connsiteY2" fmla="*/ 937476 h 1341953"/>
+              <a:gd name="connsiteX3" fmla="*/ 1359385 w 1962473"/>
+              <a:gd name="connsiteY3" fmla="*/ 654261 h 1341953"/>
+              <a:gd name="connsiteX4" fmla="*/ 1698570 w 1962473"/>
+              <a:gd name="connsiteY4" fmla="*/ 355132 h 1341953"/>
+              <a:gd name="connsiteX5" fmla="*/ 1962473 w 1962473"/>
+              <a:gd name="connsiteY5" fmla="*/ 0 h 1341953"/>
+              <a:gd name="connsiteX0" fmla="*/ 0 w 1962473"/>
+              <a:gd name="connsiteY0" fmla="*/ 1341953 h 1341953"/>
+              <a:gd name="connsiteX1" fmla="*/ 647512 w 1962473"/>
+              <a:gd name="connsiteY1" fmla="*/ 1106965 h 1341953"/>
+              <a:gd name="connsiteX2" fmla="*/ 975374 w 1962473"/>
+              <a:gd name="connsiteY2" fmla="*/ 911442 h 1341953"/>
+              <a:gd name="connsiteX3" fmla="*/ 1359385 w 1962473"/>
+              <a:gd name="connsiteY3" fmla="*/ 654261 h 1341953"/>
+              <a:gd name="connsiteX4" fmla="*/ 1698570 w 1962473"/>
+              <a:gd name="connsiteY4" fmla="*/ 355132 h 1341953"/>
+              <a:gd name="connsiteX5" fmla="*/ 1962473 w 1962473"/>
+              <a:gd name="connsiteY5" fmla="*/ 0 h 1341953"/>
+              <a:gd name="connsiteX0" fmla="*/ 0 w 1962473"/>
+              <a:gd name="connsiteY0" fmla="*/ 1341953 h 1341953"/>
+              <a:gd name="connsiteX1" fmla="*/ 618395 w 1962473"/>
+              <a:gd name="connsiteY1" fmla="*/ 1080932 h 1341953"/>
+              <a:gd name="connsiteX2" fmla="*/ 975374 w 1962473"/>
+              <a:gd name="connsiteY2" fmla="*/ 911442 h 1341953"/>
+              <a:gd name="connsiteX3" fmla="*/ 1359385 w 1962473"/>
+              <a:gd name="connsiteY3" fmla="*/ 654261 h 1341953"/>
+              <a:gd name="connsiteX4" fmla="*/ 1698570 w 1962473"/>
+              <a:gd name="connsiteY4" fmla="*/ 355132 h 1341953"/>
+              <a:gd name="connsiteX5" fmla="*/ 1962473 w 1962473"/>
+              <a:gd name="connsiteY5" fmla="*/ 0 h 1341953"/>
+              <a:gd name="connsiteX0" fmla="*/ 0 w 1956649"/>
+              <a:gd name="connsiteY0" fmla="*/ 1298564 h 1298564"/>
+              <a:gd name="connsiteX1" fmla="*/ 612571 w 1956649"/>
+              <a:gd name="connsiteY1" fmla="*/ 1080932 h 1298564"/>
+              <a:gd name="connsiteX2" fmla="*/ 969550 w 1956649"/>
+              <a:gd name="connsiteY2" fmla="*/ 911442 h 1298564"/>
+              <a:gd name="connsiteX3" fmla="*/ 1353561 w 1956649"/>
+              <a:gd name="connsiteY3" fmla="*/ 654261 h 1298564"/>
+              <a:gd name="connsiteX4" fmla="*/ 1692746 w 1956649"/>
+              <a:gd name="connsiteY4" fmla="*/ 355132 h 1298564"/>
+              <a:gd name="connsiteX5" fmla="*/ 1956649 w 1956649"/>
+              <a:gd name="connsiteY5" fmla="*/ 0 h 1298564"/>
+              <a:gd name="connsiteX0" fmla="*/ 0 w 1956649"/>
+              <a:gd name="connsiteY0" fmla="*/ 1298564 h 1298564"/>
+              <a:gd name="connsiteX1" fmla="*/ 612571 w 1956649"/>
+              <a:gd name="connsiteY1" fmla="*/ 1080932 h 1298564"/>
+              <a:gd name="connsiteX2" fmla="*/ 969550 w 1956649"/>
+              <a:gd name="connsiteY2" fmla="*/ 911442 h 1298564"/>
+              <a:gd name="connsiteX3" fmla="*/ 1353561 w 1956649"/>
+              <a:gd name="connsiteY3" fmla="*/ 654261 h 1298564"/>
+              <a:gd name="connsiteX4" fmla="*/ 1692746 w 1956649"/>
+              <a:gd name="connsiteY4" fmla="*/ 355132 h 1298564"/>
+              <a:gd name="connsiteX5" fmla="*/ 1956649 w 1956649"/>
+              <a:gd name="connsiteY5" fmla="*/ 0 h 1298564"/>
+              <a:gd name="connsiteX0" fmla="*/ 0 w 1956649"/>
+              <a:gd name="connsiteY0" fmla="*/ 1298564 h 1298564"/>
+              <a:gd name="connsiteX1" fmla="*/ 612571 w 1956649"/>
+              <a:gd name="connsiteY1" fmla="*/ 1080932 h 1298564"/>
+              <a:gd name="connsiteX2" fmla="*/ 969550 w 1956649"/>
+              <a:gd name="connsiteY2" fmla="*/ 911442 h 1298564"/>
+              <a:gd name="connsiteX3" fmla="*/ 1285346 w 1956649"/>
+              <a:gd name="connsiteY3" fmla="*/ 633366 h 1298564"/>
+              <a:gd name="connsiteX4" fmla="*/ 1692746 w 1956649"/>
+              <a:gd name="connsiteY4" fmla="*/ 355132 h 1298564"/>
+              <a:gd name="connsiteX5" fmla="*/ 1956649 w 1956649"/>
+              <a:gd name="connsiteY5" fmla="*/ 0 h 1298564"/>
+              <a:gd name="connsiteX0" fmla="*/ 0 w 1956649"/>
+              <a:gd name="connsiteY0" fmla="*/ 1298564 h 1298564"/>
+              <a:gd name="connsiteX1" fmla="*/ 612571 w 1956649"/>
+              <a:gd name="connsiteY1" fmla="*/ 1080932 h 1298564"/>
+              <a:gd name="connsiteX2" fmla="*/ 969550 w 1956649"/>
+              <a:gd name="connsiteY2" fmla="*/ 911442 h 1298564"/>
+              <a:gd name="connsiteX3" fmla="*/ 1285346 w 1956649"/>
+              <a:gd name="connsiteY3" fmla="*/ 633366 h 1298564"/>
+              <a:gd name="connsiteX4" fmla="*/ 1673256 w 1956649"/>
+              <a:gd name="connsiteY4" fmla="*/ 369062 h 1298564"/>
+              <a:gd name="connsiteX5" fmla="*/ 1956649 w 1956649"/>
+              <a:gd name="connsiteY5" fmla="*/ 0 h 1298564"/>
+              <a:gd name="connsiteX0" fmla="*/ 0 w 1956649"/>
+              <a:gd name="connsiteY0" fmla="*/ 1298564 h 1298564"/>
+              <a:gd name="connsiteX1" fmla="*/ 612571 w 1956649"/>
+              <a:gd name="connsiteY1" fmla="*/ 1080932 h 1298564"/>
+              <a:gd name="connsiteX2" fmla="*/ 1285346 w 1956649"/>
+              <a:gd name="connsiteY2" fmla="*/ 633366 h 1298564"/>
+              <a:gd name="connsiteX3" fmla="*/ 1673256 w 1956649"/>
+              <a:gd name="connsiteY3" fmla="*/ 369062 h 1298564"/>
+              <a:gd name="connsiteX4" fmla="*/ 1956649 w 1956649"/>
+              <a:gd name="connsiteY4" fmla="*/ 0 h 1298564"/>
+              <a:gd name="connsiteX0" fmla="*/ 0 w 1956649"/>
+              <a:gd name="connsiteY0" fmla="*/ 1298564 h 1298564"/>
+              <a:gd name="connsiteX1" fmla="*/ 690532 w 1956649"/>
+              <a:gd name="connsiteY1" fmla="*/ 969493 h 1298564"/>
+              <a:gd name="connsiteX2" fmla="*/ 1285346 w 1956649"/>
+              <a:gd name="connsiteY2" fmla="*/ 633366 h 1298564"/>
+              <a:gd name="connsiteX3" fmla="*/ 1673256 w 1956649"/>
+              <a:gd name="connsiteY3" fmla="*/ 369062 h 1298564"/>
+              <a:gd name="connsiteX4" fmla="*/ 1956649 w 1956649"/>
+              <a:gd name="connsiteY4" fmla="*/ 0 h 1298564"/>
+              <a:gd name="connsiteX0" fmla="*/ 0 w 1956649"/>
+              <a:gd name="connsiteY0" fmla="*/ 1298564 h 1298564"/>
+              <a:gd name="connsiteX1" fmla="*/ 690532 w 1956649"/>
+              <a:gd name="connsiteY1" fmla="*/ 969493 h 1298564"/>
+              <a:gd name="connsiteX2" fmla="*/ 1275601 w 1956649"/>
+              <a:gd name="connsiteY2" fmla="*/ 668191 h 1298564"/>
+              <a:gd name="connsiteX3" fmla="*/ 1673256 w 1956649"/>
+              <a:gd name="connsiteY3" fmla="*/ 369062 h 1298564"/>
+              <a:gd name="connsiteX4" fmla="*/ 1956649 w 1956649"/>
+              <a:gd name="connsiteY4" fmla="*/ 0 h 1298564"/>
+              <a:gd name="connsiteX0" fmla="*/ 0 w 1956649"/>
+              <a:gd name="connsiteY0" fmla="*/ 1298564 h 1298564"/>
+              <a:gd name="connsiteX1" fmla="*/ 690532 w 1956649"/>
+              <a:gd name="connsiteY1" fmla="*/ 969493 h 1298564"/>
+              <a:gd name="connsiteX2" fmla="*/ 1275601 w 1956649"/>
+              <a:gd name="connsiteY2" fmla="*/ 668191 h 1298564"/>
+              <a:gd name="connsiteX3" fmla="*/ 1644020 w 1956649"/>
+              <a:gd name="connsiteY3" fmla="*/ 382992 h 1298564"/>
+              <a:gd name="connsiteX4" fmla="*/ 1956649 w 1956649"/>
+              <a:gd name="connsiteY4" fmla="*/ 0 h 1298564"/>
+              <a:gd name="connsiteX0" fmla="*/ 0 w 1956649"/>
+              <a:gd name="connsiteY0" fmla="*/ 1298564 h 1298564"/>
+              <a:gd name="connsiteX1" fmla="*/ 710022 w 1956649"/>
+              <a:gd name="connsiteY1" fmla="*/ 997353 h 1298564"/>
+              <a:gd name="connsiteX2" fmla="*/ 1275601 w 1956649"/>
+              <a:gd name="connsiteY2" fmla="*/ 668191 h 1298564"/>
+              <a:gd name="connsiteX3" fmla="*/ 1644020 w 1956649"/>
+              <a:gd name="connsiteY3" fmla="*/ 382992 h 1298564"/>
+              <a:gd name="connsiteX4" fmla="*/ 1956649 w 1956649"/>
+              <a:gd name="connsiteY4" fmla="*/ 0 h 1298564"/>
+            </a:gdLst>
+            <a:ahLst/>
+            <a:cxnLst>
+              <a:cxn ang="0">
+                <a:pos x="connsiteX0" y="connsiteY0"/>
+              </a:cxn>
+              <a:cxn ang="0">
+                <a:pos x="connsiteX1" y="connsiteY1"/>
+              </a:cxn>
+              <a:cxn ang="0">
+                <a:pos x="connsiteX2" y="connsiteY2"/>
+              </a:cxn>
+              <a:cxn ang="0">
+                <a:pos x="connsiteX3" y="connsiteY3"/>
+              </a:cxn>
+              <a:cxn ang="0">
+                <a:pos x="connsiteX4" y="connsiteY4"/>
+              </a:cxn>
+            </a:cxnLst>
+            <a:rect l="l" t="t" r="r" b="b"/>
+            <a:pathLst>
+              <a:path w="1956649" h="1298564">
+                <a:moveTo>
+                  <a:pt x="0" y="1298564"/>
+                </a:moveTo>
+                <a:cubicBezTo>
+                  <a:pt x="167645" y="1251358"/>
+                  <a:pt x="497422" y="1102415"/>
+                  <a:pt x="710022" y="997353"/>
+                </a:cubicBezTo>
+                <a:cubicBezTo>
+                  <a:pt x="922622" y="892291"/>
+                  <a:pt x="1119935" y="770584"/>
+                  <a:pt x="1275601" y="668191"/>
+                </a:cubicBezTo>
+                <a:cubicBezTo>
+                  <a:pt x="1431267" y="565798"/>
+                  <a:pt x="1530512" y="494357"/>
+                  <a:pt x="1644020" y="382992"/>
+                </a:cubicBezTo>
+                <a:cubicBezTo>
+                  <a:pt x="1757528" y="271627"/>
+                  <a:pt x="1851845" y="165788"/>
+                  <a:pt x="1956649" y="0"/>
+                </a:cubicBezTo>
+              </a:path>
+            </a:pathLst>
+          </a:custGeom>
+          <a:ln w="22225">
+            <a:solidFill>
+              <a:schemeClr val="accent2"/>
+            </a:solidFill>
+            <a:prstDash val="solid"/>
+            <a:headEnd type="none" w="med" len="med"/>
+            <a:tailEnd type="arrow" w="lg" len="lg"/>
+          </a:ln>
+        </p:spPr>
+        <p:style>
+          <a:lnRef idx="1">
+            <a:schemeClr val="dk1"/>
+          </a:lnRef>
+          <a:fillRef idx="0">
+            <a:schemeClr val="dk1"/>
+          </a:fillRef>
+          <a:effectRef idx="0">
+            <a:schemeClr val="dk1"/>
+          </a:effectRef>
+          <a:fontRef idx="minor">
+            <a:schemeClr val="tx1"/>
+          </a:fontRef>
+        </p:style>
+        <p:txBody>
+          <a:bodyPr rtlCol="0" anchor="ctr"/>
+          <a:lstStyle/>
+          <a:p>
+            <a:pPr algn="ctr"/>
+            <a:endParaRPr kumimoji="1" lang="ja-JP" altLang="en-US"/>
+          </a:p>
+        </p:txBody>
+      </p:sp>
+    </p:spTree>
+    <p:extLst>
+      <p:ext uri="{BB962C8B-B14F-4D97-AF65-F5344CB8AC3E}">
+        <p14:creationId xmlns:p14="http://schemas.microsoft.com/office/powerpoint/2010/main" val="2411666660"/>
+      </p:ext>
+    </p:extLst>
+  </p:cSld>
+  <p:clrMapOvr>
+    <a:masterClrMapping/>
+  </p:clrMapOvr>
+</p:sld>
+</file>
+
+<file path=ppt/slides/slide4.xml><?xml version="1.0" encoding="utf-8"?>
+<p:sld xmlns:a="http://schemas.openxmlformats.org/drawingml/2006/main" xmlns:r="http://schemas.openxmlformats.org/officeDocument/2006/relationships" xmlns:p="http://schemas.openxmlformats.org/presentationml/2006/main">
+  <p:cSld>
+    <p:spTree>
+      <p:nvGrpSpPr>
+        <p:cNvPr id="1" name=""/>
+        <p:cNvGrpSpPr/>
+        <p:nvPr/>
+      </p:nvGrpSpPr>
+      <p:grpSpPr>
+        <a:xfrm>
+          <a:off x="0" y="0"/>
+          <a:ext cx="0" cy="0"/>
+          <a:chOff x="0" y="0"/>
+          <a:chExt cx="0" cy="0"/>
+        </a:xfrm>
+      </p:grpSpPr>
+      <p:sp>
+        <p:nvSpPr>
+          <p:cNvPr id="12" name="テキスト ボックス 11"/>
+          <p:cNvSpPr txBox="1"/>
+          <p:nvPr/>
+        </p:nvSpPr>
+        <p:spPr>
+          <a:xfrm>
+            <a:off x="1127031" y="3946237"/>
+            <a:ext cx="2091508" cy="646331"/>
+          </a:xfrm>
+          <a:prstGeom prst="rect">
+            <a:avLst/>
+          </a:prstGeom>
+          <a:noFill/>
+        </p:spPr>
+        <p:txBody>
+          <a:bodyPr wrap="square" rtlCol="0">
+            <a:spAutoFit/>
+          </a:bodyPr>
+          <a:lstStyle/>
+          <a:p>
+            <a:r>
+              <a:rPr kumimoji="1" lang="en-US" altLang="ja-JP" dirty="0"/>
+              <a:t>Constant Pressure Heat Addition</a:t>
+            </a:r>
+            <a:endParaRPr kumimoji="1" lang="ja-JP" altLang="en-US" dirty="0"/>
+          </a:p>
+        </p:txBody>
+      </p:sp>
+      <p:sp>
+        <p:nvSpPr>
+          <p:cNvPr id="17" name="矢印: 右 16"/>
+          <p:cNvSpPr/>
+          <p:nvPr/>
+        </p:nvSpPr>
+        <p:spPr>
+          <a:xfrm rot="3011261">
+            <a:off x="2656116" y="3402197"/>
+            <a:ext cx="1217751" cy="376161"/>
+          </a:xfrm>
+          <a:prstGeom prst="rightArrow">
+            <a:avLst>
+              <a:gd name="adj1" fmla="val 41818"/>
+              <a:gd name="adj2" fmla="val 91666"/>
+            </a:avLst>
+          </a:prstGeom>
+          <a:solidFill>
+            <a:schemeClr val="accent2"/>
+          </a:solidFill>
+          <a:ln>
+            <a:solidFill>
+              <a:schemeClr val="accent2"/>
+            </a:solidFill>
+          </a:ln>
+        </p:spPr>
+        <p:style>
+          <a:lnRef idx="1">
+            <a:schemeClr val="accent1"/>
+          </a:lnRef>
+          <a:fillRef idx="3">
+            <a:schemeClr val="accent1"/>
+          </a:fillRef>
+          <a:effectRef idx="2">
+            <a:schemeClr val="accent1"/>
+          </a:effectRef>
+          <a:fontRef idx="minor">
+            <a:schemeClr val="lt1"/>
+          </a:fontRef>
+        </p:style>
+        <p:txBody>
+          <a:bodyPr rtlCol="0" anchor="ctr"/>
+          <a:lstStyle/>
+          <a:p>
+            <a:pPr algn="ctr"/>
+            <a:endParaRPr kumimoji="1" lang="ja-JP" altLang="en-US"/>
+          </a:p>
+        </p:txBody>
+      </p:sp>
+      <p:sp>
+        <p:nvSpPr>
+          <p:cNvPr id="19" name="テキスト ボックス 18"/>
+          <p:cNvSpPr txBox="1"/>
+          <p:nvPr/>
+        </p:nvSpPr>
+        <p:spPr>
+          <a:xfrm>
+            <a:off x="2630334" y="3323294"/>
+            <a:ext cx="552579" cy="369332"/>
+          </a:xfrm>
+          <a:prstGeom prst="rect">
+            <a:avLst/>
+          </a:prstGeom>
+          <a:noFill/>
+        </p:spPr>
+        <p:txBody>
+          <a:bodyPr wrap="square" rtlCol="0">
+            <a:spAutoFit/>
+          </a:bodyPr>
+          <a:lstStyle/>
+          <a:p>
+            <a:r>
+              <a:rPr kumimoji="1" lang="en-US" altLang="ja-JP" dirty="0"/>
+              <a:t>Q</a:t>
+            </a:r>
+            <a:endParaRPr kumimoji="1" lang="ja-JP" altLang="en-US" dirty="0"/>
+          </a:p>
+        </p:txBody>
+      </p:sp>
+      <p:cxnSp>
+        <p:nvCxnSpPr>
+          <p:cNvPr id="26" name="直線コネクタ 25"/>
+          <p:cNvCxnSpPr/>
+          <p:nvPr/>
+        </p:nvCxnSpPr>
+        <p:spPr>
+          <a:xfrm flipV="1">
+            <a:off x="619737" y="1236617"/>
+            <a:ext cx="0" cy="5492156"/>
+          </a:xfrm>
+          <a:prstGeom prst="line">
+            <a:avLst/>
+          </a:prstGeom>
+          <a:ln w="19050">
+            <a:headEnd type="none" w="med" len="med"/>
+            <a:tailEnd type="arrow" w="med" len="med"/>
+          </a:ln>
+        </p:spPr>
+        <p:style>
+          <a:lnRef idx="1">
+            <a:schemeClr val="dk1"/>
+          </a:lnRef>
+          <a:fillRef idx="0">
+            <a:schemeClr val="dk1"/>
+          </a:fillRef>
+          <a:effectRef idx="0">
+            <a:schemeClr val="dk1"/>
+          </a:effectRef>
+          <a:fontRef idx="minor">
+            <a:schemeClr val="tx1"/>
+          </a:fontRef>
+        </p:style>
+      </p:cxnSp>
+      <p:sp>
+        <p:nvSpPr>
+          <p:cNvPr id="29" name="テキスト ボックス 28"/>
+          <p:cNvSpPr txBox="1"/>
+          <p:nvPr/>
+        </p:nvSpPr>
+        <p:spPr>
+          <a:xfrm>
+            <a:off x="249028" y="1544707"/>
+            <a:ext cx="552579" cy="369332"/>
+          </a:xfrm>
+          <a:prstGeom prst="rect">
+            <a:avLst/>
+          </a:prstGeom>
+          <a:noFill/>
+        </p:spPr>
+        <p:txBody>
+          <a:bodyPr wrap="square" rtlCol="0">
+            <a:spAutoFit/>
+          </a:bodyPr>
+          <a:lstStyle/>
+          <a:p>
+            <a:r>
+              <a:rPr lang="en-US" altLang="ja-JP" dirty="0"/>
+              <a:t>h</a:t>
+            </a:r>
+            <a:endParaRPr kumimoji="1" lang="ja-JP" altLang="en-US" dirty="0"/>
+          </a:p>
+        </p:txBody>
+      </p:sp>
+      <p:cxnSp>
+        <p:nvCxnSpPr>
+          <p:cNvPr id="30" name="直線コネクタ 29"/>
+          <p:cNvCxnSpPr/>
+          <p:nvPr/>
+        </p:nvCxnSpPr>
+        <p:spPr>
+          <a:xfrm>
+            <a:off x="619737" y="6728772"/>
+            <a:ext cx="6791257" cy="0"/>
+          </a:xfrm>
+          <a:prstGeom prst="line">
+            <a:avLst/>
+          </a:prstGeom>
+          <a:ln w="19050">
+            <a:headEnd type="none" w="med" len="med"/>
+            <a:tailEnd type="arrow" w="med" len="med"/>
+          </a:ln>
+        </p:spPr>
+        <p:style>
+          <a:lnRef idx="1">
+            <a:schemeClr val="dk1"/>
+          </a:lnRef>
+          <a:fillRef idx="0">
+            <a:schemeClr val="dk1"/>
+          </a:fillRef>
+          <a:effectRef idx="0">
+            <a:schemeClr val="dk1"/>
+          </a:effectRef>
+          <a:fontRef idx="minor">
+            <a:schemeClr val="tx1"/>
+          </a:fontRef>
+        </p:style>
+      </p:cxnSp>
+      <p:sp>
+        <p:nvSpPr>
+          <p:cNvPr id="34" name="テキスト ボックス 33"/>
+          <p:cNvSpPr txBox="1"/>
+          <p:nvPr/>
+        </p:nvSpPr>
+        <p:spPr>
+          <a:xfrm>
+            <a:off x="6684103" y="6275264"/>
+            <a:ext cx="552579" cy="369332"/>
+          </a:xfrm>
+          <a:prstGeom prst="rect">
+            <a:avLst/>
+          </a:prstGeom>
+          <a:noFill/>
+        </p:spPr>
+        <p:txBody>
+          <a:bodyPr wrap="square" rtlCol="0">
+            <a:spAutoFit/>
+          </a:bodyPr>
+          <a:lstStyle/>
+          <a:p>
+            <a:r>
+              <a:rPr kumimoji="1" lang="en-US" altLang="ja-JP" dirty="0"/>
+              <a:t>s</a:t>
+            </a:r>
+            <a:endParaRPr kumimoji="1" lang="ja-JP" altLang="en-US" dirty="0"/>
+          </a:p>
+        </p:txBody>
+      </p:sp>
+      <p:sp>
+        <p:nvSpPr>
+          <p:cNvPr id="27" name="フリーフォーム: 図形 26">
+            <a:extLst>
+              <a:ext uri="{FF2B5EF4-FFF2-40B4-BE49-F238E27FC236}">
+                <a16:creationId xmlns:a16="http://schemas.microsoft.com/office/drawing/2014/main" id="{4016A52E-7875-450B-AB38-2C9853293CDC}"/>
+              </a:ext>
+            </a:extLst>
+          </p:cNvPr>
+          <p:cNvSpPr/>
+          <p:nvPr/>
+        </p:nvSpPr>
+        <p:spPr>
+          <a:xfrm>
+            <a:off x="2246803" y="1976853"/>
+            <a:ext cx="2865120" cy="3163702"/>
+          </a:xfrm>
+          <a:custGeom>
+            <a:avLst/>
+            <a:gdLst>
+              <a:gd name="connsiteX0" fmla="*/ 0 w 1915886"/>
+              <a:gd name="connsiteY0" fmla="*/ 1576251 h 1576251"/>
+              <a:gd name="connsiteX1" fmla="*/ 539932 w 1915886"/>
+              <a:gd name="connsiteY1" fmla="*/ 1471748 h 1576251"/>
+              <a:gd name="connsiteX2" fmla="*/ 1210492 w 1915886"/>
+              <a:gd name="connsiteY2" fmla="*/ 1140823 h 1576251"/>
+              <a:gd name="connsiteX3" fmla="*/ 1672046 w 1915886"/>
+              <a:gd name="connsiteY3" fmla="*/ 670560 h 1576251"/>
+              <a:gd name="connsiteX4" fmla="*/ 1863634 w 1915886"/>
+              <a:gd name="connsiteY4" fmla="*/ 217714 h 1576251"/>
+              <a:gd name="connsiteX5" fmla="*/ 1915886 w 1915886"/>
+              <a:gd name="connsiteY5" fmla="*/ 0 h 1576251"/>
+              <a:gd name="connsiteX0-1" fmla="*/ 0 w 1915886"/>
+              <a:gd name="connsiteY0-2" fmla="*/ 1576251 h 1576251"/>
+              <a:gd name="connsiteX1-3" fmla="*/ 559285 w 1915886"/>
+              <a:gd name="connsiteY1-4" fmla="*/ 1402080 h 1576251"/>
+              <a:gd name="connsiteX2-5" fmla="*/ 1210492 w 1915886"/>
+              <a:gd name="connsiteY2-6" fmla="*/ 1140823 h 1576251"/>
+              <a:gd name="connsiteX3-7" fmla="*/ 1672046 w 1915886"/>
+              <a:gd name="connsiteY3-8" fmla="*/ 670560 h 1576251"/>
+              <a:gd name="connsiteX4-9" fmla="*/ 1863634 w 1915886"/>
+              <a:gd name="connsiteY4-10" fmla="*/ 217714 h 1576251"/>
+              <a:gd name="connsiteX5-11" fmla="*/ 1915886 w 1915886"/>
+              <a:gd name="connsiteY5-12" fmla="*/ 0 h 1576251"/>
+              <a:gd name="connsiteX0-13" fmla="*/ 0 w 1915886"/>
+              <a:gd name="connsiteY0-14" fmla="*/ 1576251 h 1576251"/>
+              <a:gd name="connsiteX1-15" fmla="*/ 559285 w 1915886"/>
+              <a:gd name="connsiteY1-16" fmla="*/ 1402080 h 1576251"/>
+              <a:gd name="connsiteX2-17" fmla="*/ 1152436 w 1915886"/>
+              <a:gd name="connsiteY2-18" fmla="*/ 1079863 h 1576251"/>
+              <a:gd name="connsiteX3-19" fmla="*/ 1672046 w 1915886"/>
+              <a:gd name="connsiteY3-20" fmla="*/ 670560 h 1576251"/>
+              <a:gd name="connsiteX4-21" fmla="*/ 1863634 w 1915886"/>
+              <a:gd name="connsiteY4-22" fmla="*/ 217714 h 1576251"/>
+              <a:gd name="connsiteX5-23" fmla="*/ 1915886 w 1915886"/>
+              <a:gd name="connsiteY5-24" fmla="*/ 0 h 1576251"/>
+              <a:gd name="connsiteX0-25" fmla="*/ 0 w 1915886"/>
+              <a:gd name="connsiteY0-26" fmla="*/ 1576251 h 1576251"/>
+              <a:gd name="connsiteX1-27" fmla="*/ 559285 w 1915886"/>
+              <a:gd name="connsiteY1-28" fmla="*/ 1402080 h 1576251"/>
+              <a:gd name="connsiteX2-29" fmla="*/ 1152436 w 1915886"/>
+              <a:gd name="connsiteY2-30" fmla="*/ 1079863 h 1576251"/>
+              <a:gd name="connsiteX3-31" fmla="*/ 1555931 w 1915886"/>
+              <a:gd name="connsiteY3-32" fmla="*/ 687977 h 1576251"/>
+              <a:gd name="connsiteX4-33" fmla="*/ 1863634 w 1915886"/>
+              <a:gd name="connsiteY4-34" fmla="*/ 217714 h 1576251"/>
+              <a:gd name="connsiteX5-35" fmla="*/ 1915886 w 1915886"/>
+              <a:gd name="connsiteY5-36" fmla="*/ 0 h 1576251"/>
+              <a:gd name="connsiteX0-37" fmla="*/ 0 w 1915886"/>
+              <a:gd name="connsiteY0-38" fmla="*/ 1576251 h 1576251"/>
+              <a:gd name="connsiteX1-39" fmla="*/ 559285 w 1915886"/>
+              <a:gd name="connsiteY1-40" fmla="*/ 1402080 h 1576251"/>
+              <a:gd name="connsiteX2-41" fmla="*/ 1152436 w 1915886"/>
+              <a:gd name="connsiteY2-42" fmla="*/ 1079863 h 1576251"/>
+              <a:gd name="connsiteX3-43" fmla="*/ 1555931 w 1915886"/>
+              <a:gd name="connsiteY3-44" fmla="*/ 687977 h 1576251"/>
+              <a:gd name="connsiteX4-45" fmla="*/ 1786225 w 1915886"/>
+              <a:gd name="connsiteY4-46" fmla="*/ 322217 h 1576251"/>
+              <a:gd name="connsiteX5-47" fmla="*/ 1915886 w 1915886"/>
+              <a:gd name="connsiteY5-48" fmla="*/ 0 h 1576251"/>
+              <a:gd name="connsiteX0-49" fmla="*/ 0 w 1915886"/>
+              <a:gd name="connsiteY0-50" fmla="*/ 1576251 h 1576251"/>
+              <a:gd name="connsiteX1-51" fmla="*/ 559285 w 1915886"/>
+              <a:gd name="connsiteY1-52" fmla="*/ 1402080 h 1576251"/>
+              <a:gd name="connsiteX2-53" fmla="*/ 1152436 w 1915886"/>
+              <a:gd name="connsiteY2-54" fmla="*/ 1079863 h 1576251"/>
+              <a:gd name="connsiteX3-55" fmla="*/ 1555931 w 1915886"/>
+              <a:gd name="connsiteY3-56" fmla="*/ 687977 h 1576251"/>
+              <a:gd name="connsiteX4-57" fmla="*/ 1786225 w 1915886"/>
+              <a:gd name="connsiteY4-58" fmla="*/ 365760 h 1576251"/>
+              <a:gd name="connsiteX5-59" fmla="*/ 1915886 w 1915886"/>
+              <a:gd name="connsiteY5-60" fmla="*/ 0 h 1576251"/>
+              <a:gd name="connsiteX0-61" fmla="*/ 0 w 1915886"/>
+              <a:gd name="connsiteY0-62" fmla="*/ 1576251 h 1576251"/>
+              <a:gd name="connsiteX1-63" fmla="*/ 559285 w 1915886"/>
+              <a:gd name="connsiteY1-64" fmla="*/ 1402080 h 1576251"/>
+              <a:gd name="connsiteX2-65" fmla="*/ 1152436 w 1915886"/>
+              <a:gd name="connsiteY2-66" fmla="*/ 1079863 h 1576251"/>
+              <a:gd name="connsiteX3-67" fmla="*/ 1555931 w 1915886"/>
+              <a:gd name="connsiteY3-68" fmla="*/ 687977 h 1576251"/>
+              <a:gd name="connsiteX4-69" fmla="*/ 1786225 w 1915886"/>
+              <a:gd name="connsiteY4-70" fmla="*/ 365760 h 1576251"/>
+              <a:gd name="connsiteX5-71" fmla="*/ 1915886 w 1915886"/>
+              <a:gd name="connsiteY5-72" fmla="*/ 0 h 1576251"/>
+              <a:gd name="connsiteX0-73" fmla="*/ 0 w 1915886"/>
+              <a:gd name="connsiteY0-74" fmla="*/ 1576251 h 1576251"/>
+              <a:gd name="connsiteX1-75" fmla="*/ 559285 w 1915886"/>
+              <a:gd name="connsiteY1-76" fmla="*/ 1402080 h 1576251"/>
+              <a:gd name="connsiteX2-77" fmla="*/ 1152436 w 1915886"/>
+              <a:gd name="connsiteY2-78" fmla="*/ 1079863 h 1576251"/>
+              <a:gd name="connsiteX3-79" fmla="*/ 1555931 w 1915886"/>
+              <a:gd name="connsiteY3-80" fmla="*/ 687977 h 1576251"/>
+              <a:gd name="connsiteX4-81" fmla="*/ 1786225 w 1915886"/>
+              <a:gd name="connsiteY4-82" fmla="*/ 365760 h 1576251"/>
+              <a:gd name="connsiteX5-83" fmla="*/ 1915886 w 1915886"/>
+              <a:gd name="connsiteY5-84" fmla="*/ 0 h 1576251"/>
+              <a:gd name="connsiteX0-85" fmla="*/ 0 w 1915886"/>
+              <a:gd name="connsiteY0-86" fmla="*/ 1576251 h 1576251"/>
+              <a:gd name="connsiteX1-87" fmla="*/ 559285 w 1915886"/>
+              <a:gd name="connsiteY1-88" fmla="*/ 1402080 h 1576251"/>
+              <a:gd name="connsiteX2-89" fmla="*/ 1152436 w 1915886"/>
+              <a:gd name="connsiteY2-90" fmla="*/ 1079863 h 1576251"/>
+              <a:gd name="connsiteX3-91" fmla="*/ 1517227 w 1915886"/>
+              <a:gd name="connsiteY3-92" fmla="*/ 722812 h 1576251"/>
+              <a:gd name="connsiteX4-93" fmla="*/ 1786225 w 1915886"/>
+              <a:gd name="connsiteY4-94" fmla="*/ 365760 h 1576251"/>
+              <a:gd name="connsiteX5-95" fmla="*/ 1915886 w 1915886"/>
+              <a:gd name="connsiteY5-96" fmla="*/ 0 h 1576251"/>
+              <a:gd name="connsiteX0-97" fmla="*/ 0 w 1915886"/>
+              <a:gd name="connsiteY0-98" fmla="*/ 1576251 h 1576251"/>
+              <a:gd name="connsiteX1-99" fmla="*/ 559285 w 1915886"/>
+              <a:gd name="connsiteY1-100" fmla="*/ 1402080 h 1576251"/>
+              <a:gd name="connsiteX2-101" fmla="*/ 1152436 w 1915886"/>
+              <a:gd name="connsiteY2-102" fmla="*/ 1079863 h 1576251"/>
+              <a:gd name="connsiteX3-103" fmla="*/ 1517227 w 1915886"/>
+              <a:gd name="connsiteY3-104" fmla="*/ 722812 h 1576251"/>
+              <a:gd name="connsiteX4-105" fmla="*/ 1786225 w 1915886"/>
+              <a:gd name="connsiteY4-106" fmla="*/ 365760 h 1576251"/>
+              <a:gd name="connsiteX5-107" fmla="*/ 1915886 w 1915886"/>
+              <a:gd name="connsiteY5-108" fmla="*/ 0 h 1576251"/>
+              <a:gd name="connsiteX0-109" fmla="*/ 0 w 1915886"/>
+              <a:gd name="connsiteY0-110" fmla="*/ 1576251 h 1576251"/>
+              <a:gd name="connsiteX1-111" fmla="*/ 539189 w 1915886"/>
+              <a:gd name="connsiteY1-112" fmla="*/ 1381542 h 1576251"/>
+              <a:gd name="connsiteX2-113" fmla="*/ 1152436 w 1915886"/>
+              <a:gd name="connsiteY2-114" fmla="*/ 1079863 h 1576251"/>
+              <a:gd name="connsiteX3-115" fmla="*/ 1517227 w 1915886"/>
+              <a:gd name="connsiteY3-116" fmla="*/ 722812 h 1576251"/>
+              <a:gd name="connsiteX4-117" fmla="*/ 1786225 w 1915886"/>
+              <a:gd name="connsiteY4-118" fmla="*/ 365760 h 1576251"/>
+              <a:gd name="connsiteX5-119" fmla="*/ 1915886 w 1915886"/>
+              <a:gd name="connsiteY5-120" fmla="*/ 0 h 1576251"/>
+              <a:gd name="connsiteX0-121" fmla="*/ 0 w 1915886"/>
+              <a:gd name="connsiteY0-122" fmla="*/ 1576251 h 1576251"/>
+              <a:gd name="connsiteX1-123" fmla="*/ 539189 w 1915886"/>
+              <a:gd name="connsiteY1-124" fmla="*/ 1381542 h 1576251"/>
+              <a:gd name="connsiteX2-125" fmla="*/ 1125641 w 1915886"/>
+              <a:gd name="connsiteY2-126" fmla="*/ 1074728 h 1576251"/>
+              <a:gd name="connsiteX3-127" fmla="*/ 1517227 w 1915886"/>
+              <a:gd name="connsiteY3-128" fmla="*/ 722812 h 1576251"/>
+              <a:gd name="connsiteX4-129" fmla="*/ 1786225 w 1915886"/>
+              <a:gd name="connsiteY4-130" fmla="*/ 365760 h 1576251"/>
+              <a:gd name="connsiteX5-131" fmla="*/ 1915886 w 1915886"/>
+              <a:gd name="connsiteY5-132" fmla="*/ 0 h 1576251"/>
+              <a:gd name="connsiteX0-133" fmla="*/ 0 w 1915886"/>
+              <a:gd name="connsiteY0-134" fmla="*/ 1576251 h 1576251"/>
+              <a:gd name="connsiteX1-135" fmla="*/ 539189 w 1915886"/>
+              <a:gd name="connsiteY1-136" fmla="*/ 1381542 h 1576251"/>
+              <a:gd name="connsiteX2-137" fmla="*/ 1125641 w 1915886"/>
+              <a:gd name="connsiteY2-138" fmla="*/ 1074728 h 1576251"/>
+              <a:gd name="connsiteX3-139" fmla="*/ 1456937 w 1915886"/>
+              <a:gd name="connsiteY3-140" fmla="*/ 758753 h 1576251"/>
+              <a:gd name="connsiteX4-141" fmla="*/ 1786225 w 1915886"/>
+              <a:gd name="connsiteY4-142" fmla="*/ 365760 h 1576251"/>
+              <a:gd name="connsiteX5-143" fmla="*/ 1915886 w 1915886"/>
+              <a:gd name="connsiteY5-144" fmla="*/ 0 h 1576251"/>
+              <a:gd name="connsiteX0-145" fmla="*/ 0 w 1915886"/>
+              <a:gd name="connsiteY0-146" fmla="*/ 1576251 h 1576251"/>
+              <a:gd name="connsiteX1-147" fmla="*/ 539189 w 1915886"/>
+              <a:gd name="connsiteY1-148" fmla="*/ 1381542 h 1576251"/>
+              <a:gd name="connsiteX2-149" fmla="*/ 1125641 w 1915886"/>
+              <a:gd name="connsiteY2-150" fmla="*/ 1074728 h 1576251"/>
+              <a:gd name="connsiteX3-151" fmla="*/ 1456937 w 1915886"/>
+              <a:gd name="connsiteY3-152" fmla="*/ 758753 h 1576251"/>
+              <a:gd name="connsiteX4-153" fmla="*/ 1739333 w 1915886"/>
+              <a:gd name="connsiteY4-154" fmla="*/ 381164 h 1576251"/>
+              <a:gd name="connsiteX5-155" fmla="*/ 1915886 w 1915886"/>
+              <a:gd name="connsiteY5-156" fmla="*/ 0 h 1576251"/>
+              <a:gd name="connsiteX0-157" fmla="*/ 0 w 1915886"/>
+              <a:gd name="connsiteY0-158" fmla="*/ 1576251 h 1576251"/>
+              <a:gd name="connsiteX1-159" fmla="*/ 539189 w 1915886"/>
+              <a:gd name="connsiteY1-160" fmla="*/ 1381542 h 1576251"/>
+              <a:gd name="connsiteX2-161" fmla="*/ 1125641 w 1915886"/>
+              <a:gd name="connsiteY2-162" fmla="*/ 1074728 h 1576251"/>
+              <a:gd name="connsiteX3-163" fmla="*/ 1423442 w 1915886"/>
+              <a:gd name="connsiteY3-164" fmla="*/ 784425 h 1576251"/>
+              <a:gd name="connsiteX4-165" fmla="*/ 1739333 w 1915886"/>
+              <a:gd name="connsiteY4-166" fmla="*/ 381164 h 1576251"/>
+              <a:gd name="connsiteX5-167" fmla="*/ 1915886 w 1915886"/>
+              <a:gd name="connsiteY5-168" fmla="*/ 0 h 1576251"/>
+              <a:gd name="connsiteX0-169" fmla="*/ 0 w 1915886"/>
+              <a:gd name="connsiteY0-170" fmla="*/ 1576251 h 1576251"/>
+              <a:gd name="connsiteX1-171" fmla="*/ 539189 w 1915886"/>
+              <a:gd name="connsiteY1-172" fmla="*/ 1381542 h 1576251"/>
+              <a:gd name="connsiteX2-173" fmla="*/ 1045255 w 1915886"/>
+              <a:gd name="connsiteY2-174" fmla="*/ 1084996 h 1576251"/>
+              <a:gd name="connsiteX3-175" fmla="*/ 1423442 w 1915886"/>
+              <a:gd name="connsiteY3-176" fmla="*/ 784425 h 1576251"/>
+              <a:gd name="connsiteX4-177" fmla="*/ 1739333 w 1915886"/>
+              <a:gd name="connsiteY4-178" fmla="*/ 381164 h 1576251"/>
+              <a:gd name="connsiteX5-179" fmla="*/ 1915886 w 1915886"/>
+              <a:gd name="connsiteY5-180" fmla="*/ 0 h 1576251"/>
+              <a:gd name="connsiteX0-181" fmla="*/ 0 w 1915886"/>
+              <a:gd name="connsiteY0-182" fmla="*/ 1576251 h 1576251"/>
+              <a:gd name="connsiteX1-183" fmla="*/ 565985 w 1915886"/>
+              <a:gd name="connsiteY1-184" fmla="*/ 1345602 h 1576251"/>
+              <a:gd name="connsiteX2-185" fmla="*/ 1045255 w 1915886"/>
+              <a:gd name="connsiteY2-186" fmla="*/ 1084996 h 1576251"/>
+              <a:gd name="connsiteX3-187" fmla="*/ 1423442 w 1915886"/>
+              <a:gd name="connsiteY3-188" fmla="*/ 784425 h 1576251"/>
+              <a:gd name="connsiteX4-189" fmla="*/ 1739333 w 1915886"/>
+              <a:gd name="connsiteY4-190" fmla="*/ 381164 h 1576251"/>
+              <a:gd name="connsiteX5-191" fmla="*/ 1915886 w 1915886"/>
+              <a:gd name="connsiteY5-192" fmla="*/ 0 h 1576251"/>
+            </a:gdLst>
+            <a:ahLst/>
+            <a:cxnLst>
+              <a:cxn ang="0">
+                <a:pos x="connsiteX0-1" y="connsiteY0-2"/>
+              </a:cxn>
+              <a:cxn ang="0">
+                <a:pos x="connsiteX1-3" y="connsiteY1-4"/>
+              </a:cxn>
+              <a:cxn ang="0">
+                <a:pos x="connsiteX2-5" y="connsiteY2-6"/>
+              </a:cxn>
+              <a:cxn ang="0">
+                <a:pos x="connsiteX3-7" y="connsiteY3-8"/>
+              </a:cxn>
+              <a:cxn ang="0">
+                <a:pos x="connsiteX4-9" y="connsiteY4-10"/>
+              </a:cxn>
+              <a:cxn ang="0">
+                <a:pos x="connsiteX5-11" y="connsiteY5-12"/>
+              </a:cxn>
+            </a:cxnLst>
+            <a:rect l="l" t="t" r="r" b="b"/>
+            <a:pathLst>
+              <a:path w="1915886" h="1576251">
+                <a:moveTo>
+                  <a:pt x="0" y="1576251"/>
+                </a:moveTo>
+                <a:cubicBezTo>
+                  <a:pt x="202585" y="1498673"/>
+                  <a:pt x="391776" y="1427478"/>
+                  <a:pt x="565985" y="1345602"/>
+                </a:cubicBezTo>
+                <a:cubicBezTo>
+                  <a:pt x="740194" y="1263726"/>
+                  <a:pt x="902345" y="1178526"/>
+                  <a:pt x="1045255" y="1084996"/>
+                </a:cubicBezTo>
+                <a:cubicBezTo>
+                  <a:pt x="1188165" y="991466"/>
+                  <a:pt x="1307762" y="901730"/>
+                  <a:pt x="1423442" y="784425"/>
+                </a:cubicBezTo>
+                <a:cubicBezTo>
+                  <a:pt x="1539122" y="667120"/>
+                  <a:pt x="1640635" y="545176"/>
+                  <a:pt x="1739333" y="381164"/>
+                </a:cubicBezTo>
+                <a:cubicBezTo>
+                  <a:pt x="1828354" y="225861"/>
+                  <a:pt x="1910080" y="52977"/>
+                  <a:pt x="1915886" y="0"/>
+                </a:cubicBezTo>
+              </a:path>
+            </a:pathLst>
+          </a:custGeom>
+          <a:ln w="19050">
+            <a:prstDash val="dash"/>
+            <a:headEnd type="none" w="med" len="med"/>
+            <a:tailEnd type="none" w="med" len="med"/>
+          </a:ln>
+        </p:spPr>
+        <p:style>
+          <a:lnRef idx="1">
+            <a:schemeClr val="dk1"/>
+          </a:lnRef>
+          <a:fillRef idx="0">
+            <a:schemeClr val="dk1"/>
+          </a:fillRef>
+          <a:effectRef idx="0">
+            <a:schemeClr val="dk1"/>
+          </a:effectRef>
+          <a:fontRef idx="minor">
+            <a:schemeClr val="tx1"/>
+          </a:fontRef>
+        </p:style>
+        <p:txBody>
+          <a:bodyPr rtlCol="0" anchor="ctr"/>
+          <a:lstStyle/>
+          <a:p>
+            <a:pPr algn="ctr"/>
+            <a:endParaRPr kumimoji="1" lang="ja-JP" altLang="en-US"/>
+          </a:p>
+        </p:txBody>
+      </p:sp>
+      <p:sp>
+        <p:nvSpPr>
+          <p:cNvPr id="31" name="テキスト ボックス 30">
+            <a:extLst>
+              <a:ext uri="{FF2B5EF4-FFF2-40B4-BE49-F238E27FC236}">
+                <a16:creationId xmlns:a16="http://schemas.microsoft.com/office/drawing/2014/main" id="{AEEC8023-C5D9-459A-8530-45E630B32B2E}"/>
+              </a:ext>
+            </a:extLst>
+          </p:cNvPr>
+          <p:cNvSpPr txBox="1"/>
+          <p:nvPr/>
+        </p:nvSpPr>
+        <p:spPr>
+          <a:xfrm>
+            <a:off x="3209085" y="2085173"/>
+            <a:ext cx="1989915" cy="646331"/>
+          </a:xfrm>
+          <a:prstGeom prst="rect">
+            <a:avLst/>
+          </a:prstGeom>
+          <a:noFill/>
+        </p:spPr>
+        <p:txBody>
+          <a:bodyPr wrap="square" rtlCol="0">
+            <a:spAutoFit/>
+          </a:bodyPr>
+          <a:lstStyle/>
+          <a:p>
+            <a:r>
+              <a:rPr kumimoji="1" lang="en-US" altLang="ja-JP" dirty="0"/>
+              <a:t>Const. Pressure Curve</a:t>
+            </a:r>
+            <a:endParaRPr kumimoji="1" lang="ja-JP" altLang="en-US" dirty="0"/>
+          </a:p>
+        </p:txBody>
+      </p:sp>
+      <p:sp>
+        <p:nvSpPr>
+          <p:cNvPr id="16" name="フリーフォーム: 図形 15">
+            <a:extLst>
+              <a:ext uri="{FF2B5EF4-FFF2-40B4-BE49-F238E27FC236}">
+                <a16:creationId xmlns:a16="http://schemas.microsoft.com/office/drawing/2014/main" id="{0258B678-7C74-4074-B43E-A007FCD7A89C}"/>
+              </a:ext>
+            </a:extLst>
+          </p:cNvPr>
+          <p:cNvSpPr/>
+          <p:nvPr/>
+        </p:nvSpPr>
+        <p:spPr>
+          <a:xfrm>
+            <a:off x="2866212" y="3498476"/>
+            <a:ext cx="1539530" cy="1292726"/>
+          </a:xfrm>
+          <a:custGeom>
+            <a:avLst/>
+            <a:gdLst>
+              <a:gd name="connsiteX0" fmla="*/ 0 w 1915886"/>
+              <a:gd name="connsiteY0" fmla="*/ 1576251 h 1576251"/>
+              <a:gd name="connsiteX1" fmla="*/ 539932 w 1915886"/>
+              <a:gd name="connsiteY1" fmla="*/ 1471748 h 1576251"/>
+              <a:gd name="connsiteX2" fmla="*/ 1210492 w 1915886"/>
+              <a:gd name="connsiteY2" fmla="*/ 1140823 h 1576251"/>
+              <a:gd name="connsiteX3" fmla="*/ 1672046 w 1915886"/>
+              <a:gd name="connsiteY3" fmla="*/ 670560 h 1576251"/>
+              <a:gd name="connsiteX4" fmla="*/ 1863634 w 1915886"/>
+              <a:gd name="connsiteY4" fmla="*/ 217714 h 1576251"/>
+              <a:gd name="connsiteX5" fmla="*/ 1915886 w 1915886"/>
+              <a:gd name="connsiteY5" fmla="*/ 0 h 1576251"/>
+              <a:gd name="connsiteX0-1" fmla="*/ 0 w 1915886"/>
+              <a:gd name="connsiteY0-2" fmla="*/ 1576251 h 1576251"/>
+              <a:gd name="connsiteX1-3" fmla="*/ 559285 w 1915886"/>
+              <a:gd name="connsiteY1-4" fmla="*/ 1402080 h 1576251"/>
+              <a:gd name="connsiteX2-5" fmla="*/ 1210492 w 1915886"/>
+              <a:gd name="connsiteY2-6" fmla="*/ 1140823 h 1576251"/>
+              <a:gd name="connsiteX3-7" fmla="*/ 1672046 w 1915886"/>
+              <a:gd name="connsiteY3-8" fmla="*/ 670560 h 1576251"/>
+              <a:gd name="connsiteX4-9" fmla="*/ 1863634 w 1915886"/>
+              <a:gd name="connsiteY4-10" fmla="*/ 217714 h 1576251"/>
+              <a:gd name="connsiteX5-11" fmla="*/ 1915886 w 1915886"/>
+              <a:gd name="connsiteY5-12" fmla="*/ 0 h 1576251"/>
+              <a:gd name="connsiteX0-13" fmla="*/ 0 w 1915886"/>
+              <a:gd name="connsiteY0-14" fmla="*/ 1576251 h 1576251"/>
+              <a:gd name="connsiteX1-15" fmla="*/ 559285 w 1915886"/>
+              <a:gd name="connsiteY1-16" fmla="*/ 1402080 h 1576251"/>
+              <a:gd name="connsiteX2-17" fmla="*/ 1152436 w 1915886"/>
+              <a:gd name="connsiteY2-18" fmla="*/ 1079863 h 1576251"/>
+              <a:gd name="connsiteX3-19" fmla="*/ 1672046 w 1915886"/>
+              <a:gd name="connsiteY3-20" fmla="*/ 670560 h 1576251"/>
+              <a:gd name="connsiteX4-21" fmla="*/ 1863634 w 1915886"/>
+              <a:gd name="connsiteY4-22" fmla="*/ 217714 h 1576251"/>
+              <a:gd name="connsiteX5-23" fmla="*/ 1915886 w 1915886"/>
+              <a:gd name="connsiteY5-24" fmla="*/ 0 h 1576251"/>
+              <a:gd name="connsiteX0-25" fmla="*/ 0 w 1915886"/>
+              <a:gd name="connsiteY0-26" fmla="*/ 1576251 h 1576251"/>
+              <a:gd name="connsiteX1-27" fmla="*/ 559285 w 1915886"/>
+              <a:gd name="connsiteY1-28" fmla="*/ 1402080 h 1576251"/>
+              <a:gd name="connsiteX2-29" fmla="*/ 1152436 w 1915886"/>
+              <a:gd name="connsiteY2-30" fmla="*/ 1079863 h 1576251"/>
+              <a:gd name="connsiteX3-31" fmla="*/ 1555931 w 1915886"/>
+              <a:gd name="connsiteY3-32" fmla="*/ 687977 h 1576251"/>
+              <a:gd name="connsiteX4-33" fmla="*/ 1863634 w 1915886"/>
+              <a:gd name="connsiteY4-34" fmla="*/ 217714 h 1576251"/>
+              <a:gd name="connsiteX5-35" fmla="*/ 1915886 w 1915886"/>
+              <a:gd name="connsiteY5-36" fmla="*/ 0 h 1576251"/>
+              <a:gd name="connsiteX0-37" fmla="*/ 0 w 1915886"/>
+              <a:gd name="connsiteY0-38" fmla="*/ 1576251 h 1576251"/>
+              <a:gd name="connsiteX1-39" fmla="*/ 559285 w 1915886"/>
+              <a:gd name="connsiteY1-40" fmla="*/ 1402080 h 1576251"/>
+              <a:gd name="connsiteX2-41" fmla="*/ 1152436 w 1915886"/>
+              <a:gd name="connsiteY2-42" fmla="*/ 1079863 h 1576251"/>
+              <a:gd name="connsiteX3-43" fmla="*/ 1555931 w 1915886"/>
+              <a:gd name="connsiteY3-44" fmla="*/ 687977 h 1576251"/>
+              <a:gd name="connsiteX4-45" fmla="*/ 1786225 w 1915886"/>
+              <a:gd name="connsiteY4-46" fmla="*/ 322217 h 1576251"/>
+              <a:gd name="connsiteX5-47" fmla="*/ 1915886 w 1915886"/>
+              <a:gd name="connsiteY5-48" fmla="*/ 0 h 1576251"/>
+              <a:gd name="connsiteX0-49" fmla="*/ 0 w 1915886"/>
+              <a:gd name="connsiteY0-50" fmla="*/ 1576251 h 1576251"/>
+              <a:gd name="connsiteX1-51" fmla="*/ 559285 w 1915886"/>
+              <a:gd name="connsiteY1-52" fmla="*/ 1402080 h 1576251"/>
+              <a:gd name="connsiteX2-53" fmla="*/ 1152436 w 1915886"/>
+              <a:gd name="connsiteY2-54" fmla="*/ 1079863 h 1576251"/>
+              <a:gd name="connsiteX3-55" fmla="*/ 1555931 w 1915886"/>
+              <a:gd name="connsiteY3-56" fmla="*/ 687977 h 1576251"/>
+              <a:gd name="connsiteX4-57" fmla="*/ 1786225 w 1915886"/>
+              <a:gd name="connsiteY4-58" fmla="*/ 365760 h 1576251"/>
+              <a:gd name="connsiteX5-59" fmla="*/ 1915886 w 1915886"/>
+              <a:gd name="connsiteY5-60" fmla="*/ 0 h 1576251"/>
+              <a:gd name="connsiteX0-61" fmla="*/ 0 w 1915886"/>
+              <a:gd name="connsiteY0-62" fmla="*/ 1576251 h 1576251"/>
+              <a:gd name="connsiteX1-63" fmla="*/ 559285 w 1915886"/>
+              <a:gd name="connsiteY1-64" fmla="*/ 1402080 h 1576251"/>
+              <a:gd name="connsiteX2-65" fmla="*/ 1152436 w 1915886"/>
+              <a:gd name="connsiteY2-66" fmla="*/ 1079863 h 1576251"/>
+              <a:gd name="connsiteX3-67" fmla="*/ 1555931 w 1915886"/>
+              <a:gd name="connsiteY3-68" fmla="*/ 687977 h 1576251"/>
+              <a:gd name="connsiteX4-69" fmla="*/ 1786225 w 1915886"/>
+              <a:gd name="connsiteY4-70" fmla="*/ 365760 h 1576251"/>
+              <a:gd name="connsiteX5-71" fmla="*/ 1915886 w 1915886"/>
+              <a:gd name="connsiteY5-72" fmla="*/ 0 h 1576251"/>
+              <a:gd name="connsiteX0-73" fmla="*/ 0 w 1915886"/>
+              <a:gd name="connsiteY0-74" fmla="*/ 1576251 h 1576251"/>
+              <a:gd name="connsiteX1-75" fmla="*/ 559285 w 1915886"/>
+              <a:gd name="connsiteY1-76" fmla="*/ 1402080 h 1576251"/>
+              <a:gd name="connsiteX2-77" fmla="*/ 1152436 w 1915886"/>
+              <a:gd name="connsiteY2-78" fmla="*/ 1079863 h 1576251"/>
+              <a:gd name="connsiteX3-79" fmla="*/ 1555931 w 1915886"/>
+              <a:gd name="connsiteY3-80" fmla="*/ 687977 h 1576251"/>
+              <a:gd name="connsiteX4-81" fmla="*/ 1786225 w 1915886"/>
+              <a:gd name="connsiteY4-82" fmla="*/ 365760 h 1576251"/>
+              <a:gd name="connsiteX5-83" fmla="*/ 1915886 w 1915886"/>
+              <a:gd name="connsiteY5-84" fmla="*/ 0 h 1576251"/>
+              <a:gd name="connsiteX0-85" fmla="*/ 0 w 1915886"/>
+              <a:gd name="connsiteY0-86" fmla="*/ 1576251 h 1576251"/>
+              <a:gd name="connsiteX1-87" fmla="*/ 559285 w 1915886"/>
+              <a:gd name="connsiteY1-88" fmla="*/ 1402080 h 1576251"/>
+              <a:gd name="connsiteX2-89" fmla="*/ 1152436 w 1915886"/>
+              <a:gd name="connsiteY2-90" fmla="*/ 1079863 h 1576251"/>
+              <a:gd name="connsiteX3-91" fmla="*/ 1517227 w 1915886"/>
+              <a:gd name="connsiteY3-92" fmla="*/ 722812 h 1576251"/>
+              <a:gd name="connsiteX4-93" fmla="*/ 1786225 w 1915886"/>
+              <a:gd name="connsiteY4-94" fmla="*/ 365760 h 1576251"/>
+              <a:gd name="connsiteX5-95" fmla="*/ 1915886 w 1915886"/>
+              <a:gd name="connsiteY5-96" fmla="*/ 0 h 1576251"/>
+              <a:gd name="connsiteX0-97" fmla="*/ 0 w 1915886"/>
+              <a:gd name="connsiteY0-98" fmla="*/ 1576251 h 1576251"/>
+              <a:gd name="connsiteX1-99" fmla="*/ 559285 w 1915886"/>
+              <a:gd name="connsiteY1-100" fmla="*/ 1402080 h 1576251"/>
+              <a:gd name="connsiteX2-101" fmla="*/ 1152436 w 1915886"/>
+              <a:gd name="connsiteY2-102" fmla="*/ 1079863 h 1576251"/>
+              <a:gd name="connsiteX3-103" fmla="*/ 1517227 w 1915886"/>
+              <a:gd name="connsiteY3-104" fmla="*/ 722812 h 1576251"/>
+              <a:gd name="connsiteX4-105" fmla="*/ 1786225 w 1915886"/>
+              <a:gd name="connsiteY4-106" fmla="*/ 365760 h 1576251"/>
+              <a:gd name="connsiteX5-107" fmla="*/ 1915886 w 1915886"/>
+              <a:gd name="connsiteY5-108" fmla="*/ 0 h 1576251"/>
+              <a:gd name="connsiteX0-109" fmla="*/ 0 w 1915886"/>
+              <a:gd name="connsiteY0-110" fmla="*/ 1576251 h 1576251"/>
+              <a:gd name="connsiteX1-111" fmla="*/ 539189 w 1915886"/>
+              <a:gd name="connsiteY1-112" fmla="*/ 1381542 h 1576251"/>
+              <a:gd name="connsiteX2-113" fmla="*/ 1152436 w 1915886"/>
+              <a:gd name="connsiteY2-114" fmla="*/ 1079863 h 1576251"/>
+              <a:gd name="connsiteX3-115" fmla="*/ 1517227 w 1915886"/>
+              <a:gd name="connsiteY3-116" fmla="*/ 722812 h 1576251"/>
+              <a:gd name="connsiteX4-117" fmla="*/ 1786225 w 1915886"/>
+              <a:gd name="connsiteY4-118" fmla="*/ 365760 h 1576251"/>
+              <a:gd name="connsiteX5-119" fmla="*/ 1915886 w 1915886"/>
+              <a:gd name="connsiteY5-120" fmla="*/ 0 h 1576251"/>
+              <a:gd name="connsiteX0-121" fmla="*/ 0 w 1915886"/>
+              <a:gd name="connsiteY0-122" fmla="*/ 1576251 h 1576251"/>
+              <a:gd name="connsiteX1-123" fmla="*/ 539189 w 1915886"/>
+              <a:gd name="connsiteY1-124" fmla="*/ 1381542 h 1576251"/>
+              <a:gd name="connsiteX2-125" fmla="*/ 1125641 w 1915886"/>
+              <a:gd name="connsiteY2-126" fmla="*/ 1074728 h 1576251"/>
+              <a:gd name="connsiteX3-127" fmla="*/ 1517227 w 1915886"/>
+              <a:gd name="connsiteY3-128" fmla="*/ 722812 h 1576251"/>
+              <a:gd name="connsiteX4-129" fmla="*/ 1786225 w 1915886"/>
+              <a:gd name="connsiteY4-130" fmla="*/ 365760 h 1576251"/>
+              <a:gd name="connsiteX5-131" fmla="*/ 1915886 w 1915886"/>
+              <a:gd name="connsiteY5-132" fmla="*/ 0 h 1576251"/>
+              <a:gd name="connsiteX0-133" fmla="*/ 0 w 1915886"/>
+              <a:gd name="connsiteY0-134" fmla="*/ 1576251 h 1576251"/>
+              <a:gd name="connsiteX1-135" fmla="*/ 539189 w 1915886"/>
+              <a:gd name="connsiteY1-136" fmla="*/ 1381542 h 1576251"/>
+              <a:gd name="connsiteX2-137" fmla="*/ 1125641 w 1915886"/>
+              <a:gd name="connsiteY2-138" fmla="*/ 1074728 h 1576251"/>
+              <a:gd name="connsiteX3-139" fmla="*/ 1456937 w 1915886"/>
+              <a:gd name="connsiteY3-140" fmla="*/ 758753 h 1576251"/>
+              <a:gd name="connsiteX4-141" fmla="*/ 1786225 w 1915886"/>
+              <a:gd name="connsiteY4-142" fmla="*/ 365760 h 1576251"/>
+              <a:gd name="connsiteX5-143" fmla="*/ 1915886 w 1915886"/>
+              <a:gd name="connsiteY5-144" fmla="*/ 0 h 1576251"/>
+              <a:gd name="connsiteX0-145" fmla="*/ 0 w 1915886"/>
+              <a:gd name="connsiteY0-146" fmla="*/ 1576251 h 1576251"/>
+              <a:gd name="connsiteX1-147" fmla="*/ 539189 w 1915886"/>
+              <a:gd name="connsiteY1-148" fmla="*/ 1381542 h 1576251"/>
+              <a:gd name="connsiteX2-149" fmla="*/ 1125641 w 1915886"/>
+              <a:gd name="connsiteY2-150" fmla="*/ 1074728 h 1576251"/>
+              <a:gd name="connsiteX3-151" fmla="*/ 1456937 w 1915886"/>
+              <a:gd name="connsiteY3-152" fmla="*/ 758753 h 1576251"/>
+              <a:gd name="connsiteX4-153" fmla="*/ 1739333 w 1915886"/>
+              <a:gd name="connsiteY4-154" fmla="*/ 381164 h 1576251"/>
+              <a:gd name="connsiteX5-155" fmla="*/ 1915886 w 1915886"/>
+              <a:gd name="connsiteY5-156" fmla="*/ 0 h 1576251"/>
+              <a:gd name="connsiteX0-157" fmla="*/ 0 w 1915886"/>
+              <a:gd name="connsiteY0-158" fmla="*/ 1576251 h 1576251"/>
+              <a:gd name="connsiteX1-159" fmla="*/ 539189 w 1915886"/>
+              <a:gd name="connsiteY1-160" fmla="*/ 1381542 h 1576251"/>
+              <a:gd name="connsiteX2-161" fmla="*/ 1125641 w 1915886"/>
+              <a:gd name="connsiteY2-162" fmla="*/ 1074728 h 1576251"/>
+              <a:gd name="connsiteX3-163" fmla="*/ 1423442 w 1915886"/>
+              <a:gd name="connsiteY3-164" fmla="*/ 784425 h 1576251"/>
+              <a:gd name="connsiteX4-165" fmla="*/ 1739333 w 1915886"/>
+              <a:gd name="connsiteY4-166" fmla="*/ 381164 h 1576251"/>
+              <a:gd name="connsiteX5-167" fmla="*/ 1915886 w 1915886"/>
+              <a:gd name="connsiteY5-168" fmla="*/ 0 h 1576251"/>
+              <a:gd name="connsiteX0-169" fmla="*/ 0 w 1915886"/>
+              <a:gd name="connsiteY0-170" fmla="*/ 1576251 h 1576251"/>
+              <a:gd name="connsiteX1-171" fmla="*/ 539189 w 1915886"/>
+              <a:gd name="connsiteY1-172" fmla="*/ 1381542 h 1576251"/>
+              <a:gd name="connsiteX2-173" fmla="*/ 1045255 w 1915886"/>
+              <a:gd name="connsiteY2-174" fmla="*/ 1084996 h 1576251"/>
+              <a:gd name="connsiteX3-175" fmla="*/ 1423442 w 1915886"/>
+              <a:gd name="connsiteY3-176" fmla="*/ 784425 h 1576251"/>
+              <a:gd name="connsiteX4-177" fmla="*/ 1739333 w 1915886"/>
+              <a:gd name="connsiteY4-178" fmla="*/ 381164 h 1576251"/>
+              <a:gd name="connsiteX5-179" fmla="*/ 1915886 w 1915886"/>
+              <a:gd name="connsiteY5-180" fmla="*/ 0 h 1576251"/>
+              <a:gd name="connsiteX0-181" fmla="*/ 0 w 1915886"/>
+              <a:gd name="connsiteY0-182" fmla="*/ 1576251 h 1576251"/>
+              <a:gd name="connsiteX1-183" fmla="*/ 565985 w 1915886"/>
+              <a:gd name="connsiteY1-184" fmla="*/ 1345602 h 1576251"/>
+              <a:gd name="connsiteX2-185" fmla="*/ 1045255 w 1915886"/>
+              <a:gd name="connsiteY2-186" fmla="*/ 1084996 h 1576251"/>
+              <a:gd name="connsiteX3-187" fmla="*/ 1423442 w 1915886"/>
+              <a:gd name="connsiteY3-188" fmla="*/ 784425 h 1576251"/>
+              <a:gd name="connsiteX4-189" fmla="*/ 1739333 w 1915886"/>
+              <a:gd name="connsiteY4-190" fmla="*/ 381164 h 1576251"/>
+              <a:gd name="connsiteX5-191" fmla="*/ 1915886 w 1915886"/>
+              <a:gd name="connsiteY5-192" fmla="*/ 0 h 1576251"/>
+              <a:gd name="connsiteX0" fmla="*/ 0 w 1950826"/>
+              <a:gd name="connsiteY0" fmla="*/ 1476457 h 1476457"/>
+              <a:gd name="connsiteX1" fmla="*/ 565985 w 1950826"/>
+              <a:gd name="connsiteY1" fmla="*/ 1245808 h 1476457"/>
+              <a:gd name="connsiteX2" fmla="*/ 1045255 w 1950826"/>
+              <a:gd name="connsiteY2" fmla="*/ 985202 h 1476457"/>
+              <a:gd name="connsiteX3" fmla="*/ 1423442 w 1950826"/>
+              <a:gd name="connsiteY3" fmla="*/ 684631 h 1476457"/>
+              <a:gd name="connsiteX4" fmla="*/ 1739333 w 1950826"/>
+              <a:gd name="connsiteY4" fmla="*/ 281370 h 1476457"/>
+              <a:gd name="connsiteX5" fmla="*/ 1950826 w 1950826"/>
+              <a:gd name="connsiteY5" fmla="*/ 0 h 1476457"/>
+              <a:gd name="connsiteX0" fmla="*/ 0 w 1950826"/>
+              <a:gd name="connsiteY0" fmla="*/ 1476457 h 1476457"/>
+              <a:gd name="connsiteX1" fmla="*/ 565985 w 1950826"/>
+              <a:gd name="connsiteY1" fmla="*/ 1245808 h 1476457"/>
+              <a:gd name="connsiteX2" fmla="*/ 1045255 w 1950826"/>
+              <a:gd name="connsiteY2" fmla="*/ 985202 h 1476457"/>
+              <a:gd name="connsiteX3" fmla="*/ 1423442 w 1950826"/>
+              <a:gd name="connsiteY3" fmla="*/ 684631 h 1476457"/>
+              <a:gd name="connsiteX4" fmla="*/ 1739333 w 1950826"/>
+              <a:gd name="connsiteY4" fmla="*/ 346453 h 1476457"/>
+              <a:gd name="connsiteX5" fmla="*/ 1950826 w 1950826"/>
+              <a:gd name="connsiteY5" fmla="*/ 0 h 1476457"/>
+              <a:gd name="connsiteX0" fmla="*/ 0 w 1950826"/>
+              <a:gd name="connsiteY0" fmla="*/ 1428730 h 1428730"/>
+              <a:gd name="connsiteX1" fmla="*/ 565985 w 1950826"/>
+              <a:gd name="connsiteY1" fmla="*/ 1198081 h 1428730"/>
+              <a:gd name="connsiteX2" fmla="*/ 1045255 w 1950826"/>
+              <a:gd name="connsiteY2" fmla="*/ 937475 h 1428730"/>
+              <a:gd name="connsiteX3" fmla="*/ 1423442 w 1950826"/>
+              <a:gd name="connsiteY3" fmla="*/ 636904 h 1428730"/>
+              <a:gd name="connsiteX4" fmla="*/ 1739333 w 1950826"/>
+              <a:gd name="connsiteY4" fmla="*/ 298726 h 1428730"/>
+              <a:gd name="connsiteX5" fmla="*/ 1950826 w 1950826"/>
+              <a:gd name="connsiteY5" fmla="*/ 0 h 1428730"/>
+              <a:gd name="connsiteX0" fmla="*/ 0 w 1950826"/>
+              <a:gd name="connsiteY0" fmla="*/ 1428730 h 1428730"/>
+              <a:gd name="connsiteX1" fmla="*/ 565985 w 1950826"/>
+              <a:gd name="connsiteY1" fmla="*/ 1198081 h 1428730"/>
+              <a:gd name="connsiteX2" fmla="*/ 1045255 w 1950826"/>
+              <a:gd name="connsiteY2" fmla="*/ 937475 h 1428730"/>
+              <a:gd name="connsiteX3" fmla="*/ 1423442 w 1950826"/>
+              <a:gd name="connsiteY3" fmla="*/ 636904 h 1428730"/>
+              <a:gd name="connsiteX4" fmla="*/ 1704393 w 1950826"/>
+              <a:gd name="connsiteY4" fmla="*/ 376826 h 1428730"/>
+              <a:gd name="connsiteX5" fmla="*/ 1950826 w 1950826"/>
+              <a:gd name="connsiteY5" fmla="*/ 0 h 1428730"/>
+              <a:gd name="connsiteX0" fmla="*/ 0 w 1950826"/>
+              <a:gd name="connsiteY0" fmla="*/ 1428730 h 1428730"/>
+              <a:gd name="connsiteX1" fmla="*/ 565985 w 1950826"/>
+              <a:gd name="connsiteY1" fmla="*/ 1198081 h 1428730"/>
+              <a:gd name="connsiteX2" fmla="*/ 1045255 w 1950826"/>
+              <a:gd name="connsiteY2" fmla="*/ 937475 h 1428730"/>
+              <a:gd name="connsiteX3" fmla="*/ 1423442 w 1950826"/>
+              <a:gd name="connsiteY3" fmla="*/ 636904 h 1428730"/>
+              <a:gd name="connsiteX4" fmla="*/ 1704393 w 1950826"/>
+              <a:gd name="connsiteY4" fmla="*/ 376826 h 1428730"/>
+              <a:gd name="connsiteX5" fmla="*/ 1950826 w 1950826"/>
+              <a:gd name="connsiteY5" fmla="*/ 0 h 1428730"/>
+              <a:gd name="connsiteX0" fmla="*/ 0 w 1950826"/>
+              <a:gd name="connsiteY0" fmla="*/ 1428730 h 1428730"/>
+              <a:gd name="connsiteX1" fmla="*/ 565985 w 1950826"/>
+              <a:gd name="connsiteY1" fmla="*/ 1198081 h 1428730"/>
+              <a:gd name="connsiteX2" fmla="*/ 1045255 w 1950826"/>
+              <a:gd name="connsiteY2" fmla="*/ 937475 h 1428730"/>
+              <a:gd name="connsiteX3" fmla="*/ 1423442 w 1950826"/>
+              <a:gd name="connsiteY3" fmla="*/ 636904 h 1428730"/>
+              <a:gd name="connsiteX4" fmla="*/ 1704393 w 1950826"/>
+              <a:gd name="connsiteY4" fmla="*/ 376826 h 1428730"/>
+              <a:gd name="connsiteX5" fmla="*/ 1950826 w 1950826"/>
+              <a:gd name="connsiteY5" fmla="*/ 0 h 1428730"/>
+              <a:gd name="connsiteX0" fmla="*/ 0 w 1950826"/>
+              <a:gd name="connsiteY0" fmla="*/ 1428730 h 1428730"/>
+              <a:gd name="connsiteX1" fmla="*/ 565985 w 1950826"/>
+              <a:gd name="connsiteY1" fmla="*/ 1198081 h 1428730"/>
+              <a:gd name="connsiteX2" fmla="*/ 1045255 w 1950826"/>
+              <a:gd name="connsiteY2" fmla="*/ 937475 h 1428730"/>
+              <a:gd name="connsiteX3" fmla="*/ 1423442 w 1950826"/>
+              <a:gd name="connsiteY3" fmla="*/ 636904 h 1428730"/>
+              <a:gd name="connsiteX4" fmla="*/ 1704393 w 1950826"/>
+              <a:gd name="connsiteY4" fmla="*/ 376826 h 1428730"/>
+              <a:gd name="connsiteX5" fmla="*/ 1950826 w 1950826"/>
+              <a:gd name="connsiteY5" fmla="*/ 0 h 1428730"/>
+              <a:gd name="connsiteX0" fmla="*/ 0 w 1950826"/>
+              <a:gd name="connsiteY0" fmla="*/ 1428730 h 1428730"/>
+              <a:gd name="connsiteX1" fmla="*/ 565985 w 1950826"/>
+              <a:gd name="connsiteY1" fmla="*/ 1198081 h 1428730"/>
+              <a:gd name="connsiteX2" fmla="*/ 1045255 w 1950826"/>
+              <a:gd name="connsiteY2" fmla="*/ 937475 h 1428730"/>
+              <a:gd name="connsiteX3" fmla="*/ 1423442 w 1950826"/>
+              <a:gd name="connsiteY3" fmla="*/ 636904 h 1428730"/>
+              <a:gd name="connsiteX4" fmla="*/ 1686923 w 1950826"/>
+              <a:gd name="connsiteY4" fmla="*/ 411537 h 1428730"/>
+              <a:gd name="connsiteX5" fmla="*/ 1950826 w 1950826"/>
+              <a:gd name="connsiteY5" fmla="*/ 0 h 1428730"/>
+              <a:gd name="connsiteX0" fmla="*/ 0 w 1950826"/>
+              <a:gd name="connsiteY0" fmla="*/ 1428730 h 1428730"/>
+              <a:gd name="connsiteX1" fmla="*/ 565985 w 1950826"/>
+              <a:gd name="connsiteY1" fmla="*/ 1198081 h 1428730"/>
+              <a:gd name="connsiteX2" fmla="*/ 1045255 w 1950826"/>
+              <a:gd name="connsiteY2" fmla="*/ 937475 h 1428730"/>
+              <a:gd name="connsiteX3" fmla="*/ 1382678 w 1950826"/>
+              <a:gd name="connsiteY3" fmla="*/ 758393 h 1428730"/>
+              <a:gd name="connsiteX4" fmla="*/ 1686923 w 1950826"/>
+              <a:gd name="connsiteY4" fmla="*/ 411537 h 1428730"/>
+              <a:gd name="connsiteX5" fmla="*/ 1950826 w 1950826"/>
+              <a:gd name="connsiteY5" fmla="*/ 0 h 1428730"/>
+              <a:gd name="connsiteX0" fmla="*/ 0 w 1950826"/>
+              <a:gd name="connsiteY0" fmla="*/ 1428730 h 1428730"/>
+              <a:gd name="connsiteX1" fmla="*/ 565985 w 1950826"/>
+              <a:gd name="connsiteY1" fmla="*/ 1198081 h 1428730"/>
+              <a:gd name="connsiteX2" fmla="*/ 1004491 w 1950826"/>
+              <a:gd name="connsiteY2" fmla="*/ 998219 h 1428730"/>
+              <a:gd name="connsiteX3" fmla="*/ 1382678 w 1950826"/>
+              <a:gd name="connsiteY3" fmla="*/ 758393 h 1428730"/>
+              <a:gd name="connsiteX4" fmla="*/ 1686923 w 1950826"/>
+              <a:gd name="connsiteY4" fmla="*/ 411537 h 1428730"/>
+              <a:gd name="connsiteX5" fmla="*/ 1950826 w 1950826"/>
+              <a:gd name="connsiteY5" fmla="*/ 0 h 1428730"/>
+              <a:gd name="connsiteX0" fmla="*/ 0 w 1950826"/>
+              <a:gd name="connsiteY0" fmla="*/ 1428730 h 1428730"/>
+              <a:gd name="connsiteX1" fmla="*/ 647512 w 1950826"/>
+              <a:gd name="connsiteY1" fmla="*/ 1193742 h 1428730"/>
+              <a:gd name="connsiteX2" fmla="*/ 1004491 w 1950826"/>
+              <a:gd name="connsiteY2" fmla="*/ 998219 h 1428730"/>
+              <a:gd name="connsiteX3" fmla="*/ 1382678 w 1950826"/>
+              <a:gd name="connsiteY3" fmla="*/ 758393 h 1428730"/>
+              <a:gd name="connsiteX4" fmla="*/ 1686923 w 1950826"/>
+              <a:gd name="connsiteY4" fmla="*/ 411537 h 1428730"/>
+              <a:gd name="connsiteX5" fmla="*/ 1950826 w 1950826"/>
+              <a:gd name="connsiteY5" fmla="*/ 0 h 1428730"/>
+              <a:gd name="connsiteX0" fmla="*/ 0 w 1950826"/>
+              <a:gd name="connsiteY0" fmla="*/ 1428730 h 1428730"/>
+              <a:gd name="connsiteX1" fmla="*/ 647512 w 1950826"/>
+              <a:gd name="connsiteY1" fmla="*/ 1193742 h 1428730"/>
+              <a:gd name="connsiteX2" fmla="*/ 1004491 w 1950826"/>
+              <a:gd name="connsiteY2" fmla="*/ 998219 h 1428730"/>
+              <a:gd name="connsiteX3" fmla="*/ 1382678 w 1950826"/>
+              <a:gd name="connsiteY3" fmla="*/ 758393 h 1428730"/>
+              <a:gd name="connsiteX4" fmla="*/ 1698570 w 1950826"/>
+              <a:gd name="connsiteY4" fmla="*/ 441909 h 1428730"/>
+              <a:gd name="connsiteX5" fmla="*/ 1950826 w 1950826"/>
+              <a:gd name="connsiteY5" fmla="*/ 0 h 1428730"/>
+              <a:gd name="connsiteX0" fmla="*/ 0 w 1950826"/>
+              <a:gd name="connsiteY0" fmla="*/ 1428730 h 1428730"/>
+              <a:gd name="connsiteX1" fmla="*/ 647512 w 1950826"/>
+              <a:gd name="connsiteY1" fmla="*/ 1193742 h 1428730"/>
+              <a:gd name="connsiteX2" fmla="*/ 1004491 w 1950826"/>
+              <a:gd name="connsiteY2" fmla="*/ 1024253 h 1428730"/>
+              <a:gd name="connsiteX3" fmla="*/ 1382678 w 1950826"/>
+              <a:gd name="connsiteY3" fmla="*/ 758393 h 1428730"/>
+              <a:gd name="connsiteX4" fmla="*/ 1698570 w 1950826"/>
+              <a:gd name="connsiteY4" fmla="*/ 441909 h 1428730"/>
+              <a:gd name="connsiteX5" fmla="*/ 1950826 w 1950826"/>
+              <a:gd name="connsiteY5" fmla="*/ 0 h 1428730"/>
+              <a:gd name="connsiteX0" fmla="*/ 0 w 1962473"/>
+              <a:gd name="connsiteY0" fmla="*/ 1341953 h 1341953"/>
+              <a:gd name="connsiteX1" fmla="*/ 647512 w 1962473"/>
+              <a:gd name="connsiteY1" fmla="*/ 1106965 h 1341953"/>
+              <a:gd name="connsiteX2" fmla="*/ 1004491 w 1962473"/>
+              <a:gd name="connsiteY2" fmla="*/ 937476 h 1341953"/>
+              <a:gd name="connsiteX3" fmla="*/ 1382678 w 1962473"/>
+              <a:gd name="connsiteY3" fmla="*/ 671616 h 1341953"/>
+              <a:gd name="connsiteX4" fmla="*/ 1698570 w 1962473"/>
+              <a:gd name="connsiteY4" fmla="*/ 355132 h 1341953"/>
+              <a:gd name="connsiteX5" fmla="*/ 1962473 w 1962473"/>
+              <a:gd name="connsiteY5" fmla="*/ 0 h 1341953"/>
+              <a:gd name="connsiteX0" fmla="*/ 0 w 1962473"/>
+              <a:gd name="connsiteY0" fmla="*/ 1341953 h 1341953"/>
+              <a:gd name="connsiteX1" fmla="*/ 647512 w 1962473"/>
+              <a:gd name="connsiteY1" fmla="*/ 1106965 h 1341953"/>
+              <a:gd name="connsiteX2" fmla="*/ 1004491 w 1962473"/>
+              <a:gd name="connsiteY2" fmla="*/ 937476 h 1341953"/>
+              <a:gd name="connsiteX3" fmla="*/ 1382678 w 1962473"/>
+              <a:gd name="connsiteY3" fmla="*/ 671616 h 1341953"/>
+              <a:gd name="connsiteX4" fmla="*/ 1698570 w 1962473"/>
+              <a:gd name="connsiteY4" fmla="*/ 355132 h 1341953"/>
+              <a:gd name="connsiteX5" fmla="*/ 1962473 w 1962473"/>
+              <a:gd name="connsiteY5" fmla="*/ 0 h 1341953"/>
+              <a:gd name="connsiteX0" fmla="*/ 0 w 1962473"/>
+              <a:gd name="connsiteY0" fmla="*/ 1341953 h 1341953"/>
+              <a:gd name="connsiteX1" fmla="*/ 647512 w 1962473"/>
+              <a:gd name="connsiteY1" fmla="*/ 1106965 h 1341953"/>
+              <a:gd name="connsiteX2" fmla="*/ 1004491 w 1962473"/>
+              <a:gd name="connsiteY2" fmla="*/ 937476 h 1341953"/>
+              <a:gd name="connsiteX3" fmla="*/ 1382678 w 1962473"/>
+              <a:gd name="connsiteY3" fmla="*/ 671616 h 1341953"/>
+              <a:gd name="connsiteX4" fmla="*/ 1698570 w 1962473"/>
+              <a:gd name="connsiteY4" fmla="*/ 355132 h 1341953"/>
+              <a:gd name="connsiteX5" fmla="*/ 1962473 w 1962473"/>
+              <a:gd name="connsiteY5" fmla="*/ 0 h 1341953"/>
+              <a:gd name="connsiteX0" fmla="*/ 0 w 1962473"/>
+              <a:gd name="connsiteY0" fmla="*/ 1341953 h 1341953"/>
+              <a:gd name="connsiteX1" fmla="*/ 647512 w 1962473"/>
+              <a:gd name="connsiteY1" fmla="*/ 1106965 h 1341953"/>
+              <a:gd name="connsiteX2" fmla="*/ 1004491 w 1962473"/>
+              <a:gd name="connsiteY2" fmla="*/ 937476 h 1341953"/>
+              <a:gd name="connsiteX3" fmla="*/ 1359385 w 1962473"/>
+              <a:gd name="connsiteY3" fmla="*/ 654261 h 1341953"/>
+              <a:gd name="connsiteX4" fmla="*/ 1698570 w 1962473"/>
+              <a:gd name="connsiteY4" fmla="*/ 355132 h 1341953"/>
+              <a:gd name="connsiteX5" fmla="*/ 1962473 w 1962473"/>
+              <a:gd name="connsiteY5" fmla="*/ 0 h 1341953"/>
+              <a:gd name="connsiteX0" fmla="*/ 0 w 1962473"/>
+              <a:gd name="connsiteY0" fmla="*/ 1341953 h 1341953"/>
+              <a:gd name="connsiteX1" fmla="*/ 647512 w 1962473"/>
+              <a:gd name="connsiteY1" fmla="*/ 1106965 h 1341953"/>
+              <a:gd name="connsiteX2" fmla="*/ 975374 w 1962473"/>
+              <a:gd name="connsiteY2" fmla="*/ 911442 h 1341953"/>
+              <a:gd name="connsiteX3" fmla="*/ 1359385 w 1962473"/>
+              <a:gd name="connsiteY3" fmla="*/ 654261 h 1341953"/>
+              <a:gd name="connsiteX4" fmla="*/ 1698570 w 1962473"/>
+              <a:gd name="connsiteY4" fmla="*/ 355132 h 1341953"/>
+              <a:gd name="connsiteX5" fmla="*/ 1962473 w 1962473"/>
+              <a:gd name="connsiteY5" fmla="*/ 0 h 1341953"/>
+              <a:gd name="connsiteX0" fmla="*/ 0 w 1962473"/>
+              <a:gd name="connsiteY0" fmla="*/ 1341953 h 1341953"/>
+              <a:gd name="connsiteX1" fmla="*/ 618395 w 1962473"/>
+              <a:gd name="connsiteY1" fmla="*/ 1080932 h 1341953"/>
+              <a:gd name="connsiteX2" fmla="*/ 975374 w 1962473"/>
+              <a:gd name="connsiteY2" fmla="*/ 911442 h 1341953"/>
+              <a:gd name="connsiteX3" fmla="*/ 1359385 w 1962473"/>
+              <a:gd name="connsiteY3" fmla="*/ 654261 h 1341953"/>
+              <a:gd name="connsiteX4" fmla="*/ 1698570 w 1962473"/>
+              <a:gd name="connsiteY4" fmla="*/ 355132 h 1341953"/>
+              <a:gd name="connsiteX5" fmla="*/ 1962473 w 1962473"/>
+              <a:gd name="connsiteY5" fmla="*/ 0 h 1341953"/>
+              <a:gd name="connsiteX0" fmla="*/ 0 w 1956649"/>
+              <a:gd name="connsiteY0" fmla="*/ 1298564 h 1298564"/>
+              <a:gd name="connsiteX1" fmla="*/ 612571 w 1956649"/>
+              <a:gd name="connsiteY1" fmla="*/ 1080932 h 1298564"/>
+              <a:gd name="connsiteX2" fmla="*/ 969550 w 1956649"/>
+              <a:gd name="connsiteY2" fmla="*/ 911442 h 1298564"/>
+              <a:gd name="connsiteX3" fmla="*/ 1353561 w 1956649"/>
+              <a:gd name="connsiteY3" fmla="*/ 654261 h 1298564"/>
+              <a:gd name="connsiteX4" fmla="*/ 1692746 w 1956649"/>
+              <a:gd name="connsiteY4" fmla="*/ 355132 h 1298564"/>
+              <a:gd name="connsiteX5" fmla="*/ 1956649 w 1956649"/>
+              <a:gd name="connsiteY5" fmla="*/ 0 h 1298564"/>
+              <a:gd name="connsiteX0" fmla="*/ 0 w 1956649"/>
+              <a:gd name="connsiteY0" fmla="*/ 1298564 h 1298564"/>
+              <a:gd name="connsiteX1" fmla="*/ 612571 w 1956649"/>
+              <a:gd name="connsiteY1" fmla="*/ 1080932 h 1298564"/>
+              <a:gd name="connsiteX2" fmla="*/ 969550 w 1956649"/>
+              <a:gd name="connsiteY2" fmla="*/ 911442 h 1298564"/>
+              <a:gd name="connsiteX3" fmla="*/ 1353561 w 1956649"/>
+              <a:gd name="connsiteY3" fmla="*/ 654261 h 1298564"/>
+              <a:gd name="connsiteX4" fmla="*/ 1692746 w 1956649"/>
+              <a:gd name="connsiteY4" fmla="*/ 355132 h 1298564"/>
+              <a:gd name="connsiteX5" fmla="*/ 1956649 w 1956649"/>
+              <a:gd name="connsiteY5" fmla="*/ 0 h 1298564"/>
+              <a:gd name="connsiteX0" fmla="*/ 0 w 1956649"/>
+              <a:gd name="connsiteY0" fmla="*/ 1298564 h 1298564"/>
+              <a:gd name="connsiteX1" fmla="*/ 612571 w 1956649"/>
+              <a:gd name="connsiteY1" fmla="*/ 1080932 h 1298564"/>
+              <a:gd name="connsiteX2" fmla="*/ 969550 w 1956649"/>
+              <a:gd name="connsiteY2" fmla="*/ 911442 h 1298564"/>
+              <a:gd name="connsiteX3" fmla="*/ 1285346 w 1956649"/>
+              <a:gd name="connsiteY3" fmla="*/ 633366 h 1298564"/>
+              <a:gd name="connsiteX4" fmla="*/ 1692746 w 1956649"/>
+              <a:gd name="connsiteY4" fmla="*/ 355132 h 1298564"/>
+              <a:gd name="connsiteX5" fmla="*/ 1956649 w 1956649"/>
+              <a:gd name="connsiteY5" fmla="*/ 0 h 1298564"/>
+              <a:gd name="connsiteX0" fmla="*/ 0 w 1956649"/>
+              <a:gd name="connsiteY0" fmla="*/ 1298564 h 1298564"/>
+              <a:gd name="connsiteX1" fmla="*/ 612571 w 1956649"/>
+              <a:gd name="connsiteY1" fmla="*/ 1080932 h 1298564"/>
+              <a:gd name="connsiteX2" fmla="*/ 969550 w 1956649"/>
+              <a:gd name="connsiteY2" fmla="*/ 911442 h 1298564"/>
+              <a:gd name="connsiteX3" fmla="*/ 1285346 w 1956649"/>
+              <a:gd name="connsiteY3" fmla="*/ 633366 h 1298564"/>
+              <a:gd name="connsiteX4" fmla="*/ 1673256 w 1956649"/>
+              <a:gd name="connsiteY4" fmla="*/ 369062 h 1298564"/>
+              <a:gd name="connsiteX5" fmla="*/ 1956649 w 1956649"/>
+              <a:gd name="connsiteY5" fmla="*/ 0 h 1298564"/>
+              <a:gd name="connsiteX0" fmla="*/ 0 w 1956649"/>
+              <a:gd name="connsiteY0" fmla="*/ 1298564 h 1298564"/>
+              <a:gd name="connsiteX1" fmla="*/ 612571 w 1956649"/>
+              <a:gd name="connsiteY1" fmla="*/ 1080932 h 1298564"/>
+              <a:gd name="connsiteX2" fmla="*/ 1285346 w 1956649"/>
+              <a:gd name="connsiteY2" fmla="*/ 633366 h 1298564"/>
+              <a:gd name="connsiteX3" fmla="*/ 1673256 w 1956649"/>
+              <a:gd name="connsiteY3" fmla="*/ 369062 h 1298564"/>
+              <a:gd name="connsiteX4" fmla="*/ 1956649 w 1956649"/>
+              <a:gd name="connsiteY4" fmla="*/ 0 h 1298564"/>
+              <a:gd name="connsiteX0" fmla="*/ 0 w 1956649"/>
+              <a:gd name="connsiteY0" fmla="*/ 1298564 h 1298564"/>
+              <a:gd name="connsiteX1" fmla="*/ 690532 w 1956649"/>
+              <a:gd name="connsiteY1" fmla="*/ 969493 h 1298564"/>
+              <a:gd name="connsiteX2" fmla="*/ 1285346 w 1956649"/>
+              <a:gd name="connsiteY2" fmla="*/ 633366 h 1298564"/>
+              <a:gd name="connsiteX3" fmla="*/ 1673256 w 1956649"/>
+              <a:gd name="connsiteY3" fmla="*/ 369062 h 1298564"/>
+              <a:gd name="connsiteX4" fmla="*/ 1956649 w 1956649"/>
+              <a:gd name="connsiteY4" fmla="*/ 0 h 1298564"/>
+              <a:gd name="connsiteX0" fmla="*/ 0 w 1956649"/>
+              <a:gd name="connsiteY0" fmla="*/ 1298564 h 1298564"/>
+              <a:gd name="connsiteX1" fmla="*/ 690532 w 1956649"/>
+              <a:gd name="connsiteY1" fmla="*/ 969493 h 1298564"/>
+              <a:gd name="connsiteX2" fmla="*/ 1275601 w 1956649"/>
+              <a:gd name="connsiteY2" fmla="*/ 668191 h 1298564"/>
+              <a:gd name="connsiteX3" fmla="*/ 1673256 w 1956649"/>
+              <a:gd name="connsiteY3" fmla="*/ 369062 h 1298564"/>
+              <a:gd name="connsiteX4" fmla="*/ 1956649 w 1956649"/>
+              <a:gd name="connsiteY4" fmla="*/ 0 h 1298564"/>
+              <a:gd name="connsiteX0" fmla="*/ 0 w 1956649"/>
+              <a:gd name="connsiteY0" fmla="*/ 1298564 h 1298564"/>
+              <a:gd name="connsiteX1" fmla="*/ 690532 w 1956649"/>
+              <a:gd name="connsiteY1" fmla="*/ 969493 h 1298564"/>
+              <a:gd name="connsiteX2" fmla="*/ 1275601 w 1956649"/>
+              <a:gd name="connsiteY2" fmla="*/ 668191 h 1298564"/>
+              <a:gd name="connsiteX3" fmla="*/ 1644020 w 1956649"/>
+              <a:gd name="connsiteY3" fmla="*/ 382992 h 1298564"/>
+              <a:gd name="connsiteX4" fmla="*/ 1956649 w 1956649"/>
+              <a:gd name="connsiteY4" fmla="*/ 0 h 1298564"/>
+              <a:gd name="connsiteX0" fmla="*/ 0 w 1956649"/>
+              <a:gd name="connsiteY0" fmla="*/ 1298564 h 1298564"/>
+              <a:gd name="connsiteX1" fmla="*/ 710022 w 1956649"/>
+              <a:gd name="connsiteY1" fmla="*/ 997353 h 1298564"/>
+              <a:gd name="connsiteX2" fmla="*/ 1275601 w 1956649"/>
+              <a:gd name="connsiteY2" fmla="*/ 668191 h 1298564"/>
+              <a:gd name="connsiteX3" fmla="*/ 1644020 w 1956649"/>
+              <a:gd name="connsiteY3" fmla="*/ 382992 h 1298564"/>
+              <a:gd name="connsiteX4" fmla="*/ 1956649 w 1956649"/>
+              <a:gd name="connsiteY4" fmla="*/ 0 h 1298564"/>
+              <a:gd name="connsiteX0" fmla="*/ 0 w 1956649"/>
+              <a:gd name="connsiteY0" fmla="*/ 1298564 h 1298564"/>
+              <a:gd name="connsiteX1" fmla="*/ 710022 w 1956649"/>
+              <a:gd name="connsiteY1" fmla="*/ 997353 h 1298564"/>
+              <a:gd name="connsiteX2" fmla="*/ 1275601 w 1956649"/>
+              <a:gd name="connsiteY2" fmla="*/ 668191 h 1298564"/>
+              <a:gd name="connsiteX3" fmla="*/ 1527079 w 1956649"/>
+              <a:gd name="connsiteY3" fmla="*/ 355132 h 1298564"/>
+              <a:gd name="connsiteX4" fmla="*/ 1956649 w 1956649"/>
+              <a:gd name="connsiteY4" fmla="*/ 0 h 1298564"/>
+              <a:gd name="connsiteX0" fmla="*/ 0 w 1956649"/>
+              <a:gd name="connsiteY0" fmla="*/ 1298564 h 1298564"/>
+              <a:gd name="connsiteX1" fmla="*/ 710022 w 1956649"/>
+              <a:gd name="connsiteY1" fmla="*/ 997353 h 1298564"/>
+              <a:gd name="connsiteX2" fmla="*/ 1139170 w 1956649"/>
+              <a:gd name="connsiteY2" fmla="*/ 612471 h 1298564"/>
+              <a:gd name="connsiteX3" fmla="*/ 1527079 w 1956649"/>
+              <a:gd name="connsiteY3" fmla="*/ 355132 h 1298564"/>
+              <a:gd name="connsiteX4" fmla="*/ 1956649 w 1956649"/>
+              <a:gd name="connsiteY4" fmla="*/ 0 h 1298564"/>
+              <a:gd name="connsiteX0" fmla="*/ 0 w 1956649"/>
+              <a:gd name="connsiteY0" fmla="*/ 1298564 h 1298564"/>
+              <a:gd name="connsiteX1" fmla="*/ 641806 w 1956649"/>
+              <a:gd name="connsiteY1" fmla="*/ 885913 h 1298564"/>
+              <a:gd name="connsiteX2" fmla="*/ 1139170 w 1956649"/>
+              <a:gd name="connsiteY2" fmla="*/ 612471 h 1298564"/>
+              <a:gd name="connsiteX3" fmla="*/ 1527079 w 1956649"/>
+              <a:gd name="connsiteY3" fmla="*/ 355132 h 1298564"/>
+              <a:gd name="connsiteX4" fmla="*/ 1956649 w 1956649"/>
+              <a:gd name="connsiteY4" fmla="*/ 0 h 1298564"/>
+              <a:gd name="connsiteX0" fmla="*/ 0 w 1868943"/>
+              <a:gd name="connsiteY0" fmla="*/ 1235880 h 1235880"/>
+              <a:gd name="connsiteX1" fmla="*/ 641806 w 1868943"/>
+              <a:gd name="connsiteY1" fmla="*/ 823229 h 1235880"/>
+              <a:gd name="connsiteX2" fmla="*/ 1139170 w 1868943"/>
+              <a:gd name="connsiteY2" fmla="*/ 549787 h 1235880"/>
+              <a:gd name="connsiteX3" fmla="*/ 1527079 w 1868943"/>
+              <a:gd name="connsiteY3" fmla="*/ 292448 h 1235880"/>
+              <a:gd name="connsiteX4" fmla="*/ 1868943 w 1868943"/>
+              <a:gd name="connsiteY4" fmla="*/ 0 h 1235880"/>
+              <a:gd name="connsiteX0" fmla="*/ 0 w 1868943"/>
+              <a:gd name="connsiteY0" fmla="*/ 1235880 h 1235880"/>
+              <a:gd name="connsiteX1" fmla="*/ 641806 w 1868943"/>
+              <a:gd name="connsiteY1" fmla="*/ 823229 h 1235880"/>
+              <a:gd name="connsiteX2" fmla="*/ 1139170 w 1868943"/>
+              <a:gd name="connsiteY2" fmla="*/ 549787 h 1235880"/>
+              <a:gd name="connsiteX3" fmla="*/ 1527079 w 1868943"/>
+              <a:gd name="connsiteY3" fmla="*/ 292448 h 1235880"/>
+              <a:gd name="connsiteX4" fmla="*/ 1868943 w 1868943"/>
+              <a:gd name="connsiteY4" fmla="*/ 0 h 1235880"/>
+              <a:gd name="connsiteX0" fmla="*/ 0 w 1868943"/>
+              <a:gd name="connsiteY0" fmla="*/ 1235880 h 1235880"/>
+              <a:gd name="connsiteX1" fmla="*/ 641806 w 1868943"/>
+              <a:gd name="connsiteY1" fmla="*/ 823229 h 1235880"/>
+              <a:gd name="connsiteX2" fmla="*/ 1139170 w 1868943"/>
+              <a:gd name="connsiteY2" fmla="*/ 549787 h 1235880"/>
+              <a:gd name="connsiteX3" fmla="*/ 1527079 w 1868943"/>
+              <a:gd name="connsiteY3" fmla="*/ 292448 h 1235880"/>
+              <a:gd name="connsiteX4" fmla="*/ 1868943 w 1868943"/>
+              <a:gd name="connsiteY4" fmla="*/ 0 h 1235880"/>
+              <a:gd name="connsiteX0" fmla="*/ 0 w 1722767"/>
+              <a:gd name="connsiteY0" fmla="*/ 1033896 h 1033896"/>
+              <a:gd name="connsiteX1" fmla="*/ 495630 w 1722767"/>
+              <a:gd name="connsiteY1" fmla="*/ 823229 h 1033896"/>
+              <a:gd name="connsiteX2" fmla="*/ 992994 w 1722767"/>
+              <a:gd name="connsiteY2" fmla="*/ 549787 h 1033896"/>
+              <a:gd name="connsiteX3" fmla="*/ 1380903 w 1722767"/>
+              <a:gd name="connsiteY3" fmla="*/ 292448 h 1033896"/>
+              <a:gd name="connsiteX4" fmla="*/ 1722767 w 1722767"/>
+              <a:gd name="connsiteY4" fmla="*/ 0 h 1033896"/>
+            </a:gdLst>
+            <a:ahLst/>
+            <a:cxnLst>
+              <a:cxn ang="0">
+                <a:pos x="connsiteX0" y="connsiteY0"/>
+              </a:cxn>
+              <a:cxn ang="0">
+                <a:pos x="connsiteX1" y="connsiteY1"/>
+              </a:cxn>
+              <a:cxn ang="0">
+                <a:pos x="connsiteX2" y="connsiteY2"/>
+              </a:cxn>
+              <a:cxn ang="0">
+                <a:pos x="connsiteX3" y="connsiteY3"/>
+              </a:cxn>
+              <a:cxn ang="0">
+                <a:pos x="connsiteX4" y="connsiteY4"/>
+              </a:cxn>
+            </a:cxnLst>
+            <a:rect l="l" t="t" r="r" b="b"/>
+            <a:pathLst>
+              <a:path w="1722767" h="1033896">
+                <a:moveTo>
+                  <a:pt x="0" y="1033896"/>
+                </a:moveTo>
+                <a:cubicBezTo>
+                  <a:pt x="167645" y="986690"/>
+                  <a:pt x="330131" y="903914"/>
+                  <a:pt x="495630" y="823229"/>
+                </a:cubicBezTo>
+                <a:cubicBezTo>
+                  <a:pt x="661129" y="742544"/>
+                  <a:pt x="845449" y="638250"/>
+                  <a:pt x="992994" y="549787"/>
+                </a:cubicBezTo>
+                <a:cubicBezTo>
+                  <a:pt x="1140539" y="461324"/>
+                  <a:pt x="1259274" y="384079"/>
+                  <a:pt x="1380903" y="292448"/>
+                </a:cubicBezTo>
+                <a:cubicBezTo>
+                  <a:pt x="1502532" y="200817"/>
+                  <a:pt x="1471786" y="207577"/>
+                  <a:pt x="1722767" y="0"/>
+                </a:cubicBezTo>
+              </a:path>
+            </a:pathLst>
+          </a:custGeom>
+          <a:ln w="31750">
+            <a:solidFill>
+              <a:schemeClr val="accent2"/>
+            </a:solidFill>
+            <a:prstDash val="solid"/>
+            <a:headEnd type="none" w="med" len="med"/>
+            <a:tailEnd type="arrow" w="lg" len="lg"/>
+          </a:ln>
+        </p:spPr>
+        <p:style>
+          <a:lnRef idx="1">
+            <a:schemeClr val="dk1"/>
+          </a:lnRef>
+          <a:fillRef idx="0">
+            <a:schemeClr val="dk1"/>
+          </a:fillRef>
+          <a:effectRef idx="0">
+            <a:schemeClr val="dk1"/>
+          </a:effectRef>
+          <a:fontRef idx="minor">
+            <a:schemeClr val="tx1"/>
+          </a:fontRef>
+        </p:style>
+        <p:txBody>
+          <a:bodyPr rtlCol="0" anchor="ctr"/>
+          <a:lstStyle/>
+          <a:p>
+            <a:pPr algn="ctr"/>
+            <a:endParaRPr kumimoji="1" lang="ja-JP" altLang="en-US"/>
+          </a:p>
+        </p:txBody>
+      </p:sp>
+    </p:spTree>
+    <p:extLst>
+      <p:ext uri="{BB962C8B-B14F-4D97-AF65-F5344CB8AC3E}">
+        <p14:creationId xmlns:p14="http://schemas.microsoft.com/office/powerpoint/2010/main" val="168741487"/>
+      </p:ext>
+    </p:extLst>
+  </p:cSld>
+  <p:clrMapOvr>
+    <a:masterClrMapping/>
+  </p:clrMapOvr>
+</p:sld>
+</file>
+
+<file path=ppt/slides/slide5.xml><?xml version="1.0" encoding="utf-8"?>
+<p:sld xmlns:a="http://schemas.openxmlformats.org/drawingml/2006/main" xmlns:r="http://schemas.openxmlformats.org/officeDocument/2006/relationships" xmlns:p="http://schemas.openxmlformats.org/presentationml/2006/main">
+  <p:cSld>
+    <p:spTree>
+      <p:nvGrpSpPr>
+        <p:cNvPr id="1" name=""/>
+        <p:cNvGrpSpPr/>
+        <p:nvPr/>
+      </p:nvGrpSpPr>
+      <p:grpSpPr>
+        <a:xfrm>
+          <a:off x="0" y="0"/>
+          <a:ext cx="0" cy="0"/>
+          <a:chOff x="0" y="0"/>
+          <a:chExt cx="0" cy="0"/>
+        </a:xfrm>
+      </p:grpSpPr>
+      <p:sp>
+        <p:nvSpPr>
+          <p:cNvPr id="12" name="テキスト ボックス 11"/>
+          <p:cNvSpPr txBox="1"/>
+          <p:nvPr/>
+        </p:nvSpPr>
+        <p:spPr>
+          <a:xfrm>
+            <a:off x="4467442" y="3679161"/>
+            <a:ext cx="2091508" cy="646331"/>
+          </a:xfrm>
+          <a:prstGeom prst="rect">
+            <a:avLst/>
+          </a:prstGeom>
+          <a:noFill/>
+        </p:spPr>
+        <p:txBody>
+          <a:bodyPr wrap="square" rtlCol="0">
+            <a:spAutoFit/>
+          </a:bodyPr>
+          <a:lstStyle/>
+          <a:p>
+            <a:r>
+              <a:rPr kumimoji="1" lang="en-US" altLang="ja-JP" dirty="0"/>
+              <a:t>Constant Volume Heat Rejection</a:t>
+            </a:r>
+          </a:p>
+        </p:txBody>
+      </p:sp>
+      <p:sp>
+        <p:nvSpPr>
+          <p:cNvPr id="17" name="矢印: 右 16"/>
+          <p:cNvSpPr/>
+          <p:nvPr/>
+        </p:nvSpPr>
+        <p:spPr>
+          <a:xfrm rot="3011261">
+            <a:off x="3559075" y="4544884"/>
+            <a:ext cx="1217751" cy="376161"/>
+          </a:xfrm>
+          <a:prstGeom prst="rightArrow">
+            <a:avLst>
+              <a:gd name="adj1" fmla="val 41818"/>
+              <a:gd name="adj2" fmla="val 91666"/>
+            </a:avLst>
+          </a:prstGeom>
+          <a:solidFill>
+            <a:schemeClr val="accent2"/>
+          </a:solidFill>
+          <a:ln>
+            <a:solidFill>
+              <a:schemeClr val="accent2"/>
+            </a:solidFill>
+          </a:ln>
+        </p:spPr>
+        <p:style>
+          <a:lnRef idx="1">
+            <a:schemeClr val="accent1"/>
+          </a:lnRef>
+          <a:fillRef idx="3">
+            <a:schemeClr val="accent1"/>
+          </a:fillRef>
+          <a:effectRef idx="2">
+            <a:schemeClr val="accent1"/>
+          </a:effectRef>
+          <a:fontRef idx="minor">
+            <a:schemeClr val="lt1"/>
+          </a:fontRef>
+        </p:style>
+        <p:txBody>
+          <a:bodyPr rtlCol="0" anchor="ctr"/>
+          <a:lstStyle/>
+          <a:p>
+            <a:pPr algn="ctr"/>
+            <a:endParaRPr kumimoji="1" lang="ja-JP" altLang="en-US"/>
+          </a:p>
+        </p:txBody>
+      </p:sp>
+      <p:sp>
+        <p:nvSpPr>
+          <p:cNvPr id="19" name="テキスト ボックス 18"/>
+          <p:cNvSpPr txBox="1"/>
+          <p:nvPr/>
+        </p:nvSpPr>
+        <p:spPr>
+          <a:xfrm>
+            <a:off x="4556950" y="4893057"/>
+            <a:ext cx="552579" cy="369332"/>
+          </a:xfrm>
+          <a:prstGeom prst="rect">
+            <a:avLst/>
+          </a:prstGeom>
+          <a:noFill/>
+        </p:spPr>
+        <p:txBody>
+          <a:bodyPr wrap="square" rtlCol="0">
+            <a:spAutoFit/>
+          </a:bodyPr>
+          <a:lstStyle/>
+          <a:p>
+            <a:r>
+              <a:rPr kumimoji="1" lang="en-US" altLang="ja-JP" dirty="0"/>
+              <a:t>Q</a:t>
+            </a:r>
+            <a:endParaRPr kumimoji="1" lang="ja-JP" altLang="en-US" dirty="0"/>
+          </a:p>
+        </p:txBody>
+      </p:sp>
+      <p:cxnSp>
+        <p:nvCxnSpPr>
+          <p:cNvPr id="26" name="直線コネクタ 25"/>
+          <p:cNvCxnSpPr/>
+          <p:nvPr/>
+        </p:nvCxnSpPr>
+        <p:spPr>
+          <a:xfrm flipV="1">
+            <a:off x="619737" y="1236617"/>
+            <a:ext cx="0" cy="5492156"/>
+          </a:xfrm>
+          <a:prstGeom prst="line">
+            <a:avLst/>
+          </a:prstGeom>
+          <a:ln w="19050">
+            <a:headEnd type="none" w="med" len="med"/>
+            <a:tailEnd type="arrow" w="med" len="med"/>
+          </a:ln>
+        </p:spPr>
+        <p:style>
+          <a:lnRef idx="1">
+            <a:schemeClr val="dk1"/>
+          </a:lnRef>
+          <a:fillRef idx="0">
+            <a:schemeClr val="dk1"/>
+          </a:fillRef>
+          <a:effectRef idx="0">
+            <a:schemeClr val="dk1"/>
+          </a:effectRef>
+          <a:fontRef idx="minor">
+            <a:schemeClr val="tx1"/>
+          </a:fontRef>
+        </p:style>
+      </p:cxnSp>
+      <p:sp>
+        <p:nvSpPr>
+          <p:cNvPr id="29" name="テキスト ボックス 28"/>
+          <p:cNvSpPr txBox="1"/>
+          <p:nvPr/>
+        </p:nvSpPr>
+        <p:spPr>
+          <a:xfrm>
+            <a:off x="249028" y="1544707"/>
+            <a:ext cx="552579" cy="369332"/>
+          </a:xfrm>
+          <a:prstGeom prst="rect">
+            <a:avLst/>
+          </a:prstGeom>
+          <a:noFill/>
+        </p:spPr>
+        <p:txBody>
+          <a:bodyPr wrap="square" rtlCol="0">
+            <a:spAutoFit/>
+          </a:bodyPr>
+          <a:lstStyle/>
+          <a:p>
+            <a:r>
+              <a:rPr lang="en-US" altLang="ja-JP" dirty="0"/>
+              <a:t>h</a:t>
+            </a:r>
+            <a:endParaRPr kumimoji="1" lang="ja-JP" altLang="en-US" dirty="0"/>
+          </a:p>
+        </p:txBody>
+      </p:sp>
+      <p:cxnSp>
+        <p:nvCxnSpPr>
+          <p:cNvPr id="30" name="直線コネクタ 29"/>
+          <p:cNvCxnSpPr/>
+          <p:nvPr/>
+        </p:nvCxnSpPr>
+        <p:spPr>
+          <a:xfrm>
+            <a:off x="619737" y="6728772"/>
+            <a:ext cx="6791257" cy="0"/>
+          </a:xfrm>
+          <a:prstGeom prst="line">
+            <a:avLst/>
+          </a:prstGeom>
+          <a:ln w="19050">
+            <a:headEnd type="none" w="med" len="med"/>
+            <a:tailEnd type="arrow" w="med" len="med"/>
+          </a:ln>
+        </p:spPr>
+        <p:style>
+          <a:lnRef idx="1">
+            <a:schemeClr val="dk1"/>
+          </a:lnRef>
+          <a:fillRef idx="0">
+            <a:schemeClr val="dk1"/>
+          </a:fillRef>
+          <a:effectRef idx="0">
+            <a:schemeClr val="dk1"/>
+          </a:effectRef>
+          <a:fontRef idx="minor">
+            <a:schemeClr val="tx1"/>
+          </a:fontRef>
+        </p:style>
+      </p:cxnSp>
+      <p:sp>
+        <p:nvSpPr>
+          <p:cNvPr id="34" name="テキスト ボックス 33"/>
+          <p:cNvSpPr txBox="1"/>
+          <p:nvPr/>
+        </p:nvSpPr>
+        <p:spPr>
+          <a:xfrm>
+            <a:off x="6684103" y="6275264"/>
+            <a:ext cx="552579" cy="369332"/>
+          </a:xfrm>
+          <a:prstGeom prst="rect">
+            <a:avLst/>
+          </a:prstGeom>
+          <a:noFill/>
+        </p:spPr>
+        <p:txBody>
+          <a:bodyPr wrap="square" rtlCol="0">
+            <a:spAutoFit/>
+          </a:bodyPr>
+          <a:lstStyle/>
+          <a:p>
+            <a:r>
+              <a:rPr kumimoji="1" lang="en-US" altLang="ja-JP" dirty="0"/>
+              <a:t>s</a:t>
+            </a:r>
+            <a:endParaRPr kumimoji="1" lang="ja-JP" altLang="en-US" dirty="0"/>
+          </a:p>
+        </p:txBody>
+      </p:sp>
+      <p:sp>
+        <p:nvSpPr>
+          <p:cNvPr id="27" name="フリーフォーム: 図形 26">
+            <a:extLst>
+              <a:ext uri="{FF2B5EF4-FFF2-40B4-BE49-F238E27FC236}">
+                <a16:creationId xmlns:a16="http://schemas.microsoft.com/office/drawing/2014/main" id="{4016A52E-7875-450B-AB38-2C9853293CDC}"/>
+              </a:ext>
+            </a:extLst>
+          </p:cNvPr>
+          <p:cNvSpPr/>
+          <p:nvPr/>
+        </p:nvSpPr>
+        <p:spPr>
+          <a:xfrm>
+            <a:off x="1881043" y="1889765"/>
+            <a:ext cx="2865120" cy="3163702"/>
+          </a:xfrm>
+          <a:custGeom>
+            <a:avLst/>
+            <a:gdLst>
+              <a:gd name="connsiteX0" fmla="*/ 0 w 1915886"/>
+              <a:gd name="connsiteY0" fmla="*/ 1576251 h 1576251"/>
+              <a:gd name="connsiteX1" fmla="*/ 539932 w 1915886"/>
+              <a:gd name="connsiteY1" fmla="*/ 1471748 h 1576251"/>
+              <a:gd name="connsiteX2" fmla="*/ 1210492 w 1915886"/>
+              <a:gd name="connsiteY2" fmla="*/ 1140823 h 1576251"/>
+              <a:gd name="connsiteX3" fmla="*/ 1672046 w 1915886"/>
+              <a:gd name="connsiteY3" fmla="*/ 670560 h 1576251"/>
+              <a:gd name="connsiteX4" fmla="*/ 1863634 w 1915886"/>
+              <a:gd name="connsiteY4" fmla="*/ 217714 h 1576251"/>
+              <a:gd name="connsiteX5" fmla="*/ 1915886 w 1915886"/>
+              <a:gd name="connsiteY5" fmla="*/ 0 h 1576251"/>
+              <a:gd name="connsiteX0-1" fmla="*/ 0 w 1915886"/>
+              <a:gd name="connsiteY0-2" fmla="*/ 1576251 h 1576251"/>
+              <a:gd name="connsiteX1-3" fmla="*/ 559285 w 1915886"/>
+              <a:gd name="connsiteY1-4" fmla="*/ 1402080 h 1576251"/>
+              <a:gd name="connsiteX2-5" fmla="*/ 1210492 w 1915886"/>
+              <a:gd name="connsiteY2-6" fmla="*/ 1140823 h 1576251"/>
+              <a:gd name="connsiteX3-7" fmla="*/ 1672046 w 1915886"/>
+              <a:gd name="connsiteY3-8" fmla="*/ 670560 h 1576251"/>
+              <a:gd name="connsiteX4-9" fmla="*/ 1863634 w 1915886"/>
+              <a:gd name="connsiteY4-10" fmla="*/ 217714 h 1576251"/>
+              <a:gd name="connsiteX5-11" fmla="*/ 1915886 w 1915886"/>
+              <a:gd name="connsiteY5-12" fmla="*/ 0 h 1576251"/>
+              <a:gd name="connsiteX0-13" fmla="*/ 0 w 1915886"/>
+              <a:gd name="connsiteY0-14" fmla="*/ 1576251 h 1576251"/>
+              <a:gd name="connsiteX1-15" fmla="*/ 559285 w 1915886"/>
+              <a:gd name="connsiteY1-16" fmla="*/ 1402080 h 1576251"/>
+              <a:gd name="connsiteX2-17" fmla="*/ 1152436 w 1915886"/>
+              <a:gd name="connsiteY2-18" fmla="*/ 1079863 h 1576251"/>
+              <a:gd name="connsiteX3-19" fmla="*/ 1672046 w 1915886"/>
+              <a:gd name="connsiteY3-20" fmla="*/ 670560 h 1576251"/>
+              <a:gd name="connsiteX4-21" fmla="*/ 1863634 w 1915886"/>
+              <a:gd name="connsiteY4-22" fmla="*/ 217714 h 1576251"/>
+              <a:gd name="connsiteX5-23" fmla="*/ 1915886 w 1915886"/>
+              <a:gd name="connsiteY5-24" fmla="*/ 0 h 1576251"/>
+              <a:gd name="connsiteX0-25" fmla="*/ 0 w 1915886"/>
+              <a:gd name="connsiteY0-26" fmla="*/ 1576251 h 1576251"/>
+              <a:gd name="connsiteX1-27" fmla="*/ 559285 w 1915886"/>
+              <a:gd name="connsiteY1-28" fmla="*/ 1402080 h 1576251"/>
+              <a:gd name="connsiteX2-29" fmla="*/ 1152436 w 1915886"/>
+              <a:gd name="connsiteY2-30" fmla="*/ 1079863 h 1576251"/>
+              <a:gd name="connsiteX3-31" fmla="*/ 1555931 w 1915886"/>
+              <a:gd name="connsiteY3-32" fmla="*/ 687977 h 1576251"/>
+              <a:gd name="connsiteX4-33" fmla="*/ 1863634 w 1915886"/>
+              <a:gd name="connsiteY4-34" fmla="*/ 217714 h 1576251"/>
+              <a:gd name="connsiteX5-35" fmla="*/ 1915886 w 1915886"/>
+              <a:gd name="connsiteY5-36" fmla="*/ 0 h 1576251"/>
+              <a:gd name="connsiteX0-37" fmla="*/ 0 w 1915886"/>
+              <a:gd name="connsiteY0-38" fmla="*/ 1576251 h 1576251"/>
+              <a:gd name="connsiteX1-39" fmla="*/ 559285 w 1915886"/>
+              <a:gd name="connsiteY1-40" fmla="*/ 1402080 h 1576251"/>
+              <a:gd name="connsiteX2-41" fmla="*/ 1152436 w 1915886"/>
+              <a:gd name="connsiteY2-42" fmla="*/ 1079863 h 1576251"/>
+              <a:gd name="connsiteX3-43" fmla="*/ 1555931 w 1915886"/>
+              <a:gd name="connsiteY3-44" fmla="*/ 687977 h 1576251"/>
+              <a:gd name="connsiteX4-45" fmla="*/ 1786225 w 1915886"/>
+              <a:gd name="connsiteY4-46" fmla="*/ 322217 h 1576251"/>
+              <a:gd name="connsiteX5-47" fmla="*/ 1915886 w 1915886"/>
+              <a:gd name="connsiteY5-48" fmla="*/ 0 h 1576251"/>
+              <a:gd name="connsiteX0-49" fmla="*/ 0 w 1915886"/>
+              <a:gd name="connsiteY0-50" fmla="*/ 1576251 h 1576251"/>
+              <a:gd name="connsiteX1-51" fmla="*/ 559285 w 1915886"/>
+              <a:gd name="connsiteY1-52" fmla="*/ 1402080 h 1576251"/>
+              <a:gd name="connsiteX2-53" fmla="*/ 1152436 w 1915886"/>
+              <a:gd name="connsiteY2-54" fmla="*/ 1079863 h 1576251"/>
+              <a:gd name="connsiteX3-55" fmla="*/ 1555931 w 1915886"/>
+              <a:gd name="connsiteY3-56" fmla="*/ 687977 h 1576251"/>
+              <a:gd name="connsiteX4-57" fmla="*/ 1786225 w 1915886"/>
+              <a:gd name="connsiteY4-58" fmla="*/ 365760 h 1576251"/>
+              <a:gd name="connsiteX5-59" fmla="*/ 1915886 w 1915886"/>
+              <a:gd name="connsiteY5-60" fmla="*/ 0 h 1576251"/>
+              <a:gd name="connsiteX0-61" fmla="*/ 0 w 1915886"/>
+              <a:gd name="connsiteY0-62" fmla="*/ 1576251 h 1576251"/>
+              <a:gd name="connsiteX1-63" fmla="*/ 559285 w 1915886"/>
+              <a:gd name="connsiteY1-64" fmla="*/ 1402080 h 1576251"/>
+              <a:gd name="connsiteX2-65" fmla="*/ 1152436 w 1915886"/>
+              <a:gd name="connsiteY2-66" fmla="*/ 1079863 h 1576251"/>
+              <a:gd name="connsiteX3-67" fmla="*/ 1555931 w 1915886"/>
+              <a:gd name="connsiteY3-68" fmla="*/ 687977 h 1576251"/>
+              <a:gd name="connsiteX4-69" fmla="*/ 1786225 w 1915886"/>
+              <a:gd name="connsiteY4-70" fmla="*/ 365760 h 1576251"/>
+              <a:gd name="connsiteX5-71" fmla="*/ 1915886 w 1915886"/>
+              <a:gd name="connsiteY5-72" fmla="*/ 0 h 1576251"/>
+              <a:gd name="connsiteX0-73" fmla="*/ 0 w 1915886"/>
+              <a:gd name="connsiteY0-74" fmla="*/ 1576251 h 1576251"/>
+              <a:gd name="connsiteX1-75" fmla="*/ 559285 w 1915886"/>
+              <a:gd name="connsiteY1-76" fmla="*/ 1402080 h 1576251"/>
+              <a:gd name="connsiteX2-77" fmla="*/ 1152436 w 1915886"/>
+              <a:gd name="connsiteY2-78" fmla="*/ 1079863 h 1576251"/>
+              <a:gd name="connsiteX3-79" fmla="*/ 1555931 w 1915886"/>
+              <a:gd name="connsiteY3-80" fmla="*/ 687977 h 1576251"/>
+              <a:gd name="connsiteX4-81" fmla="*/ 1786225 w 1915886"/>
+              <a:gd name="connsiteY4-82" fmla="*/ 365760 h 1576251"/>
+              <a:gd name="connsiteX5-83" fmla="*/ 1915886 w 1915886"/>
+              <a:gd name="connsiteY5-84" fmla="*/ 0 h 1576251"/>
+              <a:gd name="connsiteX0-85" fmla="*/ 0 w 1915886"/>
+              <a:gd name="connsiteY0-86" fmla="*/ 1576251 h 1576251"/>
+              <a:gd name="connsiteX1-87" fmla="*/ 559285 w 1915886"/>
+              <a:gd name="connsiteY1-88" fmla="*/ 1402080 h 1576251"/>
+              <a:gd name="connsiteX2-89" fmla="*/ 1152436 w 1915886"/>
+              <a:gd name="connsiteY2-90" fmla="*/ 1079863 h 1576251"/>
+              <a:gd name="connsiteX3-91" fmla="*/ 1517227 w 1915886"/>
+              <a:gd name="connsiteY3-92" fmla="*/ 722812 h 1576251"/>
+              <a:gd name="connsiteX4-93" fmla="*/ 1786225 w 1915886"/>
+              <a:gd name="connsiteY4-94" fmla="*/ 365760 h 1576251"/>
+              <a:gd name="connsiteX5-95" fmla="*/ 1915886 w 1915886"/>
+              <a:gd name="connsiteY5-96" fmla="*/ 0 h 1576251"/>
+              <a:gd name="connsiteX0-97" fmla="*/ 0 w 1915886"/>
+              <a:gd name="connsiteY0-98" fmla="*/ 1576251 h 1576251"/>
+              <a:gd name="connsiteX1-99" fmla="*/ 559285 w 1915886"/>
+              <a:gd name="connsiteY1-100" fmla="*/ 1402080 h 1576251"/>
+              <a:gd name="connsiteX2-101" fmla="*/ 1152436 w 1915886"/>
+              <a:gd name="connsiteY2-102" fmla="*/ 1079863 h 1576251"/>
+              <a:gd name="connsiteX3-103" fmla="*/ 1517227 w 1915886"/>
+              <a:gd name="connsiteY3-104" fmla="*/ 722812 h 1576251"/>
+              <a:gd name="connsiteX4-105" fmla="*/ 1786225 w 1915886"/>
+              <a:gd name="connsiteY4-106" fmla="*/ 365760 h 1576251"/>
+              <a:gd name="connsiteX5-107" fmla="*/ 1915886 w 1915886"/>
+              <a:gd name="connsiteY5-108" fmla="*/ 0 h 1576251"/>
+              <a:gd name="connsiteX0-109" fmla="*/ 0 w 1915886"/>
+              <a:gd name="connsiteY0-110" fmla="*/ 1576251 h 1576251"/>
+              <a:gd name="connsiteX1-111" fmla="*/ 539189 w 1915886"/>
+              <a:gd name="connsiteY1-112" fmla="*/ 1381542 h 1576251"/>
+              <a:gd name="connsiteX2-113" fmla="*/ 1152436 w 1915886"/>
+              <a:gd name="connsiteY2-114" fmla="*/ 1079863 h 1576251"/>
+              <a:gd name="connsiteX3-115" fmla="*/ 1517227 w 1915886"/>
+              <a:gd name="connsiteY3-116" fmla="*/ 722812 h 1576251"/>
+              <a:gd name="connsiteX4-117" fmla="*/ 1786225 w 1915886"/>
+              <a:gd name="connsiteY4-118" fmla="*/ 365760 h 1576251"/>
+              <a:gd name="connsiteX5-119" fmla="*/ 1915886 w 1915886"/>
+              <a:gd name="connsiteY5-120" fmla="*/ 0 h 1576251"/>
+              <a:gd name="connsiteX0-121" fmla="*/ 0 w 1915886"/>
+              <a:gd name="connsiteY0-122" fmla="*/ 1576251 h 1576251"/>
+              <a:gd name="connsiteX1-123" fmla="*/ 539189 w 1915886"/>
+              <a:gd name="connsiteY1-124" fmla="*/ 1381542 h 1576251"/>
+              <a:gd name="connsiteX2-125" fmla="*/ 1125641 w 1915886"/>
+              <a:gd name="connsiteY2-126" fmla="*/ 1074728 h 1576251"/>
+              <a:gd name="connsiteX3-127" fmla="*/ 1517227 w 1915886"/>
+              <a:gd name="connsiteY3-128" fmla="*/ 722812 h 1576251"/>
+              <a:gd name="connsiteX4-129" fmla="*/ 1786225 w 1915886"/>
+              <a:gd name="connsiteY4-130" fmla="*/ 365760 h 1576251"/>
+              <a:gd name="connsiteX5-131" fmla="*/ 1915886 w 1915886"/>
+              <a:gd name="connsiteY5-132" fmla="*/ 0 h 1576251"/>
+              <a:gd name="connsiteX0-133" fmla="*/ 0 w 1915886"/>
+              <a:gd name="connsiteY0-134" fmla="*/ 1576251 h 1576251"/>
+              <a:gd name="connsiteX1-135" fmla="*/ 539189 w 1915886"/>
+              <a:gd name="connsiteY1-136" fmla="*/ 1381542 h 1576251"/>
+              <a:gd name="connsiteX2-137" fmla="*/ 1125641 w 1915886"/>
+              <a:gd name="connsiteY2-138" fmla="*/ 1074728 h 1576251"/>
+              <a:gd name="connsiteX3-139" fmla="*/ 1456937 w 1915886"/>
+              <a:gd name="connsiteY3-140" fmla="*/ 758753 h 1576251"/>
+              <a:gd name="connsiteX4-141" fmla="*/ 1786225 w 1915886"/>
+              <a:gd name="connsiteY4-142" fmla="*/ 365760 h 1576251"/>
+              <a:gd name="connsiteX5-143" fmla="*/ 1915886 w 1915886"/>
+              <a:gd name="connsiteY5-144" fmla="*/ 0 h 1576251"/>
+              <a:gd name="connsiteX0-145" fmla="*/ 0 w 1915886"/>
+              <a:gd name="connsiteY0-146" fmla="*/ 1576251 h 1576251"/>
+              <a:gd name="connsiteX1-147" fmla="*/ 539189 w 1915886"/>
+              <a:gd name="connsiteY1-148" fmla="*/ 1381542 h 1576251"/>
+              <a:gd name="connsiteX2-149" fmla="*/ 1125641 w 1915886"/>
+              <a:gd name="connsiteY2-150" fmla="*/ 1074728 h 1576251"/>
+              <a:gd name="connsiteX3-151" fmla="*/ 1456937 w 1915886"/>
+              <a:gd name="connsiteY3-152" fmla="*/ 758753 h 1576251"/>
+              <a:gd name="connsiteX4-153" fmla="*/ 1739333 w 1915886"/>
+              <a:gd name="connsiteY4-154" fmla="*/ 381164 h 1576251"/>
+              <a:gd name="connsiteX5-155" fmla="*/ 1915886 w 1915886"/>
+              <a:gd name="connsiteY5-156" fmla="*/ 0 h 1576251"/>
+              <a:gd name="connsiteX0-157" fmla="*/ 0 w 1915886"/>
+              <a:gd name="connsiteY0-158" fmla="*/ 1576251 h 1576251"/>
+              <a:gd name="connsiteX1-159" fmla="*/ 539189 w 1915886"/>
+              <a:gd name="connsiteY1-160" fmla="*/ 1381542 h 1576251"/>
+              <a:gd name="connsiteX2-161" fmla="*/ 1125641 w 1915886"/>
+              <a:gd name="connsiteY2-162" fmla="*/ 1074728 h 1576251"/>
+              <a:gd name="connsiteX3-163" fmla="*/ 1423442 w 1915886"/>
+              <a:gd name="connsiteY3-164" fmla="*/ 784425 h 1576251"/>
+              <a:gd name="connsiteX4-165" fmla="*/ 1739333 w 1915886"/>
+              <a:gd name="connsiteY4-166" fmla="*/ 381164 h 1576251"/>
+              <a:gd name="connsiteX5-167" fmla="*/ 1915886 w 1915886"/>
+              <a:gd name="connsiteY5-168" fmla="*/ 0 h 1576251"/>
+              <a:gd name="connsiteX0-169" fmla="*/ 0 w 1915886"/>
+              <a:gd name="connsiteY0-170" fmla="*/ 1576251 h 1576251"/>
+              <a:gd name="connsiteX1-171" fmla="*/ 539189 w 1915886"/>
+              <a:gd name="connsiteY1-172" fmla="*/ 1381542 h 1576251"/>
+              <a:gd name="connsiteX2-173" fmla="*/ 1045255 w 1915886"/>
+              <a:gd name="connsiteY2-174" fmla="*/ 1084996 h 1576251"/>
+              <a:gd name="connsiteX3-175" fmla="*/ 1423442 w 1915886"/>
+              <a:gd name="connsiteY3-176" fmla="*/ 784425 h 1576251"/>
+              <a:gd name="connsiteX4-177" fmla="*/ 1739333 w 1915886"/>
+              <a:gd name="connsiteY4-178" fmla="*/ 381164 h 1576251"/>
+              <a:gd name="connsiteX5-179" fmla="*/ 1915886 w 1915886"/>
+              <a:gd name="connsiteY5-180" fmla="*/ 0 h 1576251"/>
+              <a:gd name="connsiteX0-181" fmla="*/ 0 w 1915886"/>
+              <a:gd name="connsiteY0-182" fmla="*/ 1576251 h 1576251"/>
+              <a:gd name="connsiteX1-183" fmla="*/ 565985 w 1915886"/>
+              <a:gd name="connsiteY1-184" fmla="*/ 1345602 h 1576251"/>
+              <a:gd name="connsiteX2-185" fmla="*/ 1045255 w 1915886"/>
+              <a:gd name="connsiteY2-186" fmla="*/ 1084996 h 1576251"/>
+              <a:gd name="connsiteX3-187" fmla="*/ 1423442 w 1915886"/>
+              <a:gd name="connsiteY3-188" fmla="*/ 784425 h 1576251"/>
+              <a:gd name="connsiteX4-189" fmla="*/ 1739333 w 1915886"/>
+              <a:gd name="connsiteY4-190" fmla="*/ 381164 h 1576251"/>
+              <a:gd name="connsiteX5-191" fmla="*/ 1915886 w 1915886"/>
+              <a:gd name="connsiteY5-192" fmla="*/ 0 h 1576251"/>
+            </a:gdLst>
+            <a:ahLst/>
+            <a:cxnLst>
+              <a:cxn ang="0">
+                <a:pos x="connsiteX0-1" y="connsiteY0-2"/>
+              </a:cxn>
+              <a:cxn ang="0">
+                <a:pos x="connsiteX1-3" y="connsiteY1-4"/>
+              </a:cxn>
+              <a:cxn ang="0">
+                <a:pos x="connsiteX2-5" y="connsiteY2-6"/>
+              </a:cxn>
+              <a:cxn ang="0">
+                <a:pos x="connsiteX3-7" y="connsiteY3-8"/>
+              </a:cxn>
+              <a:cxn ang="0">
+                <a:pos x="connsiteX4-9" y="connsiteY4-10"/>
+              </a:cxn>
+              <a:cxn ang="0">
+                <a:pos x="connsiteX5-11" y="connsiteY5-12"/>
+              </a:cxn>
+            </a:cxnLst>
+            <a:rect l="l" t="t" r="r" b="b"/>
+            <a:pathLst>
+              <a:path w="1915886" h="1576251">
+                <a:moveTo>
+                  <a:pt x="0" y="1576251"/>
+                </a:moveTo>
+                <a:cubicBezTo>
+                  <a:pt x="202585" y="1498673"/>
+                  <a:pt x="391776" y="1427478"/>
+                  <a:pt x="565985" y="1345602"/>
+                </a:cubicBezTo>
+                <a:cubicBezTo>
+                  <a:pt x="740194" y="1263726"/>
+                  <a:pt x="902345" y="1178526"/>
+                  <a:pt x="1045255" y="1084996"/>
+                </a:cubicBezTo>
+                <a:cubicBezTo>
+                  <a:pt x="1188165" y="991466"/>
+                  <a:pt x="1307762" y="901730"/>
+                  <a:pt x="1423442" y="784425"/>
+                </a:cubicBezTo>
+                <a:cubicBezTo>
+                  <a:pt x="1539122" y="667120"/>
+                  <a:pt x="1640635" y="545176"/>
+                  <a:pt x="1739333" y="381164"/>
+                </a:cubicBezTo>
+                <a:cubicBezTo>
+                  <a:pt x="1828354" y="225861"/>
+                  <a:pt x="1910080" y="52977"/>
+                  <a:pt x="1915886" y="0"/>
+                </a:cubicBezTo>
+              </a:path>
+            </a:pathLst>
+          </a:custGeom>
+          <a:ln w="19050">
+            <a:prstDash val="dash"/>
+            <a:headEnd type="none" w="med" len="med"/>
+            <a:tailEnd type="none" w="med" len="med"/>
+          </a:ln>
+        </p:spPr>
+        <p:style>
+          <a:lnRef idx="1">
+            <a:schemeClr val="dk1"/>
+          </a:lnRef>
+          <a:fillRef idx="0">
+            <a:schemeClr val="dk1"/>
+          </a:fillRef>
+          <a:effectRef idx="0">
+            <a:schemeClr val="dk1"/>
+          </a:effectRef>
+          <a:fontRef idx="minor">
+            <a:schemeClr val="tx1"/>
+          </a:fontRef>
+        </p:style>
+        <p:txBody>
+          <a:bodyPr rtlCol="0" anchor="ctr"/>
+          <a:lstStyle/>
+          <a:p>
+            <a:pPr algn="ctr"/>
+            <a:endParaRPr kumimoji="1" lang="ja-JP" altLang="en-US"/>
+          </a:p>
+        </p:txBody>
+      </p:sp>
+      <p:sp>
+        <p:nvSpPr>
+          <p:cNvPr id="31" name="テキスト ボックス 30">
+            <a:extLst>
+              <a:ext uri="{FF2B5EF4-FFF2-40B4-BE49-F238E27FC236}">
+                <a16:creationId xmlns:a16="http://schemas.microsoft.com/office/drawing/2014/main" id="{AEEC8023-C5D9-459A-8530-45E630B32B2E}"/>
+              </a:ext>
+            </a:extLst>
+          </p:cNvPr>
+          <p:cNvSpPr txBox="1"/>
+          <p:nvPr/>
+        </p:nvSpPr>
+        <p:spPr>
+          <a:xfrm>
+            <a:off x="2843325" y="1998085"/>
+            <a:ext cx="1989915" cy="646331"/>
+          </a:xfrm>
+          <a:prstGeom prst="rect">
+            <a:avLst/>
+          </a:prstGeom>
+          <a:noFill/>
+        </p:spPr>
+        <p:txBody>
+          <a:bodyPr wrap="square" rtlCol="0">
+            <a:spAutoFit/>
+          </a:bodyPr>
+          <a:lstStyle/>
+          <a:p>
+            <a:r>
+              <a:rPr kumimoji="1" lang="en-US" altLang="ja-JP" dirty="0"/>
+              <a:t>Const. Pressure Curve</a:t>
+            </a:r>
+            <a:endParaRPr kumimoji="1" lang="ja-JP" altLang="en-US" dirty="0"/>
+          </a:p>
+        </p:txBody>
+      </p:sp>
+      <p:sp>
+        <p:nvSpPr>
+          <p:cNvPr id="32" name="テキスト ボックス 31">
+            <a:extLst>
+              <a:ext uri="{FF2B5EF4-FFF2-40B4-BE49-F238E27FC236}">
+                <a16:creationId xmlns:a16="http://schemas.microsoft.com/office/drawing/2014/main" id="{A3B27C04-0839-4D6E-9534-2DDBFBFBE710}"/>
+              </a:ext>
+            </a:extLst>
+          </p:cNvPr>
+          <p:cNvSpPr txBox="1"/>
+          <p:nvPr/>
+        </p:nvSpPr>
+        <p:spPr>
+          <a:xfrm>
+            <a:off x="2047228" y="5064753"/>
+            <a:ext cx="1989915" cy="646331"/>
+          </a:xfrm>
+          <a:prstGeom prst="rect">
+            <a:avLst/>
+          </a:prstGeom>
+          <a:noFill/>
+        </p:spPr>
+        <p:txBody>
+          <a:bodyPr wrap="square" rtlCol="0">
+            <a:spAutoFit/>
+          </a:bodyPr>
+          <a:lstStyle/>
+          <a:p>
+            <a:r>
+              <a:rPr kumimoji="1" lang="en-US" altLang="ja-JP" dirty="0"/>
+              <a:t>Const. Pressure Curve</a:t>
+            </a:r>
+            <a:endParaRPr kumimoji="1" lang="ja-JP" altLang="en-US" dirty="0"/>
+          </a:p>
+        </p:txBody>
+      </p:sp>
+      <p:sp>
+        <p:nvSpPr>
+          <p:cNvPr id="15" name="フリーフォーム: 図形 14">
+            <a:extLst>
+              <a:ext uri="{FF2B5EF4-FFF2-40B4-BE49-F238E27FC236}">
+                <a16:creationId xmlns:a16="http://schemas.microsoft.com/office/drawing/2014/main" id="{E5A29614-06ED-4AE7-88DE-514A43D0B15A}"/>
+              </a:ext>
+            </a:extLst>
+          </p:cNvPr>
+          <p:cNvSpPr/>
+          <p:nvPr/>
+        </p:nvSpPr>
+        <p:spPr>
+          <a:xfrm>
+            <a:off x="1894102" y="2555972"/>
+            <a:ext cx="2926079" cy="2606355"/>
+          </a:xfrm>
+          <a:custGeom>
+            <a:avLst/>
+            <a:gdLst>
+              <a:gd name="connsiteX0" fmla="*/ 0 w 1915886"/>
+              <a:gd name="connsiteY0" fmla="*/ 1576251 h 1576251"/>
+              <a:gd name="connsiteX1" fmla="*/ 539932 w 1915886"/>
+              <a:gd name="connsiteY1" fmla="*/ 1471748 h 1576251"/>
+              <a:gd name="connsiteX2" fmla="*/ 1210492 w 1915886"/>
+              <a:gd name="connsiteY2" fmla="*/ 1140823 h 1576251"/>
+              <a:gd name="connsiteX3" fmla="*/ 1672046 w 1915886"/>
+              <a:gd name="connsiteY3" fmla="*/ 670560 h 1576251"/>
+              <a:gd name="connsiteX4" fmla="*/ 1863634 w 1915886"/>
+              <a:gd name="connsiteY4" fmla="*/ 217714 h 1576251"/>
+              <a:gd name="connsiteX5" fmla="*/ 1915886 w 1915886"/>
+              <a:gd name="connsiteY5" fmla="*/ 0 h 1576251"/>
+              <a:gd name="connsiteX0-1" fmla="*/ 0 w 1915886"/>
+              <a:gd name="connsiteY0-2" fmla="*/ 1576251 h 1576251"/>
+              <a:gd name="connsiteX1-3" fmla="*/ 559285 w 1915886"/>
+              <a:gd name="connsiteY1-4" fmla="*/ 1402080 h 1576251"/>
+              <a:gd name="connsiteX2-5" fmla="*/ 1210492 w 1915886"/>
+              <a:gd name="connsiteY2-6" fmla="*/ 1140823 h 1576251"/>
+              <a:gd name="connsiteX3-7" fmla="*/ 1672046 w 1915886"/>
+              <a:gd name="connsiteY3-8" fmla="*/ 670560 h 1576251"/>
+              <a:gd name="connsiteX4-9" fmla="*/ 1863634 w 1915886"/>
+              <a:gd name="connsiteY4-10" fmla="*/ 217714 h 1576251"/>
+              <a:gd name="connsiteX5-11" fmla="*/ 1915886 w 1915886"/>
+              <a:gd name="connsiteY5-12" fmla="*/ 0 h 1576251"/>
+              <a:gd name="connsiteX0-13" fmla="*/ 0 w 1915886"/>
+              <a:gd name="connsiteY0-14" fmla="*/ 1576251 h 1576251"/>
+              <a:gd name="connsiteX1-15" fmla="*/ 559285 w 1915886"/>
+              <a:gd name="connsiteY1-16" fmla="*/ 1402080 h 1576251"/>
+              <a:gd name="connsiteX2-17" fmla="*/ 1152436 w 1915886"/>
+              <a:gd name="connsiteY2-18" fmla="*/ 1079863 h 1576251"/>
+              <a:gd name="connsiteX3-19" fmla="*/ 1672046 w 1915886"/>
+              <a:gd name="connsiteY3-20" fmla="*/ 670560 h 1576251"/>
+              <a:gd name="connsiteX4-21" fmla="*/ 1863634 w 1915886"/>
+              <a:gd name="connsiteY4-22" fmla="*/ 217714 h 1576251"/>
+              <a:gd name="connsiteX5-23" fmla="*/ 1915886 w 1915886"/>
+              <a:gd name="connsiteY5-24" fmla="*/ 0 h 1576251"/>
+              <a:gd name="connsiteX0-25" fmla="*/ 0 w 1915886"/>
+              <a:gd name="connsiteY0-26" fmla="*/ 1576251 h 1576251"/>
+              <a:gd name="connsiteX1-27" fmla="*/ 559285 w 1915886"/>
+              <a:gd name="connsiteY1-28" fmla="*/ 1402080 h 1576251"/>
+              <a:gd name="connsiteX2-29" fmla="*/ 1152436 w 1915886"/>
+              <a:gd name="connsiteY2-30" fmla="*/ 1079863 h 1576251"/>
+              <a:gd name="connsiteX3-31" fmla="*/ 1555931 w 1915886"/>
+              <a:gd name="connsiteY3-32" fmla="*/ 687977 h 1576251"/>
+              <a:gd name="connsiteX4-33" fmla="*/ 1863634 w 1915886"/>
+              <a:gd name="connsiteY4-34" fmla="*/ 217714 h 1576251"/>
+              <a:gd name="connsiteX5-35" fmla="*/ 1915886 w 1915886"/>
+              <a:gd name="connsiteY5-36" fmla="*/ 0 h 1576251"/>
+              <a:gd name="connsiteX0-37" fmla="*/ 0 w 1915886"/>
+              <a:gd name="connsiteY0-38" fmla="*/ 1576251 h 1576251"/>
+              <a:gd name="connsiteX1-39" fmla="*/ 559285 w 1915886"/>
+              <a:gd name="connsiteY1-40" fmla="*/ 1402080 h 1576251"/>
+              <a:gd name="connsiteX2-41" fmla="*/ 1152436 w 1915886"/>
+              <a:gd name="connsiteY2-42" fmla="*/ 1079863 h 1576251"/>
+              <a:gd name="connsiteX3-43" fmla="*/ 1555931 w 1915886"/>
+              <a:gd name="connsiteY3-44" fmla="*/ 687977 h 1576251"/>
+              <a:gd name="connsiteX4-45" fmla="*/ 1786225 w 1915886"/>
+              <a:gd name="connsiteY4-46" fmla="*/ 322217 h 1576251"/>
+              <a:gd name="connsiteX5-47" fmla="*/ 1915886 w 1915886"/>
+              <a:gd name="connsiteY5-48" fmla="*/ 0 h 1576251"/>
+              <a:gd name="connsiteX0-49" fmla="*/ 0 w 1915886"/>
+              <a:gd name="connsiteY0-50" fmla="*/ 1576251 h 1576251"/>
+              <a:gd name="connsiteX1-51" fmla="*/ 559285 w 1915886"/>
+              <a:gd name="connsiteY1-52" fmla="*/ 1402080 h 1576251"/>
+              <a:gd name="connsiteX2-53" fmla="*/ 1152436 w 1915886"/>
+              <a:gd name="connsiteY2-54" fmla="*/ 1079863 h 1576251"/>
+              <a:gd name="connsiteX3-55" fmla="*/ 1555931 w 1915886"/>
+              <a:gd name="connsiteY3-56" fmla="*/ 687977 h 1576251"/>
+              <a:gd name="connsiteX4-57" fmla="*/ 1786225 w 1915886"/>
+              <a:gd name="connsiteY4-58" fmla="*/ 365760 h 1576251"/>
+              <a:gd name="connsiteX5-59" fmla="*/ 1915886 w 1915886"/>
+              <a:gd name="connsiteY5-60" fmla="*/ 0 h 1576251"/>
+              <a:gd name="connsiteX0-61" fmla="*/ 0 w 1915886"/>
+              <a:gd name="connsiteY0-62" fmla="*/ 1576251 h 1576251"/>
+              <a:gd name="connsiteX1-63" fmla="*/ 559285 w 1915886"/>
+              <a:gd name="connsiteY1-64" fmla="*/ 1402080 h 1576251"/>
+              <a:gd name="connsiteX2-65" fmla="*/ 1152436 w 1915886"/>
+              <a:gd name="connsiteY2-66" fmla="*/ 1079863 h 1576251"/>
+              <a:gd name="connsiteX3-67" fmla="*/ 1555931 w 1915886"/>
+              <a:gd name="connsiteY3-68" fmla="*/ 687977 h 1576251"/>
+              <a:gd name="connsiteX4-69" fmla="*/ 1786225 w 1915886"/>
+              <a:gd name="connsiteY4-70" fmla="*/ 365760 h 1576251"/>
+              <a:gd name="connsiteX5-71" fmla="*/ 1915886 w 1915886"/>
+              <a:gd name="connsiteY5-72" fmla="*/ 0 h 1576251"/>
+              <a:gd name="connsiteX0-73" fmla="*/ 0 w 1915886"/>
+              <a:gd name="connsiteY0-74" fmla="*/ 1576251 h 1576251"/>
+              <a:gd name="connsiteX1-75" fmla="*/ 559285 w 1915886"/>
+              <a:gd name="connsiteY1-76" fmla="*/ 1402080 h 1576251"/>
+              <a:gd name="connsiteX2-77" fmla="*/ 1152436 w 1915886"/>
+              <a:gd name="connsiteY2-78" fmla="*/ 1079863 h 1576251"/>
+              <a:gd name="connsiteX3-79" fmla="*/ 1555931 w 1915886"/>
+              <a:gd name="connsiteY3-80" fmla="*/ 687977 h 1576251"/>
+              <a:gd name="connsiteX4-81" fmla="*/ 1786225 w 1915886"/>
+              <a:gd name="connsiteY4-82" fmla="*/ 365760 h 1576251"/>
+              <a:gd name="connsiteX5-83" fmla="*/ 1915886 w 1915886"/>
+              <a:gd name="connsiteY5-84" fmla="*/ 0 h 1576251"/>
+              <a:gd name="connsiteX0-85" fmla="*/ 0 w 1915886"/>
+              <a:gd name="connsiteY0-86" fmla="*/ 1576251 h 1576251"/>
+              <a:gd name="connsiteX1-87" fmla="*/ 559285 w 1915886"/>
+              <a:gd name="connsiteY1-88" fmla="*/ 1402080 h 1576251"/>
+              <a:gd name="connsiteX2-89" fmla="*/ 1152436 w 1915886"/>
+              <a:gd name="connsiteY2-90" fmla="*/ 1079863 h 1576251"/>
+              <a:gd name="connsiteX3-91" fmla="*/ 1517227 w 1915886"/>
+              <a:gd name="connsiteY3-92" fmla="*/ 722812 h 1576251"/>
+              <a:gd name="connsiteX4-93" fmla="*/ 1786225 w 1915886"/>
+              <a:gd name="connsiteY4-94" fmla="*/ 365760 h 1576251"/>
+              <a:gd name="connsiteX5-95" fmla="*/ 1915886 w 1915886"/>
+              <a:gd name="connsiteY5-96" fmla="*/ 0 h 1576251"/>
+              <a:gd name="connsiteX0-97" fmla="*/ 0 w 1915886"/>
+              <a:gd name="connsiteY0-98" fmla="*/ 1576251 h 1576251"/>
+              <a:gd name="connsiteX1-99" fmla="*/ 559285 w 1915886"/>
+              <a:gd name="connsiteY1-100" fmla="*/ 1402080 h 1576251"/>
+              <a:gd name="connsiteX2-101" fmla="*/ 1152436 w 1915886"/>
+              <a:gd name="connsiteY2-102" fmla="*/ 1079863 h 1576251"/>
+              <a:gd name="connsiteX3-103" fmla="*/ 1517227 w 1915886"/>
+              <a:gd name="connsiteY3-104" fmla="*/ 722812 h 1576251"/>
+              <a:gd name="connsiteX4-105" fmla="*/ 1786225 w 1915886"/>
+              <a:gd name="connsiteY4-106" fmla="*/ 365760 h 1576251"/>
+              <a:gd name="connsiteX5-107" fmla="*/ 1915886 w 1915886"/>
+              <a:gd name="connsiteY5-108" fmla="*/ 0 h 1576251"/>
+              <a:gd name="connsiteX0-109" fmla="*/ 0 w 1915886"/>
+              <a:gd name="connsiteY0-110" fmla="*/ 1576251 h 1576251"/>
+              <a:gd name="connsiteX1-111" fmla="*/ 539189 w 1915886"/>
+              <a:gd name="connsiteY1-112" fmla="*/ 1381542 h 1576251"/>
+              <a:gd name="connsiteX2-113" fmla="*/ 1152436 w 1915886"/>
+              <a:gd name="connsiteY2-114" fmla="*/ 1079863 h 1576251"/>
+              <a:gd name="connsiteX3-115" fmla="*/ 1517227 w 1915886"/>
+              <a:gd name="connsiteY3-116" fmla="*/ 722812 h 1576251"/>
+              <a:gd name="connsiteX4-117" fmla="*/ 1786225 w 1915886"/>
+              <a:gd name="connsiteY4-118" fmla="*/ 365760 h 1576251"/>
+              <a:gd name="connsiteX5-119" fmla="*/ 1915886 w 1915886"/>
+              <a:gd name="connsiteY5-120" fmla="*/ 0 h 1576251"/>
+              <a:gd name="connsiteX0-121" fmla="*/ 0 w 1915886"/>
+              <a:gd name="connsiteY0-122" fmla="*/ 1576251 h 1576251"/>
+              <a:gd name="connsiteX1-123" fmla="*/ 539189 w 1915886"/>
+              <a:gd name="connsiteY1-124" fmla="*/ 1381542 h 1576251"/>
+              <a:gd name="connsiteX2-125" fmla="*/ 1125641 w 1915886"/>
+              <a:gd name="connsiteY2-126" fmla="*/ 1074728 h 1576251"/>
+              <a:gd name="connsiteX3-127" fmla="*/ 1517227 w 1915886"/>
+              <a:gd name="connsiteY3-128" fmla="*/ 722812 h 1576251"/>
+              <a:gd name="connsiteX4-129" fmla="*/ 1786225 w 1915886"/>
+              <a:gd name="connsiteY4-130" fmla="*/ 365760 h 1576251"/>
+              <a:gd name="connsiteX5-131" fmla="*/ 1915886 w 1915886"/>
+              <a:gd name="connsiteY5-132" fmla="*/ 0 h 1576251"/>
+              <a:gd name="connsiteX0-133" fmla="*/ 0 w 1915886"/>
+              <a:gd name="connsiteY0-134" fmla="*/ 1576251 h 1576251"/>
+              <a:gd name="connsiteX1-135" fmla="*/ 539189 w 1915886"/>
+              <a:gd name="connsiteY1-136" fmla="*/ 1381542 h 1576251"/>
+              <a:gd name="connsiteX2-137" fmla="*/ 1125641 w 1915886"/>
+              <a:gd name="connsiteY2-138" fmla="*/ 1074728 h 1576251"/>
+              <a:gd name="connsiteX3-139" fmla="*/ 1456937 w 1915886"/>
+              <a:gd name="connsiteY3-140" fmla="*/ 758753 h 1576251"/>
+              <a:gd name="connsiteX4-141" fmla="*/ 1786225 w 1915886"/>
+              <a:gd name="connsiteY4-142" fmla="*/ 365760 h 1576251"/>
+              <a:gd name="connsiteX5-143" fmla="*/ 1915886 w 1915886"/>
+              <a:gd name="connsiteY5-144" fmla="*/ 0 h 1576251"/>
+              <a:gd name="connsiteX0-145" fmla="*/ 0 w 1915886"/>
+              <a:gd name="connsiteY0-146" fmla="*/ 1576251 h 1576251"/>
+              <a:gd name="connsiteX1-147" fmla="*/ 539189 w 1915886"/>
+              <a:gd name="connsiteY1-148" fmla="*/ 1381542 h 1576251"/>
+              <a:gd name="connsiteX2-149" fmla="*/ 1125641 w 1915886"/>
+              <a:gd name="connsiteY2-150" fmla="*/ 1074728 h 1576251"/>
+              <a:gd name="connsiteX3-151" fmla="*/ 1456937 w 1915886"/>
+              <a:gd name="connsiteY3-152" fmla="*/ 758753 h 1576251"/>
+              <a:gd name="connsiteX4-153" fmla="*/ 1739333 w 1915886"/>
+              <a:gd name="connsiteY4-154" fmla="*/ 381164 h 1576251"/>
+              <a:gd name="connsiteX5-155" fmla="*/ 1915886 w 1915886"/>
+              <a:gd name="connsiteY5-156" fmla="*/ 0 h 1576251"/>
+              <a:gd name="connsiteX0-157" fmla="*/ 0 w 1915886"/>
+              <a:gd name="connsiteY0-158" fmla="*/ 1576251 h 1576251"/>
+              <a:gd name="connsiteX1-159" fmla="*/ 539189 w 1915886"/>
+              <a:gd name="connsiteY1-160" fmla="*/ 1381542 h 1576251"/>
+              <a:gd name="connsiteX2-161" fmla="*/ 1125641 w 1915886"/>
+              <a:gd name="connsiteY2-162" fmla="*/ 1074728 h 1576251"/>
+              <a:gd name="connsiteX3-163" fmla="*/ 1423442 w 1915886"/>
+              <a:gd name="connsiteY3-164" fmla="*/ 784425 h 1576251"/>
+              <a:gd name="connsiteX4-165" fmla="*/ 1739333 w 1915886"/>
+              <a:gd name="connsiteY4-166" fmla="*/ 381164 h 1576251"/>
+              <a:gd name="connsiteX5-167" fmla="*/ 1915886 w 1915886"/>
+              <a:gd name="connsiteY5-168" fmla="*/ 0 h 1576251"/>
+              <a:gd name="connsiteX0-169" fmla="*/ 0 w 1915886"/>
+              <a:gd name="connsiteY0-170" fmla="*/ 1576251 h 1576251"/>
+              <a:gd name="connsiteX1-171" fmla="*/ 539189 w 1915886"/>
+              <a:gd name="connsiteY1-172" fmla="*/ 1381542 h 1576251"/>
+              <a:gd name="connsiteX2-173" fmla="*/ 1045255 w 1915886"/>
+              <a:gd name="connsiteY2-174" fmla="*/ 1084996 h 1576251"/>
+              <a:gd name="connsiteX3-175" fmla="*/ 1423442 w 1915886"/>
+              <a:gd name="connsiteY3-176" fmla="*/ 784425 h 1576251"/>
+              <a:gd name="connsiteX4-177" fmla="*/ 1739333 w 1915886"/>
+              <a:gd name="connsiteY4-178" fmla="*/ 381164 h 1576251"/>
+              <a:gd name="connsiteX5-179" fmla="*/ 1915886 w 1915886"/>
+              <a:gd name="connsiteY5-180" fmla="*/ 0 h 1576251"/>
+              <a:gd name="connsiteX0-181" fmla="*/ 0 w 1915886"/>
+              <a:gd name="connsiteY0-182" fmla="*/ 1576251 h 1576251"/>
+              <a:gd name="connsiteX1-183" fmla="*/ 565985 w 1915886"/>
+              <a:gd name="connsiteY1-184" fmla="*/ 1345602 h 1576251"/>
+              <a:gd name="connsiteX2-185" fmla="*/ 1045255 w 1915886"/>
+              <a:gd name="connsiteY2-186" fmla="*/ 1084996 h 1576251"/>
+              <a:gd name="connsiteX3-187" fmla="*/ 1423442 w 1915886"/>
+              <a:gd name="connsiteY3-188" fmla="*/ 784425 h 1576251"/>
+              <a:gd name="connsiteX4-189" fmla="*/ 1739333 w 1915886"/>
+              <a:gd name="connsiteY4-190" fmla="*/ 381164 h 1576251"/>
+              <a:gd name="connsiteX5-191" fmla="*/ 1915886 w 1915886"/>
+              <a:gd name="connsiteY5-192" fmla="*/ 0 h 1576251"/>
+              <a:gd name="connsiteX0" fmla="*/ 0 w 1950826"/>
+              <a:gd name="connsiteY0" fmla="*/ 1476457 h 1476457"/>
+              <a:gd name="connsiteX1" fmla="*/ 565985 w 1950826"/>
+              <a:gd name="connsiteY1" fmla="*/ 1245808 h 1476457"/>
+              <a:gd name="connsiteX2" fmla="*/ 1045255 w 1950826"/>
+              <a:gd name="connsiteY2" fmla="*/ 985202 h 1476457"/>
+              <a:gd name="connsiteX3" fmla="*/ 1423442 w 1950826"/>
+              <a:gd name="connsiteY3" fmla="*/ 684631 h 1476457"/>
+              <a:gd name="connsiteX4" fmla="*/ 1739333 w 1950826"/>
+              <a:gd name="connsiteY4" fmla="*/ 281370 h 1476457"/>
+              <a:gd name="connsiteX5" fmla="*/ 1950826 w 1950826"/>
+              <a:gd name="connsiteY5" fmla="*/ 0 h 1476457"/>
+              <a:gd name="connsiteX0" fmla="*/ 0 w 1950826"/>
+              <a:gd name="connsiteY0" fmla="*/ 1476457 h 1476457"/>
+              <a:gd name="connsiteX1" fmla="*/ 565985 w 1950826"/>
+              <a:gd name="connsiteY1" fmla="*/ 1245808 h 1476457"/>
+              <a:gd name="connsiteX2" fmla="*/ 1045255 w 1950826"/>
+              <a:gd name="connsiteY2" fmla="*/ 985202 h 1476457"/>
+              <a:gd name="connsiteX3" fmla="*/ 1423442 w 1950826"/>
+              <a:gd name="connsiteY3" fmla="*/ 684631 h 1476457"/>
+              <a:gd name="connsiteX4" fmla="*/ 1739333 w 1950826"/>
+              <a:gd name="connsiteY4" fmla="*/ 346453 h 1476457"/>
+              <a:gd name="connsiteX5" fmla="*/ 1950826 w 1950826"/>
+              <a:gd name="connsiteY5" fmla="*/ 0 h 1476457"/>
+              <a:gd name="connsiteX0" fmla="*/ 0 w 1950826"/>
+              <a:gd name="connsiteY0" fmla="*/ 1428730 h 1428730"/>
+              <a:gd name="connsiteX1" fmla="*/ 565985 w 1950826"/>
+              <a:gd name="connsiteY1" fmla="*/ 1198081 h 1428730"/>
+              <a:gd name="connsiteX2" fmla="*/ 1045255 w 1950826"/>
+              <a:gd name="connsiteY2" fmla="*/ 937475 h 1428730"/>
+              <a:gd name="connsiteX3" fmla="*/ 1423442 w 1950826"/>
+              <a:gd name="connsiteY3" fmla="*/ 636904 h 1428730"/>
+              <a:gd name="connsiteX4" fmla="*/ 1739333 w 1950826"/>
+              <a:gd name="connsiteY4" fmla="*/ 298726 h 1428730"/>
+              <a:gd name="connsiteX5" fmla="*/ 1950826 w 1950826"/>
+              <a:gd name="connsiteY5" fmla="*/ 0 h 1428730"/>
+              <a:gd name="connsiteX0" fmla="*/ 0 w 1950826"/>
+              <a:gd name="connsiteY0" fmla="*/ 1428730 h 1428730"/>
+              <a:gd name="connsiteX1" fmla="*/ 565985 w 1950826"/>
+              <a:gd name="connsiteY1" fmla="*/ 1198081 h 1428730"/>
+              <a:gd name="connsiteX2" fmla="*/ 1045255 w 1950826"/>
+              <a:gd name="connsiteY2" fmla="*/ 937475 h 1428730"/>
+              <a:gd name="connsiteX3" fmla="*/ 1423442 w 1950826"/>
+              <a:gd name="connsiteY3" fmla="*/ 636904 h 1428730"/>
+              <a:gd name="connsiteX4" fmla="*/ 1704393 w 1950826"/>
+              <a:gd name="connsiteY4" fmla="*/ 376826 h 1428730"/>
+              <a:gd name="connsiteX5" fmla="*/ 1950826 w 1950826"/>
+              <a:gd name="connsiteY5" fmla="*/ 0 h 1428730"/>
+              <a:gd name="connsiteX0" fmla="*/ 0 w 1950826"/>
+              <a:gd name="connsiteY0" fmla="*/ 1428730 h 1428730"/>
+              <a:gd name="connsiteX1" fmla="*/ 565985 w 1950826"/>
+              <a:gd name="connsiteY1" fmla="*/ 1198081 h 1428730"/>
+              <a:gd name="connsiteX2" fmla="*/ 1045255 w 1950826"/>
+              <a:gd name="connsiteY2" fmla="*/ 937475 h 1428730"/>
+              <a:gd name="connsiteX3" fmla="*/ 1423442 w 1950826"/>
+              <a:gd name="connsiteY3" fmla="*/ 636904 h 1428730"/>
+              <a:gd name="connsiteX4" fmla="*/ 1704393 w 1950826"/>
+              <a:gd name="connsiteY4" fmla="*/ 376826 h 1428730"/>
+              <a:gd name="connsiteX5" fmla="*/ 1950826 w 1950826"/>
+              <a:gd name="connsiteY5" fmla="*/ 0 h 1428730"/>
+              <a:gd name="connsiteX0" fmla="*/ 0 w 1950826"/>
+              <a:gd name="connsiteY0" fmla="*/ 1428730 h 1428730"/>
+              <a:gd name="connsiteX1" fmla="*/ 565985 w 1950826"/>
+              <a:gd name="connsiteY1" fmla="*/ 1198081 h 1428730"/>
+              <a:gd name="connsiteX2" fmla="*/ 1045255 w 1950826"/>
+              <a:gd name="connsiteY2" fmla="*/ 937475 h 1428730"/>
+              <a:gd name="connsiteX3" fmla="*/ 1423442 w 1950826"/>
+              <a:gd name="connsiteY3" fmla="*/ 636904 h 1428730"/>
+              <a:gd name="connsiteX4" fmla="*/ 1704393 w 1950826"/>
+              <a:gd name="connsiteY4" fmla="*/ 376826 h 1428730"/>
+              <a:gd name="connsiteX5" fmla="*/ 1950826 w 1950826"/>
+              <a:gd name="connsiteY5" fmla="*/ 0 h 1428730"/>
+              <a:gd name="connsiteX0" fmla="*/ 0 w 1950826"/>
+              <a:gd name="connsiteY0" fmla="*/ 1428730 h 1428730"/>
+              <a:gd name="connsiteX1" fmla="*/ 565985 w 1950826"/>
+              <a:gd name="connsiteY1" fmla="*/ 1198081 h 1428730"/>
+              <a:gd name="connsiteX2" fmla="*/ 1045255 w 1950826"/>
+              <a:gd name="connsiteY2" fmla="*/ 937475 h 1428730"/>
+              <a:gd name="connsiteX3" fmla="*/ 1423442 w 1950826"/>
+              <a:gd name="connsiteY3" fmla="*/ 636904 h 1428730"/>
+              <a:gd name="connsiteX4" fmla="*/ 1704393 w 1950826"/>
+              <a:gd name="connsiteY4" fmla="*/ 376826 h 1428730"/>
+              <a:gd name="connsiteX5" fmla="*/ 1950826 w 1950826"/>
+              <a:gd name="connsiteY5" fmla="*/ 0 h 1428730"/>
+              <a:gd name="connsiteX0" fmla="*/ 0 w 1950826"/>
+              <a:gd name="connsiteY0" fmla="*/ 1428730 h 1428730"/>
+              <a:gd name="connsiteX1" fmla="*/ 565985 w 1950826"/>
+              <a:gd name="connsiteY1" fmla="*/ 1198081 h 1428730"/>
+              <a:gd name="connsiteX2" fmla="*/ 1045255 w 1950826"/>
+              <a:gd name="connsiteY2" fmla="*/ 937475 h 1428730"/>
+              <a:gd name="connsiteX3" fmla="*/ 1423442 w 1950826"/>
+              <a:gd name="connsiteY3" fmla="*/ 636904 h 1428730"/>
+              <a:gd name="connsiteX4" fmla="*/ 1686923 w 1950826"/>
+              <a:gd name="connsiteY4" fmla="*/ 411537 h 1428730"/>
+              <a:gd name="connsiteX5" fmla="*/ 1950826 w 1950826"/>
+              <a:gd name="connsiteY5" fmla="*/ 0 h 1428730"/>
+              <a:gd name="connsiteX0" fmla="*/ 0 w 1950826"/>
+              <a:gd name="connsiteY0" fmla="*/ 1428730 h 1428730"/>
+              <a:gd name="connsiteX1" fmla="*/ 565985 w 1950826"/>
+              <a:gd name="connsiteY1" fmla="*/ 1198081 h 1428730"/>
+              <a:gd name="connsiteX2" fmla="*/ 1045255 w 1950826"/>
+              <a:gd name="connsiteY2" fmla="*/ 937475 h 1428730"/>
+              <a:gd name="connsiteX3" fmla="*/ 1382678 w 1950826"/>
+              <a:gd name="connsiteY3" fmla="*/ 758393 h 1428730"/>
+              <a:gd name="connsiteX4" fmla="*/ 1686923 w 1950826"/>
+              <a:gd name="connsiteY4" fmla="*/ 411537 h 1428730"/>
+              <a:gd name="connsiteX5" fmla="*/ 1950826 w 1950826"/>
+              <a:gd name="connsiteY5" fmla="*/ 0 h 1428730"/>
+              <a:gd name="connsiteX0" fmla="*/ 0 w 1950826"/>
+              <a:gd name="connsiteY0" fmla="*/ 1428730 h 1428730"/>
+              <a:gd name="connsiteX1" fmla="*/ 565985 w 1950826"/>
+              <a:gd name="connsiteY1" fmla="*/ 1198081 h 1428730"/>
+              <a:gd name="connsiteX2" fmla="*/ 1004491 w 1950826"/>
+              <a:gd name="connsiteY2" fmla="*/ 998219 h 1428730"/>
+              <a:gd name="connsiteX3" fmla="*/ 1382678 w 1950826"/>
+              <a:gd name="connsiteY3" fmla="*/ 758393 h 1428730"/>
+              <a:gd name="connsiteX4" fmla="*/ 1686923 w 1950826"/>
+              <a:gd name="connsiteY4" fmla="*/ 411537 h 1428730"/>
+              <a:gd name="connsiteX5" fmla="*/ 1950826 w 1950826"/>
+              <a:gd name="connsiteY5" fmla="*/ 0 h 1428730"/>
+              <a:gd name="connsiteX0" fmla="*/ 0 w 1950826"/>
+              <a:gd name="connsiteY0" fmla="*/ 1428730 h 1428730"/>
+              <a:gd name="connsiteX1" fmla="*/ 647512 w 1950826"/>
+              <a:gd name="connsiteY1" fmla="*/ 1193742 h 1428730"/>
+              <a:gd name="connsiteX2" fmla="*/ 1004491 w 1950826"/>
+              <a:gd name="connsiteY2" fmla="*/ 998219 h 1428730"/>
+              <a:gd name="connsiteX3" fmla="*/ 1382678 w 1950826"/>
+              <a:gd name="connsiteY3" fmla="*/ 758393 h 1428730"/>
+              <a:gd name="connsiteX4" fmla="*/ 1686923 w 1950826"/>
+              <a:gd name="connsiteY4" fmla="*/ 411537 h 1428730"/>
+              <a:gd name="connsiteX5" fmla="*/ 1950826 w 1950826"/>
+              <a:gd name="connsiteY5" fmla="*/ 0 h 1428730"/>
+              <a:gd name="connsiteX0" fmla="*/ 0 w 1950826"/>
+              <a:gd name="connsiteY0" fmla="*/ 1428730 h 1428730"/>
+              <a:gd name="connsiteX1" fmla="*/ 647512 w 1950826"/>
+              <a:gd name="connsiteY1" fmla="*/ 1193742 h 1428730"/>
+              <a:gd name="connsiteX2" fmla="*/ 1004491 w 1950826"/>
+              <a:gd name="connsiteY2" fmla="*/ 998219 h 1428730"/>
+              <a:gd name="connsiteX3" fmla="*/ 1382678 w 1950826"/>
+              <a:gd name="connsiteY3" fmla="*/ 758393 h 1428730"/>
+              <a:gd name="connsiteX4" fmla="*/ 1698570 w 1950826"/>
+              <a:gd name="connsiteY4" fmla="*/ 441909 h 1428730"/>
+              <a:gd name="connsiteX5" fmla="*/ 1950826 w 1950826"/>
+              <a:gd name="connsiteY5" fmla="*/ 0 h 1428730"/>
+              <a:gd name="connsiteX0" fmla="*/ 0 w 1950826"/>
+              <a:gd name="connsiteY0" fmla="*/ 1428730 h 1428730"/>
+              <a:gd name="connsiteX1" fmla="*/ 647512 w 1950826"/>
+              <a:gd name="connsiteY1" fmla="*/ 1193742 h 1428730"/>
+              <a:gd name="connsiteX2" fmla="*/ 1004491 w 1950826"/>
+              <a:gd name="connsiteY2" fmla="*/ 1024253 h 1428730"/>
+              <a:gd name="connsiteX3" fmla="*/ 1382678 w 1950826"/>
+              <a:gd name="connsiteY3" fmla="*/ 758393 h 1428730"/>
+              <a:gd name="connsiteX4" fmla="*/ 1698570 w 1950826"/>
+              <a:gd name="connsiteY4" fmla="*/ 441909 h 1428730"/>
+              <a:gd name="connsiteX5" fmla="*/ 1950826 w 1950826"/>
+              <a:gd name="connsiteY5" fmla="*/ 0 h 1428730"/>
+              <a:gd name="connsiteX0" fmla="*/ 0 w 1962473"/>
+              <a:gd name="connsiteY0" fmla="*/ 1341953 h 1341953"/>
+              <a:gd name="connsiteX1" fmla="*/ 647512 w 1962473"/>
+              <a:gd name="connsiteY1" fmla="*/ 1106965 h 1341953"/>
+              <a:gd name="connsiteX2" fmla="*/ 1004491 w 1962473"/>
+              <a:gd name="connsiteY2" fmla="*/ 937476 h 1341953"/>
+              <a:gd name="connsiteX3" fmla="*/ 1382678 w 1962473"/>
+              <a:gd name="connsiteY3" fmla="*/ 671616 h 1341953"/>
+              <a:gd name="connsiteX4" fmla="*/ 1698570 w 1962473"/>
+              <a:gd name="connsiteY4" fmla="*/ 355132 h 1341953"/>
+              <a:gd name="connsiteX5" fmla="*/ 1962473 w 1962473"/>
+              <a:gd name="connsiteY5" fmla="*/ 0 h 1341953"/>
+              <a:gd name="connsiteX0" fmla="*/ 0 w 1962473"/>
+              <a:gd name="connsiteY0" fmla="*/ 1341953 h 1341953"/>
+              <a:gd name="connsiteX1" fmla="*/ 647512 w 1962473"/>
+              <a:gd name="connsiteY1" fmla="*/ 1106965 h 1341953"/>
+              <a:gd name="connsiteX2" fmla="*/ 1004491 w 1962473"/>
+              <a:gd name="connsiteY2" fmla="*/ 937476 h 1341953"/>
+              <a:gd name="connsiteX3" fmla="*/ 1382678 w 1962473"/>
+              <a:gd name="connsiteY3" fmla="*/ 671616 h 1341953"/>
+              <a:gd name="connsiteX4" fmla="*/ 1698570 w 1962473"/>
+              <a:gd name="connsiteY4" fmla="*/ 355132 h 1341953"/>
+              <a:gd name="connsiteX5" fmla="*/ 1962473 w 1962473"/>
+              <a:gd name="connsiteY5" fmla="*/ 0 h 1341953"/>
+              <a:gd name="connsiteX0" fmla="*/ 0 w 1962473"/>
+              <a:gd name="connsiteY0" fmla="*/ 1341953 h 1341953"/>
+              <a:gd name="connsiteX1" fmla="*/ 647512 w 1962473"/>
+              <a:gd name="connsiteY1" fmla="*/ 1106965 h 1341953"/>
+              <a:gd name="connsiteX2" fmla="*/ 1004491 w 1962473"/>
+              <a:gd name="connsiteY2" fmla="*/ 937476 h 1341953"/>
+              <a:gd name="connsiteX3" fmla="*/ 1382678 w 1962473"/>
+              <a:gd name="connsiteY3" fmla="*/ 671616 h 1341953"/>
+              <a:gd name="connsiteX4" fmla="*/ 1698570 w 1962473"/>
+              <a:gd name="connsiteY4" fmla="*/ 355132 h 1341953"/>
+              <a:gd name="connsiteX5" fmla="*/ 1962473 w 1962473"/>
+              <a:gd name="connsiteY5" fmla="*/ 0 h 1341953"/>
+              <a:gd name="connsiteX0" fmla="*/ 0 w 1962473"/>
+              <a:gd name="connsiteY0" fmla="*/ 1341953 h 1341953"/>
+              <a:gd name="connsiteX1" fmla="*/ 647512 w 1962473"/>
+              <a:gd name="connsiteY1" fmla="*/ 1106965 h 1341953"/>
+              <a:gd name="connsiteX2" fmla="*/ 1004491 w 1962473"/>
+              <a:gd name="connsiteY2" fmla="*/ 937476 h 1341953"/>
+              <a:gd name="connsiteX3" fmla="*/ 1359385 w 1962473"/>
+              <a:gd name="connsiteY3" fmla="*/ 654261 h 1341953"/>
+              <a:gd name="connsiteX4" fmla="*/ 1698570 w 1962473"/>
+              <a:gd name="connsiteY4" fmla="*/ 355132 h 1341953"/>
+              <a:gd name="connsiteX5" fmla="*/ 1962473 w 1962473"/>
+              <a:gd name="connsiteY5" fmla="*/ 0 h 1341953"/>
+              <a:gd name="connsiteX0" fmla="*/ 0 w 1962473"/>
+              <a:gd name="connsiteY0" fmla="*/ 1341953 h 1341953"/>
+              <a:gd name="connsiteX1" fmla="*/ 647512 w 1962473"/>
+              <a:gd name="connsiteY1" fmla="*/ 1106965 h 1341953"/>
+              <a:gd name="connsiteX2" fmla="*/ 975374 w 1962473"/>
+              <a:gd name="connsiteY2" fmla="*/ 911442 h 1341953"/>
+              <a:gd name="connsiteX3" fmla="*/ 1359385 w 1962473"/>
+              <a:gd name="connsiteY3" fmla="*/ 654261 h 1341953"/>
+              <a:gd name="connsiteX4" fmla="*/ 1698570 w 1962473"/>
+              <a:gd name="connsiteY4" fmla="*/ 355132 h 1341953"/>
+              <a:gd name="connsiteX5" fmla="*/ 1962473 w 1962473"/>
+              <a:gd name="connsiteY5" fmla="*/ 0 h 1341953"/>
+              <a:gd name="connsiteX0" fmla="*/ 0 w 1962473"/>
+              <a:gd name="connsiteY0" fmla="*/ 1341953 h 1341953"/>
+              <a:gd name="connsiteX1" fmla="*/ 618395 w 1962473"/>
+              <a:gd name="connsiteY1" fmla="*/ 1080932 h 1341953"/>
+              <a:gd name="connsiteX2" fmla="*/ 975374 w 1962473"/>
+              <a:gd name="connsiteY2" fmla="*/ 911442 h 1341953"/>
+              <a:gd name="connsiteX3" fmla="*/ 1359385 w 1962473"/>
+              <a:gd name="connsiteY3" fmla="*/ 654261 h 1341953"/>
+              <a:gd name="connsiteX4" fmla="*/ 1698570 w 1962473"/>
+              <a:gd name="connsiteY4" fmla="*/ 355132 h 1341953"/>
+              <a:gd name="connsiteX5" fmla="*/ 1962473 w 1962473"/>
+              <a:gd name="connsiteY5" fmla="*/ 0 h 1341953"/>
+              <a:gd name="connsiteX0" fmla="*/ 0 w 1956649"/>
+              <a:gd name="connsiteY0" fmla="*/ 1298564 h 1298564"/>
+              <a:gd name="connsiteX1" fmla="*/ 612571 w 1956649"/>
+              <a:gd name="connsiteY1" fmla="*/ 1080932 h 1298564"/>
+              <a:gd name="connsiteX2" fmla="*/ 969550 w 1956649"/>
+              <a:gd name="connsiteY2" fmla="*/ 911442 h 1298564"/>
+              <a:gd name="connsiteX3" fmla="*/ 1353561 w 1956649"/>
+              <a:gd name="connsiteY3" fmla="*/ 654261 h 1298564"/>
+              <a:gd name="connsiteX4" fmla="*/ 1692746 w 1956649"/>
+              <a:gd name="connsiteY4" fmla="*/ 355132 h 1298564"/>
+              <a:gd name="connsiteX5" fmla="*/ 1956649 w 1956649"/>
+              <a:gd name="connsiteY5" fmla="*/ 0 h 1298564"/>
+              <a:gd name="connsiteX0" fmla="*/ 0 w 1956649"/>
+              <a:gd name="connsiteY0" fmla="*/ 1298564 h 1298564"/>
+              <a:gd name="connsiteX1" fmla="*/ 612571 w 1956649"/>
+              <a:gd name="connsiteY1" fmla="*/ 1080932 h 1298564"/>
+              <a:gd name="connsiteX2" fmla="*/ 969550 w 1956649"/>
+              <a:gd name="connsiteY2" fmla="*/ 911442 h 1298564"/>
+              <a:gd name="connsiteX3" fmla="*/ 1353561 w 1956649"/>
+              <a:gd name="connsiteY3" fmla="*/ 654261 h 1298564"/>
+              <a:gd name="connsiteX4" fmla="*/ 1692746 w 1956649"/>
+              <a:gd name="connsiteY4" fmla="*/ 355132 h 1298564"/>
+              <a:gd name="connsiteX5" fmla="*/ 1956649 w 1956649"/>
+              <a:gd name="connsiteY5" fmla="*/ 0 h 1298564"/>
+            </a:gdLst>
+            <a:ahLst/>
+            <a:cxnLst>
+              <a:cxn ang="0">
+                <a:pos x="connsiteX0" y="connsiteY0"/>
+              </a:cxn>
+              <a:cxn ang="0">
+                <a:pos x="connsiteX1" y="connsiteY1"/>
+              </a:cxn>
+              <a:cxn ang="0">
+                <a:pos x="connsiteX2" y="connsiteY2"/>
+              </a:cxn>
+              <a:cxn ang="0">
+                <a:pos x="connsiteX3" y="connsiteY3"/>
+              </a:cxn>
+              <a:cxn ang="0">
+                <a:pos x="connsiteX4" y="connsiteY4"/>
+              </a:cxn>
+              <a:cxn ang="0">
+                <a:pos x="connsiteX5" y="connsiteY5"/>
+              </a:cxn>
+            </a:cxnLst>
+            <a:rect l="l" t="t" r="r" b="b"/>
+            <a:pathLst>
+              <a:path w="1956649" h="1298564">
+                <a:moveTo>
+                  <a:pt x="0" y="1298564"/>
+                </a:moveTo>
+                <a:cubicBezTo>
+                  <a:pt x="167645" y="1251358"/>
+                  <a:pt x="450979" y="1145452"/>
+                  <a:pt x="612571" y="1080932"/>
+                </a:cubicBezTo>
+                <a:cubicBezTo>
+                  <a:pt x="774163" y="1016412"/>
+                  <a:pt x="846052" y="982554"/>
+                  <a:pt x="969550" y="911442"/>
+                </a:cubicBezTo>
+                <a:cubicBezTo>
+                  <a:pt x="1093048" y="840330"/>
+                  <a:pt x="1233028" y="746979"/>
+                  <a:pt x="1353561" y="654261"/>
+                </a:cubicBezTo>
+                <a:cubicBezTo>
+                  <a:pt x="1474094" y="561543"/>
+                  <a:pt x="1592231" y="464176"/>
+                  <a:pt x="1692746" y="355132"/>
+                </a:cubicBezTo>
+                <a:cubicBezTo>
+                  <a:pt x="1793261" y="246089"/>
+                  <a:pt x="1851845" y="165788"/>
+                  <a:pt x="1956649" y="0"/>
+                </a:cubicBezTo>
+              </a:path>
+            </a:pathLst>
+          </a:custGeom>
+          <a:ln w="19050">
+            <a:prstDash val="dash"/>
+            <a:headEnd type="none" w="med" len="med"/>
+            <a:tailEnd type="none" w="med" len="med"/>
+          </a:ln>
+        </p:spPr>
+        <p:style>
+          <a:lnRef idx="1">
+            <a:schemeClr val="dk1"/>
+          </a:lnRef>
+          <a:fillRef idx="0">
+            <a:schemeClr val="dk1"/>
+          </a:fillRef>
+          <a:effectRef idx="0">
+            <a:schemeClr val="dk1"/>
+          </a:effectRef>
+          <a:fontRef idx="minor">
+            <a:schemeClr val="tx1"/>
+          </a:fontRef>
+        </p:style>
+        <p:txBody>
+          <a:bodyPr rtlCol="0" anchor="ctr"/>
+          <a:lstStyle/>
+          <a:p>
+            <a:pPr algn="ctr"/>
+            <a:endParaRPr kumimoji="1" lang="ja-JP" altLang="en-US"/>
+          </a:p>
+        </p:txBody>
+      </p:sp>
+      <p:sp>
+        <p:nvSpPr>
+          <p:cNvPr id="16" name="フリーフォーム: 図形 15">
+            <a:extLst>
+              <a:ext uri="{FF2B5EF4-FFF2-40B4-BE49-F238E27FC236}">
+                <a16:creationId xmlns:a16="http://schemas.microsoft.com/office/drawing/2014/main" id="{0258B678-7C74-4074-B43E-A007FCD7A89C}"/>
+              </a:ext>
+            </a:extLst>
+          </p:cNvPr>
+          <p:cNvSpPr/>
+          <p:nvPr/>
+        </p:nvSpPr>
+        <p:spPr>
+          <a:xfrm>
+            <a:off x="2369824" y="3333010"/>
+            <a:ext cx="1748535" cy="1623653"/>
+          </a:xfrm>
+          <a:custGeom>
+            <a:avLst/>
+            <a:gdLst>
+              <a:gd name="connsiteX0" fmla="*/ 0 w 1915886"/>
+              <a:gd name="connsiteY0" fmla="*/ 1576251 h 1576251"/>
+              <a:gd name="connsiteX1" fmla="*/ 539932 w 1915886"/>
+              <a:gd name="connsiteY1" fmla="*/ 1471748 h 1576251"/>
+              <a:gd name="connsiteX2" fmla="*/ 1210492 w 1915886"/>
+              <a:gd name="connsiteY2" fmla="*/ 1140823 h 1576251"/>
+              <a:gd name="connsiteX3" fmla="*/ 1672046 w 1915886"/>
+              <a:gd name="connsiteY3" fmla="*/ 670560 h 1576251"/>
+              <a:gd name="connsiteX4" fmla="*/ 1863634 w 1915886"/>
+              <a:gd name="connsiteY4" fmla="*/ 217714 h 1576251"/>
+              <a:gd name="connsiteX5" fmla="*/ 1915886 w 1915886"/>
+              <a:gd name="connsiteY5" fmla="*/ 0 h 1576251"/>
+              <a:gd name="connsiteX0-1" fmla="*/ 0 w 1915886"/>
+              <a:gd name="connsiteY0-2" fmla="*/ 1576251 h 1576251"/>
+              <a:gd name="connsiteX1-3" fmla="*/ 559285 w 1915886"/>
+              <a:gd name="connsiteY1-4" fmla="*/ 1402080 h 1576251"/>
+              <a:gd name="connsiteX2-5" fmla="*/ 1210492 w 1915886"/>
+              <a:gd name="connsiteY2-6" fmla="*/ 1140823 h 1576251"/>
+              <a:gd name="connsiteX3-7" fmla="*/ 1672046 w 1915886"/>
+              <a:gd name="connsiteY3-8" fmla="*/ 670560 h 1576251"/>
+              <a:gd name="connsiteX4-9" fmla="*/ 1863634 w 1915886"/>
+              <a:gd name="connsiteY4-10" fmla="*/ 217714 h 1576251"/>
+              <a:gd name="connsiteX5-11" fmla="*/ 1915886 w 1915886"/>
+              <a:gd name="connsiteY5-12" fmla="*/ 0 h 1576251"/>
+              <a:gd name="connsiteX0-13" fmla="*/ 0 w 1915886"/>
+              <a:gd name="connsiteY0-14" fmla="*/ 1576251 h 1576251"/>
+              <a:gd name="connsiteX1-15" fmla="*/ 559285 w 1915886"/>
+              <a:gd name="connsiteY1-16" fmla="*/ 1402080 h 1576251"/>
+              <a:gd name="connsiteX2-17" fmla="*/ 1152436 w 1915886"/>
+              <a:gd name="connsiteY2-18" fmla="*/ 1079863 h 1576251"/>
+              <a:gd name="connsiteX3-19" fmla="*/ 1672046 w 1915886"/>
+              <a:gd name="connsiteY3-20" fmla="*/ 670560 h 1576251"/>
+              <a:gd name="connsiteX4-21" fmla="*/ 1863634 w 1915886"/>
+              <a:gd name="connsiteY4-22" fmla="*/ 217714 h 1576251"/>
+              <a:gd name="connsiteX5-23" fmla="*/ 1915886 w 1915886"/>
+              <a:gd name="connsiteY5-24" fmla="*/ 0 h 1576251"/>
+              <a:gd name="connsiteX0-25" fmla="*/ 0 w 1915886"/>
+              <a:gd name="connsiteY0-26" fmla="*/ 1576251 h 1576251"/>
+              <a:gd name="connsiteX1-27" fmla="*/ 559285 w 1915886"/>
+              <a:gd name="connsiteY1-28" fmla="*/ 1402080 h 1576251"/>
+              <a:gd name="connsiteX2-29" fmla="*/ 1152436 w 1915886"/>
+              <a:gd name="connsiteY2-30" fmla="*/ 1079863 h 1576251"/>
+              <a:gd name="connsiteX3-31" fmla="*/ 1555931 w 1915886"/>
+              <a:gd name="connsiteY3-32" fmla="*/ 687977 h 1576251"/>
+              <a:gd name="connsiteX4-33" fmla="*/ 1863634 w 1915886"/>
+              <a:gd name="connsiteY4-34" fmla="*/ 217714 h 1576251"/>
+              <a:gd name="connsiteX5-35" fmla="*/ 1915886 w 1915886"/>
+              <a:gd name="connsiteY5-36" fmla="*/ 0 h 1576251"/>
+              <a:gd name="connsiteX0-37" fmla="*/ 0 w 1915886"/>
+              <a:gd name="connsiteY0-38" fmla="*/ 1576251 h 1576251"/>
+              <a:gd name="connsiteX1-39" fmla="*/ 559285 w 1915886"/>
+              <a:gd name="connsiteY1-40" fmla="*/ 1402080 h 1576251"/>
+              <a:gd name="connsiteX2-41" fmla="*/ 1152436 w 1915886"/>
+              <a:gd name="connsiteY2-42" fmla="*/ 1079863 h 1576251"/>
+              <a:gd name="connsiteX3-43" fmla="*/ 1555931 w 1915886"/>
+              <a:gd name="connsiteY3-44" fmla="*/ 687977 h 1576251"/>
+              <a:gd name="connsiteX4-45" fmla="*/ 1786225 w 1915886"/>
+              <a:gd name="connsiteY4-46" fmla="*/ 322217 h 1576251"/>
+              <a:gd name="connsiteX5-47" fmla="*/ 1915886 w 1915886"/>
+              <a:gd name="connsiteY5-48" fmla="*/ 0 h 1576251"/>
+              <a:gd name="connsiteX0-49" fmla="*/ 0 w 1915886"/>
+              <a:gd name="connsiteY0-50" fmla="*/ 1576251 h 1576251"/>
+              <a:gd name="connsiteX1-51" fmla="*/ 559285 w 1915886"/>
+              <a:gd name="connsiteY1-52" fmla="*/ 1402080 h 1576251"/>
+              <a:gd name="connsiteX2-53" fmla="*/ 1152436 w 1915886"/>
+              <a:gd name="connsiteY2-54" fmla="*/ 1079863 h 1576251"/>
+              <a:gd name="connsiteX3-55" fmla="*/ 1555931 w 1915886"/>
+              <a:gd name="connsiteY3-56" fmla="*/ 687977 h 1576251"/>
+              <a:gd name="connsiteX4-57" fmla="*/ 1786225 w 1915886"/>
+              <a:gd name="connsiteY4-58" fmla="*/ 365760 h 1576251"/>
+              <a:gd name="connsiteX5-59" fmla="*/ 1915886 w 1915886"/>
+              <a:gd name="connsiteY5-60" fmla="*/ 0 h 1576251"/>
+              <a:gd name="connsiteX0-61" fmla="*/ 0 w 1915886"/>
+              <a:gd name="connsiteY0-62" fmla="*/ 1576251 h 1576251"/>
+              <a:gd name="connsiteX1-63" fmla="*/ 559285 w 1915886"/>
+              <a:gd name="connsiteY1-64" fmla="*/ 1402080 h 1576251"/>
+              <a:gd name="connsiteX2-65" fmla="*/ 1152436 w 1915886"/>
+              <a:gd name="connsiteY2-66" fmla="*/ 1079863 h 1576251"/>
+              <a:gd name="connsiteX3-67" fmla="*/ 1555931 w 1915886"/>
+              <a:gd name="connsiteY3-68" fmla="*/ 687977 h 1576251"/>
+              <a:gd name="connsiteX4-69" fmla="*/ 1786225 w 1915886"/>
+              <a:gd name="connsiteY4-70" fmla="*/ 365760 h 1576251"/>
+              <a:gd name="connsiteX5-71" fmla="*/ 1915886 w 1915886"/>
+              <a:gd name="connsiteY5-72" fmla="*/ 0 h 1576251"/>
+              <a:gd name="connsiteX0-73" fmla="*/ 0 w 1915886"/>
+              <a:gd name="connsiteY0-74" fmla="*/ 1576251 h 1576251"/>
+              <a:gd name="connsiteX1-75" fmla="*/ 559285 w 1915886"/>
+              <a:gd name="connsiteY1-76" fmla="*/ 1402080 h 1576251"/>
+              <a:gd name="connsiteX2-77" fmla="*/ 1152436 w 1915886"/>
+              <a:gd name="connsiteY2-78" fmla="*/ 1079863 h 1576251"/>
+              <a:gd name="connsiteX3-79" fmla="*/ 1555931 w 1915886"/>
+              <a:gd name="connsiteY3-80" fmla="*/ 687977 h 1576251"/>
+              <a:gd name="connsiteX4-81" fmla="*/ 1786225 w 1915886"/>
+              <a:gd name="connsiteY4-82" fmla="*/ 365760 h 1576251"/>
+              <a:gd name="connsiteX5-83" fmla="*/ 1915886 w 1915886"/>
+              <a:gd name="connsiteY5-84" fmla="*/ 0 h 1576251"/>
+              <a:gd name="connsiteX0-85" fmla="*/ 0 w 1915886"/>
+              <a:gd name="connsiteY0-86" fmla="*/ 1576251 h 1576251"/>
+              <a:gd name="connsiteX1-87" fmla="*/ 559285 w 1915886"/>
+              <a:gd name="connsiteY1-88" fmla="*/ 1402080 h 1576251"/>
+              <a:gd name="connsiteX2-89" fmla="*/ 1152436 w 1915886"/>
+              <a:gd name="connsiteY2-90" fmla="*/ 1079863 h 1576251"/>
+              <a:gd name="connsiteX3-91" fmla="*/ 1517227 w 1915886"/>
+              <a:gd name="connsiteY3-92" fmla="*/ 722812 h 1576251"/>
+              <a:gd name="connsiteX4-93" fmla="*/ 1786225 w 1915886"/>
+              <a:gd name="connsiteY4-94" fmla="*/ 365760 h 1576251"/>
+              <a:gd name="connsiteX5-95" fmla="*/ 1915886 w 1915886"/>
+              <a:gd name="connsiteY5-96" fmla="*/ 0 h 1576251"/>
+              <a:gd name="connsiteX0-97" fmla="*/ 0 w 1915886"/>
+              <a:gd name="connsiteY0-98" fmla="*/ 1576251 h 1576251"/>
+              <a:gd name="connsiteX1-99" fmla="*/ 559285 w 1915886"/>
+              <a:gd name="connsiteY1-100" fmla="*/ 1402080 h 1576251"/>
+              <a:gd name="connsiteX2-101" fmla="*/ 1152436 w 1915886"/>
+              <a:gd name="connsiteY2-102" fmla="*/ 1079863 h 1576251"/>
+              <a:gd name="connsiteX3-103" fmla="*/ 1517227 w 1915886"/>
+              <a:gd name="connsiteY3-104" fmla="*/ 722812 h 1576251"/>
+              <a:gd name="connsiteX4-105" fmla="*/ 1786225 w 1915886"/>
+              <a:gd name="connsiteY4-106" fmla="*/ 365760 h 1576251"/>
+              <a:gd name="connsiteX5-107" fmla="*/ 1915886 w 1915886"/>
+              <a:gd name="connsiteY5-108" fmla="*/ 0 h 1576251"/>
+              <a:gd name="connsiteX0-109" fmla="*/ 0 w 1915886"/>
+              <a:gd name="connsiteY0-110" fmla="*/ 1576251 h 1576251"/>
+              <a:gd name="connsiteX1-111" fmla="*/ 539189 w 1915886"/>
+              <a:gd name="connsiteY1-112" fmla="*/ 1381542 h 1576251"/>
+              <a:gd name="connsiteX2-113" fmla="*/ 1152436 w 1915886"/>
+              <a:gd name="connsiteY2-114" fmla="*/ 1079863 h 1576251"/>
+              <a:gd name="connsiteX3-115" fmla="*/ 1517227 w 1915886"/>
+              <a:gd name="connsiteY3-116" fmla="*/ 722812 h 1576251"/>
+              <a:gd name="connsiteX4-117" fmla="*/ 1786225 w 1915886"/>
+              <a:gd name="connsiteY4-118" fmla="*/ 365760 h 1576251"/>
+              <a:gd name="connsiteX5-119" fmla="*/ 1915886 w 1915886"/>
+              <a:gd name="connsiteY5-120" fmla="*/ 0 h 1576251"/>
+              <a:gd name="connsiteX0-121" fmla="*/ 0 w 1915886"/>
+              <a:gd name="connsiteY0-122" fmla="*/ 1576251 h 1576251"/>
+              <a:gd name="connsiteX1-123" fmla="*/ 539189 w 1915886"/>
+              <a:gd name="connsiteY1-124" fmla="*/ 1381542 h 1576251"/>
+              <a:gd name="connsiteX2-125" fmla="*/ 1125641 w 1915886"/>
+              <a:gd name="connsiteY2-126" fmla="*/ 1074728 h 1576251"/>
+              <a:gd name="connsiteX3-127" fmla="*/ 1517227 w 1915886"/>
+              <a:gd name="connsiteY3-128" fmla="*/ 722812 h 1576251"/>
+              <a:gd name="connsiteX4-129" fmla="*/ 1786225 w 1915886"/>
+              <a:gd name="connsiteY4-130" fmla="*/ 365760 h 1576251"/>
+              <a:gd name="connsiteX5-131" fmla="*/ 1915886 w 1915886"/>
+              <a:gd name="connsiteY5-132" fmla="*/ 0 h 1576251"/>
+              <a:gd name="connsiteX0-133" fmla="*/ 0 w 1915886"/>
+              <a:gd name="connsiteY0-134" fmla="*/ 1576251 h 1576251"/>
+              <a:gd name="connsiteX1-135" fmla="*/ 539189 w 1915886"/>
+              <a:gd name="connsiteY1-136" fmla="*/ 1381542 h 1576251"/>
+              <a:gd name="connsiteX2-137" fmla="*/ 1125641 w 1915886"/>
+              <a:gd name="connsiteY2-138" fmla="*/ 1074728 h 1576251"/>
+              <a:gd name="connsiteX3-139" fmla="*/ 1456937 w 1915886"/>
+              <a:gd name="connsiteY3-140" fmla="*/ 758753 h 1576251"/>
+              <a:gd name="connsiteX4-141" fmla="*/ 1786225 w 1915886"/>
+              <a:gd name="connsiteY4-142" fmla="*/ 365760 h 1576251"/>
+              <a:gd name="connsiteX5-143" fmla="*/ 1915886 w 1915886"/>
+              <a:gd name="connsiteY5-144" fmla="*/ 0 h 1576251"/>
+              <a:gd name="connsiteX0-145" fmla="*/ 0 w 1915886"/>
+              <a:gd name="connsiteY0-146" fmla="*/ 1576251 h 1576251"/>
+              <a:gd name="connsiteX1-147" fmla="*/ 539189 w 1915886"/>
+              <a:gd name="connsiteY1-148" fmla="*/ 1381542 h 1576251"/>
+              <a:gd name="connsiteX2-149" fmla="*/ 1125641 w 1915886"/>
+              <a:gd name="connsiteY2-150" fmla="*/ 1074728 h 1576251"/>
+              <a:gd name="connsiteX3-151" fmla="*/ 1456937 w 1915886"/>
+              <a:gd name="connsiteY3-152" fmla="*/ 758753 h 1576251"/>
+              <a:gd name="connsiteX4-153" fmla="*/ 1739333 w 1915886"/>
+              <a:gd name="connsiteY4-154" fmla="*/ 381164 h 1576251"/>
+              <a:gd name="connsiteX5-155" fmla="*/ 1915886 w 1915886"/>
+              <a:gd name="connsiteY5-156" fmla="*/ 0 h 1576251"/>
+              <a:gd name="connsiteX0-157" fmla="*/ 0 w 1915886"/>
+              <a:gd name="connsiteY0-158" fmla="*/ 1576251 h 1576251"/>
+              <a:gd name="connsiteX1-159" fmla="*/ 539189 w 1915886"/>
+              <a:gd name="connsiteY1-160" fmla="*/ 1381542 h 1576251"/>
+              <a:gd name="connsiteX2-161" fmla="*/ 1125641 w 1915886"/>
+              <a:gd name="connsiteY2-162" fmla="*/ 1074728 h 1576251"/>
+              <a:gd name="connsiteX3-163" fmla="*/ 1423442 w 1915886"/>
+              <a:gd name="connsiteY3-164" fmla="*/ 784425 h 1576251"/>
+              <a:gd name="connsiteX4-165" fmla="*/ 1739333 w 1915886"/>
+              <a:gd name="connsiteY4-166" fmla="*/ 381164 h 1576251"/>
+              <a:gd name="connsiteX5-167" fmla="*/ 1915886 w 1915886"/>
+              <a:gd name="connsiteY5-168" fmla="*/ 0 h 1576251"/>
+              <a:gd name="connsiteX0-169" fmla="*/ 0 w 1915886"/>
+              <a:gd name="connsiteY0-170" fmla="*/ 1576251 h 1576251"/>
+              <a:gd name="connsiteX1-171" fmla="*/ 539189 w 1915886"/>
+              <a:gd name="connsiteY1-172" fmla="*/ 1381542 h 1576251"/>
+              <a:gd name="connsiteX2-173" fmla="*/ 1045255 w 1915886"/>
+              <a:gd name="connsiteY2-174" fmla="*/ 1084996 h 1576251"/>
+              <a:gd name="connsiteX3-175" fmla="*/ 1423442 w 1915886"/>
+              <a:gd name="connsiteY3-176" fmla="*/ 784425 h 1576251"/>
+              <a:gd name="connsiteX4-177" fmla="*/ 1739333 w 1915886"/>
+              <a:gd name="connsiteY4-178" fmla="*/ 381164 h 1576251"/>
+              <a:gd name="connsiteX5-179" fmla="*/ 1915886 w 1915886"/>
+              <a:gd name="connsiteY5-180" fmla="*/ 0 h 1576251"/>
+              <a:gd name="connsiteX0-181" fmla="*/ 0 w 1915886"/>
+              <a:gd name="connsiteY0-182" fmla="*/ 1576251 h 1576251"/>
+              <a:gd name="connsiteX1-183" fmla="*/ 565985 w 1915886"/>
+              <a:gd name="connsiteY1-184" fmla="*/ 1345602 h 1576251"/>
+              <a:gd name="connsiteX2-185" fmla="*/ 1045255 w 1915886"/>
+              <a:gd name="connsiteY2-186" fmla="*/ 1084996 h 1576251"/>
+              <a:gd name="connsiteX3-187" fmla="*/ 1423442 w 1915886"/>
+              <a:gd name="connsiteY3-188" fmla="*/ 784425 h 1576251"/>
+              <a:gd name="connsiteX4-189" fmla="*/ 1739333 w 1915886"/>
+              <a:gd name="connsiteY4-190" fmla="*/ 381164 h 1576251"/>
+              <a:gd name="connsiteX5-191" fmla="*/ 1915886 w 1915886"/>
+              <a:gd name="connsiteY5-192" fmla="*/ 0 h 1576251"/>
+              <a:gd name="connsiteX0" fmla="*/ 0 w 1950826"/>
+              <a:gd name="connsiteY0" fmla="*/ 1476457 h 1476457"/>
+              <a:gd name="connsiteX1" fmla="*/ 565985 w 1950826"/>
+              <a:gd name="connsiteY1" fmla="*/ 1245808 h 1476457"/>
+              <a:gd name="connsiteX2" fmla="*/ 1045255 w 1950826"/>
+              <a:gd name="connsiteY2" fmla="*/ 985202 h 1476457"/>
+              <a:gd name="connsiteX3" fmla="*/ 1423442 w 1950826"/>
+              <a:gd name="connsiteY3" fmla="*/ 684631 h 1476457"/>
+              <a:gd name="connsiteX4" fmla="*/ 1739333 w 1950826"/>
+              <a:gd name="connsiteY4" fmla="*/ 281370 h 1476457"/>
+              <a:gd name="connsiteX5" fmla="*/ 1950826 w 1950826"/>
+              <a:gd name="connsiteY5" fmla="*/ 0 h 1476457"/>
+              <a:gd name="connsiteX0" fmla="*/ 0 w 1950826"/>
+              <a:gd name="connsiteY0" fmla="*/ 1476457 h 1476457"/>
+              <a:gd name="connsiteX1" fmla="*/ 565985 w 1950826"/>
+              <a:gd name="connsiteY1" fmla="*/ 1245808 h 1476457"/>
+              <a:gd name="connsiteX2" fmla="*/ 1045255 w 1950826"/>
+              <a:gd name="connsiteY2" fmla="*/ 985202 h 1476457"/>
+              <a:gd name="connsiteX3" fmla="*/ 1423442 w 1950826"/>
+              <a:gd name="connsiteY3" fmla="*/ 684631 h 1476457"/>
+              <a:gd name="connsiteX4" fmla="*/ 1739333 w 1950826"/>
+              <a:gd name="connsiteY4" fmla="*/ 346453 h 1476457"/>
+              <a:gd name="connsiteX5" fmla="*/ 1950826 w 1950826"/>
+              <a:gd name="connsiteY5" fmla="*/ 0 h 1476457"/>
+              <a:gd name="connsiteX0" fmla="*/ 0 w 1950826"/>
+              <a:gd name="connsiteY0" fmla="*/ 1428730 h 1428730"/>
+              <a:gd name="connsiteX1" fmla="*/ 565985 w 1950826"/>
+              <a:gd name="connsiteY1" fmla="*/ 1198081 h 1428730"/>
+              <a:gd name="connsiteX2" fmla="*/ 1045255 w 1950826"/>
+              <a:gd name="connsiteY2" fmla="*/ 937475 h 1428730"/>
+              <a:gd name="connsiteX3" fmla="*/ 1423442 w 1950826"/>
+              <a:gd name="connsiteY3" fmla="*/ 636904 h 1428730"/>
+              <a:gd name="connsiteX4" fmla="*/ 1739333 w 1950826"/>
+              <a:gd name="connsiteY4" fmla="*/ 298726 h 1428730"/>
+              <a:gd name="connsiteX5" fmla="*/ 1950826 w 1950826"/>
+              <a:gd name="connsiteY5" fmla="*/ 0 h 1428730"/>
+              <a:gd name="connsiteX0" fmla="*/ 0 w 1950826"/>
+              <a:gd name="connsiteY0" fmla="*/ 1428730 h 1428730"/>
+              <a:gd name="connsiteX1" fmla="*/ 565985 w 1950826"/>
+              <a:gd name="connsiteY1" fmla="*/ 1198081 h 1428730"/>
+              <a:gd name="connsiteX2" fmla="*/ 1045255 w 1950826"/>
+              <a:gd name="connsiteY2" fmla="*/ 937475 h 1428730"/>
+              <a:gd name="connsiteX3" fmla="*/ 1423442 w 1950826"/>
+              <a:gd name="connsiteY3" fmla="*/ 636904 h 1428730"/>
+              <a:gd name="connsiteX4" fmla="*/ 1704393 w 1950826"/>
+              <a:gd name="connsiteY4" fmla="*/ 376826 h 1428730"/>
+              <a:gd name="connsiteX5" fmla="*/ 1950826 w 1950826"/>
+              <a:gd name="connsiteY5" fmla="*/ 0 h 1428730"/>
+              <a:gd name="connsiteX0" fmla="*/ 0 w 1950826"/>
+              <a:gd name="connsiteY0" fmla="*/ 1428730 h 1428730"/>
+              <a:gd name="connsiteX1" fmla="*/ 565985 w 1950826"/>
+              <a:gd name="connsiteY1" fmla="*/ 1198081 h 1428730"/>
+              <a:gd name="connsiteX2" fmla="*/ 1045255 w 1950826"/>
+              <a:gd name="connsiteY2" fmla="*/ 937475 h 1428730"/>
+              <a:gd name="connsiteX3" fmla="*/ 1423442 w 1950826"/>
+              <a:gd name="connsiteY3" fmla="*/ 636904 h 1428730"/>
+              <a:gd name="connsiteX4" fmla="*/ 1704393 w 1950826"/>
+              <a:gd name="connsiteY4" fmla="*/ 376826 h 1428730"/>
+              <a:gd name="connsiteX5" fmla="*/ 1950826 w 1950826"/>
+              <a:gd name="connsiteY5" fmla="*/ 0 h 1428730"/>
+              <a:gd name="connsiteX0" fmla="*/ 0 w 1950826"/>
+              <a:gd name="connsiteY0" fmla="*/ 1428730 h 1428730"/>
+              <a:gd name="connsiteX1" fmla="*/ 565985 w 1950826"/>
+              <a:gd name="connsiteY1" fmla="*/ 1198081 h 1428730"/>
+              <a:gd name="connsiteX2" fmla="*/ 1045255 w 1950826"/>
+              <a:gd name="connsiteY2" fmla="*/ 937475 h 1428730"/>
+              <a:gd name="connsiteX3" fmla="*/ 1423442 w 1950826"/>
+              <a:gd name="connsiteY3" fmla="*/ 636904 h 1428730"/>
+              <a:gd name="connsiteX4" fmla="*/ 1704393 w 1950826"/>
+              <a:gd name="connsiteY4" fmla="*/ 376826 h 1428730"/>
+              <a:gd name="connsiteX5" fmla="*/ 1950826 w 1950826"/>
+              <a:gd name="connsiteY5" fmla="*/ 0 h 1428730"/>
+              <a:gd name="connsiteX0" fmla="*/ 0 w 1950826"/>
+              <a:gd name="connsiteY0" fmla="*/ 1428730 h 1428730"/>
+              <a:gd name="connsiteX1" fmla="*/ 565985 w 1950826"/>
+              <a:gd name="connsiteY1" fmla="*/ 1198081 h 1428730"/>
+              <a:gd name="connsiteX2" fmla="*/ 1045255 w 1950826"/>
+              <a:gd name="connsiteY2" fmla="*/ 937475 h 1428730"/>
+              <a:gd name="connsiteX3" fmla="*/ 1423442 w 1950826"/>
+              <a:gd name="connsiteY3" fmla="*/ 636904 h 1428730"/>
+              <a:gd name="connsiteX4" fmla="*/ 1704393 w 1950826"/>
+              <a:gd name="connsiteY4" fmla="*/ 376826 h 1428730"/>
+              <a:gd name="connsiteX5" fmla="*/ 1950826 w 1950826"/>
+              <a:gd name="connsiteY5" fmla="*/ 0 h 1428730"/>
+              <a:gd name="connsiteX0" fmla="*/ 0 w 1950826"/>
+              <a:gd name="connsiteY0" fmla="*/ 1428730 h 1428730"/>
+              <a:gd name="connsiteX1" fmla="*/ 565985 w 1950826"/>
+              <a:gd name="connsiteY1" fmla="*/ 1198081 h 1428730"/>
+              <a:gd name="connsiteX2" fmla="*/ 1045255 w 1950826"/>
+              <a:gd name="connsiteY2" fmla="*/ 937475 h 1428730"/>
+              <a:gd name="connsiteX3" fmla="*/ 1423442 w 1950826"/>
+              <a:gd name="connsiteY3" fmla="*/ 636904 h 1428730"/>
+              <a:gd name="connsiteX4" fmla="*/ 1686923 w 1950826"/>
+              <a:gd name="connsiteY4" fmla="*/ 411537 h 1428730"/>
+              <a:gd name="connsiteX5" fmla="*/ 1950826 w 1950826"/>
+              <a:gd name="connsiteY5" fmla="*/ 0 h 1428730"/>
+              <a:gd name="connsiteX0" fmla="*/ 0 w 1950826"/>
+              <a:gd name="connsiteY0" fmla="*/ 1428730 h 1428730"/>
+              <a:gd name="connsiteX1" fmla="*/ 565985 w 1950826"/>
+              <a:gd name="connsiteY1" fmla="*/ 1198081 h 1428730"/>
+              <a:gd name="connsiteX2" fmla="*/ 1045255 w 1950826"/>
+              <a:gd name="connsiteY2" fmla="*/ 937475 h 1428730"/>
+              <a:gd name="connsiteX3" fmla="*/ 1382678 w 1950826"/>
+              <a:gd name="connsiteY3" fmla="*/ 758393 h 1428730"/>
+              <a:gd name="connsiteX4" fmla="*/ 1686923 w 1950826"/>
+              <a:gd name="connsiteY4" fmla="*/ 411537 h 1428730"/>
+              <a:gd name="connsiteX5" fmla="*/ 1950826 w 1950826"/>
+              <a:gd name="connsiteY5" fmla="*/ 0 h 1428730"/>
+              <a:gd name="connsiteX0" fmla="*/ 0 w 1950826"/>
+              <a:gd name="connsiteY0" fmla="*/ 1428730 h 1428730"/>
+              <a:gd name="connsiteX1" fmla="*/ 565985 w 1950826"/>
+              <a:gd name="connsiteY1" fmla="*/ 1198081 h 1428730"/>
+              <a:gd name="connsiteX2" fmla="*/ 1004491 w 1950826"/>
+              <a:gd name="connsiteY2" fmla="*/ 998219 h 1428730"/>
+              <a:gd name="connsiteX3" fmla="*/ 1382678 w 1950826"/>
+              <a:gd name="connsiteY3" fmla="*/ 758393 h 1428730"/>
+              <a:gd name="connsiteX4" fmla="*/ 1686923 w 1950826"/>
+              <a:gd name="connsiteY4" fmla="*/ 411537 h 1428730"/>
+              <a:gd name="connsiteX5" fmla="*/ 1950826 w 1950826"/>
+              <a:gd name="connsiteY5" fmla="*/ 0 h 1428730"/>
+              <a:gd name="connsiteX0" fmla="*/ 0 w 1950826"/>
+              <a:gd name="connsiteY0" fmla="*/ 1428730 h 1428730"/>
+              <a:gd name="connsiteX1" fmla="*/ 647512 w 1950826"/>
+              <a:gd name="connsiteY1" fmla="*/ 1193742 h 1428730"/>
+              <a:gd name="connsiteX2" fmla="*/ 1004491 w 1950826"/>
+              <a:gd name="connsiteY2" fmla="*/ 998219 h 1428730"/>
+              <a:gd name="connsiteX3" fmla="*/ 1382678 w 1950826"/>
+              <a:gd name="connsiteY3" fmla="*/ 758393 h 1428730"/>
+              <a:gd name="connsiteX4" fmla="*/ 1686923 w 1950826"/>
+              <a:gd name="connsiteY4" fmla="*/ 411537 h 1428730"/>
+              <a:gd name="connsiteX5" fmla="*/ 1950826 w 1950826"/>
+              <a:gd name="connsiteY5" fmla="*/ 0 h 1428730"/>
+              <a:gd name="connsiteX0" fmla="*/ 0 w 1950826"/>
+              <a:gd name="connsiteY0" fmla="*/ 1428730 h 1428730"/>
+              <a:gd name="connsiteX1" fmla="*/ 647512 w 1950826"/>
+              <a:gd name="connsiteY1" fmla="*/ 1193742 h 1428730"/>
+              <a:gd name="connsiteX2" fmla="*/ 1004491 w 1950826"/>
+              <a:gd name="connsiteY2" fmla="*/ 998219 h 1428730"/>
+              <a:gd name="connsiteX3" fmla="*/ 1382678 w 1950826"/>
+              <a:gd name="connsiteY3" fmla="*/ 758393 h 1428730"/>
+              <a:gd name="connsiteX4" fmla="*/ 1698570 w 1950826"/>
+              <a:gd name="connsiteY4" fmla="*/ 441909 h 1428730"/>
+              <a:gd name="connsiteX5" fmla="*/ 1950826 w 1950826"/>
+              <a:gd name="connsiteY5" fmla="*/ 0 h 1428730"/>
+              <a:gd name="connsiteX0" fmla="*/ 0 w 1950826"/>
+              <a:gd name="connsiteY0" fmla="*/ 1428730 h 1428730"/>
+              <a:gd name="connsiteX1" fmla="*/ 647512 w 1950826"/>
+              <a:gd name="connsiteY1" fmla="*/ 1193742 h 1428730"/>
+              <a:gd name="connsiteX2" fmla="*/ 1004491 w 1950826"/>
+              <a:gd name="connsiteY2" fmla="*/ 1024253 h 1428730"/>
+              <a:gd name="connsiteX3" fmla="*/ 1382678 w 1950826"/>
+              <a:gd name="connsiteY3" fmla="*/ 758393 h 1428730"/>
+              <a:gd name="connsiteX4" fmla="*/ 1698570 w 1950826"/>
+              <a:gd name="connsiteY4" fmla="*/ 441909 h 1428730"/>
+              <a:gd name="connsiteX5" fmla="*/ 1950826 w 1950826"/>
+              <a:gd name="connsiteY5" fmla="*/ 0 h 1428730"/>
+              <a:gd name="connsiteX0" fmla="*/ 0 w 1962473"/>
+              <a:gd name="connsiteY0" fmla="*/ 1341953 h 1341953"/>
+              <a:gd name="connsiteX1" fmla="*/ 647512 w 1962473"/>
+              <a:gd name="connsiteY1" fmla="*/ 1106965 h 1341953"/>
+              <a:gd name="connsiteX2" fmla="*/ 1004491 w 1962473"/>
+              <a:gd name="connsiteY2" fmla="*/ 937476 h 1341953"/>
+              <a:gd name="connsiteX3" fmla="*/ 1382678 w 1962473"/>
+              <a:gd name="connsiteY3" fmla="*/ 671616 h 1341953"/>
+              <a:gd name="connsiteX4" fmla="*/ 1698570 w 1962473"/>
+              <a:gd name="connsiteY4" fmla="*/ 355132 h 1341953"/>
+              <a:gd name="connsiteX5" fmla="*/ 1962473 w 1962473"/>
+              <a:gd name="connsiteY5" fmla="*/ 0 h 1341953"/>
+              <a:gd name="connsiteX0" fmla="*/ 0 w 1962473"/>
+              <a:gd name="connsiteY0" fmla="*/ 1341953 h 1341953"/>
+              <a:gd name="connsiteX1" fmla="*/ 647512 w 1962473"/>
+              <a:gd name="connsiteY1" fmla="*/ 1106965 h 1341953"/>
+              <a:gd name="connsiteX2" fmla="*/ 1004491 w 1962473"/>
+              <a:gd name="connsiteY2" fmla="*/ 937476 h 1341953"/>
+              <a:gd name="connsiteX3" fmla="*/ 1382678 w 1962473"/>
+              <a:gd name="connsiteY3" fmla="*/ 671616 h 1341953"/>
+              <a:gd name="connsiteX4" fmla="*/ 1698570 w 1962473"/>
+              <a:gd name="connsiteY4" fmla="*/ 355132 h 1341953"/>
+              <a:gd name="connsiteX5" fmla="*/ 1962473 w 1962473"/>
+              <a:gd name="connsiteY5" fmla="*/ 0 h 1341953"/>
+              <a:gd name="connsiteX0" fmla="*/ 0 w 1962473"/>
+              <a:gd name="connsiteY0" fmla="*/ 1341953 h 1341953"/>
+              <a:gd name="connsiteX1" fmla="*/ 647512 w 1962473"/>
+              <a:gd name="connsiteY1" fmla="*/ 1106965 h 1341953"/>
+              <a:gd name="connsiteX2" fmla="*/ 1004491 w 1962473"/>
+              <a:gd name="connsiteY2" fmla="*/ 937476 h 1341953"/>
+              <a:gd name="connsiteX3" fmla="*/ 1382678 w 1962473"/>
+              <a:gd name="connsiteY3" fmla="*/ 671616 h 1341953"/>
+              <a:gd name="connsiteX4" fmla="*/ 1698570 w 1962473"/>
+              <a:gd name="connsiteY4" fmla="*/ 355132 h 1341953"/>
+              <a:gd name="connsiteX5" fmla="*/ 1962473 w 1962473"/>
+              <a:gd name="connsiteY5" fmla="*/ 0 h 1341953"/>
+              <a:gd name="connsiteX0" fmla="*/ 0 w 1962473"/>
+              <a:gd name="connsiteY0" fmla="*/ 1341953 h 1341953"/>
+              <a:gd name="connsiteX1" fmla="*/ 647512 w 1962473"/>
+              <a:gd name="connsiteY1" fmla="*/ 1106965 h 1341953"/>
+              <a:gd name="connsiteX2" fmla="*/ 1004491 w 1962473"/>
+              <a:gd name="connsiteY2" fmla="*/ 937476 h 1341953"/>
+              <a:gd name="connsiteX3" fmla="*/ 1359385 w 1962473"/>
+              <a:gd name="connsiteY3" fmla="*/ 654261 h 1341953"/>
+              <a:gd name="connsiteX4" fmla="*/ 1698570 w 1962473"/>
+              <a:gd name="connsiteY4" fmla="*/ 355132 h 1341953"/>
+              <a:gd name="connsiteX5" fmla="*/ 1962473 w 1962473"/>
+              <a:gd name="connsiteY5" fmla="*/ 0 h 1341953"/>
+              <a:gd name="connsiteX0" fmla="*/ 0 w 1962473"/>
+              <a:gd name="connsiteY0" fmla="*/ 1341953 h 1341953"/>
+              <a:gd name="connsiteX1" fmla="*/ 647512 w 1962473"/>
+              <a:gd name="connsiteY1" fmla="*/ 1106965 h 1341953"/>
+              <a:gd name="connsiteX2" fmla="*/ 975374 w 1962473"/>
+              <a:gd name="connsiteY2" fmla="*/ 911442 h 1341953"/>
+              <a:gd name="connsiteX3" fmla="*/ 1359385 w 1962473"/>
+              <a:gd name="connsiteY3" fmla="*/ 654261 h 1341953"/>
+              <a:gd name="connsiteX4" fmla="*/ 1698570 w 1962473"/>
+              <a:gd name="connsiteY4" fmla="*/ 355132 h 1341953"/>
+              <a:gd name="connsiteX5" fmla="*/ 1962473 w 1962473"/>
+              <a:gd name="connsiteY5" fmla="*/ 0 h 1341953"/>
+              <a:gd name="connsiteX0" fmla="*/ 0 w 1962473"/>
+              <a:gd name="connsiteY0" fmla="*/ 1341953 h 1341953"/>
+              <a:gd name="connsiteX1" fmla="*/ 618395 w 1962473"/>
+              <a:gd name="connsiteY1" fmla="*/ 1080932 h 1341953"/>
+              <a:gd name="connsiteX2" fmla="*/ 975374 w 1962473"/>
+              <a:gd name="connsiteY2" fmla="*/ 911442 h 1341953"/>
+              <a:gd name="connsiteX3" fmla="*/ 1359385 w 1962473"/>
+              <a:gd name="connsiteY3" fmla="*/ 654261 h 1341953"/>
+              <a:gd name="connsiteX4" fmla="*/ 1698570 w 1962473"/>
+              <a:gd name="connsiteY4" fmla="*/ 355132 h 1341953"/>
+              <a:gd name="connsiteX5" fmla="*/ 1962473 w 1962473"/>
+              <a:gd name="connsiteY5" fmla="*/ 0 h 1341953"/>
+              <a:gd name="connsiteX0" fmla="*/ 0 w 1956649"/>
+              <a:gd name="connsiteY0" fmla="*/ 1298564 h 1298564"/>
+              <a:gd name="connsiteX1" fmla="*/ 612571 w 1956649"/>
+              <a:gd name="connsiteY1" fmla="*/ 1080932 h 1298564"/>
+              <a:gd name="connsiteX2" fmla="*/ 969550 w 1956649"/>
+              <a:gd name="connsiteY2" fmla="*/ 911442 h 1298564"/>
+              <a:gd name="connsiteX3" fmla="*/ 1353561 w 1956649"/>
+              <a:gd name="connsiteY3" fmla="*/ 654261 h 1298564"/>
+              <a:gd name="connsiteX4" fmla="*/ 1692746 w 1956649"/>
+              <a:gd name="connsiteY4" fmla="*/ 355132 h 1298564"/>
+              <a:gd name="connsiteX5" fmla="*/ 1956649 w 1956649"/>
+              <a:gd name="connsiteY5" fmla="*/ 0 h 1298564"/>
+              <a:gd name="connsiteX0" fmla="*/ 0 w 1956649"/>
+              <a:gd name="connsiteY0" fmla="*/ 1298564 h 1298564"/>
+              <a:gd name="connsiteX1" fmla="*/ 612571 w 1956649"/>
+              <a:gd name="connsiteY1" fmla="*/ 1080932 h 1298564"/>
+              <a:gd name="connsiteX2" fmla="*/ 969550 w 1956649"/>
+              <a:gd name="connsiteY2" fmla="*/ 911442 h 1298564"/>
+              <a:gd name="connsiteX3" fmla="*/ 1353561 w 1956649"/>
+              <a:gd name="connsiteY3" fmla="*/ 654261 h 1298564"/>
+              <a:gd name="connsiteX4" fmla="*/ 1692746 w 1956649"/>
+              <a:gd name="connsiteY4" fmla="*/ 355132 h 1298564"/>
+              <a:gd name="connsiteX5" fmla="*/ 1956649 w 1956649"/>
+              <a:gd name="connsiteY5" fmla="*/ 0 h 1298564"/>
+              <a:gd name="connsiteX0" fmla="*/ 0 w 1956649"/>
+              <a:gd name="connsiteY0" fmla="*/ 1298564 h 1298564"/>
+              <a:gd name="connsiteX1" fmla="*/ 612571 w 1956649"/>
+              <a:gd name="connsiteY1" fmla="*/ 1080932 h 1298564"/>
+              <a:gd name="connsiteX2" fmla="*/ 969550 w 1956649"/>
+              <a:gd name="connsiteY2" fmla="*/ 911442 h 1298564"/>
+              <a:gd name="connsiteX3" fmla="*/ 1285346 w 1956649"/>
+              <a:gd name="connsiteY3" fmla="*/ 633366 h 1298564"/>
+              <a:gd name="connsiteX4" fmla="*/ 1692746 w 1956649"/>
+              <a:gd name="connsiteY4" fmla="*/ 355132 h 1298564"/>
+              <a:gd name="connsiteX5" fmla="*/ 1956649 w 1956649"/>
+              <a:gd name="connsiteY5" fmla="*/ 0 h 1298564"/>
+              <a:gd name="connsiteX0" fmla="*/ 0 w 1956649"/>
+              <a:gd name="connsiteY0" fmla="*/ 1298564 h 1298564"/>
+              <a:gd name="connsiteX1" fmla="*/ 612571 w 1956649"/>
+              <a:gd name="connsiteY1" fmla="*/ 1080932 h 1298564"/>
+              <a:gd name="connsiteX2" fmla="*/ 969550 w 1956649"/>
+              <a:gd name="connsiteY2" fmla="*/ 911442 h 1298564"/>
+              <a:gd name="connsiteX3" fmla="*/ 1285346 w 1956649"/>
+              <a:gd name="connsiteY3" fmla="*/ 633366 h 1298564"/>
+              <a:gd name="connsiteX4" fmla="*/ 1673256 w 1956649"/>
+              <a:gd name="connsiteY4" fmla="*/ 369062 h 1298564"/>
+              <a:gd name="connsiteX5" fmla="*/ 1956649 w 1956649"/>
+              <a:gd name="connsiteY5" fmla="*/ 0 h 1298564"/>
+              <a:gd name="connsiteX0" fmla="*/ 0 w 1956649"/>
+              <a:gd name="connsiteY0" fmla="*/ 1298564 h 1298564"/>
+              <a:gd name="connsiteX1" fmla="*/ 612571 w 1956649"/>
+              <a:gd name="connsiteY1" fmla="*/ 1080932 h 1298564"/>
+              <a:gd name="connsiteX2" fmla="*/ 1285346 w 1956649"/>
+              <a:gd name="connsiteY2" fmla="*/ 633366 h 1298564"/>
+              <a:gd name="connsiteX3" fmla="*/ 1673256 w 1956649"/>
+              <a:gd name="connsiteY3" fmla="*/ 369062 h 1298564"/>
+              <a:gd name="connsiteX4" fmla="*/ 1956649 w 1956649"/>
+              <a:gd name="connsiteY4" fmla="*/ 0 h 1298564"/>
+              <a:gd name="connsiteX0" fmla="*/ 0 w 1956649"/>
+              <a:gd name="connsiteY0" fmla="*/ 1298564 h 1298564"/>
+              <a:gd name="connsiteX1" fmla="*/ 690532 w 1956649"/>
+              <a:gd name="connsiteY1" fmla="*/ 969493 h 1298564"/>
+              <a:gd name="connsiteX2" fmla="*/ 1285346 w 1956649"/>
+              <a:gd name="connsiteY2" fmla="*/ 633366 h 1298564"/>
+              <a:gd name="connsiteX3" fmla="*/ 1673256 w 1956649"/>
+              <a:gd name="connsiteY3" fmla="*/ 369062 h 1298564"/>
+              <a:gd name="connsiteX4" fmla="*/ 1956649 w 1956649"/>
+              <a:gd name="connsiteY4" fmla="*/ 0 h 1298564"/>
+              <a:gd name="connsiteX0" fmla="*/ 0 w 1956649"/>
+              <a:gd name="connsiteY0" fmla="*/ 1298564 h 1298564"/>
+              <a:gd name="connsiteX1" fmla="*/ 690532 w 1956649"/>
+              <a:gd name="connsiteY1" fmla="*/ 969493 h 1298564"/>
+              <a:gd name="connsiteX2" fmla="*/ 1275601 w 1956649"/>
+              <a:gd name="connsiteY2" fmla="*/ 668191 h 1298564"/>
+              <a:gd name="connsiteX3" fmla="*/ 1673256 w 1956649"/>
+              <a:gd name="connsiteY3" fmla="*/ 369062 h 1298564"/>
+              <a:gd name="connsiteX4" fmla="*/ 1956649 w 1956649"/>
+              <a:gd name="connsiteY4" fmla="*/ 0 h 1298564"/>
+              <a:gd name="connsiteX0" fmla="*/ 0 w 1956649"/>
+              <a:gd name="connsiteY0" fmla="*/ 1298564 h 1298564"/>
+              <a:gd name="connsiteX1" fmla="*/ 690532 w 1956649"/>
+              <a:gd name="connsiteY1" fmla="*/ 969493 h 1298564"/>
+              <a:gd name="connsiteX2" fmla="*/ 1275601 w 1956649"/>
+              <a:gd name="connsiteY2" fmla="*/ 668191 h 1298564"/>
+              <a:gd name="connsiteX3" fmla="*/ 1644020 w 1956649"/>
+              <a:gd name="connsiteY3" fmla="*/ 382992 h 1298564"/>
+              <a:gd name="connsiteX4" fmla="*/ 1956649 w 1956649"/>
+              <a:gd name="connsiteY4" fmla="*/ 0 h 1298564"/>
+              <a:gd name="connsiteX0" fmla="*/ 0 w 1956649"/>
+              <a:gd name="connsiteY0" fmla="*/ 1298564 h 1298564"/>
+              <a:gd name="connsiteX1" fmla="*/ 710022 w 1956649"/>
+              <a:gd name="connsiteY1" fmla="*/ 997353 h 1298564"/>
+              <a:gd name="connsiteX2" fmla="*/ 1275601 w 1956649"/>
+              <a:gd name="connsiteY2" fmla="*/ 668191 h 1298564"/>
+              <a:gd name="connsiteX3" fmla="*/ 1644020 w 1956649"/>
+              <a:gd name="connsiteY3" fmla="*/ 382992 h 1298564"/>
+              <a:gd name="connsiteX4" fmla="*/ 1956649 w 1956649"/>
+              <a:gd name="connsiteY4" fmla="*/ 0 h 1298564"/>
+            </a:gdLst>
+            <a:ahLst/>
+            <a:cxnLst>
+              <a:cxn ang="0">
+                <a:pos x="connsiteX0" y="connsiteY0"/>
+              </a:cxn>
+              <a:cxn ang="0">
+                <a:pos x="connsiteX1" y="connsiteY1"/>
+              </a:cxn>
+              <a:cxn ang="0">
+                <a:pos x="connsiteX2" y="connsiteY2"/>
+              </a:cxn>
+              <a:cxn ang="0">
+                <a:pos x="connsiteX3" y="connsiteY3"/>
+              </a:cxn>
+              <a:cxn ang="0">
+                <a:pos x="connsiteX4" y="connsiteY4"/>
+              </a:cxn>
+            </a:cxnLst>
+            <a:rect l="l" t="t" r="r" b="b"/>
+            <a:pathLst>
+              <a:path w="1956649" h="1298564">
+                <a:moveTo>
+                  <a:pt x="0" y="1298564"/>
+                </a:moveTo>
+                <a:cubicBezTo>
+                  <a:pt x="167645" y="1251358"/>
+                  <a:pt x="497422" y="1102415"/>
+                  <a:pt x="710022" y="997353"/>
+                </a:cubicBezTo>
+                <a:cubicBezTo>
+                  <a:pt x="922622" y="892291"/>
+                  <a:pt x="1119935" y="770584"/>
+                  <a:pt x="1275601" y="668191"/>
+                </a:cubicBezTo>
+                <a:cubicBezTo>
+                  <a:pt x="1431267" y="565798"/>
+                  <a:pt x="1530512" y="494357"/>
+                  <a:pt x="1644020" y="382992"/>
+                </a:cubicBezTo>
+                <a:cubicBezTo>
+                  <a:pt x="1757528" y="271627"/>
+                  <a:pt x="1851845" y="165788"/>
+                  <a:pt x="1956649" y="0"/>
+                </a:cubicBezTo>
+              </a:path>
+            </a:pathLst>
+          </a:custGeom>
+          <a:ln w="22225">
+            <a:solidFill>
+              <a:schemeClr val="accent2"/>
+            </a:solidFill>
+            <a:prstDash val="solid"/>
+            <a:headEnd type="triangle" w="lg" len="lg"/>
+            <a:tailEnd type="none" w="lg" len="lg"/>
+          </a:ln>
+        </p:spPr>
+        <p:style>
+          <a:lnRef idx="1">
+            <a:schemeClr val="dk1"/>
+          </a:lnRef>
+          <a:fillRef idx="0">
+            <a:schemeClr val="dk1"/>
+          </a:fillRef>
+          <a:effectRef idx="0">
+            <a:schemeClr val="dk1"/>
+          </a:effectRef>
+          <a:fontRef idx="minor">
+            <a:schemeClr val="tx1"/>
+          </a:fontRef>
+        </p:style>
+        <p:txBody>
+          <a:bodyPr rtlCol="0" anchor="ctr"/>
+          <a:lstStyle/>
+          <a:p>
+            <a:pPr algn="ctr"/>
+            <a:endParaRPr kumimoji="1" lang="ja-JP" altLang="en-US"/>
+          </a:p>
+        </p:txBody>
+      </p:sp>
+    </p:spTree>
+    <p:extLst>
+      <p:ext uri="{BB962C8B-B14F-4D97-AF65-F5344CB8AC3E}">
+        <p14:creationId xmlns:p14="http://schemas.microsoft.com/office/powerpoint/2010/main" val="892030586"/>
+      </p:ext>
+    </p:extLst>
+  </p:cSld>
+  <p:clrMapOvr>
+    <a:masterClrMapping/>
+  </p:clrMapOvr>
+</p:sld>
+</file>
+
+<file path=ppt/slides/slide6.xml><?xml version="1.0" encoding="utf-8"?>
+<p:sld xmlns:a="http://schemas.openxmlformats.org/drawingml/2006/main" xmlns:r="http://schemas.openxmlformats.org/officeDocument/2006/relationships" xmlns:p="http://schemas.openxmlformats.org/presentationml/2006/main">
+  <p:cSld>
+    <p:spTree>
+      <p:nvGrpSpPr>
+        <p:cNvPr id="1" name=""/>
+        <p:cNvGrpSpPr/>
+        <p:nvPr/>
+      </p:nvGrpSpPr>
+      <p:grpSpPr>
+        <a:xfrm>
+          <a:off x="0" y="0"/>
+          <a:ext cx="0" cy="0"/>
+          <a:chOff x="0" y="0"/>
+          <a:chExt cx="0" cy="0"/>
+        </a:xfrm>
+      </p:grpSpPr>
+      <p:sp>
+        <p:nvSpPr>
+          <p:cNvPr id="12" name="テキスト ボックス 11"/>
+          <p:cNvSpPr txBox="1"/>
+          <p:nvPr/>
+        </p:nvSpPr>
+        <p:spPr>
+          <a:xfrm>
+            <a:off x="1127031" y="4425212"/>
+            <a:ext cx="2091508" cy="646331"/>
+          </a:xfrm>
+          <a:prstGeom prst="rect">
+            <a:avLst/>
+          </a:prstGeom>
+          <a:noFill/>
+        </p:spPr>
+        <p:txBody>
+          <a:bodyPr wrap="square" rtlCol="0">
+            <a:spAutoFit/>
+          </a:bodyPr>
+          <a:lstStyle/>
+          <a:p>
+            <a:r>
+              <a:rPr kumimoji="1" lang="en-US" altLang="ja-JP" dirty="0"/>
+              <a:t>Constant Pressure Heat Rejection</a:t>
+            </a:r>
+            <a:endParaRPr kumimoji="1" lang="ja-JP" altLang="en-US" dirty="0"/>
+          </a:p>
+        </p:txBody>
+      </p:sp>
+      <p:sp>
+        <p:nvSpPr>
+          <p:cNvPr id="17" name="矢印: 右 16"/>
+          <p:cNvSpPr/>
+          <p:nvPr/>
+        </p:nvSpPr>
+        <p:spPr>
+          <a:xfrm rot="3011261">
+            <a:off x="3787497" y="5148425"/>
+            <a:ext cx="1217751" cy="376161"/>
+          </a:xfrm>
+          <a:prstGeom prst="rightArrow">
+            <a:avLst>
+              <a:gd name="adj1" fmla="val 41818"/>
+              <a:gd name="adj2" fmla="val 91666"/>
+            </a:avLst>
+          </a:prstGeom>
+          <a:solidFill>
+            <a:schemeClr val="accent2"/>
+          </a:solidFill>
+          <a:ln>
+            <a:solidFill>
+              <a:schemeClr val="accent2"/>
+            </a:solidFill>
+          </a:ln>
+        </p:spPr>
+        <p:style>
+          <a:lnRef idx="1">
+            <a:schemeClr val="accent1"/>
+          </a:lnRef>
+          <a:fillRef idx="3">
+            <a:schemeClr val="accent1"/>
+          </a:fillRef>
+          <a:effectRef idx="2">
+            <a:schemeClr val="accent1"/>
+          </a:effectRef>
+          <a:fontRef idx="minor">
+            <a:schemeClr val="lt1"/>
+          </a:fontRef>
+        </p:style>
+        <p:txBody>
+          <a:bodyPr rtlCol="0" anchor="ctr"/>
+          <a:lstStyle/>
+          <a:p>
+            <a:pPr algn="ctr"/>
+            <a:endParaRPr kumimoji="1" lang="ja-JP" altLang="en-US"/>
+          </a:p>
+        </p:txBody>
+      </p:sp>
+      <p:sp>
+        <p:nvSpPr>
+          <p:cNvPr id="19" name="テキスト ボックス 18"/>
+          <p:cNvSpPr txBox="1"/>
+          <p:nvPr/>
+        </p:nvSpPr>
+        <p:spPr>
+          <a:xfrm>
+            <a:off x="4072119" y="5555302"/>
+            <a:ext cx="552579" cy="369332"/>
+          </a:xfrm>
+          <a:prstGeom prst="rect">
+            <a:avLst/>
+          </a:prstGeom>
+          <a:noFill/>
+        </p:spPr>
+        <p:txBody>
+          <a:bodyPr wrap="square" rtlCol="0">
+            <a:spAutoFit/>
+          </a:bodyPr>
+          <a:lstStyle/>
+          <a:p>
+            <a:r>
+              <a:rPr kumimoji="1" lang="en-US" altLang="ja-JP" dirty="0"/>
+              <a:t>Q</a:t>
+            </a:r>
+            <a:endParaRPr kumimoji="1" lang="ja-JP" altLang="en-US" dirty="0"/>
+          </a:p>
+        </p:txBody>
+      </p:sp>
+      <p:cxnSp>
+        <p:nvCxnSpPr>
+          <p:cNvPr id="26" name="直線コネクタ 25"/>
+          <p:cNvCxnSpPr/>
+          <p:nvPr/>
+        </p:nvCxnSpPr>
+        <p:spPr>
+          <a:xfrm flipV="1">
+            <a:off x="619737" y="1236617"/>
+            <a:ext cx="0" cy="5492156"/>
+          </a:xfrm>
+          <a:prstGeom prst="line">
+            <a:avLst/>
+          </a:prstGeom>
+          <a:ln w="19050">
+            <a:headEnd type="none" w="med" len="med"/>
+            <a:tailEnd type="arrow" w="med" len="med"/>
+          </a:ln>
+        </p:spPr>
+        <p:style>
+          <a:lnRef idx="1">
+            <a:schemeClr val="dk1"/>
+          </a:lnRef>
+          <a:fillRef idx="0">
+            <a:schemeClr val="dk1"/>
+          </a:fillRef>
+          <a:effectRef idx="0">
+            <a:schemeClr val="dk1"/>
+          </a:effectRef>
+          <a:fontRef idx="minor">
+            <a:schemeClr val="tx1"/>
+          </a:fontRef>
+        </p:style>
+      </p:cxnSp>
+      <p:sp>
+        <p:nvSpPr>
+          <p:cNvPr id="29" name="テキスト ボックス 28"/>
+          <p:cNvSpPr txBox="1"/>
+          <p:nvPr/>
+        </p:nvSpPr>
+        <p:spPr>
+          <a:xfrm>
+            <a:off x="249028" y="1544707"/>
+            <a:ext cx="552579" cy="369332"/>
+          </a:xfrm>
+          <a:prstGeom prst="rect">
+            <a:avLst/>
+          </a:prstGeom>
+          <a:noFill/>
+        </p:spPr>
+        <p:txBody>
+          <a:bodyPr wrap="square" rtlCol="0">
+            <a:spAutoFit/>
+          </a:bodyPr>
+          <a:lstStyle/>
+          <a:p>
+            <a:r>
+              <a:rPr lang="en-US" altLang="ja-JP" dirty="0"/>
+              <a:t>h</a:t>
+            </a:r>
+            <a:endParaRPr kumimoji="1" lang="ja-JP" altLang="en-US" dirty="0"/>
+          </a:p>
+        </p:txBody>
+      </p:sp>
+      <p:cxnSp>
+        <p:nvCxnSpPr>
+          <p:cNvPr id="30" name="直線コネクタ 29"/>
+          <p:cNvCxnSpPr/>
+          <p:nvPr/>
+        </p:nvCxnSpPr>
+        <p:spPr>
+          <a:xfrm>
+            <a:off x="619737" y="6728772"/>
+            <a:ext cx="6791257" cy="0"/>
+          </a:xfrm>
+          <a:prstGeom prst="line">
+            <a:avLst/>
+          </a:prstGeom>
+          <a:ln w="19050">
+            <a:headEnd type="none" w="med" len="med"/>
+            <a:tailEnd type="arrow" w="med" len="med"/>
+          </a:ln>
+        </p:spPr>
+        <p:style>
+          <a:lnRef idx="1">
+            <a:schemeClr val="dk1"/>
+          </a:lnRef>
+          <a:fillRef idx="0">
+            <a:schemeClr val="dk1"/>
+          </a:fillRef>
+          <a:effectRef idx="0">
+            <a:schemeClr val="dk1"/>
+          </a:effectRef>
+          <a:fontRef idx="minor">
+            <a:schemeClr val="tx1"/>
+          </a:fontRef>
+        </p:style>
+      </p:cxnSp>
+      <p:sp>
+        <p:nvSpPr>
+          <p:cNvPr id="34" name="テキスト ボックス 33"/>
+          <p:cNvSpPr txBox="1"/>
+          <p:nvPr/>
+        </p:nvSpPr>
+        <p:spPr>
+          <a:xfrm>
+            <a:off x="6684103" y="6275264"/>
+            <a:ext cx="552579" cy="369332"/>
+          </a:xfrm>
+          <a:prstGeom prst="rect">
+            <a:avLst/>
+          </a:prstGeom>
+          <a:noFill/>
+        </p:spPr>
+        <p:txBody>
+          <a:bodyPr wrap="square" rtlCol="0">
+            <a:spAutoFit/>
+          </a:bodyPr>
+          <a:lstStyle/>
+          <a:p>
+            <a:r>
+              <a:rPr kumimoji="1" lang="en-US" altLang="ja-JP" dirty="0"/>
+              <a:t>s</a:t>
+            </a:r>
+            <a:endParaRPr kumimoji="1" lang="ja-JP" altLang="en-US" dirty="0"/>
+          </a:p>
+        </p:txBody>
+      </p:sp>
+      <p:sp>
+        <p:nvSpPr>
+          <p:cNvPr id="27" name="フリーフォーム: 図形 26">
+            <a:extLst>
+              <a:ext uri="{FF2B5EF4-FFF2-40B4-BE49-F238E27FC236}">
+                <a16:creationId xmlns:a16="http://schemas.microsoft.com/office/drawing/2014/main" id="{4016A52E-7875-450B-AB38-2C9853293CDC}"/>
+              </a:ext>
+            </a:extLst>
+          </p:cNvPr>
+          <p:cNvSpPr/>
+          <p:nvPr/>
+        </p:nvSpPr>
+        <p:spPr>
+          <a:xfrm>
+            <a:off x="2246803" y="2455828"/>
+            <a:ext cx="2865120" cy="3163702"/>
+          </a:xfrm>
+          <a:custGeom>
+            <a:avLst/>
+            <a:gdLst>
+              <a:gd name="connsiteX0" fmla="*/ 0 w 1915886"/>
+              <a:gd name="connsiteY0" fmla="*/ 1576251 h 1576251"/>
+              <a:gd name="connsiteX1" fmla="*/ 539932 w 1915886"/>
+              <a:gd name="connsiteY1" fmla="*/ 1471748 h 1576251"/>
+              <a:gd name="connsiteX2" fmla="*/ 1210492 w 1915886"/>
+              <a:gd name="connsiteY2" fmla="*/ 1140823 h 1576251"/>
+              <a:gd name="connsiteX3" fmla="*/ 1672046 w 1915886"/>
+              <a:gd name="connsiteY3" fmla="*/ 670560 h 1576251"/>
+              <a:gd name="connsiteX4" fmla="*/ 1863634 w 1915886"/>
+              <a:gd name="connsiteY4" fmla="*/ 217714 h 1576251"/>
+              <a:gd name="connsiteX5" fmla="*/ 1915886 w 1915886"/>
+              <a:gd name="connsiteY5" fmla="*/ 0 h 1576251"/>
+              <a:gd name="connsiteX0-1" fmla="*/ 0 w 1915886"/>
+              <a:gd name="connsiteY0-2" fmla="*/ 1576251 h 1576251"/>
+              <a:gd name="connsiteX1-3" fmla="*/ 559285 w 1915886"/>
+              <a:gd name="connsiteY1-4" fmla="*/ 1402080 h 1576251"/>
+              <a:gd name="connsiteX2-5" fmla="*/ 1210492 w 1915886"/>
+              <a:gd name="connsiteY2-6" fmla="*/ 1140823 h 1576251"/>
+              <a:gd name="connsiteX3-7" fmla="*/ 1672046 w 1915886"/>
+              <a:gd name="connsiteY3-8" fmla="*/ 670560 h 1576251"/>
+              <a:gd name="connsiteX4-9" fmla="*/ 1863634 w 1915886"/>
+              <a:gd name="connsiteY4-10" fmla="*/ 217714 h 1576251"/>
+              <a:gd name="connsiteX5-11" fmla="*/ 1915886 w 1915886"/>
+              <a:gd name="connsiteY5-12" fmla="*/ 0 h 1576251"/>
+              <a:gd name="connsiteX0-13" fmla="*/ 0 w 1915886"/>
+              <a:gd name="connsiteY0-14" fmla="*/ 1576251 h 1576251"/>
+              <a:gd name="connsiteX1-15" fmla="*/ 559285 w 1915886"/>
+              <a:gd name="connsiteY1-16" fmla="*/ 1402080 h 1576251"/>
+              <a:gd name="connsiteX2-17" fmla="*/ 1152436 w 1915886"/>
+              <a:gd name="connsiteY2-18" fmla="*/ 1079863 h 1576251"/>
+              <a:gd name="connsiteX3-19" fmla="*/ 1672046 w 1915886"/>
+              <a:gd name="connsiteY3-20" fmla="*/ 670560 h 1576251"/>
+              <a:gd name="connsiteX4-21" fmla="*/ 1863634 w 1915886"/>
+              <a:gd name="connsiteY4-22" fmla="*/ 217714 h 1576251"/>
+              <a:gd name="connsiteX5-23" fmla="*/ 1915886 w 1915886"/>
+              <a:gd name="connsiteY5-24" fmla="*/ 0 h 1576251"/>
+              <a:gd name="connsiteX0-25" fmla="*/ 0 w 1915886"/>
+              <a:gd name="connsiteY0-26" fmla="*/ 1576251 h 1576251"/>
+              <a:gd name="connsiteX1-27" fmla="*/ 559285 w 1915886"/>
+              <a:gd name="connsiteY1-28" fmla="*/ 1402080 h 1576251"/>
+              <a:gd name="connsiteX2-29" fmla="*/ 1152436 w 1915886"/>
+              <a:gd name="connsiteY2-30" fmla="*/ 1079863 h 1576251"/>
+              <a:gd name="connsiteX3-31" fmla="*/ 1555931 w 1915886"/>
+              <a:gd name="connsiteY3-32" fmla="*/ 687977 h 1576251"/>
+              <a:gd name="connsiteX4-33" fmla="*/ 1863634 w 1915886"/>
+              <a:gd name="connsiteY4-34" fmla="*/ 217714 h 1576251"/>
+              <a:gd name="connsiteX5-35" fmla="*/ 1915886 w 1915886"/>
+              <a:gd name="connsiteY5-36" fmla="*/ 0 h 1576251"/>
+              <a:gd name="connsiteX0-37" fmla="*/ 0 w 1915886"/>
+              <a:gd name="connsiteY0-38" fmla="*/ 1576251 h 1576251"/>
+              <a:gd name="connsiteX1-39" fmla="*/ 559285 w 1915886"/>
+              <a:gd name="connsiteY1-40" fmla="*/ 1402080 h 1576251"/>
+              <a:gd name="connsiteX2-41" fmla="*/ 1152436 w 1915886"/>
+              <a:gd name="connsiteY2-42" fmla="*/ 1079863 h 1576251"/>
+              <a:gd name="connsiteX3-43" fmla="*/ 1555931 w 1915886"/>
+              <a:gd name="connsiteY3-44" fmla="*/ 687977 h 1576251"/>
+              <a:gd name="connsiteX4-45" fmla="*/ 1786225 w 1915886"/>
+              <a:gd name="connsiteY4-46" fmla="*/ 322217 h 1576251"/>
+              <a:gd name="connsiteX5-47" fmla="*/ 1915886 w 1915886"/>
+              <a:gd name="connsiteY5-48" fmla="*/ 0 h 1576251"/>
+              <a:gd name="connsiteX0-49" fmla="*/ 0 w 1915886"/>
+              <a:gd name="connsiteY0-50" fmla="*/ 1576251 h 1576251"/>
+              <a:gd name="connsiteX1-51" fmla="*/ 559285 w 1915886"/>
+              <a:gd name="connsiteY1-52" fmla="*/ 1402080 h 1576251"/>
+              <a:gd name="connsiteX2-53" fmla="*/ 1152436 w 1915886"/>
+              <a:gd name="connsiteY2-54" fmla="*/ 1079863 h 1576251"/>
+              <a:gd name="connsiteX3-55" fmla="*/ 1555931 w 1915886"/>
+              <a:gd name="connsiteY3-56" fmla="*/ 687977 h 1576251"/>
+              <a:gd name="connsiteX4-57" fmla="*/ 1786225 w 1915886"/>
+              <a:gd name="connsiteY4-58" fmla="*/ 365760 h 1576251"/>
+              <a:gd name="connsiteX5-59" fmla="*/ 1915886 w 1915886"/>
+              <a:gd name="connsiteY5-60" fmla="*/ 0 h 1576251"/>
+              <a:gd name="connsiteX0-61" fmla="*/ 0 w 1915886"/>
+              <a:gd name="connsiteY0-62" fmla="*/ 1576251 h 1576251"/>
+              <a:gd name="connsiteX1-63" fmla="*/ 559285 w 1915886"/>
+              <a:gd name="connsiteY1-64" fmla="*/ 1402080 h 1576251"/>
+              <a:gd name="connsiteX2-65" fmla="*/ 1152436 w 1915886"/>
+              <a:gd name="connsiteY2-66" fmla="*/ 1079863 h 1576251"/>
+              <a:gd name="connsiteX3-67" fmla="*/ 1555931 w 1915886"/>
+              <a:gd name="connsiteY3-68" fmla="*/ 687977 h 1576251"/>
+              <a:gd name="connsiteX4-69" fmla="*/ 1786225 w 1915886"/>
+              <a:gd name="connsiteY4-70" fmla="*/ 365760 h 1576251"/>
+              <a:gd name="connsiteX5-71" fmla="*/ 1915886 w 1915886"/>
+              <a:gd name="connsiteY5-72" fmla="*/ 0 h 1576251"/>
+              <a:gd name="connsiteX0-73" fmla="*/ 0 w 1915886"/>
+              <a:gd name="connsiteY0-74" fmla="*/ 1576251 h 1576251"/>
+              <a:gd name="connsiteX1-75" fmla="*/ 559285 w 1915886"/>
+              <a:gd name="connsiteY1-76" fmla="*/ 1402080 h 1576251"/>
+              <a:gd name="connsiteX2-77" fmla="*/ 1152436 w 1915886"/>
+              <a:gd name="connsiteY2-78" fmla="*/ 1079863 h 1576251"/>
+              <a:gd name="connsiteX3-79" fmla="*/ 1555931 w 1915886"/>
+              <a:gd name="connsiteY3-80" fmla="*/ 687977 h 1576251"/>
+              <a:gd name="connsiteX4-81" fmla="*/ 1786225 w 1915886"/>
+              <a:gd name="connsiteY4-82" fmla="*/ 365760 h 1576251"/>
+              <a:gd name="connsiteX5-83" fmla="*/ 1915886 w 1915886"/>
+              <a:gd name="connsiteY5-84" fmla="*/ 0 h 1576251"/>
+              <a:gd name="connsiteX0-85" fmla="*/ 0 w 1915886"/>
+              <a:gd name="connsiteY0-86" fmla="*/ 1576251 h 1576251"/>
+              <a:gd name="connsiteX1-87" fmla="*/ 559285 w 1915886"/>
+              <a:gd name="connsiteY1-88" fmla="*/ 1402080 h 1576251"/>
+              <a:gd name="connsiteX2-89" fmla="*/ 1152436 w 1915886"/>
+              <a:gd name="connsiteY2-90" fmla="*/ 1079863 h 1576251"/>
+              <a:gd name="connsiteX3-91" fmla="*/ 1517227 w 1915886"/>
+              <a:gd name="connsiteY3-92" fmla="*/ 722812 h 1576251"/>
+              <a:gd name="connsiteX4-93" fmla="*/ 1786225 w 1915886"/>
+              <a:gd name="connsiteY4-94" fmla="*/ 365760 h 1576251"/>
+              <a:gd name="connsiteX5-95" fmla="*/ 1915886 w 1915886"/>
+              <a:gd name="connsiteY5-96" fmla="*/ 0 h 1576251"/>
+              <a:gd name="connsiteX0-97" fmla="*/ 0 w 1915886"/>
+              <a:gd name="connsiteY0-98" fmla="*/ 1576251 h 1576251"/>
+              <a:gd name="connsiteX1-99" fmla="*/ 559285 w 1915886"/>
+              <a:gd name="connsiteY1-100" fmla="*/ 1402080 h 1576251"/>
+              <a:gd name="connsiteX2-101" fmla="*/ 1152436 w 1915886"/>
+              <a:gd name="connsiteY2-102" fmla="*/ 1079863 h 1576251"/>
+              <a:gd name="connsiteX3-103" fmla="*/ 1517227 w 1915886"/>
+              <a:gd name="connsiteY3-104" fmla="*/ 722812 h 1576251"/>
+              <a:gd name="connsiteX4-105" fmla="*/ 1786225 w 1915886"/>
+              <a:gd name="connsiteY4-106" fmla="*/ 365760 h 1576251"/>
+              <a:gd name="connsiteX5-107" fmla="*/ 1915886 w 1915886"/>
+              <a:gd name="connsiteY5-108" fmla="*/ 0 h 1576251"/>
+              <a:gd name="connsiteX0-109" fmla="*/ 0 w 1915886"/>
+              <a:gd name="connsiteY0-110" fmla="*/ 1576251 h 1576251"/>
+              <a:gd name="connsiteX1-111" fmla="*/ 539189 w 1915886"/>
+              <a:gd name="connsiteY1-112" fmla="*/ 1381542 h 1576251"/>
+              <a:gd name="connsiteX2-113" fmla="*/ 1152436 w 1915886"/>
+              <a:gd name="connsiteY2-114" fmla="*/ 1079863 h 1576251"/>
+              <a:gd name="connsiteX3-115" fmla="*/ 1517227 w 1915886"/>
+              <a:gd name="connsiteY3-116" fmla="*/ 722812 h 1576251"/>
+              <a:gd name="connsiteX4-117" fmla="*/ 1786225 w 1915886"/>
+              <a:gd name="connsiteY4-118" fmla="*/ 365760 h 1576251"/>
+              <a:gd name="connsiteX5-119" fmla="*/ 1915886 w 1915886"/>
+              <a:gd name="connsiteY5-120" fmla="*/ 0 h 1576251"/>
+              <a:gd name="connsiteX0-121" fmla="*/ 0 w 1915886"/>
+              <a:gd name="connsiteY0-122" fmla="*/ 1576251 h 1576251"/>
+              <a:gd name="connsiteX1-123" fmla="*/ 539189 w 1915886"/>
+              <a:gd name="connsiteY1-124" fmla="*/ 1381542 h 1576251"/>
+              <a:gd name="connsiteX2-125" fmla="*/ 1125641 w 1915886"/>
+              <a:gd name="connsiteY2-126" fmla="*/ 1074728 h 1576251"/>
+              <a:gd name="connsiteX3-127" fmla="*/ 1517227 w 1915886"/>
+              <a:gd name="connsiteY3-128" fmla="*/ 722812 h 1576251"/>
+              <a:gd name="connsiteX4-129" fmla="*/ 1786225 w 1915886"/>
+              <a:gd name="connsiteY4-130" fmla="*/ 365760 h 1576251"/>
+              <a:gd name="connsiteX5-131" fmla="*/ 1915886 w 1915886"/>
+              <a:gd name="connsiteY5-132" fmla="*/ 0 h 1576251"/>
+              <a:gd name="connsiteX0-133" fmla="*/ 0 w 1915886"/>
+              <a:gd name="connsiteY0-134" fmla="*/ 1576251 h 1576251"/>
+              <a:gd name="connsiteX1-135" fmla="*/ 539189 w 1915886"/>
+              <a:gd name="connsiteY1-136" fmla="*/ 1381542 h 1576251"/>
+              <a:gd name="connsiteX2-137" fmla="*/ 1125641 w 1915886"/>
+              <a:gd name="connsiteY2-138" fmla="*/ 1074728 h 1576251"/>
+              <a:gd name="connsiteX3-139" fmla="*/ 1456937 w 1915886"/>
+              <a:gd name="connsiteY3-140" fmla="*/ 758753 h 1576251"/>
+              <a:gd name="connsiteX4-141" fmla="*/ 1786225 w 1915886"/>
+              <a:gd name="connsiteY4-142" fmla="*/ 365760 h 1576251"/>
+              <a:gd name="connsiteX5-143" fmla="*/ 1915886 w 1915886"/>
+              <a:gd name="connsiteY5-144" fmla="*/ 0 h 1576251"/>
+              <a:gd name="connsiteX0-145" fmla="*/ 0 w 1915886"/>
+              <a:gd name="connsiteY0-146" fmla="*/ 1576251 h 1576251"/>
+              <a:gd name="connsiteX1-147" fmla="*/ 539189 w 1915886"/>
+              <a:gd name="connsiteY1-148" fmla="*/ 1381542 h 1576251"/>
+              <a:gd name="connsiteX2-149" fmla="*/ 1125641 w 1915886"/>
+              <a:gd name="connsiteY2-150" fmla="*/ 1074728 h 1576251"/>
+              <a:gd name="connsiteX3-151" fmla="*/ 1456937 w 1915886"/>
+              <a:gd name="connsiteY3-152" fmla="*/ 758753 h 1576251"/>
+              <a:gd name="connsiteX4-153" fmla="*/ 1739333 w 1915886"/>
+              <a:gd name="connsiteY4-154" fmla="*/ 381164 h 1576251"/>
+              <a:gd name="connsiteX5-155" fmla="*/ 1915886 w 1915886"/>
+              <a:gd name="connsiteY5-156" fmla="*/ 0 h 1576251"/>
+              <a:gd name="connsiteX0-157" fmla="*/ 0 w 1915886"/>
+              <a:gd name="connsiteY0-158" fmla="*/ 1576251 h 1576251"/>
+              <a:gd name="connsiteX1-159" fmla="*/ 539189 w 1915886"/>
+              <a:gd name="connsiteY1-160" fmla="*/ 1381542 h 1576251"/>
+              <a:gd name="connsiteX2-161" fmla="*/ 1125641 w 1915886"/>
+              <a:gd name="connsiteY2-162" fmla="*/ 1074728 h 1576251"/>
+              <a:gd name="connsiteX3-163" fmla="*/ 1423442 w 1915886"/>
+              <a:gd name="connsiteY3-164" fmla="*/ 784425 h 1576251"/>
+              <a:gd name="connsiteX4-165" fmla="*/ 1739333 w 1915886"/>
+              <a:gd name="connsiteY4-166" fmla="*/ 381164 h 1576251"/>
+              <a:gd name="connsiteX5-167" fmla="*/ 1915886 w 1915886"/>
+              <a:gd name="connsiteY5-168" fmla="*/ 0 h 1576251"/>
+              <a:gd name="connsiteX0-169" fmla="*/ 0 w 1915886"/>
+              <a:gd name="connsiteY0-170" fmla="*/ 1576251 h 1576251"/>
+              <a:gd name="connsiteX1-171" fmla="*/ 539189 w 1915886"/>
+              <a:gd name="connsiteY1-172" fmla="*/ 1381542 h 1576251"/>
+              <a:gd name="connsiteX2-173" fmla="*/ 1045255 w 1915886"/>
+              <a:gd name="connsiteY2-174" fmla="*/ 1084996 h 1576251"/>
+              <a:gd name="connsiteX3-175" fmla="*/ 1423442 w 1915886"/>
+              <a:gd name="connsiteY3-176" fmla="*/ 784425 h 1576251"/>
+              <a:gd name="connsiteX4-177" fmla="*/ 1739333 w 1915886"/>
+              <a:gd name="connsiteY4-178" fmla="*/ 381164 h 1576251"/>
+              <a:gd name="connsiteX5-179" fmla="*/ 1915886 w 1915886"/>
+              <a:gd name="connsiteY5-180" fmla="*/ 0 h 1576251"/>
+              <a:gd name="connsiteX0-181" fmla="*/ 0 w 1915886"/>
+              <a:gd name="connsiteY0-182" fmla="*/ 1576251 h 1576251"/>
+              <a:gd name="connsiteX1-183" fmla="*/ 565985 w 1915886"/>
+              <a:gd name="connsiteY1-184" fmla="*/ 1345602 h 1576251"/>
+              <a:gd name="connsiteX2-185" fmla="*/ 1045255 w 1915886"/>
+              <a:gd name="connsiteY2-186" fmla="*/ 1084996 h 1576251"/>
+              <a:gd name="connsiteX3-187" fmla="*/ 1423442 w 1915886"/>
+              <a:gd name="connsiteY3-188" fmla="*/ 784425 h 1576251"/>
+              <a:gd name="connsiteX4-189" fmla="*/ 1739333 w 1915886"/>
+              <a:gd name="connsiteY4-190" fmla="*/ 381164 h 1576251"/>
+              <a:gd name="connsiteX5-191" fmla="*/ 1915886 w 1915886"/>
+              <a:gd name="connsiteY5-192" fmla="*/ 0 h 1576251"/>
+            </a:gdLst>
+            <a:ahLst/>
+            <a:cxnLst>
+              <a:cxn ang="0">
+                <a:pos x="connsiteX0-1" y="connsiteY0-2"/>
+              </a:cxn>
+              <a:cxn ang="0">
+                <a:pos x="connsiteX1-3" y="connsiteY1-4"/>
+              </a:cxn>
+              <a:cxn ang="0">
+                <a:pos x="connsiteX2-5" y="connsiteY2-6"/>
+              </a:cxn>
+              <a:cxn ang="0">
+                <a:pos x="connsiteX3-7" y="connsiteY3-8"/>
+              </a:cxn>
+              <a:cxn ang="0">
+                <a:pos x="connsiteX4-9" y="connsiteY4-10"/>
+              </a:cxn>
+              <a:cxn ang="0">
+                <a:pos x="connsiteX5-11" y="connsiteY5-12"/>
+              </a:cxn>
+            </a:cxnLst>
+            <a:rect l="l" t="t" r="r" b="b"/>
+            <a:pathLst>
+              <a:path w="1915886" h="1576251">
+                <a:moveTo>
+                  <a:pt x="0" y="1576251"/>
+                </a:moveTo>
+                <a:cubicBezTo>
+                  <a:pt x="202585" y="1498673"/>
+                  <a:pt x="391776" y="1427478"/>
+                  <a:pt x="565985" y="1345602"/>
+                </a:cubicBezTo>
+                <a:cubicBezTo>
+                  <a:pt x="740194" y="1263726"/>
+                  <a:pt x="902345" y="1178526"/>
+                  <a:pt x="1045255" y="1084996"/>
+                </a:cubicBezTo>
+                <a:cubicBezTo>
+                  <a:pt x="1188165" y="991466"/>
+                  <a:pt x="1307762" y="901730"/>
+                  <a:pt x="1423442" y="784425"/>
+                </a:cubicBezTo>
+                <a:cubicBezTo>
+                  <a:pt x="1539122" y="667120"/>
+                  <a:pt x="1640635" y="545176"/>
+                  <a:pt x="1739333" y="381164"/>
+                </a:cubicBezTo>
+                <a:cubicBezTo>
+                  <a:pt x="1828354" y="225861"/>
+                  <a:pt x="1910080" y="52977"/>
+                  <a:pt x="1915886" y="0"/>
+                </a:cubicBezTo>
+              </a:path>
+            </a:pathLst>
+          </a:custGeom>
+          <a:ln w="19050">
+            <a:prstDash val="dash"/>
+            <a:headEnd type="none" w="med" len="med"/>
+            <a:tailEnd type="none" w="med" len="med"/>
+          </a:ln>
+        </p:spPr>
+        <p:style>
+          <a:lnRef idx="1">
+            <a:schemeClr val="dk1"/>
+          </a:lnRef>
+          <a:fillRef idx="0">
+            <a:schemeClr val="dk1"/>
+          </a:fillRef>
+          <a:effectRef idx="0">
+            <a:schemeClr val="dk1"/>
+          </a:effectRef>
+          <a:fontRef idx="minor">
+            <a:schemeClr val="tx1"/>
+          </a:fontRef>
+        </p:style>
+        <p:txBody>
+          <a:bodyPr rtlCol="0" anchor="ctr"/>
+          <a:lstStyle/>
+          <a:p>
+            <a:pPr algn="ctr"/>
+            <a:endParaRPr kumimoji="1" lang="ja-JP" altLang="en-US"/>
+          </a:p>
+        </p:txBody>
+      </p:sp>
+      <p:sp>
+        <p:nvSpPr>
+          <p:cNvPr id="31" name="テキスト ボックス 30">
+            <a:extLst>
+              <a:ext uri="{FF2B5EF4-FFF2-40B4-BE49-F238E27FC236}">
+                <a16:creationId xmlns:a16="http://schemas.microsoft.com/office/drawing/2014/main" id="{AEEC8023-C5D9-459A-8530-45E630B32B2E}"/>
+              </a:ext>
+            </a:extLst>
+          </p:cNvPr>
+          <p:cNvSpPr txBox="1"/>
+          <p:nvPr/>
+        </p:nvSpPr>
+        <p:spPr>
+          <a:xfrm>
+            <a:off x="3209085" y="2564148"/>
+            <a:ext cx="1989915" cy="646331"/>
+          </a:xfrm>
+          <a:prstGeom prst="rect">
+            <a:avLst/>
+          </a:prstGeom>
+          <a:noFill/>
+        </p:spPr>
+        <p:txBody>
+          <a:bodyPr wrap="square" rtlCol="0">
+            <a:spAutoFit/>
+          </a:bodyPr>
+          <a:lstStyle/>
+          <a:p>
+            <a:r>
+              <a:rPr kumimoji="1" lang="en-US" altLang="ja-JP" dirty="0"/>
+              <a:t>Const. Pressure Curve</a:t>
+            </a:r>
+            <a:endParaRPr kumimoji="1" lang="ja-JP" altLang="en-US" dirty="0"/>
+          </a:p>
+        </p:txBody>
+      </p:sp>
+      <p:sp>
+        <p:nvSpPr>
+          <p:cNvPr id="16" name="フリーフォーム: 図形 15">
+            <a:extLst>
+              <a:ext uri="{FF2B5EF4-FFF2-40B4-BE49-F238E27FC236}">
+                <a16:creationId xmlns:a16="http://schemas.microsoft.com/office/drawing/2014/main" id="{0258B678-7C74-4074-B43E-A007FCD7A89C}"/>
+              </a:ext>
+            </a:extLst>
+          </p:cNvPr>
+          <p:cNvSpPr/>
+          <p:nvPr/>
+        </p:nvSpPr>
+        <p:spPr>
+          <a:xfrm>
+            <a:off x="2866212" y="3977451"/>
+            <a:ext cx="1539530" cy="1292726"/>
+          </a:xfrm>
+          <a:custGeom>
+            <a:avLst/>
+            <a:gdLst>
+              <a:gd name="connsiteX0" fmla="*/ 0 w 1915886"/>
+              <a:gd name="connsiteY0" fmla="*/ 1576251 h 1576251"/>
+              <a:gd name="connsiteX1" fmla="*/ 539932 w 1915886"/>
+              <a:gd name="connsiteY1" fmla="*/ 1471748 h 1576251"/>
+              <a:gd name="connsiteX2" fmla="*/ 1210492 w 1915886"/>
+              <a:gd name="connsiteY2" fmla="*/ 1140823 h 1576251"/>
+              <a:gd name="connsiteX3" fmla="*/ 1672046 w 1915886"/>
+              <a:gd name="connsiteY3" fmla="*/ 670560 h 1576251"/>
+              <a:gd name="connsiteX4" fmla="*/ 1863634 w 1915886"/>
+              <a:gd name="connsiteY4" fmla="*/ 217714 h 1576251"/>
+              <a:gd name="connsiteX5" fmla="*/ 1915886 w 1915886"/>
+              <a:gd name="connsiteY5" fmla="*/ 0 h 1576251"/>
+              <a:gd name="connsiteX0-1" fmla="*/ 0 w 1915886"/>
+              <a:gd name="connsiteY0-2" fmla="*/ 1576251 h 1576251"/>
+              <a:gd name="connsiteX1-3" fmla="*/ 559285 w 1915886"/>
+              <a:gd name="connsiteY1-4" fmla="*/ 1402080 h 1576251"/>
+              <a:gd name="connsiteX2-5" fmla="*/ 1210492 w 1915886"/>
+              <a:gd name="connsiteY2-6" fmla="*/ 1140823 h 1576251"/>
+              <a:gd name="connsiteX3-7" fmla="*/ 1672046 w 1915886"/>
+              <a:gd name="connsiteY3-8" fmla="*/ 670560 h 1576251"/>
+              <a:gd name="connsiteX4-9" fmla="*/ 1863634 w 1915886"/>
+              <a:gd name="connsiteY4-10" fmla="*/ 217714 h 1576251"/>
+              <a:gd name="connsiteX5-11" fmla="*/ 1915886 w 1915886"/>
+              <a:gd name="connsiteY5-12" fmla="*/ 0 h 1576251"/>
+              <a:gd name="connsiteX0-13" fmla="*/ 0 w 1915886"/>
+              <a:gd name="connsiteY0-14" fmla="*/ 1576251 h 1576251"/>
+              <a:gd name="connsiteX1-15" fmla="*/ 559285 w 1915886"/>
+              <a:gd name="connsiteY1-16" fmla="*/ 1402080 h 1576251"/>
+              <a:gd name="connsiteX2-17" fmla="*/ 1152436 w 1915886"/>
+              <a:gd name="connsiteY2-18" fmla="*/ 1079863 h 1576251"/>
+              <a:gd name="connsiteX3-19" fmla="*/ 1672046 w 1915886"/>
+              <a:gd name="connsiteY3-20" fmla="*/ 670560 h 1576251"/>
+              <a:gd name="connsiteX4-21" fmla="*/ 1863634 w 1915886"/>
+              <a:gd name="connsiteY4-22" fmla="*/ 217714 h 1576251"/>
+              <a:gd name="connsiteX5-23" fmla="*/ 1915886 w 1915886"/>
+              <a:gd name="connsiteY5-24" fmla="*/ 0 h 1576251"/>
+              <a:gd name="connsiteX0-25" fmla="*/ 0 w 1915886"/>
+              <a:gd name="connsiteY0-26" fmla="*/ 1576251 h 1576251"/>
+              <a:gd name="connsiteX1-27" fmla="*/ 559285 w 1915886"/>
+              <a:gd name="connsiteY1-28" fmla="*/ 1402080 h 1576251"/>
+              <a:gd name="connsiteX2-29" fmla="*/ 1152436 w 1915886"/>
+              <a:gd name="connsiteY2-30" fmla="*/ 1079863 h 1576251"/>
+              <a:gd name="connsiteX3-31" fmla="*/ 1555931 w 1915886"/>
+              <a:gd name="connsiteY3-32" fmla="*/ 687977 h 1576251"/>
+              <a:gd name="connsiteX4-33" fmla="*/ 1863634 w 1915886"/>
+              <a:gd name="connsiteY4-34" fmla="*/ 217714 h 1576251"/>
+              <a:gd name="connsiteX5-35" fmla="*/ 1915886 w 1915886"/>
+              <a:gd name="connsiteY5-36" fmla="*/ 0 h 1576251"/>
+              <a:gd name="connsiteX0-37" fmla="*/ 0 w 1915886"/>
+              <a:gd name="connsiteY0-38" fmla="*/ 1576251 h 1576251"/>
+              <a:gd name="connsiteX1-39" fmla="*/ 559285 w 1915886"/>
+              <a:gd name="connsiteY1-40" fmla="*/ 1402080 h 1576251"/>
+              <a:gd name="connsiteX2-41" fmla="*/ 1152436 w 1915886"/>
+              <a:gd name="connsiteY2-42" fmla="*/ 1079863 h 1576251"/>
+              <a:gd name="connsiteX3-43" fmla="*/ 1555931 w 1915886"/>
+              <a:gd name="connsiteY3-44" fmla="*/ 687977 h 1576251"/>
+              <a:gd name="connsiteX4-45" fmla="*/ 1786225 w 1915886"/>
+              <a:gd name="connsiteY4-46" fmla="*/ 322217 h 1576251"/>
+              <a:gd name="connsiteX5-47" fmla="*/ 1915886 w 1915886"/>
+              <a:gd name="connsiteY5-48" fmla="*/ 0 h 1576251"/>
+              <a:gd name="connsiteX0-49" fmla="*/ 0 w 1915886"/>
+              <a:gd name="connsiteY0-50" fmla="*/ 1576251 h 1576251"/>
+              <a:gd name="connsiteX1-51" fmla="*/ 559285 w 1915886"/>
+              <a:gd name="connsiteY1-52" fmla="*/ 1402080 h 1576251"/>
+              <a:gd name="connsiteX2-53" fmla="*/ 1152436 w 1915886"/>
+              <a:gd name="connsiteY2-54" fmla="*/ 1079863 h 1576251"/>
+              <a:gd name="connsiteX3-55" fmla="*/ 1555931 w 1915886"/>
+              <a:gd name="connsiteY3-56" fmla="*/ 687977 h 1576251"/>
+              <a:gd name="connsiteX4-57" fmla="*/ 1786225 w 1915886"/>
+              <a:gd name="connsiteY4-58" fmla="*/ 365760 h 1576251"/>
+              <a:gd name="connsiteX5-59" fmla="*/ 1915886 w 1915886"/>
+              <a:gd name="connsiteY5-60" fmla="*/ 0 h 1576251"/>
+              <a:gd name="connsiteX0-61" fmla="*/ 0 w 1915886"/>
+              <a:gd name="connsiteY0-62" fmla="*/ 1576251 h 1576251"/>
+              <a:gd name="connsiteX1-63" fmla="*/ 559285 w 1915886"/>
+              <a:gd name="connsiteY1-64" fmla="*/ 1402080 h 1576251"/>
+              <a:gd name="connsiteX2-65" fmla="*/ 1152436 w 1915886"/>
+              <a:gd name="connsiteY2-66" fmla="*/ 1079863 h 1576251"/>
+              <a:gd name="connsiteX3-67" fmla="*/ 1555931 w 1915886"/>
+              <a:gd name="connsiteY3-68" fmla="*/ 687977 h 1576251"/>
+              <a:gd name="connsiteX4-69" fmla="*/ 1786225 w 1915886"/>
+              <a:gd name="connsiteY4-70" fmla="*/ 365760 h 1576251"/>
+              <a:gd name="connsiteX5-71" fmla="*/ 1915886 w 1915886"/>
+              <a:gd name="connsiteY5-72" fmla="*/ 0 h 1576251"/>
+              <a:gd name="connsiteX0-73" fmla="*/ 0 w 1915886"/>
+              <a:gd name="connsiteY0-74" fmla="*/ 1576251 h 1576251"/>
+              <a:gd name="connsiteX1-75" fmla="*/ 559285 w 1915886"/>
+              <a:gd name="connsiteY1-76" fmla="*/ 1402080 h 1576251"/>
+              <a:gd name="connsiteX2-77" fmla="*/ 1152436 w 1915886"/>
+              <a:gd name="connsiteY2-78" fmla="*/ 1079863 h 1576251"/>
+              <a:gd name="connsiteX3-79" fmla="*/ 1555931 w 1915886"/>
+              <a:gd name="connsiteY3-80" fmla="*/ 687977 h 1576251"/>
+              <a:gd name="connsiteX4-81" fmla="*/ 1786225 w 1915886"/>
+              <a:gd name="connsiteY4-82" fmla="*/ 365760 h 1576251"/>
+              <a:gd name="connsiteX5-83" fmla="*/ 1915886 w 1915886"/>
+              <a:gd name="connsiteY5-84" fmla="*/ 0 h 1576251"/>
+              <a:gd name="connsiteX0-85" fmla="*/ 0 w 1915886"/>
+              <a:gd name="connsiteY0-86" fmla="*/ 1576251 h 1576251"/>
+              <a:gd name="connsiteX1-87" fmla="*/ 559285 w 1915886"/>
+              <a:gd name="connsiteY1-88" fmla="*/ 1402080 h 1576251"/>
+              <a:gd name="connsiteX2-89" fmla="*/ 1152436 w 1915886"/>
+              <a:gd name="connsiteY2-90" fmla="*/ 1079863 h 1576251"/>
+              <a:gd name="connsiteX3-91" fmla="*/ 1517227 w 1915886"/>
+              <a:gd name="connsiteY3-92" fmla="*/ 722812 h 1576251"/>
+              <a:gd name="connsiteX4-93" fmla="*/ 1786225 w 1915886"/>
+              <a:gd name="connsiteY4-94" fmla="*/ 365760 h 1576251"/>
+              <a:gd name="connsiteX5-95" fmla="*/ 1915886 w 1915886"/>
+              <a:gd name="connsiteY5-96" fmla="*/ 0 h 1576251"/>
+              <a:gd name="connsiteX0-97" fmla="*/ 0 w 1915886"/>
+              <a:gd name="connsiteY0-98" fmla="*/ 1576251 h 1576251"/>
+              <a:gd name="connsiteX1-99" fmla="*/ 559285 w 1915886"/>
+              <a:gd name="connsiteY1-100" fmla="*/ 1402080 h 1576251"/>
+              <a:gd name="connsiteX2-101" fmla="*/ 1152436 w 1915886"/>
+              <a:gd name="connsiteY2-102" fmla="*/ 1079863 h 1576251"/>
+              <a:gd name="connsiteX3-103" fmla="*/ 1517227 w 1915886"/>
+              <a:gd name="connsiteY3-104" fmla="*/ 722812 h 1576251"/>
+              <a:gd name="connsiteX4-105" fmla="*/ 1786225 w 1915886"/>
+              <a:gd name="connsiteY4-106" fmla="*/ 365760 h 1576251"/>
+              <a:gd name="connsiteX5-107" fmla="*/ 1915886 w 1915886"/>
+              <a:gd name="connsiteY5-108" fmla="*/ 0 h 1576251"/>
+              <a:gd name="connsiteX0-109" fmla="*/ 0 w 1915886"/>
+              <a:gd name="connsiteY0-110" fmla="*/ 1576251 h 1576251"/>
+              <a:gd name="connsiteX1-111" fmla="*/ 539189 w 1915886"/>
+              <a:gd name="connsiteY1-112" fmla="*/ 1381542 h 1576251"/>
+              <a:gd name="connsiteX2-113" fmla="*/ 1152436 w 1915886"/>
+              <a:gd name="connsiteY2-114" fmla="*/ 1079863 h 1576251"/>
+              <a:gd name="connsiteX3-115" fmla="*/ 1517227 w 1915886"/>
+              <a:gd name="connsiteY3-116" fmla="*/ 722812 h 1576251"/>
+              <a:gd name="connsiteX4-117" fmla="*/ 1786225 w 1915886"/>
+              <a:gd name="connsiteY4-118" fmla="*/ 365760 h 1576251"/>
+              <a:gd name="connsiteX5-119" fmla="*/ 1915886 w 1915886"/>
+              <a:gd name="connsiteY5-120" fmla="*/ 0 h 1576251"/>
+              <a:gd name="connsiteX0-121" fmla="*/ 0 w 1915886"/>
+              <a:gd name="connsiteY0-122" fmla="*/ 1576251 h 1576251"/>
+              <a:gd name="connsiteX1-123" fmla="*/ 539189 w 1915886"/>
+              <a:gd name="connsiteY1-124" fmla="*/ 1381542 h 1576251"/>
+              <a:gd name="connsiteX2-125" fmla="*/ 1125641 w 1915886"/>
+              <a:gd name="connsiteY2-126" fmla="*/ 1074728 h 1576251"/>
+              <a:gd name="connsiteX3-127" fmla="*/ 1517227 w 1915886"/>
+              <a:gd name="connsiteY3-128" fmla="*/ 722812 h 1576251"/>
+              <a:gd name="connsiteX4-129" fmla="*/ 1786225 w 1915886"/>
+              <a:gd name="connsiteY4-130" fmla="*/ 365760 h 1576251"/>
+              <a:gd name="connsiteX5-131" fmla="*/ 1915886 w 1915886"/>
+              <a:gd name="connsiteY5-132" fmla="*/ 0 h 1576251"/>
+              <a:gd name="connsiteX0-133" fmla="*/ 0 w 1915886"/>
+              <a:gd name="connsiteY0-134" fmla="*/ 1576251 h 1576251"/>
+              <a:gd name="connsiteX1-135" fmla="*/ 539189 w 1915886"/>
+              <a:gd name="connsiteY1-136" fmla="*/ 1381542 h 1576251"/>
+              <a:gd name="connsiteX2-137" fmla="*/ 1125641 w 1915886"/>
+              <a:gd name="connsiteY2-138" fmla="*/ 1074728 h 1576251"/>
+              <a:gd name="connsiteX3-139" fmla="*/ 1456937 w 1915886"/>
+              <a:gd name="connsiteY3-140" fmla="*/ 758753 h 1576251"/>
+              <a:gd name="connsiteX4-141" fmla="*/ 1786225 w 1915886"/>
+              <a:gd name="connsiteY4-142" fmla="*/ 365760 h 1576251"/>
+              <a:gd name="connsiteX5-143" fmla="*/ 1915886 w 1915886"/>
+              <a:gd name="connsiteY5-144" fmla="*/ 0 h 1576251"/>
+              <a:gd name="connsiteX0-145" fmla="*/ 0 w 1915886"/>
+              <a:gd name="connsiteY0-146" fmla="*/ 1576251 h 1576251"/>
+              <a:gd name="connsiteX1-147" fmla="*/ 539189 w 1915886"/>
+              <a:gd name="connsiteY1-148" fmla="*/ 1381542 h 1576251"/>
+              <a:gd name="connsiteX2-149" fmla="*/ 1125641 w 1915886"/>
+              <a:gd name="connsiteY2-150" fmla="*/ 1074728 h 1576251"/>
+              <a:gd name="connsiteX3-151" fmla="*/ 1456937 w 1915886"/>
+              <a:gd name="connsiteY3-152" fmla="*/ 758753 h 1576251"/>
+              <a:gd name="connsiteX4-153" fmla="*/ 1739333 w 1915886"/>
+              <a:gd name="connsiteY4-154" fmla="*/ 381164 h 1576251"/>
+              <a:gd name="connsiteX5-155" fmla="*/ 1915886 w 1915886"/>
+              <a:gd name="connsiteY5-156" fmla="*/ 0 h 1576251"/>
+              <a:gd name="connsiteX0-157" fmla="*/ 0 w 1915886"/>
+              <a:gd name="connsiteY0-158" fmla="*/ 1576251 h 1576251"/>
+              <a:gd name="connsiteX1-159" fmla="*/ 539189 w 1915886"/>
+              <a:gd name="connsiteY1-160" fmla="*/ 1381542 h 1576251"/>
+              <a:gd name="connsiteX2-161" fmla="*/ 1125641 w 1915886"/>
+              <a:gd name="connsiteY2-162" fmla="*/ 1074728 h 1576251"/>
+              <a:gd name="connsiteX3-163" fmla="*/ 1423442 w 1915886"/>
+              <a:gd name="connsiteY3-164" fmla="*/ 784425 h 1576251"/>
+              <a:gd name="connsiteX4-165" fmla="*/ 1739333 w 1915886"/>
+              <a:gd name="connsiteY4-166" fmla="*/ 381164 h 1576251"/>
+              <a:gd name="connsiteX5-167" fmla="*/ 1915886 w 1915886"/>
+              <a:gd name="connsiteY5-168" fmla="*/ 0 h 1576251"/>
+              <a:gd name="connsiteX0-169" fmla="*/ 0 w 1915886"/>
+              <a:gd name="connsiteY0-170" fmla="*/ 1576251 h 1576251"/>
+              <a:gd name="connsiteX1-171" fmla="*/ 539189 w 1915886"/>
+              <a:gd name="connsiteY1-172" fmla="*/ 1381542 h 1576251"/>
+              <a:gd name="connsiteX2-173" fmla="*/ 1045255 w 1915886"/>
+              <a:gd name="connsiteY2-174" fmla="*/ 1084996 h 1576251"/>
+              <a:gd name="connsiteX3-175" fmla="*/ 1423442 w 1915886"/>
+              <a:gd name="connsiteY3-176" fmla="*/ 784425 h 1576251"/>
+              <a:gd name="connsiteX4-177" fmla="*/ 1739333 w 1915886"/>
+              <a:gd name="connsiteY4-178" fmla="*/ 381164 h 1576251"/>
+              <a:gd name="connsiteX5-179" fmla="*/ 1915886 w 1915886"/>
+              <a:gd name="connsiteY5-180" fmla="*/ 0 h 1576251"/>
+              <a:gd name="connsiteX0-181" fmla="*/ 0 w 1915886"/>
+              <a:gd name="connsiteY0-182" fmla="*/ 1576251 h 1576251"/>
+              <a:gd name="connsiteX1-183" fmla="*/ 565985 w 1915886"/>
+              <a:gd name="connsiteY1-184" fmla="*/ 1345602 h 1576251"/>
+              <a:gd name="connsiteX2-185" fmla="*/ 1045255 w 1915886"/>
+              <a:gd name="connsiteY2-186" fmla="*/ 1084996 h 1576251"/>
+              <a:gd name="connsiteX3-187" fmla="*/ 1423442 w 1915886"/>
+              <a:gd name="connsiteY3-188" fmla="*/ 784425 h 1576251"/>
+              <a:gd name="connsiteX4-189" fmla="*/ 1739333 w 1915886"/>
+              <a:gd name="connsiteY4-190" fmla="*/ 381164 h 1576251"/>
+              <a:gd name="connsiteX5-191" fmla="*/ 1915886 w 1915886"/>
+              <a:gd name="connsiteY5-192" fmla="*/ 0 h 1576251"/>
+              <a:gd name="connsiteX0" fmla="*/ 0 w 1950826"/>
+              <a:gd name="connsiteY0" fmla="*/ 1476457 h 1476457"/>
+              <a:gd name="connsiteX1" fmla="*/ 565985 w 1950826"/>
+              <a:gd name="connsiteY1" fmla="*/ 1245808 h 1476457"/>
+              <a:gd name="connsiteX2" fmla="*/ 1045255 w 1950826"/>
+              <a:gd name="connsiteY2" fmla="*/ 985202 h 1476457"/>
+              <a:gd name="connsiteX3" fmla="*/ 1423442 w 1950826"/>
+              <a:gd name="connsiteY3" fmla="*/ 684631 h 1476457"/>
+              <a:gd name="connsiteX4" fmla="*/ 1739333 w 1950826"/>
+              <a:gd name="connsiteY4" fmla="*/ 281370 h 1476457"/>
+              <a:gd name="connsiteX5" fmla="*/ 1950826 w 1950826"/>
+              <a:gd name="connsiteY5" fmla="*/ 0 h 1476457"/>
+              <a:gd name="connsiteX0" fmla="*/ 0 w 1950826"/>
+              <a:gd name="connsiteY0" fmla="*/ 1476457 h 1476457"/>
+              <a:gd name="connsiteX1" fmla="*/ 565985 w 1950826"/>
+              <a:gd name="connsiteY1" fmla="*/ 1245808 h 1476457"/>
+              <a:gd name="connsiteX2" fmla="*/ 1045255 w 1950826"/>
+              <a:gd name="connsiteY2" fmla="*/ 985202 h 1476457"/>
+              <a:gd name="connsiteX3" fmla="*/ 1423442 w 1950826"/>
+              <a:gd name="connsiteY3" fmla="*/ 684631 h 1476457"/>
+              <a:gd name="connsiteX4" fmla="*/ 1739333 w 1950826"/>
+              <a:gd name="connsiteY4" fmla="*/ 346453 h 1476457"/>
+              <a:gd name="connsiteX5" fmla="*/ 1950826 w 1950826"/>
+              <a:gd name="connsiteY5" fmla="*/ 0 h 1476457"/>
+              <a:gd name="connsiteX0" fmla="*/ 0 w 1950826"/>
+              <a:gd name="connsiteY0" fmla="*/ 1428730 h 1428730"/>
+              <a:gd name="connsiteX1" fmla="*/ 565985 w 1950826"/>
+              <a:gd name="connsiteY1" fmla="*/ 1198081 h 1428730"/>
+              <a:gd name="connsiteX2" fmla="*/ 1045255 w 1950826"/>
+              <a:gd name="connsiteY2" fmla="*/ 937475 h 1428730"/>
+              <a:gd name="connsiteX3" fmla="*/ 1423442 w 1950826"/>
+              <a:gd name="connsiteY3" fmla="*/ 636904 h 1428730"/>
+              <a:gd name="connsiteX4" fmla="*/ 1739333 w 1950826"/>
+              <a:gd name="connsiteY4" fmla="*/ 298726 h 1428730"/>
+              <a:gd name="connsiteX5" fmla="*/ 1950826 w 1950826"/>
+              <a:gd name="connsiteY5" fmla="*/ 0 h 1428730"/>
+              <a:gd name="connsiteX0" fmla="*/ 0 w 1950826"/>
+              <a:gd name="connsiteY0" fmla="*/ 1428730 h 1428730"/>
+              <a:gd name="connsiteX1" fmla="*/ 565985 w 1950826"/>
+              <a:gd name="connsiteY1" fmla="*/ 1198081 h 1428730"/>
+              <a:gd name="connsiteX2" fmla="*/ 1045255 w 1950826"/>
+              <a:gd name="connsiteY2" fmla="*/ 937475 h 1428730"/>
+              <a:gd name="connsiteX3" fmla="*/ 1423442 w 1950826"/>
+              <a:gd name="connsiteY3" fmla="*/ 636904 h 1428730"/>
+              <a:gd name="connsiteX4" fmla="*/ 1704393 w 1950826"/>
+              <a:gd name="connsiteY4" fmla="*/ 376826 h 1428730"/>
+              <a:gd name="connsiteX5" fmla="*/ 1950826 w 1950826"/>
+              <a:gd name="connsiteY5" fmla="*/ 0 h 1428730"/>
+              <a:gd name="connsiteX0" fmla="*/ 0 w 1950826"/>
+              <a:gd name="connsiteY0" fmla="*/ 1428730 h 1428730"/>
+              <a:gd name="connsiteX1" fmla="*/ 565985 w 1950826"/>
+              <a:gd name="connsiteY1" fmla="*/ 1198081 h 1428730"/>
+              <a:gd name="connsiteX2" fmla="*/ 1045255 w 1950826"/>
+              <a:gd name="connsiteY2" fmla="*/ 937475 h 1428730"/>
+              <a:gd name="connsiteX3" fmla="*/ 1423442 w 1950826"/>
+              <a:gd name="connsiteY3" fmla="*/ 636904 h 1428730"/>
+              <a:gd name="connsiteX4" fmla="*/ 1704393 w 1950826"/>
+              <a:gd name="connsiteY4" fmla="*/ 376826 h 1428730"/>
+              <a:gd name="connsiteX5" fmla="*/ 1950826 w 1950826"/>
+              <a:gd name="connsiteY5" fmla="*/ 0 h 1428730"/>
+              <a:gd name="connsiteX0" fmla="*/ 0 w 1950826"/>
+              <a:gd name="connsiteY0" fmla="*/ 1428730 h 1428730"/>
+              <a:gd name="connsiteX1" fmla="*/ 565985 w 1950826"/>
+              <a:gd name="connsiteY1" fmla="*/ 1198081 h 1428730"/>
+              <a:gd name="connsiteX2" fmla="*/ 1045255 w 1950826"/>
+              <a:gd name="connsiteY2" fmla="*/ 937475 h 1428730"/>
+              <a:gd name="connsiteX3" fmla="*/ 1423442 w 1950826"/>
+              <a:gd name="connsiteY3" fmla="*/ 636904 h 1428730"/>
+              <a:gd name="connsiteX4" fmla="*/ 1704393 w 1950826"/>
+              <a:gd name="connsiteY4" fmla="*/ 376826 h 1428730"/>
+              <a:gd name="connsiteX5" fmla="*/ 1950826 w 1950826"/>
+              <a:gd name="connsiteY5" fmla="*/ 0 h 1428730"/>
+              <a:gd name="connsiteX0" fmla="*/ 0 w 1950826"/>
+              <a:gd name="connsiteY0" fmla="*/ 1428730 h 1428730"/>
+              <a:gd name="connsiteX1" fmla="*/ 565985 w 1950826"/>
+              <a:gd name="connsiteY1" fmla="*/ 1198081 h 1428730"/>
+              <a:gd name="connsiteX2" fmla="*/ 1045255 w 1950826"/>
+              <a:gd name="connsiteY2" fmla="*/ 937475 h 1428730"/>
+              <a:gd name="connsiteX3" fmla="*/ 1423442 w 1950826"/>
+              <a:gd name="connsiteY3" fmla="*/ 636904 h 1428730"/>
+              <a:gd name="connsiteX4" fmla="*/ 1704393 w 1950826"/>
+              <a:gd name="connsiteY4" fmla="*/ 376826 h 1428730"/>
+              <a:gd name="connsiteX5" fmla="*/ 1950826 w 1950826"/>
+              <a:gd name="connsiteY5" fmla="*/ 0 h 1428730"/>
+              <a:gd name="connsiteX0" fmla="*/ 0 w 1950826"/>
+              <a:gd name="connsiteY0" fmla="*/ 1428730 h 1428730"/>
+              <a:gd name="connsiteX1" fmla="*/ 565985 w 1950826"/>
+              <a:gd name="connsiteY1" fmla="*/ 1198081 h 1428730"/>
+              <a:gd name="connsiteX2" fmla="*/ 1045255 w 1950826"/>
+              <a:gd name="connsiteY2" fmla="*/ 937475 h 1428730"/>
+              <a:gd name="connsiteX3" fmla="*/ 1423442 w 1950826"/>
+              <a:gd name="connsiteY3" fmla="*/ 636904 h 1428730"/>
+              <a:gd name="connsiteX4" fmla="*/ 1686923 w 1950826"/>
+              <a:gd name="connsiteY4" fmla="*/ 411537 h 1428730"/>
+              <a:gd name="connsiteX5" fmla="*/ 1950826 w 1950826"/>
+              <a:gd name="connsiteY5" fmla="*/ 0 h 1428730"/>
+              <a:gd name="connsiteX0" fmla="*/ 0 w 1950826"/>
+              <a:gd name="connsiteY0" fmla="*/ 1428730 h 1428730"/>
+              <a:gd name="connsiteX1" fmla="*/ 565985 w 1950826"/>
+              <a:gd name="connsiteY1" fmla="*/ 1198081 h 1428730"/>
+              <a:gd name="connsiteX2" fmla="*/ 1045255 w 1950826"/>
+              <a:gd name="connsiteY2" fmla="*/ 937475 h 1428730"/>
+              <a:gd name="connsiteX3" fmla="*/ 1382678 w 1950826"/>
+              <a:gd name="connsiteY3" fmla="*/ 758393 h 1428730"/>
+              <a:gd name="connsiteX4" fmla="*/ 1686923 w 1950826"/>
+              <a:gd name="connsiteY4" fmla="*/ 411537 h 1428730"/>
+              <a:gd name="connsiteX5" fmla="*/ 1950826 w 1950826"/>
+              <a:gd name="connsiteY5" fmla="*/ 0 h 1428730"/>
+              <a:gd name="connsiteX0" fmla="*/ 0 w 1950826"/>
+              <a:gd name="connsiteY0" fmla="*/ 1428730 h 1428730"/>
+              <a:gd name="connsiteX1" fmla="*/ 565985 w 1950826"/>
+              <a:gd name="connsiteY1" fmla="*/ 1198081 h 1428730"/>
+              <a:gd name="connsiteX2" fmla="*/ 1004491 w 1950826"/>
+              <a:gd name="connsiteY2" fmla="*/ 998219 h 1428730"/>
+              <a:gd name="connsiteX3" fmla="*/ 1382678 w 1950826"/>
+              <a:gd name="connsiteY3" fmla="*/ 758393 h 1428730"/>
+              <a:gd name="connsiteX4" fmla="*/ 1686923 w 1950826"/>
+              <a:gd name="connsiteY4" fmla="*/ 411537 h 1428730"/>
+              <a:gd name="connsiteX5" fmla="*/ 1950826 w 1950826"/>
+              <a:gd name="connsiteY5" fmla="*/ 0 h 1428730"/>
+              <a:gd name="connsiteX0" fmla="*/ 0 w 1950826"/>
+              <a:gd name="connsiteY0" fmla="*/ 1428730 h 1428730"/>
+              <a:gd name="connsiteX1" fmla="*/ 647512 w 1950826"/>
+              <a:gd name="connsiteY1" fmla="*/ 1193742 h 1428730"/>
+              <a:gd name="connsiteX2" fmla="*/ 1004491 w 1950826"/>
+              <a:gd name="connsiteY2" fmla="*/ 998219 h 1428730"/>
+              <a:gd name="connsiteX3" fmla="*/ 1382678 w 1950826"/>
+              <a:gd name="connsiteY3" fmla="*/ 758393 h 1428730"/>
+              <a:gd name="connsiteX4" fmla="*/ 1686923 w 1950826"/>
+              <a:gd name="connsiteY4" fmla="*/ 411537 h 1428730"/>
+              <a:gd name="connsiteX5" fmla="*/ 1950826 w 1950826"/>
+              <a:gd name="connsiteY5" fmla="*/ 0 h 1428730"/>
+              <a:gd name="connsiteX0" fmla="*/ 0 w 1950826"/>
+              <a:gd name="connsiteY0" fmla="*/ 1428730 h 1428730"/>
+              <a:gd name="connsiteX1" fmla="*/ 647512 w 1950826"/>
+              <a:gd name="connsiteY1" fmla="*/ 1193742 h 1428730"/>
+              <a:gd name="connsiteX2" fmla="*/ 1004491 w 1950826"/>
+              <a:gd name="connsiteY2" fmla="*/ 998219 h 1428730"/>
+              <a:gd name="connsiteX3" fmla="*/ 1382678 w 1950826"/>
+              <a:gd name="connsiteY3" fmla="*/ 758393 h 1428730"/>
+              <a:gd name="connsiteX4" fmla="*/ 1698570 w 1950826"/>
+              <a:gd name="connsiteY4" fmla="*/ 441909 h 1428730"/>
+              <a:gd name="connsiteX5" fmla="*/ 1950826 w 1950826"/>
+              <a:gd name="connsiteY5" fmla="*/ 0 h 1428730"/>
+              <a:gd name="connsiteX0" fmla="*/ 0 w 1950826"/>
+              <a:gd name="connsiteY0" fmla="*/ 1428730 h 1428730"/>
+              <a:gd name="connsiteX1" fmla="*/ 647512 w 1950826"/>
+              <a:gd name="connsiteY1" fmla="*/ 1193742 h 1428730"/>
+              <a:gd name="connsiteX2" fmla="*/ 1004491 w 1950826"/>
+              <a:gd name="connsiteY2" fmla="*/ 1024253 h 1428730"/>
+              <a:gd name="connsiteX3" fmla="*/ 1382678 w 1950826"/>
+              <a:gd name="connsiteY3" fmla="*/ 758393 h 1428730"/>
+              <a:gd name="connsiteX4" fmla="*/ 1698570 w 1950826"/>
+              <a:gd name="connsiteY4" fmla="*/ 441909 h 1428730"/>
+              <a:gd name="connsiteX5" fmla="*/ 1950826 w 1950826"/>
+              <a:gd name="connsiteY5" fmla="*/ 0 h 1428730"/>
+              <a:gd name="connsiteX0" fmla="*/ 0 w 1962473"/>
+              <a:gd name="connsiteY0" fmla="*/ 1341953 h 1341953"/>
+              <a:gd name="connsiteX1" fmla="*/ 647512 w 1962473"/>
+              <a:gd name="connsiteY1" fmla="*/ 1106965 h 1341953"/>
+              <a:gd name="connsiteX2" fmla="*/ 1004491 w 1962473"/>
+              <a:gd name="connsiteY2" fmla="*/ 937476 h 1341953"/>
+              <a:gd name="connsiteX3" fmla="*/ 1382678 w 1962473"/>
+              <a:gd name="connsiteY3" fmla="*/ 671616 h 1341953"/>
+              <a:gd name="connsiteX4" fmla="*/ 1698570 w 1962473"/>
+              <a:gd name="connsiteY4" fmla="*/ 355132 h 1341953"/>
+              <a:gd name="connsiteX5" fmla="*/ 1962473 w 1962473"/>
+              <a:gd name="connsiteY5" fmla="*/ 0 h 1341953"/>
+              <a:gd name="connsiteX0" fmla="*/ 0 w 1962473"/>
+              <a:gd name="connsiteY0" fmla="*/ 1341953 h 1341953"/>
+              <a:gd name="connsiteX1" fmla="*/ 647512 w 1962473"/>
+              <a:gd name="connsiteY1" fmla="*/ 1106965 h 1341953"/>
+              <a:gd name="connsiteX2" fmla="*/ 1004491 w 1962473"/>
+              <a:gd name="connsiteY2" fmla="*/ 937476 h 1341953"/>
+              <a:gd name="connsiteX3" fmla="*/ 1382678 w 1962473"/>
+              <a:gd name="connsiteY3" fmla="*/ 671616 h 1341953"/>
+              <a:gd name="connsiteX4" fmla="*/ 1698570 w 1962473"/>
+              <a:gd name="connsiteY4" fmla="*/ 355132 h 1341953"/>
+              <a:gd name="connsiteX5" fmla="*/ 1962473 w 1962473"/>
+              <a:gd name="connsiteY5" fmla="*/ 0 h 1341953"/>
+              <a:gd name="connsiteX0" fmla="*/ 0 w 1962473"/>
+              <a:gd name="connsiteY0" fmla="*/ 1341953 h 1341953"/>
+              <a:gd name="connsiteX1" fmla="*/ 647512 w 1962473"/>
+              <a:gd name="connsiteY1" fmla="*/ 1106965 h 1341953"/>
+              <a:gd name="connsiteX2" fmla="*/ 1004491 w 1962473"/>
+              <a:gd name="connsiteY2" fmla="*/ 937476 h 1341953"/>
+              <a:gd name="connsiteX3" fmla="*/ 1382678 w 1962473"/>
+              <a:gd name="connsiteY3" fmla="*/ 671616 h 1341953"/>
+              <a:gd name="connsiteX4" fmla="*/ 1698570 w 1962473"/>
+              <a:gd name="connsiteY4" fmla="*/ 355132 h 1341953"/>
+              <a:gd name="connsiteX5" fmla="*/ 1962473 w 1962473"/>
+              <a:gd name="connsiteY5" fmla="*/ 0 h 1341953"/>
+              <a:gd name="connsiteX0" fmla="*/ 0 w 1962473"/>
+              <a:gd name="connsiteY0" fmla="*/ 1341953 h 1341953"/>
+              <a:gd name="connsiteX1" fmla="*/ 647512 w 1962473"/>
+              <a:gd name="connsiteY1" fmla="*/ 1106965 h 1341953"/>
+              <a:gd name="connsiteX2" fmla="*/ 1004491 w 1962473"/>
+              <a:gd name="connsiteY2" fmla="*/ 937476 h 1341953"/>
+              <a:gd name="connsiteX3" fmla="*/ 1359385 w 1962473"/>
+              <a:gd name="connsiteY3" fmla="*/ 654261 h 1341953"/>
+              <a:gd name="connsiteX4" fmla="*/ 1698570 w 1962473"/>
+              <a:gd name="connsiteY4" fmla="*/ 355132 h 1341953"/>
+              <a:gd name="connsiteX5" fmla="*/ 1962473 w 1962473"/>
+              <a:gd name="connsiteY5" fmla="*/ 0 h 1341953"/>
+              <a:gd name="connsiteX0" fmla="*/ 0 w 1962473"/>
+              <a:gd name="connsiteY0" fmla="*/ 1341953 h 1341953"/>
+              <a:gd name="connsiteX1" fmla="*/ 647512 w 1962473"/>
+              <a:gd name="connsiteY1" fmla="*/ 1106965 h 1341953"/>
+              <a:gd name="connsiteX2" fmla="*/ 975374 w 1962473"/>
+              <a:gd name="connsiteY2" fmla="*/ 911442 h 1341953"/>
+              <a:gd name="connsiteX3" fmla="*/ 1359385 w 1962473"/>
+              <a:gd name="connsiteY3" fmla="*/ 654261 h 1341953"/>
+              <a:gd name="connsiteX4" fmla="*/ 1698570 w 1962473"/>
+              <a:gd name="connsiteY4" fmla="*/ 355132 h 1341953"/>
+              <a:gd name="connsiteX5" fmla="*/ 1962473 w 1962473"/>
+              <a:gd name="connsiteY5" fmla="*/ 0 h 1341953"/>
+              <a:gd name="connsiteX0" fmla="*/ 0 w 1962473"/>
+              <a:gd name="connsiteY0" fmla="*/ 1341953 h 1341953"/>
+              <a:gd name="connsiteX1" fmla="*/ 618395 w 1962473"/>
+              <a:gd name="connsiteY1" fmla="*/ 1080932 h 1341953"/>
+              <a:gd name="connsiteX2" fmla="*/ 975374 w 1962473"/>
+              <a:gd name="connsiteY2" fmla="*/ 911442 h 1341953"/>
+              <a:gd name="connsiteX3" fmla="*/ 1359385 w 1962473"/>
+              <a:gd name="connsiteY3" fmla="*/ 654261 h 1341953"/>
+              <a:gd name="connsiteX4" fmla="*/ 1698570 w 1962473"/>
+              <a:gd name="connsiteY4" fmla="*/ 355132 h 1341953"/>
+              <a:gd name="connsiteX5" fmla="*/ 1962473 w 1962473"/>
+              <a:gd name="connsiteY5" fmla="*/ 0 h 1341953"/>
+              <a:gd name="connsiteX0" fmla="*/ 0 w 1956649"/>
+              <a:gd name="connsiteY0" fmla="*/ 1298564 h 1298564"/>
+              <a:gd name="connsiteX1" fmla="*/ 612571 w 1956649"/>
+              <a:gd name="connsiteY1" fmla="*/ 1080932 h 1298564"/>
+              <a:gd name="connsiteX2" fmla="*/ 969550 w 1956649"/>
+              <a:gd name="connsiteY2" fmla="*/ 911442 h 1298564"/>
+              <a:gd name="connsiteX3" fmla="*/ 1353561 w 1956649"/>
+              <a:gd name="connsiteY3" fmla="*/ 654261 h 1298564"/>
+              <a:gd name="connsiteX4" fmla="*/ 1692746 w 1956649"/>
+              <a:gd name="connsiteY4" fmla="*/ 355132 h 1298564"/>
+              <a:gd name="connsiteX5" fmla="*/ 1956649 w 1956649"/>
+              <a:gd name="connsiteY5" fmla="*/ 0 h 1298564"/>
+              <a:gd name="connsiteX0" fmla="*/ 0 w 1956649"/>
+              <a:gd name="connsiteY0" fmla="*/ 1298564 h 1298564"/>
+              <a:gd name="connsiteX1" fmla="*/ 612571 w 1956649"/>
+              <a:gd name="connsiteY1" fmla="*/ 1080932 h 1298564"/>
+              <a:gd name="connsiteX2" fmla="*/ 969550 w 1956649"/>
+              <a:gd name="connsiteY2" fmla="*/ 911442 h 1298564"/>
+              <a:gd name="connsiteX3" fmla="*/ 1353561 w 1956649"/>
+              <a:gd name="connsiteY3" fmla="*/ 654261 h 1298564"/>
+              <a:gd name="connsiteX4" fmla="*/ 1692746 w 1956649"/>
+              <a:gd name="connsiteY4" fmla="*/ 355132 h 1298564"/>
+              <a:gd name="connsiteX5" fmla="*/ 1956649 w 1956649"/>
+              <a:gd name="connsiteY5" fmla="*/ 0 h 1298564"/>
+              <a:gd name="connsiteX0" fmla="*/ 0 w 1956649"/>
+              <a:gd name="connsiteY0" fmla="*/ 1298564 h 1298564"/>
+              <a:gd name="connsiteX1" fmla="*/ 612571 w 1956649"/>
+              <a:gd name="connsiteY1" fmla="*/ 1080932 h 1298564"/>
+              <a:gd name="connsiteX2" fmla="*/ 969550 w 1956649"/>
+              <a:gd name="connsiteY2" fmla="*/ 911442 h 1298564"/>
+              <a:gd name="connsiteX3" fmla="*/ 1285346 w 1956649"/>
+              <a:gd name="connsiteY3" fmla="*/ 633366 h 1298564"/>
+              <a:gd name="connsiteX4" fmla="*/ 1692746 w 1956649"/>
+              <a:gd name="connsiteY4" fmla="*/ 355132 h 1298564"/>
+              <a:gd name="connsiteX5" fmla="*/ 1956649 w 1956649"/>
+              <a:gd name="connsiteY5" fmla="*/ 0 h 1298564"/>
+              <a:gd name="connsiteX0" fmla="*/ 0 w 1956649"/>
+              <a:gd name="connsiteY0" fmla="*/ 1298564 h 1298564"/>
+              <a:gd name="connsiteX1" fmla="*/ 612571 w 1956649"/>
+              <a:gd name="connsiteY1" fmla="*/ 1080932 h 1298564"/>
+              <a:gd name="connsiteX2" fmla="*/ 969550 w 1956649"/>
+              <a:gd name="connsiteY2" fmla="*/ 911442 h 1298564"/>
+              <a:gd name="connsiteX3" fmla="*/ 1285346 w 1956649"/>
+              <a:gd name="connsiteY3" fmla="*/ 633366 h 1298564"/>
+              <a:gd name="connsiteX4" fmla="*/ 1673256 w 1956649"/>
+              <a:gd name="connsiteY4" fmla="*/ 369062 h 1298564"/>
+              <a:gd name="connsiteX5" fmla="*/ 1956649 w 1956649"/>
+              <a:gd name="connsiteY5" fmla="*/ 0 h 1298564"/>
+              <a:gd name="connsiteX0" fmla="*/ 0 w 1956649"/>
+              <a:gd name="connsiteY0" fmla="*/ 1298564 h 1298564"/>
+              <a:gd name="connsiteX1" fmla="*/ 612571 w 1956649"/>
+              <a:gd name="connsiteY1" fmla="*/ 1080932 h 1298564"/>
+              <a:gd name="connsiteX2" fmla="*/ 1285346 w 1956649"/>
+              <a:gd name="connsiteY2" fmla="*/ 633366 h 1298564"/>
+              <a:gd name="connsiteX3" fmla="*/ 1673256 w 1956649"/>
+              <a:gd name="connsiteY3" fmla="*/ 369062 h 1298564"/>
+              <a:gd name="connsiteX4" fmla="*/ 1956649 w 1956649"/>
+              <a:gd name="connsiteY4" fmla="*/ 0 h 1298564"/>
+              <a:gd name="connsiteX0" fmla="*/ 0 w 1956649"/>
+              <a:gd name="connsiteY0" fmla="*/ 1298564 h 1298564"/>
+              <a:gd name="connsiteX1" fmla="*/ 690532 w 1956649"/>
+              <a:gd name="connsiteY1" fmla="*/ 969493 h 1298564"/>
+              <a:gd name="connsiteX2" fmla="*/ 1285346 w 1956649"/>
+              <a:gd name="connsiteY2" fmla="*/ 633366 h 1298564"/>
+              <a:gd name="connsiteX3" fmla="*/ 1673256 w 1956649"/>
+              <a:gd name="connsiteY3" fmla="*/ 369062 h 1298564"/>
+              <a:gd name="connsiteX4" fmla="*/ 1956649 w 1956649"/>
+              <a:gd name="connsiteY4" fmla="*/ 0 h 1298564"/>
+              <a:gd name="connsiteX0" fmla="*/ 0 w 1956649"/>
+              <a:gd name="connsiteY0" fmla="*/ 1298564 h 1298564"/>
+              <a:gd name="connsiteX1" fmla="*/ 690532 w 1956649"/>
+              <a:gd name="connsiteY1" fmla="*/ 969493 h 1298564"/>
+              <a:gd name="connsiteX2" fmla="*/ 1275601 w 1956649"/>
+              <a:gd name="connsiteY2" fmla="*/ 668191 h 1298564"/>
+              <a:gd name="connsiteX3" fmla="*/ 1673256 w 1956649"/>
+              <a:gd name="connsiteY3" fmla="*/ 369062 h 1298564"/>
+              <a:gd name="connsiteX4" fmla="*/ 1956649 w 1956649"/>
+              <a:gd name="connsiteY4" fmla="*/ 0 h 1298564"/>
+              <a:gd name="connsiteX0" fmla="*/ 0 w 1956649"/>
+              <a:gd name="connsiteY0" fmla="*/ 1298564 h 1298564"/>
+              <a:gd name="connsiteX1" fmla="*/ 690532 w 1956649"/>
+              <a:gd name="connsiteY1" fmla="*/ 969493 h 1298564"/>
+              <a:gd name="connsiteX2" fmla="*/ 1275601 w 1956649"/>
+              <a:gd name="connsiteY2" fmla="*/ 668191 h 1298564"/>
+              <a:gd name="connsiteX3" fmla="*/ 1644020 w 1956649"/>
+              <a:gd name="connsiteY3" fmla="*/ 382992 h 1298564"/>
+              <a:gd name="connsiteX4" fmla="*/ 1956649 w 1956649"/>
+              <a:gd name="connsiteY4" fmla="*/ 0 h 1298564"/>
+              <a:gd name="connsiteX0" fmla="*/ 0 w 1956649"/>
+              <a:gd name="connsiteY0" fmla="*/ 1298564 h 1298564"/>
+              <a:gd name="connsiteX1" fmla="*/ 710022 w 1956649"/>
+              <a:gd name="connsiteY1" fmla="*/ 997353 h 1298564"/>
+              <a:gd name="connsiteX2" fmla="*/ 1275601 w 1956649"/>
+              <a:gd name="connsiteY2" fmla="*/ 668191 h 1298564"/>
+              <a:gd name="connsiteX3" fmla="*/ 1644020 w 1956649"/>
+              <a:gd name="connsiteY3" fmla="*/ 382992 h 1298564"/>
+              <a:gd name="connsiteX4" fmla="*/ 1956649 w 1956649"/>
+              <a:gd name="connsiteY4" fmla="*/ 0 h 1298564"/>
+              <a:gd name="connsiteX0" fmla="*/ 0 w 1956649"/>
+              <a:gd name="connsiteY0" fmla="*/ 1298564 h 1298564"/>
+              <a:gd name="connsiteX1" fmla="*/ 710022 w 1956649"/>
+              <a:gd name="connsiteY1" fmla="*/ 997353 h 1298564"/>
+              <a:gd name="connsiteX2" fmla="*/ 1275601 w 1956649"/>
+              <a:gd name="connsiteY2" fmla="*/ 668191 h 1298564"/>
+              <a:gd name="connsiteX3" fmla="*/ 1527079 w 1956649"/>
+              <a:gd name="connsiteY3" fmla="*/ 355132 h 1298564"/>
+              <a:gd name="connsiteX4" fmla="*/ 1956649 w 1956649"/>
+              <a:gd name="connsiteY4" fmla="*/ 0 h 1298564"/>
+              <a:gd name="connsiteX0" fmla="*/ 0 w 1956649"/>
+              <a:gd name="connsiteY0" fmla="*/ 1298564 h 1298564"/>
+              <a:gd name="connsiteX1" fmla="*/ 710022 w 1956649"/>
+              <a:gd name="connsiteY1" fmla="*/ 997353 h 1298564"/>
+              <a:gd name="connsiteX2" fmla="*/ 1139170 w 1956649"/>
+              <a:gd name="connsiteY2" fmla="*/ 612471 h 1298564"/>
+              <a:gd name="connsiteX3" fmla="*/ 1527079 w 1956649"/>
+              <a:gd name="connsiteY3" fmla="*/ 355132 h 1298564"/>
+              <a:gd name="connsiteX4" fmla="*/ 1956649 w 1956649"/>
+              <a:gd name="connsiteY4" fmla="*/ 0 h 1298564"/>
+              <a:gd name="connsiteX0" fmla="*/ 0 w 1956649"/>
+              <a:gd name="connsiteY0" fmla="*/ 1298564 h 1298564"/>
+              <a:gd name="connsiteX1" fmla="*/ 641806 w 1956649"/>
+              <a:gd name="connsiteY1" fmla="*/ 885913 h 1298564"/>
+              <a:gd name="connsiteX2" fmla="*/ 1139170 w 1956649"/>
+              <a:gd name="connsiteY2" fmla="*/ 612471 h 1298564"/>
+              <a:gd name="connsiteX3" fmla="*/ 1527079 w 1956649"/>
+              <a:gd name="connsiteY3" fmla="*/ 355132 h 1298564"/>
+              <a:gd name="connsiteX4" fmla="*/ 1956649 w 1956649"/>
+              <a:gd name="connsiteY4" fmla="*/ 0 h 1298564"/>
+              <a:gd name="connsiteX0" fmla="*/ 0 w 1868943"/>
+              <a:gd name="connsiteY0" fmla="*/ 1235880 h 1235880"/>
+              <a:gd name="connsiteX1" fmla="*/ 641806 w 1868943"/>
+              <a:gd name="connsiteY1" fmla="*/ 823229 h 1235880"/>
+              <a:gd name="connsiteX2" fmla="*/ 1139170 w 1868943"/>
+              <a:gd name="connsiteY2" fmla="*/ 549787 h 1235880"/>
+              <a:gd name="connsiteX3" fmla="*/ 1527079 w 1868943"/>
+              <a:gd name="connsiteY3" fmla="*/ 292448 h 1235880"/>
+              <a:gd name="connsiteX4" fmla="*/ 1868943 w 1868943"/>
+              <a:gd name="connsiteY4" fmla="*/ 0 h 1235880"/>
+              <a:gd name="connsiteX0" fmla="*/ 0 w 1868943"/>
+              <a:gd name="connsiteY0" fmla="*/ 1235880 h 1235880"/>
+              <a:gd name="connsiteX1" fmla="*/ 641806 w 1868943"/>
+              <a:gd name="connsiteY1" fmla="*/ 823229 h 1235880"/>
+              <a:gd name="connsiteX2" fmla="*/ 1139170 w 1868943"/>
+              <a:gd name="connsiteY2" fmla="*/ 549787 h 1235880"/>
+              <a:gd name="connsiteX3" fmla="*/ 1527079 w 1868943"/>
+              <a:gd name="connsiteY3" fmla="*/ 292448 h 1235880"/>
+              <a:gd name="connsiteX4" fmla="*/ 1868943 w 1868943"/>
+              <a:gd name="connsiteY4" fmla="*/ 0 h 1235880"/>
+              <a:gd name="connsiteX0" fmla="*/ 0 w 1868943"/>
+              <a:gd name="connsiteY0" fmla="*/ 1235880 h 1235880"/>
+              <a:gd name="connsiteX1" fmla="*/ 641806 w 1868943"/>
+              <a:gd name="connsiteY1" fmla="*/ 823229 h 1235880"/>
+              <a:gd name="connsiteX2" fmla="*/ 1139170 w 1868943"/>
+              <a:gd name="connsiteY2" fmla="*/ 549787 h 1235880"/>
+              <a:gd name="connsiteX3" fmla="*/ 1527079 w 1868943"/>
+              <a:gd name="connsiteY3" fmla="*/ 292448 h 1235880"/>
+              <a:gd name="connsiteX4" fmla="*/ 1868943 w 1868943"/>
+              <a:gd name="connsiteY4" fmla="*/ 0 h 1235880"/>
+              <a:gd name="connsiteX0" fmla="*/ 0 w 1722767"/>
+              <a:gd name="connsiteY0" fmla="*/ 1033896 h 1033896"/>
+              <a:gd name="connsiteX1" fmla="*/ 495630 w 1722767"/>
+              <a:gd name="connsiteY1" fmla="*/ 823229 h 1033896"/>
+              <a:gd name="connsiteX2" fmla="*/ 992994 w 1722767"/>
+              <a:gd name="connsiteY2" fmla="*/ 549787 h 1033896"/>
+              <a:gd name="connsiteX3" fmla="*/ 1380903 w 1722767"/>
+              <a:gd name="connsiteY3" fmla="*/ 292448 h 1033896"/>
+              <a:gd name="connsiteX4" fmla="*/ 1722767 w 1722767"/>
+              <a:gd name="connsiteY4" fmla="*/ 0 h 1033896"/>
+            </a:gdLst>
+            <a:ahLst/>
+            <a:cxnLst>
+              <a:cxn ang="0">
+                <a:pos x="connsiteX0" y="connsiteY0"/>
+              </a:cxn>
+              <a:cxn ang="0">
+                <a:pos x="connsiteX1" y="connsiteY1"/>
+              </a:cxn>
+              <a:cxn ang="0">
+                <a:pos x="connsiteX2" y="connsiteY2"/>
+              </a:cxn>
+              <a:cxn ang="0">
+                <a:pos x="connsiteX3" y="connsiteY3"/>
+              </a:cxn>
+              <a:cxn ang="0">
+                <a:pos x="connsiteX4" y="connsiteY4"/>
+              </a:cxn>
+            </a:cxnLst>
+            <a:rect l="l" t="t" r="r" b="b"/>
+            <a:pathLst>
+              <a:path w="1722767" h="1033896">
+                <a:moveTo>
+                  <a:pt x="0" y="1033896"/>
+                </a:moveTo>
+                <a:cubicBezTo>
+                  <a:pt x="167645" y="986690"/>
+                  <a:pt x="330131" y="903914"/>
+                  <a:pt x="495630" y="823229"/>
+                </a:cubicBezTo>
+                <a:cubicBezTo>
+                  <a:pt x="661129" y="742544"/>
+                  <a:pt x="845449" y="638250"/>
+                  <a:pt x="992994" y="549787"/>
+                </a:cubicBezTo>
+                <a:cubicBezTo>
+                  <a:pt x="1140539" y="461324"/>
+                  <a:pt x="1259274" y="384079"/>
+                  <a:pt x="1380903" y="292448"/>
+                </a:cubicBezTo>
+                <a:cubicBezTo>
+                  <a:pt x="1502532" y="200817"/>
+                  <a:pt x="1471786" y="207577"/>
+                  <a:pt x="1722767" y="0"/>
+                </a:cubicBezTo>
+              </a:path>
+            </a:pathLst>
+          </a:custGeom>
+          <a:ln w="31750">
+            <a:solidFill>
+              <a:schemeClr val="accent2"/>
+            </a:solidFill>
+            <a:prstDash val="solid"/>
+            <a:headEnd type="arrow" w="med" len="med"/>
+            <a:tailEnd type="none" w="lg" len="lg"/>
+          </a:ln>
+        </p:spPr>
+        <p:style>
+          <a:lnRef idx="1">
+            <a:schemeClr val="dk1"/>
+          </a:lnRef>
+          <a:fillRef idx="0">
+            <a:schemeClr val="dk1"/>
+          </a:fillRef>
+          <a:effectRef idx="0">
+            <a:schemeClr val="dk1"/>
+          </a:effectRef>
+          <a:fontRef idx="minor">
+            <a:schemeClr val="tx1"/>
+          </a:fontRef>
+        </p:style>
+        <p:txBody>
+          <a:bodyPr rtlCol="0" anchor="ctr"/>
+          <a:lstStyle/>
+          <a:p>
+            <a:pPr algn="ctr"/>
+            <a:endParaRPr kumimoji="1" lang="ja-JP" altLang="en-US"/>
+          </a:p>
+        </p:txBody>
+      </p:sp>
+    </p:spTree>
+    <p:extLst>
+      <p:ext uri="{BB962C8B-B14F-4D97-AF65-F5344CB8AC3E}">
+        <p14:creationId xmlns:p14="http://schemas.microsoft.com/office/powerpoint/2010/main" val="3037201346"/>
+      </p:ext>
+    </p:extLst>
+  </p:cSld>
+  <p:clrMapOvr>
+    <a:masterClrMapping/>
+  </p:clrMapOvr>
+</p:sld>
+</file>
+
+<file path=ppt/slides/slide7.xml><?xml version="1.0" encoding="utf-8"?>
+<p:sld xmlns:a="http://schemas.openxmlformats.org/drawingml/2006/main" xmlns:r="http://schemas.openxmlformats.org/officeDocument/2006/relationships" xmlns:p="http://schemas.openxmlformats.org/presentationml/2006/main">
+  <p:cSld>
+    <p:spTree>
+      <p:nvGrpSpPr>
+        <p:cNvPr id="1" name=""/>
+        <p:cNvGrpSpPr/>
+        <p:nvPr/>
+      </p:nvGrpSpPr>
+      <p:grpSpPr>
+        <a:xfrm>
+          <a:off x="0" y="0"/>
+          <a:ext cx="0" cy="0"/>
+          <a:chOff x="0" y="0"/>
+          <a:chExt cx="0" cy="0"/>
+        </a:xfrm>
+      </p:grpSpPr>
       <p:pic>
         <p:nvPicPr>
           <p:cNvPr id="40" name="Picture 39"/>
@@ -5257,7 +11757,7 @@
 </p:sld>
 </file>
 
-<file path=ppt/slides/slide4.xml><?xml version="1.0" encoding="utf-8"?>
+<file path=ppt/slides/slide8.xml><?xml version="1.0" encoding="utf-8"?>
 <p:sld xmlns:a="http://schemas.openxmlformats.org/drawingml/2006/main" xmlns:r="http://schemas.openxmlformats.org/officeDocument/2006/relationships" xmlns:p="http://schemas.openxmlformats.org/presentationml/2006/main">
   <p:cSld>
     <p:spTree>
@@ -5800,7 +12300,7 @@
 </p:sld>
 </file>
 
-<file path=ppt/slides/slide5.xml><?xml version="1.0" encoding="utf-8"?>
+<file path=ppt/slides/slide9.xml><?xml version="1.0" encoding="utf-8"?>
 <p:sld xmlns:a="http://schemas.openxmlformats.org/drawingml/2006/main" xmlns:r="http://schemas.openxmlformats.org/officeDocument/2006/relationships" xmlns:p="http://schemas.openxmlformats.org/presentationml/2006/main">
   <p:cSld>
     <p:spTree>
@@ -5848,201 +12348,6 @@
         </p:spPr>
       </p:pic>
     </p:spTree>
-  </p:cSld>
-  <p:clrMapOvr>
-    <a:masterClrMapping/>
-  </p:clrMapOvr>
-</p:sld>
-</file>
-
-<file path=ppt/slides/slide6.xml><?xml version="1.0" encoding="utf-8"?>
-<p:sld xmlns:a="http://schemas.openxmlformats.org/drawingml/2006/main" xmlns:r="http://schemas.openxmlformats.org/officeDocument/2006/relationships" xmlns:p="http://schemas.openxmlformats.org/presentationml/2006/main">
-  <p:cSld>
-    <p:spTree>
-      <p:nvGrpSpPr>
-        <p:cNvPr id="1" name=""/>
-        <p:cNvGrpSpPr/>
-        <p:nvPr/>
-      </p:nvGrpSpPr>
-      <p:grpSpPr>
-        <a:xfrm>
-          <a:off x="0" y="0"/>
-          <a:ext cx="0" cy="0"/>
-          <a:chOff x="0" y="0"/>
-          <a:chExt cx="0" cy="0"/>
-        </a:xfrm>
-      </p:grpSpPr>
-      <p:pic>
-        <p:nvPicPr>
-          <p:cNvPr id="2" name="図 1">
-            <a:extLst>
-              <a:ext uri="{FF2B5EF4-FFF2-40B4-BE49-F238E27FC236}">
-                <a16:creationId xmlns:a16="http://schemas.microsoft.com/office/drawing/2014/main" id="{19E06FE6-7958-4E63-9C8B-007DB8668330}"/>
-              </a:ext>
-            </a:extLst>
-          </p:cNvPr>
-          <p:cNvPicPr>
-            <a:picLocks noChangeAspect="1"/>
-          </p:cNvPicPr>
-          <p:nvPr/>
-        </p:nvPicPr>
-        <p:blipFill>
-          <a:blip r:embed="rId2"/>
-          <a:stretch>
-            <a:fillRect/>
-          </a:stretch>
-        </p:blipFill>
-        <p:spPr>
-          <a:xfrm>
-            <a:off x="276310" y="331480"/>
-            <a:ext cx="7200000" cy="6124139"/>
-          </a:xfrm>
-          <a:prstGeom prst="rect">
-            <a:avLst/>
-          </a:prstGeom>
-        </p:spPr>
-      </p:pic>
-    </p:spTree>
-  </p:cSld>
-  <p:clrMapOvr>
-    <a:masterClrMapping/>
-  </p:clrMapOvr>
-</p:sld>
-</file>
-
-<file path=ppt/slides/slide7.xml><?xml version="1.0" encoding="utf-8"?>
-<p:sld xmlns:a="http://schemas.openxmlformats.org/drawingml/2006/main" xmlns:r="http://schemas.openxmlformats.org/officeDocument/2006/relationships" xmlns:p="http://schemas.openxmlformats.org/presentationml/2006/main">
-  <p:cSld>
-    <p:spTree>
-      <p:nvGrpSpPr>
-        <p:cNvPr id="1" name=""/>
-        <p:cNvGrpSpPr/>
-        <p:nvPr/>
-      </p:nvGrpSpPr>
-      <p:grpSpPr>
-        <a:xfrm>
-          <a:off x="0" y="0"/>
-          <a:ext cx="0" cy="0"/>
-          <a:chOff x="0" y="0"/>
-          <a:chExt cx="0" cy="0"/>
-        </a:xfrm>
-      </p:grpSpPr>
-      <p:pic>
-        <p:nvPicPr>
-          <p:cNvPr id="2" name="図 1">
-            <a:extLst>
-              <a:ext uri="{FF2B5EF4-FFF2-40B4-BE49-F238E27FC236}">
-                <a16:creationId xmlns:a16="http://schemas.microsoft.com/office/drawing/2014/main" id="{EA692ED9-4009-40E7-BF6A-1F07DEB42D1B}"/>
-              </a:ext>
-            </a:extLst>
-          </p:cNvPr>
-          <p:cNvPicPr>
-            <a:picLocks noChangeAspect="1"/>
-          </p:cNvPicPr>
-          <p:nvPr/>
-        </p:nvPicPr>
-        <p:blipFill>
-          <a:blip r:embed="rId2"/>
-          <a:stretch>
-            <a:fillRect/>
-          </a:stretch>
-        </p:blipFill>
-        <p:spPr>
-          <a:xfrm>
-            <a:off x="387712" y="198437"/>
-            <a:ext cx="7200000" cy="6124139"/>
-          </a:xfrm>
-          <a:prstGeom prst="rect">
-            <a:avLst/>
-          </a:prstGeom>
-        </p:spPr>
-      </p:pic>
-    </p:spTree>
-  </p:cSld>
-  <p:clrMapOvr>
-    <a:masterClrMapping/>
-  </p:clrMapOvr>
-</p:sld>
-</file>
-
-<file path=ppt/slides/slide8.xml><?xml version="1.0" encoding="utf-8"?>
-<p:sld xmlns:a="http://schemas.openxmlformats.org/drawingml/2006/main" xmlns:r="http://schemas.openxmlformats.org/officeDocument/2006/relationships" xmlns:p="http://schemas.openxmlformats.org/presentationml/2006/main">
-  <p:cSld>
-    <p:spTree>
-      <p:nvGrpSpPr>
-        <p:cNvPr id="1" name=""/>
-        <p:cNvGrpSpPr/>
-        <p:nvPr/>
-      </p:nvGrpSpPr>
-      <p:grpSpPr>
-        <a:xfrm>
-          <a:off x="0" y="0"/>
-          <a:ext cx="0" cy="0"/>
-          <a:chOff x="0" y="0"/>
-          <a:chExt cx="0" cy="0"/>
-        </a:xfrm>
-      </p:grpSpPr>
-      <p:pic>
-        <p:nvPicPr>
-          <p:cNvPr id="2" name="図 1">
-            <a:extLst>
-              <a:ext uri="{FF2B5EF4-FFF2-40B4-BE49-F238E27FC236}">
-                <a16:creationId xmlns:a16="http://schemas.microsoft.com/office/drawing/2014/main" id="{B81CE780-9613-4851-9096-A840942777D8}"/>
-              </a:ext>
-            </a:extLst>
-          </p:cNvPr>
-          <p:cNvPicPr>
-            <a:picLocks noChangeAspect="1"/>
-          </p:cNvPicPr>
-          <p:nvPr/>
-        </p:nvPicPr>
-        <p:blipFill>
-          <a:blip r:embed="rId2"/>
-          <a:stretch>
-            <a:fillRect/>
-          </a:stretch>
-        </p:blipFill>
-        <p:spPr>
-          <a:xfrm>
-            <a:off x="462572" y="359304"/>
-            <a:ext cx="7200000" cy="6124139"/>
-          </a:xfrm>
-          <a:prstGeom prst="rect">
-            <a:avLst/>
-          </a:prstGeom>
-        </p:spPr>
-      </p:pic>
-    </p:spTree>
-  </p:cSld>
-  <p:clrMapOvr>
-    <a:masterClrMapping/>
-  </p:clrMapOvr>
-</p:sld>
-</file>
-
-<file path=ppt/slides/slide9.xml><?xml version="1.0" encoding="utf-8"?>
-<p:sld xmlns:a="http://schemas.openxmlformats.org/drawingml/2006/main" xmlns:r="http://schemas.openxmlformats.org/officeDocument/2006/relationships" xmlns:p="http://schemas.openxmlformats.org/presentationml/2006/main">
-  <p:cSld>
-    <p:spTree>
-      <p:nvGrpSpPr>
-        <p:cNvPr id="1" name=""/>
-        <p:cNvGrpSpPr/>
-        <p:nvPr/>
-      </p:nvGrpSpPr>
-      <p:grpSpPr>
-        <a:xfrm>
-          <a:off x="0" y="0"/>
-          <a:ext cx="0" cy="0"/>
-          <a:chOff x="0" y="0"/>
-          <a:chExt cx="0" cy="0"/>
-        </a:xfrm>
-      </p:grpSpPr>
-    </p:spTree>
-    <p:extLst>
-      <p:ext uri="{BB962C8B-B14F-4D97-AF65-F5344CB8AC3E}">
-        <p14:creationId xmlns:p14="http://schemas.microsoft.com/office/powerpoint/2010/main" val="3689192767"/>
-      </p:ext>
-    </p:extLst>
   </p:cSld>
   <p:clrMapOvr>
     <a:masterClrMapping/>

--- a/figs/makeFig.pptx
+++ b/figs/makeFig.pptx
@@ -5,20 +5,22 @@
     <p:sldMasterId id="2147483648" r:id="rId1"/>
   </p:sldMasterIdLst>
   <p:sldIdLst>
-    <p:sldId id="341" r:id="rId2"/>
-    <p:sldId id="342" r:id="rId3"/>
-    <p:sldId id="343" r:id="rId4"/>
-    <p:sldId id="345" r:id="rId5"/>
-    <p:sldId id="344" r:id="rId6"/>
-    <p:sldId id="346" r:id="rId7"/>
-    <p:sldId id="256" r:id="rId8"/>
-    <p:sldId id="257" r:id="rId9"/>
-    <p:sldId id="258" r:id="rId10"/>
-    <p:sldId id="259" r:id="rId11"/>
-    <p:sldId id="260" r:id="rId12"/>
-    <p:sldId id="261" r:id="rId13"/>
-    <p:sldId id="273" r:id="rId14"/>
-    <p:sldId id="265" r:id="rId15"/>
+    <p:sldId id="322" r:id="rId2"/>
+    <p:sldId id="347" r:id="rId3"/>
+    <p:sldId id="341" r:id="rId4"/>
+    <p:sldId id="342" r:id="rId5"/>
+    <p:sldId id="343" r:id="rId6"/>
+    <p:sldId id="345" r:id="rId7"/>
+    <p:sldId id="344" r:id="rId8"/>
+    <p:sldId id="346" r:id="rId9"/>
+    <p:sldId id="256" r:id="rId10"/>
+    <p:sldId id="257" r:id="rId11"/>
+    <p:sldId id="258" r:id="rId12"/>
+    <p:sldId id="259" r:id="rId13"/>
+    <p:sldId id="260" r:id="rId14"/>
+    <p:sldId id="261" r:id="rId15"/>
+    <p:sldId id="273" r:id="rId16"/>
+    <p:sldId id="265" r:id="rId17"/>
   </p:sldIdLst>
   <p:sldSz cx="10080625" cy="7559675"/>
   <p:notesSz cx="7559675" cy="10691813"/>
@@ -1900,6 +1902,3535 @@
           <a:chExt cx="0" cy="0"/>
         </a:xfrm>
       </p:grpSpPr>
+      <p:grpSp>
+        <p:nvGrpSpPr>
+          <p:cNvPr id="13" name="グループ化 12"/>
+          <p:cNvGrpSpPr/>
+          <p:nvPr/>
+        </p:nvGrpSpPr>
+        <p:grpSpPr>
+          <a:xfrm>
+            <a:off x="2981693" y="1867986"/>
+            <a:ext cx="2758117" cy="2940070"/>
+            <a:chOff x="1472013" y="1588053"/>
+            <a:chExt cx="3196511" cy="3013730"/>
+          </a:xfrm>
+        </p:grpSpPr>
+        <p:sp>
+          <p:nvSpPr>
+            <p:cNvPr id="2" name="フリーフォーム: 図形 1"/>
+            <p:cNvSpPr/>
+            <p:nvPr/>
+          </p:nvSpPr>
+          <p:spPr>
+            <a:xfrm>
+              <a:off x="1520216" y="1588053"/>
+              <a:ext cx="3148308" cy="2995043"/>
+            </a:xfrm>
+            <a:custGeom>
+              <a:avLst/>
+              <a:gdLst>
+                <a:gd name="connsiteX0" fmla="*/ 0 w 1915886"/>
+                <a:gd name="connsiteY0" fmla="*/ 1576251 h 1576251"/>
+                <a:gd name="connsiteX1" fmla="*/ 539932 w 1915886"/>
+                <a:gd name="connsiteY1" fmla="*/ 1471748 h 1576251"/>
+                <a:gd name="connsiteX2" fmla="*/ 1210492 w 1915886"/>
+                <a:gd name="connsiteY2" fmla="*/ 1140823 h 1576251"/>
+                <a:gd name="connsiteX3" fmla="*/ 1672046 w 1915886"/>
+                <a:gd name="connsiteY3" fmla="*/ 670560 h 1576251"/>
+                <a:gd name="connsiteX4" fmla="*/ 1863634 w 1915886"/>
+                <a:gd name="connsiteY4" fmla="*/ 217714 h 1576251"/>
+                <a:gd name="connsiteX5" fmla="*/ 1915886 w 1915886"/>
+                <a:gd name="connsiteY5" fmla="*/ 0 h 1576251"/>
+                <a:gd name="connsiteX0-1" fmla="*/ 0 w 1915886"/>
+                <a:gd name="connsiteY0-2" fmla="*/ 1576251 h 1576251"/>
+                <a:gd name="connsiteX1-3" fmla="*/ 559285 w 1915886"/>
+                <a:gd name="connsiteY1-4" fmla="*/ 1402080 h 1576251"/>
+                <a:gd name="connsiteX2-5" fmla="*/ 1210492 w 1915886"/>
+                <a:gd name="connsiteY2-6" fmla="*/ 1140823 h 1576251"/>
+                <a:gd name="connsiteX3-7" fmla="*/ 1672046 w 1915886"/>
+                <a:gd name="connsiteY3-8" fmla="*/ 670560 h 1576251"/>
+                <a:gd name="connsiteX4-9" fmla="*/ 1863634 w 1915886"/>
+                <a:gd name="connsiteY4-10" fmla="*/ 217714 h 1576251"/>
+                <a:gd name="connsiteX5-11" fmla="*/ 1915886 w 1915886"/>
+                <a:gd name="connsiteY5-12" fmla="*/ 0 h 1576251"/>
+                <a:gd name="connsiteX0-13" fmla="*/ 0 w 1915886"/>
+                <a:gd name="connsiteY0-14" fmla="*/ 1576251 h 1576251"/>
+                <a:gd name="connsiteX1-15" fmla="*/ 559285 w 1915886"/>
+                <a:gd name="connsiteY1-16" fmla="*/ 1402080 h 1576251"/>
+                <a:gd name="connsiteX2-17" fmla="*/ 1152436 w 1915886"/>
+                <a:gd name="connsiteY2-18" fmla="*/ 1079863 h 1576251"/>
+                <a:gd name="connsiteX3-19" fmla="*/ 1672046 w 1915886"/>
+                <a:gd name="connsiteY3-20" fmla="*/ 670560 h 1576251"/>
+                <a:gd name="connsiteX4-21" fmla="*/ 1863634 w 1915886"/>
+                <a:gd name="connsiteY4-22" fmla="*/ 217714 h 1576251"/>
+                <a:gd name="connsiteX5-23" fmla="*/ 1915886 w 1915886"/>
+                <a:gd name="connsiteY5-24" fmla="*/ 0 h 1576251"/>
+                <a:gd name="connsiteX0-25" fmla="*/ 0 w 1915886"/>
+                <a:gd name="connsiteY0-26" fmla="*/ 1576251 h 1576251"/>
+                <a:gd name="connsiteX1-27" fmla="*/ 559285 w 1915886"/>
+                <a:gd name="connsiteY1-28" fmla="*/ 1402080 h 1576251"/>
+                <a:gd name="connsiteX2-29" fmla="*/ 1152436 w 1915886"/>
+                <a:gd name="connsiteY2-30" fmla="*/ 1079863 h 1576251"/>
+                <a:gd name="connsiteX3-31" fmla="*/ 1555931 w 1915886"/>
+                <a:gd name="connsiteY3-32" fmla="*/ 687977 h 1576251"/>
+                <a:gd name="connsiteX4-33" fmla="*/ 1863634 w 1915886"/>
+                <a:gd name="connsiteY4-34" fmla="*/ 217714 h 1576251"/>
+                <a:gd name="connsiteX5-35" fmla="*/ 1915886 w 1915886"/>
+                <a:gd name="connsiteY5-36" fmla="*/ 0 h 1576251"/>
+                <a:gd name="connsiteX0-37" fmla="*/ 0 w 1915886"/>
+                <a:gd name="connsiteY0-38" fmla="*/ 1576251 h 1576251"/>
+                <a:gd name="connsiteX1-39" fmla="*/ 559285 w 1915886"/>
+                <a:gd name="connsiteY1-40" fmla="*/ 1402080 h 1576251"/>
+                <a:gd name="connsiteX2-41" fmla="*/ 1152436 w 1915886"/>
+                <a:gd name="connsiteY2-42" fmla="*/ 1079863 h 1576251"/>
+                <a:gd name="connsiteX3-43" fmla="*/ 1555931 w 1915886"/>
+                <a:gd name="connsiteY3-44" fmla="*/ 687977 h 1576251"/>
+                <a:gd name="connsiteX4-45" fmla="*/ 1786225 w 1915886"/>
+                <a:gd name="connsiteY4-46" fmla="*/ 322217 h 1576251"/>
+                <a:gd name="connsiteX5-47" fmla="*/ 1915886 w 1915886"/>
+                <a:gd name="connsiteY5-48" fmla="*/ 0 h 1576251"/>
+                <a:gd name="connsiteX0-49" fmla="*/ 0 w 1915886"/>
+                <a:gd name="connsiteY0-50" fmla="*/ 1576251 h 1576251"/>
+                <a:gd name="connsiteX1-51" fmla="*/ 559285 w 1915886"/>
+                <a:gd name="connsiteY1-52" fmla="*/ 1402080 h 1576251"/>
+                <a:gd name="connsiteX2-53" fmla="*/ 1152436 w 1915886"/>
+                <a:gd name="connsiteY2-54" fmla="*/ 1079863 h 1576251"/>
+                <a:gd name="connsiteX3-55" fmla="*/ 1555931 w 1915886"/>
+                <a:gd name="connsiteY3-56" fmla="*/ 687977 h 1576251"/>
+                <a:gd name="connsiteX4-57" fmla="*/ 1786225 w 1915886"/>
+                <a:gd name="connsiteY4-58" fmla="*/ 365760 h 1576251"/>
+                <a:gd name="connsiteX5-59" fmla="*/ 1915886 w 1915886"/>
+                <a:gd name="connsiteY5-60" fmla="*/ 0 h 1576251"/>
+                <a:gd name="connsiteX0-61" fmla="*/ 0 w 1915886"/>
+                <a:gd name="connsiteY0-62" fmla="*/ 1576251 h 1576251"/>
+                <a:gd name="connsiteX1-63" fmla="*/ 559285 w 1915886"/>
+                <a:gd name="connsiteY1-64" fmla="*/ 1402080 h 1576251"/>
+                <a:gd name="connsiteX2-65" fmla="*/ 1152436 w 1915886"/>
+                <a:gd name="connsiteY2-66" fmla="*/ 1079863 h 1576251"/>
+                <a:gd name="connsiteX3-67" fmla="*/ 1555931 w 1915886"/>
+                <a:gd name="connsiteY3-68" fmla="*/ 687977 h 1576251"/>
+                <a:gd name="connsiteX4-69" fmla="*/ 1786225 w 1915886"/>
+                <a:gd name="connsiteY4-70" fmla="*/ 365760 h 1576251"/>
+                <a:gd name="connsiteX5-71" fmla="*/ 1915886 w 1915886"/>
+                <a:gd name="connsiteY5-72" fmla="*/ 0 h 1576251"/>
+                <a:gd name="connsiteX0-73" fmla="*/ 0 w 1915886"/>
+                <a:gd name="connsiteY0-74" fmla="*/ 1576251 h 1576251"/>
+                <a:gd name="connsiteX1-75" fmla="*/ 559285 w 1915886"/>
+                <a:gd name="connsiteY1-76" fmla="*/ 1402080 h 1576251"/>
+                <a:gd name="connsiteX2-77" fmla="*/ 1152436 w 1915886"/>
+                <a:gd name="connsiteY2-78" fmla="*/ 1079863 h 1576251"/>
+                <a:gd name="connsiteX3-79" fmla="*/ 1555931 w 1915886"/>
+                <a:gd name="connsiteY3-80" fmla="*/ 687977 h 1576251"/>
+                <a:gd name="connsiteX4-81" fmla="*/ 1786225 w 1915886"/>
+                <a:gd name="connsiteY4-82" fmla="*/ 365760 h 1576251"/>
+                <a:gd name="connsiteX5-83" fmla="*/ 1915886 w 1915886"/>
+                <a:gd name="connsiteY5-84" fmla="*/ 0 h 1576251"/>
+                <a:gd name="connsiteX0-85" fmla="*/ 0 w 1915886"/>
+                <a:gd name="connsiteY0-86" fmla="*/ 1576251 h 1576251"/>
+                <a:gd name="connsiteX1-87" fmla="*/ 559285 w 1915886"/>
+                <a:gd name="connsiteY1-88" fmla="*/ 1402080 h 1576251"/>
+                <a:gd name="connsiteX2-89" fmla="*/ 1152436 w 1915886"/>
+                <a:gd name="connsiteY2-90" fmla="*/ 1079863 h 1576251"/>
+                <a:gd name="connsiteX3-91" fmla="*/ 1517227 w 1915886"/>
+                <a:gd name="connsiteY3-92" fmla="*/ 722812 h 1576251"/>
+                <a:gd name="connsiteX4-93" fmla="*/ 1786225 w 1915886"/>
+                <a:gd name="connsiteY4-94" fmla="*/ 365760 h 1576251"/>
+                <a:gd name="connsiteX5-95" fmla="*/ 1915886 w 1915886"/>
+                <a:gd name="connsiteY5-96" fmla="*/ 0 h 1576251"/>
+                <a:gd name="connsiteX0-97" fmla="*/ 0 w 1915886"/>
+                <a:gd name="connsiteY0-98" fmla="*/ 1576251 h 1576251"/>
+                <a:gd name="connsiteX1-99" fmla="*/ 559285 w 1915886"/>
+                <a:gd name="connsiteY1-100" fmla="*/ 1402080 h 1576251"/>
+                <a:gd name="connsiteX2-101" fmla="*/ 1152436 w 1915886"/>
+                <a:gd name="connsiteY2-102" fmla="*/ 1079863 h 1576251"/>
+                <a:gd name="connsiteX3-103" fmla="*/ 1517227 w 1915886"/>
+                <a:gd name="connsiteY3-104" fmla="*/ 722812 h 1576251"/>
+                <a:gd name="connsiteX4-105" fmla="*/ 1786225 w 1915886"/>
+                <a:gd name="connsiteY4-106" fmla="*/ 365760 h 1576251"/>
+                <a:gd name="connsiteX5-107" fmla="*/ 1915886 w 1915886"/>
+                <a:gd name="connsiteY5-108" fmla="*/ 0 h 1576251"/>
+                <a:gd name="connsiteX0-109" fmla="*/ 0 w 1915886"/>
+                <a:gd name="connsiteY0-110" fmla="*/ 1576251 h 1576251"/>
+                <a:gd name="connsiteX1-111" fmla="*/ 539189 w 1915886"/>
+                <a:gd name="connsiteY1-112" fmla="*/ 1381542 h 1576251"/>
+                <a:gd name="connsiteX2-113" fmla="*/ 1152436 w 1915886"/>
+                <a:gd name="connsiteY2-114" fmla="*/ 1079863 h 1576251"/>
+                <a:gd name="connsiteX3-115" fmla="*/ 1517227 w 1915886"/>
+                <a:gd name="connsiteY3-116" fmla="*/ 722812 h 1576251"/>
+                <a:gd name="connsiteX4-117" fmla="*/ 1786225 w 1915886"/>
+                <a:gd name="connsiteY4-118" fmla="*/ 365760 h 1576251"/>
+                <a:gd name="connsiteX5-119" fmla="*/ 1915886 w 1915886"/>
+                <a:gd name="connsiteY5-120" fmla="*/ 0 h 1576251"/>
+                <a:gd name="connsiteX0-121" fmla="*/ 0 w 1915886"/>
+                <a:gd name="connsiteY0-122" fmla="*/ 1576251 h 1576251"/>
+                <a:gd name="connsiteX1-123" fmla="*/ 539189 w 1915886"/>
+                <a:gd name="connsiteY1-124" fmla="*/ 1381542 h 1576251"/>
+                <a:gd name="connsiteX2-125" fmla="*/ 1125641 w 1915886"/>
+                <a:gd name="connsiteY2-126" fmla="*/ 1074728 h 1576251"/>
+                <a:gd name="connsiteX3-127" fmla="*/ 1517227 w 1915886"/>
+                <a:gd name="connsiteY3-128" fmla="*/ 722812 h 1576251"/>
+                <a:gd name="connsiteX4-129" fmla="*/ 1786225 w 1915886"/>
+                <a:gd name="connsiteY4-130" fmla="*/ 365760 h 1576251"/>
+                <a:gd name="connsiteX5-131" fmla="*/ 1915886 w 1915886"/>
+                <a:gd name="connsiteY5-132" fmla="*/ 0 h 1576251"/>
+                <a:gd name="connsiteX0-133" fmla="*/ 0 w 1915886"/>
+                <a:gd name="connsiteY0-134" fmla="*/ 1576251 h 1576251"/>
+                <a:gd name="connsiteX1-135" fmla="*/ 539189 w 1915886"/>
+                <a:gd name="connsiteY1-136" fmla="*/ 1381542 h 1576251"/>
+                <a:gd name="connsiteX2-137" fmla="*/ 1125641 w 1915886"/>
+                <a:gd name="connsiteY2-138" fmla="*/ 1074728 h 1576251"/>
+                <a:gd name="connsiteX3-139" fmla="*/ 1456937 w 1915886"/>
+                <a:gd name="connsiteY3-140" fmla="*/ 758753 h 1576251"/>
+                <a:gd name="connsiteX4-141" fmla="*/ 1786225 w 1915886"/>
+                <a:gd name="connsiteY4-142" fmla="*/ 365760 h 1576251"/>
+                <a:gd name="connsiteX5-143" fmla="*/ 1915886 w 1915886"/>
+                <a:gd name="connsiteY5-144" fmla="*/ 0 h 1576251"/>
+                <a:gd name="connsiteX0-145" fmla="*/ 0 w 1915886"/>
+                <a:gd name="connsiteY0-146" fmla="*/ 1576251 h 1576251"/>
+                <a:gd name="connsiteX1-147" fmla="*/ 539189 w 1915886"/>
+                <a:gd name="connsiteY1-148" fmla="*/ 1381542 h 1576251"/>
+                <a:gd name="connsiteX2-149" fmla="*/ 1125641 w 1915886"/>
+                <a:gd name="connsiteY2-150" fmla="*/ 1074728 h 1576251"/>
+                <a:gd name="connsiteX3-151" fmla="*/ 1456937 w 1915886"/>
+                <a:gd name="connsiteY3-152" fmla="*/ 758753 h 1576251"/>
+                <a:gd name="connsiteX4-153" fmla="*/ 1739333 w 1915886"/>
+                <a:gd name="connsiteY4-154" fmla="*/ 381164 h 1576251"/>
+                <a:gd name="connsiteX5-155" fmla="*/ 1915886 w 1915886"/>
+                <a:gd name="connsiteY5-156" fmla="*/ 0 h 1576251"/>
+                <a:gd name="connsiteX0-157" fmla="*/ 0 w 1915886"/>
+                <a:gd name="connsiteY0-158" fmla="*/ 1576251 h 1576251"/>
+                <a:gd name="connsiteX1-159" fmla="*/ 539189 w 1915886"/>
+                <a:gd name="connsiteY1-160" fmla="*/ 1381542 h 1576251"/>
+                <a:gd name="connsiteX2-161" fmla="*/ 1125641 w 1915886"/>
+                <a:gd name="connsiteY2-162" fmla="*/ 1074728 h 1576251"/>
+                <a:gd name="connsiteX3-163" fmla="*/ 1423442 w 1915886"/>
+                <a:gd name="connsiteY3-164" fmla="*/ 784425 h 1576251"/>
+                <a:gd name="connsiteX4-165" fmla="*/ 1739333 w 1915886"/>
+                <a:gd name="connsiteY4-166" fmla="*/ 381164 h 1576251"/>
+                <a:gd name="connsiteX5-167" fmla="*/ 1915886 w 1915886"/>
+                <a:gd name="connsiteY5-168" fmla="*/ 0 h 1576251"/>
+                <a:gd name="connsiteX0-169" fmla="*/ 0 w 1915886"/>
+                <a:gd name="connsiteY0-170" fmla="*/ 1576251 h 1576251"/>
+                <a:gd name="connsiteX1-171" fmla="*/ 539189 w 1915886"/>
+                <a:gd name="connsiteY1-172" fmla="*/ 1381542 h 1576251"/>
+                <a:gd name="connsiteX2-173" fmla="*/ 1045255 w 1915886"/>
+                <a:gd name="connsiteY2-174" fmla="*/ 1084996 h 1576251"/>
+                <a:gd name="connsiteX3-175" fmla="*/ 1423442 w 1915886"/>
+                <a:gd name="connsiteY3-176" fmla="*/ 784425 h 1576251"/>
+                <a:gd name="connsiteX4-177" fmla="*/ 1739333 w 1915886"/>
+                <a:gd name="connsiteY4-178" fmla="*/ 381164 h 1576251"/>
+                <a:gd name="connsiteX5-179" fmla="*/ 1915886 w 1915886"/>
+                <a:gd name="connsiteY5-180" fmla="*/ 0 h 1576251"/>
+                <a:gd name="connsiteX0-181" fmla="*/ 0 w 1915886"/>
+                <a:gd name="connsiteY0-182" fmla="*/ 1576251 h 1576251"/>
+                <a:gd name="connsiteX1-183" fmla="*/ 565985 w 1915886"/>
+                <a:gd name="connsiteY1-184" fmla="*/ 1345602 h 1576251"/>
+                <a:gd name="connsiteX2-185" fmla="*/ 1045255 w 1915886"/>
+                <a:gd name="connsiteY2-186" fmla="*/ 1084996 h 1576251"/>
+                <a:gd name="connsiteX3-187" fmla="*/ 1423442 w 1915886"/>
+                <a:gd name="connsiteY3-188" fmla="*/ 784425 h 1576251"/>
+                <a:gd name="connsiteX4-189" fmla="*/ 1739333 w 1915886"/>
+                <a:gd name="connsiteY4-190" fmla="*/ 381164 h 1576251"/>
+                <a:gd name="connsiteX5-191" fmla="*/ 1915886 w 1915886"/>
+                <a:gd name="connsiteY5-192" fmla="*/ 0 h 1576251"/>
+                <a:gd name="connsiteX0" fmla="*/ 0 w 2181654"/>
+                <a:gd name="connsiteY0" fmla="*/ 1196341 h 14121266"/>
+                <a:gd name="connsiteX1" fmla="*/ 565985 w 2181654"/>
+                <a:gd name="connsiteY1" fmla="*/ 965692 h 14121266"/>
+                <a:gd name="connsiteX2" fmla="*/ 1045255 w 2181654"/>
+                <a:gd name="connsiteY2" fmla="*/ 705086 h 14121266"/>
+                <a:gd name="connsiteX3" fmla="*/ 1423442 w 2181654"/>
+                <a:gd name="connsiteY3" fmla="*/ 404515 h 14121266"/>
+                <a:gd name="connsiteX4" fmla="*/ 1739333 w 2181654"/>
+                <a:gd name="connsiteY4" fmla="*/ 1254 h 14121266"/>
+                <a:gd name="connsiteX5" fmla="*/ 2181654 w 2181654"/>
+                <a:gd name="connsiteY5" fmla="*/ 14121119 h 14121266"/>
+                <a:gd name="connsiteX0" fmla="*/ 0 w 2181654"/>
+                <a:gd name="connsiteY0" fmla="*/ 1429246 h 14354507"/>
+                <a:gd name="connsiteX1" fmla="*/ 565985 w 2181654"/>
+                <a:gd name="connsiteY1" fmla="*/ 1198597 h 14354507"/>
+                <a:gd name="connsiteX2" fmla="*/ 1045255 w 2181654"/>
+                <a:gd name="connsiteY2" fmla="*/ 937991 h 14354507"/>
+                <a:gd name="connsiteX3" fmla="*/ 1423442 w 2181654"/>
+                <a:gd name="connsiteY3" fmla="*/ 637420 h 14354507"/>
+                <a:gd name="connsiteX4" fmla="*/ 1459577 w 2181654"/>
+                <a:gd name="connsiteY4" fmla="*/ 10252221 h 14354507"/>
+                <a:gd name="connsiteX5" fmla="*/ 2181654 w 2181654"/>
+                <a:gd name="connsiteY5" fmla="*/ 14354024 h 14354507"/>
+                <a:gd name="connsiteX0" fmla="*/ 0 w 2181654"/>
+                <a:gd name="connsiteY0" fmla="*/ 990867 h 13916128"/>
+                <a:gd name="connsiteX1" fmla="*/ 565985 w 2181654"/>
+                <a:gd name="connsiteY1" fmla="*/ 760218 h 13916128"/>
+                <a:gd name="connsiteX2" fmla="*/ 1045255 w 2181654"/>
+                <a:gd name="connsiteY2" fmla="*/ 499612 h 13916128"/>
+                <a:gd name="connsiteX3" fmla="*/ 1038778 w 2181654"/>
+                <a:gd name="connsiteY3" fmla="*/ 8112852 h 13916128"/>
+                <a:gd name="connsiteX4" fmla="*/ 1459577 w 2181654"/>
+                <a:gd name="connsiteY4" fmla="*/ 9813842 h 13916128"/>
+                <a:gd name="connsiteX5" fmla="*/ 2181654 w 2181654"/>
+                <a:gd name="connsiteY5" fmla="*/ 13915645 h 13916128"/>
+                <a:gd name="connsiteX0" fmla="*/ 0 w 2181654"/>
+                <a:gd name="connsiteY0" fmla="*/ 990862 h 13916448"/>
+                <a:gd name="connsiteX1" fmla="*/ 565985 w 2181654"/>
+                <a:gd name="connsiteY1" fmla="*/ 760213 h 13916448"/>
+                <a:gd name="connsiteX2" fmla="*/ 1045255 w 2181654"/>
+                <a:gd name="connsiteY2" fmla="*/ 499607 h 13916448"/>
+                <a:gd name="connsiteX3" fmla="*/ 1038778 w 2181654"/>
+                <a:gd name="connsiteY3" fmla="*/ 8112847 h 13916448"/>
+                <a:gd name="connsiteX4" fmla="*/ 1550498 w 2181654"/>
+                <a:gd name="connsiteY4" fmla="*/ 11552132 h 13916448"/>
+                <a:gd name="connsiteX5" fmla="*/ 2181654 w 2181654"/>
+                <a:gd name="connsiteY5" fmla="*/ 13915640 h 13916448"/>
+                <a:gd name="connsiteX0" fmla="*/ 0 w 2181654"/>
+                <a:gd name="connsiteY0" fmla="*/ 990862 h 13916989"/>
+                <a:gd name="connsiteX1" fmla="*/ 565985 w 2181654"/>
+                <a:gd name="connsiteY1" fmla="*/ 760213 h 13916989"/>
+                <a:gd name="connsiteX2" fmla="*/ 1045255 w 2181654"/>
+                <a:gd name="connsiteY2" fmla="*/ 499607 h 13916989"/>
+                <a:gd name="connsiteX3" fmla="*/ 1038778 w 2181654"/>
+                <a:gd name="connsiteY3" fmla="*/ 8112847 h 13916989"/>
+                <a:gd name="connsiteX4" fmla="*/ 1550498 w 2181654"/>
+                <a:gd name="connsiteY4" fmla="*/ 11552132 h 13916989"/>
+                <a:gd name="connsiteX5" fmla="*/ 2181654 w 2181654"/>
+                <a:gd name="connsiteY5" fmla="*/ 13915640 h 13916989"/>
+                <a:gd name="connsiteX0" fmla="*/ 0 w 2181654"/>
+                <a:gd name="connsiteY0" fmla="*/ 990862 h 13916989"/>
+                <a:gd name="connsiteX1" fmla="*/ 565985 w 2181654"/>
+                <a:gd name="connsiteY1" fmla="*/ 760213 h 13916989"/>
+                <a:gd name="connsiteX2" fmla="*/ 1045255 w 2181654"/>
+                <a:gd name="connsiteY2" fmla="*/ 499607 h 13916989"/>
+                <a:gd name="connsiteX3" fmla="*/ 1038778 w 2181654"/>
+                <a:gd name="connsiteY3" fmla="*/ 8112847 h 13916989"/>
+                <a:gd name="connsiteX4" fmla="*/ 1550498 w 2181654"/>
+                <a:gd name="connsiteY4" fmla="*/ 11552132 h 13916989"/>
+                <a:gd name="connsiteX5" fmla="*/ 2181654 w 2181654"/>
+                <a:gd name="connsiteY5" fmla="*/ 13915640 h 13916989"/>
+                <a:gd name="connsiteX0" fmla="*/ 0 w 2181654"/>
+                <a:gd name="connsiteY0" fmla="*/ 990862 h 13916989"/>
+                <a:gd name="connsiteX1" fmla="*/ 565985 w 2181654"/>
+                <a:gd name="connsiteY1" fmla="*/ 760213 h 13916989"/>
+                <a:gd name="connsiteX2" fmla="*/ 1045255 w 2181654"/>
+                <a:gd name="connsiteY2" fmla="*/ 499607 h 13916989"/>
+                <a:gd name="connsiteX3" fmla="*/ 1038778 w 2181654"/>
+                <a:gd name="connsiteY3" fmla="*/ 8112847 h 13916989"/>
+                <a:gd name="connsiteX4" fmla="*/ 1550498 w 2181654"/>
+                <a:gd name="connsiteY4" fmla="*/ 11552132 h 13916989"/>
+                <a:gd name="connsiteX5" fmla="*/ 2181654 w 2181654"/>
+                <a:gd name="connsiteY5" fmla="*/ 13915640 h 13916989"/>
+                <a:gd name="connsiteX0" fmla="*/ 0 w 2181654"/>
+                <a:gd name="connsiteY0" fmla="*/ 990862 h 13917031"/>
+                <a:gd name="connsiteX1" fmla="*/ 565985 w 2181654"/>
+                <a:gd name="connsiteY1" fmla="*/ 760213 h 13917031"/>
+                <a:gd name="connsiteX2" fmla="*/ 1045255 w 2181654"/>
+                <a:gd name="connsiteY2" fmla="*/ 499607 h 13917031"/>
+                <a:gd name="connsiteX3" fmla="*/ 1038778 w 2181654"/>
+                <a:gd name="connsiteY3" fmla="*/ 8112847 h 13917031"/>
+                <a:gd name="connsiteX4" fmla="*/ 1550498 w 2181654"/>
+                <a:gd name="connsiteY4" fmla="*/ 11552132 h 13917031"/>
+                <a:gd name="connsiteX5" fmla="*/ 2181654 w 2181654"/>
+                <a:gd name="connsiteY5" fmla="*/ 13915640 h 13917031"/>
+                <a:gd name="connsiteX0" fmla="*/ 0 w 2181654"/>
+                <a:gd name="connsiteY0" fmla="*/ 593160 h 13519329"/>
+                <a:gd name="connsiteX1" fmla="*/ 565985 w 2181654"/>
+                <a:gd name="connsiteY1" fmla="*/ 362511 h 13519329"/>
+                <a:gd name="connsiteX2" fmla="*/ 618628 w 2181654"/>
+                <a:gd name="connsiteY2" fmla="*/ 6002956 h 13519329"/>
+                <a:gd name="connsiteX3" fmla="*/ 1038778 w 2181654"/>
+                <a:gd name="connsiteY3" fmla="*/ 7715145 h 13519329"/>
+                <a:gd name="connsiteX4" fmla="*/ 1550498 w 2181654"/>
+                <a:gd name="connsiteY4" fmla="*/ 11154430 h 13519329"/>
+                <a:gd name="connsiteX5" fmla="*/ 2181654 w 2181654"/>
+                <a:gd name="connsiteY5" fmla="*/ 13517938 h 13519329"/>
+                <a:gd name="connsiteX0" fmla="*/ 0 w 2181654"/>
+                <a:gd name="connsiteY0" fmla="*/ 427386 h 13353555"/>
+                <a:gd name="connsiteX1" fmla="*/ 565985 w 2181654"/>
+                <a:gd name="connsiteY1" fmla="*/ 196737 h 13353555"/>
+                <a:gd name="connsiteX2" fmla="*/ 278623 w 2181654"/>
+                <a:gd name="connsiteY2" fmla="*/ 3564228 h 13353555"/>
+                <a:gd name="connsiteX3" fmla="*/ 618628 w 2181654"/>
+                <a:gd name="connsiteY3" fmla="*/ 5837182 h 13353555"/>
+                <a:gd name="connsiteX4" fmla="*/ 1038778 w 2181654"/>
+                <a:gd name="connsiteY4" fmla="*/ 7549371 h 13353555"/>
+                <a:gd name="connsiteX5" fmla="*/ 1550498 w 2181654"/>
+                <a:gd name="connsiteY5" fmla="*/ 10988656 h 13353555"/>
+                <a:gd name="connsiteX6" fmla="*/ 2181654 w 2181654"/>
+                <a:gd name="connsiteY6" fmla="*/ 13352164 h 13353555"/>
+                <a:gd name="connsiteX0" fmla="*/ 0 w 2181654"/>
+                <a:gd name="connsiteY0" fmla="*/ 1 h 12926170"/>
+                <a:gd name="connsiteX1" fmla="*/ 278623 w 2181654"/>
+                <a:gd name="connsiteY1" fmla="*/ 3136843 h 12926170"/>
+                <a:gd name="connsiteX2" fmla="*/ 618628 w 2181654"/>
+                <a:gd name="connsiteY2" fmla="*/ 5409797 h 12926170"/>
+                <a:gd name="connsiteX3" fmla="*/ 1038778 w 2181654"/>
+                <a:gd name="connsiteY3" fmla="*/ 7121986 h 12926170"/>
+                <a:gd name="connsiteX4" fmla="*/ 1550498 w 2181654"/>
+                <a:gd name="connsiteY4" fmla="*/ 10561271 h 12926170"/>
+                <a:gd name="connsiteX5" fmla="*/ 2181654 w 2181654"/>
+                <a:gd name="connsiteY5" fmla="*/ 12924779 h 12926170"/>
+                <a:gd name="connsiteX0" fmla="*/ 0 w 2181654"/>
+                <a:gd name="connsiteY0" fmla="*/ 1 h 12925991"/>
+                <a:gd name="connsiteX1" fmla="*/ 278623 w 2181654"/>
+                <a:gd name="connsiteY1" fmla="*/ 3136843 h 12925991"/>
+                <a:gd name="connsiteX2" fmla="*/ 618628 w 2181654"/>
+                <a:gd name="connsiteY2" fmla="*/ 5409797 h 12925991"/>
+                <a:gd name="connsiteX3" fmla="*/ 821967 w 2181654"/>
+                <a:gd name="connsiteY3" fmla="*/ 8585811 h 12925991"/>
+                <a:gd name="connsiteX4" fmla="*/ 1550498 w 2181654"/>
+                <a:gd name="connsiteY4" fmla="*/ 10561271 h 12925991"/>
+                <a:gd name="connsiteX5" fmla="*/ 2181654 w 2181654"/>
+                <a:gd name="connsiteY5" fmla="*/ 12924779 h 12925991"/>
+                <a:gd name="connsiteX0" fmla="*/ 0 w 2181654"/>
+                <a:gd name="connsiteY0" fmla="*/ 1 h 12926269"/>
+                <a:gd name="connsiteX1" fmla="*/ 278623 w 2181654"/>
+                <a:gd name="connsiteY1" fmla="*/ 3136843 h 12926269"/>
+                <a:gd name="connsiteX2" fmla="*/ 618628 w 2181654"/>
+                <a:gd name="connsiteY2" fmla="*/ 5409797 h 12926269"/>
+                <a:gd name="connsiteX3" fmla="*/ 821967 w 2181654"/>
+                <a:gd name="connsiteY3" fmla="*/ 8585811 h 12926269"/>
+                <a:gd name="connsiteX4" fmla="*/ 1298717 w 2181654"/>
+                <a:gd name="connsiteY4" fmla="*/ 10881483 h 12926269"/>
+                <a:gd name="connsiteX5" fmla="*/ 2181654 w 2181654"/>
+                <a:gd name="connsiteY5" fmla="*/ 12924779 h 12926269"/>
+                <a:gd name="connsiteX0" fmla="*/ 0 w 2181654"/>
+                <a:gd name="connsiteY0" fmla="*/ 1 h 12926269"/>
+                <a:gd name="connsiteX1" fmla="*/ 278623 w 2181654"/>
+                <a:gd name="connsiteY1" fmla="*/ 3136843 h 12926269"/>
+                <a:gd name="connsiteX2" fmla="*/ 443781 w 2181654"/>
+                <a:gd name="connsiteY2" fmla="*/ 6416174 h 12926269"/>
+                <a:gd name="connsiteX3" fmla="*/ 821967 w 2181654"/>
+                <a:gd name="connsiteY3" fmla="*/ 8585811 h 12926269"/>
+                <a:gd name="connsiteX4" fmla="*/ 1298717 w 2181654"/>
+                <a:gd name="connsiteY4" fmla="*/ 10881483 h 12926269"/>
+                <a:gd name="connsiteX5" fmla="*/ 2181654 w 2181654"/>
+                <a:gd name="connsiteY5" fmla="*/ 12924779 h 12926269"/>
+                <a:gd name="connsiteX0" fmla="*/ 0 w 2181654"/>
+                <a:gd name="connsiteY0" fmla="*/ 1 h 12926269"/>
+                <a:gd name="connsiteX1" fmla="*/ 236659 w 2181654"/>
+                <a:gd name="connsiteY1" fmla="*/ 3640032 h 12926269"/>
+                <a:gd name="connsiteX2" fmla="*/ 443781 w 2181654"/>
+                <a:gd name="connsiteY2" fmla="*/ 6416174 h 12926269"/>
+                <a:gd name="connsiteX3" fmla="*/ 821967 w 2181654"/>
+                <a:gd name="connsiteY3" fmla="*/ 8585811 h 12926269"/>
+                <a:gd name="connsiteX4" fmla="*/ 1298717 w 2181654"/>
+                <a:gd name="connsiteY4" fmla="*/ 10881483 h 12926269"/>
+                <a:gd name="connsiteX5" fmla="*/ 2181654 w 2181654"/>
+                <a:gd name="connsiteY5" fmla="*/ 12924779 h 12926269"/>
+                <a:gd name="connsiteX0" fmla="*/ 0 w 2181654"/>
+                <a:gd name="connsiteY0" fmla="*/ 1 h 12926269"/>
+                <a:gd name="connsiteX1" fmla="*/ 236659 w 2181654"/>
+                <a:gd name="connsiteY1" fmla="*/ 4051732 h 12926269"/>
+                <a:gd name="connsiteX2" fmla="*/ 443781 w 2181654"/>
+                <a:gd name="connsiteY2" fmla="*/ 6416174 h 12926269"/>
+                <a:gd name="connsiteX3" fmla="*/ 821967 w 2181654"/>
+                <a:gd name="connsiteY3" fmla="*/ 8585811 h 12926269"/>
+                <a:gd name="connsiteX4" fmla="*/ 1298717 w 2181654"/>
+                <a:gd name="connsiteY4" fmla="*/ 10881483 h 12926269"/>
+                <a:gd name="connsiteX5" fmla="*/ 2181654 w 2181654"/>
+                <a:gd name="connsiteY5" fmla="*/ 12924779 h 12926269"/>
+                <a:gd name="connsiteX0" fmla="*/ 0 w 2181654"/>
+                <a:gd name="connsiteY0" fmla="*/ 1 h 12926269"/>
+                <a:gd name="connsiteX1" fmla="*/ 236659 w 2181654"/>
+                <a:gd name="connsiteY1" fmla="*/ 4051732 h 12926269"/>
+                <a:gd name="connsiteX2" fmla="*/ 443781 w 2181654"/>
+                <a:gd name="connsiteY2" fmla="*/ 6416174 h 12926269"/>
+                <a:gd name="connsiteX3" fmla="*/ 821967 w 2181654"/>
+                <a:gd name="connsiteY3" fmla="*/ 8585811 h 12926269"/>
+                <a:gd name="connsiteX4" fmla="*/ 1298717 w 2181654"/>
+                <a:gd name="connsiteY4" fmla="*/ 10881483 h 12926269"/>
+                <a:gd name="connsiteX5" fmla="*/ 2181654 w 2181654"/>
+                <a:gd name="connsiteY5" fmla="*/ 12924779 h 12926269"/>
+                <a:gd name="connsiteX0" fmla="*/ 0 w 2181654"/>
+                <a:gd name="connsiteY0" fmla="*/ 1 h 12926269"/>
+                <a:gd name="connsiteX1" fmla="*/ 236659 w 2181654"/>
+                <a:gd name="connsiteY1" fmla="*/ 4051732 h 12926269"/>
+                <a:gd name="connsiteX2" fmla="*/ 443781 w 2181654"/>
+                <a:gd name="connsiteY2" fmla="*/ 6416174 h 12926269"/>
+                <a:gd name="connsiteX3" fmla="*/ 821967 w 2181654"/>
+                <a:gd name="connsiteY3" fmla="*/ 8585811 h 12926269"/>
+                <a:gd name="connsiteX4" fmla="*/ 1298717 w 2181654"/>
+                <a:gd name="connsiteY4" fmla="*/ 10881483 h 12926269"/>
+                <a:gd name="connsiteX5" fmla="*/ 2181654 w 2181654"/>
+                <a:gd name="connsiteY5" fmla="*/ 12924779 h 12926269"/>
+                <a:gd name="connsiteX0" fmla="*/ 0 w 2181654"/>
+                <a:gd name="connsiteY0" fmla="*/ 1 h 12926269"/>
+                <a:gd name="connsiteX1" fmla="*/ 236659 w 2181654"/>
+                <a:gd name="connsiteY1" fmla="*/ 4051732 h 12926269"/>
+                <a:gd name="connsiteX2" fmla="*/ 443781 w 2181654"/>
+                <a:gd name="connsiteY2" fmla="*/ 6416174 h 12926269"/>
+                <a:gd name="connsiteX3" fmla="*/ 821967 w 2181654"/>
+                <a:gd name="connsiteY3" fmla="*/ 8585811 h 12926269"/>
+                <a:gd name="connsiteX4" fmla="*/ 1298717 w 2181654"/>
+                <a:gd name="connsiteY4" fmla="*/ 10881483 h 12926269"/>
+                <a:gd name="connsiteX5" fmla="*/ 2181654 w 2181654"/>
+                <a:gd name="connsiteY5" fmla="*/ 12924779 h 12926269"/>
+                <a:gd name="connsiteX0" fmla="*/ 0 w 2181654"/>
+                <a:gd name="connsiteY0" fmla="*/ 1 h 12926269"/>
+                <a:gd name="connsiteX1" fmla="*/ 201689 w 2181654"/>
+                <a:gd name="connsiteY1" fmla="*/ 4051732 h 12926269"/>
+                <a:gd name="connsiteX2" fmla="*/ 443781 w 2181654"/>
+                <a:gd name="connsiteY2" fmla="*/ 6416174 h 12926269"/>
+                <a:gd name="connsiteX3" fmla="*/ 821967 w 2181654"/>
+                <a:gd name="connsiteY3" fmla="*/ 8585811 h 12926269"/>
+                <a:gd name="connsiteX4" fmla="*/ 1298717 w 2181654"/>
+                <a:gd name="connsiteY4" fmla="*/ 10881483 h 12926269"/>
+                <a:gd name="connsiteX5" fmla="*/ 2181654 w 2181654"/>
+                <a:gd name="connsiteY5" fmla="*/ 12924779 h 12926269"/>
+                <a:gd name="connsiteX0" fmla="*/ 0 w 2181654"/>
+                <a:gd name="connsiteY0" fmla="*/ 1 h 12926269"/>
+                <a:gd name="connsiteX1" fmla="*/ 201689 w 2181654"/>
+                <a:gd name="connsiteY1" fmla="*/ 4051732 h 12926269"/>
+                <a:gd name="connsiteX2" fmla="*/ 415805 w 2181654"/>
+                <a:gd name="connsiteY2" fmla="*/ 6919363 h 12926269"/>
+                <a:gd name="connsiteX3" fmla="*/ 821967 w 2181654"/>
+                <a:gd name="connsiteY3" fmla="*/ 8585811 h 12926269"/>
+                <a:gd name="connsiteX4" fmla="*/ 1298717 w 2181654"/>
+                <a:gd name="connsiteY4" fmla="*/ 10881483 h 12926269"/>
+                <a:gd name="connsiteX5" fmla="*/ 2181654 w 2181654"/>
+                <a:gd name="connsiteY5" fmla="*/ 12924779 h 12926269"/>
+                <a:gd name="connsiteX0" fmla="*/ 0 w 2181654"/>
+                <a:gd name="connsiteY0" fmla="*/ 1 h 12926206"/>
+                <a:gd name="connsiteX1" fmla="*/ 201689 w 2181654"/>
+                <a:gd name="connsiteY1" fmla="*/ 4051732 h 12926206"/>
+                <a:gd name="connsiteX2" fmla="*/ 415805 w 2181654"/>
+                <a:gd name="connsiteY2" fmla="*/ 6919363 h 12926206"/>
+                <a:gd name="connsiteX3" fmla="*/ 759022 w 2181654"/>
+                <a:gd name="connsiteY3" fmla="*/ 8951764 h 12926206"/>
+                <a:gd name="connsiteX4" fmla="*/ 1298717 w 2181654"/>
+                <a:gd name="connsiteY4" fmla="*/ 10881483 h 12926206"/>
+                <a:gd name="connsiteX5" fmla="*/ 2181654 w 2181654"/>
+                <a:gd name="connsiteY5" fmla="*/ 12924779 h 12926206"/>
+                <a:gd name="connsiteX0" fmla="*/ 0 w 2181654"/>
+                <a:gd name="connsiteY0" fmla="*/ 1 h 12926532"/>
+                <a:gd name="connsiteX1" fmla="*/ 201689 w 2181654"/>
+                <a:gd name="connsiteY1" fmla="*/ 4051732 h 12926532"/>
+                <a:gd name="connsiteX2" fmla="*/ 415805 w 2181654"/>
+                <a:gd name="connsiteY2" fmla="*/ 6919363 h 12926532"/>
+                <a:gd name="connsiteX3" fmla="*/ 759022 w 2181654"/>
+                <a:gd name="connsiteY3" fmla="*/ 8951764 h 12926532"/>
+                <a:gd name="connsiteX4" fmla="*/ 1284729 w 2181654"/>
+                <a:gd name="connsiteY4" fmla="*/ 11155947 h 12926532"/>
+                <a:gd name="connsiteX5" fmla="*/ 2181654 w 2181654"/>
+                <a:gd name="connsiteY5" fmla="*/ 12924779 h 12926532"/>
+                <a:gd name="connsiteX0" fmla="*/ 0 w 2181654"/>
+                <a:gd name="connsiteY0" fmla="*/ 1 h 12926411"/>
+                <a:gd name="connsiteX1" fmla="*/ 201689 w 2181654"/>
+                <a:gd name="connsiteY1" fmla="*/ 4051732 h 12926411"/>
+                <a:gd name="connsiteX2" fmla="*/ 415805 w 2181654"/>
+                <a:gd name="connsiteY2" fmla="*/ 6919363 h 12926411"/>
+                <a:gd name="connsiteX3" fmla="*/ 745035 w 2181654"/>
+                <a:gd name="connsiteY3" fmla="*/ 9500700 h 12926411"/>
+                <a:gd name="connsiteX4" fmla="*/ 1284729 w 2181654"/>
+                <a:gd name="connsiteY4" fmla="*/ 11155947 h 12926411"/>
+                <a:gd name="connsiteX5" fmla="*/ 2181654 w 2181654"/>
+                <a:gd name="connsiteY5" fmla="*/ 12924779 h 12926411"/>
+                <a:gd name="connsiteX0" fmla="*/ 0 w 2181654"/>
+                <a:gd name="connsiteY0" fmla="*/ 1 h 12926758"/>
+                <a:gd name="connsiteX1" fmla="*/ 201689 w 2181654"/>
+                <a:gd name="connsiteY1" fmla="*/ 4051732 h 12926758"/>
+                <a:gd name="connsiteX2" fmla="*/ 415805 w 2181654"/>
+                <a:gd name="connsiteY2" fmla="*/ 6919363 h 12926758"/>
+                <a:gd name="connsiteX3" fmla="*/ 745035 w 2181654"/>
+                <a:gd name="connsiteY3" fmla="*/ 9500700 h 12926758"/>
+                <a:gd name="connsiteX4" fmla="*/ 1284729 w 2181654"/>
+                <a:gd name="connsiteY4" fmla="*/ 11384666 h 12926758"/>
+                <a:gd name="connsiteX5" fmla="*/ 2181654 w 2181654"/>
+                <a:gd name="connsiteY5" fmla="*/ 12924779 h 12926758"/>
+              </a:gdLst>
+              <a:ahLst/>
+              <a:cxnLst>
+                <a:cxn ang="0">
+                  <a:pos x="connsiteX0" y="connsiteY0"/>
+                </a:cxn>
+                <a:cxn ang="0">
+                  <a:pos x="connsiteX1" y="connsiteY1"/>
+                </a:cxn>
+                <a:cxn ang="0">
+                  <a:pos x="connsiteX2" y="connsiteY2"/>
+                </a:cxn>
+                <a:cxn ang="0">
+                  <a:pos x="connsiteX3" y="connsiteY3"/>
+                </a:cxn>
+                <a:cxn ang="0">
+                  <a:pos x="connsiteX4" y="connsiteY4"/>
+                </a:cxn>
+                <a:cxn ang="0">
+                  <a:pos x="connsiteX5" y="connsiteY5"/>
+                </a:cxn>
+              </a:cxnLst>
+              <a:rect l="l" t="t" r="r" b="b"/>
+              <a:pathLst>
+                <a:path w="2181654" h="12926758">
+                  <a:moveTo>
+                    <a:pt x="0" y="1"/>
+                  </a:moveTo>
+                  <a:cubicBezTo>
+                    <a:pt x="58047" y="653510"/>
+                    <a:pt x="132388" y="2898505"/>
+                    <a:pt x="201689" y="4051732"/>
+                  </a:cubicBezTo>
+                  <a:cubicBezTo>
+                    <a:pt x="270990" y="5204959"/>
+                    <a:pt x="325247" y="6011202"/>
+                    <a:pt x="415805" y="6919363"/>
+                  </a:cubicBezTo>
+                  <a:cubicBezTo>
+                    <a:pt x="506363" y="7827524"/>
+                    <a:pt x="600214" y="8756483"/>
+                    <a:pt x="745035" y="9500700"/>
+                  </a:cubicBezTo>
+                  <a:cubicBezTo>
+                    <a:pt x="889856" y="10244917"/>
+                    <a:pt x="1045293" y="10813986"/>
+                    <a:pt x="1284729" y="11384666"/>
+                  </a:cubicBezTo>
+                  <a:cubicBezTo>
+                    <a:pt x="1524166" y="11955346"/>
+                    <a:pt x="2175848" y="12977756"/>
+                    <a:pt x="2181654" y="12924779"/>
+                  </a:cubicBezTo>
+                </a:path>
+              </a:pathLst>
+            </a:custGeom>
+            <a:ln w="19050">
+              <a:headEnd type="none" w="med" len="med"/>
+              <a:tailEnd type="arrow" w="med" len="med"/>
+            </a:ln>
+          </p:spPr>
+          <p:style>
+            <a:lnRef idx="1">
+              <a:schemeClr val="dk1"/>
+            </a:lnRef>
+            <a:fillRef idx="0">
+              <a:schemeClr val="dk1"/>
+            </a:fillRef>
+            <a:effectRef idx="0">
+              <a:schemeClr val="dk1"/>
+            </a:effectRef>
+            <a:fontRef idx="minor">
+              <a:schemeClr val="tx1"/>
+            </a:fontRef>
+          </p:style>
+          <p:txBody>
+            <a:bodyPr rtlCol="0" anchor="ctr"/>
+            <a:lstStyle/>
+            <a:p>
+              <a:pPr algn="ctr"/>
+              <a:endParaRPr lang="ja-JP" altLang="en-US" sz="1350"/>
+            </a:p>
+          </p:txBody>
+        </p:sp>
+        <p:cxnSp>
+          <p:nvCxnSpPr>
+            <p:cNvPr id="5" name="直線コネクタ 4"/>
+            <p:cNvCxnSpPr>
+              <a:cxnSpLocks/>
+              <a:endCxn id="2" idx="0"/>
+            </p:cNvCxnSpPr>
+            <p:nvPr/>
+          </p:nvCxnSpPr>
+          <p:spPr>
+            <a:xfrm flipV="1">
+              <a:off x="1520216" y="1588053"/>
+              <a:ext cx="0" cy="3013730"/>
+            </a:xfrm>
+            <a:prstGeom prst="line">
+              <a:avLst/>
+            </a:prstGeom>
+            <a:ln w="19050">
+              <a:headEnd type="none" w="med" len="med"/>
+              <a:tailEnd type="arrow" w="med" len="med"/>
+            </a:ln>
+          </p:spPr>
+          <p:style>
+            <a:lnRef idx="1">
+              <a:schemeClr val="dk1"/>
+            </a:lnRef>
+            <a:fillRef idx="0">
+              <a:schemeClr val="dk1"/>
+            </a:fillRef>
+            <a:effectRef idx="0">
+              <a:schemeClr val="dk1"/>
+            </a:effectRef>
+            <a:fontRef idx="minor">
+              <a:schemeClr val="tx1"/>
+            </a:fontRef>
+          </p:style>
+        </p:cxnSp>
+        <p:cxnSp>
+          <p:nvCxnSpPr>
+            <p:cNvPr id="7" name="直線コネクタ 6"/>
+            <p:cNvCxnSpPr>
+              <a:cxnSpLocks/>
+              <a:endCxn id="2" idx="5"/>
+            </p:cNvCxnSpPr>
+            <p:nvPr/>
+          </p:nvCxnSpPr>
+          <p:spPr>
+            <a:xfrm flipV="1">
+              <a:off x="1472013" y="4582638"/>
+              <a:ext cx="3196511" cy="342"/>
+            </a:xfrm>
+            <a:prstGeom prst="line">
+              <a:avLst/>
+            </a:prstGeom>
+            <a:ln w="19050">
+              <a:headEnd type="arrow" w="med" len="med"/>
+              <a:tailEnd type="none" w="med" len="med"/>
+            </a:ln>
+          </p:spPr>
+          <p:style>
+            <a:lnRef idx="1">
+              <a:schemeClr val="dk1"/>
+            </a:lnRef>
+            <a:fillRef idx="0">
+              <a:schemeClr val="dk1"/>
+            </a:fillRef>
+            <a:effectRef idx="0">
+              <a:schemeClr val="dk1"/>
+            </a:effectRef>
+            <a:fontRef idx="minor">
+              <a:schemeClr val="tx1"/>
+            </a:fontRef>
+          </p:style>
+        </p:cxnSp>
+      </p:grpSp>
+      <p:sp>
+        <p:nvSpPr>
+          <p:cNvPr id="14" name="テキスト ボックス 13"/>
+          <p:cNvSpPr txBox="1"/>
+          <p:nvPr/>
+        </p:nvSpPr>
+        <p:spPr>
+          <a:xfrm>
+            <a:off x="1735442" y="3883974"/>
+            <a:ext cx="1450163" cy="507831"/>
+          </a:xfrm>
+          <a:prstGeom prst="rect">
+            <a:avLst/>
+          </a:prstGeom>
+          <a:noFill/>
+        </p:spPr>
+        <p:txBody>
+          <a:bodyPr wrap="square" rtlCol="0">
+            <a:spAutoFit/>
+          </a:bodyPr>
+          <a:lstStyle/>
+          <a:p>
+            <a:r>
+              <a:rPr lang="en-US" altLang="ja-JP" sz="1350" dirty="0"/>
+              <a:t>Const. Vol.</a:t>
+            </a:r>
+          </a:p>
+          <a:p>
+            <a:r>
+              <a:rPr lang="en-US" altLang="ja-JP" sz="1350" dirty="0"/>
+              <a:t>Heat Addition</a:t>
+            </a:r>
+            <a:endParaRPr lang="ja-JP" altLang="en-US" sz="1350" dirty="0"/>
+          </a:p>
+        </p:txBody>
+      </p:sp>
+      <p:sp>
+        <p:nvSpPr>
+          <p:cNvPr id="15" name="テキスト ボックス 14"/>
+          <p:cNvSpPr txBox="1"/>
+          <p:nvPr/>
+        </p:nvSpPr>
+        <p:spPr>
+          <a:xfrm>
+            <a:off x="4271420" y="5090069"/>
+            <a:ext cx="1454850" cy="507831"/>
+          </a:xfrm>
+          <a:prstGeom prst="rect">
+            <a:avLst/>
+          </a:prstGeom>
+          <a:noFill/>
+        </p:spPr>
+        <p:txBody>
+          <a:bodyPr wrap="square" rtlCol="0">
+            <a:spAutoFit/>
+          </a:bodyPr>
+          <a:lstStyle/>
+          <a:p>
+            <a:r>
+              <a:rPr lang="en-US" altLang="ja-JP" sz="1350" dirty="0"/>
+              <a:t>Const. Press.</a:t>
+            </a:r>
+          </a:p>
+          <a:p>
+            <a:r>
+              <a:rPr lang="en-US" altLang="ja-JP" sz="1350" dirty="0"/>
+              <a:t>Heat Rejection</a:t>
+            </a:r>
+            <a:endParaRPr lang="ja-JP" altLang="en-US" sz="1350" dirty="0"/>
+          </a:p>
+        </p:txBody>
+      </p:sp>
+      <p:sp>
+        <p:nvSpPr>
+          <p:cNvPr id="16" name="テキスト ボックス 15"/>
+          <p:cNvSpPr txBox="1"/>
+          <p:nvPr/>
+        </p:nvSpPr>
+        <p:spPr>
+          <a:xfrm>
+            <a:off x="3719974" y="2997765"/>
+            <a:ext cx="1182310" cy="507831"/>
+          </a:xfrm>
+          <a:prstGeom prst="rect">
+            <a:avLst/>
+          </a:prstGeom>
+          <a:noFill/>
+        </p:spPr>
+        <p:txBody>
+          <a:bodyPr wrap="square" rtlCol="0">
+            <a:spAutoFit/>
+          </a:bodyPr>
+          <a:lstStyle/>
+          <a:p>
+            <a:r>
+              <a:rPr lang="en-US" altLang="ja-JP" sz="1350" dirty="0"/>
+              <a:t>Adiabatic Expansion</a:t>
+            </a:r>
+            <a:endParaRPr lang="ja-JP" altLang="en-US" sz="1350" dirty="0"/>
+          </a:p>
+        </p:txBody>
+      </p:sp>
+      <p:sp>
+        <p:nvSpPr>
+          <p:cNvPr id="18" name="矢印: 右 17"/>
+          <p:cNvSpPr/>
+          <p:nvPr/>
+        </p:nvSpPr>
+        <p:spPr>
+          <a:xfrm rot="20154621">
+            <a:off x="4081944" y="3591825"/>
+            <a:ext cx="1028495" cy="313541"/>
+          </a:xfrm>
+          <a:prstGeom prst="rightArrow">
+            <a:avLst>
+              <a:gd name="adj1" fmla="val 41817"/>
+              <a:gd name="adj2" fmla="val 91666"/>
+            </a:avLst>
+          </a:prstGeom>
+        </p:spPr>
+        <p:style>
+          <a:lnRef idx="1">
+            <a:schemeClr val="accent1"/>
+          </a:lnRef>
+          <a:fillRef idx="3">
+            <a:schemeClr val="accent1"/>
+          </a:fillRef>
+          <a:effectRef idx="2">
+            <a:schemeClr val="accent1"/>
+          </a:effectRef>
+          <a:fontRef idx="minor">
+            <a:schemeClr val="lt1"/>
+          </a:fontRef>
+        </p:style>
+        <p:txBody>
+          <a:bodyPr rtlCol="0" anchor="ctr"/>
+          <a:lstStyle/>
+          <a:p>
+            <a:pPr algn="ctr"/>
+            <a:endParaRPr lang="ja-JP" altLang="en-US" sz="1350"/>
+          </a:p>
+        </p:txBody>
+      </p:sp>
+      <p:sp>
+        <p:nvSpPr>
+          <p:cNvPr id="20" name="テキスト ボックス 19"/>
+          <p:cNvSpPr txBox="1"/>
+          <p:nvPr/>
+        </p:nvSpPr>
+        <p:spPr>
+          <a:xfrm>
+            <a:off x="5057931" y="3629968"/>
+            <a:ext cx="414478" cy="300082"/>
+          </a:xfrm>
+          <a:prstGeom prst="rect">
+            <a:avLst/>
+          </a:prstGeom>
+          <a:noFill/>
+        </p:spPr>
+        <p:txBody>
+          <a:bodyPr wrap="square" rtlCol="0">
+            <a:spAutoFit/>
+          </a:bodyPr>
+          <a:lstStyle/>
+          <a:p>
+            <a:r>
+              <a:rPr lang="en-US" altLang="ja-JP" sz="1350" dirty="0"/>
+              <a:t>W</a:t>
+            </a:r>
+            <a:endParaRPr lang="ja-JP" altLang="en-US" sz="1350" dirty="0"/>
+          </a:p>
+        </p:txBody>
+      </p:sp>
+      <p:sp>
+        <p:nvSpPr>
+          <p:cNvPr id="21" name="矢印: 右 20"/>
+          <p:cNvSpPr/>
+          <p:nvPr/>
+        </p:nvSpPr>
+        <p:spPr>
+          <a:xfrm rot="876056">
+            <a:off x="2023870" y="3383815"/>
+            <a:ext cx="1107196" cy="459537"/>
+          </a:xfrm>
+          <a:prstGeom prst="rightArrow">
+            <a:avLst>
+              <a:gd name="adj1" fmla="val 41817"/>
+              <a:gd name="adj2" fmla="val 91666"/>
+            </a:avLst>
+          </a:prstGeom>
+        </p:spPr>
+        <p:style>
+          <a:lnRef idx="1">
+            <a:schemeClr val="accent2"/>
+          </a:lnRef>
+          <a:fillRef idx="3">
+            <a:schemeClr val="accent2"/>
+          </a:fillRef>
+          <a:effectRef idx="2">
+            <a:schemeClr val="accent2"/>
+          </a:effectRef>
+          <a:fontRef idx="minor">
+            <a:schemeClr val="lt1"/>
+          </a:fontRef>
+        </p:style>
+        <p:txBody>
+          <a:bodyPr rtlCol="0" anchor="ctr"/>
+          <a:lstStyle/>
+          <a:p>
+            <a:pPr algn="ctr"/>
+            <a:endParaRPr lang="ja-JP" altLang="en-US" sz="1350"/>
+          </a:p>
+        </p:txBody>
+      </p:sp>
+      <p:sp>
+        <p:nvSpPr>
+          <p:cNvPr id="22" name="テキスト ボックス 21"/>
+          <p:cNvSpPr txBox="1"/>
+          <p:nvPr/>
+        </p:nvSpPr>
+        <p:spPr>
+          <a:xfrm>
+            <a:off x="2253284" y="2993644"/>
+            <a:ext cx="414478" cy="300082"/>
+          </a:xfrm>
+          <a:prstGeom prst="rect">
+            <a:avLst/>
+          </a:prstGeom>
+          <a:noFill/>
+        </p:spPr>
+        <p:txBody>
+          <a:bodyPr wrap="square" rtlCol="0">
+            <a:spAutoFit/>
+          </a:bodyPr>
+          <a:lstStyle/>
+          <a:p>
+            <a:r>
+              <a:rPr lang="en-US" altLang="ja-JP" sz="1350" dirty="0"/>
+              <a:t>Q</a:t>
+            </a:r>
+            <a:endParaRPr lang="ja-JP" altLang="en-US" sz="1350" dirty="0"/>
+          </a:p>
+        </p:txBody>
+      </p:sp>
+      <p:sp>
+        <p:nvSpPr>
+          <p:cNvPr id="24" name="矢印: 右 23"/>
+          <p:cNvSpPr/>
+          <p:nvPr/>
+        </p:nvSpPr>
+        <p:spPr>
+          <a:xfrm rot="5400000">
+            <a:off x="3551756" y="4921881"/>
+            <a:ext cx="947908" cy="509426"/>
+          </a:xfrm>
+          <a:prstGeom prst="rightArrow">
+            <a:avLst>
+              <a:gd name="adj1" fmla="val 41817"/>
+              <a:gd name="adj2" fmla="val 91666"/>
+            </a:avLst>
+          </a:prstGeom>
+        </p:spPr>
+        <p:style>
+          <a:lnRef idx="1">
+            <a:schemeClr val="accent2"/>
+          </a:lnRef>
+          <a:fillRef idx="3">
+            <a:schemeClr val="accent2"/>
+          </a:fillRef>
+          <a:effectRef idx="2">
+            <a:schemeClr val="accent2"/>
+          </a:effectRef>
+          <a:fontRef idx="minor">
+            <a:schemeClr val="lt1"/>
+          </a:fontRef>
+        </p:style>
+        <p:txBody>
+          <a:bodyPr rtlCol="0" anchor="ctr"/>
+          <a:lstStyle/>
+          <a:p>
+            <a:pPr algn="ctr"/>
+            <a:endParaRPr lang="ja-JP" altLang="en-US" sz="1350"/>
+          </a:p>
+        </p:txBody>
+      </p:sp>
+      <p:sp>
+        <p:nvSpPr>
+          <p:cNvPr id="25" name="テキスト ボックス 24"/>
+          <p:cNvSpPr txBox="1"/>
+          <p:nvPr/>
+        </p:nvSpPr>
+        <p:spPr>
+          <a:xfrm>
+            <a:off x="3369800" y="4926934"/>
+            <a:ext cx="414478" cy="300082"/>
+          </a:xfrm>
+          <a:prstGeom prst="rect">
+            <a:avLst/>
+          </a:prstGeom>
+          <a:noFill/>
+        </p:spPr>
+        <p:txBody>
+          <a:bodyPr wrap="square" rtlCol="0">
+            <a:spAutoFit/>
+          </a:bodyPr>
+          <a:lstStyle/>
+          <a:p>
+            <a:r>
+              <a:rPr lang="en-US" altLang="ja-JP" sz="1350" dirty="0"/>
+              <a:t>Q</a:t>
+            </a:r>
+            <a:endParaRPr lang="ja-JP" altLang="en-US" sz="1350" dirty="0"/>
+          </a:p>
+        </p:txBody>
+      </p:sp>
+      <p:cxnSp>
+        <p:nvCxnSpPr>
+          <p:cNvPr id="26" name="直線コネクタ 25"/>
+          <p:cNvCxnSpPr>
+            <a:cxnSpLocks/>
+          </p:cNvCxnSpPr>
+          <p:nvPr/>
+        </p:nvCxnSpPr>
+        <p:spPr>
+          <a:xfrm flipH="1" flipV="1">
+            <a:off x="1653711" y="1436914"/>
+            <a:ext cx="70822" cy="4554858"/>
+          </a:xfrm>
+          <a:prstGeom prst="line">
+            <a:avLst/>
+          </a:prstGeom>
+          <a:ln w="19050">
+            <a:headEnd type="none" w="med" len="med"/>
+            <a:tailEnd type="arrow" w="med" len="med"/>
+          </a:ln>
+        </p:spPr>
+        <p:style>
+          <a:lnRef idx="1">
+            <a:schemeClr val="dk1"/>
+          </a:lnRef>
+          <a:fillRef idx="0">
+            <a:schemeClr val="dk1"/>
+          </a:fillRef>
+          <a:effectRef idx="0">
+            <a:schemeClr val="dk1"/>
+          </a:effectRef>
+          <a:fontRef idx="minor">
+            <a:schemeClr val="tx1"/>
+          </a:fontRef>
+        </p:style>
+      </p:cxnSp>
+      <p:sp>
+        <p:nvSpPr>
+          <p:cNvPr id="29" name="テキスト ボックス 28"/>
+          <p:cNvSpPr txBox="1"/>
+          <p:nvPr/>
+        </p:nvSpPr>
+        <p:spPr>
+          <a:xfrm>
+            <a:off x="1320964" y="1567903"/>
+            <a:ext cx="414478" cy="300082"/>
+          </a:xfrm>
+          <a:prstGeom prst="rect">
+            <a:avLst/>
+          </a:prstGeom>
+          <a:noFill/>
+        </p:spPr>
+        <p:txBody>
+          <a:bodyPr wrap="square" rtlCol="0">
+            <a:spAutoFit/>
+          </a:bodyPr>
+          <a:lstStyle/>
+          <a:p>
+            <a:r>
+              <a:rPr lang="en-US" altLang="ja-JP" sz="1350" dirty="0"/>
+              <a:t>p</a:t>
+            </a:r>
+            <a:endParaRPr lang="ja-JP" altLang="en-US" sz="1350" dirty="0"/>
+          </a:p>
+        </p:txBody>
+      </p:sp>
+      <p:cxnSp>
+        <p:nvCxnSpPr>
+          <p:cNvPr id="30" name="直線コネクタ 29"/>
+          <p:cNvCxnSpPr/>
+          <p:nvPr/>
+        </p:nvCxnSpPr>
+        <p:spPr>
+          <a:xfrm>
+            <a:off x="1724534" y="5991770"/>
+            <a:ext cx="5093977" cy="0"/>
+          </a:xfrm>
+          <a:prstGeom prst="line">
+            <a:avLst/>
+          </a:prstGeom>
+          <a:ln w="19050">
+            <a:headEnd type="none" w="med" len="med"/>
+            <a:tailEnd type="arrow" w="med" len="med"/>
+          </a:ln>
+        </p:spPr>
+        <p:style>
+          <a:lnRef idx="1">
+            <a:schemeClr val="dk1"/>
+          </a:lnRef>
+          <a:fillRef idx="0">
+            <a:schemeClr val="dk1"/>
+          </a:fillRef>
+          <a:effectRef idx="0">
+            <a:schemeClr val="dk1"/>
+          </a:effectRef>
+          <a:fontRef idx="minor">
+            <a:schemeClr val="tx1"/>
+          </a:fontRef>
+        </p:style>
+      </p:cxnSp>
+      <p:sp>
+        <p:nvSpPr>
+          <p:cNvPr id="34" name="テキスト ボックス 33"/>
+          <p:cNvSpPr txBox="1"/>
+          <p:nvPr/>
+        </p:nvSpPr>
+        <p:spPr>
+          <a:xfrm>
+            <a:off x="6273284" y="5651604"/>
+            <a:ext cx="651117" cy="300082"/>
+          </a:xfrm>
+          <a:prstGeom prst="rect">
+            <a:avLst/>
+          </a:prstGeom>
+          <a:noFill/>
+        </p:spPr>
+        <p:txBody>
+          <a:bodyPr wrap="square" rtlCol="0">
+            <a:spAutoFit/>
+          </a:bodyPr>
+          <a:lstStyle/>
+          <a:p>
+            <a:r>
+              <a:rPr lang="en-US" altLang="ja-JP" sz="1350" dirty="0"/>
+              <a:t>Vol</a:t>
+            </a:r>
+            <a:endParaRPr lang="ja-JP" altLang="en-US" sz="1350" dirty="0"/>
+          </a:p>
+        </p:txBody>
+      </p:sp>
+    </p:spTree>
+  </p:cSld>
+  <p:clrMapOvr>
+    <a:masterClrMapping/>
+  </p:clrMapOvr>
+</p:sld>
+</file>
+
+<file path=ppt/slides/slide10.xml><?xml version="1.0" encoding="utf-8"?>
+<p:sld xmlns:a="http://schemas.openxmlformats.org/drawingml/2006/main" xmlns:r="http://schemas.openxmlformats.org/officeDocument/2006/relationships" xmlns:p="http://schemas.openxmlformats.org/presentationml/2006/main">
+  <p:cSld>
+    <p:spTree>
+      <p:nvGrpSpPr>
+        <p:cNvPr id="1" name=""/>
+        <p:cNvGrpSpPr/>
+        <p:nvPr/>
+      </p:nvGrpSpPr>
+      <p:grpSpPr>
+        <a:xfrm>
+          <a:off x="0" y="0"/>
+          <a:ext cx="0" cy="0"/>
+          <a:chOff x="0" y="0"/>
+          <a:chExt cx="0" cy="0"/>
+        </a:xfrm>
+      </p:grpSpPr>
+      <p:grpSp>
+        <p:nvGrpSpPr>
+          <p:cNvPr id="74" name="グループ化 73">
+            <a:extLst>
+              <a:ext uri="{FF2B5EF4-FFF2-40B4-BE49-F238E27FC236}">
+                <a16:creationId xmlns:a16="http://schemas.microsoft.com/office/drawing/2014/main" id="{DA83A892-9ADD-4A26-A703-5D0739C787EB}"/>
+              </a:ext>
+            </a:extLst>
+          </p:cNvPr>
+          <p:cNvGrpSpPr/>
+          <p:nvPr/>
+        </p:nvGrpSpPr>
+        <p:grpSpPr>
+          <a:xfrm>
+            <a:off x="1260553" y="905193"/>
+            <a:ext cx="5733760" cy="3649389"/>
+            <a:chOff x="1260553" y="905193"/>
+            <a:chExt cx="5733760" cy="3649389"/>
+          </a:xfrm>
+        </p:grpSpPr>
+        <p:pic>
+          <p:nvPicPr>
+            <p:cNvPr id="3" name="図 2">
+              <a:extLst>
+                <a:ext uri="{FF2B5EF4-FFF2-40B4-BE49-F238E27FC236}">
+                  <a16:creationId xmlns:a16="http://schemas.microsoft.com/office/drawing/2014/main" id="{066FA10E-6B92-4FE1-94D7-A5D3418BE875}"/>
+                </a:ext>
+              </a:extLst>
+            </p:cNvPr>
+            <p:cNvPicPr>
+              <a:picLocks noChangeAspect="1"/>
+            </p:cNvPicPr>
+            <p:nvPr/>
+          </p:nvPicPr>
+          <p:blipFill>
+            <a:blip r:embed="rId2"/>
+            <a:stretch>
+              <a:fillRect/>
+            </a:stretch>
+          </p:blipFill>
+          <p:spPr>
+            <a:xfrm>
+              <a:off x="1260553" y="905193"/>
+              <a:ext cx="3779759" cy="3107683"/>
+            </a:xfrm>
+            <a:prstGeom prst="rect">
+              <a:avLst/>
+            </a:prstGeom>
+          </p:spPr>
+        </p:pic>
+        <p:sp>
+          <p:nvSpPr>
+            <p:cNvPr id="4" name="テキスト ボックス 10">
+              <a:extLst>
+                <a:ext uri="{FF2B5EF4-FFF2-40B4-BE49-F238E27FC236}">
+                  <a16:creationId xmlns:a16="http://schemas.microsoft.com/office/drawing/2014/main" id="{805FB393-48B5-4E7F-AC98-FD4C1FD7892A}"/>
+                </a:ext>
+              </a:extLst>
+            </p:cNvPr>
+            <p:cNvSpPr txBox="1"/>
+            <p:nvPr/>
+          </p:nvSpPr>
+          <p:spPr>
+            <a:xfrm>
+              <a:off x="3699934" y="2125133"/>
+              <a:ext cx="1244600" cy="440268"/>
+            </a:xfrm>
+            <a:prstGeom prst="rect">
+              <a:avLst/>
+            </a:prstGeom>
+            <a:solidFill>
+              <a:srgbClr val="ED7D31">
+                <a:alpha val="40000"/>
+              </a:srgbClr>
+            </a:solidFill>
+            <a:ln>
+              <a:solidFill>
+                <a:schemeClr val="tx1"/>
+              </a:solidFill>
+            </a:ln>
+          </p:spPr>
+          <p:txBody>
+            <a:bodyPr wrap="square" rtlCol="0">
+              <a:noAutofit/>
+            </a:bodyPr>
+            <a:lstStyle/>
+            <a:p>
+              <a:r>
+                <a:rPr lang="en-US" sz="700" dirty="0">
+                  <a:latin typeface="Arial" panose="020B0604020202020204" pitchFamily="34" charset="0"/>
+                  <a:cs typeface="Arial" panose="020B0604020202020204" pitchFamily="34" charset="0"/>
+                </a:rPr>
+                <a:t>Add/Remove heat to/from fluid flow.</a:t>
+              </a:r>
+            </a:p>
+            <a:p>
+              <a:r>
+                <a:rPr lang="en-US" sz="700" dirty="0">
+                  <a:latin typeface="Arial" panose="020B0604020202020204" pitchFamily="34" charset="0"/>
+                  <a:cs typeface="Arial" panose="020B0604020202020204" pitchFamily="34" charset="0"/>
+                </a:rPr>
+                <a:t>|Q_flow1| = |Q_flow2|</a:t>
+              </a:r>
+            </a:p>
+          </p:txBody>
+        </p:sp>
+        <p:cxnSp>
+          <p:nvCxnSpPr>
+            <p:cNvPr id="5" name="直線矢印コネクタ 4">
+              <a:extLst>
+                <a:ext uri="{FF2B5EF4-FFF2-40B4-BE49-F238E27FC236}">
+                  <a16:creationId xmlns:a16="http://schemas.microsoft.com/office/drawing/2014/main" id="{DF1187B0-0CFC-47A0-AEE1-7C6B8B22EDBB}"/>
+                </a:ext>
+              </a:extLst>
+            </p:cNvPr>
+            <p:cNvCxnSpPr>
+              <a:cxnSpLocks/>
+              <a:stCxn id="4" idx="0"/>
+            </p:cNvCxnSpPr>
+            <p:nvPr/>
+          </p:nvCxnSpPr>
+          <p:spPr>
+            <a:xfrm flipH="1" flipV="1">
+              <a:off x="3369736" y="1066805"/>
+              <a:ext cx="952498" cy="1058328"/>
+            </a:xfrm>
+            <a:prstGeom prst="straightConnector1">
+              <a:avLst/>
+            </a:prstGeom>
+            <a:ln w="12700">
+              <a:solidFill>
+                <a:schemeClr val="tx1"/>
+              </a:solidFill>
+              <a:tailEnd type="oval"/>
+            </a:ln>
+          </p:spPr>
+          <p:style>
+            <a:lnRef idx="1">
+              <a:schemeClr val="accent1"/>
+            </a:lnRef>
+            <a:fillRef idx="0">
+              <a:schemeClr val="accent1"/>
+            </a:fillRef>
+            <a:effectRef idx="0">
+              <a:schemeClr val="accent1"/>
+            </a:effectRef>
+            <a:fontRef idx="minor">
+              <a:schemeClr val="tx1"/>
+            </a:fontRef>
+          </p:style>
+        </p:cxnSp>
+        <p:cxnSp>
+          <p:nvCxnSpPr>
+            <p:cNvPr id="12" name="直線矢印コネクタ 11">
+              <a:extLst>
+                <a:ext uri="{FF2B5EF4-FFF2-40B4-BE49-F238E27FC236}">
+                  <a16:creationId xmlns:a16="http://schemas.microsoft.com/office/drawing/2014/main" id="{FFA8E9CA-62CE-4FAC-8322-C7F334D56DB1}"/>
+                </a:ext>
+              </a:extLst>
+            </p:cNvPr>
+            <p:cNvCxnSpPr>
+              <a:cxnSpLocks/>
+              <a:stCxn id="4" idx="2"/>
+            </p:cNvCxnSpPr>
+            <p:nvPr/>
+          </p:nvCxnSpPr>
+          <p:spPr>
+            <a:xfrm flipH="1">
+              <a:off x="3479800" y="2565401"/>
+              <a:ext cx="842434" cy="1214436"/>
+            </a:xfrm>
+            <a:prstGeom prst="straightConnector1">
+              <a:avLst/>
+            </a:prstGeom>
+            <a:ln w="12700">
+              <a:solidFill>
+                <a:schemeClr val="tx1"/>
+              </a:solidFill>
+              <a:tailEnd type="oval"/>
+            </a:ln>
+          </p:spPr>
+          <p:style>
+            <a:lnRef idx="1">
+              <a:schemeClr val="accent1"/>
+            </a:lnRef>
+            <a:fillRef idx="0">
+              <a:schemeClr val="accent1"/>
+            </a:fillRef>
+            <a:effectRef idx="0">
+              <a:schemeClr val="accent1"/>
+            </a:effectRef>
+            <a:fontRef idx="minor">
+              <a:schemeClr val="tx1"/>
+            </a:fontRef>
+          </p:style>
+        </p:cxnSp>
+        <p:sp>
+          <p:nvSpPr>
+            <p:cNvPr id="28" name="テキスト ボックス 10">
+              <a:extLst>
+                <a:ext uri="{FF2B5EF4-FFF2-40B4-BE49-F238E27FC236}">
+                  <a16:creationId xmlns:a16="http://schemas.microsoft.com/office/drawing/2014/main" id="{136C945D-16F2-49CA-86DF-D34D4F1DD344}"/>
+                </a:ext>
+              </a:extLst>
+            </p:cNvPr>
+            <p:cNvSpPr txBox="1"/>
+            <p:nvPr/>
+          </p:nvSpPr>
+          <p:spPr>
+            <a:xfrm>
+              <a:off x="1800648" y="1947330"/>
+              <a:ext cx="1569085" cy="677337"/>
+            </a:xfrm>
+            <a:prstGeom prst="rect">
+              <a:avLst/>
+            </a:prstGeom>
+            <a:solidFill>
+              <a:srgbClr val="ED7D31">
+                <a:alpha val="40000"/>
+              </a:srgbClr>
+            </a:solidFill>
+            <a:ln>
+              <a:solidFill>
+                <a:schemeClr val="tx1"/>
+              </a:solidFill>
+            </a:ln>
+          </p:spPr>
+          <p:txBody>
+            <a:bodyPr wrap="square" rtlCol="0">
+              <a:noAutofit/>
+            </a:bodyPr>
+            <a:lstStyle/>
+            <a:p>
+              <a:r>
+                <a:rPr lang="en-US" sz="700" dirty="0">
+                  <a:latin typeface="Arial" panose="020B0604020202020204" pitchFamily="34" charset="0"/>
+                  <a:cs typeface="Arial" panose="020B0604020202020204" pitchFamily="34" charset="0"/>
+                </a:rPr>
+                <a:t>Amount of heat exchanged is calculated from fluid heat capacity of inlets and heat exchanger effectiveness which is given as real signal.</a:t>
+              </a:r>
+            </a:p>
+          </p:txBody>
+        </p:sp>
+        <p:sp>
+          <p:nvSpPr>
+            <p:cNvPr id="29" name="テキスト ボックス 10">
+              <a:extLst>
+                <a:ext uri="{FF2B5EF4-FFF2-40B4-BE49-F238E27FC236}">
+                  <a16:creationId xmlns:a16="http://schemas.microsoft.com/office/drawing/2014/main" id="{92FE787E-298A-43A4-90CA-42619850B7F7}"/>
+                </a:ext>
+              </a:extLst>
+            </p:cNvPr>
+            <p:cNvSpPr txBox="1"/>
+            <p:nvPr/>
+          </p:nvSpPr>
+          <p:spPr>
+            <a:xfrm>
+              <a:off x="2365888" y="4131249"/>
+              <a:ext cx="1799711" cy="423333"/>
+            </a:xfrm>
+            <a:prstGeom prst="rect">
+              <a:avLst/>
+            </a:prstGeom>
+            <a:solidFill>
+              <a:srgbClr val="ED7D31">
+                <a:alpha val="40000"/>
+              </a:srgbClr>
+            </a:solidFill>
+            <a:ln>
+              <a:solidFill>
+                <a:schemeClr val="tx1"/>
+              </a:solidFill>
+            </a:ln>
+          </p:spPr>
+          <p:txBody>
+            <a:bodyPr wrap="square" rtlCol="0">
+              <a:noAutofit/>
+            </a:bodyPr>
+            <a:lstStyle/>
+            <a:p>
+              <a:r>
+                <a:rPr lang="en-US" sz="700" dirty="0">
+                  <a:latin typeface="Arial" panose="020B0604020202020204" pitchFamily="34" charset="0"/>
+                  <a:cs typeface="Arial" panose="020B0604020202020204" pitchFamily="34" charset="0"/>
+                </a:rPr>
+                <a:t>Which is inlet or outlet is NOT pre-defined. It is automatically determined depending on states of ports.</a:t>
+              </a:r>
+            </a:p>
+          </p:txBody>
+        </p:sp>
+        <p:cxnSp>
+          <p:nvCxnSpPr>
+            <p:cNvPr id="30" name="直線矢印コネクタ 29">
+              <a:extLst>
+                <a:ext uri="{FF2B5EF4-FFF2-40B4-BE49-F238E27FC236}">
+                  <a16:creationId xmlns:a16="http://schemas.microsoft.com/office/drawing/2014/main" id="{A17FB157-CCB2-4E28-9179-52F5C03F01E7}"/>
+                </a:ext>
+              </a:extLst>
+            </p:cNvPr>
+            <p:cNvCxnSpPr>
+              <a:cxnSpLocks/>
+              <a:stCxn id="29" idx="0"/>
+            </p:cNvCxnSpPr>
+            <p:nvPr/>
+          </p:nvCxnSpPr>
+          <p:spPr>
+            <a:xfrm flipH="1" flipV="1">
+              <a:off x="1917154" y="3844607"/>
+              <a:ext cx="1348590" cy="286642"/>
+            </a:xfrm>
+            <a:prstGeom prst="straightConnector1">
+              <a:avLst/>
+            </a:prstGeom>
+            <a:ln w="12700">
+              <a:solidFill>
+                <a:schemeClr val="tx1"/>
+              </a:solidFill>
+              <a:tailEnd type="oval"/>
+            </a:ln>
+          </p:spPr>
+          <p:style>
+            <a:lnRef idx="1">
+              <a:schemeClr val="accent1"/>
+            </a:lnRef>
+            <a:fillRef idx="0">
+              <a:schemeClr val="accent1"/>
+            </a:fillRef>
+            <a:effectRef idx="0">
+              <a:schemeClr val="accent1"/>
+            </a:effectRef>
+            <a:fontRef idx="minor">
+              <a:schemeClr val="tx1"/>
+            </a:fontRef>
+          </p:style>
+        </p:cxnSp>
+        <p:cxnSp>
+          <p:nvCxnSpPr>
+            <p:cNvPr id="36" name="直線矢印コネクタ 35">
+              <a:extLst>
+                <a:ext uri="{FF2B5EF4-FFF2-40B4-BE49-F238E27FC236}">
+                  <a16:creationId xmlns:a16="http://schemas.microsoft.com/office/drawing/2014/main" id="{D8EB2DB4-A1E8-4CDE-BFA9-41BBD193B89E}"/>
+                </a:ext>
+              </a:extLst>
+            </p:cNvPr>
+            <p:cNvCxnSpPr>
+              <a:cxnSpLocks/>
+              <a:stCxn id="29" idx="0"/>
+            </p:cNvCxnSpPr>
+            <p:nvPr/>
+          </p:nvCxnSpPr>
+          <p:spPr>
+            <a:xfrm flipV="1">
+              <a:off x="3265744" y="3844607"/>
+              <a:ext cx="1348589" cy="286642"/>
+            </a:xfrm>
+            <a:prstGeom prst="straightConnector1">
+              <a:avLst/>
+            </a:prstGeom>
+            <a:ln w="12700">
+              <a:solidFill>
+                <a:schemeClr val="tx1"/>
+              </a:solidFill>
+              <a:tailEnd type="oval"/>
+            </a:ln>
+          </p:spPr>
+          <p:style>
+            <a:lnRef idx="1">
+              <a:schemeClr val="accent1"/>
+            </a:lnRef>
+            <a:fillRef idx="0">
+              <a:schemeClr val="accent1"/>
+            </a:fillRef>
+            <a:effectRef idx="0">
+              <a:schemeClr val="accent1"/>
+            </a:effectRef>
+            <a:fontRef idx="minor">
+              <a:schemeClr val="tx1"/>
+            </a:fontRef>
+          </p:style>
+        </p:cxnSp>
+        <p:sp>
+          <p:nvSpPr>
+            <p:cNvPr id="48" name="テキスト ボックス 10">
+              <a:extLst>
+                <a:ext uri="{FF2B5EF4-FFF2-40B4-BE49-F238E27FC236}">
+                  <a16:creationId xmlns:a16="http://schemas.microsoft.com/office/drawing/2014/main" id="{8343A767-F41D-48A8-B77F-02DA5EFDD99D}"/>
+                </a:ext>
+              </a:extLst>
+            </p:cNvPr>
+            <p:cNvSpPr txBox="1"/>
+            <p:nvPr/>
+          </p:nvSpPr>
+          <p:spPr>
+            <a:xfrm>
+              <a:off x="5425228" y="1947330"/>
+              <a:ext cx="1569085" cy="618070"/>
+            </a:xfrm>
+            <a:prstGeom prst="rect">
+              <a:avLst/>
+            </a:prstGeom>
+            <a:solidFill>
+              <a:srgbClr val="ED7D31">
+                <a:alpha val="40000"/>
+              </a:srgbClr>
+            </a:solidFill>
+            <a:ln>
+              <a:solidFill>
+                <a:schemeClr val="tx1"/>
+              </a:solidFill>
+            </a:ln>
+          </p:spPr>
+          <p:txBody>
+            <a:bodyPr wrap="square" rtlCol="0">
+              <a:noAutofit/>
+            </a:bodyPr>
+            <a:lstStyle/>
+            <a:p>
+              <a:r>
+                <a:rPr lang="en-US" sz="700" dirty="0">
+                  <a:latin typeface="Arial" panose="020B0604020202020204" pitchFamily="34" charset="0"/>
+                  <a:cs typeface="Arial" panose="020B0604020202020204" pitchFamily="34" charset="0"/>
+                </a:rPr>
+                <a:t>Which is hot or cold side is NOT pre-defined. It is automatically determined depending on states of inlet ports.</a:t>
+              </a:r>
+            </a:p>
+          </p:txBody>
+        </p:sp>
+        <p:cxnSp>
+          <p:nvCxnSpPr>
+            <p:cNvPr id="57" name="直線矢印コネクタ 56">
+              <a:extLst>
+                <a:ext uri="{FF2B5EF4-FFF2-40B4-BE49-F238E27FC236}">
+                  <a16:creationId xmlns:a16="http://schemas.microsoft.com/office/drawing/2014/main" id="{6455B2A2-E6F2-4C96-B9E4-14DE7E240A34}"/>
+                </a:ext>
+              </a:extLst>
+            </p:cNvPr>
+            <p:cNvCxnSpPr>
+              <a:cxnSpLocks/>
+              <a:stCxn id="48" idx="1"/>
+            </p:cNvCxnSpPr>
+            <p:nvPr/>
+          </p:nvCxnSpPr>
+          <p:spPr>
+            <a:xfrm flipH="1" flipV="1">
+              <a:off x="4992272" y="1202267"/>
+              <a:ext cx="432956" cy="1054098"/>
+            </a:xfrm>
+            <a:prstGeom prst="straightConnector1">
+              <a:avLst/>
+            </a:prstGeom>
+            <a:ln w="12700">
+              <a:solidFill>
+                <a:schemeClr val="tx1"/>
+              </a:solidFill>
+              <a:tailEnd type="oval"/>
+            </a:ln>
+          </p:spPr>
+          <p:style>
+            <a:lnRef idx="1">
+              <a:schemeClr val="accent1"/>
+            </a:lnRef>
+            <a:fillRef idx="0">
+              <a:schemeClr val="accent1"/>
+            </a:fillRef>
+            <a:effectRef idx="0">
+              <a:schemeClr val="accent1"/>
+            </a:effectRef>
+            <a:fontRef idx="minor">
+              <a:schemeClr val="tx1"/>
+            </a:fontRef>
+          </p:style>
+        </p:cxnSp>
+        <p:cxnSp>
+          <p:nvCxnSpPr>
+            <p:cNvPr id="67" name="直線矢印コネクタ 66">
+              <a:extLst>
+                <a:ext uri="{FF2B5EF4-FFF2-40B4-BE49-F238E27FC236}">
+                  <a16:creationId xmlns:a16="http://schemas.microsoft.com/office/drawing/2014/main" id="{357B62F8-A4CA-47A3-A0F2-BB107EC90F3D}"/>
+                </a:ext>
+              </a:extLst>
+            </p:cNvPr>
+            <p:cNvCxnSpPr>
+              <a:cxnSpLocks/>
+              <a:stCxn id="48" idx="1"/>
+            </p:cNvCxnSpPr>
+            <p:nvPr/>
+          </p:nvCxnSpPr>
+          <p:spPr>
+            <a:xfrm flipH="1">
+              <a:off x="4992272" y="2256365"/>
+              <a:ext cx="432956" cy="1523472"/>
+            </a:xfrm>
+            <a:prstGeom prst="straightConnector1">
+              <a:avLst/>
+            </a:prstGeom>
+            <a:ln w="12700">
+              <a:solidFill>
+                <a:schemeClr val="tx1"/>
+              </a:solidFill>
+              <a:tailEnd type="oval"/>
+            </a:ln>
+          </p:spPr>
+          <p:style>
+            <a:lnRef idx="1">
+              <a:schemeClr val="accent1"/>
+            </a:lnRef>
+            <a:fillRef idx="0">
+              <a:schemeClr val="accent1"/>
+            </a:fillRef>
+            <a:effectRef idx="0">
+              <a:schemeClr val="accent1"/>
+            </a:effectRef>
+            <a:fontRef idx="minor">
+              <a:schemeClr val="tx1"/>
+            </a:fontRef>
+          </p:style>
+        </p:cxnSp>
+      </p:grpSp>
+    </p:spTree>
+  </p:cSld>
+  <p:clrMapOvr>
+    <a:masterClrMapping/>
+  </p:clrMapOvr>
+</p:sld>
+</file>
+
+<file path=ppt/slides/slide11.xml><?xml version="1.0" encoding="utf-8"?>
+<p:sld xmlns:a="http://schemas.openxmlformats.org/drawingml/2006/main" xmlns:r="http://schemas.openxmlformats.org/officeDocument/2006/relationships" xmlns:p="http://schemas.openxmlformats.org/presentationml/2006/main">
+  <p:cSld>
+    <p:spTree>
+      <p:nvGrpSpPr>
+        <p:cNvPr id="1" name=""/>
+        <p:cNvGrpSpPr/>
+        <p:nvPr/>
+      </p:nvGrpSpPr>
+      <p:grpSpPr>
+        <a:xfrm>
+          <a:off x="0" y="0"/>
+          <a:ext cx="0" cy="0"/>
+          <a:chOff x="0" y="0"/>
+          <a:chExt cx="0" cy="0"/>
+        </a:xfrm>
+      </p:grpSpPr>
+      <p:pic>
+        <p:nvPicPr>
+          <p:cNvPr id="3" name="図 2">
+            <a:extLst>
+              <a:ext uri="{FF2B5EF4-FFF2-40B4-BE49-F238E27FC236}">
+                <a16:creationId xmlns:a16="http://schemas.microsoft.com/office/drawing/2014/main" id="{3E9ECBA8-A2D9-4A78-99D7-7803B3981FB2}"/>
+              </a:ext>
+            </a:extLst>
+          </p:cNvPr>
+          <p:cNvPicPr>
+            <a:picLocks noChangeAspect="1"/>
+          </p:cNvPicPr>
+          <p:nvPr/>
+        </p:nvPicPr>
+        <p:blipFill>
+          <a:blip r:embed="rId2"/>
+          <a:stretch>
+            <a:fillRect/>
+          </a:stretch>
+        </p:blipFill>
+        <p:spPr>
+          <a:xfrm>
+            <a:off x="224387" y="298873"/>
+            <a:ext cx="7200000" cy="6124141"/>
+          </a:xfrm>
+          <a:prstGeom prst="rect">
+            <a:avLst/>
+          </a:prstGeom>
+        </p:spPr>
+      </p:pic>
+    </p:spTree>
+  </p:cSld>
+  <p:clrMapOvr>
+    <a:masterClrMapping/>
+  </p:clrMapOvr>
+</p:sld>
+</file>
+
+<file path=ppt/slides/slide12.xml><?xml version="1.0" encoding="utf-8"?>
+<p:sld xmlns:a="http://schemas.openxmlformats.org/drawingml/2006/main" xmlns:r="http://schemas.openxmlformats.org/officeDocument/2006/relationships" xmlns:p="http://schemas.openxmlformats.org/presentationml/2006/main">
+  <p:cSld>
+    <p:spTree>
+      <p:nvGrpSpPr>
+        <p:cNvPr id="1" name=""/>
+        <p:cNvGrpSpPr/>
+        <p:nvPr/>
+      </p:nvGrpSpPr>
+      <p:grpSpPr>
+        <a:xfrm>
+          <a:off x="0" y="0"/>
+          <a:ext cx="0" cy="0"/>
+          <a:chOff x="0" y="0"/>
+          <a:chExt cx="0" cy="0"/>
+        </a:xfrm>
+      </p:grpSpPr>
+      <p:pic>
+        <p:nvPicPr>
+          <p:cNvPr id="2" name="図 1">
+            <a:extLst>
+              <a:ext uri="{FF2B5EF4-FFF2-40B4-BE49-F238E27FC236}">
+                <a16:creationId xmlns:a16="http://schemas.microsoft.com/office/drawing/2014/main" id="{19E06FE6-7958-4E63-9C8B-007DB8668330}"/>
+              </a:ext>
+            </a:extLst>
+          </p:cNvPr>
+          <p:cNvPicPr>
+            <a:picLocks noChangeAspect="1"/>
+          </p:cNvPicPr>
+          <p:nvPr/>
+        </p:nvPicPr>
+        <p:blipFill>
+          <a:blip r:embed="rId2"/>
+          <a:stretch>
+            <a:fillRect/>
+          </a:stretch>
+        </p:blipFill>
+        <p:spPr>
+          <a:xfrm>
+            <a:off x="276310" y="331480"/>
+            <a:ext cx="7200000" cy="6124139"/>
+          </a:xfrm>
+          <a:prstGeom prst="rect">
+            <a:avLst/>
+          </a:prstGeom>
+        </p:spPr>
+      </p:pic>
+    </p:spTree>
+  </p:cSld>
+  <p:clrMapOvr>
+    <a:masterClrMapping/>
+  </p:clrMapOvr>
+</p:sld>
+</file>
+
+<file path=ppt/slides/slide13.xml><?xml version="1.0" encoding="utf-8"?>
+<p:sld xmlns:a="http://schemas.openxmlformats.org/drawingml/2006/main" xmlns:r="http://schemas.openxmlformats.org/officeDocument/2006/relationships" xmlns:p="http://schemas.openxmlformats.org/presentationml/2006/main">
+  <p:cSld>
+    <p:spTree>
+      <p:nvGrpSpPr>
+        <p:cNvPr id="1" name=""/>
+        <p:cNvGrpSpPr/>
+        <p:nvPr/>
+      </p:nvGrpSpPr>
+      <p:grpSpPr>
+        <a:xfrm>
+          <a:off x="0" y="0"/>
+          <a:ext cx="0" cy="0"/>
+          <a:chOff x="0" y="0"/>
+          <a:chExt cx="0" cy="0"/>
+        </a:xfrm>
+      </p:grpSpPr>
+      <p:pic>
+        <p:nvPicPr>
+          <p:cNvPr id="2" name="図 1">
+            <a:extLst>
+              <a:ext uri="{FF2B5EF4-FFF2-40B4-BE49-F238E27FC236}">
+                <a16:creationId xmlns:a16="http://schemas.microsoft.com/office/drawing/2014/main" id="{EA692ED9-4009-40E7-BF6A-1F07DEB42D1B}"/>
+              </a:ext>
+            </a:extLst>
+          </p:cNvPr>
+          <p:cNvPicPr>
+            <a:picLocks noChangeAspect="1"/>
+          </p:cNvPicPr>
+          <p:nvPr/>
+        </p:nvPicPr>
+        <p:blipFill>
+          <a:blip r:embed="rId2"/>
+          <a:stretch>
+            <a:fillRect/>
+          </a:stretch>
+        </p:blipFill>
+        <p:spPr>
+          <a:xfrm>
+            <a:off x="387712" y="198437"/>
+            <a:ext cx="7200000" cy="6124139"/>
+          </a:xfrm>
+          <a:prstGeom prst="rect">
+            <a:avLst/>
+          </a:prstGeom>
+        </p:spPr>
+      </p:pic>
+    </p:spTree>
+  </p:cSld>
+  <p:clrMapOvr>
+    <a:masterClrMapping/>
+  </p:clrMapOvr>
+</p:sld>
+</file>
+
+<file path=ppt/slides/slide14.xml><?xml version="1.0" encoding="utf-8"?>
+<p:sld xmlns:a="http://schemas.openxmlformats.org/drawingml/2006/main" xmlns:r="http://schemas.openxmlformats.org/officeDocument/2006/relationships" xmlns:p="http://schemas.openxmlformats.org/presentationml/2006/main">
+  <p:cSld>
+    <p:spTree>
+      <p:nvGrpSpPr>
+        <p:cNvPr id="1" name=""/>
+        <p:cNvGrpSpPr/>
+        <p:nvPr/>
+      </p:nvGrpSpPr>
+      <p:grpSpPr>
+        <a:xfrm>
+          <a:off x="0" y="0"/>
+          <a:ext cx="0" cy="0"/>
+          <a:chOff x="0" y="0"/>
+          <a:chExt cx="0" cy="0"/>
+        </a:xfrm>
+      </p:grpSpPr>
+      <p:pic>
+        <p:nvPicPr>
+          <p:cNvPr id="2" name="図 1">
+            <a:extLst>
+              <a:ext uri="{FF2B5EF4-FFF2-40B4-BE49-F238E27FC236}">
+                <a16:creationId xmlns:a16="http://schemas.microsoft.com/office/drawing/2014/main" id="{B81CE780-9613-4851-9096-A840942777D8}"/>
+              </a:ext>
+            </a:extLst>
+          </p:cNvPr>
+          <p:cNvPicPr>
+            <a:picLocks noChangeAspect="1"/>
+          </p:cNvPicPr>
+          <p:nvPr/>
+        </p:nvPicPr>
+        <p:blipFill>
+          <a:blip r:embed="rId2"/>
+          <a:stretch>
+            <a:fillRect/>
+          </a:stretch>
+        </p:blipFill>
+        <p:spPr>
+          <a:xfrm>
+            <a:off x="462572" y="359304"/>
+            <a:ext cx="7200000" cy="6124139"/>
+          </a:xfrm>
+          <a:prstGeom prst="rect">
+            <a:avLst/>
+          </a:prstGeom>
+        </p:spPr>
+      </p:pic>
+    </p:spTree>
+  </p:cSld>
+  <p:clrMapOvr>
+    <a:masterClrMapping/>
+  </p:clrMapOvr>
+</p:sld>
+</file>
+
+<file path=ppt/slides/slide15.xml><?xml version="1.0" encoding="utf-8"?>
+<p:sld xmlns:a="http://schemas.openxmlformats.org/drawingml/2006/main" xmlns:r="http://schemas.openxmlformats.org/officeDocument/2006/relationships" xmlns:p="http://schemas.openxmlformats.org/presentationml/2006/main">
+  <p:cSld>
+    <p:spTree>
+      <p:nvGrpSpPr>
+        <p:cNvPr id="1" name=""/>
+        <p:cNvGrpSpPr/>
+        <p:nvPr/>
+      </p:nvGrpSpPr>
+      <p:grpSpPr>
+        <a:xfrm>
+          <a:off x="0" y="0"/>
+          <a:ext cx="0" cy="0"/>
+          <a:chOff x="0" y="0"/>
+          <a:chExt cx="0" cy="0"/>
+        </a:xfrm>
+      </p:grpSpPr>
+    </p:spTree>
+    <p:extLst>
+      <p:ext uri="{BB962C8B-B14F-4D97-AF65-F5344CB8AC3E}">
+        <p14:creationId xmlns:p14="http://schemas.microsoft.com/office/powerpoint/2010/main" val="3689192767"/>
+      </p:ext>
+    </p:extLst>
+  </p:cSld>
+  <p:clrMapOvr>
+    <a:masterClrMapping/>
+  </p:clrMapOvr>
+</p:sld>
+</file>
+
+<file path=ppt/slides/slide16.xml><?xml version="1.0" encoding="utf-8"?>
+<p:sld xmlns:a="http://schemas.openxmlformats.org/drawingml/2006/main" xmlns:r="http://schemas.openxmlformats.org/officeDocument/2006/relationships" xmlns:p="http://schemas.openxmlformats.org/presentationml/2006/main">
+  <p:cSld>
+    <p:spTree>
+      <p:nvGrpSpPr>
+        <p:cNvPr id="1" name=""/>
+        <p:cNvGrpSpPr/>
+        <p:nvPr/>
+      </p:nvGrpSpPr>
+      <p:grpSpPr>
+        <a:xfrm>
+          <a:off x="0" y="0"/>
+          <a:ext cx="0" cy="0"/>
+          <a:chOff x="0" y="0"/>
+          <a:chExt cx="0" cy="0"/>
+        </a:xfrm>
+      </p:grpSpPr>
+    </p:spTree>
+    <p:extLst>
+      <p:ext uri="{BB962C8B-B14F-4D97-AF65-F5344CB8AC3E}">
+        <p14:creationId xmlns:p14="http://schemas.microsoft.com/office/powerpoint/2010/main" val="947584466"/>
+      </p:ext>
+    </p:extLst>
+  </p:cSld>
+  <p:clrMapOvr>
+    <a:masterClrMapping/>
+  </p:clrMapOvr>
+</p:sld>
+</file>
+
+<file path=ppt/slides/slide2.xml><?xml version="1.0" encoding="utf-8"?>
+<p:sld xmlns:a="http://schemas.openxmlformats.org/drawingml/2006/main" xmlns:r="http://schemas.openxmlformats.org/officeDocument/2006/relationships" xmlns:p="http://schemas.openxmlformats.org/presentationml/2006/main">
+  <p:cSld>
+    <p:spTree>
+      <p:nvGrpSpPr>
+        <p:cNvPr id="1" name=""/>
+        <p:cNvGrpSpPr/>
+        <p:nvPr/>
+      </p:nvGrpSpPr>
+      <p:grpSpPr>
+        <a:xfrm>
+          <a:off x="0" y="0"/>
+          <a:ext cx="0" cy="0"/>
+          <a:chOff x="0" y="0"/>
+          <a:chExt cx="0" cy="0"/>
+        </a:xfrm>
+      </p:grpSpPr>
+      <p:grpSp>
+        <p:nvGrpSpPr>
+          <p:cNvPr id="13" name="グループ化 12"/>
+          <p:cNvGrpSpPr/>
+          <p:nvPr/>
+        </p:nvGrpSpPr>
+        <p:grpSpPr>
+          <a:xfrm>
+            <a:off x="3251970" y="2009396"/>
+            <a:ext cx="2149067" cy="3245370"/>
+            <a:chOff x="1785255" y="1733006"/>
+            <a:chExt cx="2490654" cy="3326676"/>
+          </a:xfrm>
+        </p:grpSpPr>
+        <p:sp>
+          <p:nvSpPr>
+            <p:cNvPr id="2" name="フリーフォーム: 図形 1"/>
+            <p:cNvSpPr/>
+            <p:nvPr/>
+          </p:nvSpPr>
+          <p:spPr>
+            <a:xfrm>
+              <a:off x="1785257" y="1733006"/>
+              <a:ext cx="2490652" cy="2673531"/>
+            </a:xfrm>
+            <a:custGeom>
+              <a:avLst/>
+              <a:gdLst>
+                <a:gd name="connsiteX0" fmla="*/ 0 w 1915886"/>
+                <a:gd name="connsiteY0" fmla="*/ 1576251 h 1576251"/>
+                <a:gd name="connsiteX1" fmla="*/ 539932 w 1915886"/>
+                <a:gd name="connsiteY1" fmla="*/ 1471748 h 1576251"/>
+                <a:gd name="connsiteX2" fmla="*/ 1210492 w 1915886"/>
+                <a:gd name="connsiteY2" fmla="*/ 1140823 h 1576251"/>
+                <a:gd name="connsiteX3" fmla="*/ 1672046 w 1915886"/>
+                <a:gd name="connsiteY3" fmla="*/ 670560 h 1576251"/>
+                <a:gd name="connsiteX4" fmla="*/ 1863634 w 1915886"/>
+                <a:gd name="connsiteY4" fmla="*/ 217714 h 1576251"/>
+                <a:gd name="connsiteX5" fmla="*/ 1915886 w 1915886"/>
+                <a:gd name="connsiteY5" fmla="*/ 0 h 1576251"/>
+                <a:gd name="connsiteX0-1" fmla="*/ 0 w 1915886"/>
+                <a:gd name="connsiteY0-2" fmla="*/ 1576251 h 1576251"/>
+                <a:gd name="connsiteX1-3" fmla="*/ 559285 w 1915886"/>
+                <a:gd name="connsiteY1-4" fmla="*/ 1402080 h 1576251"/>
+                <a:gd name="connsiteX2-5" fmla="*/ 1210492 w 1915886"/>
+                <a:gd name="connsiteY2-6" fmla="*/ 1140823 h 1576251"/>
+                <a:gd name="connsiteX3-7" fmla="*/ 1672046 w 1915886"/>
+                <a:gd name="connsiteY3-8" fmla="*/ 670560 h 1576251"/>
+                <a:gd name="connsiteX4-9" fmla="*/ 1863634 w 1915886"/>
+                <a:gd name="connsiteY4-10" fmla="*/ 217714 h 1576251"/>
+                <a:gd name="connsiteX5-11" fmla="*/ 1915886 w 1915886"/>
+                <a:gd name="connsiteY5-12" fmla="*/ 0 h 1576251"/>
+                <a:gd name="connsiteX0-13" fmla="*/ 0 w 1915886"/>
+                <a:gd name="connsiteY0-14" fmla="*/ 1576251 h 1576251"/>
+                <a:gd name="connsiteX1-15" fmla="*/ 559285 w 1915886"/>
+                <a:gd name="connsiteY1-16" fmla="*/ 1402080 h 1576251"/>
+                <a:gd name="connsiteX2-17" fmla="*/ 1152436 w 1915886"/>
+                <a:gd name="connsiteY2-18" fmla="*/ 1079863 h 1576251"/>
+                <a:gd name="connsiteX3-19" fmla="*/ 1672046 w 1915886"/>
+                <a:gd name="connsiteY3-20" fmla="*/ 670560 h 1576251"/>
+                <a:gd name="connsiteX4-21" fmla="*/ 1863634 w 1915886"/>
+                <a:gd name="connsiteY4-22" fmla="*/ 217714 h 1576251"/>
+                <a:gd name="connsiteX5-23" fmla="*/ 1915886 w 1915886"/>
+                <a:gd name="connsiteY5-24" fmla="*/ 0 h 1576251"/>
+                <a:gd name="connsiteX0-25" fmla="*/ 0 w 1915886"/>
+                <a:gd name="connsiteY0-26" fmla="*/ 1576251 h 1576251"/>
+                <a:gd name="connsiteX1-27" fmla="*/ 559285 w 1915886"/>
+                <a:gd name="connsiteY1-28" fmla="*/ 1402080 h 1576251"/>
+                <a:gd name="connsiteX2-29" fmla="*/ 1152436 w 1915886"/>
+                <a:gd name="connsiteY2-30" fmla="*/ 1079863 h 1576251"/>
+                <a:gd name="connsiteX3-31" fmla="*/ 1555931 w 1915886"/>
+                <a:gd name="connsiteY3-32" fmla="*/ 687977 h 1576251"/>
+                <a:gd name="connsiteX4-33" fmla="*/ 1863634 w 1915886"/>
+                <a:gd name="connsiteY4-34" fmla="*/ 217714 h 1576251"/>
+                <a:gd name="connsiteX5-35" fmla="*/ 1915886 w 1915886"/>
+                <a:gd name="connsiteY5-36" fmla="*/ 0 h 1576251"/>
+                <a:gd name="connsiteX0-37" fmla="*/ 0 w 1915886"/>
+                <a:gd name="connsiteY0-38" fmla="*/ 1576251 h 1576251"/>
+                <a:gd name="connsiteX1-39" fmla="*/ 559285 w 1915886"/>
+                <a:gd name="connsiteY1-40" fmla="*/ 1402080 h 1576251"/>
+                <a:gd name="connsiteX2-41" fmla="*/ 1152436 w 1915886"/>
+                <a:gd name="connsiteY2-42" fmla="*/ 1079863 h 1576251"/>
+                <a:gd name="connsiteX3-43" fmla="*/ 1555931 w 1915886"/>
+                <a:gd name="connsiteY3-44" fmla="*/ 687977 h 1576251"/>
+                <a:gd name="connsiteX4-45" fmla="*/ 1786225 w 1915886"/>
+                <a:gd name="connsiteY4-46" fmla="*/ 322217 h 1576251"/>
+                <a:gd name="connsiteX5-47" fmla="*/ 1915886 w 1915886"/>
+                <a:gd name="connsiteY5-48" fmla="*/ 0 h 1576251"/>
+                <a:gd name="connsiteX0-49" fmla="*/ 0 w 1915886"/>
+                <a:gd name="connsiteY0-50" fmla="*/ 1576251 h 1576251"/>
+                <a:gd name="connsiteX1-51" fmla="*/ 559285 w 1915886"/>
+                <a:gd name="connsiteY1-52" fmla="*/ 1402080 h 1576251"/>
+                <a:gd name="connsiteX2-53" fmla="*/ 1152436 w 1915886"/>
+                <a:gd name="connsiteY2-54" fmla="*/ 1079863 h 1576251"/>
+                <a:gd name="connsiteX3-55" fmla="*/ 1555931 w 1915886"/>
+                <a:gd name="connsiteY3-56" fmla="*/ 687977 h 1576251"/>
+                <a:gd name="connsiteX4-57" fmla="*/ 1786225 w 1915886"/>
+                <a:gd name="connsiteY4-58" fmla="*/ 365760 h 1576251"/>
+                <a:gd name="connsiteX5-59" fmla="*/ 1915886 w 1915886"/>
+                <a:gd name="connsiteY5-60" fmla="*/ 0 h 1576251"/>
+                <a:gd name="connsiteX0-61" fmla="*/ 0 w 1915886"/>
+                <a:gd name="connsiteY0-62" fmla="*/ 1576251 h 1576251"/>
+                <a:gd name="connsiteX1-63" fmla="*/ 559285 w 1915886"/>
+                <a:gd name="connsiteY1-64" fmla="*/ 1402080 h 1576251"/>
+                <a:gd name="connsiteX2-65" fmla="*/ 1152436 w 1915886"/>
+                <a:gd name="connsiteY2-66" fmla="*/ 1079863 h 1576251"/>
+                <a:gd name="connsiteX3-67" fmla="*/ 1555931 w 1915886"/>
+                <a:gd name="connsiteY3-68" fmla="*/ 687977 h 1576251"/>
+                <a:gd name="connsiteX4-69" fmla="*/ 1786225 w 1915886"/>
+                <a:gd name="connsiteY4-70" fmla="*/ 365760 h 1576251"/>
+                <a:gd name="connsiteX5-71" fmla="*/ 1915886 w 1915886"/>
+                <a:gd name="connsiteY5-72" fmla="*/ 0 h 1576251"/>
+                <a:gd name="connsiteX0-73" fmla="*/ 0 w 1915886"/>
+                <a:gd name="connsiteY0-74" fmla="*/ 1576251 h 1576251"/>
+                <a:gd name="connsiteX1-75" fmla="*/ 559285 w 1915886"/>
+                <a:gd name="connsiteY1-76" fmla="*/ 1402080 h 1576251"/>
+                <a:gd name="connsiteX2-77" fmla="*/ 1152436 w 1915886"/>
+                <a:gd name="connsiteY2-78" fmla="*/ 1079863 h 1576251"/>
+                <a:gd name="connsiteX3-79" fmla="*/ 1555931 w 1915886"/>
+                <a:gd name="connsiteY3-80" fmla="*/ 687977 h 1576251"/>
+                <a:gd name="connsiteX4-81" fmla="*/ 1786225 w 1915886"/>
+                <a:gd name="connsiteY4-82" fmla="*/ 365760 h 1576251"/>
+                <a:gd name="connsiteX5-83" fmla="*/ 1915886 w 1915886"/>
+                <a:gd name="connsiteY5-84" fmla="*/ 0 h 1576251"/>
+                <a:gd name="connsiteX0-85" fmla="*/ 0 w 1915886"/>
+                <a:gd name="connsiteY0-86" fmla="*/ 1576251 h 1576251"/>
+                <a:gd name="connsiteX1-87" fmla="*/ 559285 w 1915886"/>
+                <a:gd name="connsiteY1-88" fmla="*/ 1402080 h 1576251"/>
+                <a:gd name="connsiteX2-89" fmla="*/ 1152436 w 1915886"/>
+                <a:gd name="connsiteY2-90" fmla="*/ 1079863 h 1576251"/>
+                <a:gd name="connsiteX3-91" fmla="*/ 1517227 w 1915886"/>
+                <a:gd name="connsiteY3-92" fmla="*/ 722812 h 1576251"/>
+                <a:gd name="connsiteX4-93" fmla="*/ 1786225 w 1915886"/>
+                <a:gd name="connsiteY4-94" fmla="*/ 365760 h 1576251"/>
+                <a:gd name="connsiteX5-95" fmla="*/ 1915886 w 1915886"/>
+                <a:gd name="connsiteY5-96" fmla="*/ 0 h 1576251"/>
+                <a:gd name="connsiteX0-97" fmla="*/ 0 w 1915886"/>
+                <a:gd name="connsiteY0-98" fmla="*/ 1576251 h 1576251"/>
+                <a:gd name="connsiteX1-99" fmla="*/ 559285 w 1915886"/>
+                <a:gd name="connsiteY1-100" fmla="*/ 1402080 h 1576251"/>
+                <a:gd name="connsiteX2-101" fmla="*/ 1152436 w 1915886"/>
+                <a:gd name="connsiteY2-102" fmla="*/ 1079863 h 1576251"/>
+                <a:gd name="connsiteX3-103" fmla="*/ 1517227 w 1915886"/>
+                <a:gd name="connsiteY3-104" fmla="*/ 722812 h 1576251"/>
+                <a:gd name="connsiteX4-105" fmla="*/ 1786225 w 1915886"/>
+                <a:gd name="connsiteY4-106" fmla="*/ 365760 h 1576251"/>
+                <a:gd name="connsiteX5-107" fmla="*/ 1915886 w 1915886"/>
+                <a:gd name="connsiteY5-108" fmla="*/ 0 h 1576251"/>
+                <a:gd name="connsiteX0-109" fmla="*/ 0 w 1915886"/>
+                <a:gd name="connsiteY0-110" fmla="*/ 1576251 h 1576251"/>
+                <a:gd name="connsiteX1-111" fmla="*/ 539189 w 1915886"/>
+                <a:gd name="connsiteY1-112" fmla="*/ 1381542 h 1576251"/>
+                <a:gd name="connsiteX2-113" fmla="*/ 1152436 w 1915886"/>
+                <a:gd name="connsiteY2-114" fmla="*/ 1079863 h 1576251"/>
+                <a:gd name="connsiteX3-115" fmla="*/ 1517227 w 1915886"/>
+                <a:gd name="connsiteY3-116" fmla="*/ 722812 h 1576251"/>
+                <a:gd name="connsiteX4-117" fmla="*/ 1786225 w 1915886"/>
+                <a:gd name="connsiteY4-118" fmla="*/ 365760 h 1576251"/>
+                <a:gd name="connsiteX5-119" fmla="*/ 1915886 w 1915886"/>
+                <a:gd name="connsiteY5-120" fmla="*/ 0 h 1576251"/>
+                <a:gd name="connsiteX0-121" fmla="*/ 0 w 1915886"/>
+                <a:gd name="connsiteY0-122" fmla="*/ 1576251 h 1576251"/>
+                <a:gd name="connsiteX1-123" fmla="*/ 539189 w 1915886"/>
+                <a:gd name="connsiteY1-124" fmla="*/ 1381542 h 1576251"/>
+                <a:gd name="connsiteX2-125" fmla="*/ 1125641 w 1915886"/>
+                <a:gd name="connsiteY2-126" fmla="*/ 1074728 h 1576251"/>
+                <a:gd name="connsiteX3-127" fmla="*/ 1517227 w 1915886"/>
+                <a:gd name="connsiteY3-128" fmla="*/ 722812 h 1576251"/>
+                <a:gd name="connsiteX4-129" fmla="*/ 1786225 w 1915886"/>
+                <a:gd name="connsiteY4-130" fmla="*/ 365760 h 1576251"/>
+                <a:gd name="connsiteX5-131" fmla="*/ 1915886 w 1915886"/>
+                <a:gd name="connsiteY5-132" fmla="*/ 0 h 1576251"/>
+                <a:gd name="connsiteX0-133" fmla="*/ 0 w 1915886"/>
+                <a:gd name="connsiteY0-134" fmla="*/ 1576251 h 1576251"/>
+                <a:gd name="connsiteX1-135" fmla="*/ 539189 w 1915886"/>
+                <a:gd name="connsiteY1-136" fmla="*/ 1381542 h 1576251"/>
+                <a:gd name="connsiteX2-137" fmla="*/ 1125641 w 1915886"/>
+                <a:gd name="connsiteY2-138" fmla="*/ 1074728 h 1576251"/>
+                <a:gd name="connsiteX3-139" fmla="*/ 1456937 w 1915886"/>
+                <a:gd name="connsiteY3-140" fmla="*/ 758753 h 1576251"/>
+                <a:gd name="connsiteX4-141" fmla="*/ 1786225 w 1915886"/>
+                <a:gd name="connsiteY4-142" fmla="*/ 365760 h 1576251"/>
+                <a:gd name="connsiteX5-143" fmla="*/ 1915886 w 1915886"/>
+                <a:gd name="connsiteY5-144" fmla="*/ 0 h 1576251"/>
+                <a:gd name="connsiteX0-145" fmla="*/ 0 w 1915886"/>
+                <a:gd name="connsiteY0-146" fmla="*/ 1576251 h 1576251"/>
+                <a:gd name="connsiteX1-147" fmla="*/ 539189 w 1915886"/>
+                <a:gd name="connsiteY1-148" fmla="*/ 1381542 h 1576251"/>
+                <a:gd name="connsiteX2-149" fmla="*/ 1125641 w 1915886"/>
+                <a:gd name="connsiteY2-150" fmla="*/ 1074728 h 1576251"/>
+                <a:gd name="connsiteX3-151" fmla="*/ 1456937 w 1915886"/>
+                <a:gd name="connsiteY3-152" fmla="*/ 758753 h 1576251"/>
+                <a:gd name="connsiteX4-153" fmla="*/ 1739333 w 1915886"/>
+                <a:gd name="connsiteY4-154" fmla="*/ 381164 h 1576251"/>
+                <a:gd name="connsiteX5-155" fmla="*/ 1915886 w 1915886"/>
+                <a:gd name="connsiteY5-156" fmla="*/ 0 h 1576251"/>
+                <a:gd name="connsiteX0-157" fmla="*/ 0 w 1915886"/>
+                <a:gd name="connsiteY0-158" fmla="*/ 1576251 h 1576251"/>
+                <a:gd name="connsiteX1-159" fmla="*/ 539189 w 1915886"/>
+                <a:gd name="connsiteY1-160" fmla="*/ 1381542 h 1576251"/>
+                <a:gd name="connsiteX2-161" fmla="*/ 1125641 w 1915886"/>
+                <a:gd name="connsiteY2-162" fmla="*/ 1074728 h 1576251"/>
+                <a:gd name="connsiteX3-163" fmla="*/ 1423442 w 1915886"/>
+                <a:gd name="connsiteY3-164" fmla="*/ 784425 h 1576251"/>
+                <a:gd name="connsiteX4-165" fmla="*/ 1739333 w 1915886"/>
+                <a:gd name="connsiteY4-166" fmla="*/ 381164 h 1576251"/>
+                <a:gd name="connsiteX5-167" fmla="*/ 1915886 w 1915886"/>
+                <a:gd name="connsiteY5-168" fmla="*/ 0 h 1576251"/>
+                <a:gd name="connsiteX0-169" fmla="*/ 0 w 1915886"/>
+                <a:gd name="connsiteY0-170" fmla="*/ 1576251 h 1576251"/>
+                <a:gd name="connsiteX1-171" fmla="*/ 539189 w 1915886"/>
+                <a:gd name="connsiteY1-172" fmla="*/ 1381542 h 1576251"/>
+                <a:gd name="connsiteX2-173" fmla="*/ 1045255 w 1915886"/>
+                <a:gd name="connsiteY2-174" fmla="*/ 1084996 h 1576251"/>
+                <a:gd name="connsiteX3-175" fmla="*/ 1423442 w 1915886"/>
+                <a:gd name="connsiteY3-176" fmla="*/ 784425 h 1576251"/>
+                <a:gd name="connsiteX4-177" fmla="*/ 1739333 w 1915886"/>
+                <a:gd name="connsiteY4-178" fmla="*/ 381164 h 1576251"/>
+                <a:gd name="connsiteX5-179" fmla="*/ 1915886 w 1915886"/>
+                <a:gd name="connsiteY5-180" fmla="*/ 0 h 1576251"/>
+                <a:gd name="connsiteX0-181" fmla="*/ 0 w 1915886"/>
+                <a:gd name="connsiteY0-182" fmla="*/ 1576251 h 1576251"/>
+                <a:gd name="connsiteX1-183" fmla="*/ 565985 w 1915886"/>
+                <a:gd name="connsiteY1-184" fmla="*/ 1345602 h 1576251"/>
+                <a:gd name="connsiteX2-185" fmla="*/ 1045255 w 1915886"/>
+                <a:gd name="connsiteY2-186" fmla="*/ 1084996 h 1576251"/>
+                <a:gd name="connsiteX3-187" fmla="*/ 1423442 w 1915886"/>
+                <a:gd name="connsiteY3-188" fmla="*/ 784425 h 1576251"/>
+                <a:gd name="connsiteX4-189" fmla="*/ 1739333 w 1915886"/>
+                <a:gd name="connsiteY4-190" fmla="*/ 381164 h 1576251"/>
+                <a:gd name="connsiteX5-191" fmla="*/ 1915886 w 1915886"/>
+                <a:gd name="connsiteY5-192" fmla="*/ 0 h 1576251"/>
+              </a:gdLst>
+              <a:ahLst/>
+              <a:cxnLst>
+                <a:cxn ang="0">
+                  <a:pos x="connsiteX0-1" y="connsiteY0-2"/>
+                </a:cxn>
+                <a:cxn ang="0">
+                  <a:pos x="connsiteX1-3" y="connsiteY1-4"/>
+                </a:cxn>
+                <a:cxn ang="0">
+                  <a:pos x="connsiteX2-5" y="connsiteY2-6"/>
+                </a:cxn>
+                <a:cxn ang="0">
+                  <a:pos x="connsiteX3-7" y="connsiteY3-8"/>
+                </a:cxn>
+                <a:cxn ang="0">
+                  <a:pos x="connsiteX4-9" y="connsiteY4-10"/>
+                </a:cxn>
+                <a:cxn ang="0">
+                  <a:pos x="connsiteX5-11" y="connsiteY5-12"/>
+                </a:cxn>
+              </a:cxnLst>
+              <a:rect l="l" t="t" r="r" b="b"/>
+              <a:pathLst>
+                <a:path w="1915886" h="1576251">
+                  <a:moveTo>
+                    <a:pt x="0" y="1576251"/>
+                  </a:moveTo>
+                  <a:cubicBezTo>
+                    <a:pt x="202585" y="1498673"/>
+                    <a:pt x="391776" y="1427478"/>
+                    <a:pt x="565985" y="1345602"/>
+                  </a:cubicBezTo>
+                  <a:cubicBezTo>
+                    <a:pt x="740194" y="1263726"/>
+                    <a:pt x="902345" y="1178526"/>
+                    <a:pt x="1045255" y="1084996"/>
+                  </a:cubicBezTo>
+                  <a:cubicBezTo>
+                    <a:pt x="1188165" y="991466"/>
+                    <a:pt x="1307762" y="901730"/>
+                    <a:pt x="1423442" y="784425"/>
+                  </a:cubicBezTo>
+                  <a:cubicBezTo>
+                    <a:pt x="1539122" y="667120"/>
+                    <a:pt x="1640635" y="545176"/>
+                    <a:pt x="1739333" y="381164"/>
+                  </a:cubicBezTo>
+                  <a:cubicBezTo>
+                    <a:pt x="1828354" y="225861"/>
+                    <a:pt x="1910080" y="52977"/>
+                    <a:pt x="1915886" y="0"/>
+                  </a:cubicBezTo>
+                </a:path>
+              </a:pathLst>
+            </a:custGeom>
+            <a:ln w="19050">
+              <a:headEnd type="none" w="med" len="med"/>
+              <a:tailEnd type="arrow" w="med" len="med"/>
+            </a:ln>
+          </p:spPr>
+          <p:style>
+            <a:lnRef idx="1">
+              <a:schemeClr val="dk1"/>
+            </a:lnRef>
+            <a:fillRef idx="0">
+              <a:schemeClr val="dk1"/>
+            </a:fillRef>
+            <a:effectRef idx="0">
+              <a:schemeClr val="dk1"/>
+            </a:effectRef>
+            <a:fontRef idx="minor">
+              <a:schemeClr val="tx1"/>
+            </a:fontRef>
+          </p:style>
+          <p:txBody>
+            <a:bodyPr rtlCol="0" anchor="ctr"/>
+            <a:lstStyle/>
+            <a:p>
+              <a:pPr algn="ctr"/>
+              <a:endParaRPr lang="ja-JP" altLang="en-US" sz="1350"/>
+            </a:p>
+          </p:txBody>
+        </p:sp>
+        <p:sp>
+          <p:nvSpPr>
+            <p:cNvPr id="3" name="フリーフォーム: 図形 2"/>
+            <p:cNvSpPr/>
+            <p:nvPr/>
+          </p:nvSpPr>
+          <p:spPr>
+            <a:xfrm>
+              <a:off x="1785255" y="4005945"/>
+              <a:ext cx="2464525" cy="1053737"/>
+            </a:xfrm>
+            <a:custGeom>
+              <a:avLst/>
+              <a:gdLst>
+                <a:gd name="connsiteX0" fmla="*/ 0 w 1915886"/>
+                <a:gd name="connsiteY0" fmla="*/ 1576251 h 1576251"/>
+                <a:gd name="connsiteX1" fmla="*/ 539932 w 1915886"/>
+                <a:gd name="connsiteY1" fmla="*/ 1471748 h 1576251"/>
+                <a:gd name="connsiteX2" fmla="*/ 1210492 w 1915886"/>
+                <a:gd name="connsiteY2" fmla="*/ 1140823 h 1576251"/>
+                <a:gd name="connsiteX3" fmla="*/ 1672046 w 1915886"/>
+                <a:gd name="connsiteY3" fmla="*/ 670560 h 1576251"/>
+                <a:gd name="connsiteX4" fmla="*/ 1863634 w 1915886"/>
+                <a:gd name="connsiteY4" fmla="*/ 217714 h 1576251"/>
+                <a:gd name="connsiteX5" fmla="*/ 1915886 w 1915886"/>
+                <a:gd name="connsiteY5" fmla="*/ 0 h 1576251"/>
+                <a:gd name="connsiteX0-1" fmla="*/ 0 w 1915886"/>
+                <a:gd name="connsiteY0-2" fmla="*/ 1576251 h 1576251"/>
+                <a:gd name="connsiteX1-3" fmla="*/ 559285 w 1915886"/>
+                <a:gd name="connsiteY1-4" fmla="*/ 1402080 h 1576251"/>
+                <a:gd name="connsiteX2-5" fmla="*/ 1210492 w 1915886"/>
+                <a:gd name="connsiteY2-6" fmla="*/ 1140823 h 1576251"/>
+                <a:gd name="connsiteX3-7" fmla="*/ 1672046 w 1915886"/>
+                <a:gd name="connsiteY3-8" fmla="*/ 670560 h 1576251"/>
+                <a:gd name="connsiteX4-9" fmla="*/ 1863634 w 1915886"/>
+                <a:gd name="connsiteY4-10" fmla="*/ 217714 h 1576251"/>
+                <a:gd name="connsiteX5-11" fmla="*/ 1915886 w 1915886"/>
+                <a:gd name="connsiteY5-12" fmla="*/ 0 h 1576251"/>
+                <a:gd name="connsiteX0-13" fmla="*/ 0 w 1915886"/>
+                <a:gd name="connsiteY0-14" fmla="*/ 1576251 h 1576251"/>
+                <a:gd name="connsiteX1-15" fmla="*/ 559285 w 1915886"/>
+                <a:gd name="connsiteY1-16" fmla="*/ 1402080 h 1576251"/>
+                <a:gd name="connsiteX2-17" fmla="*/ 1152436 w 1915886"/>
+                <a:gd name="connsiteY2-18" fmla="*/ 1079863 h 1576251"/>
+                <a:gd name="connsiteX3-19" fmla="*/ 1672046 w 1915886"/>
+                <a:gd name="connsiteY3-20" fmla="*/ 670560 h 1576251"/>
+                <a:gd name="connsiteX4-21" fmla="*/ 1863634 w 1915886"/>
+                <a:gd name="connsiteY4-22" fmla="*/ 217714 h 1576251"/>
+                <a:gd name="connsiteX5-23" fmla="*/ 1915886 w 1915886"/>
+                <a:gd name="connsiteY5-24" fmla="*/ 0 h 1576251"/>
+                <a:gd name="connsiteX0-25" fmla="*/ 0 w 1915886"/>
+                <a:gd name="connsiteY0-26" fmla="*/ 1576251 h 1576251"/>
+                <a:gd name="connsiteX1-27" fmla="*/ 559285 w 1915886"/>
+                <a:gd name="connsiteY1-28" fmla="*/ 1402080 h 1576251"/>
+                <a:gd name="connsiteX2-29" fmla="*/ 1152436 w 1915886"/>
+                <a:gd name="connsiteY2-30" fmla="*/ 1079863 h 1576251"/>
+                <a:gd name="connsiteX3-31" fmla="*/ 1555931 w 1915886"/>
+                <a:gd name="connsiteY3-32" fmla="*/ 687977 h 1576251"/>
+                <a:gd name="connsiteX4-33" fmla="*/ 1863634 w 1915886"/>
+                <a:gd name="connsiteY4-34" fmla="*/ 217714 h 1576251"/>
+                <a:gd name="connsiteX5-35" fmla="*/ 1915886 w 1915886"/>
+                <a:gd name="connsiteY5-36" fmla="*/ 0 h 1576251"/>
+                <a:gd name="connsiteX0-37" fmla="*/ 0 w 1915886"/>
+                <a:gd name="connsiteY0-38" fmla="*/ 1576251 h 1576251"/>
+                <a:gd name="connsiteX1-39" fmla="*/ 559285 w 1915886"/>
+                <a:gd name="connsiteY1-40" fmla="*/ 1402080 h 1576251"/>
+                <a:gd name="connsiteX2-41" fmla="*/ 1152436 w 1915886"/>
+                <a:gd name="connsiteY2-42" fmla="*/ 1079863 h 1576251"/>
+                <a:gd name="connsiteX3-43" fmla="*/ 1555931 w 1915886"/>
+                <a:gd name="connsiteY3-44" fmla="*/ 687977 h 1576251"/>
+                <a:gd name="connsiteX4-45" fmla="*/ 1786225 w 1915886"/>
+                <a:gd name="connsiteY4-46" fmla="*/ 322217 h 1576251"/>
+                <a:gd name="connsiteX5-47" fmla="*/ 1915886 w 1915886"/>
+                <a:gd name="connsiteY5-48" fmla="*/ 0 h 1576251"/>
+                <a:gd name="connsiteX0-49" fmla="*/ 0 w 1915886"/>
+                <a:gd name="connsiteY0-50" fmla="*/ 1576251 h 1576251"/>
+                <a:gd name="connsiteX1-51" fmla="*/ 559285 w 1915886"/>
+                <a:gd name="connsiteY1-52" fmla="*/ 1402080 h 1576251"/>
+                <a:gd name="connsiteX2-53" fmla="*/ 1152436 w 1915886"/>
+                <a:gd name="connsiteY2-54" fmla="*/ 1079863 h 1576251"/>
+                <a:gd name="connsiteX3-55" fmla="*/ 1555931 w 1915886"/>
+                <a:gd name="connsiteY3-56" fmla="*/ 687977 h 1576251"/>
+                <a:gd name="connsiteX4-57" fmla="*/ 1786225 w 1915886"/>
+                <a:gd name="connsiteY4-58" fmla="*/ 365760 h 1576251"/>
+                <a:gd name="connsiteX5-59" fmla="*/ 1915886 w 1915886"/>
+                <a:gd name="connsiteY5-60" fmla="*/ 0 h 1576251"/>
+                <a:gd name="connsiteX0-61" fmla="*/ 0 w 1915886"/>
+                <a:gd name="connsiteY0-62" fmla="*/ 1576251 h 1576251"/>
+                <a:gd name="connsiteX1-63" fmla="*/ 559285 w 1915886"/>
+                <a:gd name="connsiteY1-64" fmla="*/ 1402080 h 1576251"/>
+                <a:gd name="connsiteX2-65" fmla="*/ 1152436 w 1915886"/>
+                <a:gd name="connsiteY2-66" fmla="*/ 1079863 h 1576251"/>
+                <a:gd name="connsiteX3-67" fmla="*/ 1555931 w 1915886"/>
+                <a:gd name="connsiteY3-68" fmla="*/ 687977 h 1576251"/>
+                <a:gd name="connsiteX4-69" fmla="*/ 1786225 w 1915886"/>
+                <a:gd name="connsiteY4-70" fmla="*/ 365760 h 1576251"/>
+                <a:gd name="connsiteX5-71" fmla="*/ 1915886 w 1915886"/>
+                <a:gd name="connsiteY5-72" fmla="*/ 0 h 1576251"/>
+                <a:gd name="connsiteX0-73" fmla="*/ 0 w 1915886"/>
+                <a:gd name="connsiteY0-74" fmla="*/ 1576251 h 1576251"/>
+                <a:gd name="connsiteX1-75" fmla="*/ 559285 w 1915886"/>
+                <a:gd name="connsiteY1-76" fmla="*/ 1402080 h 1576251"/>
+                <a:gd name="connsiteX2-77" fmla="*/ 1152436 w 1915886"/>
+                <a:gd name="connsiteY2-78" fmla="*/ 1079863 h 1576251"/>
+                <a:gd name="connsiteX3-79" fmla="*/ 1555931 w 1915886"/>
+                <a:gd name="connsiteY3-80" fmla="*/ 687977 h 1576251"/>
+                <a:gd name="connsiteX4-81" fmla="*/ 1786225 w 1915886"/>
+                <a:gd name="connsiteY4-82" fmla="*/ 365760 h 1576251"/>
+                <a:gd name="connsiteX5-83" fmla="*/ 1915886 w 1915886"/>
+                <a:gd name="connsiteY5-84" fmla="*/ 0 h 1576251"/>
+                <a:gd name="connsiteX0-85" fmla="*/ 0 w 1915886"/>
+                <a:gd name="connsiteY0-86" fmla="*/ 1576251 h 1576251"/>
+                <a:gd name="connsiteX1-87" fmla="*/ 559285 w 1915886"/>
+                <a:gd name="connsiteY1-88" fmla="*/ 1402080 h 1576251"/>
+                <a:gd name="connsiteX2-89" fmla="*/ 1152436 w 1915886"/>
+                <a:gd name="connsiteY2-90" fmla="*/ 1079863 h 1576251"/>
+                <a:gd name="connsiteX3-91" fmla="*/ 1517227 w 1915886"/>
+                <a:gd name="connsiteY3-92" fmla="*/ 722812 h 1576251"/>
+                <a:gd name="connsiteX4-93" fmla="*/ 1786225 w 1915886"/>
+                <a:gd name="connsiteY4-94" fmla="*/ 365760 h 1576251"/>
+                <a:gd name="connsiteX5-95" fmla="*/ 1915886 w 1915886"/>
+                <a:gd name="connsiteY5-96" fmla="*/ 0 h 1576251"/>
+                <a:gd name="connsiteX0-97" fmla="*/ 0 w 1915886"/>
+                <a:gd name="connsiteY0-98" fmla="*/ 1576251 h 1576251"/>
+                <a:gd name="connsiteX1-99" fmla="*/ 572683 w 1915886"/>
+                <a:gd name="connsiteY1-100" fmla="*/ 1453424 h 1576251"/>
+                <a:gd name="connsiteX2-101" fmla="*/ 1152436 w 1915886"/>
+                <a:gd name="connsiteY2-102" fmla="*/ 1079863 h 1576251"/>
+                <a:gd name="connsiteX3-103" fmla="*/ 1517227 w 1915886"/>
+                <a:gd name="connsiteY3-104" fmla="*/ 722812 h 1576251"/>
+                <a:gd name="connsiteX4-105" fmla="*/ 1786225 w 1915886"/>
+                <a:gd name="connsiteY4-106" fmla="*/ 365760 h 1576251"/>
+                <a:gd name="connsiteX5-107" fmla="*/ 1915886 w 1915886"/>
+                <a:gd name="connsiteY5-108" fmla="*/ 0 h 1576251"/>
+                <a:gd name="connsiteX0-109" fmla="*/ 0 w 1915886"/>
+                <a:gd name="connsiteY0-110" fmla="*/ 1576251 h 1576251"/>
+                <a:gd name="connsiteX1-111" fmla="*/ 572683 w 1915886"/>
+                <a:gd name="connsiteY1-112" fmla="*/ 1453424 h 1576251"/>
+                <a:gd name="connsiteX2-113" fmla="*/ 1112242 w 1915886"/>
+                <a:gd name="connsiteY2-114" fmla="*/ 1316044 h 1576251"/>
+                <a:gd name="connsiteX3-115" fmla="*/ 1517227 w 1915886"/>
+                <a:gd name="connsiteY3-116" fmla="*/ 722812 h 1576251"/>
+                <a:gd name="connsiteX4-117" fmla="*/ 1786225 w 1915886"/>
+                <a:gd name="connsiteY4-118" fmla="*/ 365760 h 1576251"/>
+                <a:gd name="connsiteX5-119" fmla="*/ 1915886 w 1915886"/>
+                <a:gd name="connsiteY5-120" fmla="*/ 0 h 1576251"/>
+                <a:gd name="connsiteX0-121" fmla="*/ 0 w 1915886"/>
+                <a:gd name="connsiteY0-122" fmla="*/ 1576251 h 1576251"/>
+                <a:gd name="connsiteX1-123" fmla="*/ 525791 w 1915886"/>
+                <a:gd name="connsiteY1-124" fmla="*/ 1499634 h 1576251"/>
+                <a:gd name="connsiteX2-125" fmla="*/ 1112242 w 1915886"/>
+                <a:gd name="connsiteY2-126" fmla="*/ 1316044 h 1576251"/>
+                <a:gd name="connsiteX3-127" fmla="*/ 1517227 w 1915886"/>
+                <a:gd name="connsiteY3-128" fmla="*/ 722812 h 1576251"/>
+                <a:gd name="connsiteX4-129" fmla="*/ 1786225 w 1915886"/>
+                <a:gd name="connsiteY4-130" fmla="*/ 365760 h 1576251"/>
+                <a:gd name="connsiteX5-131" fmla="*/ 1915886 w 1915886"/>
+                <a:gd name="connsiteY5-132" fmla="*/ 0 h 1576251"/>
+                <a:gd name="connsiteX0-133" fmla="*/ 0 w 1915886"/>
+                <a:gd name="connsiteY0-134" fmla="*/ 1576251 h 1576251"/>
+                <a:gd name="connsiteX1-135" fmla="*/ 525791 w 1915886"/>
+                <a:gd name="connsiteY1-136" fmla="*/ 1499634 h 1576251"/>
+                <a:gd name="connsiteX2-137" fmla="*/ 1112242 w 1915886"/>
+                <a:gd name="connsiteY2-138" fmla="*/ 1316044 h 1576251"/>
+                <a:gd name="connsiteX3-139" fmla="*/ 1490431 w 1915886"/>
+                <a:gd name="connsiteY3-140" fmla="*/ 1133562 h 1576251"/>
+                <a:gd name="connsiteX4-141" fmla="*/ 1786225 w 1915886"/>
+                <a:gd name="connsiteY4-142" fmla="*/ 365760 h 1576251"/>
+                <a:gd name="connsiteX5-143" fmla="*/ 1915886 w 1915886"/>
+                <a:gd name="connsiteY5-144" fmla="*/ 0 h 1576251"/>
+                <a:gd name="connsiteX0-145" fmla="*/ 0 w 1915886"/>
+                <a:gd name="connsiteY0-146" fmla="*/ 1576251 h 1576251"/>
+                <a:gd name="connsiteX1-147" fmla="*/ 525791 w 1915886"/>
+                <a:gd name="connsiteY1-148" fmla="*/ 1499634 h 1576251"/>
+                <a:gd name="connsiteX2-149" fmla="*/ 1112242 w 1915886"/>
+                <a:gd name="connsiteY2-150" fmla="*/ 1316044 h 1576251"/>
+                <a:gd name="connsiteX3-151" fmla="*/ 1490431 w 1915886"/>
+                <a:gd name="connsiteY3-152" fmla="*/ 1133562 h 1576251"/>
+                <a:gd name="connsiteX4-153" fmla="*/ 1786225 w 1915886"/>
+                <a:gd name="connsiteY4-154" fmla="*/ 920272 h 1576251"/>
+                <a:gd name="connsiteX5-155" fmla="*/ 1915886 w 1915886"/>
+                <a:gd name="connsiteY5-156" fmla="*/ 0 h 1576251"/>
+                <a:gd name="connsiteX0-157" fmla="*/ 0 w 1915886"/>
+                <a:gd name="connsiteY0-158" fmla="*/ 1576251 h 1576251"/>
+                <a:gd name="connsiteX1-159" fmla="*/ 525791 w 1915886"/>
+                <a:gd name="connsiteY1-160" fmla="*/ 1499634 h 1576251"/>
+                <a:gd name="connsiteX2-161" fmla="*/ 1112242 w 1915886"/>
+                <a:gd name="connsiteY2-162" fmla="*/ 1316044 h 1576251"/>
+                <a:gd name="connsiteX3-163" fmla="*/ 1383248 w 1915886"/>
+                <a:gd name="connsiteY3-164" fmla="*/ 1200309 h 1576251"/>
+                <a:gd name="connsiteX4-165" fmla="*/ 1786225 w 1915886"/>
+                <a:gd name="connsiteY4-166" fmla="*/ 920272 h 1576251"/>
+                <a:gd name="connsiteX5-167" fmla="*/ 1915886 w 1915886"/>
+                <a:gd name="connsiteY5-168" fmla="*/ 0 h 1576251"/>
+                <a:gd name="connsiteX0-169" fmla="*/ 0 w 1915886"/>
+                <a:gd name="connsiteY0-170" fmla="*/ 1576251 h 1576251"/>
+                <a:gd name="connsiteX1-171" fmla="*/ 525791 w 1915886"/>
+                <a:gd name="connsiteY1-172" fmla="*/ 1499634 h 1576251"/>
+                <a:gd name="connsiteX2-173" fmla="*/ 897877 w 1915886"/>
+                <a:gd name="connsiteY2-174" fmla="*/ 1382791 h 1576251"/>
+                <a:gd name="connsiteX3-175" fmla="*/ 1383248 w 1915886"/>
+                <a:gd name="connsiteY3-176" fmla="*/ 1200309 h 1576251"/>
+                <a:gd name="connsiteX4-177" fmla="*/ 1786225 w 1915886"/>
+                <a:gd name="connsiteY4-178" fmla="*/ 920272 h 1576251"/>
+                <a:gd name="connsiteX5-179" fmla="*/ 1915886 w 1915886"/>
+                <a:gd name="connsiteY5-180" fmla="*/ 0 h 1576251"/>
+                <a:gd name="connsiteX0-181" fmla="*/ 0 w 1915886"/>
+                <a:gd name="connsiteY0-182" fmla="*/ 1576251 h 1576251"/>
+                <a:gd name="connsiteX1-183" fmla="*/ 525791 w 1915886"/>
+                <a:gd name="connsiteY1-184" fmla="*/ 1499634 h 1576251"/>
+                <a:gd name="connsiteX2-185" fmla="*/ 897877 w 1915886"/>
+                <a:gd name="connsiteY2-186" fmla="*/ 1382791 h 1576251"/>
+                <a:gd name="connsiteX3-187" fmla="*/ 1269367 w 1915886"/>
+                <a:gd name="connsiteY3-188" fmla="*/ 1231115 h 1576251"/>
+                <a:gd name="connsiteX4-189" fmla="*/ 1786225 w 1915886"/>
+                <a:gd name="connsiteY4-190" fmla="*/ 920272 h 1576251"/>
+                <a:gd name="connsiteX5-191" fmla="*/ 1915886 w 1915886"/>
+                <a:gd name="connsiteY5-192" fmla="*/ 0 h 1576251"/>
+                <a:gd name="connsiteX0-193" fmla="*/ 0 w 1915886"/>
+                <a:gd name="connsiteY0-194" fmla="*/ 1576251 h 1576251"/>
+                <a:gd name="connsiteX1-195" fmla="*/ 525791 w 1915886"/>
+                <a:gd name="connsiteY1-196" fmla="*/ 1499634 h 1576251"/>
+                <a:gd name="connsiteX2-197" fmla="*/ 897877 w 1915886"/>
+                <a:gd name="connsiteY2-198" fmla="*/ 1382791 h 1576251"/>
+                <a:gd name="connsiteX3-199" fmla="*/ 1269367 w 1915886"/>
+                <a:gd name="connsiteY3-200" fmla="*/ 1231115 h 1576251"/>
+                <a:gd name="connsiteX4-201" fmla="*/ 1612054 w 1915886"/>
+                <a:gd name="connsiteY4-202" fmla="*/ 1002422 h 1576251"/>
+                <a:gd name="connsiteX5-203" fmla="*/ 1915886 w 1915886"/>
+                <a:gd name="connsiteY5-204" fmla="*/ 0 h 1576251"/>
+                <a:gd name="connsiteX0-205" fmla="*/ 0 w 1882391"/>
+                <a:gd name="connsiteY0-206" fmla="*/ 1037142 h 1037142"/>
+                <a:gd name="connsiteX1-207" fmla="*/ 525791 w 1882391"/>
+                <a:gd name="connsiteY1-208" fmla="*/ 960525 h 1037142"/>
+                <a:gd name="connsiteX2-209" fmla="*/ 897877 w 1882391"/>
+                <a:gd name="connsiteY2-210" fmla="*/ 843682 h 1037142"/>
+                <a:gd name="connsiteX3-211" fmla="*/ 1269367 w 1882391"/>
+                <a:gd name="connsiteY3-212" fmla="*/ 692006 h 1037142"/>
+                <a:gd name="connsiteX4-213" fmla="*/ 1612054 w 1882391"/>
+                <a:gd name="connsiteY4-214" fmla="*/ 463313 h 1037142"/>
+                <a:gd name="connsiteX5-215" fmla="*/ 1882391 w 1882391"/>
+                <a:gd name="connsiteY5-216" fmla="*/ 0 h 1037142"/>
+                <a:gd name="connsiteX0-217" fmla="*/ 0 w 1902488"/>
+                <a:gd name="connsiteY0-218" fmla="*/ 749617 h 749617"/>
+                <a:gd name="connsiteX1-219" fmla="*/ 525791 w 1902488"/>
+                <a:gd name="connsiteY1-220" fmla="*/ 673000 h 749617"/>
+                <a:gd name="connsiteX2-221" fmla="*/ 897877 w 1902488"/>
+                <a:gd name="connsiteY2-222" fmla="*/ 556157 h 749617"/>
+                <a:gd name="connsiteX3-223" fmla="*/ 1269367 w 1902488"/>
+                <a:gd name="connsiteY3-224" fmla="*/ 404481 h 749617"/>
+                <a:gd name="connsiteX4-225" fmla="*/ 1612054 w 1902488"/>
+                <a:gd name="connsiteY4-226" fmla="*/ 175788 h 749617"/>
+                <a:gd name="connsiteX5-227" fmla="*/ 1902488 w 1902488"/>
+                <a:gd name="connsiteY5-228" fmla="*/ 0 h 749617"/>
+                <a:gd name="connsiteX0-229" fmla="*/ 0 w 1902488"/>
+                <a:gd name="connsiteY0-230" fmla="*/ 749617 h 749617"/>
+                <a:gd name="connsiteX1-231" fmla="*/ 525791 w 1902488"/>
+                <a:gd name="connsiteY1-232" fmla="*/ 673000 h 749617"/>
+                <a:gd name="connsiteX2-233" fmla="*/ 897877 w 1902488"/>
+                <a:gd name="connsiteY2-234" fmla="*/ 556157 h 749617"/>
+                <a:gd name="connsiteX3-235" fmla="*/ 1269367 w 1902488"/>
+                <a:gd name="connsiteY3-236" fmla="*/ 404481 h 749617"/>
+                <a:gd name="connsiteX4-237" fmla="*/ 1612054 w 1902488"/>
+                <a:gd name="connsiteY4-238" fmla="*/ 175788 h 749617"/>
+                <a:gd name="connsiteX5-239" fmla="*/ 1902488 w 1902488"/>
+                <a:gd name="connsiteY5-240" fmla="*/ 0 h 749617"/>
+                <a:gd name="connsiteX0-241" fmla="*/ 0 w 1902488"/>
+                <a:gd name="connsiteY0-242" fmla="*/ 749617 h 749617"/>
+                <a:gd name="connsiteX1-243" fmla="*/ 525791 w 1902488"/>
+                <a:gd name="connsiteY1-244" fmla="*/ 673000 h 749617"/>
+                <a:gd name="connsiteX2-245" fmla="*/ 897877 w 1902488"/>
+                <a:gd name="connsiteY2-246" fmla="*/ 556157 h 749617"/>
+                <a:gd name="connsiteX3-247" fmla="*/ 1269367 w 1902488"/>
+                <a:gd name="connsiteY3-248" fmla="*/ 404481 h 749617"/>
+                <a:gd name="connsiteX4-249" fmla="*/ 1545066 w 1902488"/>
+                <a:gd name="connsiteY4-250" fmla="*/ 237401 h 749617"/>
+                <a:gd name="connsiteX5-251" fmla="*/ 1902488 w 1902488"/>
+                <a:gd name="connsiteY5-252" fmla="*/ 0 h 749617"/>
+                <a:gd name="connsiteX0-253" fmla="*/ 0 w 1902488"/>
+                <a:gd name="connsiteY0-254" fmla="*/ 749617 h 749617"/>
+                <a:gd name="connsiteX1-255" fmla="*/ 525791 w 1902488"/>
+                <a:gd name="connsiteY1-256" fmla="*/ 673000 h 749617"/>
+                <a:gd name="connsiteX2-257" fmla="*/ 897877 w 1902488"/>
+                <a:gd name="connsiteY2-258" fmla="*/ 556157 h 749617"/>
+                <a:gd name="connsiteX3-259" fmla="*/ 1269367 w 1902488"/>
+                <a:gd name="connsiteY3-260" fmla="*/ 404481 h 749617"/>
+                <a:gd name="connsiteX4-261" fmla="*/ 1545066 w 1902488"/>
+                <a:gd name="connsiteY4-262" fmla="*/ 237401 h 749617"/>
+                <a:gd name="connsiteX5-263" fmla="*/ 1902488 w 1902488"/>
+                <a:gd name="connsiteY5-264" fmla="*/ 0 h 749617"/>
+                <a:gd name="connsiteX0-265" fmla="*/ 0 w 1902488"/>
+                <a:gd name="connsiteY0-266" fmla="*/ 749617 h 749617"/>
+                <a:gd name="connsiteX1-267" fmla="*/ 525791 w 1902488"/>
+                <a:gd name="connsiteY1-268" fmla="*/ 673000 h 749617"/>
+                <a:gd name="connsiteX2-269" fmla="*/ 897877 w 1902488"/>
+                <a:gd name="connsiteY2-270" fmla="*/ 556157 h 749617"/>
+                <a:gd name="connsiteX3-271" fmla="*/ 1269367 w 1902488"/>
+                <a:gd name="connsiteY3-272" fmla="*/ 404481 h 749617"/>
+                <a:gd name="connsiteX4-273" fmla="*/ 1545066 w 1902488"/>
+                <a:gd name="connsiteY4-274" fmla="*/ 237401 h 749617"/>
+                <a:gd name="connsiteX5-275" fmla="*/ 1902488 w 1902488"/>
+                <a:gd name="connsiteY5-276" fmla="*/ 0 h 749617"/>
+                <a:gd name="connsiteX0-277" fmla="*/ 0 w 1902488"/>
+                <a:gd name="connsiteY0-278" fmla="*/ 749617 h 749617"/>
+                <a:gd name="connsiteX1-279" fmla="*/ 525791 w 1902488"/>
+                <a:gd name="connsiteY1-280" fmla="*/ 673000 h 749617"/>
+                <a:gd name="connsiteX2-281" fmla="*/ 897877 w 1902488"/>
+                <a:gd name="connsiteY2-282" fmla="*/ 556157 h 749617"/>
+                <a:gd name="connsiteX3-283" fmla="*/ 1229174 w 1902488"/>
+                <a:gd name="connsiteY3-284" fmla="*/ 425019 h 749617"/>
+                <a:gd name="connsiteX4-285" fmla="*/ 1545066 w 1902488"/>
+                <a:gd name="connsiteY4-286" fmla="*/ 237401 h 749617"/>
+                <a:gd name="connsiteX5-287" fmla="*/ 1902488 w 1902488"/>
+                <a:gd name="connsiteY5-288" fmla="*/ 0 h 749617"/>
+                <a:gd name="connsiteX0-289" fmla="*/ 0 w 1902488"/>
+                <a:gd name="connsiteY0-290" fmla="*/ 749617 h 749617"/>
+                <a:gd name="connsiteX1-291" fmla="*/ 525791 w 1902488"/>
+                <a:gd name="connsiteY1-292" fmla="*/ 673000 h 749617"/>
+                <a:gd name="connsiteX2-293" fmla="*/ 897877 w 1902488"/>
+                <a:gd name="connsiteY2-294" fmla="*/ 556157 h 749617"/>
+                <a:gd name="connsiteX3-295" fmla="*/ 1229174 w 1902488"/>
+                <a:gd name="connsiteY3-296" fmla="*/ 425019 h 749617"/>
+                <a:gd name="connsiteX4-297" fmla="*/ 1545066 w 1902488"/>
+                <a:gd name="connsiteY4-298" fmla="*/ 237401 h 749617"/>
+                <a:gd name="connsiteX5-299" fmla="*/ 1902488 w 1902488"/>
+                <a:gd name="connsiteY5-300" fmla="*/ 0 h 749617"/>
+                <a:gd name="connsiteX0-301" fmla="*/ 0 w 1902488"/>
+                <a:gd name="connsiteY0-302" fmla="*/ 749617 h 749617"/>
+                <a:gd name="connsiteX1-303" fmla="*/ 525791 w 1902488"/>
+                <a:gd name="connsiteY1-304" fmla="*/ 673000 h 749617"/>
+                <a:gd name="connsiteX2-305" fmla="*/ 897877 w 1902488"/>
+                <a:gd name="connsiteY2-306" fmla="*/ 556157 h 749617"/>
+                <a:gd name="connsiteX3-307" fmla="*/ 1229174 w 1902488"/>
+                <a:gd name="connsiteY3-308" fmla="*/ 425019 h 749617"/>
+                <a:gd name="connsiteX4-309" fmla="*/ 1545066 w 1902488"/>
+                <a:gd name="connsiteY4-310" fmla="*/ 237401 h 749617"/>
+                <a:gd name="connsiteX5-311" fmla="*/ 1902488 w 1902488"/>
+                <a:gd name="connsiteY5-312" fmla="*/ 0 h 749617"/>
+                <a:gd name="connsiteX0-313" fmla="*/ 0 w 1902488"/>
+                <a:gd name="connsiteY0-314" fmla="*/ 749617 h 749617"/>
+                <a:gd name="connsiteX1-315" fmla="*/ 525791 w 1902488"/>
+                <a:gd name="connsiteY1-316" fmla="*/ 673000 h 749617"/>
+                <a:gd name="connsiteX2-317" fmla="*/ 897877 w 1902488"/>
+                <a:gd name="connsiteY2-318" fmla="*/ 556157 h 749617"/>
+                <a:gd name="connsiteX3-319" fmla="*/ 1229174 w 1902488"/>
+                <a:gd name="connsiteY3-320" fmla="*/ 425019 h 749617"/>
+                <a:gd name="connsiteX4-321" fmla="*/ 1545066 w 1902488"/>
+                <a:gd name="connsiteY4-322" fmla="*/ 237401 h 749617"/>
+                <a:gd name="connsiteX5-323" fmla="*/ 1902488 w 1902488"/>
+                <a:gd name="connsiteY5-324" fmla="*/ 0 h 749617"/>
+                <a:gd name="connsiteX0-325" fmla="*/ 0 w 1902488"/>
+                <a:gd name="connsiteY0-326" fmla="*/ 749617 h 749617"/>
+                <a:gd name="connsiteX1-327" fmla="*/ 525791 w 1902488"/>
+                <a:gd name="connsiteY1-328" fmla="*/ 673000 h 749617"/>
+                <a:gd name="connsiteX2-329" fmla="*/ 897877 w 1902488"/>
+                <a:gd name="connsiteY2-330" fmla="*/ 556157 h 749617"/>
+                <a:gd name="connsiteX3-331" fmla="*/ 1229174 w 1902488"/>
+                <a:gd name="connsiteY3-332" fmla="*/ 425019 h 749617"/>
+                <a:gd name="connsiteX4-333" fmla="*/ 1598657 w 1902488"/>
+                <a:gd name="connsiteY4-334" fmla="*/ 263073 h 749617"/>
+                <a:gd name="connsiteX5-335" fmla="*/ 1902488 w 1902488"/>
+                <a:gd name="connsiteY5-336" fmla="*/ 0 h 749617"/>
+                <a:gd name="connsiteX0-337" fmla="*/ 0 w 1902488"/>
+                <a:gd name="connsiteY0-338" fmla="*/ 662333 h 662333"/>
+                <a:gd name="connsiteX1-339" fmla="*/ 525791 w 1902488"/>
+                <a:gd name="connsiteY1-340" fmla="*/ 585716 h 662333"/>
+                <a:gd name="connsiteX2-341" fmla="*/ 897877 w 1902488"/>
+                <a:gd name="connsiteY2-342" fmla="*/ 468873 h 662333"/>
+                <a:gd name="connsiteX3-343" fmla="*/ 1229174 w 1902488"/>
+                <a:gd name="connsiteY3-344" fmla="*/ 337735 h 662333"/>
+                <a:gd name="connsiteX4-345" fmla="*/ 1598657 w 1902488"/>
+                <a:gd name="connsiteY4-346" fmla="*/ 175789 h 662333"/>
+                <a:gd name="connsiteX5-347" fmla="*/ 1902488 w 1902488"/>
+                <a:gd name="connsiteY5-348" fmla="*/ 0 h 662333"/>
+                <a:gd name="connsiteX0-349" fmla="*/ 0 w 1902488"/>
+                <a:gd name="connsiteY0-350" fmla="*/ 662333 h 662333"/>
+                <a:gd name="connsiteX1-351" fmla="*/ 525791 w 1902488"/>
+                <a:gd name="connsiteY1-352" fmla="*/ 585716 h 662333"/>
+                <a:gd name="connsiteX2-353" fmla="*/ 897877 w 1902488"/>
+                <a:gd name="connsiteY2-354" fmla="*/ 468873 h 662333"/>
+                <a:gd name="connsiteX3-355" fmla="*/ 1229174 w 1902488"/>
+                <a:gd name="connsiteY3-356" fmla="*/ 337735 h 662333"/>
+                <a:gd name="connsiteX4-357" fmla="*/ 1598657 w 1902488"/>
+                <a:gd name="connsiteY4-358" fmla="*/ 175789 h 662333"/>
+                <a:gd name="connsiteX5-359" fmla="*/ 1902488 w 1902488"/>
+                <a:gd name="connsiteY5-360" fmla="*/ 0 h 662333"/>
+                <a:gd name="connsiteX0-361" fmla="*/ 0 w 1902488"/>
+                <a:gd name="connsiteY0-362" fmla="*/ 564781 h 588763"/>
+                <a:gd name="connsiteX1-363" fmla="*/ 525791 w 1902488"/>
+                <a:gd name="connsiteY1-364" fmla="*/ 585716 h 588763"/>
+                <a:gd name="connsiteX2-365" fmla="*/ 897877 w 1902488"/>
+                <a:gd name="connsiteY2-366" fmla="*/ 468873 h 588763"/>
+                <a:gd name="connsiteX3-367" fmla="*/ 1229174 w 1902488"/>
+                <a:gd name="connsiteY3-368" fmla="*/ 337735 h 588763"/>
+                <a:gd name="connsiteX4-369" fmla="*/ 1598657 w 1902488"/>
+                <a:gd name="connsiteY4-370" fmla="*/ 175789 h 588763"/>
+                <a:gd name="connsiteX5-371" fmla="*/ 1902488 w 1902488"/>
+                <a:gd name="connsiteY5-372" fmla="*/ 0 h 588763"/>
+                <a:gd name="connsiteX0-373" fmla="*/ 0 w 1902488"/>
+                <a:gd name="connsiteY0-374" fmla="*/ 564781 h 564781"/>
+                <a:gd name="connsiteX1-375" fmla="*/ 525791 w 1902488"/>
+                <a:gd name="connsiteY1-376" fmla="*/ 477894 h 564781"/>
+                <a:gd name="connsiteX2-377" fmla="*/ 897877 w 1902488"/>
+                <a:gd name="connsiteY2-378" fmla="*/ 468873 h 564781"/>
+                <a:gd name="connsiteX3-379" fmla="*/ 1229174 w 1902488"/>
+                <a:gd name="connsiteY3-380" fmla="*/ 337735 h 564781"/>
+                <a:gd name="connsiteX4-381" fmla="*/ 1598657 w 1902488"/>
+                <a:gd name="connsiteY4-382" fmla="*/ 175789 h 564781"/>
+                <a:gd name="connsiteX5-383" fmla="*/ 1902488 w 1902488"/>
+                <a:gd name="connsiteY5-384" fmla="*/ 0 h 564781"/>
+                <a:gd name="connsiteX0-385" fmla="*/ 0 w 1902488"/>
+                <a:gd name="connsiteY0-386" fmla="*/ 564781 h 564781"/>
+                <a:gd name="connsiteX1-387" fmla="*/ 525791 w 1902488"/>
+                <a:gd name="connsiteY1-388" fmla="*/ 477894 h 564781"/>
+                <a:gd name="connsiteX2-389" fmla="*/ 931372 w 1902488"/>
+                <a:gd name="connsiteY2-390" fmla="*/ 402126 h 564781"/>
+                <a:gd name="connsiteX3-391" fmla="*/ 1229174 w 1902488"/>
+                <a:gd name="connsiteY3-392" fmla="*/ 337735 h 564781"/>
+                <a:gd name="connsiteX4-393" fmla="*/ 1598657 w 1902488"/>
+                <a:gd name="connsiteY4-394" fmla="*/ 175789 h 564781"/>
+                <a:gd name="connsiteX5-395" fmla="*/ 1902488 w 1902488"/>
+                <a:gd name="connsiteY5-396" fmla="*/ 0 h 564781"/>
+                <a:gd name="connsiteX0-397" fmla="*/ 0 w 1902488"/>
+                <a:gd name="connsiteY0-398" fmla="*/ 564781 h 564781"/>
+                <a:gd name="connsiteX1-399" fmla="*/ 525791 w 1902488"/>
+                <a:gd name="connsiteY1-400" fmla="*/ 477894 h 564781"/>
+                <a:gd name="connsiteX2-401" fmla="*/ 931372 w 1902488"/>
+                <a:gd name="connsiteY2-402" fmla="*/ 402126 h 564781"/>
+                <a:gd name="connsiteX3-403" fmla="*/ 1276066 w 1902488"/>
+                <a:gd name="connsiteY3-404" fmla="*/ 291525 h 564781"/>
+                <a:gd name="connsiteX4-405" fmla="*/ 1598657 w 1902488"/>
+                <a:gd name="connsiteY4-406" fmla="*/ 175789 h 564781"/>
+                <a:gd name="connsiteX5-407" fmla="*/ 1902488 w 1902488"/>
+                <a:gd name="connsiteY5-408" fmla="*/ 0 h 564781"/>
+                <a:gd name="connsiteX0-409" fmla="*/ 0 w 1902488"/>
+                <a:gd name="connsiteY0-410" fmla="*/ 564781 h 564781"/>
+                <a:gd name="connsiteX1-411" fmla="*/ 525791 w 1902488"/>
+                <a:gd name="connsiteY1-412" fmla="*/ 477894 h 564781"/>
+                <a:gd name="connsiteX2-413" fmla="*/ 931372 w 1902488"/>
+                <a:gd name="connsiteY2-414" fmla="*/ 402126 h 564781"/>
+                <a:gd name="connsiteX3-415" fmla="*/ 1276066 w 1902488"/>
+                <a:gd name="connsiteY3-416" fmla="*/ 291525 h 564781"/>
+                <a:gd name="connsiteX4-417" fmla="*/ 1598657 w 1902488"/>
+                <a:gd name="connsiteY4-418" fmla="*/ 139848 h 564781"/>
+                <a:gd name="connsiteX5-419" fmla="*/ 1902488 w 1902488"/>
+                <a:gd name="connsiteY5-420" fmla="*/ 0 h 564781"/>
+                <a:gd name="connsiteX0-421" fmla="*/ 0 w 1902488"/>
+                <a:gd name="connsiteY0-422" fmla="*/ 564781 h 564781"/>
+                <a:gd name="connsiteX1-423" fmla="*/ 525791 w 1902488"/>
+                <a:gd name="connsiteY1-424" fmla="*/ 477894 h 564781"/>
+                <a:gd name="connsiteX2-425" fmla="*/ 931372 w 1902488"/>
+                <a:gd name="connsiteY2-426" fmla="*/ 402126 h 564781"/>
+                <a:gd name="connsiteX3-427" fmla="*/ 1289464 w 1902488"/>
+                <a:gd name="connsiteY3-428" fmla="*/ 270988 h 564781"/>
+                <a:gd name="connsiteX4-429" fmla="*/ 1598657 w 1902488"/>
+                <a:gd name="connsiteY4-430" fmla="*/ 139848 h 564781"/>
+                <a:gd name="connsiteX5-431" fmla="*/ 1902488 w 1902488"/>
+                <a:gd name="connsiteY5-432" fmla="*/ 0 h 564781"/>
+                <a:gd name="connsiteX0-433" fmla="*/ 0 w 1902488"/>
+                <a:gd name="connsiteY0-434" fmla="*/ 564781 h 564781"/>
+                <a:gd name="connsiteX1-435" fmla="*/ 525791 w 1902488"/>
+                <a:gd name="connsiteY1-436" fmla="*/ 477894 h 564781"/>
+                <a:gd name="connsiteX2-437" fmla="*/ 904576 w 1902488"/>
+                <a:gd name="connsiteY2-438" fmla="*/ 381589 h 564781"/>
+                <a:gd name="connsiteX3-439" fmla="*/ 1289464 w 1902488"/>
+                <a:gd name="connsiteY3-440" fmla="*/ 270988 h 564781"/>
+                <a:gd name="connsiteX4-441" fmla="*/ 1598657 w 1902488"/>
+                <a:gd name="connsiteY4-442" fmla="*/ 139848 h 564781"/>
+                <a:gd name="connsiteX5-443" fmla="*/ 1902488 w 1902488"/>
+                <a:gd name="connsiteY5-444" fmla="*/ 0 h 564781"/>
+                <a:gd name="connsiteX0-445" fmla="*/ 0 w 1895789"/>
+                <a:gd name="connsiteY0-446" fmla="*/ 621259 h 621259"/>
+                <a:gd name="connsiteX1-447" fmla="*/ 525791 w 1895789"/>
+                <a:gd name="connsiteY1-448" fmla="*/ 534372 h 621259"/>
+                <a:gd name="connsiteX2-449" fmla="*/ 904576 w 1895789"/>
+                <a:gd name="connsiteY2-450" fmla="*/ 438067 h 621259"/>
+                <a:gd name="connsiteX3-451" fmla="*/ 1289464 w 1895789"/>
+                <a:gd name="connsiteY3-452" fmla="*/ 327466 h 621259"/>
+                <a:gd name="connsiteX4-453" fmla="*/ 1598657 w 1895789"/>
+                <a:gd name="connsiteY4-454" fmla="*/ 196326 h 621259"/>
+                <a:gd name="connsiteX5-455" fmla="*/ 1895789 w 1895789"/>
+                <a:gd name="connsiteY5-456" fmla="*/ 0 h 621259"/>
+                <a:gd name="connsiteX0-457" fmla="*/ 0 w 1895789"/>
+                <a:gd name="connsiteY0-458" fmla="*/ 621259 h 621259"/>
+                <a:gd name="connsiteX1-459" fmla="*/ 525791 w 1895789"/>
+                <a:gd name="connsiteY1-460" fmla="*/ 534372 h 621259"/>
+                <a:gd name="connsiteX2-461" fmla="*/ 904576 w 1895789"/>
+                <a:gd name="connsiteY2-462" fmla="*/ 438067 h 621259"/>
+                <a:gd name="connsiteX3-463" fmla="*/ 1289464 w 1895789"/>
+                <a:gd name="connsiteY3-464" fmla="*/ 327466 h 621259"/>
+                <a:gd name="connsiteX4-465" fmla="*/ 1591958 w 1895789"/>
+                <a:gd name="connsiteY4-466" fmla="*/ 175789 h 621259"/>
+                <a:gd name="connsiteX5-467" fmla="*/ 1895789 w 1895789"/>
+                <a:gd name="connsiteY5-468" fmla="*/ 0 h 621259"/>
+              </a:gdLst>
+              <a:ahLst/>
+              <a:cxnLst>
+                <a:cxn ang="0">
+                  <a:pos x="connsiteX0-1" y="connsiteY0-2"/>
+                </a:cxn>
+                <a:cxn ang="0">
+                  <a:pos x="connsiteX1-3" y="connsiteY1-4"/>
+                </a:cxn>
+                <a:cxn ang="0">
+                  <a:pos x="connsiteX2-5" y="connsiteY2-6"/>
+                </a:cxn>
+                <a:cxn ang="0">
+                  <a:pos x="connsiteX3-7" y="connsiteY3-8"/>
+                </a:cxn>
+                <a:cxn ang="0">
+                  <a:pos x="connsiteX4-9" y="connsiteY4-10"/>
+                </a:cxn>
+                <a:cxn ang="0">
+                  <a:pos x="connsiteX5-11" y="connsiteY5-12"/>
+                </a:cxn>
+              </a:cxnLst>
+              <a:rect l="l" t="t" r="r" b="b"/>
+              <a:pathLst>
+                <a:path w="1895789" h="621259">
+                  <a:moveTo>
+                    <a:pt x="0" y="621259"/>
+                  </a:moveTo>
+                  <a:cubicBezTo>
+                    <a:pt x="169091" y="605293"/>
+                    <a:pt x="375028" y="564904"/>
+                    <a:pt x="525791" y="534372"/>
+                  </a:cubicBezTo>
+                  <a:cubicBezTo>
+                    <a:pt x="676554" y="503840"/>
+                    <a:pt x="777297" y="472551"/>
+                    <a:pt x="904576" y="438067"/>
+                  </a:cubicBezTo>
+                  <a:cubicBezTo>
+                    <a:pt x="1031855" y="403583"/>
+                    <a:pt x="1174900" y="371179"/>
+                    <a:pt x="1289464" y="327466"/>
+                  </a:cubicBezTo>
+                  <a:cubicBezTo>
+                    <a:pt x="1404028" y="283753"/>
+                    <a:pt x="1490904" y="230367"/>
+                    <a:pt x="1591958" y="175789"/>
+                  </a:cubicBezTo>
+                  <a:cubicBezTo>
+                    <a:pt x="1693012" y="121211"/>
+                    <a:pt x="1756007" y="83782"/>
+                    <a:pt x="1895789" y="0"/>
+                  </a:cubicBezTo>
+                </a:path>
+              </a:pathLst>
+            </a:custGeom>
+            <a:ln w="19050">
+              <a:headEnd type="arrow" w="med" len="med"/>
+              <a:tailEnd type="none" w="med" len="med"/>
+            </a:ln>
+          </p:spPr>
+          <p:style>
+            <a:lnRef idx="1">
+              <a:schemeClr val="dk1"/>
+            </a:lnRef>
+            <a:fillRef idx="0">
+              <a:schemeClr val="dk1"/>
+            </a:fillRef>
+            <a:effectRef idx="0">
+              <a:schemeClr val="dk1"/>
+            </a:effectRef>
+            <a:fontRef idx="minor">
+              <a:schemeClr val="tx1"/>
+            </a:fontRef>
+          </p:style>
+          <p:txBody>
+            <a:bodyPr rtlCol="0" anchor="ctr"/>
+            <a:lstStyle/>
+            <a:p>
+              <a:pPr algn="ctr"/>
+              <a:endParaRPr lang="ja-JP" altLang="en-US" sz="1350"/>
+            </a:p>
+          </p:txBody>
+        </p:sp>
+        <p:cxnSp>
+          <p:nvCxnSpPr>
+            <p:cNvPr id="5" name="直線コネクタ 4"/>
+            <p:cNvCxnSpPr>
+              <a:stCxn id="3" idx="0"/>
+              <a:endCxn id="2" idx="0"/>
+            </p:cNvCxnSpPr>
+            <p:nvPr/>
+          </p:nvCxnSpPr>
+          <p:spPr>
+            <a:xfrm flipV="1">
+              <a:off x="1785255" y="4406537"/>
+              <a:ext cx="2" cy="653145"/>
+            </a:xfrm>
+            <a:prstGeom prst="line">
+              <a:avLst/>
+            </a:prstGeom>
+            <a:ln w="19050">
+              <a:headEnd type="none" w="med" len="med"/>
+              <a:tailEnd type="arrow" w="med" len="med"/>
+            </a:ln>
+          </p:spPr>
+          <p:style>
+            <a:lnRef idx="1">
+              <a:schemeClr val="dk1"/>
+            </a:lnRef>
+            <a:fillRef idx="0">
+              <a:schemeClr val="dk1"/>
+            </a:fillRef>
+            <a:effectRef idx="0">
+              <a:schemeClr val="dk1"/>
+            </a:effectRef>
+            <a:fontRef idx="minor">
+              <a:schemeClr val="tx1"/>
+            </a:fontRef>
+          </p:style>
+        </p:cxnSp>
+        <p:cxnSp>
+          <p:nvCxnSpPr>
+            <p:cNvPr id="7" name="直線コネクタ 6"/>
+            <p:cNvCxnSpPr>
+              <a:stCxn id="3" idx="5"/>
+              <a:endCxn id="2" idx="5"/>
+            </p:cNvCxnSpPr>
+            <p:nvPr/>
+          </p:nvCxnSpPr>
+          <p:spPr>
+            <a:xfrm flipV="1">
+              <a:off x="4249780" y="1733006"/>
+              <a:ext cx="26129" cy="2272939"/>
+            </a:xfrm>
+            <a:prstGeom prst="line">
+              <a:avLst/>
+            </a:prstGeom>
+            <a:ln w="19050">
+              <a:headEnd type="arrow" w="med" len="med"/>
+              <a:tailEnd type="none" w="med" len="med"/>
+            </a:ln>
+          </p:spPr>
+          <p:style>
+            <a:lnRef idx="1">
+              <a:schemeClr val="dk1"/>
+            </a:lnRef>
+            <a:fillRef idx="0">
+              <a:schemeClr val="dk1"/>
+            </a:fillRef>
+            <a:effectRef idx="0">
+              <a:schemeClr val="dk1"/>
+            </a:effectRef>
+            <a:fontRef idx="minor">
+              <a:schemeClr val="tx1"/>
+            </a:fontRef>
+          </p:style>
+        </p:cxnSp>
+      </p:grpSp>
+      <p:sp>
+        <p:nvSpPr>
+          <p:cNvPr id="12" name="テキスト ボックス 11"/>
+          <p:cNvSpPr txBox="1"/>
+          <p:nvPr/>
+        </p:nvSpPr>
+        <p:spPr>
+          <a:xfrm>
+            <a:off x="1991590" y="5120697"/>
+            <a:ext cx="1182310" cy="715581"/>
+          </a:xfrm>
+          <a:prstGeom prst="rect">
+            <a:avLst/>
+          </a:prstGeom>
+          <a:noFill/>
+        </p:spPr>
+        <p:txBody>
+          <a:bodyPr wrap="square" rtlCol="0">
+            <a:spAutoFit/>
+          </a:bodyPr>
+          <a:lstStyle/>
+          <a:p>
+            <a:r>
+              <a:rPr lang="en-US" altLang="ja-JP" sz="1350" dirty="0"/>
+              <a:t>Adiabatic Compression</a:t>
+            </a:r>
+            <a:endParaRPr lang="ja-JP" altLang="en-US" sz="1350" dirty="0"/>
+          </a:p>
+        </p:txBody>
+      </p:sp>
+      <p:sp>
+        <p:nvSpPr>
+          <p:cNvPr id="14" name="テキスト ボックス 13"/>
+          <p:cNvSpPr txBox="1"/>
+          <p:nvPr/>
+        </p:nvSpPr>
+        <p:spPr>
+          <a:xfrm>
+            <a:off x="2825886" y="3304629"/>
+            <a:ext cx="1450163" cy="507831"/>
+          </a:xfrm>
+          <a:prstGeom prst="rect">
+            <a:avLst/>
+          </a:prstGeom>
+          <a:noFill/>
+        </p:spPr>
+        <p:txBody>
+          <a:bodyPr wrap="square" rtlCol="0">
+            <a:spAutoFit/>
+          </a:bodyPr>
+          <a:lstStyle/>
+          <a:p>
+            <a:r>
+              <a:rPr lang="en-US" altLang="ja-JP" sz="1350" dirty="0"/>
+              <a:t>Const. Vol.</a:t>
+            </a:r>
+          </a:p>
+          <a:p>
+            <a:r>
+              <a:rPr lang="en-US" altLang="ja-JP" sz="1350" dirty="0"/>
+              <a:t>Heat Addition</a:t>
+            </a:r>
+            <a:endParaRPr lang="ja-JP" altLang="en-US" sz="1350" dirty="0"/>
+          </a:p>
+        </p:txBody>
+      </p:sp>
+      <p:sp>
+        <p:nvSpPr>
+          <p:cNvPr id="15" name="テキスト ボックス 14"/>
+          <p:cNvSpPr txBox="1"/>
+          <p:nvPr/>
+        </p:nvSpPr>
+        <p:spPr>
+          <a:xfrm>
+            <a:off x="3695861" y="5305319"/>
+            <a:ext cx="1454850" cy="507831"/>
+          </a:xfrm>
+          <a:prstGeom prst="rect">
+            <a:avLst/>
+          </a:prstGeom>
+          <a:noFill/>
+        </p:spPr>
+        <p:txBody>
+          <a:bodyPr wrap="square" rtlCol="0">
+            <a:spAutoFit/>
+          </a:bodyPr>
+          <a:lstStyle/>
+          <a:p>
+            <a:r>
+              <a:rPr lang="en-US" altLang="ja-JP" sz="1350" dirty="0"/>
+              <a:t>Const. Vol.</a:t>
+            </a:r>
+          </a:p>
+          <a:p>
+            <a:r>
+              <a:rPr lang="en-US" altLang="ja-JP" sz="1350" dirty="0"/>
+              <a:t>Heat Rejection</a:t>
+            </a:r>
+            <a:endParaRPr lang="ja-JP" altLang="en-US" sz="1350" dirty="0"/>
+          </a:p>
+        </p:txBody>
+      </p:sp>
+      <p:sp>
+        <p:nvSpPr>
+          <p:cNvPr id="16" name="テキスト ボックス 15"/>
+          <p:cNvSpPr txBox="1"/>
+          <p:nvPr/>
+        </p:nvSpPr>
+        <p:spPr>
+          <a:xfrm>
+            <a:off x="5486240" y="2875690"/>
+            <a:ext cx="1182310" cy="507831"/>
+          </a:xfrm>
+          <a:prstGeom prst="rect">
+            <a:avLst/>
+          </a:prstGeom>
+          <a:noFill/>
+        </p:spPr>
+        <p:txBody>
+          <a:bodyPr wrap="square" rtlCol="0">
+            <a:spAutoFit/>
+          </a:bodyPr>
+          <a:lstStyle/>
+          <a:p>
+            <a:r>
+              <a:rPr lang="en-US" altLang="ja-JP" sz="1350" dirty="0"/>
+              <a:t>Adiabatic Expansion</a:t>
+            </a:r>
+            <a:endParaRPr lang="ja-JP" altLang="en-US" sz="1350" dirty="0"/>
+          </a:p>
+        </p:txBody>
+      </p:sp>
+      <p:sp>
+        <p:nvSpPr>
+          <p:cNvPr id="17" name="矢印: 右 16"/>
+          <p:cNvSpPr/>
+          <p:nvPr/>
+        </p:nvSpPr>
+        <p:spPr>
+          <a:xfrm rot="20943971">
+            <a:off x="2145662" y="4791657"/>
+            <a:ext cx="1028495" cy="313541"/>
+          </a:xfrm>
+          <a:prstGeom prst="rightArrow">
+            <a:avLst>
+              <a:gd name="adj1" fmla="val 41818"/>
+              <a:gd name="adj2" fmla="val 91666"/>
+            </a:avLst>
+          </a:prstGeom>
+        </p:spPr>
+        <p:style>
+          <a:lnRef idx="1">
+            <a:schemeClr val="accent1"/>
+          </a:lnRef>
+          <a:fillRef idx="3">
+            <a:schemeClr val="accent1"/>
+          </a:fillRef>
+          <a:effectRef idx="2">
+            <a:schemeClr val="accent1"/>
+          </a:effectRef>
+          <a:fontRef idx="minor">
+            <a:schemeClr val="lt1"/>
+          </a:fontRef>
+        </p:style>
+        <p:txBody>
+          <a:bodyPr rtlCol="0" anchor="ctr"/>
+          <a:lstStyle/>
+          <a:p>
+            <a:pPr algn="ctr"/>
+            <a:endParaRPr lang="ja-JP" altLang="en-US" sz="1350"/>
+          </a:p>
+        </p:txBody>
+      </p:sp>
+      <p:sp>
+        <p:nvSpPr>
+          <p:cNvPr id="18" name="矢印: 右 17"/>
+          <p:cNvSpPr/>
+          <p:nvPr/>
+        </p:nvSpPr>
+        <p:spPr>
+          <a:xfrm rot="20154621">
+            <a:off x="5506640" y="3449673"/>
+            <a:ext cx="1028495" cy="313541"/>
+          </a:xfrm>
+          <a:prstGeom prst="rightArrow">
+            <a:avLst>
+              <a:gd name="adj1" fmla="val 41817"/>
+              <a:gd name="adj2" fmla="val 91666"/>
+            </a:avLst>
+          </a:prstGeom>
+        </p:spPr>
+        <p:style>
+          <a:lnRef idx="1">
+            <a:schemeClr val="accent1"/>
+          </a:lnRef>
+          <a:fillRef idx="3">
+            <a:schemeClr val="accent1"/>
+          </a:fillRef>
+          <a:effectRef idx="2">
+            <a:schemeClr val="accent1"/>
+          </a:effectRef>
+          <a:fontRef idx="minor">
+            <a:schemeClr val="lt1"/>
+          </a:fontRef>
+        </p:style>
+        <p:txBody>
+          <a:bodyPr rtlCol="0" anchor="ctr"/>
+          <a:lstStyle/>
+          <a:p>
+            <a:pPr algn="ctr"/>
+            <a:endParaRPr lang="ja-JP" altLang="en-US" sz="1350"/>
+          </a:p>
+        </p:txBody>
+      </p:sp>
+      <p:sp>
+        <p:nvSpPr>
+          <p:cNvPr id="19" name="テキスト ボックス 18"/>
+          <p:cNvSpPr txBox="1"/>
+          <p:nvPr/>
+        </p:nvSpPr>
+        <p:spPr>
+          <a:xfrm>
+            <a:off x="2311977" y="4617584"/>
+            <a:ext cx="414478" cy="300082"/>
+          </a:xfrm>
+          <a:prstGeom prst="rect">
+            <a:avLst/>
+          </a:prstGeom>
+          <a:noFill/>
+        </p:spPr>
+        <p:txBody>
+          <a:bodyPr wrap="square" rtlCol="0">
+            <a:spAutoFit/>
+          </a:bodyPr>
+          <a:lstStyle/>
+          <a:p>
+            <a:r>
+              <a:rPr lang="en-US" altLang="ja-JP" sz="1350" dirty="0"/>
+              <a:t>W</a:t>
+            </a:r>
+            <a:endParaRPr lang="ja-JP" altLang="en-US" sz="1350" dirty="0"/>
+          </a:p>
+        </p:txBody>
+      </p:sp>
+      <p:sp>
+        <p:nvSpPr>
+          <p:cNvPr id="20" name="テキスト ボックス 19"/>
+          <p:cNvSpPr txBox="1"/>
+          <p:nvPr/>
+        </p:nvSpPr>
+        <p:spPr>
+          <a:xfrm>
+            <a:off x="5993907" y="3719393"/>
+            <a:ext cx="414478" cy="300082"/>
+          </a:xfrm>
+          <a:prstGeom prst="rect">
+            <a:avLst/>
+          </a:prstGeom>
+          <a:noFill/>
+        </p:spPr>
+        <p:txBody>
+          <a:bodyPr wrap="square" rtlCol="0">
+            <a:spAutoFit/>
+          </a:bodyPr>
+          <a:lstStyle/>
+          <a:p>
+            <a:r>
+              <a:rPr lang="en-US" altLang="ja-JP" sz="1350" dirty="0"/>
+              <a:t>W</a:t>
+            </a:r>
+            <a:endParaRPr lang="ja-JP" altLang="en-US" sz="1350" dirty="0"/>
+          </a:p>
+        </p:txBody>
+      </p:sp>
+      <p:sp>
+        <p:nvSpPr>
+          <p:cNvPr id="21" name="矢印: 右 20"/>
+          <p:cNvSpPr/>
+          <p:nvPr/>
+        </p:nvSpPr>
+        <p:spPr>
+          <a:xfrm rot="4152550">
+            <a:off x="3213770" y="2843019"/>
+            <a:ext cx="1468252" cy="459537"/>
+          </a:xfrm>
+          <a:prstGeom prst="rightArrow">
+            <a:avLst>
+              <a:gd name="adj1" fmla="val 41817"/>
+              <a:gd name="adj2" fmla="val 91666"/>
+            </a:avLst>
+          </a:prstGeom>
+        </p:spPr>
+        <p:style>
+          <a:lnRef idx="1">
+            <a:schemeClr val="accent2"/>
+          </a:lnRef>
+          <a:fillRef idx="3">
+            <a:schemeClr val="accent2"/>
+          </a:fillRef>
+          <a:effectRef idx="2">
+            <a:schemeClr val="accent2"/>
+          </a:effectRef>
+          <a:fontRef idx="minor">
+            <a:schemeClr val="lt1"/>
+          </a:fontRef>
+        </p:style>
+        <p:txBody>
+          <a:bodyPr rtlCol="0" anchor="ctr"/>
+          <a:lstStyle/>
+          <a:p>
+            <a:pPr algn="ctr"/>
+            <a:endParaRPr lang="ja-JP" altLang="en-US" sz="1350"/>
+          </a:p>
+        </p:txBody>
+      </p:sp>
+      <p:sp>
+        <p:nvSpPr>
+          <p:cNvPr id="22" name="テキスト ボックス 21"/>
+          <p:cNvSpPr txBox="1"/>
+          <p:nvPr/>
+        </p:nvSpPr>
+        <p:spPr>
+          <a:xfrm>
+            <a:off x="3861572" y="2399938"/>
+            <a:ext cx="414478" cy="300082"/>
+          </a:xfrm>
+          <a:prstGeom prst="rect">
+            <a:avLst/>
+          </a:prstGeom>
+          <a:noFill/>
+        </p:spPr>
+        <p:txBody>
+          <a:bodyPr wrap="square" rtlCol="0">
+            <a:spAutoFit/>
+          </a:bodyPr>
+          <a:lstStyle/>
+          <a:p>
+            <a:r>
+              <a:rPr lang="en-US" altLang="ja-JP" sz="1350" dirty="0"/>
+              <a:t>Q</a:t>
+            </a:r>
+            <a:endParaRPr lang="ja-JP" altLang="en-US" sz="1350" dirty="0"/>
+          </a:p>
+        </p:txBody>
+      </p:sp>
+      <p:sp>
+        <p:nvSpPr>
+          <p:cNvPr id="24" name="矢印: 右 23"/>
+          <p:cNvSpPr/>
+          <p:nvPr/>
+        </p:nvSpPr>
+        <p:spPr>
+          <a:xfrm rot="2805565">
+            <a:off x="4459021" y="5149385"/>
+            <a:ext cx="1258342" cy="455823"/>
+          </a:xfrm>
+          <a:prstGeom prst="rightArrow">
+            <a:avLst>
+              <a:gd name="adj1" fmla="val 41817"/>
+              <a:gd name="adj2" fmla="val 91666"/>
+            </a:avLst>
+          </a:prstGeom>
+        </p:spPr>
+        <p:style>
+          <a:lnRef idx="1">
+            <a:schemeClr val="accent2"/>
+          </a:lnRef>
+          <a:fillRef idx="3">
+            <a:schemeClr val="accent2"/>
+          </a:fillRef>
+          <a:effectRef idx="2">
+            <a:schemeClr val="accent2"/>
+          </a:effectRef>
+          <a:fontRef idx="minor">
+            <a:schemeClr val="lt1"/>
+          </a:fontRef>
+        </p:style>
+        <p:txBody>
+          <a:bodyPr rtlCol="0" anchor="ctr"/>
+          <a:lstStyle/>
+          <a:p>
+            <a:pPr algn="ctr"/>
+            <a:endParaRPr lang="ja-JP" altLang="en-US" sz="1350"/>
+          </a:p>
+        </p:txBody>
+      </p:sp>
+      <p:sp>
+        <p:nvSpPr>
+          <p:cNvPr id="25" name="テキスト ボックス 24"/>
+          <p:cNvSpPr txBox="1"/>
+          <p:nvPr/>
+        </p:nvSpPr>
+        <p:spPr>
+          <a:xfrm>
+            <a:off x="5228666" y="5061378"/>
+            <a:ext cx="414478" cy="300082"/>
+          </a:xfrm>
+          <a:prstGeom prst="rect">
+            <a:avLst/>
+          </a:prstGeom>
+          <a:noFill/>
+        </p:spPr>
+        <p:txBody>
+          <a:bodyPr wrap="square" rtlCol="0">
+            <a:spAutoFit/>
+          </a:bodyPr>
+          <a:lstStyle/>
+          <a:p>
+            <a:r>
+              <a:rPr lang="en-US" altLang="ja-JP" sz="1350" dirty="0"/>
+              <a:t>Q</a:t>
+            </a:r>
+            <a:endParaRPr lang="ja-JP" altLang="en-US" sz="1350" dirty="0"/>
+          </a:p>
+        </p:txBody>
+      </p:sp>
+      <p:cxnSp>
+        <p:nvCxnSpPr>
+          <p:cNvPr id="26" name="直線コネクタ 25"/>
+          <p:cNvCxnSpPr/>
+          <p:nvPr/>
+        </p:nvCxnSpPr>
+        <p:spPr>
+          <a:xfrm flipV="1">
+            <a:off x="1724533" y="1872222"/>
+            <a:ext cx="0" cy="4119549"/>
+          </a:xfrm>
+          <a:prstGeom prst="line">
+            <a:avLst/>
+          </a:prstGeom>
+          <a:ln w="19050">
+            <a:headEnd type="none" w="med" len="med"/>
+            <a:tailEnd type="arrow" w="med" len="med"/>
+          </a:ln>
+        </p:spPr>
+        <p:style>
+          <a:lnRef idx="1">
+            <a:schemeClr val="dk1"/>
+          </a:lnRef>
+          <a:fillRef idx="0">
+            <a:schemeClr val="dk1"/>
+          </a:fillRef>
+          <a:effectRef idx="0">
+            <a:schemeClr val="dk1"/>
+          </a:effectRef>
+          <a:fontRef idx="minor">
+            <a:schemeClr val="tx1"/>
+          </a:fontRef>
+        </p:style>
+      </p:cxnSp>
+      <p:sp>
+        <p:nvSpPr>
+          <p:cNvPr id="29" name="テキスト ボックス 28"/>
+          <p:cNvSpPr txBox="1"/>
+          <p:nvPr/>
+        </p:nvSpPr>
+        <p:spPr>
+          <a:xfrm>
+            <a:off x="1446472" y="2103314"/>
+            <a:ext cx="414478" cy="300082"/>
+          </a:xfrm>
+          <a:prstGeom prst="rect">
+            <a:avLst/>
+          </a:prstGeom>
+          <a:noFill/>
+        </p:spPr>
+        <p:txBody>
+          <a:bodyPr wrap="square" rtlCol="0">
+            <a:spAutoFit/>
+          </a:bodyPr>
+          <a:lstStyle/>
+          <a:p>
+            <a:r>
+              <a:rPr lang="en-US" altLang="ja-JP" sz="1350" dirty="0"/>
+              <a:t>h</a:t>
+            </a:r>
+            <a:endParaRPr lang="ja-JP" altLang="en-US" sz="1350" dirty="0"/>
+          </a:p>
+        </p:txBody>
+      </p:sp>
+      <p:cxnSp>
+        <p:nvCxnSpPr>
+          <p:cNvPr id="30" name="直線コネクタ 29"/>
+          <p:cNvCxnSpPr/>
+          <p:nvPr/>
+        </p:nvCxnSpPr>
+        <p:spPr>
+          <a:xfrm>
+            <a:off x="1724534" y="5991770"/>
+            <a:ext cx="5093977" cy="0"/>
+          </a:xfrm>
+          <a:prstGeom prst="line">
+            <a:avLst/>
+          </a:prstGeom>
+          <a:ln w="19050">
+            <a:headEnd type="none" w="med" len="med"/>
+            <a:tailEnd type="arrow" w="med" len="med"/>
+          </a:ln>
+        </p:spPr>
+        <p:style>
+          <a:lnRef idx="1">
+            <a:schemeClr val="dk1"/>
+          </a:lnRef>
+          <a:fillRef idx="0">
+            <a:schemeClr val="dk1"/>
+          </a:fillRef>
+          <a:effectRef idx="0">
+            <a:schemeClr val="dk1"/>
+          </a:effectRef>
+          <a:fontRef idx="minor">
+            <a:schemeClr val="tx1"/>
+          </a:fontRef>
+        </p:style>
+      </p:cxnSp>
+      <p:sp>
+        <p:nvSpPr>
+          <p:cNvPr id="34" name="テキスト ボックス 33"/>
+          <p:cNvSpPr txBox="1"/>
+          <p:nvPr/>
+        </p:nvSpPr>
+        <p:spPr>
+          <a:xfrm>
+            <a:off x="6273285" y="5651604"/>
+            <a:ext cx="414478" cy="300082"/>
+          </a:xfrm>
+          <a:prstGeom prst="rect">
+            <a:avLst/>
+          </a:prstGeom>
+          <a:noFill/>
+        </p:spPr>
+        <p:txBody>
+          <a:bodyPr wrap="square" rtlCol="0">
+            <a:spAutoFit/>
+          </a:bodyPr>
+          <a:lstStyle/>
+          <a:p>
+            <a:r>
+              <a:rPr lang="en-US" altLang="ja-JP" sz="1350" dirty="0"/>
+              <a:t>s</a:t>
+            </a:r>
+            <a:endParaRPr lang="ja-JP" altLang="en-US" sz="1350" dirty="0"/>
+          </a:p>
+        </p:txBody>
+      </p:sp>
+    </p:spTree>
+    <p:extLst>
+      <p:ext uri="{BB962C8B-B14F-4D97-AF65-F5344CB8AC3E}">
+        <p14:creationId xmlns:p14="http://schemas.microsoft.com/office/powerpoint/2010/main" val="299307022"/>
+      </p:ext>
+    </p:extLst>
+  </p:cSld>
+  <p:clrMapOvr>
+    <a:masterClrMapping/>
+  </p:clrMapOvr>
+</p:sld>
+</file>
+
+<file path=ppt/slides/slide3.xml><?xml version="1.0" encoding="utf-8"?>
+<p:sld xmlns:a="http://schemas.openxmlformats.org/drawingml/2006/main" xmlns:r="http://schemas.openxmlformats.org/officeDocument/2006/relationships" xmlns:p="http://schemas.openxmlformats.org/presentationml/2006/main">
+  <p:cSld>
+    <p:spTree>
+      <p:nvGrpSpPr>
+        <p:cNvPr id="1" name=""/>
+        <p:cNvGrpSpPr/>
+        <p:nvPr/>
+      </p:nvGrpSpPr>
+      <p:grpSpPr>
+        <a:xfrm>
+          <a:off x="0" y="0"/>
+          <a:ext cx="0" cy="0"/>
+          <a:chOff x="0" y="0"/>
+          <a:chExt cx="0" cy="0"/>
+        </a:xfrm>
+      </p:grpSpPr>
       <p:cxnSp>
         <p:nvCxnSpPr>
           <p:cNvPr id="5" name="直線コネクタ 4"/>
@@ -3288,232 +6819,7 @@
 </p:sld>
 </file>
 
-<file path=ppt/slides/slide10.xml><?xml version="1.0" encoding="utf-8"?>
-<p:sld xmlns:a="http://schemas.openxmlformats.org/drawingml/2006/main" xmlns:r="http://schemas.openxmlformats.org/officeDocument/2006/relationships" xmlns:p="http://schemas.openxmlformats.org/presentationml/2006/main">
-  <p:cSld>
-    <p:spTree>
-      <p:nvGrpSpPr>
-        <p:cNvPr id="1" name=""/>
-        <p:cNvGrpSpPr/>
-        <p:nvPr/>
-      </p:nvGrpSpPr>
-      <p:grpSpPr>
-        <a:xfrm>
-          <a:off x="0" y="0"/>
-          <a:ext cx="0" cy="0"/>
-          <a:chOff x="0" y="0"/>
-          <a:chExt cx="0" cy="0"/>
-        </a:xfrm>
-      </p:grpSpPr>
-      <p:pic>
-        <p:nvPicPr>
-          <p:cNvPr id="2" name="図 1">
-            <a:extLst>
-              <a:ext uri="{FF2B5EF4-FFF2-40B4-BE49-F238E27FC236}">
-                <a16:creationId xmlns:a16="http://schemas.microsoft.com/office/drawing/2014/main" id="{19E06FE6-7958-4E63-9C8B-007DB8668330}"/>
-              </a:ext>
-            </a:extLst>
-          </p:cNvPr>
-          <p:cNvPicPr>
-            <a:picLocks noChangeAspect="1"/>
-          </p:cNvPicPr>
-          <p:nvPr/>
-        </p:nvPicPr>
-        <p:blipFill>
-          <a:blip r:embed="rId2"/>
-          <a:stretch>
-            <a:fillRect/>
-          </a:stretch>
-        </p:blipFill>
-        <p:spPr>
-          <a:xfrm>
-            <a:off x="276310" y="331480"/>
-            <a:ext cx="7200000" cy="6124139"/>
-          </a:xfrm>
-          <a:prstGeom prst="rect">
-            <a:avLst/>
-          </a:prstGeom>
-        </p:spPr>
-      </p:pic>
-    </p:spTree>
-  </p:cSld>
-  <p:clrMapOvr>
-    <a:masterClrMapping/>
-  </p:clrMapOvr>
-</p:sld>
-</file>
-
-<file path=ppt/slides/slide11.xml><?xml version="1.0" encoding="utf-8"?>
-<p:sld xmlns:a="http://schemas.openxmlformats.org/drawingml/2006/main" xmlns:r="http://schemas.openxmlformats.org/officeDocument/2006/relationships" xmlns:p="http://schemas.openxmlformats.org/presentationml/2006/main">
-  <p:cSld>
-    <p:spTree>
-      <p:nvGrpSpPr>
-        <p:cNvPr id="1" name=""/>
-        <p:cNvGrpSpPr/>
-        <p:nvPr/>
-      </p:nvGrpSpPr>
-      <p:grpSpPr>
-        <a:xfrm>
-          <a:off x="0" y="0"/>
-          <a:ext cx="0" cy="0"/>
-          <a:chOff x="0" y="0"/>
-          <a:chExt cx="0" cy="0"/>
-        </a:xfrm>
-      </p:grpSpPr>
-      <p:pic>
-        <p:nvPicPr>
-          <p:cNvPr id="2" name="図 1">
-            <a:extLst>
-              <a:ext uri="{FF2B5EF4-FFF2-40B4-BE49-F238E27FC236}">
-                <a16:creationId xmlns:a16="http://schemas.microsoft.com/office/drawing/2014/main" id="{EA692ED9-4009-40E7-BF6A-1F07DEB42D1B}"/>
-              </a:ext>
-            </a:extLst>
-          </p:cNvPr>
-          <p:cNvPicPr>
-            <a:picLocks noChangeAspect="1"/>
-          </p:cNvPicPr>
-          <p:nvPr/>
-        </p:nvPicPr>
-        <p:blipFill>
-          <a:blip r:embed="rId2"/>
-          <a:stretch>
-            <a:fillRect/>
-          </a:stretch>
-        </p:blipFill>
-        <p:spPr>
-          <a:xfrm>
-            <a:off x="387712" y="198437"/>
-            <a:ext cx="7200000" cy="6124139"/>
-          </a:xfrm>
-          <a:prstGeom prst="rect">
-            <a:avLst/>
-          </a:prstGeom>
-        </p:spPr>
-      </p:pic>
-    </p:spTree>
-  </p:cSld>
-  <p:clrMapOvr>
-    <a:masterClrMapping/>
-  </p:clrMapOvr>
-</p:sld>
-</file>
-
-<file path=ppt/slides/slide12.xml><?xml version="1.0" encoding="utf-8"?>
-<p:sld xmlns:a="http://schemas.openxmlformats.org/drawingml/2006/main" xmlns:r="http://schemas.openxmlformats.org/officeDocument/2006/relationships" xmlns:p="http://schemas.openxmlformats.org/presentationml/2006/main">
-  <p:cSld>
-    <p:spTree>
-      <p:nvGrpSpPr>
-        <p:cNvPr id="1" name=""/>
-        <p:cNvGrpSpPr/>
-        <p:nvPr/>
-      </p:nvGrpSpPr>
-      <p:grpSpPr>
-        <a:xfrm>
-          <a:off x="0" y="0"/>
-          <a:ext cx="0" cy="0"/>
-          <a:chOff x="0" y="0"/>
-          <a:chExt cx="0" cy="0"/>
-        </a:xfrm>
-      </p:grpSpPr>
-      <p:pic>
-        <p:nvPicPr>
-          <p:cNvPr id="2" name="図 1">
-            <a:extLst>
-              <a:ext uri="{FF2B5EF4-FFF2-40B4-BE49-F238E27FC236}">
-                <a16:creationId xmlns:a16="http://schemas.microsoft.com/office/drawing/2014/main" id="{B81CE780-9613-4851-9096-A840942777D8}"/>
-              </a:ext>
-            </a:extLst>
-          </p:cNvPr>
-          <p:cNvPicPr>
-            <a:picLocks noChangeAspect="1"/>
-          </p:cNvPicPr>
-          <p:nvPr/>
-        </p:nvPicPr>
-        <p:blipFill>
-          <a:blip r:embed="rId2"/>
-          <a:stretch>
-            <a:fillRect/>
-          </a:stretch>
-        </p:blipFill>
-        <p:spPr>
-          <a:xfrm>
-            <a:off x="462572" y="359304"/>
-            <a:ext cx="7200000" cy="6124139"/>
-          </a:xfrm>
-          <a:prstGeom prst="rect">
-            <a:avLst/>
-          </a:prstGeom>
-        </p:spPr>
-      </p:pic>
-    </p:spTree>
-  </p:cSld>
-  <p:clrMapOvr>
-    <a:masterClrMapping/>
-  </p:clrMapOvr>
-</p:sld>
-</file>
-
-<file path=ppt/slides/slide13.xml><?xml version="1.0" encoding="utf-8"?>
-<p:sld xmlns:a="http://schemas.openxmlformats.org/drawingml/2006/main" xmlns:r="http://schemas.openxmlformats.org/officeDocument/2006/relationships" xmlns:p="http://schemas.openxmlformats.org/presentationml/2006/main">
-  <p:cSld>
-    <p:spTree>
-      <p:nvGrpSpPr>
-        <p:cNvPr id="1" name=""/>
-        <p:cNvGrpSpPr/>
-        <p:nvPr/>
-      </p:nvGrpSpPr>
-      <p:grpSpPr>
-        <a:xfrm>
-          <a:off x="0" y="0"/>
-          <a:ext cx="0" cy="0"/>
-          <a:chOff x="0" y="0"/>
-          <a:chExt cx="0" cy="0"/>
-        </a:xfrm>
-      </p:grpSpPr>
-    </p:spTree>
-    <p:extLst>
-      <p:ext uri="{BB962C8B-B14F-4D97-AF65-F5344CB8AC3E}">
-        <p14:creationId xmlns:p14="http://schemas.microsoft.com/office/powerpoint/2010/main" val="3689192767"/>
-      </p:ext>
-    </p:extLst>
-  </p:cSld>
-  <p:clrMapOvr>
-    <a:masterClrMapping/>
-  </p:clrMapOvr>
-</p:sld>
-</file>
-
-<file path=ppt/slides/slide14.xml><?xml version="1.0" encoding="utf-8"?>
-<p:sld xmlns:a="http://schemas.openxmlformats.org/drawingml/2006/main" xmlns:r="http://schemas.openxmlformats.org/officeDocument/2006/relationships" xmlns:p="http://schemas.openxmlformats.org/presentationml/2006/main">
-  <p:cSld>
-    <p:spTree>
-      <p:nvGrpSpPr>
-        <p:cNvPr id="1" name=""/>
-        <p:cNvGrpSpPr/>
-        <p:nvPr/>
-      </p:nvGrpSpPr>
-      <p:grpSpPr>
-        <a:xfrm>
-          <a:off x="0" y="0"/>
-          <a:ext cx="0" cy="0"/>
-          <a:chOff x="0" y="0"/>
-          <a:chExt cx="0" cy="0"/>
-        </a:xfrm>
-      </p:grpSpPr>
-    </p:spTree>
-    <p:extLst>
-      <p:ext uri="{BB962C8B-B14F-4D97-AF65-F5344CB8AC3E}">
-        <p14:creationId xmlns:p14="http://schemas.microsoft.com/office/powerpoint/2010/main" val="947584466"/>
-      </p:ext>
-    </p:extLst>
-  </p:cSld>
-  <p:clrMapOvr>
-    <a:masterClrMapping/>
-  </p:clrMapOvr>
-</p:sld>
-</file>
-
-<file path=ppt/slides/slide2.xml><?xml version="1.0" encoding="utf-8"?>
+<file path=ppt/slides/slide4.xml><?xml version="1.0" encoding="utf-8"?>
 <p:sld xmlns:a="http://schemas.openxmlformats.org/drawingml/2006/main" xmlns:r="http://schemas.openxmlformats.org/officeDocument/2006/relationships" xmlns:p="http://schemas.openxmlformats.org/presentationml/2006/main">
   <p:cSld>
     <p:spTree>
@@ -4918,7 +8224,7 @@
 </p:sld>
 </file>
 
-<file path=ppt/slides/slide3.xml><?xml version="1.0" encoding="utf-8"?>
+<file path=ppt/slides/slide5.xml><?xml version="1.0" encoding="utf-8"?>
 <p:sld xmlns:a="http://schemas.openxmlformats.org/drawingml/2006/main" xmlns:r="http://schemas.openxmlformats.org/officeDocument/2006/relationships" xmlns:p="http://schemas.openxmlformats.org/presentationml/2006/main">
   <p:cSld>
     <p:spTree>
@@ -6757,7 +10063,7 @@
 </p:sld>
 </file>
 
-<file path=ppt/slides/slide4.xml><?xml version="1.0" encoding="utf-8"?>
+<file path=ppt/slides/slide6.xml><?xml version="1.0" encoding="utf-8"?>
 <p:sld xmlns:a="http://schemas.openxmlformats.org/drawingml/2006/main" xmlns:r="http://schemas.openxmlformats.org/officeDocument/2006/relationships" xmlns:p="http://schemas.openxmlformats.org/presentationml/2006/main">
   <p:cSld>
     <p:spTree>
@@ -8069,7 +11375,7 @@
 </p:sld>
 </file>
 
-<file path=ppt/slides/slide5.xml><?xml version="1.0" encoding="utf-8"?>
+<file path=ppt/slides/slide7.xml><?xml version="1.0" encoding="utf-8"?>
 <p:sld xmlns:a="http://schemas.openxmlformats.org/drawingml/2006/main" xmlns:r="http://schemas.openxmlformats.org/officeDocument/2006/relationships" xmlns:p="http://schemas.openxmlformats.org/presentationml/2006/main">
   <p:cSld>
     <p:spTree>
@@ -9907,7 +13213,7 @@
 </p:sld>
 </file>
 
-<file path=ppt/slides/slide6.xml><?xml version="1.0" encoding="utf-8"?>
+<file path=ppt/slides/slide8.xml><?xml version="1.0" encoding="utf-8"?>
 <p:sld xmlns:a="http://schemas.openxmlformats.org/drawingml/2006/main" xmlns:r="http://schemas.openxmlformats.org/officeDocument/2006/relationships" xmlns:p="http://schemas.openxmlformats.org/presentationml/2006/main">
   <p:cSld>
     <p:spTree>
@@ -11219,7 +14525,7 @@
 </p:sld>
 </file>
 
-<file path=ppt/slides/slide7.xml><?xml version="1.0" encoding="utf-8"?>
+<file path=ppt/slides/slide9.xml><?xml version="1.0" encoding="utf-8"?>
 <p:sld xmlns:a="http://schemas.openxmlformats.org/drawingml/2006/main" xmlns:r="http://schemas.openxmlformats.org/officeDocument/2006/relationships" xmlns:p="http://schemas.openxmlformats.org/presentationml/2006/main">
   <p:cSld>
     <p:spTree>
@@ -11757,604 +15063,6 @@
 </p:sld>
 </file>
 
-<file path=ppt/slides/slide8.xml><?xml version="1.0" encoding="utf-8"?>
-<p:sld xmlns:a="http://schemas.openxmlformats.org/drawingml/2006/main" xmlns:r="http://schemas.openxmlformats.org/officeDocument/2006/relationships" xmlns:p="http://schemas.openxmlformats.org/presentationml/2006/main">
-  <p:cSld>
-    <p:spTree>
-      <p:nvGrpSpPr>
-        <p:cNvPr id="1" name=""/>
-        <p:cNvGrpSpPr/>
-        <p:nvPr/>
-      </p:nvGrpSpPr>
-      <p:grpSpPr>
-        <a:xfrm>
-          <a:off x="0" y="0"/>
-          <a:ext cx="0" cy="0"/>
-          <a:chOff x="0" y="0"/>
-          <a:chExt cx="0" cy="0"/>
-        </a:xfrm>
-      </p:grpSpPr>
-      <p:grpSp>
-        <p:nvGrpSpPr>
-          <p:cNvPr id="74" name="グループ化 73">
-            <a:extLst>
-              <a:ext uri="{FF2B5EF4-FFF2-40B4-BE49-F238E27FC236}">
-                <a16:creationId xmlns:a16="http://schemas.microsoft.com/office/drawing/2014/main" id="{DA83A892-9ADD-4A26-A703-5D0739C787EB}"/>
-              </a:ext>
-            </a:extLst>
-          </p:cNvPr>
-          <p:cNvGrpSpPr/>
-          <p:nvPr/>
-        </p:nvGrpSpPr>
-        <p:grpSpPr>
-          <a:xfrm>
-            <a:off x="1260553" y="905193"/>
-            <a:ext cx="5733760" cy="3649389"/>
-            <a:chOff x="1260553" y="905193"/>
-            <a:chExt cx="5733760" cy="3649389"/>
-          </a:xfrm>
-        </p:grpSpPr>
-        <p:pic>
-          <p:nvPicPr>
-            <p:cNvPr id="3" name="図 2">
-              <a:extLst>
-                <a:ext uri="{FF2B5EF4-FFF2-40B4-BE49-F238E27FC236}">
-                  <a16:creationId xmlns:a16="http://schemas.microsoft.com/office/drawing/2014/main" id="{066FA10E-6B92-4FE1-94D7-A5D3418BE875}"/>
-                </a:ext>
-              </a:extLst>
-            </p:cNvPr>
-            <p:cNvPicPr>
-              <a:picLocks noChangeAspect="1"/>
-            </p:cNvPicPr>
-            <p:nvPr/>
-          </p:nvPicPr>
-          <p:blipFill>
-            <a:blip r:embed="rId2"/>
-            <a:stretch>
-              <a:fillRect/>
-            </a:stretch>
-          </p:blipFill>
-          <p:spPr>
-            <a:xfrm>
-              <a:off x="1260553" y="905193"/>
-              <a:ext cx="3779759" cy="3107683"/>
-            </a:xfrm>
-            <a:prstGeom prst="rect">
-              <a:avLst/>
-            </a:prstGeom>
-          </p:spPr>
-        </p:pic>
-        <p:sp>
-          <p:nvSpPr>
-            <p:cNvPr id="4" name="テキスト ボックス 10">
-              <a:extLst>
-                <a:ext uri="{FF2B5EF4-FFF2-40B4-BE49-F238E27FC236}">
-                  <a16:creationId xmlns:a16="http://schemas.microsoft.com/office/drawing/2014/main" id="{805FB393-48B5-4E7F-AC98-FD4C1FD7892A}"/>
-                </a:ext>
-              </a:extLst>
-            </p:cNvPr>
-            <p:cNvSpPr txBox="1"/>
-            <p:nvPr/>
-          </p:nvSpPr>
-          <p:spPr>
-            <a:xfrm>
-              <a:off x="3699934" y="2125133"/>
-              <a:ext cx="1244600" cy="440268"/>
-            </a:xfrm>
-            <a:prstGeom prst="rect">
-              <a:avLst/>
-            </a:prstGeom>
-            <a:solidFill>
-              <a:srgbClr val="ED7D31">
-                <a:alpha val="40000"/>
-              </a:srgbClr>
-            </a:solidFill>
-            <a:ln>
-              <a:solidFill>
-                <a:schemeClr val="tx1"/>
-              </a:solidFill>
-            </a:ln>
-          </p:spPr>
-          <p:txBody>
-            <a:bodyPr wrap="square" rtlCol="0">
-              <a:noAutofit/>
-            </a:bodyPr>
-            <a:lstStyle/>
-            <a:p>
-              <a:r>
-                <a:rPr lang="en-US" sz="700" dirty="0">
-                  <a:latin typeface="Arial" panose="020B0604020202020204" pitchFamily="34" charset="0"/>
-                  <a:cs typeface="Arial" panose="020B0604020202020204" pitchFamily="34" charset="0"/>
-                </a:rPr>
-                <a:t>Add/Remove heat to/from fluid flow.</a:t>
-              </a:r>
-            </a:p>
-            <a:p>
-              <a:r>
-                <a:rPr lang="en-US" sz="700" dirty="0">
-                  <a:latin typeface="Arial" panose="020B0604020202020204" pitchFamily="34" charset="0"/>
-                  <a:cs typeface="Arial" panose="020B0604020202020204" pitchFamily="34" charset="0"/>
-                </a:rPr>
-                <a:t>|Q_flow1| = |Q_flow2|</a:t>
-              </a:r>
-            </a:p>
-          </p:txBody>
-        </p:sp>
-        <p:cxnSp>
-          <p:nvCxnSpPr>
-            <p:cNvPr id="5" name="直線矢印コネクタ 4">
-              <a:extLst>
-                <a:ext uri="{FF2B5EF4-FFF2-40B4-BE49-F238E27FC236}">
-                  <a16:creationId xmlns:a16="http://schemas.microsoft.com/office/drawing/2014/main" id="{DF1187B0-0CFC-47A0-AEE1-7C6B8B22EDBB}"/>
-                </a:ext>
-              </a:extLst>
-            </p:cNvPr>
-            <p:cNvCxnSpPr>
-              <a:cxnSpLocks/>
-              <a:stCxn id="4" idx="0"/>
-            </p:cNvCxnSpPr>
-            <p:nvPr/>
-          </p:nvCxnSpPr>
-          <p:spPr>
-            <a:xfrm flipH="1" flipV="1">
-              <a:off x="3369736" y="1066805"/>
-              <a:ext cx="952498" cy="1058328"/>
-            </a:xfrm>
-            <a:prstGeom prst="straightConnector1">
-              <a:avLst/>
-            </a:prstGeom>
-            <a:ln w="12700">
-              <a:solidFill>
-                <a:schemeClr val="tx1"/>
-              </a:solidFill>
-              <a:tailEnd type="oval"/>
-            </a:ln>
-          </p:spPr>
-          <p:style>
-            <a:lnRef idx="1">
-              <a:schemeClr val="accent1"/>
-            </a:lnRef>
-            <a:fillRef idx="0">
-              <a:schemeClr val="accent1"/>
-            </a:fillRef>
-            <a:effectRef idx="0">
-              <a:schemeClr val="accent1"/>
-            </a:effectRef>
-            <a:fontRef idx="minor">
-              <a:schemeClr val="tx1"/>
-            </a:fontRef>
-          </p:style>
-        </p:cxnSp>
-        <p:cxnSp>
-          <p:nvCxnSpPr>
-            <p:cNvPr id="12" name="直線矢印コネクタ 11">
-              <a:extLst>
-                <a:ext uri="{FF2B5EF4-FFF2-40B4-BE49-F238E27FC236}">
-                  <a16:creationId xmlns:a16="http://schemas.microsoft.com/office/drawing/2014/main" id="{FFA8E9CA-62CE-4FAC-8322-C7F334D56DB1}"/>
-                </a:ext>
-              </a:extLst>
-            </p:cNvPr>
-            <p:cNvCxnSpPr>
-              <a:cxnSpLocks/>
-              <a:stCxn id="4" idx="2"/>
-            </p:cNvCxnSpPr>
-            <p:nvPr/>
-          </p:nvCxnSpPr>
-          <p:spPr>
-            <a:xfrm flipH="1">
-              <a:off x="3479800" y="2565401"/>
-              <a:ext cx="842434" cy="1214436"/>
-            </a:xfrm>
-            <a:prstGeom prst="straightConnector1">
-              <a:avLst/>
-            </a:prstGeom>
-            <a:ln w="12700">
-              <a:solidFill>
-                <a:schemeClr val="tx1"/>
-              </a:solidFill>
-              <a:tailEnd type="oval"/>
-            </a:ln>
-          </p:spPr>
-          <p:style>
-            <a:lnRef idx="1">
-              <a:schemeClr val="accent1"/>
-            </a:lnRef>
-            <a:fillRef idx="0">
-              <a:schemeClr val="accent1"/>
-            </a:fillRef>
-            <a:effectRef idx="0">
-              <a:schemeClr val="accent1"/>
-            </a:effectRef>
-            <a:fontRef idx="minor">
-              <a:schemeClr val="tx1"/>
-            </a:fontRef>
-          </p:style>
-        </p:cxnSp>
-        <p:sp>
-          <p:nvSpPr>
-            <p:cNvPr id="28" name="テキスト ボックス 10">
-              <a:extLst>
-                <a:ext uri="{FF2B5EF4-FFF2-40B4-BE49-F238E27FC236}">
-                  <a16:creationId xmlns:a16="http://schemas.microsoft.com/office/drawing/2014/main" id="{136C945D-16F2-49CA-86DF-D34D4F1DD344}"/>
-                </a:ext>
-              </a:extLst>
-            </p:cNvPr>
-            <p:cNvSpPr txBox="1"/>
-            <p:nvPr/>
-          </p:nvSpPr>
-          <p:spPr>
-            <a:xfrm>
-              <a:off x="1800648" y="1947330"/>
-              <a:ext cx="1569085" cy="677337"/>
-            </a:xfrm>
-            <a:prstGeom prst="rect">
-              <a:avLst/>
-            </a:prstGeom>
-            <a:solidFill>
-              <a:srgbClr val="ED7D31">
-                <a:alpha val="40000"/>
-              </a:srgbClr>
-            </a:solidFill>
-            <a:ln>
-              <a:solidFill>
-                <a:schemeClr val="tx1"/>
-              </a:solidFill>
-            </a:ln>
-          </p:spPr>
-          <p:txBody>
-            <a:bodyPr wrap="square" rtlCol="0">
-              <a:noAutofit/>
-            </a:bodyPr>
-            <a:lstStyle/>
-            <a:p>
-              <a:r>
-                <a:rPr lang="en-US" sz="700" dirty="0">
-                  <a:latin typeface="Arial" panose="020B0604020202020204" pitchFamily="34" charset="0"/>
-                  <a:cs typeface="Arial" panose="020B0604020202020204" pitchFamily="34" charset="0"/>
-                </a:rPr>
-                <a:t>Amount of heat exchanged is calculated from fluid heat capacity of inlets and heat exchanger effectiveness which is given as real signal.</a:t>
-              </a:r>
-            </a:p>
-          </p:txBody>
-        </p:sp>
-        <p:sp>
-          <p:nvSpPr>
-            <p:cNvPr id="29" name="テキスト ボックス 10">
-              <a:extLst>
-                <a:ext uri="{FF2B5EF4-FFF2-40B4-BE49-F238E27FC236}">
-                  <a16:creationId xmlns:a16="http://schemas.microsoft.com/office/drawing/2014/main" id="{92FE787E-298A-43A4-90CA-42619850B7F7}"/>
-                </a:ext>
-              </a:extLst>
-            </p:cNvPr>
-            <p:cNvSpPr txBox="1"/>
-            <p:nvPr/>
-          </p:nvSpPr>
-          <p:spPr>
-            <a:xfrm>
-              <a:off x="2365888" y="4131249"/>
-              <a:ext cx="1799711" cy="423333"/>
-            </a:xfrm>
-            <a:prstGeom prst="rect">
-              <a:avLst/>
-            </a:prstGeom>
-            <a:solidFill>
-              <a:srgbClr val="ED7D31">
-                <a:alpha val="40000"/>
-              </a:srgbClr>
-            </a:solidFill>
-            <a:ln>
-              <a:solidFill>
-                <a:schemeClr val="tx1"/>
-              </a:solidFill>
-            </a:ln>
-          </p:spPr>
-          <p:txBody>
-            <a:bodyPr wrap="square" rtlCol="0">
-              <a:noAutofit/>
-            </a:bodyPr>
-            <a:lstStyle/>
-            <a:p>
-              <a:r>
-                <a:rPr lang="en-US" sz="700" dirty="0">
-                  <a:latin typeface="Arial" panose="020B0604020202020204" pitchFamily="34" charset="0"/>
-                  <a:cs typeface="Arial" panose="020B0604020202020204" pitchFamily="34" charset="0"/>
-                </a:rPr>
-                <a:t>Which is inlet or outlet is NOT pre-defined. It is automatically determined depending on states of ports.</a:t>
-              </a:r>
-            </a:p>
-          </p:txBody>
-        </p:sp>
-        <p:cxnSp>
-          <p:nvCxnSpPr>
-            <p:cNvPr id="30" name="直線矢印コネクタ 29">
-              <a:extLst>
-                <a:ext uri="{FF2B5EF4-FFF2-40B4-BE49-F238E27FC236}">
-                  <a16:creationId xmlns:a16="http://schemas.microsoft.com/office/drawing/2014/main" id="{A17FB157-CCB2-4E28-9179-52F5C03F01E7}"/>
-                </a:ext>
-              </a:extLst>
-            </p:cNvPr>
-            <p:cNvCxnSpPr>
-              <a:cxnSpLocks/>
-              <a:stCxn id="29" idx="0"/>
-            </p:cNvCxnSpPr>
-            <p:nvPr/>
-          </p:nvCxnSpPr>
-          <p:spPr>
-            <a:xfrm flipH="1" flipV="1">
-              <a:off x="1917154" y="3844607"/>
-              <a:ext cx="1348590" cy="286642"/>
-            </a:xfrm>
-            <a:prstGeom prst="straightConnector1">
-              <a:avLst/>
-            </a:prstGeom>
-            <a:ln w="12700">
-              <a:solidFill>
-                <a:schemeClr val="tx1"/>
-              </a:solidFill>
-              <a:tailEnd type="oval"/>
-            </a:ln>
-          </p:spPr>
-          <p:style>
-            <a:lnRef idx="1">
-              <a:schemeClr val="accent1"/>
-            </a:lnRef>
-            <a:fillRef idx="0">
-              <a:schemeClr val="accent1"/>
-            </a:fillRef>
-            <a:effectRef idx="0">
-              <a:schemeClr val="accent1"/>
-            </a:effectRef>
-            <a:fontRef idx="minor">
-              <a:schemeClr val="tx1"/>
-            </a:fontRef>
-          </p:style>
-        </p:cxnSp>
-        <p:cxnSp>
-          <p:nvCxnSpPr>
-            <p:cNvPr id="36" name="直線矢印コネクタ 35">
-              <a:extLst>
-                <a:ext uri="{FF2B5EF4-FFF2-40B4-BE49-F238E27FC236}">
-                  <a16:creationId xmlns:a16="http://schemas.microsoft.com/office/drawing/2014/main" id="{D8EB2DB4-A1E8-4CDE-BFA9-41BBD193B89E}"/>
-                </a:ext>
-              </a:extLst>
-            </p:cNvPr>
-            <p:cNvCxnSpPr>
-              <a:cxnSpLocks/>
-              <a:stCxn id="29" idx="0"/>
-            </p:cNvCxnSpPr>
-            <p:nvPr/>
-          </p:nvCxnSpPr>
-          <p:spPr>
-            <a:xfrm flipV="1">
-              <a:off x="3265744" y="3844607"/>
-              <a:ext cx="1348589" cy="286642"/>
-            </a:xfrm>
-            <a:prstGeom prst="straightConnector1">
-              <a:avLst/>
-            </a:prstGeom>
-            <a:ln w="12700">
-              <a:solidFill>
-                <a:schemeClr val="tx1"/>
-              </a:solidFill>
-              <a:tailEnd type="oval"/>
-            </a:ln>
-          </p:spPr>
-          <p:style>
-            <a:lnRef idx="1">
-              <a:schemeClr val="accent1"/>
-            </a:lnRef>
-            <a:fillRef idx="0">
-              <a:schemeClr val="accent1"/>
-            </a:fillRef>
-            <a:effectRef idx="0">
-              <a:schemeClr val="accent1"/>
-            </a:effectRef>
-            <a:fontRef idx="minor">
-              <a:schemeClr val="tx1"/>
-            </a:fontRef>
-          </p:style>
-        </p:cxnSp>
-        <p:sp>
-          <p:nvSpPr>
-            <p:cNvPr id="48" name="テキスト ボックス 10">
-              <a:extLst>
-                <a:ext uri="{FF2B5EF4-FFF2-40B4-BE49-F238E27FC236}">
-                  <a16:creationId xmlns:a16="http://schemas.microsoft.com/office/drawing/2014/main" id="{8343A767-F41D-48A8-B77F-02DA5EFDD99D}"/>
-                </a:ext>
-              </a:extLst>
-            </p:cNvPr>
-            <p:cNvSpPr txBox="1"/>
-            <p:nvPr/>
-          </p:nvSpPr>
-          <p:spPr>
-            <a:xfrm>
-              <a:off x="5425228" y="1947330"/>
-              <a:ext cx="1569085" cy="618070"/>
-            </a:xfrm>
-            <a:prstGeom prst="rect">
-              <a:avLst/>
-            </a:prstGeom>
-            <a:solidFill>
-              <a:srgbClr val="ED7D31">
-                <a:alpha val="40000"/>
-              </a:srgbClr>
-            </a:solidFill>
-            <a:ln>
-              <a:solidFill>
-                <a:schemeClr val="tx1"/>
-              </a:solidFill>
-            </a:ln>
-          </p:spPr>
-          <p:txBody>
-            <a:bodyPr wrap="square" rtlCol="0">
-              <a:noAutofit/>
-            </a:bodyPr>
-            <a:lstStyle/>
-            <a:p>
-              <a:r>
-                <a:rPr lang="en-US" sz="700" dirty="0">
-                  <a:latin typeface="Arial" panose="020B0604020202020204" pitchFamily="34" charset="0"/>
-                  <a:cs typeface="Arial" panose="020B0604020202020204" pitchFamily="34" charset="0"/>
-                </a:rPr>
-                <a:t>Which is hot or cold side is NOT pre-defined. It is automatically determined depending on states of inlet ports.</a:t>
-              </a:r>
-            </a:p>
-          </p:txBody>
-        </p:sp>
-        <p:cxnSp>
-          <p:nvCxnSpPr>
-            <p:cNvPr id="57" name="直線矢印コネクタ 56">
-              <a:extLst>
-                <a:ext uri="{FF2B5EF4-FFF2-40B4-BE49-F238E27FC236}">
-                  <a16:creationId xmlns:a16="http://schemas.microsoft.com/office/drawing/2014/main" id="{6455B2A2-E6F2-4C96-B9E4-14DE7E240A34}"/>
-                </a:ext>
-              </a:extLst>
-            </p:cNvPr>
-            <p:cNvCxnSpPr>
-              <a:cxnSpLocks/>
-              <a:stCxn id="48" idx="1"/>
-            </p:cNvCxnSpPr>
-            <p:nvPr/>
-          </p:nvCxnSpPr>
-          <p:spPr>
-            <a:xfrm flipH="1" flipV="1">
-              <a:off x="4992272" y="1202267"/>
-              <a:ext cx="432956" cy="1054098"/>
-            </a:xfrm>
-            <a:prstGeom prst="straightConnector1">
-              <a:avLst/>
-            </a:prstGeom>
-            <a:ln w="12700">
-              <a:solidFill>
-                <a:schemeClr val="tx1"/>
-              </a:solidFill>
-              <a:tailEnd type="oval"/>
-            </a:ln>
-          </p:spPr>
-          <p:style>
-            <a:lnRef idx="1">
-              <a:schemeClr val="accent1"/>
-            </a:lnRef>
-            <a:fillRef idx="0">
-              <a:schemeClr val="accent1"/>
-            </a:fillRef>
-            <a:effectRef idx="0">
-              <a:schemeClr val="accent1"/>
-            </a:effectRef>
-            <a:fontRef idx="minor">
-              <a:schemeClr val="tx1"/>
-            </a:fontRef>
-          </p:style>
-        </p:cxnSp>
-        <p:cxnSp>
-          <p:nvCxnSpPr>
-            <p:cNvPr id="67" name="直線矢印コネクタ 66">
-              <a:extLst>
-                <a:ext uri="{FF2B5EF4-FFF2-40B4-BE49-F238E27FC236}">
-                  <a16:creationId xmlns:a16="http://schemas.microsoft.com/office/drawing/2014/main" id="{357B62F8-A4CA-47A3-A0F2-BB107EC90F3D}"/>
-                </a:ext>
-              </a:extLst>
-            </p:cNvPr>
-            <p:cNvCxnSpPr>
-              <a:cxnSpLocks/>
-              <a:stCxn id="48" idx="1"/>
-            </p:cNvCxnSpPr>
-            <p:nvPr/>
-          </p:nvCxnSpPr>
-          <p:spPr>
-            <a:xfrm flipH="1">
-              <a:off x="4992272" y="2256365"/>
-              <a:ext cx="432956" cy="1523472"/>
-            </a:xfrm>
-            <a:prstGeom prst="straightConnector1">
-              <a:avLst/>
-            </a:prstGeom>
-            <a:ln w="12700">
-              <a:solidFill>
-                <a:schemeClr val="tx1"/>
-              </a:solidFill>
-              <a:tailEnd type="oval"/>
-            </a:ln>
-          </p:spPr>
-          <p:style>
-            <a:lnRef idx="1">
-              <a:schemeClr val="accent1"/>
-            </a:lnRef>
-            <a:fillRef idx="0">
-              <a:schemeClr val="accent1"/>
-            </a:fillRef>
-            <a:effectRef idx="0">
-              <a:schemeClr val="accent1"/>
-            </a:effectRef>
-            <a:fontRef idx="minor">
-              <a:schemeClr val="tx1"/>
-            </a:fontRef>
-          </p:style>
-        </p:cxnSp>
-      </p:grpSp>
-    </p:spTree>
-  </p:cSld>
-  <p:clrMapOvr>
-    <a:masterClrMapping/>
-  </p:clrMapOvr>
-</p:sld>
-</file>
-
-<file path=ppt/slides/slide9.xml><?xml version="1.0" encoding="utf-8"?>
-<p:sld xmlns:a="http://schemas.openxmlformats.org/drawingml/2006/main" xmlns:r="http://schemas.openxmlformats.org/officeDocument/2006/relationships" xmlns:p="http://schemas.openxmlformats.org/presentationml/2006/main">
-  <p:cSld>
-    <p:spTree>
-      <p:nvGrpSpPr>
-        <p:cNvPr id="1" name=""/>
-        <p:cNvGrpSpPr/>
-        <p:nvPr/>
-      </p:nvGrpSpPr>
-      <p:grpSpPr>
-        <a:xfrm>
-          <a:off x="0" y="0"/>
-          <a:ext cx="0" cy="0"/>
-          <a:chOff x="0" y="0"/>
-          <a:chExt cx="0" cy="0"/>
-        </a:xfrm>
-      </p:grpSpPr>
-      <p:pic>
-        <p:nvPicPr>
-          <p:cNvPr id="3" name="図 2">
-            <a:extLst>
-              <a:ext uri="{FF2B5EF4-FFF2-40B4-BE49-F238E27FC236}">
-                <a16:creationId xmlns:a16="http://schemas.microsoft.com/office/drawing/2014/main" id="{3E9ECBA8-A2D9-4A78-99D7-7803B3981FB2}"/>
-              </a:ext>
-            </a:extLst>
-          </p:cNvPr>
-          <p:cNvPicPr>
-            <a:picLocks noChangeAspect="1"/>
-          </p:cNvPicPr>
-          <p:nvPr/>
-        </p:nvPicPr>
-        <p:blipFill>
-          <a:blip r:embed="rId2"/>
-          <a:stretch>
-            <a:fillRect/>
-          </a:stretch>
-        </p:blipFill>
-        <p:spPr>
-          <a:xfrm>
-            <a:off x="224387" y="298873"/>
-            <a:ext cx="7200000" cy="6124141"/>
-          </a:xfrm>
-          <a:prstGeom prst="rect">
-            <a:avLst/>
-          </a:prstGeom>
-        </p:spPr>
-      </p:pic>
-    </p:spTree>
-  </p:cSld>
-  <p:clrMapOvr>
-    <a:masterClrMapping/>
-  </p:clrMapOvr>
-</p:sld>
-</file>
-
 <file path=ppt/theme/theme1.xml><?xml version="1.0" encoding="utf-8"?>
 <a:theme xmlns:a="http://schemas.openxmlformats.org/drawingml/2006/main" name="Office Theme">
   <a:themeElements>
